--- a/Praesentation.pptx
+++ b/Praesentation.pptx
@@ -8,12 +8,13 @@
     <p:sldId id="256" r:id="rId2"/>
     <p:sldId id="257" r:id="rId3"/>
     <p:sldId id="259" r:id="rId4"/>
-    <p:sldId id="260" r:id="rId5"/>
-    <p:sldId id="258" r:id="rId6"/>
-    <p:sldId id="266" r:id="rId7"/>
-    <p:sldId id="263" r:id="rId8"/>
-    <p:sldId id="264" r:id="rId9"/>
-    <p:sldId id="265" r:id="rId10"/>
+    <p:sldId id="258" r:id="rId5"/>
+    <p:sldId id="260" r:id="rId6"/>
+    <p:sldId id="267" r:id="rId7"/>
+    <p:sldId id="266" r:id="rId8"/>
+    <p:sldId id="263" r:id="rId9"/>
+    <p:sldId id="264" r:id="rId10"/>
+    <p:sldId id="265" r:id="rId11"/>
   </p:sldIdLst>
   <p:sldSz cx="12192000" cy="6858000"/>
   <p:notesSz cx="6858000" cy="9144000"/>
@@ -112,6 +113,11 @@
       </a:defRPr>
     </a:lvl9pPr>
   </p:defaultTextStyle>
+  <p:extLst>
+    <p:ext uri="{EFAFB233-063F-42B5-8137-9DF3F51BA10A}">
+      <p15:sldGuideLst xmlns:p15="http://schemas.microsoft.com/office/powerpoint/2012/main"/>
+    </p:ext>
+  </p:extLst>
 </p:presentation>
 </file>
 
@@ -245,7 +251,7 @@
           </a:lstStyle>
           <a:p>
             <a:r>
-              <a:rPr lang="de-DE" smtClean="0"/>
+              <a:rPr lang="de-DE"/>
               <a:t>Titelmasterformat durch Klicken bearbeiten</a:t>
             </a:r>
             <a:endParaRPr lang="en-US" dirty="0"/>
@@ -317,7 +323,7 @@
           </a:lstStyle>
           <a:p>
             <a:r>
-              <a:rPr lang="de-DE" smtClean="0"/>
+              <a:rPr lang="de-DE"/>
               <a:t>Formatvorlage des Untertitelmasters durch Klicken bearbeiten</a:t>
             </a:r>
             <a:endParaRPr lang="en-US" dirty="0"/>
@@ -341,9 +347,9 @@
           <a:p>
             <a:fld id="{49C59592-045F-4046-8645-2085C4B816F7}" type="datetimeFigureOut">
               <a:rPr lang="de-DE" smtClean="0"/>
-              <a:t>03.06.2019</a:t>
+              <a:t>04.06.2019</a:t>
             </a:fld>
-            <a:endParaRPr lang="de-DE"/>
+            <a:endParaRPr lang="de-DE" dirty="0"/>
           </a:p>
         </p:txBody>
       </p:sp>
@@ -362,7 +368,7 @@
           <a:bodyPr/>
           <a:lstStyle/>
           <a:p>
-            <a:endParaRPr lang="de-DE"/>
+            <a:endParaRPr lang="de-DE" dirty="0"/>
           </a:p>
         </p:txBody>
       </p:sp>
@@ -383,9 +389,9 @@
           <a:p>
             <a:fld id="{2C26B24D-DB5E-4E92-A315-6B2CE60C0022}" type="slidenum">
               <a:rPr lang="de-DE" smtClean="0"/>
-              <a:t>‹Nr.›</a:t>
+              <a:t>‹#›</a:t>
             </a:fld>
-            <a:endParaRPr lang="de-DE"/>
+            <a:endParaRPr lang="de-DE" dirty="0"/>
           </a:p>
         </p:txBody>
       </p:sp>
@@ -473,7 +479,7 @@
           <a:lstStyle/>
           <a:p>
             <a:r>
-              <a:rPr lang="de-DE" smtClean="0"/>
+              <a:rPr lang="de-DE"/>
               <a:t>Titelmasterformat durch Klicken bearbeiten</a:t>
             </a:r>
             <a:endParaRPr lang="en-US" dirty="0"/>
@@ -497,35 +503,35 @@
           <a:p>
             <a:pPr lvl="0"/>
             <a:r>
-              <a:rPr lang="de-DE" smtClean="0"/>
+              <a:rPr lang="de-DE"/>
               <a:t>Textmasterformat bearbeiten</a:t>
             </a:r>
           </a:p>
           <a:p>
             <a:pPr lvl="1"/>
             <a:r>
-              <a:rPr lang="de-DE" smtClean="0"/>
+              <a:rPr lang="de-DE"/>
               <a:t>Zweite Ebene</a:t>
             </a:r>
           </a:p>
           <a:p>
             <a:pPr lvl="2"/>
             <a:r>
-              <a:rPr lang="de-DE" smtClean="0"/>
+              <a:rPr lang="de-DE"/>
               <a:t>Dritte Ebene</a:t>
             </a:r>
           </a:p>
           <a:p>
             <a:pPr lvl="3"/>
             <a:r>
-              <a:rPr lang="de-DE" smtClean="0"/>
+              <a:rPr lang="de-DE"/>
               <a:t>Vierte Ebene</a:t>
             </a:r>
           </a:p>
           <a:p>
             <a:pPr lvl="4"/>
             <a:r>
-              <a:rPr lang="de-DE" smtClean="0"/>
+              <a:rPr lang="de-DE"/>
               <a:t>Fünfte Ebene</a:t>
             </a:r>
             <a:endParaRPr lang="en-US" dirty="0"/>
@@ -549,9 +555,9 @@
           <a:p>
             <a:fld id="{49C59592-045F-4046-8645-2085C4B816F7}" type="datetimeFigureOut">
               <a:rPr lang="de-DE" smtClean="0"/>
-              <a:t>03.06.2019</a:t>
+              <a:t>04.06.2019</a:t>
             </a:fld>
-            <a:endParaRPr lang="de-DE"/>
+            <a:endParaRPr lang="de-DE" dirty="0"/>
           </a:p>
         </p:txBody>
       </p:sp>
@@ -570,7 +576,7 @@
           <a:bodyPr/>
           <a:lstStyle/>
           <a:p>
-            <a:endParaRPr lang="de-DE"/>
+            <a:endParaRPr lang="de-DE" dirty="0"/>
           </a:p>
         </p:txBody>
       </p:sp>
@@ -591,9 +597,9 @@
           <a:p>
             <a:fld id="{2C26B24D-DB5E-4E92-A315-6B2CE60C0022}" type="slidenum">
               <a:rPr lang="de-DE" smtClean="0"/>
-              <a:t>‹Nr.›</a:t>
+              <a:t>‹#›</a:t>
             </a:fld>
-            <a:endParaRPr lang="de-DE"/>
+            <a:endParaRPr lang="de-DE" dirty="0"/>
           </a:p>
         </p:txBody>
       </p:sp>
@@ -724,7 +730,7 @@
           <a:lstStyle/>
           <a:p>
             <a:r>
-              <a:rPr lang="de-DE" smtClean="0"/>
+              <a:rPr lang="de-DE"/>
               <a:t>Titelmasterformat durch Klicken bearbeiten</a:t>
             </a:r>
             <a:endParaRPr lang="en-US" dirty="0"/>
@@ -753,35 +759,35 @@
           <a:p>
             <a:pPr lvl="0"/>
             <a:r>
-              <a:rPr lang="de-DE" smtClean="0"/>
+              <a:rPr lang="de-DE"/>
               <a:t>Textmasterformat bearbeiten</a:t>
             </a:r>
           </a:p>
           <a:p>
             <a:pPr lvl="1"/>
             <a:r>
-              <a:rPr lang="de-DE" smtClean="0"/>
+              <a:rPr lang="de-DE"/>
               <a:t>Zweite Ebene</a:t>
             </a:r>
           </a:p>
           <a:p>
             <a:pPr lvl="2"/>
             <a:r>
-              <a:rPr lang="de-DE" smtClean="0"/>
+              <a:rPr lang="de-DE"/>
               <a:t>Dritte Ebene</a:t>
             </a:r>
           </a:p>
           <a:p>
             <a:pPr lvl="3"/>
             <a:r>
-              <a:rPr lang="de-DE" smtClean="0"/>
+              <a:rPr lang="de-DE"/>
               <a:t>Vierte Ebene</a:t>
             </a:r>
           </a:p>
           <a:p>
             <a:pPr lvl="4"/>
             <a:r>
-              <a:rPr lang="de-DE" smtClean="0"/>
+              <a:rPr lang="de-DE"/>
               <a:t>Fünfte Ebene</a:t>
             </a:r>
             <a:endParaRPr lang="en-US" dirty="0"/>
@@ -805,9 +811,9 @@
           <a:p>
             <a:fld id="{49C59592-045F-4046-8645-2085C4B816F7}" type="datetimeFigureOut">
               <a:rPr lang="de-DE" smtClean="0"/>
-              <a:t>03.06.2019</a:t>
+              <a:t>04.06.2019</a:t>
             </a:fld>
-            <a:endParaRPr lang="de-DE"/>
+            <a:endParaRPr lang="de-DE" dirty="0"/>
           </a:p>
         </p:txBody>
       </p:sp>
@@ -826,7 +832,7 @@
           <a:bodyPr/>
           <a:lstStyle/>
           <a:p>
-            <a:endParaRPr lang="de-DE"/>
+            <a:endParaRPr lang="de-DE" dirty="0"/>
           </a:p>
         </p:txBody>
       </p:sp>
@@ -847,9 +853,9 @@
           <a:p>
             <a:fld id="{2C26B24D-DB5E-4E92-A315-6B2CE60C0022}" type="slidenum">
               <a:rPr lang="de-DE" smtClean="0"/>
-              <a:t>‹Nr.›</a:t>
+              <a:t>‹#›</a:t>
             </a:fld>
-            <a:endParaRPr lang="de-DE"/>
+            <a:endParaRPr lang="de-DE" dirty="0"/>
           </a:p>
         </p:txBody>
       </p:sp>
@@ -903,7 +909,7 @@
           </a:lstStyle>
           <a:p>
             <a:r>
-              <a:rPr lang="de-DE" smtClean="0"/>
+              <a:rPr lang="de-DE"/>
               <a:t>Titelmasterformat durch Klicken bearbeiten</a:t>
             </a:r>
             <a:endParaRPr lang="en-US" dirty="0"/>
@@ -927,35 +933,35 @@
           <a:p>
             <a:pPr lvl="0"/>
             <a:r>
-              <a:rPr lang="de-DE" smtClean="0"/>
+              <a:rPr lang="de-DE"/>
               <a:t>Textmasterformat bearbeiten</a:t>
             </a:r>
           </a:p>
           <a:p>
             <a:pPr lvl="1"/>
             <a:r>
-              <a:rPr lang="de-DE" smtClean="0"/>
+              <a:rPr lang="de-DE"/>
               <a:t>Zweite Ebene</a:t>
             </a:r>
           </a:p>
           <a:p>
             <a:pPr lvl="2"/>
             <a:r>
-              <a:rPr lang="de-DE" smtClean="0"/>
+              <a:rPr lang="de-DE"/>
               <a:t>Dritte Ebene</a:t>
             </a:r>
           </a:p>
           <a:p>
             <a:pPr lvl="3"/>
             <a:r>
-              <a:rPr lang="de-DE" smtClean="0"/>
+              <a:rPr lang="de-DE"/>
               <a:t>Vierte Ebene</a:t>
             </a:r>
           </a:p>
           <a:p>
             <a:pPr lvl="4"/>
             <a:r>
-              <a:rPr lang="de-DE" smtClean="0"/>
+              <a:rPr lang="de-DE"/>
               <a:t>Fünfte Ebene</a:t>
             </a:r>
             <a:endParaRPr lang="en-US" dirty="0"/>
@@ -979,9 +985,9 @@
           <a:p>
             <a:fld id="{49C59592-045F-4046-8645-2085C4B816F7}" type="datetimeFigureOut">
               <a:rPr lang="de-DE" smtClean="0"/>
-              <a:t>03.06.2019</a:t>
+              <a:t>04.06.2019</a:t>
             </a:fld>
-            <a:endParaRPr lang="de-DE"/>
+            <a:endParaRPr lang="de-DE" dirty="0"/>
           </a:p>
         </p:txBody>
       </p:sp>
@@ -1000,7 +1006,7 @@
           <a:bodyPr/>
           <a:lstStyle/>
           <a:p>
-            <a:endParaRPr lang="de-DE"/>
+            <a:endParaRPr lang="de-DE" dirty="0"/>
           </a:p>
         </p:txBody>
       </p:sp>
@@ -1021,9 +1027,9 @@
           <a:p>
             <a:fld id="{2C26B24D-DB5E-4E92-A315-6B2CE60C0022}" type="slidenum">
               <a:rPr lang="de-DE" smtClean="0"/>
-              <a:t>‹Nr.›</a:t>
+              <a:t>‹#›</a:t>
             </a:fld>
-            <a:endParaRPr lang="de-DE"/>
+            <a:endParaRPr lang="de-DE" dirty="0"/>
           </a:p>
         </p:txBody>
       </p:sp>
@@ -1178,7 +1184,7 @@
           </a:lstStyle>
           <a:p>
             <a:r>
-              <a:rPr lang="de-DE" smtClean="0"/>
+              <a:rPr lang="de-DE"/>
               <a:t>Titelmasterformat durch Klicken bearbeiten</a:t>
             </a:r>
             <a:endParaRPr lang="en-US" dirty="0"/>
@@ -1299,7 +1305,7 @@
           <a:p>
             <a:pPr lvl="0"/>
             <a:r>
-              <a:rPr lang="de-DE" smtClean="0"/>
+              <a:rPr lang="de-DE"/>
               <a:t>Textmasterformat bearbeiten</a:t>
             </a:r>
           </a:p>
@@ -1322,9 +1328,9 @@
           <a:p>
             <a:fld id="{49C59592-045F-4046-8645-2085C4B816F7}" type="datetimeFigureOut">
               <a:rPr lang="de-DE" smtClean="0"/>
-              <a:t>03.06.2019</a:t>
+              <a:t>04.06.2019</a:t>
             </a:fld>
-            <a:endParaRPr lang="de-DE"/>
+            <a:endParaRPr lang="de-DE" dirty="0"/>
           </a:p>
         </p:txBody>
       </p:sp>
@@ -1343,7 +1349,7 @@
           <a:bodyPr/>
           <a:lstStyle/>
           <a:p>
-            <a:endParaRPr lang="de-DE"/>
+            <a:endParaRPr lang="de-DE" dirty="0"/>
           </a:p>
         </p:txBody>
       </p:sp>
@@ -1364,9 +1370,9 @@
           <a:p>
             <a:fld id="{2C26B24D-DB5E-4E92-A315-6B2CE60C0022}" type="slidenum">
               <a:rPr lang="de-DE" smtClean="0"/>
-              <a:t>‹Nr.›</a:t>
+              <a:t>‹#›</a:t>
             </a:fld>
-            <a:endParaRPr lang="de-DE"/>
+            <a:endParaRPr lang="de-DE" dirty="0"/>
           </a:p>
         </p:txBody>
       </p:sp>
@@ -1459,7 +1465,7 @@
           <a:lstStyle/>
           <a:p>
             <a:r>
-              <a:rPr lang="de-DE" smtClean="0"/>
+              <a:rPr lang="de-DE"/>
               <a:t>Titelmasterformat durch Klicken bearbeiten</a:t>
             </a:r>
             <a:endParaRPr lang="en-US" dirty="0"/>
@@ -1488,35 +1494,35 @@
           <a:p>
             <a:pPr lvl="0"/>
             <a:r>
-              <a:rPr lang="de-DE" smtClean="0"/>
+              <a:rPr lang="de-DE"/>
               <a:t>Textmasterformat bearbeiten</a:t>
             </a:r>
           </a:p>
           <a:p>
             <a:pPr lvl="1"/>
             <a:r>
-              <a:rPr lang="de-DE" smtClean="0"/>
+              <a:rPr lang="de-DE"/>
               <a:t>Zweite Ebene</a:t>
             </a:r>
           </a:p>
           <a:p>
             <a:pPr lvl="2"/>
             <a:r>
-              <a:rPr lang="de-DE" smtClean="0"/>
+              <a:rPr lang="de-DE"/>
               <a:t>Dritte Ebene</a:t>
             </a:r>
           </a:p>
           <a:p>
             <a:pPr lvl="3"/>
             <a:r>
-              <a:rPr lang="de-DE" smtClean="0"/>
+              <a:rPr lang="de-DE"/>
               <a:t>Vierte Ebene</a:t>
             </a:r>
           </a:p>
           <a:p>
             <a:pPr lvl="4"/>
             <a:r>
-              <a:rPr lang="de-DE" smtClean="0"/>
+              <a:rPr lang="de-DE"/>
               <a:t>Fünfte Ebene</a:t>
             </a:r>
             <a:endParaRPr lang="en-US" dirty="0"/>
@@ -1545,35 +1551,35 @@
           <a:p>
             <a:pPr lvl="0"/>
             <a:r>
-              <a:rPr lang="de-DE" smtClean="0"/>
+              <a:rPr lang="de-DE"/>
               <a:t>Textmasterformat bearbeiten</a:t>
             </a:r>
           </a:p>
           <a:p>
             <a:pPr lvl="1"/>
             <a:r>
-              <a:rPr lang="de-DE" smtClean="0"/>
+              <a:rPr lang="de-DE"/>
               <a:t>Zweite Ebene</a:t>
             </a:r>
           </a:p>
           <a:p>
             <a:pPr lvl="2"/>
             <a:r>
-              <a:rPr lang="de-DE" smtClean="0"/>
+              <a:rPr lang="de-DE"/>
               <a:t>Dritte Ebene</a:t>
             </a:r>
           </a:p>
           <a:p>
             <a:pPr lvl="3"/>
             <a:r>
-              <a:rPr lang="de-DE" smtClean="0"/>
+              <a:rPr lang="de-DE"/>
               <a:t>Vierte Ebene</a:t>
             </a:r>
           </a:p>
           <a:p>
             <a:pPr lvl="4"/>
             <a:r>
-              <a:rPr lang="de-DE" smtClean="0"/>
+              <a:rPr lang="de-DE"/>
               <a:t>Fünfte Ebene</a:t>
             </a:r>
             <a:endParaRPr lang="en-US" dirty="0"/>
@@ -1597,9 +1603,9 @@
           <a:p>
             <a:fld id="{49C59592-045F-4046-8645-2085C4B816F7}" type="datetimeFigureOut">
               <a:rPr lang="de-DE" smtClean="0"/>
-              <a:t>03.06.2019</a:t>
+              <a:t>04.06.2019</a:t>
             </a:fld>
-            <a:endParaRPr lang="de-DE"/>
+            <a:endParaRPr lang="de-DE" dirty="0"/>
           </a:p>
         </p:txBody>
       </p:sp>
@@ -1618,7 +1624,7 @@
           <a:bodyPr/>
           <a:lstStyle/>
           <a:p>
-            <a:endParaRPr lang="de-DE"/>
+            <a:endParaRPr lang="de-DE" dirty="0"/>
           </a:p>
         </p:txBody>
       </p:sp>
@@ -1639,9 +1645,9 @@
           <a:p>
             <a:fld id="{2C26B24D-DB5E-4E92-A315-6B2CE60C0022}" type="slidenum">
               <a:rPr lang="de-DE" smtClean="0"/>
-              <a:t>‹Nr.›</a:t>
+              <a:t>‹#›</a:t>
             </a:fld>
-            <a:endParaRPr lang="de-DE"/>
+            <a:endParaRPr lang="de-DE" dirty="0"/>
           </a:p>
         </p:txBody>
       </p:sp>
@@ -1696,7 +1702,7 @@
           <a:lstStyle/>
           <a:p>
             <a:r>
-              <a:rPr lang="de-DE" smtClean="0"/>
+              <a:rPr lang="de-DE"/>
               <a:t>Titelmasterformat durch Klicken bearbeiten</a:t>
             </a:r>
             <a:endParaRPr lang="en-US" dirty="0"/>
@@ -1768,7 +1774,7 @@
           <a:p>
             <a:pPr lvl="0"/>
             <a:r>
-              <a:rPr lang="de-DE" smtClean="0"/>
+              <a:rPr lang="de-DE"/>
               <a:t>Textmasterformat bearbeiten</a:t>
             </a:r>
           </a:p>
@@ -1796,35 +1802,35 @@
           <a:p>
             <a:pPr lvl="0"/>
             <a:r>
-              <a:rPr lang="de-DE" smtClean="0"/>
+              <a:rPr lang="de-DE"/>
               <a:t>Textmasterformat bearbeiten</a:t>
             </a:r>
           </a:p>
           <a:p>
             <a:pPr lvl="1"/>
             <a:r>
-              <a:rPr lang="de-DE" smtClean="0"/>
+              <a:rPr lang="de-DE"/>
               <a:t>Zweite Ebene</a:t>
             </a:r>
           </a:p>
           <a:p>
             <a:pPr lvl="2"/>
             <a:r>
-              <a:rPr lang="de-DE" smtClean="0"/>
+              <a:rPr lang="de-DE"/>
               <a:t>Dritte Ebene</a:t>
             </a:r>
           </a:p>
           <a:p>
             <a:pPr lvl="3"/>
             <a:r>
-              <a:rPr lang="de-DE" smtClean="0"/>
+              <a:rPr lang="de-DE"/>
               <a:t>Vierte Ebene</a:t>
             </a:r>
           </a:p>
           <a:p>
             <a:pPr lvl="4"/>
             <a:r>
-              <a:rPr lang="de-DE" smtClean="0"/>
+              <a:rPr lang="de-DE"/>
               <a:t>Fünfte Ebene</a:t>
             </a:r>
             <a:endParaRPr lang="en-US" dirty="0"/>
@@ -1896,7 +1902,7 @@
           <a:p>
             <a:pPr lvl="0"/>
             <a:r>
-              <a:rPr lang="de-DE" smtClean="0"/>
+              <a:rPr lang="de-DE"/>
               <a:t>Textmasterformat bearbeiten</a:t>
             </a:r>
           </a:p>
@@ -1924,35 +1930,35 @@
           <a:p>
             <a:pPr lvl="0"/>
             <a:r>
-              <a:rPr lang="de-DE" smtClean="0"/>
+              <a:rPr lang="de-DE"/>
               <a:t>Textmasterformat bearbeiten</a:t>
             </a:r>
           </a:p>
           <a:p>
             <a:pPr lvl="1"/>
             <a:r>
-              <a:rPr lang="de-DE" smtClean="0"/>
+              <a:rPr lang="de-DE"/>
               <a:t>Zweite Ebene</a:t>
             </a:r>
           </a:p>
           <a:p>
             <a:pPr lvl="2"/>
             <a:r>
-              <a:rPr lang="de-DE" smtClean="0"/>
+              <a:rPr lang="de-DE"/>
               <a:t>Dritte Ebene</a:t>
             </a:r>
           </a:p>
           <a:p>
             <a:pPr lvl="3"/>
             <a:r>
-              <a:rPr lang="de-DE" smtClean="0"/>
+              <a:rPr lang="de-DE"/>
               <a:t>Vierte Ebene</a:t>
             </a:r>
           </a:p>
           <a:p>
             <a:pPr lvl="4"/>
             <a:r>
-              <a:rPr lang="de-DE" smtClean="0"/>
+              <a:rPr lang="de-DE"/>
               <a:t>Fünfte Ebene</a:t>
             </a:r>
             <a:endParaRPr lang="en-US" dirty="0"/>
@@ -1976,9 +1982,9 @@
           <a:p>
             <a:fld id="{49C59592-045F-4046-8645-2085C4B816F7}" type="datetimeFigureOut">
               <a:rPr lang="de-DE" smtClean="0"/>
-              <a:t>03.06.2019</a:t>
+              <a:t>04.06.2019</a:t>
             </a:fld>
-            <a:endParaRPr lang="de-DE"/>
+            <a:endParaRPr lang="de-DE" dirty="0"/>
           </a:p>
         </p:txBody>
       </p:sp>
@@ -1997,7 +2003,7 @@
           <a:bodyPr/>
           <a:lstStyle/>
           <a:p>
-            <a:endParaRPr lang="de-DE"/>
+            <a:endParaRPr lang="de-DE" dirty="0"/>
           </a:p>
         </p:txBody>
       </p:sp>
@@ -2018,9 +2024,9 @@
           <a:p>
             <a:fld id="{2C26B24D-DB5E-4E92-A315-6B2CE60C0022}" type="slidenum">
               <a:rPr lang="de-DE" smtClean="0"/>
-              <a:t>‹Nr.›</a:t>
+              <a:t>‹#›</a:t>
             </a:fld>
-            <a:endParaRPr lang="de-DE"/>
+            <a:endParaRPr lang="de-DE" dirty="0"/>
           </a:p>
         </p:txBody>
       </p:sp>
@@ -2070,7 +2076,7 @@
           <a:lstStyle/>
           <a:p>
             <a:r>
-              <a:rPr lang="de-DE" smtClean="0"/>
+              <a:rPr lang="de-DE"/>
               <a:t>Titelmasterformat durch Klicken bearbeiten</a:t>
             </a:r>
             <a:endParaRPr lang="en-US" dirty="0"/>
@@ -2094,9 +2100,9 @@
           <a:p>
             <a:fld id="{49C59592-045F-4046-8645-2085C4B816F7}" type="datetimeFigureOut">
               <a:rPr lang="de-DE" smtClean="0"/>
-              <a:t>03.06.2019</a:t>
+              <a:t>04.06.2019</a:t>
             </a:fld>
-            <a:endParaRPr lang="de-DE"/>
+            <a:endParaRPr lang="de-DE" dirty="0"/>
           </a:p>
         </p:txBody>
       </p:sp>
@@ -2115,7 +2121,7 @@
           <a:bodyPr/>
           <a:lstStyle/>
           <a:p>
-            <a:endParaRPr lang="de-DE"/>
+            <a:endParaRPr lang="de-DE" dirty="0"/>
           </a:p>
         </p:txBody>
       </p:sp>
@@ -2136,9 +2142,9 @@
           <a:p>
             <a:fld id="{2C26B24D-DB5E-4E92-A315-6B2CE60C0022}" type="slidenum">
               <a:rPr lang="de-DE" smtClean="0"/>
-              <a:t>‹Nr.›</a:t>
+              <a:t>‹#›</a:t>
             </a:fld>
-            <a:endParaRPr lang="de-DE"/>
+            <a:endParaRPr lang="de-DE" dirty="0"/>
           </a:p>
         </p:txBody>
       </p:sp>
@@ -2265,9 +2271,9 @@
           <a:p>
             <a:fld id="{49C59592-045F-4046-8645-2085C4B816F7}" type="datetimeFigureOut">
               <a:rPr lang="de-DE" smtClean="0"/>
-              <a:t>03.06.2019</a:t>
+              <a:t>04.06.2019</a:t>
             </a:fld>
-            <a:endParaRPr lang="de-DE"/>
+            <a:endParaRPr lang="de-DE" dirty="0"/>
           </a:p>
         </p:txBody>
       </p:sp>
@@ -2294,7 +2300,7 @@
             </a:lvl1pPr>
           </a:lstStyle>
           <a:p>
-            <a:endParaRPr lang="de-DE"/>
+            <a:endParaRPr lang="de-DE" dirty="0"/>
           </a:p>
         </p:txBody>
       </p:sp>
@@ -2315,9 +2321,9 @@
           <a:p>
             <a:fld id="{2C26B24D-DB5E-4E92-A315-6B2CE60C0022}" type="slidenum">
               <a:rPr lang="de-DE" smtClean="0"/>
-              <a:t>‹Nr.›</a:t>
+              <a:t>‹#›</a:t>
             </a:fld>
-            <a:endParaRPr lang="de-DE"/>
+            <a:endParaRPr lang="de-DE" dirty="0"/>
           </a:p>
         </p:txBody>
       </p:sp>
@@ -2458,7 +2464,7 @@
           </a:lstStyle>
           <a:p>
             <a:r>
-              <a:rPr lang="de-DE" smtClean="0"/>
+              <a:rPr lang="de-DE"/>
               <a:t>Titelmasterformat durch Klicken bearbeiten</a:t>
             </a:r>
             <a:endParaRPr lang="en-US" dirty="0"/>
@@ -2487,35 +2493,35 @@
           <a:p>
             <a:pPr lvl="0"/>
             <a:r>
-              <a:rPr lang="de-DE" smtClean="0"/>
+              <a:rPr lang="de-DE"/>
               <a:t>Textmasterformat bearbeiten</a:t>
             </a:r>
           </a:p>
           <a:p>
             <a:pPr lvl="1"/>
             <a:r>
-              <a:rPr lang="de-DE" smtClean="0"/>
+              <a:rPr lang="de-DE"/>
               <a:t>Zweite Ebene</a:t>
             </a:r>
           </a:p>
           <a:p>
             <a:pPr lvl="2"/>
             <a:r>
-              <a:rPr lang="de-DE" smtClean="0"/>
+              <a:rPr lang="de-DE"/>
               <a:t>Dritte Ebene</a:t>
             </a:r>
           </a:p>
           <a:p>
             <a:pPr lvl="3"/>
             <a:r>
-              <a:rPr lang="de-DE" smtClean="0"/>
+              <a:rPr lang="de-DE"/>
               <a:t>Vierte Ebene</a:t>
             </a:r>
           </a:p>
           <a:p>
             <a:pPr lvl="4"/>
             <a:r>
-              <a:rPr lang="de-DE" smtClean="0"/>
+              <a:rPr lang="de-DE"/>
               <a:t>Fünfte Ebene</a:t>
             </a:r>
             <a:endParaRPr lang="en-US" dirty="0"/>
@@ -2587,7 +2593,7 @@
           <a:p>
             <a:pPr lvl="0"/>
             <a:r>
-              <a:rPr lang="de-DE" smtClean="0"/>
+              <a:rPr lang="de-DE"/>
               <a:t>Textmasterformat bearbeiten</a:t>
             </a:r>
           </a:p>
@@ -2619,9 +2625,9 @@
           <a:p>
             <a:fld id="{49C59592-045F-4046-8645-2085C4B816F7}" type="datetimeFigureOut">
               <a:rPr lang="de-DE" smtClean="0"/>
-              <a:t>03.06.2019</a:t>
+              <a:t>04.06.2019</a:t>
             </a:fld>
-            <a:endParaRPr lang="de-DE"/>
+            <a:endParaRPr lang="de-DE" dirty="0"/>
           </a:p>
         </p:txBody>
       </p:sp>
@@ -2653,7 +2659,7 @@
             </a:lvl1pPr>
           </a:lstStyle>
           <a:p>
-            <a:endParaRPr lang="de-DE"/>
+            <a:endParaRPr lang="de-DE" dirty="0"/>
           </a:p>
         </p:txBody>
       </p:sp>
@@ -2682,9 +2688,9 @@
           <a:p>
             <a:fld id="{2C26B24D-DB5E-4E92-A315-6B2CE60C0022}" type="slidenum">
               <a:rPr lang="de-DE" smtClean="0"/>
-              <a:t>‹Nr.›</a:t>
+              <a:t>‹#›</a:t>
             </a:fld>
-            <a:endParaRPr lang="de-DE"/>
+            <a:endParaRPr lang="de-DE" dirty="0"/>
           </a:p>
         </p:txBody>
       </p:sp>
@@ -2825,7 +2831,7 @@
           </a:lstStyle>
           <a:p>
             <a:r>
-              <a:rPr lang="de-DE" smtClean="0"/>
+              <a:rPr lang="de-DE"/>
               <a:t>Titelmasterformat durch Klicken bearbeiten</a:t>
             </a:r>
             <a:endParaRPr lang="en-US" dirty="0"/>
@@ -2900,7 +2906,7 @@
           </a:lstStyle>
           <a:p>
             <a:r>
-              <a:rPr lang="de-DE" smtClean="0"/>
+              <a:rPr lang="de-DE" dirty="0"/>
               <a:t>Bild durch Klicken auf Symbol hinzufügen</a:t>
             </a:r>
             <a:endParaRPr lang="en-US" dirty="0"/>
@@ -2978,7 +2984,7 @@
           <a:p>
             <a:pPr lvl="0"/>
             <a:r>
-              <a:rPr lang="de-DE" smtClean="0"/>
+              <a:rPr lang="de-DE"/>
               <a:t>Textmasterformat bearbeiten</a:t>
             </a:r>
           </a:p>
@@ -3001,9 +3007,9 @@
           <a:p>
             <a:fld id="{49C59592-045F-4046-8645-2085C4B816F7}" type="datetimeFigureOut">
               <a:rPr lang="de-DE" smtClean="0"/>
-              <a:t>03.06.2019</a:t>
+              <a:t>04.06.2019</a:t>
             </a:fld>
-            <a:endParaRPr lang="de-DE"/>
+            <a:endParaRPr lang="de-DE" dirty="0"/>
           </a:p>
         </p:txBody>
       </p:sp>
@@ -3022,7 +3028,7 @@
           <a:bodyPr/>
           <a:lstStyle/>
           <a:p>
-            <a:endParaRPr lang="de-DE"/>
+            <a:endParaRPr lang="de-DE" dirty="0"/>
           </a:p>
         </p:txBody>
       </p:sp>
@@ -3043,9 +3049,9 @@
           <a:p>
             <a:fld id="{2C26B24D-DB5E-4E92-A315-6B2CE60C0022}" type="slidenum">
               <a:rPr lang="de-DE" smtClean="0"/>
-              <a:t>‹Nr.›</a:t>
+              <a:t>‹#›</a:t>
             </a:fld>
-            <a:endParaRPr lang="de-DE"/>
+            <a:endParaRPr lang="de-DE" dirty="0"/>
           </a:p>
         </p:txBody>
       </p:sp>
@@ -3186,7 +3192,7 @@
           <a:lstStyle/>
           <a:p>
             <a:r>
-              <a:rPr lang="de-DE" smtClean="0"/>
+              <a:rPr lang="de-DE"/>
               <a:t>Titelmasterformat durch Klicken bearbeiten</a:t>
             </a:r>
             <a:endParaRPr lang="en-US" dirty="0"/>
@@ -3220,35 +3226,35 @@
           <a:p>
             <a:pPr lvl="0"/>
             <a:r>
-              <a:rPr lang="de-DE" smtClean="0"/>
+              <a:rPr lang="de-DE"/>
               <a:t>Textmasterformat bearbeiten</a:t>
             </a:r>
           </a:p>
           <a:p>
             <a:pPr lvl="1"/>
             <a:r>
-              <a:rPr lang="de-DE" smtClean="0"/>
+              <a:rPr lang="de-DE"/>
               <a:t>Zweite Ebene</a:t>
             </a:r>
           </a:p>
           <a:p>
             <a:pPr lvl="2"/>
             <a:r>
-              <a:rPr lang="de-DE" smtClean="0"/>
+              <a:rPr lang="de-DE"/>
               <a:t>Dritte Ebene</a:t>
             </a:r>
           </a:p>
           <a:p>
             <a:pPr lvl="3"/>
             <a:r>
-              <a:rPr lang="de-DE" smtClean="0"/>
+              <a:rPr lang="de-DE"/>
               <a:t>Vierte Ebene</a:t>
             </a:r>
           </a:p>
           <a:p>
             <a:pPr lvl="4"/>
             <a:r>
-              <a:rPr lang="de-DE" smtClean="0"/>
+              <a:rPr lang="de-DE"/>
               <a:t>Fünfte Ebene</a:t>
             </a:r>
             <a:endParaRPr lang="en-US" dirty="0"/>
@@ -3288,9 +3294,9 @@
           <a:p>
             <a:fld id="{49C59592-045F-4046-8645-2085C4B816F7}" type="datetimeFigureOut">
               <a:rPr lang="de-DE" smtClean="0"/>
-              <a:t>03.06.2019</a:t>
+              <a:t>04.06.2019</a:t>
             </a:fld>
-            <a:endParaRPr lang="de-DE"/>
+            <a:endParaRPr lang="de-DE" dirty="0"/>
           </a:p>
         </p:txBody>
       </p:sp>
@@ -3325,7 +3331,7 @@
             </a:lvl1pPr>
           </a:lstStyle>
           <a:p>
-            <a:endParaRPr lang="de-DE"/>
+            <a:endParaRPr lang="de-DE" dirty="0"/>
           </a:p>
         </p:txBody>
       </p:sp>
@@ -3362,9 +3368,9 @@
           <a:p>
             <a:fld id="{2C26B24D-DB5E-4E92-A315-6B2CE60C0022}" type="slidenum">
               <a:rPr lang="de-DE" smtClean="0"/>
-              <a:t>‹Nr.›</a:t>
+              <a:t>‹#›</a:t>
             </a:fld>
-            <a:endParaRPr lang="de-DE"/>
+            <a:endParaRPr lang="de-DE" dirty="0"/>
           </a:p>
         </p:txBody>
       </p:sp>
@@ -3828,18 +3834,9 @@
           <a:lstStyle/>
           <a:p>
             <a:r>
-              <a:rPr lang="de-DE" dirty="0" err="1" smtClean="0"/>
-              <a:t>Exeption</a:t>
-            </a:r>
-            <a:r>
-              <a:rPr lang="de-DE" dirty="0" smtClean="0"/>
-              <a:t>: </a:t>
-            </a:r>
-            <a:r>
-              <a:rPr lang="de-DE" dirty="0" err="1" smtClean="0"/>
-              <a:t>NameNotFound</a:t>
-            </a:r>
-            <a:endParaRPr lang="de-DE" dirty="0"/>
+              <a:rPr lang="de-DE" dirty="0"/>
+              <a:t>Error: NameNotFound</a:t>
+            </a:r>
           </a:p>
         </p:txBody>
       </p:sp>
@@ -3858,7 +3855,10 @@
           <a:bodyPr/>
           <a:lstStyle/>
           <a:p>
-            <a:endParaRPr lang="de-DE"/>
+            <a:r>
+              <a:rPr lang="de-DE" dirty="0"/>
+              <a:t>Von Bastian Schäfer, Moritz Wahlenmeier &amp; Stephen Heisser</a:t>
+            </a:r>
           </a:p>
         </p:txBody>
       </p:sp>
@@ -3872,13 +3872,84 @@
   <p:clrMapOvr>
     <a:masterClrMapping/>
   </p:clrMapOvr>
-  <p:timing>
-    <p:tnLst>
-      <p:par>
-        <p:cTn id="1" dur="indefinite" restart="never" nodeType="tmRoot"/>
-      </p:par>
-    </p:tnLst>
-  </p:timing>
+</p:sld>
+</file>
+
+<file path=ppt/slides/slide10.xml><?xml version="1.0" encoding="utf-8"?>
+<p:sld xmlns:a="http://schemas.openxmlformats.org/drawingml/2006/main" xmlns:r="http://schemas.openxmlformats.org/officeDocument/2006/relationships" xmlns:p="http://schemas.openxmlformats.org/presentationml/2006/main">
+  <p:cSld>
+    <p:spTree>
+      <p:nvGrpSpPr>
+        <p:cNvPr id="1" name=""/>
+        <p:cNvGrpSpPr/>
+        <p:nvPr/>
+      </p:nvGrpSpPr>
+      <p:grpSpPr>
+        <a:xfrm>
+          <a:off x="0" y="0"/>
+          <a:ext cx="0" cy="0"/>
+          <a:chOff x="0" y="0"/>
+          <a:chExt cx="0" cy="0"/>
+        </a:xfrm>
+      </p:grpSpPr>
+      <p:sp>
+        <p:nvSpPr>
+          <p:cNvPr id="2" name="Titel 1"/>
+          <p:cNvSpPr>
+            <a:spLocks noGrp="1"/>
+          </p:cNvSpPr>
+          <p:nvPr>
+            <p:ph type="title"/>
+          </p:nvPr>
+        </p:nvSpPr>
+        <p:spPr/>
+        <p:txBody>
+          <a:bodyPr/>
+          <a:lstStyle/>
+          <a:p>
+            <a:r>
+              <a:rPr lang="de-DE" dirty="0"/>
+              <a:t>Fazit</a:t>
+            </a:r>
+          </a:p>
+        </p:txBody>
+      </p:sp>
+      <p:sp>
+        <p:nvSpPr>
+          <p:cNvPr id="3" name="Inhaltsplatzhalter 2"/>
+          <p:cNvSpPr>
+            <a:spLocks noGrp="1"/>
+          </p:cNvSpPr>
+          <p:nvPr>
+            <p:ph idx="1"/>
+          </p:nvPr>
+        </p:nvSpPr>
+        <p:spPr/>
+        <p:txBody>
+          <a:bodyPr/>
+          <a:lstStyle/>
+          <a:p>
+            <a:pPr>
+              <a:buFont typeface="Arial" panose="020B0604020202020204" pitchFamily="34" charset="0"/>
+              <a:buChar char="•"/>
+            </a:pPr>
+            <a:r>
+              <a:rPr lang="de-DE" dirty="0"/>
+              <a:t> </a:t>
+            </a:r>
+          </a:p>
+        </p:txBody>
+      </p:sp>
+    </p:spTree>
+    <p:extLst>
+      <p:ext uri="{BB962C8B-B14F-4D97-AF65-F5344CB8AC3E}">
+        <p14:creationId xmlns:p14="http://schemas.microsoft.com/office/powerpoint/2010/main" val="505189340"/>
+      </p:ext>
+    </p:extLst>
+  </p:cSld>
+  <p:clrMapOvr>
+    <a:masterClrMapping/>
+  </p:clrMapOvr>
 </p:sld>
 </file>
 
@@ -3915,10 +3986,9 @@
           <a:lstStyle/>
           <a:p>
             <a:r>
-              <a:rPr lang="de-DE" dirty="0" smtClean="0"/>
+              <a:rPr lang="de-DE" dirty="0"/>
               <a:t>Inhaltsverzeichnis</a:t>
             </a:r>
-            <a:endParaRPr lang="de-DE" dirty="0"/>
           </a:p>
         </p:txBody>
       </p:sp>
@@ -3942,8 +4012,8 @@
               <a:buChar char="v"/>
             </a:pPr>
             <a:r>
-              <a:rPr lang="de-DE" dirty="0" smtClean="0"/>
-              <a:t> Vorstellung der Projektgruppe</a:t>
+              <a:rPr lang="de-DE" dirty="0"/>
+              <a:t>Inhaltsverzeichnis</a:t>
             </a:r>
           </a:p>
           <a:p>
@@ -3952,16 +4022,8 @@
               <a:buChar char="v"/>
             </a:pPr>
             <a:r>
-              <a:rPr lang="de-DE" dirty="0" smtClean="0"/>
-              <a:t> Vorstellung </a:t>
-            </a:r>
-            <a:r>
               <a:rPr lang="de-DE" dirty="0"/>
-              <a:t>des Ursprungsprogrammes</a:t>
-            </a:r>
-            <a:r>
-              <a:rPr lang="de-DE" dirty="0" smtClean="0"/>
-              <a:t> </a:t>
+              <a:t>Vorstellung der Projektgruppe</a:t>
             </a:r>
           </a:p>
           <a:p>
@@ -3970,18 +4032,8 @@
               <a:buChar char="v"/>
             </a:pPr>
             <a:r>
-              <a:rPr lang="de-DE" dirty="0" smtClean="0"/>
-              <a:t> Vorstellung des Projektes </a:t>
-            </a:r>
-          </a:p>
-          <a:p>
-            <a:pPr lvl="1">
-              <a:buFont typeface="Wingdings" panose="05000000000000000000" pitchFamily="2" charset="2"/>
-              <a:buChar char="v"/>
-            </a:pPr>
-            <a:r>
-              <a:rPr lang="de-DE" dirty="0" smtClean="0"/>
-              <a:t> Vorstellung der „Verbesserten“ Version</a:t>
+              <a:rPr lang="de-DE" dirty="0"/>
+              <a:t>Projektbeschreibung</a:t>
             </a:r>
           </a:p>
           <a:p>
@@ -3990,8 +4042,8 @@
               <a:buChar char="v"/>
             </a:pPr>
             <a:r>
-              <a:rPr lang="de-DE" dirty="0" smtClean="0"/>
-              <a:t> Projektplan</a:t>
+              <a:rPr lang="de-DE" dirty="0"/>
+              <a:t>Vorstellung des Ursprungsprogrammes</a:t>
             </a:r>
           </a:p>
           <a:p>
@@ -4001,11 +4053,7 @@
             </a:pPr>
             <a:r>
               <a:rPr lang="de-DE" dirty="0"/>
-              <a:t> </a:t>
-            </a:r>
-            <a:r>
-              <a:rPr lang="de-DE" dirty="0" smtClean="0"/>
-              <a:t>Probleme</a:t>
+              <a:t>Zeigen des Programms</a:t>
             </a:r>
           </a:p>
           <a:p>
@@ -4014,8 +4062,8 @@
               <a:buChar char="v"/>
             </a:pPr>
             <a:r>
-              <a:rPr lang="de-DE" dirty="0" smtClean="0"/>
-              <a:t> Mögliche Problemlösung</a:t>
+              <a:rPr lang="de-DE" dirty="0"/>
+              <a:t>Zeitplanung/Umsetzung</a:t>
             </a:r>
           </a:p>
           <a:p>
@@ -4024,8 +4072,28 @@
               <a:buChar char="v"/>
             </a:pPr>
             <a:r>
-              <a:rPr lang="de-DE" dirty="0" smtClean="0"/>
-              <a:t> Fazit</a:t>
+              <a:rPr lang="de-DE" dirty="0"/>
+              <a:t>Probleme</a:t>
+            </a:r>
+          </a:p>
+          <a:p>
+            <a:pPr>
+              <a:buFont typeface="Wingdings" panose="05000000000000000000" pitchFamily="2" charset="2"/>
+              <a:buChar char="v"/>
+            </a:pPr>
+            <a:r>
+              <a:rPr lang="de-DE" dirty="0"/>
+              <a:t>Mögliche Problemlösungen</a:t>
+            </a:r>
+          </a:p>
+          <a:p>
+            <a:pPr>
+              <a:buFont typeface="Wingdings" panose="05000000000000000000" pitchFamily="2" charset="2"/>
+              <a:buChar char="v"/>
+            </a:pPr>
+            <a:r>
+              <a:rPr lang="de-DE" dirty="0"/>
+              <a:t>Fazit</a:t>
             </a:r>
           </a:p>
           <a:p>
@@ -4047,13 +4115,6 @@
   <p:clrMapOvr>
     <a:masterClrMapping/>
   </p:clrMapOvr>
-  <p:timing>
-    <p:tnLst>
-      <p:par>
-        <p:cTn id="1" dur="indefinite" restart="never" nodeType="tmRoot"/>
-      </p:par>
-    </p:tnLst>
-  </p:timing>
 </p:sld>
 </file>
 
@@ -4090,10 +4151,9 @@
           <a:lstStyle/>
           <a:p>
             <a:r>
-              <a:rPr lang="de-DE" dirty="0" smtClean="0"/>
+              <a:rPr lang="de-DE" dirty="0"/>
               <a:t>Vorstellung der Projektgruppe</a:t>
             </a:r>
-            <a:endParaRPr lang="de-DE" dirty="0"/>
           </a:p>
         </p:txBody>
       </p:sp>
@@ -4117,10 +4177,9 @@
               <a:buChar char="•"/>
             </a:pPr>
             <a:r>
-              <a:rPr lang="de-DE" dirty="0" smtClean="0"/>
+              <a:rPr lang="de-DE" dirty="0"/>
               <a:t> </a:t>
             </a:r>
-            <a:endParaRPr lang="de-DE" dirty="0"/>
           </a:p>
         </p:txBody>
       </p:sp>
@@ -4134,13 +4193,6 @@
   <p:clrMapOvr>
     <a:masterClrMapping/>
   </p:clrMapOvr>
-  <p:timing>
-    <p:tnLst>
-      <p:par>
-        <p:cTn id="1" dur="indefinite" restart="never" nodeType="tmRoot"/>
-      </p:par>
-    </p:tnLst>
-  </p:timing>
 </p:sld>
 </file>
 
@@ -4177,16 +4229,21 @@
           <a:lstStyle/>
           <a:p>
             <a:r>
-              <a:rPr lang="de-DE" dirty="0" smtClean="0"/>
-              <a:t>Vorstellung des Ursprungsprogrammes</a:t>
-            </a:r>
-            <a:endParaRPr lang="de-DE" dirty="0"/>
-          </a:p>
-        </p:txBody>
-      </p:sp>
-      <p:sp>
-        <p:nvSpPr>
-          <p:cNvPr id="3" name="Inhaltsplatzhalter 2"/>
+              <a:rPr lang="de-DE" dirty="0"/>
+              <a:t>Projektbeschreibung</a:t>
+            </a:r>
+          </a:p>
+        </p:txBody>
+      </p:sp>
+      <p:sp>
+        <p:nvSpPr>
+          <p:cNvPr id="6" name="Content Placeholder 5">
+            <a:extLst>
+              <a:ext uri="{FF2B5EF4-FFF2-40B4-BE49-F238E27FC236}">
+                <a16:creationId xmlns:a16="http://schemas.microsoft.com/office/drawing/2014/main" id="{3B2DB908-731D-41C5-B42B-9125EA0E6A7A}"/>
+              </a:ext>
+            </a:extLst>
+          </p:cNvPr>
           <p:cNvSpPr>
             <a:spLocks noGrp="1"/>
           </p:cNvSpPr>
@@ -4194,40 +4251,124 @@
             <p:ph idx="1"/>
           </p:nvPr>
         </p:nvSpPr>
-        <p:spPr/>
-        <p:txBody>
-          <a:bodyPr/>
+        <p:spPr>
+          <a:xfrm>
+            <a:off x="1066800" y="1981201"/>
+            <a:ext cx="10058400" cy="4023360"/>
+          </a:xfrm>
+        </p:spPr>
+        <p:txBody>
+          <a:bodyPr>
+            <a:normAutofit/>
+          </a:bodyPr>
           <a:lstStyle/>
           <a:p>
-            <a:pPr>
-              <a:buFont typeface="Arial" panose="020B0604020202020204" pitchFamily="34" charset="0"/>
-              <a:buChar char="•"/>
+            <a:pPr marL="701040" indent="-342900">
+              <a:lnSpc>
+                <a:spcPct val="107000"/>
+              </a:lnSpc>
+              <a:spcAft>
+                <a:spcPts val="800"/>
+              </a:spcAft>
+              <a:buFont typeface="Wingdings" panose="05000000000000000000" pitchFamily="2" charset="2"/>
+              <a:buChar char="v"/>
             </a:pPr>
             <a:r>
-              <a:rPr lang="de-DE" dirty="0" smtClean="0"/>
-              <a:t> </a:t>
-            </a:r>
-            <a:endParaRPr lang="de-DE" dirty="0"/>
+              <a:rPr lang="de-DE" dirty="0">
+                <a:latin typeface="Calibri" panose="020F0502020204030204" pitchFamily="34" charset="0"/>
+                <a:ea typeface="Yu Mincho"/>
+                <a:cs typeface="Times New Roman" panose="02020603050405020304" pitchFamily="18" charset="0"/>
+              </a:rPr>
+              <a:t>Ziel: Ablösen von „Logiflash“. </a:t>
+            </a:r>
+          </a:p>
+          <a:p>
+            <a:pPr marL="701040" indent="-342900">
+              <a:lnSpc>
+                <a:spcPct val="107000"/>
+              </a:lnSpc>
+              <a:spcAft>
+                <a:spcPts val="800"/>
+              </a:spcAft>
+              <a:buFont typeface="Wingdings" panose="05000000000000000000" pitchFamily="2" charset="2"/>
+              <a:buChar char="v"/>
+            </a:pPr>
+            <a:r>
+              <a:rPr lang="de-DE" dirty="0">
+                <a:latin typeface="Calibri" panose="020F0502020204030204" pitchFamily="34" charset="0"/>
+                <a:ea typeface="Yu Mincho"/>
+                <a:cs typeface="Times New Roman" panose="02020603050405020304" pitchFamily="18" charset="0"/>
+              </a:rPr>
+              <a:t>Programmiersprache: C#(WPF)</a:t>
+            </a:r>
+          </a:p>
+          <a:p>
+            <a:pPr marL="701040" indent="-342900">
+              <a:lnSpc>
+                <a:spcPct val="107000"/>
+              </a:lnSpc>
+              <a:spcAft>
+                <a:spcPts val="800"/>
+              </a:spcAft>
+              <a:buFont typeface="Wingdings" panose="05000000000000000000" pitchFamily="2" charset="2"/>
+              <a:buChar char="v"/>
+            </a:pPr>
+            <a:r>
+              <a:rPr lang="de-DE" dirty="0">
+                <a:latin typeface="Calibri" panose="020F0502020204030204" pitchFamily="34" charset="0"/>
+                <a:ea typeface="Yu Mincho"/>
+                <a:cs typeface="Times New Roman" panose="02020603050405020304" pitchFamily="18" charset="0"/>
+              </a:rPr>
+              <a:t>Programmierumgebung: Visual Studio</a:t>
+            </a:r>
+          </a:p>
+          <a:p>
+            <a:pPr marL="701040" indent="-342900">
+              <a:lnSpc>
+                <a:spcPct val="107000"/>
+              </a:lnSpc>
+              <a:spcAft>
+                <a:spcPts val="800"/>
+              </a:spcAft>
+              <a:buFont typeface="Wingdings" panose="05000000000000000000" pitchFamily="2" charset="2"/>
+              <a:buChar char="v"/>
+            </a:pPr>
+            <a:r>
+              <a:rPr lang="de-DE" dirty="0">
+                <a:latin typeface="Calibri" panose="020F0502020204030204" pitchFamily="34" charset="0"/>
+                <a:ea typeface="Yu Mincho"/>
+                <a:cs typeface="Times New Roman" panose="02020603050405020304" pitchFamily="18" charset="0"/>
+              </a:rPr>
+              <a:t>Programm zur Teilung des Programms: GitHub Desktop</a:t>
+            </a:r>
+            <a:br>
+              <a:rPr lang="de-DE" dirty="0">
+                <a:latin typeface="Calibri" panose="020F0502020204030204" pitchFamily="34" charset="0"/>
+                <a:ea typeface="Yu Mincho"/>
+                <a:cs typeface="Times New Roman" panose="02020603050405020304" pitchFamily="18" charset="0"/>
+              </a:rPr>
+            </a:br>
+            <a:endParaRPr lang="de-DE" sz="1800" dirty="0">
+              <a:latin typeface="Calibri" panose="020F0502020204030204" pitchFamily="34" charset="0"/>
+              <a:ea typeface="DengXian"/>
+              <a:cs typeface="Times New Roman" panose="02020603050405020304" pitchFamily="18" charset="0"/>
+            </a:endParaRPr>
+          </a:p>
+          <a:p>
+            <a:endParaRPr lang="en-US" dirty="0"/>
           </a:p>
         </p:txBody>
       </p:sp>
     </p:spTree>
     <p:extLst>
       <p:ext uri="{BB962C8B-B14F-4D97-AF65-F5344CB8AC3E}">
-        <p14:creationId xmlns:p14="http://schemas.microsoft.com/office/powerpoint/2010/main" val="3668521372"/>
+        <p14:creationId xmlns:p14="http://schemas.microsoft.com/office/powerpoint/2010/main" val="2270602820"/>
       </p:ext>
     </p:extLst>
   </p:cSld>
   <p:clrMapOvr>
     <a:masterClrMapping/>
   </p:clrMapOvr>
-  <p:timing>
-    <p:tnLst>
-      <p:par>
-        <p:cTn id="1" dur="indefinite" restart="never" nodeType="tmRoot"/>
-      </p:par>
-    </p:tnLst>
-  </p:timing>
 </p:sld>
 </file>
 
@@ -4264,10 +4405,9 @@
           <a:lstStyle/>
           <a:p>
             <a:r>
-              <a:rPr lang="de-DE" dirty="0" smtClean="0"/>
-              <a:t>Projekt</a:t>
-            </a:r>
-            <a:endParaRPr lang="de-DE" dirty="0"/>
+              <a:rPr lang="de-DE" dirty="0"/>
+              <a:t>Vorstellung des Ursprungsprogrammes</a:t>
+            </a:r>
           </a:p>
         </p:txBody>
       </p:sp>
@@ -4297,189 +4437,16 @@
           </a:p>
         </p:txBody>
       </p:sp>
-      <p:sp>
-        <p:nvSpPr>
-          <p:cNvPr id="4" name="Rechteck 3"/>
-          <p:cNvSpPr/>
-          <p:nvPr/>
-        </p:nvSpPr>
-        <p:spPr>
-          <a:xfrm>
-            <a:off x="917448" y="1845734"/>
-            <a:ext cx="6096000" cy="3228256"/>
-          </a:xfrm>
-          <a:prstGeom prst="rect">
-            <a:avLst/>
-          </a:prstGeom>
-        </p:spPr>
-        <p:txBody>
-          <a:bodyPr>
-            <a:spAutoFit/>
-          </a:bodyPr>
-          <a:lstStyle/>
-          <a:p>
-            <a:pPr marL="449580">
-              <a:lnSpc>
-                <a:spcPct val="107000"/>
-              </a:lnSpc>
-              <a:spcAft>
-                <a:spcPts val="800"/>
-              </a:spcAft>
-            </a:pPr>
-            <a:r>
-              <a:rPr lang="de-DE" smtClean="0">
-                <a:effectLst/>
-                <a:latin typeface="Calibri" panose="020F0502020204030204" pitchFamily="34" charset="0"/>
-                <a:ea typeface="Yu Mincho"/>
-                <a:cs typeface="Times New Roman" panose="02020603050405020304" pitchFamily="18" charset="0"/>
-              </a:rPr>
-              <a:t>Ziel: </a:t>
-            </a:r>
-            <a:r>
-              <a:rPr lang="de-DE" dirty="0" smtClean="0">
-                <a:effectLst/>
-                <a:latin typeface="Calibri" panose="020F0502020204030204" pitchFamily="34" charset="0"/>
-                <a:ea typeface="Yu Mincho"/>
-                <a:cs typeface="Times New Roman" panose="02020603050405020304" pitchFamily="18" charset="0"/>
-              </a:rPr>
-              <a:t>ablösen des alten, auf Flash basierendem, Programms „</a:t>
-            </a:r>
-            <a:r>
-              <a:rPr lang="de-DE" dirty="0" err="1" smtClean="0">
-                <a:effectLst/>
-                <a:latin typeface="Calibri" panose="020F0502020204030204" pitchFamily="34" charset="0"/>
-                <a:ea typeface="Yu Mincho"/>
-                <a:cs typeface="Times New Roman" panose="02020603050405020304" pitchFamily="18" charset="0"/>
-              </a:rPr>
-              <a:t>Logiflash</a:t>
-            </a:r>
-            <a:r>
-              <a:rPr lang="de-DE" dirty="0" smtClean="0">
-                <a:effectLst/>
-                <a:latin typeface="Calibri" panose="020F0502020204030204" pitchFamily="34" charset="0"/>
-                <a:ea typeface="Yu Mincho"/>
-                <a:cs typeface="Times New Roman" panose="02020603050405020304" pitchFamily="18" charset="0"/>
-              </a:rPr>
-              <a:t>“. </a:t>
-            </a:r>
-            <a:br>
-              <a:rPr lang="de-DE" dirty="0" smtClean="0">
-                <a:effectLst/>
-                <a:latin typeface="Calibri" panose="020F0502020204030204" pitchFamily="34" charset="0"/>
-                <a:ea typeface="Yu Mincho"/>
-                <a:cs typeface="Times New Roman" panose="02020603050405020304" pitchFamily="18" charset="0"/>
-              </a:rPr>
-            </a:br>
-            <a:endParaRPr lang="de-DE" dirty="0" smtClean="0">
-              <a:effectLst/>
-              <a:latin typeface="Calibri" panose="020F0502020204030204" pitchFamily="34" charset="0"/>
-              <a:ea typeface="Yu Mincho"/>
-              <a:cs typeface="Times New Roman" panose="02020603050405020304" pitchFamily="18" charset="0"/>
-            </a:endParaRPr>
-          </a:p>
-          <a:p>
-            <a:pPr marL="449580">
-              <a:lnSpc>
-                <a:spcPct val="107000"/>
-              </a:lnSpc>
-              <a:spcAft>
-                <a:spcPts val="800"/>
-              </a:spcAft>
-            </a:pPr>
-            <a:r>
-              <a:rPr lang="de-DE" dirty="0" smtClean="0">
-                <a:effectLst/>
-                <a:latin typeface="Calibri" panose="020F0502020204030204" pitchFamily="34" charset="0"/>
-                <a:ea typeface="Yu Mincho"/>
-                <a:cs typeface="Times New Roman" panose="02020603050405020304" pitchFamily="18" charset="0"/>
-              </a:rPr>
-              <a:t>Hierzu muss das Simulationsprogramms zum Erstellen und Testen von logischen Schaltungen erstellt werden. </a:t>
-            </a:r>
-            <a:br>
-              <a:rPr lang="de-DE" dirty="0" smtClean="0">
-                <a:effectLst/>
-                <a:latin typeface="Calibri" panose="020F0502020204030204" pitchFamily="34" charset="0"/>
-                <a:ea typeface="Yu Mincho"/>
-                <a:cs typeface="Times New Roman" panose="02020603050405020304" pitchFamily="18" charset="0"/>
-              </a:rPr>
-            </a:br>
-            <a:endParaRPr lang="de-DE" sz="1600" dirty="0" smtClean="0">
-              <a:effectLst/>
-              <a:latin typeface="Calibri" panose="020F0502020204030204" pitchFamily="34" charset="0"/>
-              <a:ea typeface="DengXian"/>
-              <a:cs typeface="Times New Roman" panose="02020603050405020304" pitchFamily="18" charset="0"/>
-            </a:endParaRPr>
-          </a:p>
-          <a:p>
-            <a:pPr marL="449580" indent="1270">
-              <a:lnSpc>
-                <a:spcPct val="107000"/>
-              </a:lnSpc>
-              <a:spcAft>
-                <a:spcPts val="800"/>
-              </a:spcAft>
-            </a:pPr>
-            <a:r>
-              <a:rPr lang="de-DE" dirty="0" smtClean="0">
-                <a:effectLst/>
-                <a:latin typeface="Calibri" panose="020F0502020204030204" pitchFamily="34" charset="0"/>
-                <a:ea typeface="Yu Mincho"/>
-                <a:cs typeface="Times New Roman" panose="02020603050405020304" pitchFamily="18" charset="0"/>
-              </a:rPr>
-              <a:t>Als Unterstützung dazu, das Projekt an mehreren Orten zu bearbeiten, wird das Programm „</a:t>
-            </a:r>
-            <a:r>
-              <a:rPr lang="de-DE" dirty="0" err="1" smtClean="0">
-                <a:effectLst/>
-                <a:latin typeface="Calibri" panose="020F0502020204030204" pitchFamily="34" charset="0"/>
-                <a:ea typeface="Yu Mincho"/>
-                <a:cs typeface="Times New Roman" panose="02020603050405020304" pitchFamily="18" charset="0"/>
-              </a:rPr>
-              <a:t>Github</a:t>
-            </a:r>
-            <a:r>
-              <a:rPr lang="de-DE" dirty="0" smtClean="0">
-                <a:effectLst/>
-                <a:latin typeface="Calibri" panose="020F0502020204030204" pitchFamily="34" charset="0"/>
-                <a:ea typeface="Yu Mincho"/>
-                <a:cs typeface="Times New Roman" panose="02020603050405020304" pitchFamily="18" charset="0"/>
-              </a:rPr>
-              <a:t> Desktop“ verwendet.</a:t>
-            </a:r>
-            <a:br>
-              <a:rPr lang="de-DE" dirty="0" smtClean="0">
-                <a:effectLst/>
-                <a:latin typeface="Calibri" panose="020F0502020204030204" pitchFamily="34" charset="0"/>
-                <a:ea typeface="Yu Mincho"/>
-                <a:cs typeface="Times New Roman" panose="02020603050405020304" pitchFamily="18" charset="0"/>
-              </a:rPr>
-            </a:br>
-            <a:endParaRPr lang="de-DE" sz="1600" dirty="0">
-              <a:effectLst/>
-              <a:latin typeface="Calibri" panose="020F0502020204030204" pitchFamily="34" charset="0"/>
-              <a:ea typeface="DengXian"/>
-              <a:cs typeface="Times New Roman" panose="02020603050405020304" pitchFamily="18" charset="0"/>
-            </a:endParaRPr>
-          </a:p>
-        </p:txBody>
-      </p:sp>
     </p:spTree>
     <p:extLst>
       <p:ext uri="{BB962C8B-B14F-4D97-AF65-F5344CB8AC3E}">
-        <p14:creationId xmlns:p14="http://schemas.microsoft.com/office/powerpoint/2010/main" val="2270602820"/>
+        <p14:creationId xmlns:p14="http://schemas.microsoft.com/office/powerpoint/2010/main" val="3668521372"/>
       </p:ext>
     </p:extLst>
   </p:cSld>
   <p:clrMapOvr>
     <a:masterClrMapping/>
   </p:clrMapOvr>
-  <p:timing>
-    <p:tnLst>
-      <p:par>
-        <p:cTn id="1" dur="indefinite" restart="never" nodeType="tmRoot"/>
-      </p:par>
-    </p:tnLst>
-  </p:timing>
 </p:sld>
 </file>
 
@@ -4502,6 +4469,93 @@
       </p:grpSpPr>
       <p:sp>
         <p:nvSpPr>
+          <p:cNvPr id="2" name="Title 1">
+            <a:extLst>
+              <a:ext uri="{FF2B5EF4-FFF2-40B4-BE49-F238E27FC236}">
+                <a16:creationId xmlns:a16="http://schemas.microsoft.com/office/drawing/2014/main" id="{2B4FA661-BA6B-41D9-8241-0527FEB12A61}"/>
+              </a:ext>
+            </a:extLst>
+          </p:cNvPr>
+          <p:cNvSpPr>
+            <a:spLocks noGrp="1"/>
+          </p:cNvSpPr>
+          <p:nvPr>
+            <p:ph type="title"/>
+          </p:nvPr>
+        </p:nvSpPr>
+        <p:spPr/>
+        <p:txBody>
+          <a:bodyPr/>
+          <a:lstStyle/>
+          <a:p>
+            <a:r>
+              <a:rPr lang="de-DE" dirty="0"/>
+              <a:t>Zeigen</a:t>
+            </a:r>
+            <a:r>
+              <a:rPr lang="en-US" dirty="0"/>
+              <a:t> des Programs</a:t>
+            </a:r>
+          </a:p>
+        </p:txBody>
+      </p:sp>
+      <p:sp>
+        <p:nvSpPr>
+          <p:cNvPr id="3" name="Content Placeholder 2">
+            <a:extLst>
+              <a:ext uri="{FF2B5EF4-FFF2-40B4-BE49-F238E27FC236}">
+                <a16:creationId xmlns:a16="http://schemas.microsoft.com/office/drawing/2014/main" id="{3399AC42-5E36-4A8F-BC6A-A776CBD90636}"/>
+              </a:ext>
+            </a:extLst>
+          </p:cNvPr>
+          <p:cNvSpPr>
+            <a:spLocks noGrp="1"/>
+          </p:cNvSpPr>
+          <p:nvPr>
+            <p:ph idx="1"/>
+          </p:nvPr>
+        </p:nvSpPr>
+        <p:spPr/>
+        <p:txBody>
+          <a:bodyPr/>
+          <a:lstStyle/>
+          <a:p>
+            <a:endParaRPr lang="en-US" dirty="0"/>
+          </a:p>
+        </p:txBody>
+      </p:sp>
+    </p:spTree>
+    <p:extLst>
+      <p:ext uri="{BB962C8B-B14F-4D97-AF65-F5344CB8AC3E}">
+        <p14:creationId xmlns:p14="http://schemas.microsoft.com/office/powerpoint/2010/main" val="1111223859"/>
+      </p:ext>
+    </p:extLst>
+  </p:cSld>
+  <p:clrMapOvr>
+    <a:masterClrMapping/>
+  </p:clrMapOvr>
+</p:sld>
+</file>
+
+<file path=ppt/slides/slide7.xml><?xml version="1.0" encoding="utf-8"?>
+<p:sld xmlns:a="http://schemas.openxmlformats.org/drawingml/2006/main" xmlns:r="http://schemas.openxmlformats.org/officeDocument/2006/relationships" xmlns:p="http://schemas.openxmlformats.org/presentationml/2006/main">
+  <p:cSld>
+    <p:spTree>
+      <p:nvGrpSpPr>
+        <p:cNvPr id="1" name=""/>
+        <p:cNvGrpSpPr/>
+        <p:nvPr/>
+      </p:nvGrpSpPr>
+      <p:grpSpPr>
+        <a:xfrm>
+          <a:off x="0" y="0"/>
+          <a:ext cx="0" cy="0"/>
+          <a:chOff x="0" y="0"/>
+          <a:chExt cx="0" cy="0"/>
+        </a:xfrm>
+      </p:grpSpPr>
+      <p:sp>
+        <p:nvSpPr>
           <p:cNvPr id="2" name="Titel 1"/>
           <p:cNvSpPr>
             <a:spLocks noGrp="1"/>
@@ -4521,10 +4575,9 @@
           <a:lstStyle/>
           <a:p>
             <a:r>
-              <a:rPr lang="de-DE" dirty="0" smtClean="0"/>
+              <a:rPr lang="de-DE" dirty="0"/>
               <a:t>Zeitplanung/Umsetzung</a:t>
             </a:r>
-            <a:endParaRPr lang="de-DE" dirty="0"/>
           </a:p>
         </p:txBody>
       </p:sp>
@@ -4554,12 +4607,48 @@
                 <a:tableStyleId>{284E427A-3D55-4303-BF80-6455036E1DE7}</a:tableStyleId>
               </a:tblPr>
               <a:tblGrid>
-                <a:gridCol w="2483941"/>
-                <a:gridCol w="682562"/>
-                <a:gridCol w="2540956"/>
-                <a:gridCol w="682562"/>
-                <a:gridCol w="2790534"/>
-                <a:gridCol w="986477"/>
+                <a:gridCol w="2483941">
+                  <a:extLst>
+                    <a:ext uri="{9D8B030D-6E8A-4147-A177-3AD203B41FA5}">
+                      <a16:colId xmlns:a16="http://schemas.microsoft.com/office/drawing/2014/main" val="20000"/>
+                    </a:ext>
+                  </a:extLst>
+                </a:gridCol>
+                <a:gridCol w="682562">
+                  <a:extLst>
+                    <a:ext uri="{9D8B030D-6E8A-4147-A177-3AD203B41FA5}">
+                      <a16:colId xmlns:a16="http://schemas.microsoft.com/office/drawing/2014/main" val="20001"/>
+                    </a:ext>
+                  </a:extLst>
+                </a:gridCol>
+                <a:gridCol w="2540956">
+                  <a:extLst>
+                    <a:ext uri="{9D8B030D-6E8A-4147-A177-3AD203B41FA5}">
+                      <a16:colId xmlns:a16="http://schemas.microsoft.com/office/drawing/2014/main" val="20002"/>
+                    </a:ext>
+                  </a:extLst>
+                </a:gridCol>
+                <a:gridCol w="682562">
+                  <a:extLst>
+                    <a:ext uri="{9D8B030D-6E8A-4147-A177-3AD203B41FA5}">
+                      <a16:colId xmlns:a16="http://schemas.microsoft.com/office/drawing/2014/main" val="20003"/>
+                    </a:ext>
+                  </a:extLst>
+                </a:gridCol>
+                <a:gridCol w="2790534">
+                  <a:extLst>
+                    <a:ext uri="{9D8B030D-6E8A-4147-A177-3AD203B41FA5}">
+                      <a16:colId xmlns:a16="http://schemas.microsoft.com/office/drawing/2014/main" val="20004"/>
+                    </a:ext>
+                  </a:extLst>
+                </a:gridCol>
+                <a:gridCol w="986477">
+                  <a:extLst>
+                    <a:ext uri="{9D8B030D-6E8A-4147-A177-3AD203B41FA5}">
+                      <a16:colId xmlns:a16="http://schemas.microsoft.com/office/drawing/2014/main" val="20005"/>
+                    </a:ext>
+                  </a:extLst>
+                </a:gridCol>
               </a:tblGrid>
               <a:tr h="411040">
                 <a:tc>
@@ -4576,7 +4665,7 @@
                         </a:spcAft>
                       </a:pPr>
                       <a:r>
-                        <a:rPr lang="de-DE" sz="1600" u="sng" dirty="0" err="1">
+                        <a:rPr lang="de-DE" sz="1600" u="sng" dirty="0">
                           <a:effectLst/>
                         </a:rPr>
                         <a:t>Wahlenmeier</a:t>
@@ -4608,22 +4697,16 @@
                         <a:rPr lang="de-DE" sz="1600" dirty="0">
                           <a:effectLst/>
                         </a:rPr>
-                        <a:t>Zeit </a:t>
+                        <a:t>Zeit in</a:t>
                       </a:r>
                       <a:r>
-                        <a:rPr lang="de-DE" sz="1600" dirty="0" smtClean="0">
-                          <a:effectLst/>
-                        </a:rPr>
-                        <a:t>in</a:t>
-                      </a:r>
-                      <a:r>
-                        <a:rPr lang="de-DE" sz="1600" baseline="0" dirty="0" smtClean="0">
+                        <a:rPr lang="de-DE" sz="1600" baseline="0" dirty="0">
                           <a:effectLst/>
                         </a:rPr>
                         <a:t> </a:t>
                       </a:r>
                       <a:r>
-                        <a:rPr lang="de-DE" sz="1600" dirty="0" smtClean="0">
+                        <a:rPr lang="de-DE" sz="1600" dirty="0">
                           <a:effectLst/>
                         </a:rPr>
                         <a:t>h</a:t>
@@ -4684,22 +4767,16 @@
                         <a:rPr lang="de-DE" sz="1600" dirty="0">
                           <a:effectLst/>
                         </a:rPr>
-                        <a:t>Zeit </a:t>
+                        <a:t>Zeit in</a:t>
                       </a:r>
                       <a:r>
-                        <a:rPr lang="de-DE" sz="1600" dirty="0" smtClean="0">
-                          <a:effectLst/>
-                        </a:rPr>
-                        <a:t>in</a:t>
-                      </a:r>
-                      <a:r>
-                        <a:rPr lang="de-DE" sz="1600" baseline="0" dirty="0" smtClean="0">
+                        <a:rPr lang="de-DE" sz="1600" baseline="0" dirty="0">
                           <a:effectLst/>
                         </a:rPr>
                         <a:t> </a:t>
                       </a:r>
                       <a:r>
-                        <a:rPr lang="de-DE" sz="1600" dirty="0" smtClean="0">
+                        <a:rPr lang="de-DE" sz="1600" dirty="0">
                           <a:effectLst/>
                         </a:rPr>
                         <a:t>h</a:t>
@@ -4728,12 +4805,12 @@
                         </a:spcAft>
                       </a:pPr>
                       <a:r>
-                        <a:rPr lang="de-DE" sz="1600" u="sng">
+                        <a:rPr lang="de-DE" sz="1600" u="sng" dirty="0">
                           <a:effectLst/>
                         </a:rPr>
                         <a:t>Heisser</a:t>
                       </a:r>
-                      <a:endParaRPr lang="de-DE" sz="1400">
+                      <a:endParaRPr lang="de-DE" sz="1400" dirty="0">
                         <a:effectLst/>
                         <a:latin typeface="Calibri" panose="020F0502020204030204" pitchFamily="34" charset="0"/>
                         <a:ea typeface="DengXian"/>
@@ -4757,12 +4834,12 @@
                         </a:spcAft>
                       </a:pPr>
                       <a:r>
-                        <a:rPr lang="de-DE" sz="1600">
+                        <a:rPr lang="de-DE" sz="1600" dirty="0">
                           <a:effectLst/>
                         </a:rPr>
                         <a:t>Zeit in h</a:t>
                       </a:r>
-                      <a:endParaRPr lang="de-DE" sz="1400">
+                      <a:endParaRPr lang="de-DE" sz="1400" dirty="0">
                         <a:effectLst/>
                         <a:latin typeface="Calibri" panose="020F0502020204030204" pitchFamily="34" charset="0"/>
                         <a:ea typeface="DengXian"/>
@@ -4772,6 +4849,11 @@
                   </a:txBody>
                   <a:tcPr marL="68580" marR="68580" marT="0" marB="0"/>
                 </a:tc>
+                <a:extLst>
+                  <a:ext uri="{0D108BD9-81ED-4DB2-BD59-A6C34878D82A}">
+                    <a16:rowId xmlns:a16="http://schemas.microsoft.com/office/drawing/2014/main" val="10000"/>
+                  </a:ext>
+                </a:extLst>
               </a:tr>
               <a:tr h="368206">
                 <a:tc>
@@ -4788,12 +4870,12 @@
                         </a:spcAft>
                       </a:pPr>
                       <a:r>
-                        <a:rPr lang="de-DE" sz="1600">
+                        <a:rPr lang="de-DE" sz="1600" dirty="0">
                           <a:effectLst/>
                         </a:rPr>
                         <a:t>Programm Organisation</a:t>
                       </a:r>
-                      <a:endParaRPr lang="de-DE" sz="1400">
+                      <a:endParaRPr lang="de-DE" sz="1400" dirty="0">
                         <a:effectLst/>
                         <a:latin typeface="Calibri" panose="020F0502020204030204" pitchFamily="34" charset="0"/>
                         <a:ea typeface="DengXian"/>
@@ -4817,12 +4899,12 @@
                         </a:spcAft>
                       </a:pPr>
                       <a:r>
-                        <a:rPr lang="de-DE" sz="1600">
+                        <a:rPr lang="de-DE" sz="1600" dirty="0">
                           <a:effectLst/>
                         </a:rPr>
                         <a:t>2</a:t>
                       </a:r>
-                      <a:endParaRPr lang="de-DE" sz="1400">
+                      <a:endParaRPr lang="de-DE" sz="1400" dirty="0">
                         <a:effectLst/>
                         <a:latin typeface="Calibri" panose="020F0502020204030204" pitchFamily="34" charset="0"/>
                         <a:ea typeface="DengXian"/>
@@ -4846,12 +4928,12 @@
                         </a:spcAft>
                       </a:pPr>
                       <a:r>
-                        <a:rPr lang="de-DE" sz="1600">
+                        <a:rPr lang="de-DE" sz="1600" dirty="0">
                           <a:effectLst/>
                         </a:rPr>
                         <a:t>Grafikdesign</a:t>
                       </a:r>
-                      <a:endParaRPr lang="de-DE" sz="1400">
+                      <a:endParaRPr lang="de-DE" sz="1400" dirty="0">
                         <a:effectLst/>
                         <a:latin typeface="Calibri" panose="020F0502020204030204" pitchFamily="34" charset="0"/>
                         <a:ea typeface="DengXian"/>
@@ -4875,12 +4957,12 @@
                         </a:spcAft>
                       </a:pPr>
                       <a:r>
-                        <a:rPr lang="de-DE" sz="1600">
+                        <a:rPr lang="de-DE" sz="1600" dirty="0">
                           <a:effectLst/>
                         </a:rPr>
                         <a:t>50</a:t>
                       </a:r>
-                      <a:endParaRPr lang="de-DE" sz="1400">
+                      <a:endParaRPr lang="de-DE" sz="1400" dirty="0">
                         <a:effectLst/>
                         <a:latin typeface="Calibri" panose="020F0502020204030204" pitchFamily="34" charset="0"/>
                         <a:ea typeface="DengXian"/>
@@ -4904,12 +4986,12 @@
                         </a:spcAft>
                       </a:pPr>
                       <a:r>
-                        <a:rPr lang="de-DE" sz="1600">
+                        <a:rPr lang="de-DE" sz="1600" dirty="0">
                           <a:effectLst/>
                         </a:rPr>
                         <a:t>Logik Bausteine in C#</a:t>
                       </a:r>
-                      <a:endParaRPr lang="de-DE" sz="1400">
+                      <a:endParaRPr lang="de-DE" sz="1400" dirty="0">
                         <a:effectLst/>
                         <a:latin typeface="Calibri" panose="020F0502020204030204" pitchFamily="34" charset="0"/>
                         <a:ea typeface="DengXian"/>
@@ -4933,12 +5015,12 @@
                         </a:spcAft>
                       </a:pPr>
                       <a:r>
-                        <a:rPr lang="de-DE" sz="1600">
+                        <a:rPr lang="de-DE" sz="1600" dirty="0">
                           <a:effectLst/>
                         </a:rPr>
                         <a:t>29</a:t>
                       </a:r>
-                      <a:endParaRPr lang="de-DE" sz="1400">
+                      <a:endParaRPr lang="de-DE" sz="1400" dirty="0">
                         <a:effectLst/>
                         <a:latin typeface="Calibri" panose="020F0502020204030204" pitchFamily="34" charset="0"/>
                         <a:ea typeface="DengXian"/>
@@ -4948,6 +5030,11 @@
                   </a:txBody>
                   <a:tcPr marL="68580" marR="68580" marT="0" marB="0"/>
                 </a:tc>
+                <a:extLst>
+                  <a:ext uri="{0D108BD9-81ED-4DB2-BD59-A6C34878D82A}">
+                    <a16:rowId xmlns:a16="http://schemas.microsoft.com/office/drawing/2014/main" val="10001"/>
+                  </a:ext>
+                </a:extLst>
               </a:tr>
               <a:tr h="368206">
                 <a:tc>
@@ -4993,12 +5080,12 @@
                         </a:spcAft>
                       </a:pPr>
                       <a:r>
-                        <a:rPr lang="de-DE" sz="1600">
+                        <a:rPr lang="de-DE" sz="1600" dirty="0">
                           <a:effectLst/>
                         </a:rPr>
                         <a:t>0</a:t>
                       </a:r>
-                      <a:endParaRPr lang="de-DE" sz="1400">
+                      <a:endParaRPr lang="de-DE" sz="1400" dirty="0">
                         <a:effectLst/>
                         <a:latin typeface="Calibri" panose="020F0502020204030204" pitchFamily="34" charset="0"/>
                         <a:ea typeface="DengXian"/>
@@ -5022,12 +5109,12 @@
                         </a:spcAft>
                       </a:pPr>
                       <a:r>
-                        <a:rPr lang="de-DE" sz="1600">
+                        <a:rPr lang="de-DE" sz="1600" dirty="0">
                           <a:effectLst/>
                         </a:rPr>
                         <a:t>Tastatur Kürzel</a:t>
                       </a:r>
-                      <a:endParaRPr lang="de-DE" sz="1400">
+                      <a:endParaRPr lang="de-DE" sz="1400" dirty="0">
                         <a:effectLst/>
                         <a:latin typeface="Calibri" panose="020F0502020204030204" pitchFamily="34" charset="0"/>
                         <a:ea typeface="DengXian"/>
@@ -5051,12 +5138,12 @@
                         </a:spcAft>
                       </a:pPr>
                       <a:r>
-                        <a:rPr lang="de-DE" sz="1600">
+                        <a:rPr lang="de-DE" sz="1600" dirty="0">
                           <a:effectLst/>
                         </a:rPr>
                         <a:t>0</a:t>
                       </a:r>
-                      <a:endParaRPr lang="de-DE" sz="1400">
+                      <a:endParaRPr lang="de-DE" sz="1400" dirty="0">
                         <a:effectLst/>
                         <a:latin typeface="Calibri" panose="020F0502020204030204" pitchFamily="34" charset="0"/>
                         <a:ea typeface="DengXian"/>
@@ -5080,12 +5167,12 @@
                         </a:spcAft>
                       </a:pPr>
                       <a:r>
-                        <a:rPr lang="de-DE" sz="1600">
+                        <a:rPr lang="de-DE" sz="1600" dirty="0">
                           <a:effectLst/>
                         </a:rPr>
                         <a:t>Verbindungslinien</a:t>
                       </a:r>
-                      <a:endParaRPr lang="de-DE" sz="1400">
+                      <a:endParaRPr lang="de-DE" sz="1400" dirty="0">
                         <a:effectLst/>
                         <a:latin typeface="Calibri" panose="020F0502020204030204" pitchFamily="34" charset="0"/>
                         <a:ea typeface="DengXian"/>
@@ -5109,12 +5196,12 @@
                         </a:spcAft>
                       </a:pPr>
                       <a:r>
-                        <a:rPr lang="de-DE" sz="1600">
+                        <a:rPr lang="de-DE" sz="1600" dirty="0">
                           <a:effectLst/>
                         </a:rPr>
                         <a:t>32</a:t>
                       </a:r>
-                      <a:endParaRPr lang="de-DE" sz="1400">
+                      <a:endParaRPr lang="de-DE" sz="1400" dirty="0">
                         <a:effectLst/>
                         <a:latin typeface="Calibri" panose="020F0502020204030204" pitchFamily="34" charset="0"/>
                         <a:ea typeface="DengXian"/>
@@ -5124,6 +5211,11 @@
                   </a:txBody>
                   <a:tcPr marL="68580" marR="68580" marT="0" marB="0"/>
                 </a:tc>
+                <a:extLst>
+                  <a:ext uri="{0D108BD9-81ED-4DB2-BD59-A6C34878D82A}">
+                    <a16:rowId xmlns:a16="http://schemas.microsoft.com/office/drawing/2014/main" val="10002"/>
+                  </a:ext>
+                </a:extLst>
               </a:tr>
               <a:tr h="736412">
                 <a:tc>
@@ -5140,12 +5232,12 @@
                         </a:spcAft>
                       </a:pPr>
                       <a:r>
-                        <a:rPr lang="de-DE" sz="1600">
+                        <a:rPr lang="de-DE" sz="1600" dirty="0">
                           <a:effectLst/>
                         </a:rPr>
                         <a:t>Schnittstelle für Mikrokotroller zu C#</a:t>
                       </a:r>
-                      <a:endParaRPr lang="de-DE" sz="1400">
+                      <a:endParaRPr lang="de-DE" sz="1400" dirty="0">
                         <a:effectLst/>
                         <a:latin typeface="Calibri" panose="020F0502020204030204" pitchFamily="34" charset="0"/>
                         <a:ea typeface="DengXian"/>
@@ -5169,12 +5261,12 @@
                         </a:spcAft>
                       </a:pPr>
                       <a:r>
-                        <a:rPr lang="de-DE" sz="1600">
+                        <a:rPr lang="de-DE" sz="1600" dirty="0">
                           <a:effectLst/>
                         </a:rPr>
                         <a:t>0</a:t>
                       </a:r>
-                      <a:endParaRPr lang="de-DE" sz="1400">
+                      <a:endParaRPr lang="de-DE" sz="1400" dirty="0">
                         <a:effectLst/>
                         <a:latin typeface="Calibri" panose="020F0502020204030204" pitchFamily="34" charset="0"/>
                         <a:ea typeface="DengXian"/>
@@ -5198,12 +5290,12 @@
                         </a:spcAft>
                       </a:pPr>
                       <a:r>
-                        <a:rPr lang="de-DE" sz="1600">
+                        <a:rPr lang="de-DE" sz="1600" dirty="0">
                           <a:effectLst/>
                         </a:rPr>
                         <a:t>Englische und deutsche Bedienelemente</a:t>
                       </a:r>
-                      <a:endParaRPr lang="de-DE" sz="1400">
+                      <a:endParaRPr lang="de-DE" sz="1400" dirty="0">
                         <a:effectLst/>
                         <a:latin typeface="Calibri" panose="020F0502020204030204" pitchFamily="34" charset="0"/>
                         <a:ea typeface="DengXian"/>
@@ -5227,12 +5319,12 @@
                         </a:spcAft>
                       </a:pPr>
                       <a:r>
-                        <a:rPr lang="de-DE" sz="1600">
+                        <a:rPr lang="de-DE" sz="1600" dirty="0">
                           <a:effectLst/>
                         </a:rPr>
                         <a:t>0</a:t>
                       </a:r>
-                      <a:endParaRPr lang="de-DE" sz="1400">
+                      <a:endParaRPr lang="de-DE" sz="1400" dirty="0">
                         <a:effectLst/>
                         <a:latin typeface="Calibri" panose="020F0502020204030204" pitchFamily="34" charset="0"/>
                         <a:ea typeface="DengXian"/>
@@ -5256,12 +5348,12 @@
                         </a:spcAft>
                       </a:pPr>
                       <a:r>
-                        <a:rPr lang="de-DE" sz="1600">
+                        <a:rPr lang="de-DE" sz="1600" dirty="0">
                           <a:effectLst/>
                         </a:rPr>
                         <a:t>Abspeichern und öffnen von Programm </a:t>
                       </a:r>
-                      <a:endParaRPr lang="de-DE" sz="1400">
+                      <a:endParaRPr lang="de-DE" sz="1400" dirty="0">
                         <a:effectLst/>
                         <a:latin typeface="Calibri" panose="020F0502020204030204" pitchFamily="34" charset="0"/>
                         <a:ea typeface="DengXian"/>
@@ -5285,12 +5377,12 @@
                         </a:spcAft>
                       </a:pPr>
                       <a:r>
-                        <a:rPr lang="de-DE" sz="1600">
+                        <a:rPr lang="de-DE" sz="1600" dirty="0">
                           <a:effectLst/>
                         </a:rPr>
                         <a:t>28</a:t>
                       </a:r>
-                      <a:endParaRPr lang="de-DE" sz="1400">
+                      <a:endParaRPr lang="de-DE" sz="1400" dirty="0">
                         <a:effectLst/>
                         <a:latin typeface="Calibri" panose="020F0502020204030204" pitchFamily="34" charset="0"/>
                         <a:ea typeface="DengXian"/>
@@ -5300,6 +5392,11 @@
                   </a:txBody>
                   <a:tcPr marL="68580" marR="68580" marT="0" marB="0"/>
                 </a:tc>
+                <a:extLst>
+                  <a:ext uri="{0D108BD9-81ED-4DB2-BD59-A6C34878D82A}">
+                    <a16:rowId xmlns:a16="http://schemas.microsoft.com/office/drawing/2014/main" val="10003"/>
+                  </a:ext>
+                </a:extLst>
               </a:tr>
               <a:tr h="368206">
                 <a:tc>
@@ -5316,12 +5413,12 @@
                         </a:spcAft>
                       </a:pPr>
                       <a:r>
-                        <a:rPr lang="de-DE" sz="1600">
+                        <a:rPr lang="de-DE" sz="1600" dirty="0">
                           <a:effectLst/>
                         </a:rPr>
                         <a:t>Drag &amp; Drop</a:t>
                       </a:r>
-                      <a:endParaRPr lang="de-DE" sz="1400">
+                      <a:endParaRPr lang="de-DE" sz="1400" dirty="0">
                         <a:effectLst/>
                         <a:latin typeface="Calibri" panose="020F0502020204030204" pitchFamily="34" charset="0"/>
                         <a:ea typeface="DengXian"/>
@@ -5345,12 +5442,12 @@
                         </a:spcAft>
                       </a:pPr>
                       <a:r>
-                        <a:rPr lang="de-DE" sz="1600">
+                        <a:rPr lang="de-DE" sz="1600" dirty="0">
                           <a:effectLst/>
                         </a:rPr>
                         <a:t>54</a:t>
                       </a:r>
-                      <a:endParaRPr lang="de-DE" sz="1400">
+                      <a:endParaRPr lang="de-DE" sz="1400" dirty="0">
                         <a:effectLst/>
                         <a:latin typeface="Calibri" panose="020F0502020204030204" pitchFamily="34" charset="0"/>
                         <a:ea typeface="DengXian"/>
@@ -5374,12 +5471,12 @@
                         </a:spcAft>
                       </a:pPr>
                       <a:r>
-                        <a:rPr lang="de-DE" sz="1600">
+                        <a:rPr lang="de-DE" sz="1600" dirty="0">
                           <a:effectLst/>
                         </a:rPr>
                         <a:t> </a:t>
                       </a:r>
-                      <a:endParaRPr lang="de-DE" sz="1400">
+                      <a:endParaRPr lang="de-DE" sz="1400" dirty="0">
                         <a:effectLst/>
                         <a:latin typeface="Calibri" panose="020F0502020204030204" pitchFamily="34" charset="0"/>
                         <a:ea typeface="DengXian"/>
@@ -5403,12 +5500,12 @@
                         </a:spcAft>
                       </a:pPr>
                       <a:r>
-                        <a:rPr lang="de-DE" sz="1600">
+                        <a:rPr lang="de-DE" sz="1600" dirty="0">
                           <a:effectLst/>
                         </a:rPr>
                         <a:t> </a:t>
                       </a:r>
-                      <a:endParaRPr lang="de-DE" sz="1400">
+                      <a:endParaRPr lang="de-DE" sz="1400" dirty="0">
                         <a:effectLst/>
                         <a:latin typeface="Calibri" panose="020F0502020204030204" pitchFamily="34" charset="0"/>
                         <a:ea typeface="DengXian"/>
@@ -5432,12 +5529,12 @@
                         </a:spcAft>
                       </a:pPr>
                       <a:r>
-                        <a:rPr lang="de-DE" sz="1600">
+                        <a:rPr lang="de-DE" sz="1600" dirty="0">
                           <a:effectLst/>
                         </a:rPr>
                         <a:t>Fleißarbeit</a:t>
                       </a:r>
-                      <a:endParaRPr lang="de-DE" sz="1400">
+                      <a:endParaRPr lang="de-DE" sz="1400" dirty="0">
                         <a:effectLst/>
                         <a:latin typeface="Calibri" panose="020F0502020204030204" pitchFamily="34" charset="0"/>
                         <a:ea typeface="DengXian"/>
@@ -5461,12 +5558,12 @@
                         </a:spcAft>
                       </a:pPr>
                       <a:r>
-                        <a:rPr lang="de-DE" sz="1600">
+                        <a:rPr lang="de-DE" sz="1600" dirty="0">
                           <a:effectLst/>
                         </a:rPr>
                         <a:t>35</a:t>
                       </a:r>
-                      <a:endParaRPr lang="de-DE" sz="1400">
+                      <a:endParaRPr lang="de-DE" sz="1400" dirty="0">
                         <a:effectLst/>
                         <a:latin typeface="Calibri" panose="020F0502020204030204" pitchFamily="34" charset="0"/>
                         <a:ea typeface="DengXian"/>
@@ -5476,6 +5573,11 @@
                   </a:txBody>
                   <a:tcPr marL="68580" marR="68580" marT="0" marB="0"/>
                 </a:tc>
+                <a:extLst>
+                  <a:ext uri="{0D108BD9-81ED-4DB2-BD59-A6C34878D82A}">
+                    <a16:rowId xmlns:a16="http://schemas.microsoft.com/office/drawing/2014/main" val="10004"/>
+                  </a:ext>
+                </a:extLst>
               </a:tr>
               <a:tr h="736412">
                 <a:tc>
@@ -5492,12 +5594,12 @@
                         </a:spcAft>
                       </a:pPr>
                       <a:r>
-                        <a:rPr lang="de-DE" sz="1600">
+                        <a:rPr lang="de-DE" sz="1600" dirty="0">
                           <a:effectLst/>
                         </a:rPr>
                         <a:t>Löschen / zoomen /</a:t>
                       </a:r>
-                      <a:endParaRPr lang="de-DE" sz="1400">
+                      <a:endParaRPr lang="de-DE" sz="1400" dirty="0">
                         <a:effectLst/>
                       </a:endParaRPr>
                     </a:p>
@@ -5511,12 +5613,12 @@
                         </a:spcAft>
                       </a:pPr>
                       <a:r>
-                        <a:rPr lang="de-DE" sz="1600">
+                        <a:rPr lang="de-DE" sz="1600" dirty="0">
                           <a:effectLst/>
                         </a:rPr>
                         <a:t>Toolbox</a:t>
                       </a:r>
-                      <a:endParaRPr lang="de-DE" sz="1400">
+                      <a:endParaRPr lang="de-DE" sz="1400" dirty="0">
                         <a:effectLst/>
                         <a:latin typeface="Calibri" panose="020F0502020204030204" pitchFamily="34" charset="0"/>
                         <a:ea typeface="DengXian"/>
@@ -5540,12 +5642,12 @@
                         </a:spcAft>
                       </a:pPr>
                       <a:r>
-                        <a:rPr lang="de-DE" sz="1600">
+                        <a:rPr lang="de-DE" sz="1600" dirty="0">
                           <a:effectLst/>
                         </a:rPr>
                         <a:t>8</a:t>
                       </a:r>
-                      <a:endParaRPr lang="de-DE" sz="1400">
+                      <a:endParaRPr lang="de-DE" sz="1400" dirty="0">
                         <a:effectLst/>
                         <a:latin typeface="Calibri" panose="020F0502020204030204" pitchFamily="34" charset="0"/>
                         <a:ea typeface="DengXian"/>
@@ -5569,12 +5671,12 @@
                         </a:spcAft>
                       </a:pPr>
                       <a:r>
-                        <a:rPr lang="de-DE" sz="1600">
+                        <a:rPr lang="de-DE" sz="1600" dirty="0">
                           <a:effectLst/>
                         </a:rPr>
                         <a:t> </a:t>
                       </a:r>
-                      <a:endParaRPr lang="de-DE" sz="1400">
+                      <a:endParaRPr lang="de-DE" sz="1400" dirty="0">
                         <a:effectLst/>
                         <a:latin typeface="Calibri" panose="020F0502020204030204" pitchFamily="34" charset="0"/>
                         <a:ea typeface="DengXian"/>
@@ -5598,12 +5700,12 @@
                         </a:spcAft>
                       </a:pPr>
                       <a:r>
-                        <a:rPr lang="de-DE" sz="1600">
+                        <a:rPr lang="de-DE" sz="1600" dirty="0">
                           <a:effectLst/>
                         </a:rPr>
                         <a:t> </a:t>
                       </a:r>
-                      <a:endParaRPr lang="de-DE" sz="1400">
+                      <a:endParaRPr lang="de-DE" sz="1400" dirty="0">
                         <a:effectLst/>
                         <a:latin typeface="Calibri" panose="020F0502020204030204" pitchFamily="34" charset="0"/>
                         <a:ea typeface="DengXian"/>
@@ -5627,12 +5729,12 @@
                         </a:spcAft>
                       </a:pPr>
                       <a:r>
-                        <a:rPr lang="de-DE" sz="1600">
+                        <a:rPr lang="de-DE" sz="1600" dirty="0">
                           <a:effectLst/>
                         </a:rPr>
                         <a:t> </a:t>
                       </a:r>
-                      <a:endParaRPr lang="de-DE" sz="1400">
+                      <a:endParaRPr lang="de-DE" sz="1400" dirty="0">
                         <a:effectLst/>
                         <a:latin typeface="Calibri" panose="020F0502020204030204" pitchFamily="34" charset="0"/>
                         <a:ea typeface="DengXian"/>
@@ -5656,12 +5758,12 @@
                         </a:spcAft>
                       </a:pPr>
                       <a:r>
-                        <a:rPr lang="de-DE" sz="1600">
+                        <a:rPr lang="de-DE" sz="1600" dirty="0">
                           <a:effectLst/>
                         </a:rPr>
                         <a:t> </a:t>
                       </a:r>
-                      <a:endParaRPr lang="de-DE" sz="1400">
+                      <a:endParaRPr lang="de-DE" sz="1400" dirty="0">
                         <a:effectLst/>
                         <a:latin typeface="Calibri" panose="020F0502020204030204" pitchFamily="34" charset="0"/>
                         <a:ea typeface="DengXian"/>
@@ -5671,6 +5773,11 @@
                   </a:txBody>
                   <a:tcPr marL="68580" marR="68580" marT="0" marB="0"/>
                 </a:tc>
+                <a:extLst>
+                  <a:ext uri="{0D108BD9-81ED-4DB2-BD59-A6C34878D82A}">
+                    <a16:rowId xmlns:a16="http://schemas.microsoft.com/office/drawing/2014/main" val="10005"/>
+                  </a:ext>
+                </a:extLst>
               </a:tr>
               <a:tr h="368206">
                 <a:tc>
@@ -5690,12 +5797,12 @@
                         </a:tabLst>
                       </a:pPr>
                       <a:r>
-                        <a:rPr lang="de-DE" sz="1600">
+                        <a:rPr lang="de-DE" sz="1600" dirty="0">
                           <a:effectLst/>
                         </a:rPr>
                         <a:t>Fehlerdiagnose	</a:t>
                       </a:r>
-                      <a:endParaRPr lang="de-DE" sz="1400">
+                      <a:endParaRPr lang="de-DE" sz="1400" dirty="0">
                         <a:effectLst/>
                         <a:latin typeface="Calibri" panose="020F0502020204030204" pitchFamily="34" charset="0"/>
                         <a:ea typeface="DengXian"/>
@@ -5719,12 +5826,12 @@
                         </a:spcAft>
                       </a:pPr>
                       <a:r>
-                        <a:rPr lang="de-DE" sz="1600">
+                        <a:rPr lang="de-DE" sz="1600" dirty="0">
                           <a:effectLst/>
                         </a:rPr>
                         <a:t>24</a:t>
                       </a:r>
-                      <a:endParaRPr lang="de-DE" sz="1400">
+                      <a:endParaRPr lang="de-DE" sz="1400" dirty="0">
                         <a:effectLst/>
                         <a:latin typeface="Calibri" panose="020F0502020204030204" pitchFamily="34" charset="0"/>
                         <a:ea typeface="DengXian"/>
@@ -5748,12 +5855,12 @@
                         </a:spcAft>
                       </a:pPr>
                       <a:r>
-                        <a:rPr lang="de-DE" sz="1600">
+                        <a:rPr lang="de-DE" sz="1600" dirty="0">
                           <a:effectLst/>
                         </a:rPr>
                         <a:t>Fehlerdiagnose</a:t>
                       </a:r>
-                      <a:endParaRPr lang="de-DE" sz="1400">
+                      <a:endParaRPr lang="de-DE" sz="1400" dirty="0">
                         <a:effectLst/>
                         <a:latin typeface="Calibri" panose="020F0502020204030204" pitchFamily="34" charset="0"/>
                         <a:ea typeface="DengXian"/>
@@ -5777,12 +5884,12 @@
                         </a:spcAft>
                       </a:pPr>
                       <a:r>
-                        <a:rPr lang="de-DE" sz="1600">
+                        <a:rPr lang="de-DE" sz="1600" dirty="0">
                           <a:effectLst/>
                         </a:rPr>
                         <a:t>11</a:t>
                       </a:r>
-                      <a:endParaRPr lang="de-DE" sz="1400">
+                      <a:endParaRPr lang="de-DE" sz="1400" dirty="0">
                         <a:effectLst/>
                         <a:latin typeface="Calibri" panose="020F0502020204030204" pitchFamily="34" charset="0"/>
                         <a:ea typeface="DengXian"/>
@@ -5806,18 +5913,18 @@
                         </a:spcAft>
                       </a:pPr>
                       <a:r>
-                        <a:rPr lang="de-DE" sz="1600">
+                        <a:rPr lang="de-DE" sz="1600" dirty="0">
                           <a:effectLst/>
                         </a:rPr>
                         <a:t>Fehlerdiagnose/</a:t>
                       </a:r>
                       <a:r>
-                        <a:rPr lang="en-US" sz="1600">
+                        <a:rPr lang="en-US" sz="1600" dirty="0">
                           <a:effectLst/>
                         </a:rPr>
                         <a:t>Cleanup</a:t>
                       </a:r>
-                      <a:endParaRPr lang="de-DE" sz="1400">
+                      <a:endParaRPr lang="de-DE" sz="1400" dirty="0">
                         <a:effectLst/>
                         <a:latin typeface="Calibri" panose="020F0502020204030204" pitchFamily="34" charset="0"/>
                         <a:ea typeface="DengXian"/>
@@ -5841,12 +5948,12 @@
                         </a:spcAft>
                       </a:pPr>
                       <a:r>
-                        <a:rPr lang="de-DE" sz="1600">
+                        <a:rPr lang="de-DE" sz="1600" dirty="0">
                           <a:effectLst/>
                         </a:rPr>
                         <a:t>53</a:t>
                       </a:r>
-                      <a:endParaRPr lang="de-DE" sz="1400">
+                      <a:endParaRPr lang="de-DE" sz="1400" dirty="0">
                         <a:effectLst/>
                         <a:latin typeface="Calibri" panose="020F0502020204030204" pitchFamily="34" charset="0"/>
                         <a:ea typeface="DengXian"/>
@@ -5856,6 +5963,11 @@
                   </a:txBody>
                   <a:tcPr marL="68580" marR="68580" marT="0" marB="0"/>
                 </a:tc>
+                <a:extLst>
+                  <a:ext uri="{0D108BD9-81ED-4DB2-BD59-A6C34878D82A}">
+                    <a16:rowId xmlns:a16="http://schemas.microsoft.com/office/drawing/2014/main" val="10006"/>
+                  </a:ext>
+                </a:extLst>
               </a:tr>
               <a:tr h="368206">
                 <a:tc>
@@ -5872,12 +5984,12 @@
                         </a:spcAft>
                       </a:pPr>
                       <a:r>
-                        <a:rPr lang="de-DE" sz="1600">
+                        <a:rPr lang="de-DE" sz="1600" dirty="0">
                           <a:effectLst/>
                         </a:rPr>
                         <a:t>Lern Zeit</a:t>
                       </a:r>
-                      <a:endParaRPr lang="de-DE" sz="1400">
+                      <a:endParaRPr lang="de-DE" sz="1400" dirty="0">
                         <a:effectLst/>
                         <a:latin typeface="Calibri" panose="020F0502020204030204" pitchFamily="34" charset="0"/>
                         <a:ea typeface="DengXian"/>
@@ -5901,12 +6013,12 @@
                         </a:spcAft>
                       </a:pPr>
                       <a:r>
-                        <a:rPr lang="de-DE" sz="1600">
+                        <a:rPr lang="de-DE" sz="1600" dirty="0">
                           <a:effectLst/>
                         </a:rPr>
                         <a:t>26</a:t>
                       </a:r>
-                      <a:endParaRPr lang="de-DE" sz="1400">
+                      <a:endParaRPr lang="de-DE" sz="1400" dirty="0">
                         <a:effectLst/>
                         <a:latin typeface="Calibri" panose="020F0502020204030204" pitchFamily="34" charset="0"/>
                         <a:ea typeface="DengXian"/>
@@ -5930,12 +6042,12 @@
                         </a:spcAft>
                       </a:pPr>
                       <a:r>
-                        <a:rPr lang="de-DE" sz="1600">
+                        <a:rPr lang="de-DE" sz="1600" dirty="0">
                           <a:effectLst/>
                         </a:rPr>
                         <a:t>Lern Zeit</a:t>
                       </a:r>
-                      <a:endParaRPr lang="de-DE" sz="1400">
+                      <a:endParaRPr lang="de-DE" sz="1400" dirty="0">
                         <a:effectLst/>
                         <a:latin typeface="Calibri" panose="020F0502020204030204" pitchFamily="34" charset="0"/>
                         <a:ea typeface="DengXian"/>
@@ -5959,12 +6071,12 @@
                         </a:spcAft>
                       </a:pPr>
                       <a:r>
-                        <a:rPr lang="de-DE" sz="1600">
+                        <a:rPr lang="de-DE" sz="1600" dirty="0">
                           <a:effectLst/>
                         </a:rPr>
                         <a:t>10</a:t>
                       </a:r>
-                      <a:endParaRPr lang="de-DE" sz="1400">
+                      <a:endParaRPr lang="de-DE" sz="1400" dirty="0">
                         <a:effectLst/>
                         <a:latin typeface="Calibri" panose="020F0502020204030204" pitchFamily="34" charset="0"/>
                         <a:ea typeface="DengXian"/>
@@ -5988,12 +6100,12 @@
                         </a:spcAft>
                       </a:pPr>
                       <a:r>
-                        <a:rPr lang="de-DE" sz="1600">
+                        <a:rPr lang="de-DE" sz="1600" dirty="0">
                           <a:effectLst/>
                         </a:rPr>
                         <a:t>Lern Zeit</a:t>
                       </a:r>
-                      <a:endParaRPr lang="de-DE" sz="1400">
+                      <a:endParaRPr lang="de-DE" sz="1400" dirty="0">
                         <a:effectLst/>
                         <a:latin typeface="Calibri" panose="020F0502020204030204" pitchFamily="34" charset="0"/>
                         <a:ea typeface="DengXian"/>
@@ -6017,12 +6129,12 @@
                         </a:spcAft>
                       </a:pPr>
                       <a:r>
-                        <a:rPr lang="de-DE" sz="1600">
+                        <a:rPr lang="de-DE" sz="1600" dirty="0">
                           <a:effectLst/>
                         </a:rPr>
                         <a:t>54</a:t>
                       </a:r>
-                      <a:endParaRPr lang="de-DE" sz="1400">
+                      <a:endParaRPr lang="de-DE" sz="1400" dirty="0">
                         <a:effectLst/>
                         <a:latin typeface="Calibri" panose="020F0502020204030204" pitchFamily="34" charset="0"/>
                         <a:ea typeface="DengXian"/>
@@ -6032,6 +6144,11 @@
                   </a:txBody>
                   <a:tcPr marL="68580" marR="68580" marT="0" marB="0"/>
                 </a:tc>
+                <a:extLst>
+                  <a:ext uri="{0D108BD9-81ED-4DB2-BD59-A6C34878D82A}">
+                    <a16:rowId xmlns:a16="http://schemas.microsoft.com/office/drawing/2014/main" val="10007"/>
+                  </a:ext>
+                </a:extLst>
               </a:tr>
               <a:tr h="368206">
                 <a:tc>
@@ -6048,12 +6165,12 @@
                         </a:spcAft>
                       </a:pPr>
                       <a:r>
-                        <a:rPr lang="de-DE" sz="1600">
+                        <a:rPr lang="de-DE" sz="1600" dirty="0">
                           <a:effectLst/>
                         </a:rPr>
                         <a:t>PowerPoint</a:t>
                       </a:r>
-                      <a:endParaRPr lang="de-DE" sz="1400">
+                      <a:endParaRPr lang="de-DE" sz="1400" dirty="0">
                         <a:effectLst/>
                         <a:latin typeface="Calibri" panose="020F0502020204030204" pitchFamily="34" charset="0"/>
                         <a:ea typeface="DengXian"/>
@@ -6077,12 +6194,12 @@
                         </a:spcAft>
                       </a:pPr>
                       <a:r>
-                        <a:rPr lang="de-DE" sz="1600">
+                        <a:rPr lang="de-DE" sz="1600" dirty="0">
                           <a:effectLst/>
                         </a:rPr>
                         <a:t>2</a:t>
                       </a:r>
-                      <a:endParaRPr lang="de-DE" sz="1400">
+                      <a:endParaRPr lang="de-DE" sz="1400" dirty="0">
                         <a:effectLst/>
                         <a:latin typeface="Calibri" panose="020F0502020204030204" pitchFamily="34" charset="0"/>
                         <a:ea typeface="DengXian"/>
@@ -6106,12 +6223,12 @@
                         </a:spcAft>
                       </a:pPr>
                       <a:r>
-                        <a:rPr lang="de-DE" sz="1600">
+                        <a:rPr lang="de-DE" sz="1600" dirty="0">
                           <a:effectLst/>
                         </a:rPr>
                         <a:t>PowerPoint</a:t>
                       </a:r>
-                      <a:endParaRPr lang="de-DE" sz="1400">
+                      <a:endParaRPr lang="de-DE" sz="1400" dirty="0">
                         <a:effectLst/>
                         <a:latin typeface="Calibri" panose="020F0502020204030204" pitchFamily="34" charset="0"/>
                         <a:ea typeface="DengXian"/>
@@ -6135,12 +6252,12 @@
                         </a:spcAft>
                       </a:pPr>
                       <a:r>
-                        <a:rPr lang="de-DE" sz="1600">
+                        <a:rPr lang="de-DE" sz="1600" dirty="0">
                           <a:effectLst/>
                         </a:rPr>
                         <a:t>2</a:t>
                       </a:r>
-                      <a:endParaRPr lang="de-DE" sz="1400">
+                      <a:endParaRPr lang="de-DE" sz="1400" dirty="0">
                         <a:effectLst/>
                         <a:latin typeface="Calibri" panose="020F0502020204030204" pitchFamily="34" charset="0"/>
                         <a:ea typeface="DengXian"/>
@@ -6164,12 +6281,12 @@
                         </a:spcAft>
                       </a:pPr>
                       <a:r>
-                        <a:rPr lang="de-DE" sz="1600">
+                        <a:rPr lang="de-DE" sz="1600" dirty="0">
                           <a:effectLst/>
                         </a:rPr>
                         <a:t>PowerPoint</a:t>
                       </a:r>
-                      <a:endParaRPr lang="de-DE" sz="1400">
+                      <a:endParaRPr lang="de-DE" sz="1400" dirty="0">
                         <a:effectLst/>
                         <a:latin typeface="Calibri" panose="020F0502020204030204" pitchFamily="34" charset="0"/>
                         <a:ea typeface="DengXian"/>
@@ -6193,12 +6310,12 @@
                         </a:spcAft>
                       </a:pPr>
                       <a:r>
-                        <a:rPr lang="de-DE" sz="1600">
+                        <a:rPr lang="de-DE" sz="1600" dirty="0">
                           <a:effectLst/>
                         </a:rPr>
                         <a:t>2</a:t>
                       </a:r>
-                      <a:endParaRPr lang="de-DE" sz="1400">
+                      <a:endParaRPr lang="de-DE" sz="1400" dirty="0">
                         <a:effectLst/>
                         <a:latin typeface="Calibri" panose="020F0502020204030204" pitchFamily="34" charset="0"/>
                         <a:ea typeface="DengXian"/>
@@ -6208,6 +6325,11 @@
                   </a:txBody>
                   <a:tcPr marL="68580" marR="68580" marT="0" marB="0"/>
                 </a:tc>
+                <a:extLst>
+                  <a:ext uri="{0D108BD9-81ED-4DB2-BD59-A6C34878D82A}">
+                    <a16:rowId xmlns:a16="http://schemas.microsoft.com/office/drawing/2014/main" val="10008"/>
+                  </a:ext>
+                </a:extLst>
               </a:tr>
               <a:tr h="101549">
                 <a:tc>
@@ -6224,12 +6346,12 @@
                         </a:spcAft>
                       </a:pPr>
                       <a:r>
-                        <a:rPr lang="de-DE" sz="400">
+                        <a:rPr lang="de-DE" sz="400" dirty="0">
                           <a:effectLst/>
                         </a:rPr>
                         <a:t> </a:t>
                       </a:r>
-                      <a:endParaRPr lang="de-DE" sz="1400">
+                      <a:endParaRPr lang="de-DE" sz="1400" dirty="0">
                         <a:effectLst/>
                         <a:latin typeface="Calibri" panose="020F0502020204030204" pitchFamily="34" charset="0"/>
                         <a:ea typeface="DengXian"/>
@@ -6253,12 +6375,12 @@
                         </a:spcAft>
                       </a:pPr>
                       <a:r>
-                        <a:rPr lang="de-DE" sz="400">
+                        <a:rPr lang="de-DE" sz="400" dirty="0">
                           <a:effectLst/>
                         </a:rPr>
                         <a:t> </a:t>
                       </a:r>
-                      <a:endParaRPr lang="de-DE" sz="1400">
+                      <a:endParaRPr lang="de-DE" sz="1400" dirty="0">
                         <a:effectLst/>
                         <a:latin typeface="Calibri" panose="020F0502020204030204" pitchFamily="34" charset="0"/>
                         <a:ea typeface="DengXian"/>
@@ -6282,12 +6404,12 @@
                         </a:spcAft>
                       </a:pPr>
                       <a:r>
-                        <a:rPr lang="de-DE" sz="400">
+                        <a:rPr lang="de-DE" sz="400" dirty="0">
                           <a:effectLst/>
                         </a:rPr>
                         <a:t> </a:t>
                       </a:r>
-                      <a:endParaRPr lang="de-DE" sz="1400">
+                      <a:endParaRPr lang="de-DE" sz="1400" dirty="0">
                         <a:effectLst/>
                         <a:latin typeface="Calibri" panose="020F0502020204030204" pitchFamily="34" charset="0"/>
                         <a:ea typeface="DengXian"/>
@@ -6311,12 +6433,12 @@
                         </a:spcAft>
                       </a:pPr>
                       <a:r>
-                        <a:rPr lang="de-DE" sz="400">
+                        <a:rPr lang="de-DE" sz="400" dirty="0">
                           <a:effectLst/>
                         </a:rPr>
                         <a:t> </a:t>
                       </a:r>
-                      <a:endParaRPr lang="de-DE" sz="1400">
+                      <a:endParaRPr lang="de-DE" sz="1400" dirty="0">
                         <a:effectLst/>
                         <a:latin typeface="Calibri" panose="020F0502020204030204" pitchFamily="34" charset="0"/>
                         <a:ea typeface="DengXian"/>
@@ -6340,12 +6462,12 @@
                         </a:spcAft>
                       </a:pPr>
                       <a:r>
-                        <a:rPr lang="de-DE" sz="400">
+                        <a:rPr lang="de-DE" sz="400" dirty="0">
                           <a:effectLst/>
                         </a:rPr>
                         <a:t> </a:t>
                       </a:r>
-                      <a:endParaRPr lang="de-DE" sz="1400">
+                      <a:endParaRPr lang="de-DE" sz="1400" dirty="0">
                         <a:effectLst/>
                         <a:latin typeface="Calibri" panose="020F0502020204030204" pitchFamily="34" charset="0"/>
                         <a:ea typeface="DengXian"/>
@@ -6369,12 +6491,12 @@
                         </a:spcAft>
                       </a:pPr>
                       <a:r>
-                        <a:rPr lang="de-DE" sz="400">
+                        <a:rPr lang="de-DE" sz="400" dirty="0">
                           <a:effectLst/>
                         </a:rPr>
                         <a:t> </a:t>
                       </a:r>
-                      <a:endParaRPr lang="de-DE" sz="1400">
+                      <a:endParaRPr lang="de-DE" sz="1400" dirty="0">
                         <a:effectLst/>
                         <a:latin typeface="Calibri" panose="020F0502020204030204" pitchFamily="34" charset="0"/>
                         <a:ea typeface="DengXian"/>
@@ -6384,6 +6506,11 @@
                   </a:txBody>
                   <a:tcPr marL="68580" marR="68580" marT="0" marB="0"/>
                 </a:tc>
+                <a:extLst>
+                  <a:ext uri="{0D108BD9-81ED-4DB2-BD59-A6C34878D82A}">
+                    <a16:rowId xmlns:a16="http://schemas.microsoft.com/office/drawing/2014/main" val="10009"/>
+                  </a:ext>
+                </a:extLst>
               </a:tr>
               <a:tr h="368206">
                 <a:tc>
@@ -6400,12 +6527,12 @@
                         </a:spcAft>
                       </a:pPr>
                       <a:r>
-                        <a:rPr lang="de-DE" sz="1600">
+                        <a:rPr lang="de-DE" sz="1600" dirty="0">
                           <a:effectLst/>
                         </a:rPr>
                         <a:t>Gesamtzeit</a:t>
                       </a:r>
-                      <a:endParaRPr lang="de-DE" sz="1400">
+                      <a:endParaRPr lang="de-DE" sz="1400" dirty="0">
                         <a:effectLst/>
                         <a:latin typeface="Calibri" panose="020F0502020204030204" pitchFamily="34" charset="0"/>
                         <a:ea typeface="DengXian"/>
@@ -6429,12 +6556,12 @@
                         </a:spcAft>
                       </a:pPr>
                       <a:r>
-                        <a:rPr lang="de-DE" sz="1600">
+                        <a:rPr lang="de-DE" sz="1600" dirty="0">
                           <a:effectLst/>
                         </a:rPr>
                         <a:t>117</a:t>
                       </a:r>
-                      <a:endParaRPr lang="de-DE" sz="1400">
+                      <a:endParaRPr lang="de-DE" sz="1400" dirty="0">
                         <a:effectLst/>
                         <a:latin typeface="Calibri" panose="020F0502020204030204" pitchFamily="34" charset="0"/>
                         <a:ea typeface="DengXian"/>
@@ -6458,12 +6585,12 @@
                         </a:spcAft>
                       </a:pPr>
                       <a:r>
-                        <a:rPr lang="de-DE" sz="1600">
+                        <a:rPr lang="de-DE" sz="1600" dirty="0">
                           <a:effectLst/>
                         </a:rPr>
                         <a:t>Gesamtzeit</a:t>
                       </a:r>
-                      <a:endParaRPr lang="de-DE" sz="1400">
+                      <a:endParaRPr lang="de-DE" sz="1400" dirty="0">
                         <a:effectLst/>
                         <a:latin typeface="Calibri" panose="020F0502020204030204" pitchFamily="34" charset="0"/>
                         <a:ea typeface="DengXian"/>
@@ -6487,12 +6614,12 @@
                         </a:spcAft>
                       </a:pPr>
                       <a:r>
-                        <a:rPr lang="de-DE" sz="1600">
+                        <a:rPr lang="de-DE" sz="1600" dirty="0">
                           <a:effectLst/>
                         </a:rPr>
                         <a:t>73</a:t>
                       </a:r>
-                      <a:endParaRPr lang="de-DE" sz="1400">
+                      <a:endParaRPr lang="de-DE" sz="1400" dirty="0">
                         <a:effectLst/>
                         <a:latin typeface="Calibri" panose="020F0502020204030204" pitchFamily="34" charset="0"/>
                         <a:ea typeface="DengXian"/>
@@ -6516,12 +6643,12 @@
                         </a:spcAft>
                       </a:pPr>
                       <a:r>
-                        <a:rPr lang="de-DE" sz="1600">
+                        <a:rPr lang="de-DE" sz="1600" dirty="0">
                           <a:effectLst/>
                         </a:rPr>
                         <a:t>Gesamtzeit</a:t>
                       </a:r>
-                      <a:endParaRPr lang="de-DE" sz="1400">
+                      <a:endParaRPr lang="de-DE" sz="1400" dirty="0">
                         <a:effectLst/>
                         <a:latin typeface="Calibri" panose="020F0502020204030204" pitchFamily="34" charset="0"/>
                         <a:ea typeface="DengXian"/>
@@ -6560,6 +6687,11 @@
                   </a:txBody>
                   <a:tcPr marL="68580" marR="68580" marT="0" marB="0"/>
                 </a:tc>
+                <a:extLst>
+                  <a:ext uri="{0D108BD9-81ED-4DB2-BD59-A6C34878D82A}">
+                    <a16:rowId xmlns:a16="http://schemas.microsoft.com/office/drawing/2014/main" val="10010"/>
+                  </a:ext>
+                </a:extLst>
               </a:tr>
             </a:tbl>
           </a:graphicData>
@@ -6569,157 +6701,6 @@
     <p:extLst>
       <p:ext uri="{BB962C8B-B14F-4D97-AF65-F5344CB8AC3E}">
         <p14:creationId xmlns:p14="http://schemas.microsoft.com/office/powerpoint/2010/main" val="64725695"/>
-      </p:ext>
-    </p:extLst>
-  </p:cSld>
-  <p:clrMapOvr>
-    <a:masterClrMapping/>
-  </p:clrMapOvr>
-  <p:timing>
-    <p:tnLst>
-      <p:par>
-        <p:cTn id="1" dur="indefinite" restart="never" nodeType="tmRoot"/>
-      </p:par>
-    </p:tnLst>
-  </p:timing>
-</p:sld>
-</file>
-
-<file path=ppt/slides/slide7.xml><?xml version="1.0" encoding="utf-8"?>
-<p:sld xmlns:a="http://schemas.openxmlformats.org/drawingml/2006/main" xmlns:r="http://schemas.openxmlformats.org/officeDocument/2006/relationships" xmlns:p="http://schemas.openxmlformats.org/presentationml/2006/main">
-  <p:cSld>
-    <p:spTree>
-      <p:nvGrpSpPr>
-        <p:cNvPr id="1" name=""/>
-        <p:cNvGrpSpPr/>
-        <p:nvPr/>
-      </p:nvGrpSpPr>
-      <p:grpSpPr>
-        <a:xfrm>
-          <a:off x="0" y="0"/>
-          <a:ext cx="0" cy="0"/>
-          <a:chOff x="0" y="0"/>
-          <a:chExt cx="0" cy="0"/>
-        </a:xfrm>
-      </p:grpSpPr>
-      <p:sp>
-        <p:nvSpPr>
-          <p:cNvPr id="2" name="Titel 1"/>
-          <p:cNvSpPr>
-            <a:spLocks noGrp="1"/>
-          </p:cNvSpPr>
-          <p:nvPr>
-            <p:ph type="title"/>
-          </p:nvPr>
-        </p:nvSpPr>
-        <p:spPr/>
-        <p:txBody>
-          <a:bodyPr/>
-          <a:lstStyle/>
-          <a:p>
-            <a:r>
-              <a:rPr lang="de-DE" dirty="0" smtClean="0"/>
-              <a:t>Probleme</a:t>
-            </a:r>
-            <a:endParaRPr lang="de-DE" dirty="0"/>
-          </a:p>
-        </p:txBody>
-      </p:sp>
-      <p:sp>
-        <p:nvSpPr>
-          <p:cNvPr id="3" name="Inhaltsplatzhalter 2"/>
-          <p:cNvSpPr>
-            <a:spLocks noGrp="1"/>
-          </p:cNvSpPr>
-          <p:nvPr>
-            <p:ph idx="1"/>
-          </p:nvPr>
-        </p:nvSpPr>
-        <p:spPr/>
-        <p:txBody>
-          <a:bodyPr/>
-          <a:lstStyle/>
-          <a:p>
-            <a:pPr>
-              <a:buFont typeface="Arial" panose="020B0604020202020204" pitchFamily="34" charset="0"/>
-              <a:buChar char="•"/>
-            </a:pPr>
-            <a:r>
-              <a:rPr lang="de-DE" dirty="0" smtClean="0"/>
-              <a:t> Bugs</a:t>
-            </a:r>
-          </a:p>
-          <a:p>
-            <a:pPr lvl="1">
-              <a:buFont typeface="Arial" panose="020B0604020202020204" pitchFamily="34" charset="0"/>
-              <a:buChar char="•"/>
-            </a:pPr>
-            <a:r>
-              <a:rPr lang="de-DE" dirty="0" smtClean="0"/>
-              <a:t>Neue Funktionen haben häufig alte Funktionen behindert</a:t>
-            </a:r>
-          </a:p>
-          <a:p>
-            <a:pPr lvl="1">
-              <a:buFont typeface="Arial" panose="020B0604020202020204" pitchFamily="34" charset="0"/>
-              <a:buChar char="•"/>
-            </a:pPr>
-            <a:r>
-              <a:rPr lang="de-DE" dirty="0" smtClean="0"/>
-              <a:t>CPU Überlastung bei der zyklischen Abarbeitung des Programms</a:t>
-            </a:r>
-          </a:p>
-          <a:p>
-            <a:pPr lvl="1">
-              <a:buFont typeface="Arial" panose="020B0604020202020204" pitchFamily="34" charset="0"/>
-              <a:buChar char="•"/>
-            </a:pPr>
-            <a:r>
-              <a:rPr lang="de-DE" dirty="0" smtClean="0"/>
-              <a:t>Bildschirm Größen unterschiede</a:t>
-            </a:r>
-          </a:p>
-          <a:p>
-            <a:pPr lvl="1">
-              <a:buFont typeface="Arial" panose="020B0604020202020204" pitchFamily="34" charset="0"/>
-              <a:buChar char="•"/>
-            </a:pPr>
-            <a:r>
-              <a:rPr lang="de-DE" dirty="0" smtClean="0"/>
-              <a:t>Schul-PCs </a:t>
-            </a:r>
-            <a:r>
-              <a:rPr lang="de-DE" dirty="0"/>
-              <a:t>z</a:t>
-            </a:r>
-            <a:r>
-              <a:rPr lang="de-DE" dirty="0" smtClean="0"/>
-              <a:t>u langsam</a:t>
-            </a:r>
-          </a:p>
-          <a:p>
-            <a:pPr>
-              <a:buFont typeface="Arial" panose="020B0604020202020204" pitchFamily="34" charset="0"/>
-              <a:buChar char="•"/>
-            </a:pPr>
-            <a:r>
-              <a:rPr lang="de-DE" dirty="0" smtClean="0"/>
-              <a:t> Keine richtige Arbeitseinteilung</a:t>
-            </a:r>
-          </a:p>
-          <a:p>
-            <a:pPr lvl="1">
-              <a:buFont typeface="Arial" panose="020B0604020202020204" pitchFamily="34" charset="0"/>
-              <a:buChar char="•"/>
-            </a:pPr>
-            <a:endParaRPr lang="de-DE" dirty="0"/>
-          </a:p>
-        </p:txBody>
-      </p:sp>
-    </p:spTree>
-    <p:extLst>
-      <p:ext uri="{BB962C8B-B14F-4D97-AF65-F5344CB8AC3E}">
-        <p14:creationId xmlns:p14="http://schemas.microsoft.com/office/powerpoint/2010/main" val="348873555"/>
       </p:ext>
     </p:extLst>
   </p:cSld>
@@ -6762,10 +6743,9 @@
           <a:lstStyle/>
           <a:p>
             <a:r>
-              <a:rPr lang="de-DE" dirty="0" smtClean="0"/>
-              <a:t>Mögliche Problemlösungen</a:t>
-            </a:r>
-            <a:endParaRPr lang="de-DE" dirty="0"/>
+              <a:rPr lang="de-DE" dirty="0"/>
+              <a:t>Probleme</a:t>
+            </a:r>
           </a:p>
         </p:txBody>
       </p:sp>
@@ -6789,9 +6769,65 @@
               <a:buChar char="•"/>
             </a:pPr>
             <a:r>
-              <a:rPr lang="de-DE" dirty="0" smtClean="0"/>
-              <a:t> </a:t>
-            </a:r>
+              <a:rPr lang="de-DE" dirty="0"/>
+              <a:t> Bugs</a:t>
+            </a:r>
+          </a:p>
+          <a:p>
+            <a:pPr lvl="1">
+              <a:buFont typeface="Arial" panose="020B0604020202020204" pitchFamily="34" charset="0"/>
+              <a:buChar char="•"/>
+            </a:pPr>
+            <a:r>
+              <a:rPr lang="de-DE" dirty="0"/>
+              <a:t>Neue Funktionen haben häufig alte Funktionen behindert</a:t>
+            </a:r>
+          </a:p>
+          <a:p>
+            <a:pPr lvl="1">
+              <a:buFont typeface="Arial" panose="020B0604020202020204" pitchFamily="34" charset="0"/>
+              <a:buChar char="•"/>
+            </a:pPr>
+            <a:r>
+              <a:rPr lang="de-DE" dirty="0"/>
+              <a:t>CPU Überlastung bei der zyklischen Abarbeitung des Programms</a:t>
+            </a:r>
+          </a:p>
+          <a:p>
+            <a:pPr lvl="1">
+              <a:buFont typeface="Arial" panose="020B0604020202020204" pitchFamily="34" charset="0"/>
+              <a:buChar char="•"/>
+            </a:pPr>
+            <a:r>
+              <a:rPr lang="de-DE" dirty="0"/>
+              <a:t>Bildschirm Größen unterschiede</a:t>
+            </a:r>
+          </a:p>
+          <a:p>
+            <a:pPr lvl="1">
+              <a:buFont typeface="Arial" panose="020B0604020202020204" pitchFamily="34" charset="0"/>
+              <a:buChar char="•"/>
+            </a:pPr>
+            <a:r>
+              <a:rPr lang="de-DE" dirty="0"/>
+              <a:t>Schul-PCs zu langsam</a:t>
+            </a:r>
+          </a:p>
+          <a:p>
+            <a:pPr>
+              <a:buFont typeface="Arial" panose="020B0604020202020204" pitchFamily="34" charset="0"/>
+              <a:buChar char="•"/>
+            </a:pPr>
+            <a:r>
+              <a:rPr lang="de-DE" dirty="0"/>
+              <a:t> Keine richtige Arbeitseinteilung</a:t>
+            </a:r>
+          </a:p>
+          <a:p>
+            <a:pPr lvl="1">
+              <a:buFont typeface="Arial" panose="020B0604020202020204" pitchFamily="34" charset="0"/>
+              <a:buChar char="•"/>
+            </a:pPr>
             <a:endParaRPr lang="de-DE" dirty="0"/>
           </a:p>
         </p:txBody>
@@ -6799,7 +6835,7 @@
     </p:spTree>
     <p:extLst>
       <p:ext uri="{BB962C8B-B14F-4D97-AF65-F5344CB8AC3E}">
-        <p14:creationId xmlns:p14="http://schemas.microsoft.com/office/powerpoint/2010/main" val="4120888695"/>
+        <p14:creationId xmlns:p14="http://schemas.microsoft.com/office/powerpoint/2010/main" val="348873555"/>
       </p:ext>
     </p:extLst>
   </p:cSld>
@@ -6842,10 +6878,9 @@
           <a:lstStyle/>
           <a:p>
             <a:r>
-              <a:rPr lang="de-DE" dirty="0" smtClean="0"/>
-              <a:t>Fazit</a:t>
-            </a:r>
-            <a:endParaRPr lang="de-DE" dirty="0"/>
+              <a:rPr lang="de-DE" dirty="0"/>
+              <a:t>Mögliche Problemlösungen</a:t>
+            </a:r>
           </a:p>
         </p:txBody>
       </p:sp>
@@ -6869,17 +6904,16 @@
               <a:buChar char="•"/>
             </a:pPr>
             <a:r>
-              <a:rPr lang="de-DE" dirty="0" smtClean="0"/>
+              <a:rPr lang="de-DE" dirty="0"/>
               <a:t> </a:t>
             </a:r>
-            <a:endParaRPr lang="de-DE" dirty="0"/>
           </a:p>
         </p:txBody>
       </p:sp>
     </p:spTree>
     <p:extLst>
       <p:ext uri="{BB962C8B-B14F-4D97-AF65-F5344CB8AC3E}">
-        <p14:creationId xmlns:p14="http://schemas.microsoft.com/office/powerpoint/2010/main" val="505189340"/>
+        <p14:creationId xmlns:p14="http://schemas.microsoft.com/office/powerpoint/2010/main" val="4120888695"/>
       </p:ext>
     </p:extLst>
   </p:cSld>

--- a/Praesentation.pptx
+++ b/Praesentation.pptx
@@ -63,7 +63,7 @@
       </p:grpSpPr>
       <p:sp>
         <p:nvSpPr>
-          <p:cNvPr id="32" name="PlaceHolder 1"/>
+          <p:cNvPr id="29" name="PlaceHolder 1"/>
           <p:cNvSpPr>
             <a:spLocks noGrp="1"/>
           </p:cNvSpPr>
@@ -73,8 +73,8 @@
         </p:nvSpPr>
         <p:spPr>
           <a:xfrm>
-            <a:off x="1097280" y="286560"/>
-            <a:ext cx="10058040" cy="1450440"/>
+            <a:off x="609480" y="273600"/>
+            <a:ext cx="10972440" cy="1144800"/>
           </a:xfrm>
           <a:prstGeom prst="rect">
             <a:avLst/>
@@ -83,18 +83,16 @@
         <p:txBody>
           <a:bodyPr lIns="0" rIns="0" tIns="0" bIns="0" anchor="ctr"/>
           <a:p>
-            <a:endParaRPr b="0" lang="de-DE" sz="1800" spc="-1" strike="noStrike">
-              <a:solidFill>
-                <a:srgbClr val="000000"/>
-              </a:solidFill>
-              <a:latin typeface="Calibri"/>
+            <a:pPr algn="ctr"/>
+            <a:endParaRPr b="0" lang="de-DE" sz="4400" spc="-1" strike="noStrike">
+              <a:latin typeface="Arial"/>
             </a:endParaRPr>
           </a:p>
         </p:txBody>
       </p:sp>
       <p:sp>
         <p:nvSpPr>
-          <p:cNvPr id="33" name="PlaceHolder 2"/>
+          <p:cNvPr id="30" name="PlaceHolder 2"/>
           <p:cNvSpPr>
             <a:spLocks noGrp="1"/>
           </p:cNvSpPr>
@@ -104,8 +102,8 @@
         </p:nvSpPr>
         <p:spPr>
           <a:xfrm>
-            <a:off x="1097280" y="1845720"/>
-            <a:ext cx="10058040" cy="1918800"/>
+            <a:off x="609480" y="1604520"/>
+            <a:ext cx="10972440" cy="1896840"/>
           </a:xfrm>
           <a:prstGeom prst="rect">
             <a:avLst/>
@@ -116,18 +114,15 @@
             <a:normAutofit/>
           </a:bodyPr>
           <a:p>
-            <a:endParaRPr b="0" lang="de-DE" sz="2000" spc="-1" strike="noStrike">
-              <a:solidFill>
-                <a:srgbClr val="404040"/>
-              </a:solidFill>
-              <a:latin typeface="Calibri"/>
+            <a:endParaRPr b="0" lang="de-DE" sz="3200" spc="-1" strike="noStrike">
+              <a:latin typeface="Arial"/>
             </a:endParaRPr>
           </a:p>
         </p:txBody>
       </p:sp>
       <p:sp>
         <p:nvSpPr>
-          <p:cNvPr id="34" name="PlaceHolder 3"/>
+          <p:cNvPr id="31" name="PlaceHolder 3"/>
           <p:cNvSpPr>
             <a:spLocks noGrp="1"/>
           </p:cNvSpPr>
@@ -137,8 +132,8 @@
         </p:nvSpPr>
         <p:spPr>
           <a:xfrm>
-            <a:off x="1097280" y="3947040"/>
-            <a:ext cx="10058040" cy="1918800"/>
+            <a:off x="609480" y="3682080"/>
+            <a:ext cx="10972440" cy="1896840"/>
           </a:xfrm>
           <a:prstGeom prst="rect">
             <a:avLst/>
@@ -149,11 +144,8 @@
             <a:normAutofit/>
           </a:bodyPr>
           <a:p>
-            <a:endParaRPr b="0" lang="de-DE" sz="2000" spc="-1" strike="noStrike">
-              <a:solidFill>
-                <a:srgbClr val="404040"/>
-              </a:solidFill>
-              <a:latin typeface="Calibri"/>
+            <a:endParaRPr b="0" lang="de-DE" sz="3200" spc="-1" strike="noStrike">
+              <a:latin typeface="Arial"/>
             </a:endParaRPr>
           </a:p>
         </p:txBody>
@@ -182,7 +174,7 @@
       </p:grpSpPr>
       <p:sp>
         <p:nvSpPr>
-          <p:cNvPr id="35" name="PlaceHolder 1"/>
+          <p:cNvPr id="32" name="PlaceHolder 1"/>
           <p:cNvSpPr>
             <a:spLocks noGrp="1"/>
           </p:cNvSpPr>
@@ -192,8 +184,8 @@
         </p:nvSpPr>
         <p:spPr>
           <a:xfrm>
-            <a:off x="1097280" y="286560"/>
-            <a:ext cx="10058040" cy="1450440"/>
+            <a:off x="609480" y="273600"/>
+            <a:ext cx="10972440" cy="1144800"/>
           </a:xfrm>
           <a:prstGeom prst="rect">
             <a:avLst/>
@@ -202,18 +194,16 @@
         <p:txBody>
           <a:bodyPr lIns="0" rIns="0" tIns="0" bIns="0" anchor="ctr"/>
           <a:p>
-            <a:endParaRPr b="0" lang="de-DE" sz="1800" spc="-1" strike="noStrike">
-              <a:solidFill>
-                <a:srgbClr val="000000"/>
-              </a:solidFill>
-              <a:latin typeface="Calibri"/>
+            <a:pPr algn="ctr"/>
+            <a:endParaRPr b="0" lang="de-DE" sz="4400" spc="-1" strike="noStrike">
+              <a:latin typeface="Arial"/>
             </a:endParaRPr>
           </a:p>
         </p:txBody>
       </p:sp>
       <p:sp>
         <p:nvSpPr>
-          <p:cNvPr id="36" name="PlaceHolder 2"/>
+          <p:cNvPr id="33" name="PlaceHolder 2"/>
           <p:cNvSpPr>
             <a:spLocks noGrp="1"/>
           </p:cNvSpPr>
@@ -223,8 +213,8 @@
         </p:nvSpPr>
         <p:spPr>
           <a:xfrm>
-            <a:off x="1097280" y="1845720"/>
-            <a:ext cx="4908240" cy="1918800"/>
+            <a:off x="609480" y="1604520"/>
+            <a:ext cx="5354280" cy="1896840"/>
           </a:xfrm>
           <a:prstGeom prst="rect">
             <a:avLst/>
@@ -235,18 +225,15 @@
             <a:normAutofit/>
           </a:bodyPr>
           <a:p>
-            <a:endParaRPr b="0" lang="de-DE" sz="2000" spc="-1" strike="noStrike">
-              <a:solidFill>
-                <a:srgbClr val="404040"/>
-              </a:solidFill>
-              <a:latin typeface="Calibri"/>
+            <a:endParaRPr b="0" lang="de-DE" sz="3200" spc="-1" strike="noStrike">
+              <a:latin typeface="Arial"/>
             </a:endParaRPr>
           </a:p>
         </p:txBody>
       </p:sp>
       <p:sp>
         <p:nvSpPr>
-          <p:cNvPr id="37" name="PlaceHolder 3"/>
+          <p:cNvPr id="34" name="PlaceHolder 3"/>
           <p:cNvSpPr>
             <a:spLocks noGrp="1"/>
           </p:cNvSpPr>
@@ -256,8 +243,8 @@
         </p:nvSpPr>
         <p:spPr>
           <a:xfrm>
-            <a:off x="6251400" y="1845720"/>
-            <a:ext cx="4908240" cy="1918800"/>
+            <a:off x="6231960" y="1604520"/>
+            <a:ext cx="5354280" cy="1896840"/>
           </a:xfrm>
           <a:prstGeom prst="rect">
             <a:avLst/>
@@ -268,18 +255,15 @@
             <a:normAutofit/>
           </a:bodyPr>
           <a:p>
-            <a:endParaRPr b="0" lang="de-DE" sz="2000" spc="-1" strike="noStrike">
-              <a:solidFill>
-                <a:srgbClr val="404040"/>
-              </a:solidFill>
-              <a:latin typeface="Calibri"/>
+            <a:endParaRPr b="0" lang="de-DE" sz="3200" spc="-1" strike="noStrike">
+              <a:latin typeface="Arial"/>
             </a:endParaRPr>
           </a:p>
         </p:txBody>
       </p:sp>
       <p:sp>
         <p:nvSpPr>
-          <p:cNvPr id="38" name="PlaceHolder 4"/>
+          <p:cNvPr id="35" name="PlaceHolder 4"/>
           <p:cNvSpPr>
             <a:spLocks noGrp="1"/>
           </p:cNvSpPr>
@@ -289,8 +273,8 @@
         </p:nvSpPr>
         <p:spPr>
           <a:xfrm>
-            <a:off x="1097280" y="3947040"/>
-            <a:ext cx="4908240" cy="1918800"/>
+            <a:off x="609480" y="3682080"/>
+            <a:ext cx="5354280" cy="1896840"/>
           </a:xfrm>
           <a:prstGeom prst="rect">
             <a:avLst/>
@@ -301,18 +285,15 @@
             <a:normAutofit/>
           </a:bodyPr>
           <a:p>
-            <a:endParaRPr b="0" lang="de-DE" sz="2000" spc="-1" strike="noStrike">
-              <a:solidFill>
-                <a:srgbClr val="404040"/>
-              </a:solidFill>
-              <a:latin typeface="Calibri"/>
+            <a:endParaRPr b="0" lang="de-DE" sz="3200" spc="-1" strike="noStrike">
+              <a:latin typeface="Arial"/>
             </a:endParaRPr>
           </a:p>
         </p:txBody>
       </p:sp>
       <p:sp>
         <p:nvSpPr>
-          <p:cNvPr id="39" name="PlaceHolder 5"/>
+          <p:cNvPr id="36" name="PlaceHolder 5"/>
           <p:cNvSpPr>
             <a:spLocks noGrp="1"/>
           </p:cNvSpPr>
@@ -322,8 +303,8 @@
         </p:nvSpPr>
         <p:spPr>
           <a:xfrm>
-            <a:off x="6251400" y="3947040"/>
-            <a:ext cx="4908240" cy="1918800"/>
+            <a:off x="6231960" y="3682080"/>
+            <a:ext cx="5354280" cy="1896840"/>
           </a:xfrm>
           <a:prstGeom prst="rect">
             <a:avLst/>
@@ -334,11 +315,8 @@
             <a:normAutofit/>
           </a:bodyPr>
           <a:p>
-            <a:endParaRPr b="0" lang="de-DE" sz="2000" spc="-1" strike="noStrike">
-              <a:solidFill>
-                <a:srgbClr val="404040"/>
-              </a:solidFill>
-              <a:latin typeface="Calibri"/>
+            <a:endParaRPr b="0" lang="de-DE" sz="3200" spc="-1" strike="noStrike">
+              <a:latin typeface="Arial"/>
             </a:endParaRPr>
           </a:p>
         </p:txBody>
@@ -367,7 +345,7 @@
       </p:grpSpPr>
       <p:sp>
         <p:nvSpPr>
-          <p:cNvPr id="40" name="PlaceHolder 1"/>
+          <p:cNvPr id="37" name="PlaceHolder 1"/>
           <p:cNvSpPr>
             <a:spLocks noGrp="1"/>
           </p:cNvSpPr>
@@ -377,8 +355,8 @@
         </p:nvSpPr>
         <p:spPr>
           <a:xfrm>
-            <a:off x="1097280" y="286560"/>
-            <a:ext cx="10058040" cy="1450440"/>
+            <a:off x="609480" y="273600"/>
+            <a:ext cx="10972440" cy="1144800"/>
           </a:xfrm>
           <a:prstGeom prst="rect">
             <a:avLst/>
@@ -387,18 +365,16 @@
         <p:txBody>
           <a:bodyPr lIns="0" rIns="0" tIns="0" bIns="0" anchor="ctr"/>
           <a:p>
-            <a:endParaRPr b="0" lang="de-DE" sz="1800" spc="-1" strike="noStrike">
-              <a:solidFill>
-                <a:srgbClr val="000000"/>
-              </a:solidFill>
-              <a:latin typeface="Calibri"/>
+            <a:pPr algn="ctr"/>
+            <a:endParaRPr b="0" lang="de-DE" sz="4400" spc="-1" strike="noStrike">
+              <a:latin typeface="Arial"/>
             </a:endParaRPr>
           </a:p>
         </p:txBody>
       </p:sp>
       <p:sp>
         <p:nvSpPr>
-          <p:cNvPr id="41" name="PlaceHolder 2"/>
+          <p:cNvPr id="38" name="PlaceHolder 2"/>
           <p:cNvSpPr>
             <a:spLocks noGrp="1"/>
           </p:cNvSpPr>
@@ -408,8 +384,8 @@
         </p:nvSpPr>
         <p:spPr>
           <a:xfrm>
-            <a:off x="1097280" y="1845720"/>
-            <a:ext cx="3238560" cy="1918800"/>
+            <a:off x="609480" y="1604520"/>
+            <a:ext cx="3533040" cy="1896840"/>
           </a:xfrm>
           <a:prstGeom prst="rect">
             <a:avLst/>
@@ -420,18 +396,15 @@
             <a:normAutofit/>
           </a:bodyPr>
           <a:p>
-            <a:endParaRPr b="0" lang="de-DE" sz="2000" spc="-1" strike="noStrike">
-              <a:solidFill>
-                <a:srgbClr val="404040"/>
-              </a:solidFill>
-              <a:latin typeface="Calibri"/>
+            <a:endParaRPr b="0" lang="de-DE" sz="3200" spc="-1" strike="noStrike">
+              <a:latin typeface="Arial"/>
             </a:endParaRPr>
           </a:p>
         </p:txBody>
       </p:sp>
       <p:sp>
         <p:nvSpPr>
-          <p:cNvPr id="42" name="PlaceHolder 3"/>
+          <p:cNvPr id="39" name="PlaceHolder 3"/>
           <p:cNvSpPr>
             <a:spLocks noGrp="1"/>
           </p:cNvSpPr>
@@ -441,8 +414,8 @@
         </p:nvSpPr>
         <p:spPr>
           <a:xfrm>
-            <a:off x="4498200" y="1845720"/>
-            <a:ext cx="3238560" cy="1918800"/>
+            <a:off x="4319640" y="1604520"/>
+            <a:ext cx="3533040" cy="1896840"/>
           </a:xfrm>
           <a:prstGeom prst="rect">
             <a:avLst/>
@@ -453,18 +426,15 @@
             <a:normAutofit/>
           </a:bodyPr>
           <a:p>
-            <a:endParaRPr b="0" lang="de-DE" sz="2000" spc="-1" strike="noStrike">
-              <a:solidFill>
-                <a:srgbClr val="404040"/>
-              </a:solidFill>
-              <a:latin typeface="Calibri"/>
+            <a:endParaRPr b="0" lang="de-DE" sz="3200" spc="-1" strike="noStrike">
+              <a:latin typeface="Arial"/>
             </a:endParaRPr>
           </a:p>
         </p:txBody>
       </p:sp>
       <p:sp>
         <p:nvSpPr>
-          <p:cNvPr id="43" name="PlaceHolder 4"/>
+          <p:cNvPr id="40" name="PlaceHolder 4"/>
           <p:cNvSpPr>
             <a:spLocks noGrp="1"/>
           </p:cNvSpPr>
@@ -474,8 +444,8 @@
         </p:nvSpPr>
         <p:spPr>
           <a:xfrm>
-            <a:off x="7899120" y="1845720"/>
-            <a:ext cx="3238560" cy="1918800"/>
+            <a:off x="8029800" y="1604520"/>
+            <a:ext cx="3533040" cy="1896840"/>
           </a:xfrm>
           <a:prstGeom prst="rect">
             <a:avLst/>
@@ -486,18 +456,15 @@
             <a:normAutofit/>
           </a:bodyPr>
           <a:p>
-            <a:endParaRPr b="0" lang="de-DE" sz="2000" spc="-1" strike="noStrike">
-              <a:solidFill>
-                <a:srgbClr val="404040"/>
-              </a:solidFill>
-              <a:latin typeface="Calibri"/>
+            <a:endParaRPr b="0" lang="de-DE" sz="3200" spc="-1" strike="noStrike">
+              <a:latin typeface="Arial"/>
             </a:endParaRPr>
           </a:p>
         </p:txBody>
       </p:sp>
       <p:sp>
         <p:nvSpPr>
-          <p:cNvPr id="44" name="PlaceHolder 5"/>
+          <p:cNvPr id="41" name="PlaceHolder 5"/>
           <p:cNvSpPr>
             <a:spLocks noGrp="1"/>
           </p:cNvSpPr>
@@ -507,8 +474,8 @@
         </p:nvSpPr>
         <p:spPr>
           <a:xfrm>
-            <a:off x="1097280" y="3947040"/>
-            <a:ext cx="3238560" cy="1918800"/>
+            <a:off x="609480" y="3682080"/>
+            <a:ext cx="3533040" cy="1896840"/>
           </a:xfrm>
           <a:prstGeom prst="rect">
             <a:avLst/>
@@ -519,18 +486,15 @@
             <a:normAutofit/>
           </a:bodyPr>
           <a:p>
-            <a:endParaRPr b="0" lang="de-DE" sz="2000" spc="-1" strike="noStrike">
-              <a:solidFill>
-                <a:srgbClr val="404040"/>
-              </a:solidFill>
-              <a:latin typeface="Calibri"/>
+            <a:endParaRPr b="0" lang="de-DE" sz="3200" spc="-1" strike="noStrike">
+              <a:latin typeface="Arial"/>
             </a:endParaRPr>
           </a:p>
         </p:txBody>
       </p:sp>
       <p:sp>
         <p:nvSpPr>
-          <p:cNvPr id="45" name="PlaceHolder 6"/>
+          <p:cNvPr id="42" name="PlaceHolder 6"/>
           <p:cNvSpPr>
             <a:spLocks noGrp="1"/>
           </p:cNvSpPr>
@@ -540,8 +504,8 @@
         </p:nvSpPr>
         <p:spPr>
           <a:xfrm>
-            <a:off x="4498200" y="3947040"/>
-            <a:ext cx="3238560" cy="1918800"/>
+            <a:off x="4319640" y="3682080"/>
+            <a:ext cx="3533040" cy="1896840"/>
           </a:xfrm>
           <a:prstGeom prst="rect">
             <a:avLst/>
@@ -552,18 +516,15 @@
             <a:normAutofit/>
           </a:bodyPr>
           <a:p>
-            <a:endParaRPr b="0" lang="de-DE" sz="2000" spc="-1" strike="noStrike">
-              <a:solidFill>
-                <a:srgbClr val="404040"/>
-              </a:solidFill>
-              <a:latin typeface="Calibri"/>
+            <a:endParaRPr b="0" lang="de-DE" sz="3200" spc="-1" strike="noStrike">
+              <a:latin typeface="Arial"/>
             </a:endParaRPr>
           </a:p>
         </p:txBody>
       </p:sp>
       <p:sp>
         <p:nvSpPr>
-          <p:cNvPr id="46" name="PlaceHolder 7"/>
+          <p:cNvPr id="43" name="PlaceHolder 7"/>
           <p:cNvSpPr>
             <a:spLocks noGrp="1"/>
           </p:cNvSpPr>
@@ -573,8 +534,8 @@
         </p:nvSpPr>
         <p:spPr>
           <a:xfrm>
-            <a:off x="7899120" y="3947040"/>
-            <a:ext cx="3238560" cy="1918800"/>
+            <a:off x="8029800" y="3682080"/>
+            <a:ext cx="3533040" cy="1896840"/>
           </a:xfrm>
           <a:prstGeom prst="rect">
             <a:avLst/>
@@ -585,11 +546,8 @@
             <a:normAutofit/>
           </a:bodyPr>
           <a:p>
-            <a:endParaRPr b="0" lang="de-DE" sz="2000" spc="-1" strike="noStrike">
-              <a:solidFill>
-                <a:srgbClr val="404040"/>
-              </a:solidFill>
-              <a:latin typeface="Calibri"/>
+            <a:endParaRPr b="0" lang="de-DE" sz="3200" spc="-1" strike="noStrike">
+              <a:latin typeface="Arial"/>
             </a:endParaRPr>
           </a:p>
         </p:txBody>
@@ -640,7 +598,7 @@
       </p:grpSpPr>
       <p:sp>
         <p:nvSpPr>
-          <p:cNvPr id="55" name="PlaceHolder 1"/>
+          <p:cNvPr id="49" name="PlaceHolder 1"/>
           <p:cNvSpPr>
             <a:spLocks noGrp="1"/>
           </p:cNvSpPr>
@@ -650,8 +608,8 @@
         </p:nvSpPr>
         <p:spPr>
           <a:xfrm>
-            <a:off x="1097280" y="286560"/>
-            <a:ext cx="10058040" cy="1450440"/>
+            <a:off x="609480" y="273600"/>
+            <a:ext cx="10972440" cy="1144800"/>
           </a:xfrm>
           <a:prstGeom prst="rect">
             <a:avLst/>
@@ -660,18 +618,16 @@
         <p:txBody>
           <a:bodyPr lIns="0" rIns="0" tIns="0" bIns="0" anchor="ctr"/>
           <a:p>
-            <a:endParaRPr b="0" lang="de-DE" sz="1800" spc="-1" strike="noStrike">
-              <a:solidFill>
-                <a:srgbClr val="000000"/>
-              </a:solidFill>
-              <a:latin typeface="Calibri"/>
+            <a:pPr algn="ctr"/>
+            <a:endParaRPr b="0" lang="de-DE" sz="4400" spc="-1" strike="noStrike">
+              <a:latin typeface="Arial"/>
             </a:endParaRPr>
           </a:p>
         </p:txBody>
       </p:sp>
       <p:sp>
         <p:nvSpPr>
-          <p:cNvPr id="56" name="PlaceHolder 2"/>
+          <p:cNvPr id="50" name="PlaceHolder 2"/>
           <p:cNvSpPr>
             <a:spLocks noGrp="1"/>
           </p:cNvSpPr>
@@ -681,8 +637,8 @@
         </p:nvSpPr>
         <p:spPr>
           <a:xfrm>
-            <a:off x="1097280" y="1845720"/>
-            <a:ext cx="10058040" cy="4023000"/>
+            <a:off x="609480" y="1604520"/>
+            <a:ext cx="10972440" cy="3977280"/>
           </a:xfrm>
           <a:prstGeom prst="rect">
             <a:avLst/>
@@ -722,7 +678,7 @@
       </p:grpSpPr>
       <p:sp>
         <p:nvSpPr>
-          <p:cNvPr id="57" name="PlaceHolder 1"/>
+          <p:cNvPr id="51" name="PlaceHolder 1"/>
           <p:cNvSpPr>
             <a:spLocks noGrp="1"/>
           </p:cNvSpPr>
@@ -732,8 +688,8 @@
         </p:nvSpPr>
         <p:spPr>
           <a:xfrm>
-            <a:off x="1097280" y="286560"/>
-            <a:ext cx="10058040" cy="1450440"/>
+            <a:off x="609480" y="273600"/>
+            <a:ext cx="10972440" cy="1144800"/>
           </a:xfrm>
           <a:prstGeom prst="rect">
             <a:avLst/>
@@ -742,18 +698,16 @@
         <p:txBody>
           <a:bodyPr lIns="0" rIns="0" tIns="0" bIns="0" anchor="ctr"/>
           <a:p>
-            <a:endParaRPr b="0" lang="de-DE" sz="1800" spc="-1" strike="noStrike">
-              <a:solidFill>
-                <a:srgbClr val="000000"/>
-              </a:solidFill>
-              <a:latin typeface="Calibri"/>
+            <a:pPr algn="ctr"/>
+            <a:endParaRPr b="0" lang="de-DE" sz="4400" spc="-1" strike="noStrike">
+              <a:latin typeface="Arial"/>
             </a:endParaRPr>
           </a:p>
         </p:txBody>
       </p:sp>
       <p:sp>
         <p:nvSpPr>
-          <p:cNvPr id="58" name="PlaceHolder 2"/>
+          <p:cNvPr id="52" name="PlaceHolder 2"/>
           <p:cNvSpPr>
             <a:spLocks noGrp="1"/>
           </p:cNvSpPr>
@@ -763,8 +717,8 @@
         </p:nvSpPr>
         <p:spPr>
           <a:xfrm>
-            <a:off x="1097280" y="1845720"/>
-            <a:ext cx="10058040" cy="4023000"/>
+            <a:off x="609480" y="1604520"/>
+            <a:ext cx="10972440" cy="3977280"/>
           </a:xfrm>
           <a:prstGeom prst="rect">
             <a:avLst/>
@@ -775,11 +729,8 @@
             <a:normAutofit/>
           </a:bodyPr>
           <a:p>
-            <a:endParaRPr b="0" lang="de-DE" sz="2000" spc="-1" strike="noStrike">
-              <a:solidFill>
-                <a:srgbClr val="404040"/>
-              </a:solidFill>
-              <a:latin typeface="Calibri"/>
+            <a:endParaRPr b="0" lang="de-DE" sz="3200" spc="-1" strike="noStrike">
+              <a:latin typeface="Arial"/>
             </a:endParaRPr>
           </a:p>
         </p:txBody>
@@ -808,7 +759,7 @@
       </p:grpSpPr>
       <p:sp>
         <p:nvSpPr>
-          <p:cNvPr id="59" name="PlaceHolder 1"/>
+          <p:cNvPr id="53" name="PlaceHolder 1"/>
           <p:cNvSpPr>
             <a:spLocks noGrp="1"/>
           </p:cNvSpPr>
@@ -818,8 +769,8 @@
         </p:nvSpPr>
         <p:spPr>
           <a:xfrm>
-            <a:off x="1097280" y="286560"/>
-            <a:ext cx="10058040" cy="1450440"/>
+            <a:off x="609480" y="273600"/>
+            <a:ext cx="10972440" cy="1144800"/>
           </a:xfrm>
           <a:prstGeom prst="rect">
             <a:avLst/>
@@ -828,18 +779,16 @@
         <p:txBody>
           <a:bodyPr lIns="0" rIns="0" tIns="0" bIns="0" anchor="ctr"/>
           <a:p>
-            <a:endParaRPr b="0" lang="de-DE" sz="1800" spc="-1" strike="noStrike">
-              <a:solidFill>
-                <a:srgbClr val="000000"/>
-              </a:solidFill>
-              <a:latin typeface="Calibri"/>
+            <a:pPr algn="ctr"/>
+            <a:endParaRPr b="0" lang="de-DE" sz="4400" spc="-1" strike="noStrike">
+              <a:latin typeface="Arial"/>
             </a:endParaRPr>
           </a:p>
         </p:txBody>
       </p:sp>
       <p:sp>
         <p:nvSpPr>
-          <p:cNvPr id="60" name="PlaceHolder 2"/>
+          <p:cNvPr id="54" name="PlaceHolder 2"/>
           <p:cNvSpPr>
             <a:spLocks noGrp="1"/>
           </p:cNvSpPr>
@@ -849,8 +798,8 @@
         </p:nvSpPr>
         <p:spPr>
           <a:xfrm>
-            <a:off x="1097280" y="1845720"/>
-            <a:ext cx="4908240" cy="4023000"/>
+            <a:off x="609480" y="1604520"/>
+            <a:ext cx="5354280" cy="3977280"/>
           </a:xfrm>
           <a:prstGeom prst="rect">
             <a:avLst/>
@@ -861,18 +810,15 @@
             <a:normAutofit/>
           </a:bodyPr>
           <a:p>
-            <a:endParaRPr b="0" lang="de-DE" sz="2000" spc="-1" strike="noStrike">
-              <a:solidFill>
-                <a:srgbClr val="404040"/>
-              </a:solidFill>
-              <a:latin typeface="Calibri"/>
+            <a:endParaRPr b="0" lang="de-DE" sz="3200" spc="-1" strike="noStrike">
+              <a:latin typeface="Arial"/>
             </a:endParaRPr>
           </a:p>
         </p:txBody>
       </p:sp>
       <p:sp>
         <p:nvSpPr>
-          <p:cNvPr id="61" name="PlaceHolder 3"/>
+          <p:cNvPr id="55" name="PlaceHolder 3"/>
           <p:cNvSpPr>
             <a:spLocks noGrp="1"/>
           </p:cNvSpPr>
@@ -882,8 +828,8 @@
         </p:nvSpPr>
         <p:spPr>
           <a:xfrm>
-            <a:off x="6251400" y="1845720"/>
-            <a:ext cx="4908240" cy="4023000"/>
+            <a:off x="6231960" y="1604520"/>
+            <a:ext cx="5354280" cy="3977280"/>
           </a:xfrm>
           <a:prstGeom prst="rect">
             <a:avLst/>
@@ -894,11 +840,8 @@
             <a:normAutofit/>
           </a:bodyPr>
           <a:p>
-            <a:endParaRPr b="0" lang="de-DE" sz="2000" spc="-1" strike="noStrike">
-              <a:solidFill>
-                <a:srgbClr val="404040"/>
-              </a:solidFill>
-              <a:latin typeface="Calibri"/>
+            <a:endParaRPr b="0" lang="de-DE" sz="3200" spc="-1" strike="noStrike">
+              <a:latin typeface="Arial"/>
             </a:endParaRPr>
           </a:p>
         </p:txBody>
@@ -927,7 +870,7 @@
       </p:grpSpPr>
       <p:sp>
         <p:nvSpPr>
-          <p:cNvPr id="62" name="PlaceHolder 1"/>
+          <p:cNvPr id="56" name="PlaceHolder 1"/>
           <p:cNvSpPr>
             <a:spLocks noGrp="1"/>
           </p:cNvSpPr>
@@ -937,8 +880,8 @@
         </p:nvSpPr>
         <p:spPr>
           <a:xfrm>
-            <a:off x="1097280" y="286560"/>
-            <a:ext cx="10058040" cy="1450440"/>
+            <a:off x="609480" y="273600"/>
+            <a:ext cx="10972440" cy="1144800"/>
           </a:xfrm>
           <a:prstGeom prst="rect">
             <a:avLst/>
@@ -947,11 +890,9 @@
         <p:txBody>
           <a:bodyPr lIns="0" rIns="0" tIns="0" bIns="0" anchor="ctr"/>
           <a:p>
-            <a:endParaRPr b="0" lang="de-DE" sz="1800" spc="-1" strike="noStrike">
-              <a:solidFill>
-                <a:srgbClr val="000000"/>
-              </a:solidFill>
-              <a:latin typeface="Calibri"/>
+            <a:pPr algn="ctr"/>
+            <a:endParaRPr b="0" lang="de-DE" sz="4400" spc="-1" strike="noStrike">
+              <a:latin typeface="Arial"/>
             </a:endParaRPr>
           </a:p>
         </p:txBody>
@@ -980,7 +921,7 @@
       </p:grpSpPr>
       <p:sp>
         <p:nvSpPr>
-          <p:cNvPr id="63" name="PlaceHolder 1"/>
+          <p:cNvPr id="57" name="PlaceHolder 1"/>
           <p:cNvSpPr>
             <a:spLocks noGrp="1"/>
           </p:cNvSpPr>
@@ -990,8 +931,8 @@
         </p:nvSpPr>
         <p:spPr>
           <a:xfrm>
-            <a:off x="1097280" y="286560"/>
-            <a:ext cx="10058040" cy="6724800"/>
+            <a:off x="609480" y="273600"/>
+            <a:ext cx="10972440" cy="5307840"/>
           </a:xfrm>
           <a:prstGeom prst="rect">
             <a:avLst/>
@@ -1031,7 +972,7 @@
       </p:grpSpPr>
       <p:sp>
         <p:nvSpPr>
-          <p:cNvPr id="64" name="PlaceHolder 1"/>
+          <p:cNvPr id="58" name="PlaceHolder 1"/>
           <p:cNvSpPr>
             <a:spLocks noGrp="1"/>
           </p:cNvSpPr>
@@ -1041,8 +982,8 @@
         </p:nvSpPr>
         <p:spPr>
           <a:xfrm>
-            <a:off x="1097280" y="286560"/>
-            <a:ext cx="10058040" cy="1450440"/>
+            <a:off x="609480" y="273600"/>
+            <a:ext cx="10972440" cy="1144800"/>
           </a:xfrm>
           <a:prstGeom prst="rect">
             <a:avLst/>
@@ -1051,18 +992,16 @@
         <p:txBody>
           <a:bodyPr lIns="0" rIns="0" tIns="0" bIns="0" anchor="ctr"/>
           <a:p>
-            <a:endParaRPr b="0" lang="de-DE" sz="1800" spc="-1" strike="noStrike">
-              <a:solidFill>
-                <a:srgbClr val="000000"/>
-              </a:solidFill>
-              <a:latin typeface="Calibri"/>
+            <a:pPr algn="ctr"/>
+            <a:endParaRPr b="0" lang="de-DE" sz="4400" spc="-1" strike="noStrike">
+              <a:latin typeface="Arial"/>
             </a:endParaRPr>
           </a:p>
         </p:txBody>
       </p:sp>
       <p:sp>
         <p:nvSpPr>
-          <p:cNvPr id="65" name="PlaceHolder 2"/>
+          <p:cNvPr id="59" name="PlaceHolder 2"/>
           <p:cNvSpPr>
             <a:spLocks noGrp="1"/>
           </p:cNvSpPr>
@@ -1072,8 +1011,8 @@
         </p:nvSpPr>
         <p:spPr>
           <a:xfrm>
-            <a:off x="1097280" y="1845720"/>
-            <a:ext cx="4908240" cy="1918800"/>
+            <a:off x="609480" y="1604520"/>
+            <a:ext cx="5354280" cy="1896840"/>
           </a:xfrm>
           <a:prstGeom prst="rect">
             <a:avLst/>
@@ -1084,18 +1023,15 @@
             <a:normAutofit/>
           </a:bodyPr>
           <a:p>
-            <a:endParaRPr b="0" lang="de-DE" sz="2000" spc="-1" strike="noStrike">
-              <a:solidFill>
-                <a:srgbClr val="404040"/>
-              </a:solidFill>
-              <a:latin typeface="Calibri"/>
+            <a:endParaRPr b="0" lang="de-DE" sz="3200" spc="-1" strike="noStrike">
+              <a:latin typeface="Arial"/>
             </a:endParaRPr>
           </a:p>
         </p:txBody>
       </p:sp>
       <p:sp>
         <p:nvSpPr>
-          <p:cNvPr id="66" name="PlaceHolder 3"/>
+          <p:cNvPr id="60" name="PlaceHolder 3"/>
           <p:cNvSpPr>
             <a:spLocks noGrp="1"/>
           </p:cNvSpPr>
@@ -1105,8 +1041,8 @@
         </p:nvSpPr>
         <p:spPr>
           <a:xfrm>
-            <a:off x="6251400" y="1845720"/>
-            <a:ext cx="4908240" cy="4023000"/>
+            <a:off x="6231960" y="1604520"/>
+            <a:ext cx="5354280" cy="3977280"/>
           </a:xfrm>
           <a:prstGeom prst="rect">
             <a:avLst/>
@@ -1117,18 +1053,15 @@
             <a:normAutofit/>
           </a:bodyPr>
           <a:p>
-            <a:endParaRPr b="0" lang="de-DE" sz="2000" spc="-1" strike="noStrike">
-              <a:solidFill>
-                <a:srgbClr val="404040"/>
-              </a:solidFill>
-              <a:latin typeface="Calibri"/>
+            <a:endParaRPr b="0" lang="de-DE" sz="3200" spc="-1" strike="noStrike">
+              <a:latin typeface="Arial"/>
             </a:endParaRPr>
           </a:p>
         </p:txBody>
       </p:sp>
       <p:sp>
         <p:nvSpPr>
-          <p:cNvPr id="67" name="PlaceHolder 4"/>
+          <p:cNvPr id="61" name="PlaceHolder 4"/>
           <p:cNvSpPr>
             <a:spLocks noGrp="1"/>
           </p:cNvSpPr>
@@ -1138,8 +1071,8 @@
         </p:nvSpPr>
         <p:spPr>
           <a:xfrm>
-            <a:off x="1097280" y="3947040"/>
-            <a:ext cx="4908240" cy="1918800"/>
+            <a:off x="609480" y="3682080"/>
+            <a:ext cx="5354280" cy="1896840"/>
           </a:xfrm>
           <a:prstGeom prst="rect">
             <a:avLst/>
@@ -1150,11 +1083,8 @@
             <a:normAutofit/>
           </a:bodyPr>
           <a:p>
-            <a:endParaRPr b="0" lang="de-DE" sz="2000" spc="-1" strike="noStrike">
-              <a:solidFill>
-                <a:srgbClr val="404040"/>
-              </a:solidFill>
-              <a:latin typeface="Calibri"/>
+            <a:endParaRPr b="0" lang="de-DE" sz="3200" spc="-1" strike="noStrike">
+              <a:latin typeface="Arial"/>
             </a:endParaRPr>
           </a:p>
         </p:txBody>
@@ -1183,7 +1113,7 @@
       </p:grpSpPr>
       <p:sp>
         <p:nvSpPr>
-          <p:cNvPr id="11" name="PlaceHolder 1"/>
+          <p:cNvPr id="8" name="PlaceHolder 1"/>
           <p:cNvSpPr>
             <a:spLocks noGrp="1"/>
           </p:cNvSpPr>
@@ -1193,8 +1123,8 @@
         </p:nvSpPr>
         <p:spPr>
           <a:xfrm>
-            <a:off x="1097280" y="286560"/>
-            <a:ext cx="10058040" cy="1450440"/>
+            <a:off x="609480" y="273600"/>
+            <a:ext cx="10972440" cy="1144800"/>
           </a:xfrm>
           <a:prstGeom prst="rect">
             <a:avLst/>
@@ -1203,18 +1133,16 @@
         <p:txBody>
           <a:bodyPr lIns="0" rIns="0" tIns="0" bIns="0" anchor="ctr"/>
           <a:p>
-            <a:endParaRPr b="0" lang="de-DE" sz="1800" spc="-1" strike="noStrike">
-              <a:solidFill>
-                <a:srgbClr val="000000"/>
-              </a:solidFill>
-              <a:latin typeface="Calibri"/>
+            <a:pPr algn="ctr"/>
+            <a:endParaRPr b="0" lang="de-DE" sz="4400" spc="-1" strike="noStrike">
+              <a:latin typeface="Arial"/>
             </a:endParaRPr>
           </a:p>
         </p:txBody>
       </p:sp>
       <p:sp>
         <p:nvSpPr>
-          <p:cNvPr id="12" name="PlaceHolder 2"/>
+          <p:cNvPr id="9" name="PlaceHolder 2"/>
           <p:cNvSpPr>
             <a:spLocks noGrp="1"/>
           </p:cNvSpPr>
@@ -1224,8 +1152,8 @@
         </p:nvSpPr>
         <p:spPr>
           <a:xfrm>
-            <a:off x="1097280" y="1845720"/>
-            <a:ext cx="10058040" cy="4023000"/>
+            <a:off x="609480" y="1604520"/>
+            <a:ext cx="10972440" cy="3977280"/>
           </a:xfrm>
           <a:prstGeom prst="rect">
             <a:avLst/>
@@ -1265,7 +1193,7 @@
       </p:grpSpPr>
       <p:sp>
         <p:nvSpPr>
-          <p:cNvPr id="68" name="PlaceHolder 1"/>
+          <p:cNvPr id="62" name="PlaceHolder 1"/>
           <p:cNvSpPr>
             <a:spLocks noGrp="1"/>
           </p:cNvSpPr>
@@ -1275,8 +1203,8 @@
         </p:nvSpPr>
         <p:spPr>
           <a:xfrm>
-            <a:off x="1097280" y="286560"/>
-            <a:ext cx="10058040" cy="1450440"/>
+            <a:off x="609480" y="273600"/>
+            <a:ext cx="10972440" cy="1144800"/>
           </a:xfrm>
           <a:prstGeom prst="rect">
             <a:avLst/>
@@ -1285,18 +1213,16 @@
         <p:txBody>
           <a:bodyPr lIns="0" rIns="0" tIns="0" bIns="0" anchor="ctr"/>
           <a:p>
-            <a:endParaRPr b="0" lang="de-DE" sz="1800" spc="-1" strike="noStrike">
-              <a:solidFill>
-                <a:srgbClr val="000000"/>
-              </a:solidFill>
-              <a:latin typeface="Calibri"/>
+            <a:pPr algn="ctr"/>
+            <a:endParaRPr b="0" lang="de-DE" sz="4400" spc="-1" strike="noStrike">
+              <a:latin typeface="Arial"/>
             </a:endParaRPr>
           </a:p>
         </p:txBody>
       </p:sp>
       <p:sp>
         <p:nvSpPr>
-          <p:cNvPr id="69" name="PlaceHolder 2"/>
+          <p:cNvPr id="63" name="PlaceHolder 2"/>
           <p:cNvSpPr>
             <a:spLocks noGrp="1"/>
           </p:cNvSpPr>
@@ -1306,8 +1232,8 @@
         </p:nvSpPr>
         <p:spPr>
           <a:xfrm>
-            <a:off x="1097280" y="1845720"/>
-            <a:ext cx="4908240" cy="4023000"/>
+            <a:off x="609480" y="1604520"/>
+            <a:ext cx="5354280" cy="3977280"/>
           </a:xfrm>
           <a:prstGeom prst="rect">
             <a:avLst/>
@@ -1318,18 +1244,15 @@
             <a:normAutofit/>
           </a:bodyPr>
           <a:p>
-            <a:endParaRPr b="0" lang="de-DE" sz="2000" spc="-1" strike="noStrike">
-              <a:solidFill>
-                <a:srgbClr val="404040"/>
-              </a:solidFill>
-              <a:latin typeface="Calibri"/>
+            <a:endParaRPr b="0" lang="de-DE" sz="3200" spc="-1" strike="noStrike">
+              <a:latin typeface="Arial"/>
             </a:endParaRPr>
           </a:p>
         </p:txBody>
       </p:sp>
       <p:sp>
         <p:nvSpPr>
-          <p:cNvPr id="70" name="PlaceHolder 3"/>
+          <p:cNvPr id="64" name="PlaceHolder 3"/>
           <p:cNvSpPr>
             <a:spLocks noGrp="1"/>
           </p:cNvSpPr>
@@ -1339,8 +1262,8 @@
         </p:nvSpPr>
         <p:spPr>
           <a:xfrm>
-            <a:off x="6251400" y="1845720"/>
-            <a:ext cx="4908240" cy="1918800"/>
+            <a:off x="6231960" y="1604520"/>
+            <a:ext cx="5354280" cy="1896840"/>
           </a:xfrm>
           <a:prstGeom prst="rect">
             <a:avLst/>
@@ -1351,18 +1274,15 @@
             <a:normAutofit/>
           </a:bodyPr>
           <a:p>
-            <a:endParaRPr b="0" lang="de-DE" sz="2000" spc="-1" strike="noStrike">
-              <a:solidFill>
-                <a:srgbClr val="404040"/>
-              </a:solidFill>
-              <a:latin typeface="Calibri"/>
+            <a:endParaRPr b="0" lang="de-DE" sz="3200" spc="-1" strike="noStrike">
+              <a:latin typeface="Arial"/>
             </a:endParaRPr>
           </a:p>
         </p:txBody>
       </p:sp>
       <p:sp>
         <p:nvSpPr>
-          <p:cNvPr id="71" name="PlaceHolder 4"/>
+          <p:cNvPr id="65" name="PlaceHolder 4"/>
           <p:cNvSpPr>
             <a:spLocks noGrp="1"/>
           </p:cNvSpPr>
@@ -1372,8 +1292,8 @@
         </p:nvSpPr>
         <p:spPr>
           <a:xfrm>
-            <a:off x="6251400" y="3947040"/>
-            <a:ext cx="4908240" cy="1918800"/>
+            <a:off x="6231960" y="3682080"/>
+            <a:ext cx="5354280" cy="1896840"/>
           </a:xfrm>
           <a:prstGeom prst="rect">
             <a:avLst/>
@@ -1384,11 +1304,8 @@
             <a:normAutofit/>
           </a:bodyPr>
           <a:p>
-            <a:endParaRPr b="0" lang="de-DE" sz="2000" spc="-1" strike="noStrike">
-              <a:solidFill>
-                <a:srgbClr val="404040"/>
-              </a:solidFill>
-              <a:latin typeface="Calibri"/>
+            <a:endParaRPr b="0" lang="de-DE" sz="3200" spc="-1" strike="noStrike">
+              <a:latin typeface="Arial"/>
             </a:endParaRPr>
           </a:p>
         </p:txBody>
@@ -1417,7 +1334,7 @@
       </p:grpSpPr>
       <p:sp>
         <p:nvSpPr>
-          <p:cNvPr id="72" name="PlaceHolder 1"/>
+          <p:cNvPr id="66" name="PlaceHolder 1"/>
           <p:cNvSpPr>
             <a:spLocks noGrp="1"/>
           </p:cNvSpPr>
@@ -1427,8 +1344,8 @@
         </p:nvSpPr>
         <p:spPr>
           <a:xfrm>
-            <a:off x="1097280" y="286560"/>
-            <a:ext cx="10058040" cy="1450440"/>
+            <a:off x="609480" y="273600"/>
+            <a:ext cx="10972440" cy="1144800"/>
           </a:xfrm>
           <a:prstGeom prst="rect">
             <a:avLst/>
@@ -1437,18 +1354,16 @@
         <p:txBody>
           <a:bodyPr lIns="0" rIns="0" tIns="0" bIns="0" anchor="ctr"/>
           <a:p>
-            <a:endParaRPr b="0" lang="de-DE" sz="1800" spc="-1" strike="noStrike">
-              <a:solidFill>
-                <a:srgbClr val="000000"/>
-              </a:solidFill>
-              <a:latin typeface="Calibri"/>
+            <a:pPr algn="ctr"/>
+            <a:endParaRPr b="0" lang="de-DE" sz="4400" spc="-1" strike="noStrike">
+              <a:latin typeface="Arial"/>
             </a:endParaRPr>
           </a:p>
         </p:txBody>
       </p:sp>
       <p:sp>
         <p:nvSpPr>
-          <p:cNvPr id="73" name="PlaceHolder 2"/>
+          <p:cNvPr id="67" name="PlaceHolder 2"/>
           <p:cNvSpPr>
             <a:spLocks noGrp="1"/>
           </p:cNvSpPr>
@@ -1458,8 +1373,8 @@
         </p:nvSpPr>
         <p:spPr>
           <a:xfrm>
-            <a:off x="1097280" y="1845720"/>
-            <a:ext cx="4908240" cy="1918800"/>
+            <a:off x="609480" y="1604520"/>
+            <a:ext cx="5354280" cy="1896840"/>
           </a:xfrm>
           <a:prstGeom prst="rect">
             <a:avLst/>
@@ -1470,18 +1385,15 @@
             <a:normAutofit/>
           </a:bodyPr>
           <a:p>
-            <a:endParaRPr b="0" lang="de-DE" sz="2000" spc="-1" strike="noStrike">
-              <a:solidFill>
-                <a:srgbClr val="404040"/>
-              </a:solidFill>
-              <a:latin typeface="Calibri"/>
+            <a:endParaRPr b="0" lang="de-DE" sz="3200" spc="-1" strike="noStrike">
+              <a:latin typeface="Arial"/>
             </a:endParaRPr>
           </a:p>
         </p:txBody>
       </p:sp>
       <p:sp>
         <p:nvSpPr>
-          <p:cNvPr id="74" name="PlaceHolder 3"/>
+          <p:cNvPr id="68" name="PlaceHolder 3"/>
           <p:cNvSpPr>
             <a:spLocks noGrp="1"/>
           </p:cNvSpPr>
@@ -1491,8 +1403,8 @@
         </p:nvSpPr>
         <p:spPr>
           <a:xfrm>
-            <a:off x="6251400" y="1845720"/>
-            <a:ext cx="4908240" cy="1918800"/>
+            <a:off x="6231960" y="1604520"/>
+            <a:ext cx="5354280" cy="1896840"/>
           </a:xfrm>
           <a:prstGeom prst="rect">
             <a:avLst/>
@@ -1503,18 +1415,15 @@
             <a:normAutofit/>
           </a:bodyPr>
           <a:p>
-            <a:endParaRPr b="0" lang="de-DE" sz="2000" spc="-1" strike="noStrike">
-              <a:solidFill>
-                <a:srgbClr val="404040"/>
-              </a:solidFill>
-              <a:latin typeface="Calibri"/>
+            <a:endParaRPr b="0" lang="de-DE" sz="3200" spc="-1" strike="noStrike">
+              <a:latin typeface="Arial"/>
             </a:endParaRPr>
           </a:p>
         </p:txBody>
       </p:sp>
       <p:sp>
         <p:nvSpPr>
-          <p:cNvPr id="75" name="PlaceHolder 4"/>
+          <p:cNvPr id="69" name="PlaceHolder 4"/>
           <p:cNvSpPr>
             <a:spLocks noGrp="1"/>
           </p:cNvSpPr>
@@ -1524,8 +1433,8 @@
         </p:nvSpPr>
         <p:spPr>
           <a:xfrm>
-            <a:off x="1097280" y="3947040"/>
-            <a:ext cx="10058040" cy="1918800"/>
+            <a:off x="609480" y="3682080"/>
+            <a:ext cx="10972440" cy="1896840"/>
           </a:xfrm>
           <a:prstGeom prst="rect">
             <a:avLst/>
@@ -1536,11 +1445,8 @@
             <a:normAutofit/>
           </a:bodyPr>
           <a:p>
-            <a:endParaRPr b="0" lang="de-DE" sz="2000" spc="-1" strike="noStrike">
-              <a:solidFill>
-                <a:srgbClr val="404040"/>
-              </a:solidFill>
-              <a:latin typeface="Calibri"/>
+            <a:endParaRPr b="0" lang="de-DE" sz="3200" spc="-1" strike="noStrike">
+              <a:latin typeface="Arial"/>
             </a:endParaRPr>
           </a:p>
         </p:txBody>
@@ -1569,7 +1475,7 @@
       </p:grpSpPr>
       <p:sp>
         <p:nvSpPr>
-          <p:cNvPr id="76" name="PlaceHolder 1"/>
+          <p:cNvPr id="70" name="PlaceHolder 1"/>
           <p:cNvSpPr>
             <a:spLocks noGrp="1"/>
           </p:cNvSpPr>
@@ -1579,8 +1485,8 @@
         </p:nvSpPr>
         <p:spPr>
           <a:xfrm>
-            <a:off x="1097280" y="286560"/>
-            <a:ext cx="10058040" cy="1450440"/>
+            <a:off x="609480" y="273600"/>
+            <a:ext cx="10972440" cy="1144800"/>
           </a:xfrm>
           <a:prstGeom prst="rect">
             <a:avLst/>
@@ -1589,18 +1495,16 @@
         <p:txBody>
           <a:bodyPr lIns="0" rIns="0" tIns="0" bIns="0" anchor="ctr"/>
           <a:p>
-            <a:endParaRPr b="0" lang="de-DE" sz="1800" spc="-1" strike="noStrike">
-              <a:solidFill>
-                <a:srgbClr val="000000"/>
-              </a:solidFill>
-              <a:latin typeface="Calibri"/>
+            <a:pPr algn="ctr"/>
+            <a:endParaRPr b="0" lang="de-DE" sz="4400" spc="-1" strike="noStrike">
+              <a:latin typeface="Arial"/>
             </a:endParaRPr>
           </a:p>
         </p:txBody>
       </p:sp>
       <p:sp>
         <p:nvSpPr>
-          <p:cNvPr id="77" name="PlaceHolder 2"/>
+          <p:cNvPr id="71" name="PlaceHolder 2"/>
           <p:cNvSpPr>
             <a:spLocks noGrp="1"/>
           </p:cNvSpPr>
@@ -1610,8 +1514,8 @@
         </p:nvSpPr>
         <p:spPr>
           <a:xfrm>
-            <a:off x="1097280" y="1845720"/>
-            <a:ext cx="10058040" cy="1918800"/>
+            <a:off x="609480" y="1604520"/>
+            <a:ext cx="10972440" cy="1896840"/>
           </a:xfrm>
           <a:prstGeom prst="rect">
             <a:avLst/>
@@ -1622,18 +1526,15 @@
             <a:normAutofit/>
           </a:bodyPr>
           <a:p>
-            <a:endParaRPr b="0" lang="de-DE" sz="2000" spc="-1" strike="noStrike">
-              <a:solidFill>
-                <a:srgbClr val="404040"/>
-              </a:solidFill>
-              <a:latin typeface="Calibri"/>
+            <a:endParaRPr b="0" lang="de-DE" sz="3200" spc="-1" strike="noStrike">
+              <a:latin typeface="Arial"/>
             </a:endParaRPr>
           </a:p>
         </p:txBody>
       </p:sp>
       <p:sp>
         <p:nvSpPr>
-          <p:cNvPr id="78" name="PlaceHolder 3"/>
+          <p:cNvPr id="72" name="PlaceHolder 3"/>
           <p:cNvSpPr>
             <a:spLocks noGrp="1"/>
           </p:cNvSpPr>
@@ -1643,8 +1544,8 @@
         </p:nvSpPr>
         <p:spPr>
           <a:xfrm>
-            <a:off x="1097280" y="3947040"/>
-            <a:ext cx="10058040" cy="1918800"/>
+            <a:off x="609480" y="3682080"/>
+            <a:ext cx="10972440" cy="1896840"/>
           </a:xfrm>
           <a:prstGeom prst="rect">
             <a:avLst/>
@@ -1655,11 +1556,8 @@
             <a:normAutofit/>
           </a:bodyPr>
           <a:p>
-            <a:endParaRPr b="0" lang="de-DE" sz="2000" spc="-1" strike="noStrike">
-              <a:solidFill>
-                <a:srgbClr val="404040"/>
-              </a:solidFill>
-              <a:latin typeface="Calibri"/>
+            <a:endParaRPr b="0" lang="de-DE" sz="3200" spc="-1" strike="noStrike">
+              <a:latin typeface="Arial"/>
             </a:endParaRPr>
           </a:p>
         </p:txBody>
@@ -1688,7 +1586,7 @@
       </p:grpSpPr>
       <p:sp>
         <p:nvSpPr>
-          <p:cNvPr id="79" name="PlaceHolder 1"/>
+          <p:cNvPr id="73" name="PlaceHolder 1"/>
           <p:cNvSpPr>
             <a:spLocks noGrp="1"/>
           </p:cNvSpPr>
@@ -1698,8 +1596,8 @@
         </p:nvSpPr>
         <p:spPr>
           <a:xfrm>
-            <a:off x="1097280" y="286560"/>
-            <a:ext cx="10058040" cy="1450440"/>
+            <a:off x="609480" y="273600"/>
+            <a:ext cx="10972440" cy="1144800"/>
           </a:xfrm>
           <a:prstGeom prst="rect">
             <a:avLst/>
@@ -1708,18 +1606,16 @@
         <p:txBody>
           <a:bodyPr lIns="0" rIns="0" tIns="0" bIns="0" anchor="ctr"/>
           <a:p>
-            <a:endParaRPr b="0" lang="de-DE" sz="1800" spc="-1" strike="noStrike">
-              <a:solidFill>
-                <a:srgbClr val="000000"/>
-              </a:solidFill>
-              <a:latin typeface="Calibri"/>
+            <a:pPr algn="ctr"/>
+            <a:endParaRPr b="0" lang="de-DE" sz="4400" spc="-1" strike="noStrike">
+              <a:latin typeface="Arial"/>
             </a:endParaRPr>
           </a:p>
         </p:txBody>
       </p:sp>
       <p:sp>
         <p:nvSpPr>
-          <p:cNvPr id="80" name="PlaceHolder 2"/>
+          <p:cNvPr id="74" name="PlaceHolder 2"/>
           <p:cNvSpPr>
             <a:spLocks noGrp="1"/>
           </p:cNvSpPr>
@@ -1729,8 +1625,8 @@
         </p:nvSpPr>
         <p:spPr>
           <a:xfrm>
-            <a:off x="1097280" y="1845720"/>
-            <a:ext cx="4908240" cy="1918800"/>
+            <a:off x="609480" y="1604520"/>
+            <a:ext cx="5354280" cy="1896840"/>
           </a:xfrm>
           <a:prstGeom prst="rect">
             <a:avLst/>
@@ -1741,18 +1637,15 @@
             <a:normAutofit/>
           </a:bodyPr>
           <a:p>
-            <a:endParaRPr b="0" lang="de-DE" sz="2000" spc="-1" strike="noStrike">
-              <a:solidFill>
-                <a:srgbClr val="404040"/>
-              </a:solidFill>
-              <a:latin typeface="Calibri"/>
+            <a:endParaRPr b="0" lang="de-DE" sz="3200" spc="-1" strike="noStrike">
+              <a:latin typeface="Arial"/>
             </a:endParaRPr>
           </a:p>
         </p:txBody>
       </p:sp>
       <p:sp>
         <p:nvSpPr>
-          <p:cNvPr id="81" name="PlaceHolder 3"/>
+          <p:cNvPr id="75" name="PlaceHolder 3"/>
           <p:cNvSpPr>
             <a:spLocks noGrp="1"/>
           </p:cNvSpPr>
@@ -1762,8 +1655,8 @@
         </p:nvSpPr>
         <p:spPr>
           <a:xfrm>
-            <a:off x="6251400" y="1845720"/>
-            <a:ext cx="4908240" cy="1918800"/>
+            <a:off x="6231960" y="1604520"/>
+            <a:ext cx="5354280" cy="1896840"/>
           </a:xfrm>
           <a:prstGeom prst="rect">
             <a:avLst/>
@@ -1774,18 +1667,15 @@
             <a:normAutofit/>
           </a:bodyPr>
           <a:p>
-            <a:endParaRPr b="0" lang="de-DE" sz="2000" spc="-1" strike="noStrike">
-              <a:solidFill>
-                <a:srgbClr val="404040"/>
-              </a:solidFill>
-              <a:latin typeface="Calibri"/>
+            <a:endParaRPr b="0" lang="de-DE" sz="3200" spc="-1" strike="noStrike">
+              <a:latin typeface="Arial"/>
             </a:endParaRPr>
           </a:p>
         </p:txBody>
       </p:sp>
       <p:sp>
         <p:nvSpPr>
-          <p:cNvPr id="82" name="PlaceHolder 4"/>
+          <p:cNvPr id="76" name="PlaceHolder 4"/>
           <p:cNvSpPr>
             <a:spLocks noGrp="1"/>
           </p:cNvSpPr>
@@ -1795,8 +1685,8 @@
         </p:nvSpPr>
         <p:spPr>
           <a:xfrm>
-            <a:off x="1097280" y="3947040"/>
-            <a:ext cx="4908240" cy="1918800"/>
+            <a:off x="609480" y="3682080"/>
+            <a:ext cx="5354280" cy="1896840"/>
           </a:xfrm>
           <a:prstGeom prst="rect">
             <a:avLst/>
@@ -1807,18 +1697,15 @@
             <a:normAutofit/>
           </a:bodyPr>
           <a:p>
-            <a:endParaRPr b="0" lang="de-DE" sz="2000" spc="-1" strike="noStrike">
-              <a:solidFill>
-                <a:srgbClr val="404040"/>
-              </a:solidFill>
-              <a:latin typeface="Calibri"/>
+            <a:endParaRPr b="0" lang="de-DE" sz="3200" spc="-1" strike="noStrike">
+              <a:latin typeface="Arial"/>
             </a:endParaRPr>
           </a:p>
         </p:txBody>
       </p:sp>
       <p:sp>
         <p:nvSpPr>
-          <p:cNvPr id="83" name="PlaceHolder 5"/>
+          <p:cNvPr id="77" name="PlaceHolder 5"/>
           <p:cNvSpPr>
             <a:spLocks noGrp="1"/>
           </p:cNvSpPr>
@@ -1828,8 +1715,8 @@
         </p:nvSpPr>
         <p:spPr>
           <a:xfrm>
-            <a:off x="6251400" y="3947040"/>
-            <a:ext cx="4908240" cy="1918800"/>
+            <a:off x="6231960" y="3682080"/>
+            <a:ext cx="5354280" cy="1896840"/>
           </a:xfrm>
           <a:prstGeom prst="rect">
             <a:avLst/>
@@ -1840,11 +1727,8 @@
             <a:normAutofit/>
           </a:bodyPr>
           <a:p>
-            <a:endParaRPr b="0" lang="de-DE" sz="2000" spc="-1" strike="noStrike">
-              <a:solidFill>
-                <a:srgbClr val="404040"/>
-              </a:solidFill>
-              <a:latin typeface="Calibri"/>
+            <a:endParaRPr b="0" lang="de-DE" sz="3200" spc="-1" strike="noStrike">
+              <a:latin typeface="Arial"/>
             </a:endParaRPr>
           </a:p>
         </p:txBody>
@@ -1873,7 +1757,7 @@
       </p:grpSpPr>
       <p:sp>
         <p:nvSpPr>
-          <p:cNvPr id="84" name="PlaceHolder 1"/>
+          <p:cNvPr id="78" name="PlaceHolder 1"/>
           <p:cNvSpPr>
             <a:spLocks noGrp="1"/>
           </p:cNvSpPr>
@@ -1883,8 +1767,8 @@
         </p:nvSpPr>
         <p:spPr>
           <a:xfrm>
-            <a:off x="1097280" y="286560"/>
-            <a:ext cx="10058040" cy="1450440"/>
+            <a:off x="609480" y="273600"/>
+            <a:ext cx="10972440" cy="1144800"/>
           </a:xfrm>
           <a:prstGeom prst="rect">
             <a:avLst/>
@@ -1893,18 +1777,16 @@
         <p:txBody>
           <a:bodyPr lIns="0" rIns="0" tIns="0" bIns="0" anchor="ctr"/>
           <a:p>
-            <a:endParaRPr b="0" lang="de-DE" sz="1800" spc="-1" strike="noStrike">
-              <a:solidFill>
-                <a:srgbClr val="000000"/>
-              </a:solidFill>
-              <a:latin typeface="Calibri"/>
+            <a:pPr algn="ctr"/>
+            <a:endParaRPr b="0" lang="de-DE" sz="4400" spc="-1" strike="noStrike">
+              <a:latin typeface="Arial"/>
             </a:endParaRPr>
           </a:p>
         </p:txBody>
       </p:sp>
       <p:sp>
         <p:nvSpPr>
-          <p:cNvPr id="85" name="PlaceHolder 2"/>
+          <p:cNvPr id="79" name="PlaceHolder 2"/>
           <p:cNvSpPr>
             <a:spLocks noGrp="1"/>
           </p:cNvSpPr>
@@ -1914,8 +1796,8 @@
         </p:nvSpPr>
         <p:spPr>
           <a:xfrm>
-            <a:off x="1097280" y="1845720"/>
-            <a:ext cx="3238560" cy="1918800"/>
+            <a:off x="609480" y="1604520"/>
+            <a:ext cx="3533040" cy="1896840"/>
           </a:xfrm>
           <a:prstGeom prst="rect">
             <a:avLst/>
@@ -1926,18 +1808,15 @@
             <a:normAutofit/>
           </a:bodyPr>
           <a:p>
-            <a:endParaRPr b="0" lang="de-DE" sz="2000" spc="-1" strike="noStrike">
-              <a:solidFill>
-                <a:srgbClr val="404040"/>
-              </a:solidFill>
-              <a:latin typeface="Calibri"/>
+            <a:endParaRPr b="0" lang="de-DE" sz="3200" spc="-1" strike="noStrike">
+              <a:latin typeface="Arial"/>
             </a:endParaRPr>
           </a:p>
         </p:txBody>
       </p:sp>
       <p:sp>
         <p:nvSpPr>
-          <p:cNvPr id="86" name="PlaceHolder 3"/>
+          <p:cNvPr id="80" name="PlaceHolder 3"/>
           <p:cNvSpPr>
             <a:spLocks noGrp="1"/>
           </p:cNvSpPr>
@@ -1947,8 +1826,8 @@
         </p:nvSpPr>
         <p:spPr>
           <a:xfrm>
-            <a:off x="4498200" y="1845720"/>
-            <a:ext cx="3238560" cy="1918800"/>
+            <a:off x="4319640" y="1604520"/>
+            <a:ext cx="3533040" cy="1896840"/>
           </a:xfrm>
           <a:prstGeom prst="rect">
             <a:avLst/>
@@ -1959,18 +1838,15 @@
             <a:normAutofit/>
           </a:bodyPr>
           <a:p>
-            <a:endParaRPr b="0" lang="de-DE" sz="2000" spc="-1" strike="noStrike">
-              <a:solidFill>
-                <a:srgbClr val="404040"/>
-              </a:solidFill>
-              <a:latin typeface="Calibri"/>
+            <a:endParaRPr b="0" lang="de-DE" sz="3200" spc="-1" strike="noStrike">
+              <a:latin typeface="Arial"/>
             </a:endParaRPr>
           </a:p>
         </p:txBody>
       </p:sp>
       <p:sp>
         <p:nvSpPr>
-          <p:cNvPr id="87" name="PlaceHolder 4"/>
+          <p:cNvPr id="81" name="PlaceHolder 4"/>
           <p:cNvSpPr>
             <a:spLocks noGrp="1"/>
           </p:cNvSpPr>
@@ -1980,8 +1856,8 @@
         </p:nvSpPr>
         <p:spPr>
           <a:xfrm>
-            <a:off x="7899120" y="1845720"/>
-            <a:ext cx="3238560" cy="1918800"/>
+            <a:off x="8029800" y="1604520"/>
+            <a:ext cx="3533040" cy="1896840"/>
           </a:xfrm>
           <a:prstGeom prst="rect">
             <a:avLst/>
@@ -1992,18 +1868,15 @@
             <a:normAutofit/>
           </a:bodyPr>
           <a:p>
-            <a:endParaRPr b="0" lang="de-DE" sz="2000" spc="-1" strike="noStrike">
-              <a:solidFill>
-                <a:srgbClr val="404040"/>
-              </a:solidFill>
-              <a:latin typeface="Calibri"/>
+            <a:endParaRPr b="0" lang="de-DE" sz="3200" spc="-1" strike="noStrike">
+              <a:latin typeface="Arial"/>
             </a:endParaRPr>
           </a:p>
         </p:txBody>
       </p:sp>
       <p:sp>
         <p:nvSpPr>
-          <p:cNvPr id="88" name="PlaceHolder 5"/>
+          <p:cNvPr id="82" name="PlaceHolder 5"/>
           <p:cNvSpPr>
             <a:spLocks noGrp="1"/>
           </p:cNvSpPr>
@@ -2013,8 +1886,8 @@
         </p:nvSpPr>
         <p:spPr>
           <a:xfrm>
-            <a:off x="1097280" y="3947040"/>
-            <a:ext cx="3238560" cy="1918800"/>
+            <a:off x="609480" y="3682080"/>
+            <a:ext cx="3533040" cy="1896840"/>
           </a:xfrm>
           <a:prstGeom prst="rect">
             <a:avLst/>
@@ -2025,18 +1898,15 @@
             <a:normAutofit/>
           </a:bodyPr>
           <a:p>
-            <a:endParaRPr b="0" lang="de-DE" sz="2000" spc="-1" strike="noStrike">
-              <a:solidFill>
-                <a:srgbClr val="404040"/>
-              </a:solidFill>
-              <a:latin typeface="Calibri"/>
+            <a:endParaRPr b="0" lang="de-DE" sz="3200" spc="-1" strike="noStrike">
+              <a:latin typeface="Arial"/>
             </a:endParaRPr>
           </a:p>
         </p:txBody>
       </p:sp>
       <p:sp>
         <p:nvSpPr>
-          <p:cNvPr id="89" name="PlaceHolder 6"/>
+          <p:cNvPr id="83" name="PlaceHolder 6"/>
           <p:cNvSpPr>
             <a:spLocks noGrp="1"/>
           </p:cNvSpPr>
@@ -2046,8 +1916,8 @@
         </p:nvSpPr>
         <p:spPr>
           <a:xfrm>
-            <a:off x="4498200" y="3947040"/>
-            <a:ext cx="3238560" cy="1918800"/>
+            <a:off x="4319640" y="3682080"/>
+            <a:ext cx="3533040" cy="1896840"/>
           </a:xfrm>
           <a:prstGeom prst="rect">
             <a:avLst/>
@@ -2058,18 +1928,15 @@
             <a:normAutofit/>
           </a:bodyPr>
           <a:p>
-            <a:endParaRPr b="0" lang="de-DE" sz="2000" spc="-1" strike="noStrike">
-              <a:solidFill>
-                <a:srgbClr val="404040"/>
-              </a:solidFill>
-              <a:latin typeface="Calibri"/>
+            <a:endParaRPr b="0" lang="de-DE" sz="3200" spc="-1" strike="noStrike">
+              <a:latin typeface="Arial"/>
             </a:endParaRPr>
           </a:p>
         </p:txBody>
       </p:sp>
       <p:sp>
         <p:nvSpPr>
-          <p:cNvPr id="90" name="PlaceHolder 7"/>
+          <p:cNvPr id="84" name="PlaceHolder 7"/>
           <p:cNvSpPr>
             <a:spLocks noGrp="1"/>
           </p:cNvSpPr>
@@ -2079,8 +1946,8 @@
         </p:nvSpPr>
         <p:spPr>
           <a:xfrm>
-            <a:off x="7899120" y="3947040"/>
-            <a:ext cx="3238560" cy="1918800"/>
+            <a:off x="8029800" y="3682080"/>
+            <a:ext cx="3533040" cy="1896840"/>
           </a:xfrm>
           <a:prstGeom prst="rect">
             <a:avLst/>
@@ -2091,11 +1958,8 @@
             <a:normAutofit/>
           </a:bodyPr>
           <a:p>
-            <a:endParaRPr b="0" lang="de-DE" sz="2000" spc="-1" strike="noStrike">
-              <a:solidFill>
-                <a:srgbClr val="404040"/>
-              </a:solidFill>
-              <a:latin typeface="Calibri"/>
+            <a:endParaRPr b="0" lang="de-DE" sz="3200" spc="-1" strike="noStrike">
+              <a:latin typeface="Arial"/>
             </a:endParaRPr>
           </a:p>
         </p:txBody>
@@ -2124,7 +1988,7 @@
       </p:grpSpPr>
       <p:sp>
         <p:nvSpPr>
-          <p:cNvPr id="13" name="PlaceHolder 1"/>
+          <p:cNvPr id="10" name="PlaceHolder 1"/>
           <p:cNvSpPr>
             <a:spLocks noGrp="1"/>
           </p:cNvSpPr>
@@ -2134,8 +1998,8 @@
         </p:nvSpPr>
         <p:spPr>
           <a:xfrm>
-            <a:off x="1097280" y="286560"/>
-            <a:ext cx="10058040" cy="1450440"/>
+            <a:off x="609480" y="273600"/>
+            <a:ext cx="10972440" cy="1144800"/>
           </a:xfrm>
           <a:prstGeom prst="rect">
             <a:avLst/>
@@ -2144,18 +2008,16 @@
         <p:txBody>
           <a:bodyPr lIns="0" rIns="0" tIns="0" bIns="0" anchor="ctr"/>
           <a:p>
-            <a:endParaRPr b="0" lang="de-DE" sz="1800" spc="-1" strike="noStrike">
-              <a:solidFill>
-                <a:srgbClr val="000000"/>
-              </a:solidFill>
-              <a:latin typeface="Calibri"/>
+            <a:pPr algn="ctr"/>
+            <a:endParaRPr b="0" lang="de-DE" sz="4400" spc="-1" strike="noStrike">
+              <a:latin typeface="Arial"/>
             </a:endParaRPr>
           </a:p>
         </p:txBody>
       </p:sp>
       <p:sp>
         <p:nvSpPr>
-          <p:cNvPr id="14" name="PlaceHolder 2"/>
+          <p:cNvPr id="11" name="PlaceHolder 2"/>
           <p:cNvSpPr>
             <a:spLocks noGrp="1"/>
           </p:cNvSpPr>
@@ -2165,8 +2027,8 @@
         </p:nvSpPr>
         <p:spPr>
           <a:xfrm>
-            <a:off x="1097280" y="1845720"/>
-            <a:ext cx="10058040" cy="4023000"/>
+            <a:off x="609480" y="1604520"/>
+            <a:ext cx="10972440" cy="3977280"/>
           </a:xfrm>
           <a:prstGeom prst="rect">
             <a:avLst/>
@@ -2177,11 +2039,8 @@
             <a:normAutofit/>
           </a:bodyPr>
           <a:p>
-            <a:endParaRPr b="0" lang="de-DE" sz="2000" spc="-1" strike="noStrike">
-              <a:solidFill>
-                <a:srgbClr val="404040"/>
-              </a:solidFill>
-              <a:latin typeface="Calibri"/>
+            <a:endParaRPr b="0" lang="de-DE" sz="3200" spc="-1" strike="noStrike">
+              <a:latin typeface="Arial"/>
             </a:endParaRPr>
           </a:p>
         </p:txBody>
@@ -2210,7 +2069,7 @@
       </p:grpSpPr>
       <p:sp>
         <p:nvSpPr>
-          <p:cNvPr id="15" name="PlaceHolder 1"/>
+          <p:cNvPr id="12" name="PlaceHolder 1"/>
           <p:cNvSpPr>
             <a:spLocks noGrp="1"/>
           </p:cNvSpPr>
@@ -2220,8 +2079,8 @@
         </p:nvSpPr>
         <p:spPr>
           <a:xfrm>
-            <a:off x="1097280" y="286560"/>
-            <a:ext cx="10058040" cy="1450440"/>
+            <a:off x="609480" y="273600"/>
+            <a:ext cx="10972440" cy="1144800"/>
           </a:xfrm>
           <a:prstGeom prst="rect">
             <a:avLst/>
@@ -2230,18 +2089,16 @@
         <p:txBody>
           <a:bodyPr lIns="0" rIns="0" tIns="0" bIns="0" anchor="ctr"/>
           <a:p>
-            <a:endParaRPr b="0" lang="de-DE" sz="1800" spc="-1" strike="noStrike">
-              <a:solidFill>
-                <a:srgbClr val="000000"/>
-              </a:solidFill>
-              <a:latin typeface="Calibri"/>
+            <a:pPr algn="ctr"/>
+            <a:endParaRPr b="0" lang="de-DE" sz="4400" spc="-1" strike="noStrike">
+              <a:latin typeface="Arial"/>
             </a:endParaRPr>
           </a:p>
         </p:txBody>
       </p:sp>
       <p:sp>
         <p:nvSpPr>
-          <p:cNvPr id="16" name="PlaceHolder 2"/>
+          <p:cNvPr id="13" name="PlaceHolder 2"/>
           <p:cNvSpPr>
             <a:spLocks noGrp="1"/>
           </p:cNvSpPr>
@@ -2251,8 +2108,8 @@
         </p:nvSpPr>
         <p:spPr>
           <a:xfrm>
-            <a:off x="1097280" y="1845720"/>
-            <a:ext cx="4908240" cy="4023000"/>
+            <a:off x="609480" y="1604520"/>
+            <a:ext cx="5354280" cy="3977280"/>
           </a:xfrm>
           <a:prstGeom prst="rect">
             <a:avLst/>
@@ -2263,18 +2120,15 @@
             <a:normAutofit/>
           </a:bodyPr>
           <a:p>
-            <a:endParaRPr b="0" lang="de-DE" sz="2000" spc="-1" strike="noStrike">
-              <a:solidFill>
-                <a:srgbClr val="404040"/>
-              </a:solidFill>
-              <a:latin typeface="Calibri"/>
+            <a:endParaRPr b="0" lang="de-DE" sz="3200" spc="-1" strike="noStrike">
+              <a:latin typeface="Arial"/>
             </a:endParaRPr>
           </a:p>
         </p:txBody>
       </p:sp>
       <p:sp>
         <p:nvSpPr>
-          <p:cNvPr id="17" name="PlaceHolder 3"/>
+          <p:cNvPr id="14" name="PlaceHolder 3"/>
           <p:cNvSpPr>
             <a:spLocks noGrp="1"/>
           </p:cNvSpPr>
@@ -2284,8 +2138,8 @@
         </p:nvSpPr>
         <p:spPr>
           <a:xfrm>
-            <a:off x="6251400" y="1845720"/>
-            <a:ext cx="4908240" cy="4023000"/>
+            <a:off x="6231960" y="1604520"/>
+            <a:ext cx="5354280" cy="3977280"/>
           </a:xfrm>
           <a:prstGeom prst="rect">
             <a:avLst/>
@@ -2296,11 +2150,8 @@
             <a:normAutofit/>
           </a:bodyPr>
           <a:p>
-            <a:endParaRPr b="0" lang="de-DE" sz="2000" spc="-1" strike="noStrike">
-              <a:solidFill>
-                <a:srgbClr val="404040"/>
-              </a:solidFill>
-              <a:latin typeface="Calibri"/>
+            <a:endParaRPr b="0" lang="de-DE" sz="3200" spc="-1" strike="noStrike">
+              <a:latin typeface="Arial"/>
             </a:endParaRPr>
           </a:p>
         </p:txBody>
@@ -2329,7 +2180,7 @@
       </p:grpSpPr>
       <p:sp>
         <p:nvSpPr>
-          <p:cNvPr id="18" name="PlaceHolder 1"/>
+          <p:cNvPr id="15" name="PlaceHolder 1"/>
           <p:cNvSpPr>
             <a:spLocks noGrp="1"/>
           </p:cNvSpPr>
@@ -2339,8 +2190,8 @@
         </p:nvSpPr>
         <p:spPr>
           <a:xfrm>
-            <a:off x="1097280" y="286560"/>
-            <a:ext cx="10058040" cy="1450440"/>
+            <a:off x="609480" y="273600"/>
+            <a:ext cx="10972440" cy="1144800"/>
           </a:xfrm>
           <a:prstGeom prst="rect">
             <a:avLst/>
@@ -2349,11 +2200,9 @@
         <p:txBody>
           <a:bodyPr lIns="0" rIns="0" tIns="0" bIns="0" anchor="ctr"/>
           <a:p>
-            <a:endParaRPr b="0" lang="de-DE" sz="1800" spc="-1" strike="noStrike">
-              <a:solidFill>
-                <a:srgbClr val="000000"/>
-              </a:solidFill>
-              <a:latin typeface="Calibri"/>
+            <a:pPr algn="ctr"/>
+            <a:endParaRPr b="0" lang="de-DE" sz="4400" spc="-1" strike="noStrike">
+              <a:latin typeface="Arial"/>
             </a:endParaRPr>
           </a:p>
         </p:txBody>
@@ -2382,7 +2231,7 @@
       </p:grpSpPr>
       <p:sp>
         <p:nvSpPr>
-          <p:cNvPr id="19" name="PlaceHolder 1"/>
+          <p:cNvPr id="16" name="PlaceHolder 1"/>
           <p:cNvSpPr>
             <a:spLocks noGrp="1"/>
           </p:cNvSpPr>
@@ -2392,8 +2241,8 @@
         </p:nvSpPr>
         <p:spPr>
           <a:xfrm>
-            <a:off x="1097280" y="286560"/>
-            <a:ext cx="10058040" cy="6724800"/>
+            <a:off x="609480" y="273600"/>
+            <a:ext cx="10972440" cy="5307840"/>
           </a:xfrm>
           <a:prstGeom prst="rect">
             <a:avLst/>
@@ -2433,7 +2282,7 @@
       </p:grpSpPr>
       <p:sp>
         <p:nvSpPr>
-          <p:cNvPr id="20" name="PlaceHolder 1"/>
+          <p:cNvPr id="17" name="PlaceHolder 1"/>
           <p:cNvSpPr>
             <a:spLocks noGrp="1"/>
           </p:cNvSpPr>
@@ -2443,8 +2292,8 @@
         </p:nvSpPr>
         <p:spPr>
           <a:xfrm>
-            <a:off x="1097280" y="286560"/>
-            <a:ext cx="10058040" cy="1450440"/>
+            <a:off x="609480" y="273600"/>
+            <a:ext cx="10972440" cy="1144800"/>
           </a:xfrm>
           <a:prstGeom prst="rect">
             <a:avLst/>
@@ -2453,18 +2302,16 @@
         <p:txBody>
           <a:bodyPr lIns="0" rIns="0" tIns="0" bIns="0" anchor="ctr"/>
           <a:p>
-            <a:endParaRPr b="0" lang="de-DE" sz="1800" spc="-1" strike="noStrike">
-              <a:solidFill>
-                <a:srgbClr val="000000"/>
-              </a:solidFill>
-              <a:latin typeface="Calibri"/>
+            <a:pPr algn="ctr"/>
+            <a:endParaRPr b="0" lang="de-DE" sz="4400" spc="-1" strike="noStrike">
+              <a:latin typeface="Arial"/>
             </a:endParaRPr>
           </a:p>
         </p:txBody>
       </p:sp>
       <p:sp>
         <p:nvSpPr>
-          <p:cNvPr id="21" name="PlaceHolder 2"/>
+          <p:cNvPr id="18" name="PlaceHolder 2"/>
           <p:cNvSpPr>
             <a:spLocks noGrp="1"/>
           </p:cNvSpPr>
@@ -2474,8 +2321,8 @@
         </p:nvSpPr>
         <p:spPr>
           <a:xfrm>
-            <a:off x="1097280" y="1845720"/>
-            <a:ext cx="4908240" cy="1918800"/>
+            <a:off x="609480" y="1604520"/>
+            <a:ext cx="5354280" cy="1896840"/>
           </a:xfrm>
           <a:prstGeom prst="rect">
             <a:avLst/>
@@ -2486,18 +2333,15 @@
             <a:normAutofit/>
           </a:bodyPr>
           <a:p>
-            <a:endParaRPr b="0" lang="de-DE" sz="2000" spc="-1" strike="noStrike">
-              <a:solidFill>
-                <a:srgbClr val="404040"/>
-              </a:solidFill>
-              <a:latin typeface="Calibri"/>
+            <a:endParaRPr b="0" lang="de-DE" sz="3200" spc="-1" strike="noStrike">
+              <a:latin typeface="Arial"/>
             </a:endParaRPr>
           </a:p>
         </p:txBody>
       </p:sp>
       <p:sp>
         <p:nvSpPr>
-          <p:cNvPr id="22" name="PlaceHolder 3"/>
+          <p:cNvPr id="19" name="PlaceHolder 3"/>
           <p:cNvSpPr>
             <a:spLocks noGrp="1"/>
           </p:cNvSpPr>
@@ -2507,8 +2351,8 @@
         </p:nvSpPr>
         <p:spPr>
           <a:xfrm>
-            <a:off x="6251400" y="1845720"/>
-            <a:ext cx="4908240" cy="4023000"/>
+            <a:off x="6231960" y="1604520"/>
+            <a:ext cx="5354280" cy="3977280"/>
           </a:xfrm>
           <a:prstGeom prst="rect">
             <a:avLst/>
@@ -2519,18 +2363,15 @@
             <a:normAutofit/>
           </a:bodyPr>
           <a:p>
-            <a:endParaRPr b="0" lang="de-DE" sz="2000" spc="-1" strike="noStrike">
-              <a:solidFill>
-                <a:srgbClr val="404040"/>
-              </a:solidFill>
-              <a:latin typeface="Calibri"/>
+            <a:endParaRPr b="0" lang="de-DE" sz="3200" spc="-1" strike="noStrike">
+              <a:latin typeface="Arial"/>
             </a:endParaRPr>
           </a:p>
         </p:txBody>
       </p:sp>
       <p:sp>
         <p:nvSpPr>
-          <p:cNvPr id="23" name="PlaceHolder 4"/>
+          <p:cNvPr id="20" name="PlaceHolder 4"/>
           <p:cNvSpPr>
             <a:spLocks noGrp="1"/>
           </p:cNvSpPr>
@@ -2540,8 +2381,8 @@
         </p:nvSpPr>
         <p:spPr>
           <a:xfrm>
-            <a:off x="1097280" y="3947040"/>
-            <a:ext cx="4908240" cy="1918800"/>
+            <a:off x="609480" y="3682080"/>
+            <a:ext cx="5354280" cy="1896840"/>
           </a:xfrm>
           <a:prstGeom prst="rect">
             <a:avLst/>
@@ -2552,11 +2393,8 @@
             <a:normAutofit/>
           </a:bodyPr>
           <a:p>
-            <a:endParaRPr b="0" lang="de-DE" sz="2000" spc="-1" strike="noStrike">
-              <a:solidFill>
-                <a:srgbClr val="404040"/>
-              </a:solidFill>
-              <a:latin typeface="Calibri"/>
+            <a:endParaRPr b="0" lang="de-DE" sz="3200" spc="-1" strike="noStrike">
+              <a:latin typeface="Arial"/>
             </a:endParaRPr>
           </a:p>
         </p:txBody>
@@ -2585,7 +2423,7 @@
       </p:grpSpPr>
       <p:sp>
         <p:nvSpPr>
-          <p:cNvPr id="24" name="PlaceHolder 1"/>
+          <p:cNvPr id="21" name="PlaceHolder 1"/>
           <p:cNvSpPr>
             <a:spLocks noGrp="1"/>
           </p:cNvSpPr>
@@ -2595,8 +2433,8 @@
         </p:nvSpPr>
         <p:spPr>
           <a:xfrm>
-            <a:off x="1097280" y="286560"/>
-            <a:ext cx="10058040" cy="1450440"/>
+            <a:off x="609480" y="273600"/>
+            <a:ext cx="10972440" cy="1144800"/>
           </a:xfrm>
           <a:prstGeom prst="rect">
             <a:avLst/>
@@ -2605,18 +2443,16 @@
         <p:txBody>
           <a:bodyPr lIns="0" rIns="0" tIns="0" bIns="0" anchor="ctr"/>
           <a:p>
-            <a:endParaRPr b="0" lang="de-DE" sz="1800" spc="-1" strike="noStrike">
-              <a:solidFill>
-                <a:srgbClr val="000000"/>
-              </a:solidFill>
-              <a:latin typeface="Calibri"/>
+            <a:pPr algn="ctr"/>
+            <a:endParaRPr b="0" lang="de-DE" sz="4400" spc="-1" strike="noStrike">
+              <a:latin typeface="Arial"/>
             </a:endParaRPr>
           </a:p>
         </p:txBody>
       </p:sp>
       <p:sp>
         <p:nvSpPr>
-          <p:cNvPr id="25" name="PlaceHolder 2"/>
+          <p:cNvPr id="22" name="PlaceHolder 2"/>
           <p:cNvSpPr>
             <a:spLocks noGrp="1"/>
           </p:cNvSpPr>
@@ -2626,8 +2462,8 @@
         </p:nvSpPr>
         <p:spPr>
           <a:xfrm>
-            <a:off x="1097280" y="1845720"/>
-            <a:ext cx="4908240" cy="4023000"/>
+            <a:off x="609480" y="1604520"/>
+            <a:ext cx="5354280" cy="3977280"/>
           </a:xfrm>
           <a:prstGeom prst="rect">
             <a:avLst/>
@@ -2638,18 +2474,15 @@
             <a:normAutofit/>
           </a:bodyPr>
           <a:p>
-            <a:endParaRPr b="0" lang="de-DE" sz="2000" spc="-1" strike="noStrike">
-              <a:solidFill>
-                <a:srgbClr val="404040"/>
-              </a:solidFill>
-              <a:latin typeface="Calibri"/>
+            <a:endParaRPr b="0" lang="de-DE" sz="3200" spc="-1" strike="noStrike">
+              <a:latin typeface="Arial"/>
             </a:endParaRPr>
           </a:p>
         </p:txBody>
       </p:sp>
       <p:sp>
         <p:nvSpPr>
-          <p:cNvPr id="26" name="PlaceHolder 3"/>
+          <p:cNvPr id="23" name="PlaceHolder 3"/>
           <p:cNvSpPr>
             <a:spLocks noGrp="1"/>
           </p:cNvSpPr>
@@ -2659,8 +2492,8 @@
         </p:nvSpPr>
         <p:spPr>
           <a:xfrm>
-            <a:off x="6251400" y="1845720"/>
-            <a:ext cx="4908240" cy="1918800"/>
+            <a:off x="6231960" y="1604520"/>
+            <a:ext cx="5354280" cy="1896840"/>
           </a:xfrm>
           <a:prstGeom prst="rect">
             <a:avLst/>
@@ -2671,18 +2504,15 @@
             <a:normAutofit/>
           </a:bodyPr>
           <a:p>
-            <a:endParaRPr b="0" lang="de-DE" sz="2000" spc="-1" strike="noStrike">
-              <a:solidFill>
-                <a:srgbClr val="404040"/>
-              </a:solidFill>
-              <a:latin typeface="Calibri"/>
+            <a:endParaRPr b="0" lang="de-DE" sz="3200" spc="-1" strike="noStrike">
+              <a:latin typeface="Arial"/>
             </a:endParaRPr>
           </a:p>
         </p:txBody>
       </p:sp>
       <p:sp>
         <p:nvSpPr>
-          <p:cNvPr id="27" name="PlaceHolder 4"/>
+          <p:cNvPr id="24" name="PlaceHolder 4"/>
           <p:cNvSpPr>
             <a:spLocks noGrp="1"/>
           </p:cNvSpPr>
@@ -2692,8 +2522,8 @@
         </p:nvSpPr>
         <p:spPr>
           <a:xfrm>
-            <a:off x="6251400" y="3947040"/>
-            <a:ext cx="4908240" cy="1918800"/>
+            <a:off x="6231960" y="3682080"/>
+            <a:ext cx="5354280" cy="1896840"/>
           </a:xfrm>
           <a:prstGeom prst="rect">
             <a:avLst/>
@@ -2704,11 +2534,8 @@
             <a:normAutofit/>
           </a:bodyPr>
           <a:p>
-            <a:endParaRPr b="0" lang="de-DE" sz="2000" spc="-1" strike="noStrike">
-              <a:solidFill>
-                <a:srgbClr val="404040"/>
-              </a:solidFill>
-              <a:latin typeface="Calibri"/>
+            <a:endParaRPr b="0" lang="de-DE" sz="3200" spc="-1" strike="noStrike">
+              <a:latin typeface="Arial"/>
             </a:endParaRPr>
           </a:p>
         </p:txBody>
@@ -2737,7 +2564,7 @@
       </p:grpSpPr>
       <p:sp>
         <p:nvSpPr>
-          <p:cNvPr id="28" name="PlaceHolder 1"/>
+          <p:cNvPr id="25" name="PlaceHolder 1"/>
           <p:cNvSpPr>
             <a:spLocks noGrp="1"/>
           </p:cNvSpPr>
@@ -2747,8 +2574,8 @@
         </p:nvSpPr>
         <p:spPr>
           <a:xfrm>
-            <a:off x="1097280" y="286560"/>
-            <a:ext cx="10058040" cy="1450440"/>
+            <a:off x="609480" y="273600"/>
+            <a:ext cx="10972440" cy="1144800"/>
           </a:xfrm>
           <a:prstGeom prst="rect">
             <a:avLst/>
@@ -2757,18 +2584,16 @@
         <p:txBody>
           <a:bodyPr lIns="0" rIns="0" tIns="0" bIns="0" anchor="ctr"/>
           <a:p>
-            <a:endParaRPr b="0" lang="de-DE" sz="1800" spc="-1" strike="noStrike">
-              <a:solidFill>
-                <a:srgbClr val="000000"/>
-              </a:solidFill>
-              <a:latin typeface="Calibri"/>
+            <a:pPr algn="ctr"/>
+            <a:endParaRPr b="0" lang="de-DE" sz="4400" spc="-1" strike="noStrike">
+              <a:latin typeface="Arial"/>
             </a:endParaRPr>
           </a:p>
         </p:txBody>
       </p:sp>
       <p:sp>
         <p:nvSpPr>
-          <p:cNvPr id="29" name="PlaceHolder 2"/>
+          <p:cNvPr id="26" name="PlaceHolder 2"/>
           <p:cNvSpPr>
             <a:spLocks noGrp="1"/>
           </p:cNvSpPr>
@@ -2778,8 +2603,8 @@
         </p:nvSpPr>
         <p:spPr>
           <a:xfrm>
-            <a:off x="1097280" y="1845720"/>
-            <a:ext cx="4908240" cy="1918800"/>
+            <a:off x="609480" y="1604520"/>
+            <a:ext cx="5354280" cy="1896840"/>
           </a:xfrm>
           <a:prstGeom prst="rect">
             <a:avLst/>
@@ -2790,18 +2615,15 @@
             <a:normAutofit/>
           </a:bodyPr>
           <a:p>
-            <a:endParaRPr b="0" lang="de-DE" sz="2000" spc="-1" strike="noStrike">
-              <a:solidFill>
-                <a:srgbClr val="404040"/>
-              </a:solidFill>
-              <a:latin typeface="Calibri"/>
+            <a:endParaRPr b="0" lang="de-DE" sz="3200" spc="-1" strike="noStrike">
+              <a:latin typeface="Arial"/>
             </a:endParaRPr>
           </a:p>
         </p:txBody>
       </p:sp>
       <p:sp>
         <p:nvSpPr>
-          <p:cNvPr id="30" name="PlaceHolder 3"/>
+          <p:cNvPr id="27" name="PlaceHolder 3"/>
           <p:cNvSpPr>
             <a:spLocks noGrp="1"/>
           </p:cNvSpPr>
@@ -2811,8 +2633,8 @@
         </p:nvSpPr>
         <p:spPr>
           <a:xfrm>
-            <a:off x="6251400" y="1845720"/>
-            <a:ext cx="4908240" cy="1918800"/>
+            <a:off x="6231960" y="1604520"/>
+            <a:ext cx="5354280" cy="1896840"/>
           </a:xfrm>
           <a:prstGeom prst="rect">
             <a:avLst/>
@@ -2823,18 +2645,15 @@
             <a:normAutofit/>
           </a:bodyPr>
           <a:p>
-            <a:endParaRPr b="0" lang="de-DE" sz="2000" spc="-1" strike="noStrike">
-              <a:solidFill>
-                <a:srgbClr val="404040"/>
-              </a:solidFill>
-              <a:latin typeface="Calibri"/>
+            <a:endParaRPr b="0" lang="de-DE" sz="3200" spc="-1" strike="noStrike">
+              <a:latin typeface="Arial"/>
             </a:endParaRPr>
           </a:p>
         </p:txBody>
       </p:sp>
       <p:sp>
         <p:nvSpPr>
-          <p:cNvPr id="31" name="PlaceHolder 4"/>
+          <p:cNvPr id="28" name="PlaceHolder 4"/>
           <p:cNvSpPr>
             <a:spLocks noGrp="1"/>
           </p:cNvSpPr>
@@ -2844,8 +2663,8 @@
         </p:nvSpPr>
         <p:spPr>
           <a:xfrm>
-            <a:off x="1097280" y="3947040"/>
-            <a:ext cx="10058040" cy="1918800"/>
+            <a:off x="609480" y="3682080"/>
+            <a:ext cx="10972440" cy="1896840"/>
           </a:xfrm>
           <a:prstGeom prst="rect">
             <a:avLst/>
@@ -2856,11 +2675,8 @@
             <a:normAutofit/>
           </a:bodyPr>
           <a:p>
-            <a:endParaRPr b="0" lang="de-DE" sz="2000" spc="-1" strike="noStrike">
-              <a:solidFill>
-                <a:srgbClr val="404040"/>
-              </a:solidFill>
-              <a:latin typeface="Calibri"/>
+            <a:endParaRPr b="0" lang="de-DE" sz="3200" spc="-1" strike="noStrike">
+              <a:latin typeface="Arial"/>
             </a:endParaRPr>
           </a:p>
         </p:txBody>
@@ -2903,7 +2719,7 @@
         <p:spPr>
           <a:xfrm>
             <a:off x="0" y="6400800"/>
-            <a:ext cx="12191760" cy="456840"/>
+            <a:ext cx="12191400" cy="456480"/>
           </a:xfrm>
           <a:prstGeom prst="rect">
             <a:avLst/>
@@ -2939,7 +2755,7 @@
         <p:spPr>
           <a:xfrm>
             <a:off x="0" y="6334200"/>
-            <a:ext cx="12191760" cy="65520"/>
+            <a:ext cx="12191400" cy="65160"/>
           </a:xfrm>
           <a:prstGeom prst="rect">
             <a:avLst/>
@@ -3012,7 +2828,7 @@
         <p:spPr>
           <a:xfrm>
             <a:off x="3240" y="6400800"/>
-            <a:ext cx="12188520" cy="456840"/>
+            <a:ext cx="12188160" cy="456480"/>
           </a:xfrm>
           <a:prstGeom prst="rect">
             <a:avLst/>
@@ -3048,7 +2864,7 @@
         <p:spPr>
           <a:xfrm>
             <a:off x="0" y="6334200"/>
-            <a:ext cx="12188520" cy="63720"/>
+            <a:ext cx="12188160" cy="63360"/>
           </a:xfrm>
           <a:prstGeom prst="rect">
             <a:avLst/>
@@ -3077,166 +2893,7 @@
       </p:sp>
       <p:sp>
         <p:nvSpPr>
-          <p:cNvPr id="5" name="PlaceHolder 6"/>
-          <p:cNvSpPr>
-            <a:spLocks noGrp="1"/>
-          </p:cNvSpPr>
-          <p:nvPr>
-            <p:ph type="title"/>
-          </p:nvPr>
-        </p:nvSpPr>
-        <p:spPr>
-          <a:xfrm>
-            <a:off x="1097280" y="758880"/>
-            <a:ext cx="10058040" cy="3565800"/>
-          </a:xfrm>
-          <a:prstGeom prst="rect">
-            <a:avLst/>
-          </a:prstGeom>
-        </p:spPr>
-        <p:txBody>
-          <a:bodyPr anchor="b">
-            <a:normAutofit/>
-          </a:bodyPr>
-          <a:p>
-            <a:pPr>
-              <a:lnSpc>
-                <a:spcPct val="85000"/>
-              </a:lnSpc>
-            </a:pPr>
-            <a:r>
-              <a:rPr b="0" lang="de-DE" sz="8000" spc="-52" strike="noStrike">
-                <a:solidFill>
-                  <a:srgbClr val="262626"/>
-                </a:solidFill>
-                <a:latin typeface="Calibri Light"/>
-              </a:rPr>
-              <a:t>Titelmasterformat durch Klicken bearbeiten</a:t>
-            </a:r>
-            <a:endParaRPr b="0" lang="de-DE" sz="8000" spc="-1" strike="noStrike">
-              <a:solidFill>
-                <a:srgbClr val="000000"/>
-              </a:solidFill>
-              <a:latin typeface="Calibri"/>
-            </a:endParaRPr>
-          </a:p>
-        </p:txBody>
-      </p:sp>
-      <p:sp>
-        <p:nvSpPr>
-          <p:cNvPr id="6" name="PlaceHolder 7"/>
-          <p:cNvSpPr>
-            <a:spLocks noGrp="1"/>
-          </p:cNvSpPr>
-          <p:nvPr>
-            <p:ph type="dt"/>
-          </p:nvPr>
-        </p:nvSpPr>
-        <p:spPr>
-          <a:xfrm>
-            <a:off x="1097280" y="6459840"/>
-            <a:ext cx="2471760" cy="364680"/>
-          </a:xfrm>
-          <a:prstGeom prst="rect">
-            <a:avLst/>
-          </a:prstGeom>
-        </p:spPr>
-        <p:txBody>
-          <a:bodyPr anchor="ctr"/>
-          <a:p>
-            <a:pPr>
-              <a:lnSpc>
-                <a:spcPct val="100000"/>
-              </a:lnSpc>
-            </a:pPr>
-            <a:fld id="{8A591374-5A2E-47FD-A012-23F7C7DEEEC0}" type="datetime">
-              <a:rPr b="0" lang="de-DE" sz="900" spc="-1" strike="noStrike">
-                <a:solidFill>
-                  <a:srgbClr val="ffffff"/>
-                </a:solidFill>
-                <a:latin typeface="Calibri"/>
-              </a:rPr>
-              <a:t>04.06.19</a:t>
-            </a:fld>
-            <a:endParaRPr b="0" lang="de-DE" sz="900" spc="-1" strike="noStrike">
-              <a:latin typeface="Times New Roman"/>
-            </a:endParaRPr>
-          </a:p>
-        </p:txBody>
-      </p:sp>
-      <p:sp>
-        <p:nvSpPr>
-          <p:cNvPr id="7" name="PlaceHolder 8"/>
-          <p:cNvSpPr>
-            <a:spLocks noGrp="1"/>
-          </p:cNvSpPr>
-          <p:nvPr>
-            <p:ph type="ftr"/>
-          </p:nvPr>
-        </p:nvSpPr>
-        <p:spPr>
-          <a:xfrm>
-            <a:off x="3686040" y="6459840"/>
-            <a:ext cx="4822560" cy="364680"/>
-          </a:xfrm>
-          <a:prstGeom prst="rect">
-            <a:avLst/>
-          </a:prstGeom>
-        </p:spPr>
-        <p:txBody>
-          <a:bodyPr anchor="ctr"/>
-          <a:p>
-            <a:endParaRPr b="0" lang="de-DE" sz="2400" spc="-1" strike="noStrike">
-              <a:latin typeface="Times New Roman"/>
-            </a:endParaRPr>
-          </a:p>
-        </p:txBody>
-      </p:sp>
-      <p:sp>
-        <p:nvSpPr>
-          <p:cNvPr id="8" name="PlaceHolder 9"/>
-          <p:cNvSpPr>
-            <a:spLocks noGrp="1"/>
-          </p:cNvSpPr>
-          <p:nvPr>
-            <p:ph type="sldNum"/>
-          </p:nvPr>
-        </p:nvSpPr>
-        <p:spPr>
-          <a:xfrm>
-            <a:off x="9900360" y="6459840"/>
-            <a:ext cx="1311840" cy="364680"/>
-          </a:xfrm>
-          <a:prstGeom prst="rect">
-            <a:avLst/>
-          </a:prstGeom>
-        </p:spPr>
-        <p:txBody>
-          <a:bodyPr anchor="ctr"/>
-          <a:p>
-            <a:pPr algn="r">
-              <a:lnSpc>
-                <a:spcPct val="100000"/>
-              </a:lnSpc>
-            </a:pPr>
-            <a:fld id="{913A1431-0CE3-4C24-A734-A7590E0E682C}" type="slidenum">
-              <a:rPr b="0" lang="de-DE" sz="1050" spc="-1" strike="noStrike">
-                <a:solidFill>
-                  <a:srgbClr val="ffffff"/>
-                </a:solidFill>
-                <a:latin typeface="Calibri"/>
-              </a:rPr>
-              <a:t>&lt;Foliennummer&gt;</a:t>
-            </a:fld>
-            <a:endParaRPr b="0" lang="de-DE" sz="1050" spc="-1" strike="noStrike">
-              <a:latin typeface="Times New Roman"/>
-            </a:endParaRPr>
-          </a:p>
-        </p:txBody>
-      </p:sp>
-      <p:sp>
-        <p:nvSpPr>
-          <p:cNvPr id="9" name="Line 10"/>
+          <p:cNvPr id="5" name="Line 6"/>
           <p:cNvSpPr/>
           <p:nvPr/>
         </p:nvSpPr>
@@ -3273,7 +2930,41 @@
       </p:sp>
       <p:sp>
         <p:nvSpPr>
-          <p:cNvPr id="10" name="PlaceHolder 11"/>
+          <p:cNvPr id="6" name="PlaceHolder 7"/>
+          <p:cNvSpPr>
+            <a:spLocks noGrp="1"/>
+          </p:cNvSpPr>
+          <p:nvPr>
+            <p:ph type="title"/>
+          </p:nvPr>
+        </p:nvSpPr>
+        <p:spPr>
+          <a:xfrm>
+            <a:off x="1097280" y="286560"/>
+            <a:ext cx="10057680" cy="1450080"/>
+          </a:xfrm>
+          <a:prstGeom prst="rect">
+            <a:avLst/>
+          </a:prstGeom>
+        </p:spPr>
+        <p:txBody>
+          <a:bodyPr lIns="0" rIns="0" tIns="0" bIns="0" anchor="ctr"/>
+          <a:p>
+            <a:r>
+              <a:rPr b="0" lang="de-DE" sz="1800" spc="-1" strike="noStrike">
+                <a:latin typeface="Arial"/>
+              </a:rPr>
+              <a:t>Format des Titeltextes durch Klicken bearbeiten</a:t>
+            </a:r>
+            <a:endParaRPr b="0" lang="de-DE" sz="1800" spc="-1" strike="noStrike">
+              <a:latin typeface="Arial"/>
+            </a:endParaRPr>
+          </a:p>
+        </p:txBody>
+      </p:sp>
+      <p:sp>
+        <p:nvSpPr>
+          <p:cNvPr id="7" name="PlaceHolder 8"/>
           <p:cNvSpPr>
             <a:spLocks noGrp="1"/>
           </p:cNvSpPr>
@@ -3307,19 +2998,13 @@
               <a:buChar char=""/>
             </a:pPr>
             <a:r>
-              <a:rPr b="0" lang="de-DE" sz="2000" spc="-1" strike="noStrike">
-                <a:solidFill>
-                  <a:srgbClr val="404040"/>
-                </a:solidFill>
-                <a:latin typeface="Calibri"/>
+              <a:rPr b="0" lang="de-DE" sz="3200" spc="-1" strike="noStrike">
+                <a:latin typeface="Arial"/>
               </a:rPr>
               <a:t>Format des Gliederungstextes durch Klicken bearbeiten</a:t>
             </a:r>
-            <a:endParaRPr b="0" lang="de-DE" sz="2000" spc="-1" strike="noStrike">
-              <a:solidFill>
-                <a:srgbClr val="404040"/>
-              </a:solidFill>
-              <a:latin typeface="Calibri"/>
+            <a:endParaRPr b="0" lang="de-DE" sz="3200" spc="-1" strike="noStrike">
+              <a:latin typeface="Arial"/>
             </a:endParaRPr>
           </a:p>
           <a:p>
@@ -3335,19 +3020,13 @@
               <a:buChar char=""/>
             </a:pPr>
             <a:r>
-              <a:rPr b="0" lang="de-DE" sz="1400" spc="-1" strike="noStrike">
-                <a:solidFill>
-                  <a:srgbClr val="404040"/>
-                </a:solidFill>
-                <a:latin typeface="Calibri"/>
+              <a:rPr b="0" lang="de-DE" sz="2800" spc="-1" strike="noStrike">
+                <a:latin typeface="Arial"/>
               </a:rPr>
               <a:t>Zweite Gliederungsebene</a:t>
             </a:r>
-            <a:endParaRPr b="0" lang="de-DE" sz="1400" spc="-1" strike="noStrike">
-              <a:solidFill>
-                <a:srgbClr val="404040"/>
-              </a:solidFill>
-              <a:latin typeface="Calibri"/>
+            <a:endParaRPr b="0" lang="de-DE" sz="2800" spc="-1" strike="noStrike">
+              <a:latin typeface="Arial"/>
             </a:endParaRPr>
           </a:p>
           <a:p>
@@ -3363,19 +3042,13 @@
               <a:buChar char=""/>
             </a:pPr>
             <a:r>
-              <a:rPr b="0" lang="de-DE" sz="1400" spc="-1" strike="noStrike">
-                <a:solidFill>
-                  <a:srgbClr val="404040"/>
-                </a:solidFill>
-                <a:latin typeface="Calibri"/>
+              <a:rPr b="0" lang="de-DE" sz="2400" spc="-1" strike="noStrike">
+                <a:latin typeface="Arial"/>
               </a:rPr>
               <a:t>Dritte Gliederungsebene</a:t>
             </a:r>
-            <a:endParaRPr b="0" lang="de-DE" sz="1400" spc="-1" strike="noStrike">
-              <a:solidFill>
-                <a:srgbClr val="404040"/>
-              </a:solidFill>
-              <a:latin typeface="Calibri"/>
+            <a:endParaRPr b="0" lang="de-DE" sz="2400" spc="-1" strike="noStrike">
+              <a:latin typeface="Arial"/>
             </a:endParaRPr>
           </a:p>
           <a:p>
@@ -3391,19 +3064,13 @@
               <a:buChar char=""/>
             </a:pPr>
             <a:r>
-              <a:rPr b="0" lang="de-DE" sz="1400" spc="-1" strike="noStrike">
-                <a:solidFill>
-                  <a:srgbClr val="404040"/>
-                </a:solidFill>
-                <a:latin typeface="Calibri"/>
+              <a:rPr b="0" lang="de-DE" sz="2000" spc="-1" strike="noStrike">
+                <a:latin typeface="Arial"/>
               </a:rPr>
               <a:t>Vierte Gliederungsebene</a:t>
             </a:r>
-            <a:endParaRPr b="0" lang="de-DE" sz="1400" spc="-1" strike="noStrike">
-              <a:solidFill>
-                <a:srgbClr val="404040"/>
-              </a:solidFill>
-              <a:latin typeface="Calibri"/>
+            <a:endParaRPr b="0" lang="de-DE" sz="2000" spc="-1" strike="noStrike">
+              <a:latin typeface="Arial"/>
             </a:endParaRPr>
           </a:p>
           <a:p>
@@ -3420,18 +3087,12 @@
             </a:pPr>
             <a:r>
               <a:rPr b="0" lang="de-DE" sz="2000" spc="-1" strike="noStrike">
-                <a:solidFill>
-                  <a:srgbClr val="404040"/>
-                </a:solidFill>
-                <a:latin typeface="Calibri"/>
+                <a:latin typeface="Arial"/>
               </a:rPr>
               <a:t>Fünfte Gliederungsebene</a:t>
             </a:r>
             <a:endParaRPr b="0" lang="de-DE" sz="2000" spc="-1" strike="noStrike">
-              <a:solidFill>
-                <a:srgbClr val="404040"/>
-              </a:solidFill>
-              <a:latin typeface="Calibri"/>
+              <a:latin typeface="Arial"/>
             </a:endParaRPr>
           </a:p>
           <a:p>
@@ -3448,18 +3109,12 @@
             </a:pPr>
             <a:r>
               <a:rPr b="0" lang="de-DE" sz="2000" spc="-1" strike="noStrike">
-                <a:solidFill>
-                  <a:srgbClr val="404040"/>
-                </a:solidFill>
-                <a:latin typeface="Calibri"/>
+                <a:latin typeface="Arial"/>
               </a:rPr>
               <a:t>Sechste Gliederungsebene</a:t>
             </a:r>
             <a:endParaRPr b="0" lang="de-DE" sz="2000" spc="-1" strike="noStrike">
-              <a:solidFill>
-                <a:srgbClr val="404040"/>
-              </a:solidFill>
-              <a:latin typeface="Calibri"/>
+              <a:latin typeface="Arial"/>
             </a:endParaRPr>
           </a:p>
           <a:p>
@@ -3476,18 +3131,12 @@
             </a:pPr>
             <a:r>
               <a:rPr b="0" lang="de-DE" sz="2000" spc="-1" strike="noStrike">
-                <a:solidFill>
-                  <a:srgbClr val="404040"/>
-                </a:solidFill>
-                <a:latin typeface="Calibri"/>
+                <a:latin typeface="Arial"/>
               </a:rPr>
               <a:t>Siebte Gliederungsebene</a:t>
             </a:r>
             <a:endParaRPr b="0" lang="de-DE" sz="2000" spc="-1" strike="noStrike">
-              <a:solidFill>
-                <a:srgbClr val="404040"/>
-              </a:solidFill>
-              <a:latin typeface="Calibri"/>
+              <a:latin typeface="Arial"/>
             </a:endParaRPr>
           </a:p>
         </p:txBody>
@@ -3538,14 +3187,14 @@
       </p:grpSpPr>
       <p:sp>
         <p:nvSpPr>
-          <p:cNvPr id="47" name="CustomShape 1"/>
+          <p:cNvPr id="44" name="CustomShape 1"/>
           <p:cNvSpPr/>
           <p:nvPr/>
         </p:nvSpPr>
         <p:spPr>
           <a:xfrm>
             <a:off x="0" y="6400800"/>
-            <a:ext cx="12191760" cy="456840"/>
+            <a:ext cx="12191400" cy="456480"/>
           </a:xfrm>
           <a:prstGeom prst="rect">
             <a:avLst/>
@@ -3574,14 +3223,14 @@
       </p:sp>
       <p:sp>
         <p:nvSpPr>
-          <p:cNvPr id="48" name="CustomShape 2"/>
+          <p:cNvPr id="45" name="CustomShape 2"/>
           <p:cNvSpPr/>
           <p:nvPr/>
         </p:nvSpPr>
         <p:spPr>
           <a:xfrm>
             <a:off x="0" y="6334200"/>
-            <a:ext cx="12191760" cy="65520"/>
+            <a:ext cx="12191400" cy="65160"/>
           </a:xfrm>
           <a:prstGeom prst="rect">
             <a:avLst/>
@@ -3610,7 +3259,7 @@
       </p:sp>
       <p:sp>
         <p:nvSpPr>
-          <p:cNvPr id="49" name="Line 3"/>
+          <p:cNvPr id="46" name="Line 3"/>
           <p:cNvSpPr/>
           <p:nvPr/>
         </p:nvSpPr>
@@ -3647,7 +3296,7 @@
       </p:sp>
       <p:sp>
         <p:nvSpPr>
-          <p:cNvPr id="50" name="PlaceHolder 4"/>
+          <p:cNvPr id="47" name="PlaceHolder 4"/>
           <p:cNvSpPr>
             <a:spLocks noGrp="1"/>
           </p:cNvSpPr>
@@ -3657,42 +3306,32 @@
         </p:nvSpPr>
         <p:spPr>
           <a:xfrm>
-            <a:off x="1097280" y="286560"/>
-            <a:ext cx="10058040" cy="1450440"/>
+            <a:off x="609480" y="273600"/>
+            <a:ext cx="10972440" cy="1144800"/>
           </a:xfrm>
           <a:prstGeom prst="rect">
             <a:avLst/>
           </a:prstGeom>
         </p:spPr>
         <p:txBody>
-          <a:bodyPr anchor="b"/>
-          <a:p>
-            <a:pPr>
-              <a:lnSpc>
-                <a:spcPct val="85000"/>
-              </a:lnSpc>
-            </a:pPr>
+          <a:bodyPr lIns="0" rIns="0" tIns="0" bIns="0" anchor="ctr"/>
+          <a:p>
+            <a:pPr algn="ctr"/>
             <a:r>
-              <a:rPr b="0" lang="de-DE" sz="4800" spc="-52" strike="noStrike">
-                <a:solidFill>
-                  <a:srgbClr val="404040"/>
-                </a:solidFill>
-                <a:latin typeface="Calibri Light"/>
+              <a:rPr b="0" lang="de-DE" sz="4400" spc="-1" strike="noStrike">
+                <a:latin typeface="Arial"/>
               </a:rPr>
-              <a:t>Titelmasterformat durch Klicken bearbeiten</a:t>
+              <a:t>Format des Titeltextes durch Klicken bearbeiten</a:t>
             </a:r>
-            <a:endParaRPr b="0" lang="de-DE" sz="4800" spc="-1" strike="noStrike">
-              <a:solidFill>
-                <a:srgbClr val="000000"/>
-              </a:solidFill>
-              <a:latin typeface="Calibri"/>
+            <a:endParaRPr b="0" lang="de-DE" sz="4400" spc="-1" strike="noStrike">
+              <a:latin typeface="Arial"/>
             </a:endParaRPr>
           </a:p>
         </p:txBody>
       </p:sp>
       <p:sp>
         <p:nvSpPr>
-          <p:cNvPr id="51" name="PlaceHolder 5"/>
+          <p:cNvPr id="48" name="PlaceHolder 5"/>
           <p:cNvSpPr>
             <a:spLocks noGrp="1"/>
           </p:cNvSpPr>
@@ -3702,290 +3341,169 @@
         </p:nvSpPr>
         <p:spPr>
           <a:xfrm>
-            <a:off x="1097280" y="1845720"/>
-            <a:ext cx="10058040" cy="4023000"/>
+            <a:off x="609480" y="1604520"/>
+            <a:ext cx="10972440" cy="3977280"/>
           </a:xfrm>
           <a:prstGeom prst="rect">
             <a:avLst/>
           </a:prstGeom>
         </p:spPr>
         <p:txBody>
-          <a:bodyPr lIns="0" rIns="0"/>
-          <a:p>
-            <a:pPr marL="91440" indent="-91080">
-              <a:lnSpc>
-                <a:spcPct val="90000"/>
-              </a:lnSpc>
+          <a:bodyPr lIns="0" rIns="0" tIns="0" bIns="0">
+            <a:normAutofit/>
+          </a:bodyPr>
+          <a:p>
+            <a:pPr marL="432000" indent="-324000">
               <a:spcBef>
-                <a:spcPts val="1199"/>
+                <a:spcPts val="1417"/>
               </a:spcBef>
-              <a:spcAft>
-                <a:spcPts val="201"/>
-              </a:spcAft>
               <a:buClr>
-                <a:srgbClr val="e48312"/>
+                <a:srgbClr val="000000"/>
               </a:buClr>
-              <a:buFont typeface="Calibri"/>
-              <a:buChar char=" "/>
+              <a:buSzPct val="45000"/>
+              <a:buFont typeface="Wingdings" charset="2"/>
+              <a:buChar char=""/>
+            </a:pPr>
+            <a:r>
+              <a:rPr b="0" lang="de-DE" sz="3200" spc="-1" strike="noStrike">
+                <a:latin typeface="Arial"/>
+              </a:rPr>
+              <a:t>Format des Gliederungstextes durch Klicken bearbeiten</a:t>
+            </a:r>
+            <a:endParaRPr b="0" lang="de-DE" sz="3200" spc="-1" strike="noStrike">
+              <a:latin typeface="Arial"/>
+            </a:endParaRPr>
+          </a:p>
+          <a:p>
+            <a:pPr lvl="1" marL="864000" indent="-324000">
+              <a:spcBef>
+                <a:spcPts val="1134"/>
+              </a:spcBef>
+              <a:buClr>
+                <a:srgbClr val="000000"/>
+              </a:buClr>
+              <a:buSzPct val="75000"/>
+              <a:buFont typeface="Symbol" charset="2"/>
+              <a:buChar char=""/>
+            </a:pPr>
+            <a:r>
+              <a:rPr b="0" lang="de-DE" sz="2800" spc="-1" strike="noStrike">
+                <a:latin typeface="Arial"/>
+              </a:rPr>
+              <a:t>Zweite Gliederungsebene</a:t>
+            </a:r>
+            <a:endParaRPr b="0" lang="de-DE" sz="2800" spc="-1" strike="noStrike">
+              <a:latin typeface="Arial"/>
+            </a:endParaRPr>
+          </a:p>
+          <a:p>
+            <a:pPr lvl="2" marL="1296000" indent="-288000">
+              <a:spcBef>
+                <a:spcPts val="850"/>
+              </a:spcBef>
+              <a:buClr>
+                <a:srgbClr val="000000"/>
+              </a:buClr>
+              <a:buSzPct val="45000"/>
+              <a:buFont typeface="Wingdings" charset="2"/>
+              <a:buChar char=""/>
+            </a:pPr>
+            <a:r>
+              <a:rPr b="0" lang="de-DE" sz="2400" spc="-1" strike="noStrike">
+                <a:latin typeface="Arial"/>
+              </a:rPr>
+              <a:t>Dritte Gliederungsebene</a:t>
+            </a:r>
+            <a:endParaRPr b="0" lang="de-DE" sz="2400" spc="-1" strike="noStrike">
+              <a:latin typeface="Arial"/>
+            </a:endParaRPr>
+          </a:p>
+          <a:p>
+            <a:pPr lvl="3" marL="1728000" indent="-216000">
+              <a:spcBef>
+                <a:spcPts val="567"/>
+              </a:spcBef>
+              <a:buClr>
+                <a:srgbClr val="000000"/>
+              </a:buClr>
+              <a:buSzPct val="75000"/>
+              <a:buFont typeface="Symbol" charset="2"/>
+              <a:buChar char=""/>
             </a:pPr>
             <a:r>
               <a:rPr b="0" lang="de-DE" sz="2000" spc="-1" strike="noStrike">
-                <a:solidFill>
-                  <a:srgbClr val="404040"/>
-                </a:solidFill>
-                <a:latin typeface="Calibri"/>
+                <a:latin typeface="Arial"/>
               </a:rPr>
-              <a:t>Textmasterformat bearbeiten</a:t>
+              <a:t>Vierte Gliederungsebene</a:t>
             </a:r>
             <a:endParaRPr b="0" lang="de-DE" sz="2000" spc="-1" strike="noStrike">
-              <a:solidFill>
-                <a:srgbClr val="404040"/>
-              </a:solidFill>
-              <a:latin typeface="Calibri"/>
-            </a:endParaRPr>
-          </a:p>
-          <a:p>
-            <a:pPr lvl="1" marL="384120" indent="-182520">
-              <a:lnSpc>
-                <a:spcPct val="90000"/>
-              </a:lnSpc>
+              <a:latin typeface="Arial"/>
+            </a:endParaRPr>
+          </a:p>
+          <a:p>
+            <a:pPr lvl="4" marL="2160000" indent="-216000">
               <a:spcBef>
-                <a:spcPts val="201"/>
+                <a:spcPts val="283"/>
               </a:spcBef>
-              <a:spcAft>
-                <a:spcPts val="400"/>
-              </a:spcAft>
               <a:buClr>
-                <a:srgbClr val="e48312"/>
+                <a:srgbClr val="000000"/>
               </a:buClr>
-              <a:buFont typeface="Calibri"/>
-              <a:buChar char="◦"/>
+              <a:buSzPct val="45000"/>
+              <a:buFont typeface="Wingdings" charset="2"/>
+              <a:buChar char=""/>
             </a:pPr>
             <a:r>
-              <a:rPr b="0" lang="de-DE" sz="1800" spc="-1" strike="noStrike">
-                <a:solidFill>
-                  <a:srgbClr val="404040"/>
-                </a:solidFill>
-                <a:latin typeface="Calibri"/>
+              <a:rPr b="0" lang="de-DE" sz="2000" spc="-1" strike="noStrike">
+                <a:latin typeface="Arial"/>
               </a:rPr>
-              <a:t>Zweite Ebene</a:t>
+              <a:t>Fünfte Gliederungsebene</a:t>
             </a:r>
-            <a:endParaRPr b="0" lang="de-DE" sz="1800" spc="-1" strike="noStrike">
-              <a:solidFill>
-                <a:srgbClr val="404040"/>
-              </a:solidFill>
-              <a:latin typeface="Calibri"/>
-            </a:endParaRPr>
-          </a:p>
-          <a:p>
-            <a:pPr lvl="2" marL="567000" indent="-182520">
-              <a:lnSpc>
-                <a:spcPct val="90000"/>
-              </a:lnSpc>
+            <a:endParaRPr b="0" lang="de-DE" sz="2000" spc="-1" strike="noStrike">
+              <a:latin typeface="Arial"/>
+            </a:endParaRPr>
+          </a:p>
+          <a:p>
+            <a:pPr lvl="5" marL="2592000" indent="-216000">
               <a:spcBef>
-                <a:spcPts val="201"/>
+                <a:spcPts val="283"/>
               </a:spcBef>
-              <a:spcAft>
-                <a:spcPts val="400"/>
-              </a:spcAft>
               <a:buClr>
-                <a:srgbClr val="e48312"/>
+                <a:srgbClr val="000000"/>
               </a:buClr>
-              <a:buFont typeface="Calibri"/>
-              <a:buChar char="◦"/>
+              <a:buSzPct val="45000"/>
+              <a:buFont typeface="Wingdings" charset="2"/>
+              <a:buChar char=""/>
             </a:pPr>
             <a:r>
-              <a:rPr b="0" lang="de-DE" sz="1400" spc="-1" strike="noStrike">
-                <a:solidFill>
-                  <a:srgbClr val="404040"/>
-                </a:solidFill>
-                <a:latin typeface="Calibri"/>
+              <a:rPr b="0" lang="de-DE" sz="2000" spc="-1" strike="noStrike">
+                <a:latin typeface="Arial"/>
               </a:rPr>
-              <a:t>Dritte Ebene</a:t>
+              <a:t>Sechste Gliederungsebene</a:t>
             </a:r>
-            <a:endParaRPr b="0" lang="de-DE" sz="1400" spc="-1" strike="noStrike">
-              <a:solidFill>
-                <a:srgbClr val="404040"/>
-              </a:solidFill>
-              <a:latin typeface="Calibri"/>
-            </a:endParaRPr>
-          </a:p>
-          <a:p>
-            <a:pPr lvl="3" marL="749880" indent="-182520">
-              <a:lnSpc>
-                <a:spcPct val="90000"/>
-              </a:lnSpc>
+            <a:endParaRPr b="0" lang="de-DE" sz="2000" spc="-1" strike="noStrike">
+              <a:latin typeface="Arial"/>
+            </a:endParaRPr>
+          </a:p>
+          <a:p>
+            <a:pPr lvl="6" marL="3024000" indent="-216000">
               <a:spcBef>
-                <a:spcPts val="201"/>
+                <a:spcPts val="283"/>
               </a:spcBef>
-              <a:spcAft>
-                <a:spcPts val="400"/>
-              </a:spcAft>
               <a:buClr>
-                <a:srgbClr val="e48312"/>
+                <a:srgbClr val="000000"/>
               </a:buClr>
-              <a:buFont typeface="Calibri"/>
-              <a:buChar char="◦"/>
+              <a:buSzPct val="45000"/>
+              <a:buFont typeface="Wingdings" charset="2"/>
+              <a:buChar char=""/>
             </a:pPr>
             <a:r>
-              <a:rPr b="0" lang="de-DE" sz="1400" spc="-1" strike="noStrike">
-                <a:solidFill>
-                  <a:srgbClr val="404040"/>
-                </a:solidFill>
-                <a:latin typeface="Calibri"/>
+              <a:rPr b="0" lang="de-DE" sz="2000" spc="-1" strike="noStrike">
+                <a:latin typeface="Arial"/>
               </a:rPr>
-              <a:t>Vierte Ebene</a:t>
+              <a:t>Siebte Gliederungsebene</a:t>
             </a:r>
-            <a:endParaRPr b="0" lang="de-DE" sz="1400" spc="-1" strike="noStrike">
-              <a:solidFill>
-                <a:srgbClr val="404040"/>
-              </a:solidFill>
-              <a:latin typeface="Calibri"/>
-            </a:endParaRPr>
-          </a:p>
-          <a:p>
-            <a:pPr lvl="4" marL="932760" indent="-182520">
-              <a:lnSpc>
-                <a:spcPct val="90000"/>
-              </a:lnSpc>
-              <a:spcBef>
-                <a:spcPts val="201"/>
-              </a:spcBef>
-              <a:spcAft>
-                <a:spcPts val="400"/>
-              </a:spcAft>
-              <a:buClr>
-                <a:srgbClr val="e48312"/>
-              </a:buClr>
-              <a:buFont typeface="Calibri"/>
-              <a:buChar char="◦"/>
-            </a:pPr>
-            <a:r>
-              <a:rPr b="0" lang="de-DE" sz="1400" spc="-1" strike="noStrike">
-                <a:solidFill>
-                  <a:srgbClr val="404040"/>
-                </a:solidFill>
-                <a:latin typeface="Calibri"/>
-              </a:rPr>
-              <a:t>Fünfte Ebene</a:t>
-            </a:r>
-            <a:endParaRPr b="0" lang="de-DE" sz="1400" spc="-1" strike="noStrike">
-              <a:solidFill>
-                <a:srgbClr val="404040"/>
-              </a:solidFill>
-              <a:latin typeface="Calibri"/>
-            </a:endParaRPr>
-          </a:p>
-        </p:txBody>
-      </p:sp>
-      <p:sp>
-        <p:nvSpPr>
-          <p:cNvPr id="52" name="PlaceHolder 6"/>
-          <p:cNvSpPr>
-            <a:spLocks noGrp="1"/>
-          </p:cNvSpPr>
-          <p:nvPr>
-            <p:ph type="dt"/>
-          </p:nvPr>
-        </p:nvSpPr>
-        <p:spPr>
-          <a:xfrm>
-            <a:off x="1097280" y="6459840"/>
-            <a:ext cx="2471760" cy="364680"/>
-          </a:xfrm>
-          <a:prstGeom prst="rect">
-            <a:avLst/>
-          </a:prstGeom>
-        </p:spPr>
-        <p:txBody>
-          <a:bodyPr anchor="ctr"/>
-          <a:p>
-            <a:pPr>
-              <a:lnSpc>
-                <a:spcPct val="100000"/>
-              </a:lnSpc>
-            </a:pPr>
-            <a:fld id="{68802E99-63E7-4817-A49B-2879534E53A3}" type="datetime">
-              <a:rPr b="0" lang="de-DE" sz="900" spc="-1" strike="noStrike">
-                <a:solidFill>
-                  <a:srgbClr val="ffffff"/>
-                </a:solidFill>
-                <a:latin typeface="Calibri"/>
-              </a:rPr>
-              <a:t>04.06.19</a:t>
-            </a:fld>
-            <a:endParaRPr b="0" lang="de-DE" sz="900" spc="-1" strike="noStrike">
-              <a:latin typeface="Times New Roman"/>
-            </a:endParaRPr>
-          </a:p>
-        </p:txBody>
-      </p:sp>
-      <p:sp>
-        <p:nvSpPr>
-          <p:cNvPr id="53" name="PlaceHolder 7"/>
-          <p:cNvSpPr>
-            <a:spLocks noGrp="1"/>
-          </p:cNvSpPr>
-          <p:nvPr>
-            <p:ph type="ftr"/>
-          </p:nvPr>
-        </p:nvSpPr>
-        <p:spPr>
-          <a:xfrm>
-            <a:off x="3686040" y="6459840"/>
-            <a:ext cx="4822560" cy="364680"/>
-          </a:xfrm>
-          <a:prstGeom prst="rect">
-            <a:avLst/>
-          </a:prstGeom>
-        </p:spPr>
-        <p:txBody>
-          <a:bodyPr anchor="ctr"/>
-          <a:p>
-            <a:endParaRPr b="0" lang="de-DE" sz="2400" spc="-1" strike="noStrike">
-              <a:latin typeface="Times New Roman"/>
-            </a:endParaRPr>
-          </a:p>
-        </p:txBody>
-      </p:sp>
-      <p:sp>
-        <p:nvSpPr>
-          <p:cNvPr id="54" name="PlaceHolder 8"/>
-          <p:cNvSpPr>
-            <a:spLocks noGrp="1"/>
-          </p:cNvSpPr>
-          <p:nvPr>
-            <p:ph type="sldNum"/>
-          </p:nvPr>
-        </p:nvSpPr>
-        <p:spPr>
-          <a:xfrm>
-            <a:off x="9900360" y="6459840"/>
-            <a:ext cx="1311840" cy="364680"/>
-          </a:xfrm>
-          <a:prstGeom prst="rect">
-            <a:avLst/>
-          </a:prstGeom>
-        </p:spPr>
-        <p:txBody>
-          <a:bodyPr anchor="ctr"/>
-          <a:p>
-            <a:pPr algn="r">
-              <a:lnSpc>
-                <a:spcPct val="100000"/>
-              </a:lnSpc>
-            </a:pPr>
-            <a:fld id="{F2151813-9AAB-4B1B-82DB-B4D5E6F16787}" type="slidenum">
-              <a:rPr b="0" lang="de-DE" sz="1050" spc="-1" strike="noStrike">
-                <a:solidFill>
-                  <a:srgbClr val="ffffff"/>
-                </a:solidFill>
-                <a:latin typeface="Calibri"/>
-              </a:rPr>
-              <a:t>&lt;Foliennummer&gt;</a:t>
-            </a:fld>
-            <a:endParaRPr b="0" lang="de-DE" sz="1050" spc="-1" strike="noStrike">
-              <a:latin typeface="Times New Roman"/>
+            <a:endParaRPr b="0" lang="de-DE" sz="2000" spc="-1" strike="noStrike">
+              <a:latin typeface="Arial"/>
             </a:endParaRPr>
           </a:p>
         </p:txBody>
@@ -4029,14 +3547,14 @@
       </p:grpSpPr>
       <p:sp>
         <p:nvSpPr>
-          <p:cNvPr id="91" name="TextShape 1"/>
-          <p:cNvSpPr txBox="1"/>
+          <p:cNvPr id="85" name="CustomShape 1"/>
+          <p:cNvSpPr/>
           <p:nvPr/>
         </p:nvSpPr>
         <p:spPr>
           <a:xfrm>
             <a:off x="1097280" y="758880"/>
-            <a:ext cx="10058040" cy="3565800"/>
+            <a:ext cx="10057680" cy="3565440"/>
           </a:xfrm>
           <a:prstGeom prst="rect">
             <a:avLst/>
@@ -4046,8 +3564,14 @@
             <a:noFill/>
           </a:ln>
         </p:spPr>
+        <p:style>
+          <a:lnRef idx="0"/>
+          <a:fillRef idx="0"/>
+          <a:effectRef idx="0"/>
+          <a:fontRef idx="minor"/>
+        </p:style>
         <p:txBody>
-          <a:bodyPr anchor="b"/>
+          <a:bodyPr lIns="90000" rIns="90000" tIns="45000" bIns="45000" anchor="b"/>
           <a:p>
             <a:pPr>
               <a:lnSpc>
@@ -4064,24 +3588,21 @@
               <a:t>Error: NameNotFound</a:t>
             </a:r>
             <a:endParaRPr b="0" lang="de-DE" sz="8000" spc="-1" strike="noStrike">
-              <a:solidFill>
-                <a:srgbClr val="000000"/>
-              </a:solidFill>
-              <a:latin typeface="Calibri"/>
+              <a:latin typeface="Arial"/>
             </a:endParaRPr>
           </a:p>
         </p:txBody>
       </p:sp>
       <p:sp>
         <p:nvSpPr>
-          <p:cNvPr id="92" name="TextShape 2"/>
-          <p:cNvSpPr txBox="1"/>
+          <p:cNvPr id="86" name="CustomShape 2"/>
+          <p:cNvSpPr/>
           <p:nvPr/>
         </p:nvSpPr>
         <p:spPr>
           <a:xfrm>
             <a:off x="1100160" y="4455720"/>
-            <a:ext cx="10058040" cy="1142640"/>
+            <a:ext cx="10057680" cy="1142280"/>
           </a:xfrm>
           <a:prstGeom prst="rect">
             <a:avLst/>
@@ -4091,8 +3612,14 @@
             <a:noFill/>
           </a:ln>
         </p:spPr>
+        <p:style>
+          <a:lnRef idx="0"/>
+          <a:fillRef idx="0"/>
+          <a:effectRef idx="0"/>
+          <a:fontRef idx="minor"/>
+        </p:style>
         <p:txBody>
-          <a:bodyPr/>
+          <a:bodyPr lIns="90000" rIns="90000" tIns="45000" bIns="45000"/>
           <a:p>
             <a:pPr>
               <a:lnSpc>
@@ -4106,7 +3633,7 @@
               </a:spcAft>
             </a:pPr>
             <a:r>
-              <a:rPr b="0" lang="de-DE" sz="2400" spc="199" strike="noStrike" cap="all">
+              <a:rPr b="0" lang="de-DE" sz="2400" spc="197" strike="noStrike" cap="all">
                 <a:solidFill>
                   <a:srgbClr val="637052"/>
                 </a:solidFill>
@@ -4179,14 +3706,14 @@
       </p:grpSpPr>
       <p:sp>
         <p:nvSpPr>
-          <p:cNvPr id="109" name="TextShape 1"/>
-          <p:cNvSpPr txBox="1"/>
+          <p:cNvPr id="103" name="CustomShape 1"/>
+          <p:cNvSpPr/>
           <p:nvPr/>
         </p:nvSpPr>
         <p:spPr>
           <a:xfrm>
             <a:off x="1097280" y="286560"/>
-            <a:ext cx="10058040" cy="1450440"/>
+            <a:ext cx="10057680" cy="1450080"/>
           </a:xfrm>
           <a:prstGeom prst="rect">
             <a:avLst/>
@@ -4196,8 +3723,14 @@
             <a:noFill/>
           </a:ln>
         </p:spPr>
+        <p:style>
+          <a:lnRef idx="0"/>
+          <a:fillRef idx="0"/>
+          <a:effectRef idx="0"/>
+          <a:fontRef idx="minor"/>
+        </p:style>
         <p:txBody>
-          <a:bodyPr anchor="b"/>
+          <a:bodyPr lIns="90000" rIns="90000" tIns="45000" bIns="45000" anchor="b"/>
           <a:p>
             <a:pPr>
               <a:lnSpc>
@@ -4214,24 +3747,21 @@
               <a:t>Fazit</a:t>
             </a:r>
             <a:endParaRPr b="0" lang="de-DE" sz="4800" spc="-1" strike="noStrike">
-              <a:solidFill>
-                <a:srgbClr val="000000"/>
-              </a:solidFill>
-              <a:latin typeface="Calibri"/>
+              <a:latin typeface="Arial"/>
             </a:endParaRPr>
           </a:p>
         </p:txBody>
       </p:sp>
       <p:sp>
         <p:nvSpPr>
-          <p:cNvPr id="110" name="TextShape 2"/>
-          <p:cNvSpPr txBox="1"/>
+          <p:cNvPr id="104" name="CustomShape 2"/>
+          <p:cNvSpPr/>
           <p:nvPr/>
         </p:nvSpPr>
         <p:spPr>
           <a:xfrm>
             <a:off x="1097280" y="1845720"/>
-            <a:ext cx="10058040" cy="4023000"/>
+            <a:ext cx="10057680" cy="4022640"/>
           </a:xfrm>
           <a:prstGeom prst="rect">
             <a:avLst/>
@@ -4241,10 +3771,16 @@
             <a:noFill/>
           </a:ln>
         </p:spPr>
+        <p:style>
+          <a:lnRef idx="0"/>
+          <a:fillRef idx="0"/>
+          <a:effectRef idx="0"/>
+          <a:fontRef idx="minor"/>
+        </p:style>
         <p:txBody>
-          <a:bodyPr lIns="0" rIns="0"/>
-          <a:p>
-            <a:pPr marL="91440" indent="-91080">
+          <a:bodyPr lIns="0" rIns="0" tIns="45000" bIns="45000"/>
+          <a:p>
+            <a:pPr marL="91440" indent="-90720">
               <a:lnSpc>
                 <a:spcPct val="90000"/>
               </a:lnSpc>
@@ -4270,10 +3806,7 @@
               <a:t> </a:t>
             </a:r>
             <a:endParaRPr b="0" lang="de-DE" sz="2000" spc="-1" strike="noStrike">
-              <a:solidFill>
-                <a:srgbClr val="404040"/>
-              </a:solidFill>
-              <a:latin typeface="Calibri"/>
+              <a:latin typeface="Arial"/>
             </a:endParaRPr>
           </a:p>
         </p:txBody>
@@ -4337,14 +3870,14 @@
       </p:grpSpPr>
       <p:sp>
         <p:nvSpPr>
-          <p:cNvPr id="93" name="TextShape 1"/>
-          <p:cNvSpPr txBox="1"/>
+          <p:cNvPr id="87" name="CustomShape 1"/>
+          <p:cNvSpPr/>
           <p:nvPr/>
         </p:nvSpPr>
         <p:spPr>
           <a:xfrm>
             <a:off x="1097280" y="286560"/>
-            <a:ext cx="10058040" cy="1450440"/>
+            <a:ext cx="10057680" cy="1450080"/>
           </a:xfrm>
           <a:prstGeom prst="rect">
             <a:avLst/>
@@ -4354,8 +3887,14 @@
             <a:noFill/>
           </a:ln>
         </p:spPr>
+        <p:style>
+          <a:lnRef idx="0"/>
+          <a:fillRef idx="0"/>
+          <a:effectRef idx="0"/>
+          <a:fontRef idx="minor"/>
+        </p:style>
         <p:txBody>
-          <a:bodyPr anchor="b"/>
+          <a:bodyPr lIns="90000" rIns="90000" tIns="45000" bIns="45000" anchor="b"/>
           <a:p>
             <a:pPr>
               <a:lnSpc>
@@ -4372,24 +3911,21 @@
               <a:t>Inhaltsverzeichnis</a:t>
             </a:r>
             <a:endParaRPr b="0" lang="de-DE" sz="4800" spc="-1" strike="noStrike">
-              <a:solidFill>
-                <a:srgbClr val="000000"/>
-              </a:solidFill>
-              <a:latin typeface="Calibri"/>
+              <a:latin typeface="Arial"/>
             </a:endParaRPr>
           </a:p>
         </p:txBody>
       </p:sp>
       <p:sp>
         <p:nvSpPr>
-          <p:cNvPr id="94" name="TextShape 2"/>
-          <p:cNvSpPr txBox="1"/>
+          <p:cNvPr id="88" name="CustomShape 2"/>
+          <p:cNvSpPr/>
           <p:nvPr/>
         </p:nvSpPr>
         <p:spPr>
           <a:xfrm>
             <a:off x="1097280" y="1845720"/>
-            <a:ext cx="10058040" cy="4023000"/>
+            <a:ext cx="10057680" cy="4022640"/>
           </a:xfrm>
           <a:prstGeom prst="rect">
             <a:avLst/>
@@ -4399,10 +3935,16 @@
             <a:noFill/>
           </a:ln>
         </p:spPr>
+        <p:style>
+          <a:lnRef idx="0"/>
+          <a:fillRef idx="0"/>
+          <a:effectRef idx="0"/>
+          <a:fontRef idx="minor"/>
+        </p:style>
         <p:txBody>
-          <a:bodyPr lIns="0" rIns="0"/>
-          <a:p>
-            <a:pPr marL="91440" indent="-91080">
+          <a:bodyPr lIns="0" rIns="0" tIns="45000" bIns="45000"/>
+          <a:p>
+            <a:pPr marL="91440" indent="-90720">
               <a:lnSpc>
                 <a:spcPct val="90000"/>
               </a:lnSpc>
@@ -4428,14 +3970,11 @@
               <a:t>Inhaltsverzeichnis</a:t>
             </a:r>
             <a:endParaRPr b="0" lang="de-DE" sz="2000" spc="-1" strike="noStrike">
-              <a:solidFill>
-                <a:srgbClr val="404040"/>
-              </a:solidFill>
-              <a:latin typeface="Calibri"/>
-            </a:endParaRPr>
-          </a:p>
-          <a:p>
-            <a:pPr marL="91440" indent="-91080">
+              <a:latin typeface="Arial"/>
+            </a:endParaRPr>
+          </a:p>
+          <a:p>
+            <a:pPr marL="91440" indent="-90720">
               <a:lnSpc>
                 <a:spcPct val="90000"/>
               </a:lnSpc>
@@ -4461,14 +4000,11 @@
               <a:t>Vorstellung der Projektgruppe</a:t>
             </a:r>
             <a:endParaRPr b="0" lang="de-DE" sz="2000" spc="-1" strike="noStrike">
-              <a:solidFill>
-                <a:srgbClr val="404040"/>
-              </a:solidFill>
-              <a:latin typeface="Calibri"/>
-            </a:endParaRPr>
-          </a:p>
-          <a:p>
-            <a:pPr marL="91440" indent="-91080">
+              <a:latin typeface="Arial"/>
+            </a:endParaRPr>
+          </a:p>
+          <a:p>
+            <a:pPr marL="91440" indent="-90720">
               <a:lnSpc>
                 <a:spcPct val="90000"/>
               </a:lnSpc>
@@ -4494,14 +4030,11 @@
               <a:t>Projektbeschreibung</a:t>
             </a:r>
             <a:endParaRPr b="0" lang="de-DE" sz="2000" spc="-1" strike="noStrike">
-              <a:solidFill>
-                <a:srgbClr val="404040"/>
-              </a:solidFill>
-              <a:latin typeface="Calibri"/>
-            </a:endParaRPr>
-          </a:p>
-          <a:p>
-            <a:pPr marL="91440" indent="-91080">
+              <a:latin typeface="Arial"/>
+            </a:endParaRPr>
+          </a:p>
+          <a:p>
+            <a:pPr marL="91440" indent="-90720">
               <a:lnSpc>
                 <a:spcPct val="90000"/>
               </a:lnSpc>
@@ -4527,14 +4060,11 @@
               <a:t>Vorstellung des Ursprungsprogrammes</a:t>
             </a:r>
             <a:endParaRPr b="0" lang="de-DE" sz="2000" spc="-1" strike="noStrike">
-              <a:solidFill>
-                <a:srgbClr val="404040"/>
-              </a:solidFill>
-              <a:latin typeface="Calibri"/>
-            </a:endParaRPr>
-          </a:p>
-          <a:p>
-            <a:pPr marL="91440" indent="-91080">
+              <a:latin typeface="Arial"/>
+            </a:endParaRPr>
+          </a:p>
+          <a:p>
+            <a:pPr marL="91440" indent="-90720">
               <a:lnSpc>
                 <a:spcPct val="90000"/>
               </a:lnSpc>
@@ -4560,14 +4090,11 @@
               <a:t>Zeigen des Programms</a:t>
             </a:r>
             <a:endParaRPr b="0" lang="de-DE" sz="2000" spc="-1" strike="noStrike">
-              <a:solidFill>
-                <a:srgbClr val="404040"/>
-              </a:solidFill>
-              <a:latin typeface="Calibri"/>
-            </a:endParaRPr>
-          </a:p>
-          <a:p>
-            <a:pPr marL="91440" indent="-91080">
+              <a:latin typeface="Arial"/>
+            </a:endParaRPr>
+          </a:p>
+          <a:p>
+            <a:pPr marL="91440" indent="-90720">
               <a:lnSpc>
                 <a:spcPct val="90000"/>
               </a:lnSpc>
@@ -4593,14 +4120,11 @@
               <a:t>Zeitplanung/Umsetzung</a:t>
             </a:r>
             <a:endParaRPr b="0" lang="de-DE" sz="2000" spc="-1" strike="noStrike">
-              <a:solidFill>
-                <a:srgbClr val="404040"/>
-              </a:solidFill>
-              <a:latin typeface="Calibri"/>
-            </a:endParaRPr>
-          </a:p>
-          <a:p>
-            <a:pPr marL="91440" indent="-91080">
+              <a:latin typeface="Arial"/>
+            </a:endParaRPr>
+          </a:p>
+          <a:p>
+            <a:pPr marL="91440" indent="-90720">
               <a:lnSpc>
                 <a:spcPct val="90000"/>
               </a:lnSpc>
@@ -4626,14 +4150,11 @@
               <a:t>Probleme</a:t>
             </a:r>
             <a:endParaRPr b="0" lang="de-DE" sz="2000" spc="-1" strike="noStrike">
-              <a:solidFill>
-                <a:srgbClr val="404040"/>
-              </a:solidFill>
-              <a:latin typeface="Calibri"/>
-            </a:endParaRPr>
-          </a:p>
-          <a:p>
-            <a:pPr marL="91440" indent="-91080">
+              <a:latin typeface="Arial"/>
+            </a:endParaRPr>
+          </a:p>
+          <a:p>
+            <a:pPr marL="91440" indent="-90720">
               <a:lnSpc>
                 <a:spcPct val="90000"/>
               </a:lnSpc>
@@ -4659,14 +4180,11 @@
               <a:t>Mögliche Problemlösungen</a:t>
             </a:r>
             <a:endParaRPr b="0" lang="de-DE" sz="2000" spc="-1" strike="noStrike">
-              <a:solidFill>
-                <a:srgbClr val="404040"/>
-              </a:solidFill>
-              <a:latin typeface="Calibri"/>
-            </a:endParaRPr>
-          </a:p>
-          <a:p>
-            <a:pPr marL="91440" indent="-91080">
+              <a:latin typeface="Arial"/>
+            </a:endParaRPr>
+          </a:p>
+          <a:p>
+            <a:pPr marL="91440" indent="-90720">
               <a:lnSpc>
                 <a:spcPct val="90000"/>
               </a:lnSpc>
@@ -4692,10 +4210,7 @@
               <a:t>Fazit</a:t>
             </a:r>
             <a:endParaRPr b="0" lang="de-DE" sz="2000" spc="-1" strike="noStrike">
-              <a:solidFill>
-                <a:srgbClr val="404040"/>
-              </a:solidFill>
-              <a:latin typeface="Calibri"/>
+              <a:latin typeface="Arial"/>
             </a:endParaRPr>
           </a:p>
           <a:p>
@@ -4711,10 +4226,7 @@
               </a:spcAft>
             </a:pPr>
             <a:endParaRPr b="0" lang="de-DE" sz="2000" spc="-1" strike="noStrike">
-              <a:solidFill>
-                <a:srgbClr val="404040"/>
-              </a:solidFill>
-              <a:latin typeface="Calibri"/>
+              <a:latin typeface="Arial"/>
             </a:endParaRPr>
           </a:p>
         </p:txBody>
@@ -4778,14 +4290,14 @@
       </p:grpSpPr>
       <p:sp>
         <p:nvSpPr>
-          <p:cNvPr id="95" name="TextShape 1"/>
-          <p:cNvSpPr txBox="1"/>
+          <p:cNvPr id="89" name="CustomShape 1"/>
+          <p:cNvSpPr/>
           <p:nvPr/>
         </p:nvSpPr>
         <p:spPr>
           <a:xfrm>
             <a:off x="1097280" y="286560"/>
-            <a:ext cx="10058040" cy="1450440"/>
+            <a:ext cx="10057680" cy="1450080"/>
           </a:xfrm>
           <a:prstGeom prst="rect">
             <a:avLst/>
@@ -4795,8 +4307,14 @@
             <a:noFill/>
           </a:ln>
         </p:spPr>
+        <p:style>
+          <a:lnRef idx="0"/>
+          <a:fillRef idx="0"/>
+          <a:effectRef idx="0"/>
+          <a:fontRef idx="minor"/>
+        </p:style>
         <p:txBody>
-          <a:bodyPr anchor="b"/>
+          <a:bodyPr lIns="90000" rIns="90000" tIns="45000" bIns="45000" anchor="b"/>
           <a:p>
             <a:pPr>
               <a:lnSpc>
@@ -4813,24 +4331,21 @@
               <a:t>Vorstellung der Projektgruppe</a:t>
             </a:r>
             <a:endParaRPr b="0" lang="de-DE" sz="4800" spc="-1" strike="noStrike">
-              <a:solidFill>
-                <a:srgbClr val="000000"/>
-              </a:solidFill>
-              <a:latin typeface="Calibri"/>
+              <a:latin typeface="Arial"/>
             </a:endParaRPr>
           </a:p>
         </p:txBody>
       </p:sp>
       <p:sp>
         <p:nvSpPr>
-          <p:cNvPr id="96" name="TextShape 2"/>
-          <p:cNvSpPr txBox="1"/>
+          <p:cNvPr id="90" name="CustomShape 2"/>
+          <p:cNvSpPr/>
           <p:nvPr/>
         </p:nvSpPr>
         <p:spPr>
           <a:xfrm>
             <a:off x="1097280" y="1845720"/>
-            <a:ext cx="10058040" cy="4023000"/>
+            <a:ext cx="10057680" cy="4022640"/>
           </a:xfrm>
           <a:prstGeom prst="rect">
             <a:avLst/>
@@ -4840,10 +4355,16 @@
             <a:noFill/>
           </a:ln>
         </p:spPr>
+        <p:style>
+          <a:lnRef idx="0"/>
+          <a:fillRef idx="0"/>
+          <a:effectRef idx="0"/>
+          <a:fontRef idx="minor"/>
+        </p:style>
         <p:txBody>
-          <a:bodyPr lIns="0" rIns="0"/>
-          <a:p>
-            <a:pPr marL="91440" indent="-91080">
+          <a:bodyPr lIns="0" rIns="0" tIns="45000" bIns="45000"/>
+          <a:p>
+            <a:pPr marL="91440" indent="-90720">
               <a:lnSpc>
                 <a:spcPct val="90000"/>
               </a:lnSpc>
@@ -4869,10 +4390,7 @@
               <a:t> </a:t>
             </a:r>
             <a:endParaRPr b="0" lang="de-DE" sz="2000" spc="-1" strike="noStrike">
-              <a:solidFill>
-                <a:srgbClr val="404040"/>
-              </a:solidFill>
-              <a:latin typeface="Calibri"/>
+              <a:latin typeface="Arial"/>
             </a:endParaRPr>
           </a:p>
         </p:txBody>
@@ -4936,14 +4454,14 @@
       </p:grpSpPr>
       <p:sp>
         <p:nvSpPr>
-          <p:cNvPr id="97" name="TextShape 1"/>
-          <p:cNvSpPr txBox="1"/>
+          <p:cNvPr id="91" name="CustomShape 1"/>
+          <p:cNvSpPr/>
           <p:nvPr/>
         </p:nvSpPr>
         <p:spPr>
           <a:xfrm>
             <a:off x="1097280" y="286560"/>
-            <a:ext cx="10058040" cy="1450440"/>
+            <a:ext cx="10057680" cy="1450080"/>
           </a:xfrm>
           <a:prstGeom prst="rect">
             <a:avLst/>
@@ -4953,8 +4471,14 @@
             <a:noFill/>
           </a:ln>
         </p:spPr>
+        <p:style>
+          <a:lnRef idx="0"/>
+          <a:fillRef idx="0"/>
+          <a:effectRef idx="0"/>
+          <a:fontRef idx="minor"/>
+        </p:style>
         <p:txBody>
-          <a:bodyPr anchor="b"/>
+          <a:bodyPr lIns="90000" rIns="90000" tIns="45000" bIns="45000" anchor="b"/>
           <a:p>
             <a:pPr>
               <a:lnSpc>
@@ -4971,24 +4495,21 @@
               <a:t>Projektbeschreibung</a:t>
             </a:r>
             <a:endParaRPr b="0" lang="de-DE" sz="4800" spc="-1" strike="noStrike">
-              <a:solidFill>
-                <a:srgbClr val="000000"/>
-              </a:solidFill>
-              <a:latin typeface="Calibri"/>
+              <a:latin typeface="Arial"/>
             </a:endParaRPr>
           </a:p>
         </p:txBody>
       </p:sp>
       <p:sp>
         <p:nvSpPr>
-          <p:cNvPr id="98" name="TextShape 2"/>
-          <p:cNvSpPr txBox="1"/>
+          <p:cNvPr id="92" name="CustomShape 2"/>
+          <p:cNvSpPr/>
           <p:nvPr/>
         </p:nvSpPr>
         <p:spPr>
           <a:xfrm>
             <a:off x="1066680" y="1981080"/>
-            <a:ext cx="10058040" cy="4023000"/>
+            <a:ext cx="10057680" cy="4022640"/>
           </a:xfrm>
           <a:prstGeom prst="rect">
             <a:avLst/>
@@ -4998,12 +4519,18 @@
             <a:noFill/>
           </a:ln>
         </p:spPr>
+        <p:style>
+          <a:lnRef idx="0"/>
+          <a:fillRef idx="0"/>
+          <a:effectRef idx="0"/>
+          <a:fontRef idx="minor"/>
+        </p:style>
         <p:txBody>
-          <a:bodyPr lIns="0" rIns="0">
+          <a:bodyPr lIns="0" rIns="0" tIns="45000" bIns="45000">
             <a:normAutofit/>
           </a:bodyPr>
           <a:p>
-            <a:pPr marL="700920" indent="-342720">
+            <a:pPr marL="700920" indent="-342360">
               <a:lnSpc>
                 <a:spcPct val="107000"/>
               </a:lnSpc>
@@ -5030,14 +4557,11 @@
               <a:t>Ziel: Ablösen von „Logiflash“. </a:t>
             </a:r>
             <a:endParaRPr b="0" lang="de-DE" sz="2000" spc="-1" strike="noStrike">
-              <a:solidFill>
-                <a:srgbClr val="404040"/>
-              </a:solidFill>
-              <a:latin typeface="Calibri"/>
-            </a:endParaRPr>
-          </a:p>
-          <a:p>
-            <a:pPr marL="700920" indent="-342720">
+              <a:latin typeface="Arial"/>
+            </a:endParaRPr>
+          </a:p>
+          <a:p>
+            <a:pPr marL="700920" indent="-342360">
               <a:lnSpc>
                 <a:spcPct val="107000"/>
               </a:lnSpc>
@@ -5064,14 +4588,11 @@
               <a:t>Programmiersprache: C#(WPF)</a:t>
             </a:r>
             <a:endParaRPr b="0" lang="de-DE" sz="2000" spc="-1" strike="noStrike">
-              <a:solidFill>
-                <a:srgbClr val="404040"/>
-              </a:solidFill>
-              <a:latin typeface="Calibri"/>
-            </a:endParaRPr>
-          </a:p>
-          <a:p>
-            <a:pPr marL="700920" indent="-342720">
+              <a:latin typeface="Arial"/>
+            </a:endParaRPr>
+          </a:p>
+          <a:p>
+            <a:pPr marL="700920" indent="-342360">
               <a:lnSpc>
                 <a:spcPct val="107000"/>
               </a:lnSpc>
@@ -5098,14 +4619,11 @@
               <a:t>Programmierumgebung: Visual Studio</a:t>
             </a:r>
             <a:endParaRPr b="0" lang="de-DE" sz="2000" spc="-1" strike="noStrike">
-              <a:solidFill>
-                <a:srgbClr val="404040"/>
-              </a:solidFill>
-              <a:latin typeface="Calibri"/>
-            </a:endParaRPr>
-          </a:p>
-          <a:p>
-            <a:pPr marL="700920" indent="-342720">
+              <a:latin typeface="Arial"/>
+            </a:endParaRPr>
+          </a:p>
+          <a:p>
+            <a:pPr marL="700920" indent="-342360">
               <a:lnSpc>
                 <a:spcPct val="107000"/>
               </a:lnSpc>
@@ -5138,14 +4656,12 @@
                   <a:srgbClr val="404040"/>
                 </a:solidFill>
                 <a:latin typeface="Calibri"/>
+                <a:ea typeface="Yu Mincho"/>
               </a:rPr>
               <a:t> </a:t>
             </a:r>
             <a:endParaRPr b="0" lang="de-DE" sz="1800" spc="-1" strike="noStrike">
-              <a:solidFill>
-                <a:srgbClr val="404040"/>
-              </a:solidFill>
-              <a:latin typeface="Calibri"/>
+              <a:latin typeface="Arial"/>
             </a:endParaRPr>
           </a:p>
           <a:p>
@@ -5161,10 +4677,7 @@
               </a:spcAft>
             </a:pPr>
             <a:endParaRPr b="0" lang="de-DE" sz="1800" spc="-1" strike="noStrike">
-              <a:solidFill>
-                <a:srgbClr val="404040"/>
-              </a:solidFill>
-              <a:latin typeface="Calibri"/>
+              <a:latin typeface="Arial"/>
             </a:endParaRPr>
           </a:p>
         </p:txBody>
@@ -5228,14 +4741,14 @@
       </p:grpSpPr>
       <p:sp>
         <p:nvSpPr>
-          <p:cNvPr id="99" name="TextShape 1"/>
-          <p:cNvSpPr txBox="1"/>
+          <p:cNvPr id="93" name="CustomShape 1"/>
+          <p:cNvSpPr/>
           <p:nvPr/>
         </p:nvSpPr>
         <p:spPr>
           <a:xfrm>
             <a:off x="1097280" y="286560"/>
-            <a:ext cx="10058040" cy="1450440"/>
+            <a:ext cx="10057680" cy="1450080"/>
           </a:xfrm>
           <a:prstGeom prst="rect">
             <a:avLst/>
@@ -5245,8 +4758,14 @@
             <a:noFill/>
           </a:ln>
         </p:spPr>
+        <p:style>
+          <a:lnRef idx="0"/>
+          <a:fillRef idx="0"/>
+          <a:effectRef idx="0"/>
+          <a:fontRef idx="minor"/>
+        </p:style>
         <p:txBody>
-          <a:bodyPr anchor="b"/>
+          <a:bodyPr lIns="90000" rIns="90000" tIns="45000" bIns="45000" anchor="b"/>
           <a:p>
             <a:pPr>
               <a:lnSpc>
@@ -5263,24 +4782,21 @@
               <a:t>Vorstellung des Ursprungsprogrammes</a:t>
             </a:r>
             <a:endParaRPr b="0" lang="de-DE" sz="4800" spc="-1" strike="noStrike">
-              <a:solidFill>
-                <a:srgbClr val="000000"/>
-              </a:solidFill>
-              <a:latin typeface="Calibri"/>
+              <a:latin typeface="Arial"/>
             </a:endParaRPr>
           </a:p>
         </p:txBody>
       </p:sp>
       <p:sp>
         <p:nvSpPr>
-          <p:cNvPr id="100" name="TextShape 2"/>
-          <p:cNvSpPr txBox="1"/>
+          <p:cNvPr id="94" name="CustomShape 2"/>
+          <p:cNvSpPr/>
           <p:nvPr/>
         </p:nvSpPr>
         <p:spPr>
           <a:xfrm>
             <a:off x="1097280" y="1845720"/>
-            <a:ext cx="10058040" cy="4023000"/>
+            <a:ext cx="10057680" cy="4022640"/>
           </a:xfrm>
           <a:prstGeom prst="rect">
             <a:avLst/>
@@ -5290,10 +4806,16 @@
             <a:noFill/>
           </a:ln>
         </p:spPr>
+        <p:style>
+          <a:lnRef idx="0"/>
+          <a:fillRef idx="0"/>
+          <a:effectRef idx="0"/>
+          <a:fontRef idx="minor"/>
+        </p:style>
         <p:txBody>
-          <a:bodyPr lIns="0" rIns="0"/>
-          <a:p>
-            <a:pPr marL="91440" indent="-91080">
+          <a:bodyPr lIns="0" rIns="0" tIns="45000" bIns="45000"/>
+          <a:p>
+            <a:pPr marL="91440" indent="-90720">
               <a:lnSpc>
                 <a:spcPct val="90000"/>
               </a:lnSpc>
@@ -5319,10 +4841,7 @@
               <a:t> </a:t>
             </a:r>
             <a:endParaRPr b="0" lang="de-DE" sz="2000" spc="-1" strike="noStrike">
-              <a:solidFill>
-                <a:srgbClr val="404040"/>
-              </a:solidFill>
-              <a:latin typeface="Calibri"/>
+              <a:latin typeface="Arial"/>
             </a:endParaRPr>
           </a:p>
         </p:txBody>
@@ -5386,14 +4905,14 @@
       </p:grpSpPr>
       <p:sp>
         <p:nvSpPr>
-          <p:cNvPr id="101" name="TextShape 1"/>
-          <p:cNvSpPr txBox="1"/>
+          <p:cNvPr id="95" name="CustomShape 1"/>
+          <p:cNvSpPr/>
           <p:nvPr/>
         </p:nvSpPr>
         <p:spPr>
           <a:xfrm>
             <a:off x="1097280" y="286560"/>
-            <a:ext cx="10058040" cy="1450440"/>
+            <a:ext cx="10057680" cy="1450080"/>
           </a:xfrm>
           <a:prstGeom prst="rect">
             <a:avLst/>
@@ -5403,8 +4922,14 @@
             <a:noFill/>
           </a:ln>
         </p:spPr>
+        <p:style>
+          <a:lnRef idx="0"/>
+          <a:fillRef idx="0"/>
+          <a:effectRef idx="0"/>
+          <a:fontRef idx="minor"/>
+        </p:style>
         <p:txBody>
-          <a:bodyPr anchor="b"/>
+          <a:bodyPr lIns="90000" rIns="90000" tIns="45000" bIns="45000" anchor="b"/>
           <a:p>
             <a:pPr>
               <a:lnSpc>
@@ -5421,24 +4946,21 @@
               <a:t>Zeigen des Programs</a:t>
             </a:r>
             <a:endParaRPr b="0" lang="de-DE" sz="4800" spc="-1" strike="noStrike">
-              <a:solidFill>
-                <a:srgbClr val="000000"/>
-              </a:solidFill>
-              <a:latin typeface="Calibri"/>
+              <a:latin typeface="Arial"/>
             </a:endParaRPr>
           </a:p>
         </p:txBody>
       </p:sp>
       <p:sp>
         <p:nvSpPr>
-          <p:cNvPr id="102" name="TextShape 2"/>
-          <p:cNvSpPr txBox="1"/>
+          <p:cNvPr id="96" name="CustomShape 2"/>
+          <p:cNvSpPr/>
           <p:nvPr/>
         </p:nvSpPr>
         <p:spPr>
           <a:xfrm>
             <a:off x="1097280" y="1845720"/>
-            <a:ext cx="10058040" cy="4023000"/>
+            <a:ext cx="10057680" cy="4022640"/>
           </a:xfrm>
           <a:prstGeom prst="rect">
             <a:avLst/>
@@ -5448,17 +4970,12 @@
             <a:noFill/>
           </a:ln>
         </p:spPr>
-        <p:txBody>
-          <a:bodyPr lIns="0" rIns="0"/>
-          <a:p>
-            <a:endParaRPr b="0" lang="de-DE" sz="2000" spc="-1" strike="noStrike">
-              <a:solidFill>
-                <a:srgbClr val="404040"/>
-              </a:solidFill>
-              <a:latin typeface="Calibri"/>
-            </a:endParaRPr>
-          </a:p>
-        </p:txBody>
+        <p:style>
+          <a:lnRef idx="0"/>
+          <a:fillRef idx="0"/>
+          <a:effectRef idx="0"/>
+          <a:fontRef idx="minor"/>
+        </p:style>
       </p:sp>
     </p:spTree>
   </p:cSld>
@@ -5519,14 +5036,14 @@
       </p:grpSpPr>
       <p:sp>
         <p:nvSpPr>
-          <p:cNvPr id="103" name="TextShape 1"/>
-          <p:cNvSpPr txBox="1"/>
+          <p:cNvPr id="97" name="CustomShape 1"/>
+          <p:cNvSpPr/>
           <p:nvPr/>
         </p:nvSpPr>
         <p:spPr>
           <a:xfrm>
             <a:off x="978480" y="-326160"/>
-            <a:ext cx="10058040" cy="1450440"/>
+            <a:ext cx="10057680" cy="1450080"/>
           </a:xfrm>
           <a:prstGeom prst="rect">
             <a:avLst/>
@@ -5536,8 +5053,14 @@
             <a:noFill/>
           </a:ln>
         </p:spPr>
+        <p:style>
+          <a:lnRef idx="0"/>
+          <a:fillRef idx="0"/>
+          <a:effectRef idx="0"/>
+          <a:fontRef idx="minor"/>
+        </p:style>
         <p:txBody>
-          <a:bodyPr anchor="b"/>
+          <a:bodyPr lIns="90000" rIns="90000" tIns="45000" bIns="45000" anchor="b"/>
           <a:p>
             <a:pPr>
               <a:lnSpc>
@@ -5554,17 +5077,14 @@
               <a:t>Zeitplanung/Umsetzung</a:t>
             </a:r>
             <a:endParaRPr b="0" lang="de-DE" sz="4800" spc="-1" strike="noStrike">
-              <a:solidFill>
-                <a:srgbClr val="000000"/>
-              </a:solidFill>
-              <a:latin typeface="Calibri"/>
+              <a:latin typeface="Arial"/>
             </a:endParaRPr>
           </a:p>
         </p:txBody>
       </p:sp>
       <p:graphicFrame>
         <p:nvGraphicFramePr>
-          <p:cNvPr id="104" name="Table 2"/>
+          <p:cNvPr id="98" name="Table 2"/>
           <p:cNvGraphicFramePr/>
           <p:nvPr/>
         </p:nvGraphicFramePr>
@@ -5584,10 +5104,10 @@
                 <a:gridCol w="2790360"/>
                 <a:gridCol w="986760"/>
               </a:tblGrid>
-              <a:tr h="433800">
+              <a:tr h="525240">
                 <a:tc>
                   <a:txBody>
-                    <a:bodyPr lIns="68400" rIns="68400" tIns="0" bIns="0"/>
+                    <a:bodyPr lIns="68400" rIns="68400"/>
                     <a:p>
                       <a:pPr algn="ctr">
                         <a:lnSpc>
@@ -5637,7 +5157,7 @@
                 </a:tc>
                 <a:tc>
                   <a:txBody>
-                    <a:bodyPr lIns="68400" rIns="68400" tIns="0" bIns="0"/>
+                    <a:bodyPr lIns="68400" rIns="68400"/>
                     <a:p>
                       <a:pPr>
                         <a:lnSpc>
@@ -5686,7 +5206,7 @@
                 </a:tc>
                 <a:tc>
                   <a:txBody>
-                    <a:bodyPr lIns="68400" rIns="68400" tIns="0" bIns="0"/>
+                    <a:bodyPr lIns="68400" rIns="68400"/>
                     <a:p>
                       <a:pPr algn="ctr">
                         <a:lnSpc>
@@ -5736,7 +5256,7 @@
                 </a:tc>
                 <a:tc>
                   <a:txBody>
-                    <a:bodyPr lIns="68400" rIns="68400" tIns="0" bIns="0"/>
+                    <a:bodyPr lIns="68400" rIns="68400"/>
                     <a:p>
                       <a:pPr>
                         <a:lnSpc>
@@ -5785,7 +5305,7 @@
                 </a:tc>
                 <a:tc>
                   <a:txBody>
-                    <a:bodyPr lIns="68400" rIns="68400" tIns="0" bIns="0"/>
+                    <a:bodyPr lIns="68400" rIns="68400"/>
                     <a:p>
                       <a:pPr algn="ctr">
                         <a:lnSpc>
@@ -5835,7 +5355,7 @@
                 </a:tc>
                 <a:tc>
                   <a:txBody>
-                    <a:bodyPr lIns="68400" rIns="68400" tIns="0" bIns="0"/>
+                    <a:bodyPr lIns="68400" rIns="68400"/>
                     <a:p>
                       <a:pPr>
                         <a:lnSpc>
@@ -5883,10 +5403,10 @@
                   </a:tcPr>
                 </a:tc>
               </a:tr>
-              <a:tr h="359640">
+              <a:tr h="336960">
                 <a:tc>
                   <a:txBody>
-                    <a:bodyPr lIns="68400" rIns="68400" tIns="0" bIns="0"/>
+                    <a:bodyPr lIns="68400" rIns="68400"/>
                     <a:p>
                       <a:pPr>
                         <a:lnSpc>
@@ -5935,7 +5455,7 @@
                 </a:tc>
                 <a:tc>
                   <a:txBody>
-                    <a:bodyPr lIns="68400" rIns="68400" tIns="0" bIns="0"/>
+                    <a:bodyPr lIns="68400" rIns="68400"/>
                     <a:p>
                       <a:pPr algn="r">
                         <a:lnSpc>
@@ -5984,7 +5504,7 @@
                 </a:tc>
                 <a:tc>
                   <a:txBody>
-                    <a:bodyPr lIns="68400" rIns="68400" tIns="0" bIns="0"/>
+                    <a:bodyPr lIns="68400" rIns="68400"/>
                     <a:p>
                       <a:pPr>
                         <a:lnSpc>
@@ -6033,7 +5553,7 @@
                 </a:tc>
                 <a:tc>
                   <a:txBody>
-                    <a:bodyPr lIns="68400" rIns="68400" tIns="0" bIns="0"/>
+                    <a:bodyPr lIns="68400" rIns="68400"/>
                     <a:p>
                       <a:pPr algn="r">
                         <a:lnSpc>
@@ -6082,7 +5602,7 @@
                 </a:tc>
                 <a:tc>
                   <a:txBody>
-                    <a:bodyPr lIns="68400" rIns="68400" tIns="0" bIns="0"/>
+                    <a:bodyPr lIns="68400" rIns="68400"/>
                     <a:p>
                       <a:pPr>
                         <a:lnSpc>
@@ -6131,7 +5651,7 @@
                 </a:tc>
                 <a:tc>
                   <a:txBody>
-                    <a:bodyPr lIns="68400" rIns="68400" tIns="0" bIns="0"/>
+                    <a:bodyPr lIns="68400" rIns="68400"/>
                     <a:p>
                       <a:pPr algn="r">
                         <a:lnSpc>
@@ -6179,10 +5699,10 @@
                   </a:tcPr>
                 </a:tc>
               </a:tr>
-              <a:tr h="433800">
+              <a:tr h="525240">
                 <a:tc>
                   <a:txBody>
-                    <a:bodyPr lIns="68400" rIns="68400" tIns="0" bIns="0"/>
+                    <a:bodyPr lIns="68400" rIns="68400"/>
                     <a:p>
                       <a:pPr>
                         <a:lnSpc>
@@ -6231,7 +5751,7 @@
                 </a:tc>
                 <a:tc>
                   <a:txBody>
-                    <a:bodyPr lIns="68400" rIns="68400" tIns="0" bIns="0"/>
+                    <a:bodyPr lIns="68400" rIns="68400"/>
                     <a:p>
                       <a:pPr algn="r">
                         <a:lnSpc>
@@ -6280,7 +5800,7 @@
                 </a:tc>
                 <a:tc>
                   <a:txBody>
-                    <a:bodyPr lIns="68400" rIns="68400" tIns="0" bIns="0"/>
+                    <a:bodyPr lIns="68400" rIns="68400"/>
                     <a:p>
                       <a:pPr>
                         <a:lnSpc>
@@ -6329,7 +5849,7 @@
                 </a:tc>
                 <a:tc>
                   <a:txBody>
-                    <a:bodyPr lIns="68400" rIns="68400" tIns="0" bIns="0"/>
+                    <a:bodyPr lIns="68400" rIns="68400"/>
                     <a:p>
                       <a:pPr algn="r">
                         <a:lnSpc>
@@ -6378,7 +5898,7 @@
                 </a:tc>
                 <a:tc>
                   <a:txBody>
-                    <a:bodyPr lIns="68400" rIns="68400" tIns="0" bIns="0"/>
+                    <a:bodyPr lIns="68400" rIns="68400"/>
                     <a:p>
                       <a:pPr>
                         <a:lnSpc>
@@ -6427,7 +5947,7 @@
                 </a:tc>
                 <a:tc>
                   <a:txBody>
-                    <a:bodyPr lIns="68400" rIns="68400" tIns="0" bIns="0"/>
+                    <a:bodyPr lIns="68400" rIns="68400"/>
                     <a:p>
                       <a:pPr algn="r">
                         <a:lnSpc>
@@ -6475,10 +5995,10 @@
                   </a:tcPr>
                 </a:tc>
               </a:tr>
-              <a:tr h="719640">
+              <a:tr h="673920">
                 <a:tc>
                   <a:txBody>
-                    <a:bodyPr lIns="68400" rIns="68400" tIns="0" bIns="0"/>
+                    <a:bodyPr lIns="68400" rIns="68400"/>
                     <a:p>
                       <a:pPr>
                         <a:lnSpc>
@@ -6527,7 +6047,7 @@
                 </a:tc>
                 <a:tc>
                   <a:txBody>
-                    <a:bodyPr lIns="68400" rIns="68400" tIns="0" bIns="0"/>
+                    <a:bodyPr lIns="68400" rIns="68400"/>
                     <a:p>
                       <a:pPr algn="r">
                         <a:lnSpc>
@@ -6576,7 +6096,7 @@
                 </a:tc>
                 <a:tc>
                   <a:txBody>
-                    <a:bodyPr lIns="68400" rIns="68400" tIns="0" bIns="0"/>
+                    <a:bodyPr lIns="68400" rIns="68400"/>
                     <a:p>
                       <a:pPr>
                         <a:lnSpc>
@@ -6625,7 +6145,7 @@
                 </a:tc>
                 <a:tc>
                   <a:txBody>
-                    <a:bodyPr lIns="68400" rIns="68400" tIns="0" bIns="0"/>
+                    <a:bodyPr lIns="68400" rIns="68400"/>
                     <a:p>
                       <a:pPr algn="r">
                         <a:lnSpc>
@@ -6674,7 +6194,7 @@
                 </a:tc>
                 <a:tc>
                   <a:txBody>
-                    <a:bodyPr lIns="68400" rIns="68400" tIns="0" bIns="0"/>
+                    <a:bodyPr lIns="68400" rIns="68400"/>
                     <a:p>
                       <a:pPr>
                         <a:lnSpc>
@@ -6723,7 +6243,7 @@
                 </a:tc>
                 <a:tc>
                   <a:txBody>
-                    <a:bodyPr lIns="68400" rIns="68400" tIns="0" bIns="0"/>
+                    <a:bodyPr lIns="68400" rIns="68400"/>
                     <a:p>
                       <a:pPr algn="r">
                         <a:lnSpc>
@@ -6771,10 +6291,10 @@
                   </a:tcPr>
                 </a:tc>
               </a:tr>
-              <a:tr h="359640">
+              <a:tr h="336960">
                 <a:tc>
                   <a:txBody>
-                    <a:bodyPr lIns="68400" rIns="68400" tIns="0" bIns="0"/>
+                    <a:bodyPr lIns="68400" rIns="68400"/>
                     <a:p>
                       <a:pPr>
                         <a:lnSpc>
@@ -6823,7 +6343,7 @@
                 </a:tc>
                 <a:tc>
                   <a:txBody>
-                    <a:bodyPr lIns="68400" rIns="68400" tIns="0" bIns="0"/>
+                    <a:bodyPr lIns="68400" rIns="68400"/>
                     <a:p>
                       <a:pPr algn="r">
                         <a:lnSpc>
@@ -6872,7 +6392,7 @@
                 </a:tc>
                 <a:tc>
                   <a:txBody>
-                    <a:bodyPr lIns="68400" rIns="68400" tIns="0" bIns="0"/>
+                    <a:bodyPr lIns="68400" rIns="68400"/>
                     <a:p>
                       <a:pPr>
                         <a:lnSpc>
@@ -6921,7 +6441,7 @@
                 </a:tc>
                 <a:tc>
                   <a:txBody>
-                    <a:bodyPr lIns="68400" rIns="68400" tIns="0" bIns="0"/>
+                    <a:bodyPr lIns="68400" rIns="68400"/>
                     <a:p>
                       <a:pPr>
                         <a:lnSpc>
@@ -6970,7 +6490,7 @@
                 </a:tc>
                 <a:tc>
                   <a:txBody>
-                    <a:bodyPr lIns="68400" rIns="68400" tIns="0" bIns="0"/>
+                    <a:bodyPr lIns="68400" rIns="68400"/>
                     <a:p>
                       <a:pPr>
                         <a:lnSpc>
@@ -7019,7 +6539,7 @@
                 </a:tc>
                 <a:tc>
                   <a:txBody>
-                    <a:bodyPr lIns="68400" rIns="68400" tIns="0" bIns="0"/>
+                    <a:bodyPr lIns="68400" rIns="68400"/>
                     <a:p>
                       <a:pPr algn="r">
                         <a:lnSpc>
@@ -7067,10 +6587,10 @@
                   </a:tcPr>
                 </a:tc>
               </a:tr>
-              <a:tr h="719640">
+              <a:tr h="673920">
                 <a:tc>
                   <a:txBody>
-                    <a:bodyPr lIns="68400" rIns="68400" tIns="0" bIns="0"/>
+                    <a:bodyPr lIns="68400" rIns="68400"/>
                     <a:p>
                       <a:pPr>
                         <a:lnSpc>
@@ -7138,7 +6658,7 @@
                 </a:tc>
                 <a:tc>
                   <a:txBody>
-                    <a:bodyPr lIns="68400" rIns="68400" tIns="0" bIns="0"/>
+                    <a:bodyPr lIns="68400" rIns="68400"/>
                     <a:p>
                       <a:pPr algn="r">
                         <a:lnSpc>
@@ -7187,7 +6707,7 @@
                 </a:tc>
                 <a:tc>
                   <a:txBody>
-                    <a:bodyPr lIns="68400" rIns="68400" tIns="0" bIns="0"/>
+                    <a:bodyPr lIns="68400" rIns="68400"/>
                     <a:p>
                       <a:pPr>
                         <a:lnSpc>
@@ -7236,7 +6756,7 @@
                 </a:tc>
                 <a:tc>
                   <a:txBody>
-                    <a:bodyPr lIns="68400" rIns="68400" tIns="0" bIns="0"/>
+                    <a:bodyPr lIns="68400" rIns="68400"/>
                     <a:p>
                       <a:pPr>
                         <a:lnSpc>
@@ -7285,7 +6805,7 @@
                 </a:tc>
                 <a:tc>
                   <a:txBody>
-                    <a:bodyPr lIns="68400" rIns="68400" tIns="0" bIns="0"/>
+                    <a:bodyPr lIns="68400" rIns="68400"/>
                     <a:p>
                       <a:pPr>
                         <a:lnSpc>
@@ -7334,7 +6854,7 @@
                 </a:tc>
                 <a:tc>
                   <a:txBody>
-                    <a:bodyPr lIns="68400" rIns="68400" tIns="0" bIns="0"/>
+                    <a:bodyPr lIns="68400" rIns="68400"/>
                     <a:p>
                       <a:pPr algn="r">
                         <a:lnSpc>
@@ -7382,10 +6902,10 @@
                   </a:tcPr>
                 </a:tc>
               </a:tr>
-              <a:tr h="359640">
+              <a:tr h="336960">
                 <a:tc>
                   <a:txBody>
-                    <a:bodyPr lIns="68400" rIns="68400" tIns="0" bIns="0"/>
+                    <a:bodyPr lIns="68400" rIns="68400"/>
                     <a:p>
                       <a:pPr>
                         <a:lnSpc>
@@ -7443,7 +6963,7 @@
                 </a:tc>
                 <a:tc>
                   <a:txBody>
-                    <a:bodyPr lIns="68400" rIns="68400" tIns="0" bIns="0"/>
+                    <a:bodyPr lIns="68400" rIns="68400"/>
                     <a:p>
                       <a:pPr algn="r">
                         <a:lnSpc>
@@ -7492,7 +7012,7 @@
                 </a:tc>
                 <a:tc>
                   <a:txBody>
-                    <a:bodyPr lIns="68400" rIns="68400" tIns="0" bIns="0"/>
+                    <a:bodyPr lIns="68400" rIns="68400"/>
                     <a:p>
                       <a:pPr>
                         <a:lnSpc>
@@ -7541,7 +7061,7 @@
                 </a:tc>
                 <a:tc>
                   <a:txBody>
-                    <a:bodyPr lIns="68400" rIns="68400" tIns="0" bIns="0"/>
+                    <a:bodyPr lIns="68400" rIns="68400"/>
                     <a:p>
                       <a:pPr algn="r">
                         <a:lnSpc>
@@ -7590,7 +7110,7 @@
                 </a:tc>
                 <a:tc>
                   <a:txBody>
-                    <a:bodyPr lIns="68400" rIns="68400" tIns="0" bIns="0"/>
+                    <a:bodyPr lIns="68400" rIns="68400"/>
                     <a:p>
                       <a:pPr>
                         <a:lnSpc>
@@ -7639,7 +7159,7 @@
                 </a:tc>
                 <a:tc>
                   <a:txBody>
-                    <a:bodyPr lIns="68400" rIns="68400" tIns="0" bIns="0"/>
+                    <a:bodyPr lIns="68400" rIns="68400"/>
                     <a:p>
                       <a:pPr algn="r">
                         <a:lnSpc>
@@ -7687,10 +7207,10 @@
                   </a:tcPr>
                 </a:tc>
               </a:tr>
-              <a:tr h="359640">
+              <a:tr h="336960">
                 <a:tc>
                   <a:txBody>
-                    <a:bodyPr lIns="68400" rIns="68400" tIns="0" bIns="0"/>
+                    <a:bodyPr lIns="68400" rIns="68400"/>
                     <a:p>
                       <a:pPr>
                         <a:lnSpc>
@@ -7739,7 +7259,7 @@
                 </a:tc>
                 <a:tc>
                   <a:txBody>
-                    <a:bodyPr lIns="68400" rIns="68400" tIns="0" bIns="0"/>
+                    <a:bodyPr lIns="68400" rIns="68400"/>
                     <a:p>
                       <a:pPr algn="r">
                         <a:lnSpc>
@@ -7788,7 +7308,7 @@
                 </a:tc>
                 <a:tc>
                   <a:txBody>
-                    <a:bodyPr lIns="68400" rIns="68400" tIns="0" bIns="0"/>
+                    <a:bodyPr lIns="68400" rIns="68400"/>
                     <a:p>
                       <a:pPr>
                         <a:lnSpc>
@@ -7837,7 +7357,7 @@
                 </a:tc>
                 <a:tc>
                   <a:txBody>
-                    <a:bodyPr lIns="68400" rIns="68400" tIns="0" bIns="0"/>
+                    <a:bodyPr lIns="68400" rIns="68400"/>
                     <a:p>
                       <a:pPr algn="r">
                         <a:lnSpc>
@@ -7886,7 +7406,7 @@
                 </a:tc>
                 <a:tc>
                   <a:txBody>
-                    <a:bodyPr lIns="68400" rIns="68400" tIns="0" bIns="0"/>
+                    <a:bodyPr lIns="68400" rIns="68400"/>
                     <a:p>
                       <a:pPr>
                         <a:lnSpc>
@@ -7935,7 +7455,7 @@
                 </a:tc>
                 <a:tc>
                   <a:txBody>
-                    <a:bodyPr lIns="68400" rIns="68400" tIns="0" bIns="0"/>
+                    <a:bodyPr lIns="68400" rIns="68400"/>
                     <a:p>
                       <a:pPr algn="r">
                         <a:lnSpc>
@@ -7983,10 +7503,10 @@
                   </a:tcPr>
                 </a:tc>
               </a:tr>
-              <a:tr h="359640">
+              <a:tr h="336960">
                 <a:tc>
                   <a:txBody>
-                    <a:bodyPr lIns="68400" rIns="68400" tIns="0" bIns="0"/>
+                    <a:bodyPr lIns="68400" rIns="68400"/>
                     <a:p>
                       <a:pPr>
                         <a:lnSpc>
@@ -8035,7 +7555,7 @@
                 </a:tc>
                 <a:tc>
                   <a:txBody>
-                    <a:bodyPr lIns="68400" rIns="68400" tIns="0" bIns="0"/>
+                    <a:bodyPr lIns="68400" rIns="68400"/>
                     <a:p>
                       <a:pPr algn="r">
                         <a:lnSpc>
@@ -8084,7 +7604,7 @@
                 </a:tc>
                 <a:tc>
                   <a:txBody>
-                    <a:bodyPr lIns="68400" rIns="68400" tIns="0" bIns="0"/>
+                    <a:bodyPr lIns="68400" rIns="68400"/>
                     <a:p>
                       <a:pPr>
                         <a:lnSpc>
@@ -8133,7 +7653,7 @@
                 </a:tc>
                 <a:tc>
                   <a:txBody>
-                    <a:bodyPr lIns="68400" rIns="68400" tIns="0" bIns="0"/>
+                    <a:bodyPr lIns="68400" rIns="68400"/>
                     <a:p>
                       <a:pPr algn="r">
                         <a:lnSpc>
@@ -8182,7 +7702,7 @@
                 </a:tc>
                 <a:tc>
                   <a:txBody>
-                    <a:bodyPr lIns="68400" rIns="68400" tIns="0" bIns="0"/>
+                    <a:bodyPr lIns="68400" rIns="68400"/>
                     <a:p>
                       <a:pPr>
                         <a:lnSpc>
@@ -8231,7 +7751,7 @@
                 </a:tc>
                 <a:tc>
                   <a:txBody>
-                    <a:bodyPr lIns="68400" rIns="68400" tIns="0" bIns="0"/>
+                    <a:bodyPr lIns="68400" rIns="68400"/>
                     <a:p>
                       <a:pPr algn="r">
                         <a:lnSpc>
@@ -8279,7 +7799,7 @@
                   </a:tcPr>
                 </a:tc>
               </a:tr>
-              <a:tr h="99360">
+              <a:tr h="145440">
                 <a:tc>
                   <a:tcPr marL="68400" marR="68400">
                     <a:lnL w="12240">
@@ -8309,7 +7829,7 @@
                 </a:tc>
                 <a:tc>
                   <a:txBody>
-                    <a:bodyPr lIns="68400" rIns="68400" tIns="0" bIns="0"/>
+                    <a:bodyPr lIns="68400" rIns="68400"/>
                     <a:p>
                       <a:pPr>
                         <a:lnSpc>
@@ -8385,7 +7905,7 @@
                 </a:tc>
                 <a:tc>
                   <a:txBody>
-                    <a:bodyPr lIns="68400" rIns="68400" tIns="0" bIns="0"/>
+                    <a:bodyPr lIns="68400" rIns="68400"/>
                     <a:p>
                       <a:pPr>
                         <a:lnSpc>
@@ -8434,7 +7954,7 @@
                 </a:tc>
                 <a:tc>
                   <a:txBody>
-                    <a:bodyPr lIns="68400" rIns="68400" tIns="0" bIns="0"/>
+                    <a:bodyPr lIns="68400" rIns="68400"/>
                     <a:p>
                       <a:pPr>
                         <a:lnSpc>
@@ -8483,7 +8003,7 @@
                 </a:tc>
                 <a:tc>
                   <a:txBody>
-                    <a:bodyPr lIns="68400" rIns="68400" tIns="0" bIns="0"/>
+                    <a:bodyPr lIns="68400" rIns="68400"/>
                     <a:p>
                       <a:pPr>
                         <a:lnSpc>
@@ -8531,10 +8051,10 @@
                   </a:tcPr>
                 </a:tc>
               </a:tr>
-              <a:tr h="358200">
+              <a:tr h="333720">
                 <a:tc>
                   <a:txBody>
-                    <a:bodyPr lIns="68400" rIns="68400" tIns="0" bIns="0"/>
+                    <a:bodyPr lIns="68400" rIns="68400"/>
                     <a:p>
                       <a:pPr>
                         <a:lnSpc>
@@ -8583,7 +8103,7 @@
                 </a:tc>
                 <a:tc>
                   <a:txBody>
-                    <a:bodyPr lIns="68400" rIns="68400" tIns="0" bIns="0"/>
+                    <a:bodyPr lIns="68400" rIns="68400"/>
                     <a:p>
                       <a:pPr algn="r">
                         <a:lnSpc>
@@ -8632,7 +8152,7 @@
                 </a:tc>
                 <a:tc>
                   <a:txBody>
-                    <a:bodyPr lIns="68400" rIns="68400" tIns="0" bIns="0"/>
+                    <a:bodyPr lIns="68400" rIns="68400"/>
                     <a:p>
                       <a:pPr>
                         <a:lnSpc>
@@ -8681,7 +8201,7 @@
                 </a:tc>
                 <a:tc>
                   <a:txBody>
-                    <a:bodyPr lIns="68400" rIns="68400" tIns="0" bIns="0"/>
+                    <a:bodyPr lIns="68400" rIns="68400"/>
                     <a:p>
                       <a:pPr algn="r">
                         <a:lnSpc>
@@ -8730,7 +8250,7 @@
                 </a:tc>
                 <a:tc>
                   <a:txBody>
-                    <a:bodyPr lIns="68400" rIns="68400" tIns="0" bIns="0"/>
+                    <a:bodyPr lIns="68400" rIns="68400"/>
                     <a:p>
                       <a:pPr>
                         <a:lnSpc>
@@ -8779,7 +8299,7 @@
                 </a:tc>
                 <a:tc>
                   <a:txBody>
-                    <a:bodyPr lIns="68400" rIns="68400" tIns="0" bIns="0"/>
+                    <a:bodyPr lIns="68400" rIns="68400"/>
                     <a:p>
                       <a:pPr algn="r">
                         <a:lnSpc>
@@ -8890,14 +8410,14 @@
       </p:grpSpPr>
       <p:sp>
         <p:nvSpPr>
-          <p:cNvPr id="105" name="TextShape 1"/>
-          <p:cNvSpPr txBox="1"/>
+          <p:cNvPr id="99" name="CustomShape 1"/>
+          <p:cNvSpPr/>
           <p:nvPr/>
         </p:nvSpPr>
         <p:spPr>
           <a:xfrm>
             <a:off x="1097280" y="286560"/>
-            <a:ext cx="10058040" cy="1450440"/>
+            <a:ext cx="10057680" cy="1450080"/>
           </a:xfrm>
           <a:prstGeom prst="rect">
             <a:avLst/>
@@ -8907,8 +8427,14 @@
             <a:noFill/>
           </a:ln>
         </p:spPr>
+        <p:style>
+          <a:lnRef idx="0"/>
+          <a:fillRef idx="0"/>
+          <a:effectRef idx="0"/>
+          <a:fontRef idx="minor"/>
+        </p:style>
         <p:txBody>
-          <a:bodyPr anchor="b"/>
+          <a:bodyPr lIns="90000" rIns="90000" tIns="45000" bIns="45000" anchor="b"/>
           <a:p>
             <a:pPr>
               <a:lnSpc>
@@ -8925,24 +8451,21 @@
               <a:t>Probleme</a:t>
             </a:r>
             <a:endParaRPr b="0" lang="de-DE" sz="4800" spc="-1" strike="noStrike">
-              <a:solidFill>
-                <a:srgbClr val="000000"/>
-              </a:solidFill>
-              <a:latin typeface="Calibri"/>
+              <a:latin typeface="Arial"/>
             </a:endParaRPr>
           </a:p>
         </p:txBody>
       </p:sp>
       <p:sp>
         <p:nvSpPr>
-          <p:cNvPr id="106" name="TextShape 2"/>
-          <p:cNvSpPr txBox="1"/>
+          <p:cNvPr id="100" name="CustomShape 2"/>
+          <p:cNvSpPr/>
           <p:nvPr/>
         </p:nvSpPr>
         <p:spPr>
           <a:xfrm>
             <a:off x="1097280" y="1845720"/>
-            <a:ext cx="10058040" cy="4023000"/>
+            <a:ext cx="10057680" cy="4022640"/>
           </a:xfrm>
           <a:prstGeom prst="rect">
             <a:avLst/>
@@ -8952,10 +8475,16 @@
             <a:noFill/>
           </a:ln>
         </p:spPr>
+        <p:style>
+          <a:lnRef idx="0"/>
+          <a:fillRef idx="0"/>
+          <a:effectRef idx="0"/>
+          <a:fontRef idx="minor"/>
+        </p:style>
         <p:txBody>
-          <a:bodyPr lIns="0" rIns="0"/>
-          <a:p>
-            <a:pPr marL="91440" indent="-91080">
+          <a:bodyPr lIns="0" rIns="0" tIns="45000" bIns="45000"/>
+          <a:p>
+            <a:pPr marL="91440" indent="-90720">
               <a:lnSpc>
                 <a:spcPct val="90000"/>
               </a:lnSpc>
@@ -8990,14 +8519,11 @@
               <a:t>Bugs</a:t>
             </a:r>
             <a:endParaRPr b="0" lang="de-DE" sz="2000" spc="-1" strike="noStrike">
-              <a:solidFill>
-                <a:srgbClr val="404040"/>
-              </a:solidFill>
-              <a:latin typeface="Calibri"/>
-            </a:endParaRPr>
-          </a:p>
-          <a:p>
-            <a:pPr lvl="1" marL="384120" indent="-182520">
+              <a:latin typeface="Arial"/>
+            </a:endParaRPr>
+          </a:p>
+          <a:p>
+            <a:pPr lvl="1" marL="384120" indent="-182160">
               <a:lnSpc>
                 <a:spcPct val="90000"/>
               </a:lnSpc>
@@ -9023,14 +8549,11 @@
               <a:t>Neue Funktionen haben häufig alte Funktionen behindert</a:t>
             </a:r>
             <a:endParaRPr b="0" lang="de-DE" sz="1800" spc="-1" strike="noStrike">
-              <a:solidFill>
-                <a:srgbClr val="404040"/>
-              </a:solidFill>
-              <a:latin typeface="Calibri"/>
-            </a:endParaRPr>
-          </a:p>
-          <a:p>
-            <a:pPr lvl="1" marL="384120" indent="-182520">
+              <a:latin typeface="Arial"/>
+            </a:endParaRPr>
+          </a:p>
+          <a:p>
+            <a:pPr lvl="1" marL="384120" indent="-182160">
               <a:lnSpc>
                 <a:spcPct val="90000"/>
               </a:lnSpc>
@@ -9056,14 +8579,11 @@
               <a:t>CPU Überlastung bei der zyklischen Abarbeitung des Programms</a:t>
             </a:r>
             <a:endParaRPr b="0" lang="de-DE" sz="1800" spc="-1" strike="noStrike">
-              <a:solidFill>
-                <a:srgbClr val="404040"/>
-              </a:solidFill>
-              <a:latin typeface="Calibri"/>
-            </a:endParaRPr>
-          </a:p>
-          <a:p>
-            <a:pPr lvl="1" marL="384120" indent="-182520">
+              <a:latin typeface="Arial"/>
+            </a:endParaRPr>
+          </a:p>
+          <a:p>
+            <a:pPr lvl="1" marL="384120" indent="-182160">
               <a:lnSpc>
                 <a:spcPct val="90000"/>
               </a:lnSpc>
@@ -9089,14 +8609,11 @@
               <a:t>Bildschirm Größen unterschiede</a:t>
             </a:r>
             <a:endParaRPr b="0" lang="de-DE" sz="1800" spc="-1" strike="noStrike">
-              <a:solidFill>
-                <a:srgbClr val="404040"/>
-              </a:solidFill>
-              <a:latin typeface="Calibri"/>
-            </a:endParaRPr>
-          </a:p>
-          <a:p>
-            <a:pPr lvl="1" marL="384120" indent="-182520">
+              <a:latin typeface="Arial"/>
+            </a:endParaRPr>
+          </a:p>
+          <a:p>
+            <a:pPr lvl="1" marL="384120" indent="-182160">
               <a:lnSpc>
                 <a:spcPct val="90000"/>
               </a:lnSpc>
@@ -9122,14 +8639,11 @@
               <a:t>Schul-PCs zu langsam</a:t>
             </a:r>
             <a:endParaRPr b="0" lang="de-DE" sz="1800" spc="-1" strike="noStrike">
-              <a:solidFill>
-                <a:srgbClr val="404040"/>
-              </a:solidFill>
-              <a:latin typeface="Calibri"/>
-            </a:endParaRPr>
-          </a:p>
-          <a:p>
-            <a:pPr marL="91440" indent="-91080">
+              <a:latin typeface="Arial"/>
+            </a:endParaRPr>
+          </a:p>
+          <a:p>
+            <a:pPr marL="91440" indent="-90720">
               <a:lnSpc>
                 <a:spcPct val="90000"/>
               </a:lnSpc>
@@ -9161,21 +8675,20 @@
                 </a:solidFill>
                 <a:latin typeface="Calibri"/>
               </a:rPr>
-              <a:t>Keine richtige Arbeitseinteilung</a:t>
+              <a:t>Arbeitseinteilung</a:t>
             </a:r>
             <a:endParaRPr b="0" lang="de-DE" sz="2000" spc="-1" strike="noStrike">
-              <a:solidFill>
-                <a:srgbClr val="404040"/>
-              </a:solidFill>
-              <a:latin typeface="Calibri"/>
-            </a:endParaRPr>
-          </a:p>
-          <a:p>
+              <a:latin typeface="Arial"/>
+            </a:endParaRPr>
+          </a:p>
+          <a:p>
+            <a:pPr>
+              <a:lnSpc>
+                <a:spcPct val="100000"/>
+              </a:lnSpc>
+            </a:pPr>
             <a:endParaRPr b="0" lang="de-DE" sz="2000" spc="-1" strike="noStrike">
-              <a:solidFill>
-                <a:srgbClr val="404040"/>
-              </a:solidFill>
-              <a:latin typeface="Calibri"/>
+              <a:latin typeface="Arial"/>
             </a:endParaRPr>
           </a:p>
         </p:txBody>
@@ -9239,14 +8752,14 @@
       </p:grpSpPr>
       <p:sp>
         <p:nvSpPr>
-          <p:cNvPr id="107" name="TextShape 1"/>
-          <p:cNvSpPr txBox="1"/>
+          <p:cNvPr id="101" name="CustomShape 1"/>
+          <p:cNvSpPr/>
           <p:nvPr/>
         </p:nvSpPr>
         <p:spPr>
           <a:xfrm>
             <a:off x="1097280" y="286560"/>
-            <a:ext cx="10058040" cy="1450440"/>
+            <a:ext cx="10057680" cy="1450080"/>
           </a:xfrm>
           <a:prstGeom prst="rect">
             <a:avLst/>
@@ -9256,8 +8769,14 @@
             <a:noFill/>
           </a:ln>
         </p:spPr>
+        <p:style>
+          <a:lnRef idx="0"/>
+          <a:fillRef idx="0"/>
+          <a:effectRef idx="0"/>
+          <a:fontRef idx="minor"/>
+        </p:style>
         <p:txBody>
-          <a:bodyPr anchor="b"/>
+          <a:bodyPr lIns="90000" rIns="90000" tIns="45000" bIns="45000" anchor="b"/>
           <a:p>
             <a:pPr>
               <a:lnSpc>
@@ -9274,24 +8793,21 @@
               <a:t>Mögliche Problemlösungen</a:t>
             </a:r>
             <a:endParaRPr b="0" lang="de-DE" sz="4800" spc="-1" strike="noStrike">
-              <a:solidFill>
-                <a:srgbClr val="000000"/>
-              </a:solidFill>
-              <a:latin typeface="Calibri"/>
+              <a:latin typeface="Arial"/>
             </a:endParaRPr>
           </a:p>
         </p:txBody>
       </p:sp>
       <p:sp>
         <p:nvSpPr>
-          <p:cNvPr id="108" name="TextShape 2"/>
-          <p:cNvSpPr txBox="1"/>
+          <p:cNvPr id="102" name="CustomShape 2"/>
+          <p:cNvSpPr/>
           <p:nvPr/>
         </p:nvSpPr>
         <p:spPr>
           <a:xfrm>
             <a:off x="1097280" y="1845720"/>
-            <a:ext cx="10058040" cy="4023000"/>
+            <a:ext cx="10057680" cy="4022640"/>
           </a:xfrm>
           <a:prstGeom prst="rect">
             <a:avLst/>
@@ -9301,10 +8817,16 @@
             <a:noFill/>
           </a:ln>
         </p:spPr>
+        <p:style>
+          <a:lnRef idx="0"/>
+          <a:fillRef idx="0"/>
+          <a:effectRef idx="0"/>
+          <a:fontRef idx="minor"/>
+        </p:style>
         <p:txBody>
-          <a:bodyPr lIns="0" rIns="0"/>
-          <a:p>
-            <a:pPr marL="91440" indent="-91080">
+          <a:bodyPr lIns="0" rIns="0" tIns="45000" bIns="45000"/>
+          <a:p>
+            <a:pPr marL="91440" indent="-90720">
               <a:lnSpc>
                 <a:spcPct val="90000"/>
               </a:lnSpc>
@@ -9330,10 +8852,7 @@
               <a:t> </a:t>
             </a:r>
             <a:endParaRPr b="0" lang="de-DE" sz="2000" spc="-1" strike="noStrike">
-              <a:solidFill>
-                <a:srgbClr val="404040"/>
-              </a:solidFill>
-              <a:latin typeface="Calibri"/>
+              <a:latin typeface="Arial"/>
             </a:endParaRPr>
           </a:p>
         </p:txBody>

--- a/Praesentation.pptx
+++ b/Praesentation.pptx
@@ -1,29 +1,124 @@
 
 <file path=ppt/presentation.xml><?xml version="1.0" encoding="utf-8"?>
-<p:presentation xmlns:a="http://schemas.openxmlformats.org/drawingml/2006/main" xmlns:p="http://schemas.openxmlformats.org/presentationml/2006/main" xmlns:r="http://schemas.openxmlformats.org/officeDocument/2006/relationships" xmlns:p14="http://schemas.microsoft.com/office/powerpoint/2010/main" xmlns:p15="http://schemas.microsoft.com/office/powerpoint/2012/main" xmlns:mc="http://schemas.openxmlformats.org/markup-compatibility/2006">
+<p:presentation xmlns:a="http://schemas.openxmlformats.org/drawingml/2006/main" xmlns:r="http://schemas.openxmlformats.org/officeDocument/2006/relationships" xmlns:p="http://schemas.openxmlformats.org/presentationml/2006/main">
   <p:sldMasterIdLst>
-    <p:sldMasterId id="2147483648" r:id="rId2"/>
-    <p:sldMasterId id="2147483661" r:id="rId3"/>
+    <p:sldMasterId id="2147483648" r:id="rId1"/>
+    <p:sldMasterId id="2147483661" r:id="rId2"/>
   </p:sldMasterIdLst>
   <p:sldIdLst>
-    <p:sldId id="256" r:id="rId4"/>
-    <p:sldId id="257" r:id="rId5"/>
-    <p:sldId id="258" r:id="rId6"/>
-    <p:sldId id="259" r:id="rId7"/>
-    <p:sldId id="260" r:id="rId8"/>
-    <p:sldId id="261" r:id="rId9"/>
-    <p:sldId id="262" r:id="rId10"/>
-    <p:sldId id="263" r:id="rId11"/>
-    <p:sldId id="264" r:id="rId12"/>
-    <p:sldId id="265" r:id="rId13"/>
+    <p:sldId id="256" r:id="rId3"/>
+    <p:sldId id="257" r:id="rId4"/>
+    <p:sldId id="258" r:id="rId5"/>
+    <p:sldId id="259" r:id="rId6"/>
+    <p:sldId id="260" r:id="rId7"/>
+    <p:sldId id="261" r:id="rId8"/>
+    <p:sldId id="262" r:id="rId9"/>
+    <p:sldId id="263" r:id="rId10"/>
+    <p:sldId id="264" r:id="rId11"/>
+    <p:sldId id="265" r:id="rId12"/>
   </p:sldIdLst>
   <p:sldSz cx="12192000" cy="6858000"/>
-  <p:notesSz cx="7559675" cy="10691812"/>
+  <p:notesSz cx="7559675" cy="10691813"/>
+  <p:defaultTextStyle>
+    <a:defPPr>
+      <a:defRPr lang="en-US"/>
+    </a:defPPr>
+    <a:lvl1pPr marL="0" algn="l" defTabSz="914400" rtl="0" eaLnBrk="1" latinLnBrk="0" hangingPunct="1">
+      <a:defRPr sz="1800" kern="1200">
+        <a:solidFill>
+          <a:schemeClr val="tx1"/>
+        </a:solidFill>
+        <a:latin typeface="+mn-lt"/>
+        <a:ea typeface="+mn-ea"/>
+        <a:cs typeface="+mn-cs"/>
+      </a:defRPr>
+    </a:lvl1pPr>
+    <a:lvl2pPr marL="457200" algn="l" defTabSz="914400" rtl="0" eaLnBrk="1" latinLnBrk="0" hangingPunct="1">
+      <a:defRPr sz="1800" kern="1200">
+        <a:solidFill>
+          <a:schemeClr val="tx1"/>
+        </a:solidFill>
+        <a:latin typeface="+mn-lt"/>
+        <a:ea typeface="+mn-ea"/>
+        <a:cs typeface="+mn-cs"/>
+      </a:defRPr>
+    </a:lvl2pPr>
+    <a:lvl3pPr marL="914400" algn="l" defTabSz="914400" rtl="0" eaLnBrk="1" latinLnBrk="0" hangingPunct="1">
+      <a:defRPr sz="1800" kern="1200">
+        <a:solidFill>
+          <a:schemeClr val="tx1"/>
+        </a:solidFill>
+        <a:latin typeface="+mn-lt"/>
+        <a:ea typeface="+mn-ea"/>
+        <a:cs typeface="+mn-cs"/>
+      </a:defRPr>
+    </a:lvl3pPr>
+    <a:lvl4pPr marL="1371600" algn="l" defTabSz="914400" rtl="0" eaLnBrk="1" latinLnBrk="0" hangingPunct="1">
+      <a:defRPr sz="1800" kern="1200">
+        <a:solidFill>
+          <a:schemeClr val="tx1"/>
+        </a:solidFill>
+        <a:latin typeface="+mn-lt"/>
+        <a:ea typeface="+mn-ea"/>
+        <a:cs typeface="+mn-cs"/>
+      </a:defRPr>
+    </a:lvl4pPr>
+    <a:lvl5pPr marL="1828800" algn="l" defTabSz="914400" rtl="0" eaLnBrk="1" latinLnBrk="0" hangingPunct="1">
+      <a:defRPr sz="1800" kern="1200">
+        <a:solidFill>
+          <a:schemeClr val="tx1"/>
+        </a:solidFill>
+        <a:latin typeface="+mn-lt"/>
+        <a:ea typeface="+mn-ea"/>
+        <a:cs typeface="+mn-cs"/>
+      </a:defRPr>
+    </a:lvl5pPr>
+    <a:lvl6pPr marL="2286000" algn="l" defTabSz="914400" rtl="0" eaLnBrk="1" latinLnBrk="0" hangingPunct="1">
+      <a:defRPr sz="1800" kern="1200">
+        <a:solidFill>
+          <a:schemeClr val="tx1"/>
+        </a:solidFill>
+        <a:latin typeface="+mn-lt"/>
+        <a:ea typeface="+mn-ea"/>
+        <a:cs typeface="+mn-cs"/>
+      </a:defRPr>
+    </a:lvl6pPr>
+    <a:lvl7pPr marL="2743200" algn="l" defTabSz="914400" rtl="0" eaLnBrk="1" latinLnBrk="0" hangingPunct="1">
+      <a:defRPr sz="1800" kern="1200">
+        <a:solidFill>
+          <a:schemeClr val="tx1"/>
+        </a:solidFill>
+        <a:latin typeface="+mn-lt"/>
+        <a:ea typeface="+mn-ea"/>
+        <a:cs typeface="+mn-cs"/>
+      </a:defRPr>
+    </a:lvl7pPr>
+    <a:lvl8pPr marL="3200400" algn="l" defTabSz="914400" rtl="0" eaLnBrk="1" latinLnBrk="0" hangingPunct="1">
+      <a:defRPr sz="1800" kern="1200">
+        <a:solidFill>
+          <a:schemeClr val="tx1"/>
+        </a:solidFill>
+        <a:latin typeface="+mn-lt"/>
+        <a:ea typeface="+mn-ea"/>
+        <a:cs typeface="+mn-cs"/>
+      </a:defRPr>
+    </a:lvl8pPr>
+    <a:lvl9pPr marL="3657600" algn="l" defTabSz="914400" rtl="0" eaLnBrk="1" latinLnBrk="0" hangingPunct="1">
+      <a:defRPr sz="1800" kern="1200">
+        <a:solidFill>
+          <a:schemeClr val="tx1"/>
+        </a:solidFill>
+        <a:latin typeface="+mn-lt"/>
+        <a:ea typeface="+mn-ea"/>
+        <a:cs typeface="+mn-cs"/>
+      </a:defRPr>
+    </a:lvl9pPr>
+  </p:defaultTextStyle>
 </p:presentation>
 </file>
 
 <file path=ppt/slideLayouts/slideLayout1.xml><?xml version="1.0" encoding="utf-8"?>
-<p:sldLayout xmlns:a="http://schemas.openxmlformats.org/drawingml/2006/main" xmlns:p="http://schemas.openxmlformats.org/presentationml/2006/main" xmlns:r="http://schemas.openxmlformats.org/officeDocument/2006/relationships" xmlns:p14="http://schemas.microsoft.com/office/powerpoint/2010/main" xmlns:p15="http://schemas.microsoft.com/office/powerpoint/2012/main" xmlns:mc="http://schemas.openxmlformats.org/markup-compatibility/2006" type="blank" preserve="1">
+<p:sldLayout xmlns:a="http://schemas.openxmlformats.org/drawingml/2006/main" xmlns:r="http://schemas.openxmlformats.org/officeDocument/2006/relationships" xmlns:p="http://schemas.openxmlformats.org/presentationml/2006/main" type="blank" preserve="1">
   <p:cSld name="Blank Slide">
     <p:spTree>
       <p:nvGrpSpPr>
@@ -41,11 +136,14 @@
       </p:grpSpPr>
     </p:spTree>
   </p:cSld>
+  <p:clrMapOvr>
+    <a:masterClrMapping/>
+  </p:clrMapOvr>
 </p:sldLayout>
 </file>
 
 <file path=ppt/slideLayouts/slideLayout10.xml><?xml version="1.0" encoding="utf-8"?>
-<p:sldLayout xmlns:a="http://schemas.openxmlformats.org/drawingml/2006/main" xmlns:p="http://schemas.openxmlformats.org/presentationml/2006/main" xmlns:r="http://schemas.openxmlformats.org/officeDocument/2006/relationships" xmlns:p14="http://schemas.microsoft.com/office/powerpoint/2010/main" xmlns:p15="http://schemas.microsoft.com/office/powerpoint/2012/main" xmlns:mc="http://schemas.openxmlformats.org/markup-compatibility/2006" type="objOverTx" preserve="1">
+<p:sldLayout xmlns:a="http://schemas.openxmlformats.org/drawingml/2006/main" xmlns:r="http://schemas.openxmlformats.org/officeDocument/2006/relationships" xmlns:p="http://schemas.openxmlformats.org/presentationml/2006/main" type="objOverTx" preserve="1">
   <p:cSld name="Title, Content over Content">
     <p:spTree>
       <p:nvGrpSpPr>
@@ -81,10 +179,11 @@
           </a:prstGeom>
         </p:spPr>
         <p:txBody>
-          <a:bodyPr lIns="0" rIns="0" tIns="0" bIns="0" anchor="ctr"/>
+          <a:bodyPr lIns="0" tIns="0" rIns="0" bIns="0" anchor="ctr"/>
+          <a:lstStyle/>
           <a:p>
             <a:pPr algn="ctr"/>
-            <a:endParaRPr b="0" lang="de-DE" sz="4400" spc="-1" strike="noStrike">
+            <a:endParaRPr lang="de-DE" sz="4400" b="0" strike="noStrike" spc="-1">
               <a:latin typeface="Arial"/>
             </a:endParaRPr>
           </a:p>
@@ -110,11 +209,12 @@
           </a:prstGeom>
         </p:spPr>
         <p:txBody>
-          <a:bodyPr lIns="0" rIns="0" tIns="0" bIns="0">
+          <a:bodyPr lIns="0" tIns="0" rIns="0" bIns="0">
             <a:normAutofit/>
           </a:bodyPr>
-          <a:p>
-            <a:endParaRPr b="0" lang="de-DE" sz="3200" spc="-1" strike="noStrike">
+          <a:lstStyle/>
+          <a:p>
+            <a:endParaRPr lang="de-DE" sz="3200" b="0" strike="noStrike" spc="-1">
               <a:latin typeface="Arial"/>
             </a:endParaRPr>
           </a:p>
@@ -140,11 +240,12 @@
           </a:prstGeom>
         </p:spPr>
         <p:txBody>
-          <a:bodyPr lIns="0" rIns="0" tIns="0" bIns="0">
+          <a:bodyPr lIns="0" tIns="0" rIns="0" bIns="0">
             <a:normAutofit/>
           </a:bodyPr>
-          <a:p>
-            <a:endParaRPr b="0" lang="de-DE" sz="3200" spc="-1" strike="noStrike">
+          <a:lstStyle/>
+          <a:p>
+            <a:endParaRPr lang="de-DE" sz="3200" b="0" strike="noStrike" spc="-1">
               <a:latin typeface="Arial"/>
             </a:endParaRPr>
           </a:p>
@@ -152,11 +253,14 @@
       </p:sp>
     </p:spTree>
   </p:cSld>
+  <p:clrMapOvr>
+    <a:masterClrMapping/>
+  </p:clrMapOvr>
 </p:sldLayout>
 </file>
 
 <file path=ppt/slideLayouts/slideLayout11.xml><?xml version="1.0" encoding="utf-8"?>
-<p:sldLayout xmlns:a="http://schemas.openxmlformats.org/drawingml/2006/main" xmlns:p="http://schemas.openxmlformats.org/presentationml/2006/main" xmlns:r="http://schemas.openxmlformats.org/officeDocument/2006/relationships" xmlns:p14="http://schemas.microsoft.com/office/powerpoint/2010/main" xmlns:p15="http://schemas.microsoft.com/office/powerpoint/2012/main" xmlns:mc="http://schemas.openxmlformats.org/markup-compatibility/2006" type="fourObj" preserve="1">
+<p:sldLayout xmlns:a="http://schemas.openxmlformats.org/drawingml/2006/main" xmlns:r="http://schemas.openxmlformats.org/officeDocument/2006/relationships" xmlns:p="http://schemas.openxmlformats.org/presentationml/2006/main" type="fourObj" preserve="1">
   <p:cSld name="Title, 4 Content">
     <p:spTree>
       <p:nvGrpSpPr>
@@ -192,10 +296,11 @@
           </a:prstGeom>
         </p:spPr>
         <p:txBody>
-          <a:bodyPr lIns="0" rIns="0" tIns="0" bIns="0" anchor="ctr"/>
+          <a:bodyPr lIns="0" tIns="0" rIns="0" bIns="0" anchor="ctr"/>
+          <a:lstStyle/>
           <a:p>
             <a:pPr algn="ctr"/>
-            <a:endParaRPr b="0" lang="de-DE" sz="4400" spc="-1" strike="noStrike">
+            <a:endParaRPr lang="de-DE" sz="4400" b="0" strike="noStrike" spc="-1">
               <a:latin typeface="Arial"/>
             </a:endParaRPr>
           </a:p>
@@ -221,11 +326,12 @@
           </a:prstGeom>
         </p:spPr>
         <p:txBody>
-          <a:bodyPr lIns="0" rIns="0" tIns="0" bIns="0">
+          <a:bodyPr lIns="0" tIns="0" rIns="0" bIns="0">
             <a:normAutofit/>
           </a:bodyPr>
-          <a:p>
-            <a:endParaRPr b="0" lang="de-DE" sz="3200" spc="-1" strike="noStrike">
+          <a:lstStyle/>
+          <a:p>
+            <a:endParaRPr lang="de-DE" sz="3200" b="0" strike="noStrike" spc="-1">
               <a:latin typeface="Arial"/>
             </a:endParaRPr>
           </a:p>
@@ -251,11 +357,12 @@
           </a:prstGeom>
         </p:spPr>
         <p:txBody>
-          <a:bodyPr lIns="0" rIns="0" tIns="0" bIns="0">
+          <a:bodyPr lIns="0" tIns="0" rIns="0" bIns="0">
             <a:normAutofit/>
           </a:bodyPr>
-          <a:p>
-            <a:endParaRPr b="0" lang="de-DE" sz="3200" spc="-1" strike="noStrike">
+          <a:lstStyle/>
+          <a:p>
+            <a:endParaRPr lang="de-DE" sz="3200" b="0" strike="noStrike" spc="-1">
               <a:latin typeface="Arial"/>
             </a:endParaRPr>
           </a:p>
@@ -281,11 +388,12 @@
           </a:prstGeom>
         </p:spPr>
         <p:txBody>
-          <a:bodyPr lIns="0" rIns="0" tIns="0" bIns="0">
+          <a:bodyPr lIns="0" tIns="0" rIns="0" bIns="0">
             <a:normAutofit/>
           </a:bodyPr>
-          <a:p>
-            <a:endParaRPr b="0" lang="de-DE" sz="3200" spc="-1" strike="noStrike">
+          <a:lstStyle/>
+          <a:p>
+            <a:endParaRPr lang="de-DE" sz="3200" b="0" strike="noStrike" spc="-1">
               <a:latin typeface="Arial"/>
             </a:endParaRPr>
           </a:p>
@@ -311,11 +419,12 @@
           </a:prstGeom>
         </p:spPr>
         <p:txBody>
-          <a:bodyPr lIns="0" rIns="0" tIns="0" bIns="0">
+          <a:bodyPr lIns="0" tIns="0" rIns="0" bIns="0">
             <a:normAutofit/>
           </a:bodyPr>
-          <a:p>
-            <a:endParaRPr b="0" lang="de-DE" sz="3200" spc="-1" strike="noStrike">
+          <a:lstStyle/>
+          <a:p>
+            <a:endParaRPr lang="de-DE" sz="3200" b="0" strike="noStrike" spc="-1">
               <a:latin typeface="Arial"/>
             </a:endParaRPr>
           </a:p>
@@ -323,11 +432,14 @@
       </p:sp>
     </p:spTree>
   </p:cSld>
+  <p:clrMapOvr>
+    <a:masterClrMapping/>
+  </p:clrMapOvr>
 </p:sldLayout>
 </file>
 
 <file path=ppt/slideLayouts/slideLayout12.xml><?xml version="1.0" encoding="utf-8"?>
-<p:sldLayout xmlns:a="http://schemas.openxmlformats.org/drawingml/2006/main" xmlns:p="http://schemas.openxmlformats.org/presentationml/2006/main" xmlns:r="http://schemas.openxmlformats.org/officeDocument/2006/relationships" xmlns:p14="http://schemas.microsoft.com/office/powerpoint/2010/main" xmlns:p15="http://schemas.microsoft.com/office/powerpoint/2012/main" xmlns:mc="http://schemas.openxmlformats.org/markup-compatibility/2006" type="blank" preserve="1">
+<p:sldLayout xmlns:a="http://schemas.openxmlformats.org/drawingml/2006/main" xmlns:r="http://schemas.openxmlformats.org/officeDocument/2006/relationships" xmlns:p="http://schemas.openxmlformats.org/presentationml/2006/main" type="blank" preserve="1">
   <p:cSld name="Title, 6 Content">
     <p:spTree>
       <p:nvGrpSpPr>
@@ -363,10 +475,11 @@
           </a:prstGeom>
         </p:spPr>
         <p:txBody>
-          <a:bodyPr lIns="0" rIns="0" tIns="0" bIns="0" anchor="ctr"/>
+          <a:bodyPr lIns="0" tIns="0" rIns="0" bIns="0" anchor="ctr"/>
+          <a:lstStyle/>
           <a:p>
             <a:pPr algn="ctr"/>
-            <a:endParaRPr b="0" lang="de-DE" sz="4400" spc="-1" strike="noStrike">
+            <a:endParaRPr lang="de-DE" sz="4400" b="0" strike="noStrike" spc="-1">
               <a:latin typeface="Arial"/>
             </a:endParaRPr>
           </a:p>
@@ -392,11 +505,12 @@
           </a:prstGeom>
         </p:spPr>
         <p:txBody>
-          <a:bodyPr lIns="0" rIns="0" tIns="0" bIns="0">
+          <a:bodyPr lIns="0" tIns="0" rIns="0" bIns="0">
             <a:normAutofit/>
           </a:bodyPr>
-          <a:p>
-            <a:endParaRPr b="0" lang="de-DE" sz="3200" spc="-1" strike="noStrike">
+          <a:lstStyle/>
+          <a:p>
+            <a:endParaRPr lang="de-DE" sz="3200" b="0" strike="noStrike" spc="-1">
               <a:latin typeface="Arial"/>
             </a:endParaRPr>
           </a:p>
@@ -422,11 +536,12 @@
           </a:prstGeom>
         </p:spPr>
         <p:txBody>
-          <a:bodyPr lIns="0" rIns="0" tIns="0" bIns="0">
+          <a:bodyPr lIns="0" tIns="0" rIns="0" bIns="0">
             <a:normAutofit/>
           </a:bodyPr>
-          <a:p>
-            <a:endParaRPr b="0" lang="de-DE" sz="3200" spc="-1" strike="noStrike">
+          <a:lstStyle/>
+          <a:p>
+            <a:endParaRPr lang="de-DE" sz="3200" b="0" strike="noStrike" spc="-1">
               <a:latin typeface="Arial"/>
             </a:endParaRPr>
           </a:p>
@@ -452,11 +567,12 @@
           </a:prstGeom>
         </p:spPr>
         <p:txBody>
-          <a:bodyPr lIns="0" rIns="0" tIns="0" bIns="0">
+          <a:bodyPr lIns="0" tIns="0" rIns="0" bIns="0">
             <a:normAutofit/>
           </a:bodyPr>
-          <a:p>
-            <a:endParaRPr b="0" lang="de-DE" sz="3200" spc="-1" strike="noStrike">
+          <a:lstStyle/>
+          <a:p>
+            <a:endParaRPr lang="de-DE" sz="3200" b="0" strike="noStrike" spc="-1">
               <a:latin typeface="Arial"/>
             </a:endParaRPr>
           </a:p>
@@ -482,11 +598,12 @@
           </a:prstGeom>
         </p:spPr>
         <p:txBody>
-          <a:bodyPr lIns="0" rIns="0" tIns="0" bIns="0">
+          <a:bodyPr lIns="0" tIns="0" rIns="0" bIns="0">
             <a:normAutofit/>
           </a:bodyPr>
-          <a:p>
-            <a:endParaRPr b="0" lang="de-DE" sz="3200" spc="-1" strike="noStrike">
+          <a:lstStyle/>
+          <a:p>
+            <a:endParaRPr lang="de-DE" sz="3200" b="0" strike="noStrike" spc="-1">
               <a:latin typeface="Arial"/>
             </a:endParaRPr>
           </a:p>
@@ -512,11 +629,12 @@
           </a:prstGeom>
         </p:spPr>
         <p:txBody>
-          <a:bodyPr lIns="0" rIns="0" tIns="0" bIns="0">
+          <a:bodyPr lIns="0" tIns="0" rIns="0" bIns="0">
             <a:normAutofit/>
           </a:bodyPr>
-          <a:p>
-            <a:endParaRPr b="0" lang="de-DE" sz="3200" spc="-1" strike="noStrike">
+          <a:lstStyle/>
+          <a:p>
+            <a:endParaRPr lang="de-DE" sz="3200" b="0" strike="noStrike" spc="-1">
               <a:latin typeface="Arial"/>
             </a:endParaRPr>
           </a:p>
@@ -542,11 +660,12 @@
           </a:prstGeom>
         </p:spPr>
         <p:txBody>
-          <a:bodyPr lIns="0" rIns="0" tIns="0" bIns="0">
+          <a:bodyPr lIns="0" tIns="0" rIns="0" bIns="0">
             <a:normAutofit/>
           </a:bodyPr>
-          <a:p>
-            <a:endParaRPr b="0" lang="de-DE" sz="3200" spc="-1" strike="noStrike">
+          <a:lstStyle/>
+          <a:p>
+            <a:endParaRPr lang="de-DE" sz="3200" b="0" strike="noStrike" spc="-1">
               <a:latin typeface="Arial"/>
             </a:endParaRPr>
           </a:p>
@@ -554,11 +673,14 @@
       </p:sp>
     </p:spTree>
   </p:cSld>
+  <p:clrMapOvr>
+    <a:masterClrMapping/>
+  </p:clrMapOvr>
 </p:sldLayout>
 </file>
 
 <file path=ppt/slideLayouts/slideLayout13.xml><?xml version="1.0" encoding="utf-8"?>
-<p:sldLayout xmlns:a="http://schemas.openxmlformats.org/drawingml/2006/main" xmlns:p="http://schemas.openxmlformats.org/presentationml/2006/main" xmlns:r="http://schemas.openxmlformats.org/officeDocument/2006/relationships" xmlns:p14="http://schemas.microsoft.com/office/powerpoint/2010/main" xmlns:p15="http://schemas.microsoft.com/office/powerpoint/2012/main" xmlns:mc="http://schemas.openxmlformats.org/markup-compatibility/2006" type="blank" preserve="1">
+<p:sldLayout xmlns:a="http://schemas.openxmlformats.org/drawingml/2006/main" xmlns:r="http://schemas.openxmlformats.org/officeDocument/2006/relationships" xmlns:p="http://schemas.openxmlformats.org/presentationml/2006/main" type="blank" preserve="1">
   <p:cSld name="Blank Slide">
     <p:spTree>
       <p:nvGrpSpPr>
@@ -576,11 +698,14 @@
       </p:grpSpPr>
     </p:spTree>
   </p:cSld>
+  <p:clrMapOvr>
+    <a:masterClrMapping/>
+  </p:clrMapOvr>
 </p:sldLayout>
 </file>
 
 <file path=ppt/slideLayouts/slideLayout14.xml><?xml version="1.0" encoding="utf-8"?>
-<p:sldLayout xmlns:a="http://schemas.openxmlformats.org/drawingml/2006/main" xmlns:p="http://schemas.openxmlformats.org/presentationml/2006/main" xmlns:r="http://schemas.openxmlformats.org/officeDocument/2006/relationships" xmlns:p14="http://schemas.microsoft.com/office/powerpoint/2010/main" xmlns:p15="http://schemas.microsoft.com/office/powerpoint/2012/main" xmlns:mc="http://schemas.openxmlformats.org/markup-compatibility/2006" type="tx" preserve="1">
+<p:sldLayout xmlns:a="http://schemas.openxmlformats.org/drawingml/2006/main" xmlns:r="http://schemas.openxmlformats.org/officeDocument/2006/relationships" xmlns:p="http://schemas.openxmlformats.org/presentationml/2006/main" type="tx" preserve="1">
   <p:cSld name="Title Slide">
     <p:spTree>
       <p:nvGrpSpPr>
@@ -616,10 +741,11 @@
           </a:prstGeom>
         </p:spPr>
         <p:txBody>
-          <a:bodyPr lIns="0" rIns="0" tIns="0" bIns="0" anchor="ctr"/>
+          <a:bodyPr lIns="0" tIns="0" rIns="0" bIns="0" anchor="ctr"/>
+          <a:lstStyle/>
           <a:p>
             <a:pPr algn="ctr"/>
-            <a:endParaRPr b="0" lang="de-DE" sz="4400" spc="-1" strike="noStrike">
+            <a:endParaRPr lang="de-DE" sz="4400" b="0" strike="noStrike" spc="-1">
               <a:latin typeface="Arial"/>
             </a:endParaRPr>
           </a:p>
@@ -645,10 +771,11 @@
           </a:prstGeom>
         </p:spPr>
         <p:txBody>
-          <a:bodyPr lIns="0" rIns="0" tIns="0" bIns="0" anchor="ctr"/>
+          <a:bodyPr lIns="0" tIns="0" rIns="0" bIns="0" anchor="ctr"/>
+          <a:lstStyle/>
           <a:p>
             <a:pPr algn="ctr"/>
-            <a:endParaRPr b="0" lang="de-DE" sz="3200" spc="-1" strike="noStrike">
+            <a:endParaRPr lang="de-DE" sz="3200" b="0" strike="noStrike" spc="-1">
               <a:latin typeface="Arial"/>
             </a:endParaRPr>
           </a:p>
@@ -656,11 +783,14 @@
       </p:sp>
     </p:spTree>
   </p:cSld>
+  <p:clrMapOvr>
+    <a:masterClrMapping/>
+  </p:clrMapOvr>
 </p:sldLayout>
 </file>
 
 <file path=ppt/slideLayouts/slideLayout15.xml><?xml version="1.0" encoding="utf-8"?>
-<p:sldLayout xmlns:a="http://schemas.openxmlformats.org/drawingml/2006/main" xmlns:p="http://schemas.openxmlformats.org/presentationml/2006/main" xmlns:r="http://schemas.openxmlformats.org/officeDocument/2006/relationships" xmlns:p14="http://schemas.microsoft.com/office/powerpoint/2010/main" xmlns:p15="http://schemas.microsoft.com/office/powerpoint/2012/main" xmlns:mc="http://schemas.openxmlformats.org/markup-compatibility/2006" type="obj" preserve="1">
+<p:sldLayout xmlns:a="http://schemas.openxmlformats.org/drawingml/2006/main" xmlns:r="http://schemas.openxmlformats.org/officeDocument/2006/relationships" xmlns:p="http://schemas.openxmlformats.org/presentationml/2006/main" type="obj" preserve="1">
   <p:cSld name="Title, Content">
     <p:spTree>
       <p:nvGrpSpPr>
@@ -696,10 +826,11 @@
           </a:prstGeom>
         </p:spPr>
         <p:txBody>
-          <a:bodyPr lIns="0" rIns="0" tIns="0" bIns="0" anchor="ctr"/>
+          <a:bodyPr lIns="0" tIns="0" rIns="0" bIns="0" anchor="ctr"/>
+          <a:lstStyle/>
           <a:p>
             <a:pPr algn="ctr"/>
-            <a:endParaRPr b="0" lang="de-DE" sz="4400" spc="-1" strike="noStrike">
+            <a:endParaRPr lang="de-DE" sz="4400" b="0" strike="noStrike" spc="-1">
               <a:latin typeface="Arial"/>
             </a:endParaRPr>
           </a:p>
@@ -725,11 +856,12 @@
           </a:prstGeom>
         </p:spPr>
         <p:txBody>
-          <a:bodyPr lIns="0" rIns="0" tIns="0" bIns="0">
+          <a:bodyPr lIns="0" tIns="0" rIns="0" bIns="0">
             <a:normAutofit/>
           </a:bodyPr>
-          <a:p>
-            <a:endParaRPr b="0" lang="de-DE" sz="3200" spc="-1" strike="noStrike">
+          <a:lstStyle/>
+          <a:p>
+            <a:endParaRPr lang="de-DE" sz="3200" b="0" strike="noStrike" spc="-1">
               <a:latin typeface="Arial"/>
             </a:endParaRPr>
           </a:p>
@@ -737,11 +869,14 @@
       </p:sp>
     </p:spTree>
   </p:cSld>
+  <p:clrMapOvr>
+    <a:masterClrMapping/>
+  </p:clrMapOvr>
 </p:sldLayout>
 </file>
 
 <file path=ppt/slideLayouts/slideLayout16.xml><?xml version="1.0" encoding="utf-8"?>
-<p:sldLayout xmlns:a="http://schemas.openxmlformats.org/drawingml/2006/main" xmlns:p="http://schemas.openxmlformats.org/presentationml/2006/main" xmlns:r="http://schemas.openxmlformats.org/officeDocument/2006/relationships" xmlns:p14="http://schemas.microsoft.com/office/powerpoint/2010/main" xmlns:p15="http://schemas.microsoft.com/office/powerpoint/2012/main" xmlns:mc="http://schemas.openxmlformats.org/markup-compatibility/2006" type="twoObj" preserve="1">
+<p:sldLayout xmlns:a="http://schemas.openxmlformats.org/drawingml/2006/main" xmlns:r="http://schemas.openxmlformats.org/officeDocument/2006/relationships" xmlns:p="http://schemas.openxmlformats.org/presentationml/2006/main" type="twoObj" preserve="1">
   <p:cSld name="Title, 2 Content">
     <p:spTree>
       <p:nvGrpSpPr>
@@ -777,10 +912,11 @@
           </a:prstGeom>
         </p:spPr>
         <p:txBody>
-          <a:bodyPr lIns="0" rIns="0" tIns="0" bIns="0" anchor="ctr"/>
+          <a:bodyPr lIns="0" tIns="0" rIns="0" bIns="0" anchor="ctr"/>
+          <a:lstStyle/>
           <a:p>
             <a:pPr algn="ctr"/>
-            <a:endParaRPr b="0" lang="de-DE" sz="4400" spc="-1" strike="noStrike">
+            <a:endParaRPr lang="de-DE" sz="4400" b="0" strike="noStrike" spc="-1">
               <a:latin typeface="Arial"/>
             </a:endParaRPr>
           </a:p>
@@ -806,11 +942,12 @@
           </a:prstGeom>
         </p:spPr>
         <p:txBody>
-          <a:bodyPr lIns="0" rIns="0" tIns="0" bIns="0">
+          <a:bodyPr lIns="0" tIns="0" rIns="0" bIns="0">
             <a:normAutofit/>
           </a:bodyPr>
-          <a:p>
-            <a:endParaRPr b="0" lang="de-DE" sz="3200" spc="-1" strike="noStrike">
+          <a:lstStyle/>
+          <a:p>
+            <a:endParaRPr lang="de-DE" sz="3200" b="0" strike="noStrike" spc="-1">
               <a:latin typeface="Arial"/>
             </a:endParaRPr>
           </a:p>
@@ -836,11 +973,12 @@
           </a:prstGeom>
         </p:spPr>
         <p:txBody>
-          <a:bodyPr lIns="0" rIns="0" tIns="0" bIns="0">
+          <a:bodyPr lIns="0" tIns="0" rIns="0" bIns="0">
             <a:normAutofit/>
           </a:bodyPr>
-          <a:p>
-            <a:endParaRPr b="0" lang="de-DE" sz="3200" spc="-1" strike="noStrike">
+          <a:lstStyle/>
+          <a:p>
+            <a:endParaRPr lang="de-DE" sz="3200" b="0" strike="noStrike" spc="-1">
               <a:latin typeface="Arial"/>
             </a:endParaRPr>
           </a:p>
@@ -848,11 +986,14 @@
       </p:sp>
     </p:spTree>
   </p:cSld>
+  <p:clrMapOvr>
+    <a:masterClrMapping/>
+  </p:clrMapOvr>
 </p:sldLayout>
 </file>
 
 <file path=ppt/slideLayouts/slideLayout17.xml><?xml version="1.0" encoding="utf-8"?>
-<p:sldLayout xmlns:a="http://schemas.openxmlformats.org/drawingml/2006/main" xmlns:p="http://schemas.openxmlformats.org/presentationml/2006/main" xmlns:r="http://schemas.openxmlformats.org/officeDocument/2006/relationships" xmlns:p14="http://schemas.microsoft.com/office/powerpoint/2010/main" xmlns:p15="http://schemas.microsoft.com/office/powerpoint/2012/main" xmlns:mc="http://schemas.openxmlformats.org/markup-compatibility/2006" type="titleOnly" preserve="1">
+<p:sldLayout xmlns:a="http://schemas.openxmlformats.org/drawingml/2006/main" xmlns:r="http://schemas.openxmlformats.org/officeDocument/2006/relationships" xmlns:p="http://schemas.openxmlformats.org/presentationml/2006/main" type="titleOnly" preserve="1">
   <p:cSld name="Title Only">
     <p:spTree>
       <p:nvGrpSpPr>
@@ -888,10 +1029,11 @@
           </a:prstGeom>
         </p:spPr>
         <p:txBody>
-          <a:bodyPr lIns="0" rIns="0" tIns="0" bIns="0" anchor="ctr"/>
+          <a:bodyPr lIns="0" tIns="0" rIns="0" bIns="0" anchor="ctr"/>
+          <a:lstStyle/>
           <a:p>
             <a:pPr algn="ctr"/>
-            <a:endParaRPr b="0" lang="de-DE" sz="4400" spc="-1" strike="noStrike">
+            <a:endParaRPr lang="de-DE" sz="4400" b="0" strike="noStrike" spc="-1">
               <a:latin typeface="Arial"/>
             </a:endParaRPr>
           </a:p>
@@ -899,11 +1041,14 @@
       </p:sp>
     </p:spTree>
   </p:cSld>
+  <p:clrMapOvr>
+    <a:masterClrMapping/>
+  </p:clrMapOvr>
 </p:sldLayout>
 </file>
 
 <file path=ppt/slideLayouts/slideLayout18.xml><?xml version="1.0" encoding="utf-8"?>
-<p:sldLayout xmlns:a="http://schemas.openxmlformats.org/drawingml/2006/main" xmlns:p="http://schemas.openxmlformats.org/presentationml/2006/main" xmlns:r="http://schemas.openxmlformats.org/officeDocument/2006/relationships" xmlns:p14="http://schemas.microsoft.com/office/powerpoint/2010/main" xmlns:p15="http://schemas.microsoft.com/office/powerpoint/2012/main" xmlns:mc="http://schemas.openxmlformats.org/markup-compatibility/2006" type="objOnly" preserve="1">
+<p:sldLayout xmlns:a="http://schemas.openxmlformats.org/drawingml/2006/main" xmlns:r="http://schemas.openxmlformats.org/officeDocument/2006/relationships" xmlns:p="http://schemas.openxmlformats.org/presentationml/2006/main" type="objOnly" preserve="1">
   <p:cSld name="Centered Text">
     <p:spTree>
       <p:nvGrpSpPr>
@@ -939,10 +1084,11 @@
           </a:prstGeom>
         </p:spPr>
         <p:txBody>
-          <a:bodyPr lIns="0" rIns="0" tIns="0" bIns="0" anchor="ctr"/>
+          <a:bodyPr lIns="0" tIns="0" rIns="0" bIns="0" anchor="ctr"/>
+          <a:lstStyle/>
           <a:p>
             <a:pPr algn="ctr"/>
-            <a:endParaRPr b="0" lang="de-DE" sz="3200" spc="-1" strike="noStrike">
+            <a:endParaRPr lang="de-DE" sz="3200" b="0" strike="noStrike" spc="-1">
               <a:latin typeface="Arial"/>
             </a:endParaRPr>
           </a:p>
@@ -950,11 +1096,14 @@
       </p:sp>
     </p:spTree>
   </p:cSld>
+  <p:clrMapOvr>
+    <a:masterClrMapping/>
+  </p:clrMapOvr>
 </p:sldLayout>
 </file>
 
 <file path=ppt/slideLayouts/slideLayout19.xml><?xml version="1.0" encoding="utf-8"?>
-<p:sldLayout xmlns:a="http://schemas.openxmlformats.org/drawingml/2006/main" xmlns:p="http://schemas.openxmlformats.org/presentationml/2006/main" xmlns:r="http://schemas.openxmlformats.org/officeDocument/2006/relationships" xmlns:p14="http://schemas.microsoft.com/office/powerpoint/2010/main" xmlns:p15="http://schemas.microsoft.com/office/powerpoint/2012/main" xmlns:mc="http://schemas.openxmlformats.org/markup-compatibility/2006" type="twoObjAndObj" preserve="1">
+<p:sldLayout xmlns:a="http://schemas.openxmlformats.org/drawingml/2006/main" xmlns:r="http://schemas.openxmlformats.org/officeDocument/2006/relationships" xmlns:p="http://schemas.openxmlformats.org/presentationml/2006/main" type="twoObjAndObj" preserve="1">
   <p:cSld name="Title, 2 Content and Content">
     <p:spTree>
       <p:nvGrpSpPr>
@@ -990,10 +1139,11 @@
           </a:prstGeom>
         </p:spPr>
         <p:txBody>
-          <a:bodyPr lIns="0" rIns="0" tIns="0" bIns="0" anchor="ctr"/>
+          <a:bodyPr lIns="0" tIns="0" rIns="0" bIns="0" anchor="ctr"/>
+          <a:lstStyle/>
           <a:p>
             <a:pPr algn="ctr"/>
-            <a:endParaRPr b="0" lang="de-DE" sz="4400" spc="-1" strike="noStrike">
+            <a:endParaRPr lang="de-DE" sz="4400" b="0" strike="noStrike" spc="-1">
               <a:latin typeface="Arial"/>
             </a:endParaRPr>
           </a:p>
@@ -1019,11 +1169,12 @@
           </a:prstGeom>
         </p:spPr>
         <p:txBody>
-          <a:bodyPr lIns="0" rIns="0" tIns="0" bIns="0">
+          <a:bodyPr lIns="0" tIns="0" rIns="0" bIns="0">
             <a:normAutofit/>
           </a:bodyPr>
-          <a:p>
-            <a:endParaRPr b="0" lang="de-DE" sz="3200" spc="-1" strike="noStrike">
+          <a:lstStyle/>
+          <a:p>
+            <a:endParaRPr lang="de-DE" sz="3200" b="0" strike="noStrike" spc="-1">
               <a:latin typeface="Arial"/>
             </a:endParaRPr>
           </a:p>
@@ -1049,11 +1200,12 @@
           </a:prstGeom>
         </p:spPr>
         <p:txBody>
-          <a:bodyPr lIns="0" rIns="0" tIns="0" bIns="0">
+          <a:bodyPr lIns="0" tIns="0" rIns="0" bIns="0">
             <a:normAutofit/>
           </a:bodyPr>
-          <a:p>
-            <a:endParaRPr b="0" lang="de-DE" sz="3200" spc="-1" strike="noStrike">
+          <a:lstStyle/>
+          <a:p>
+            <a:endParaRPr lang="de-DE" sz="3200" b="0" strike="noStrike" spc="-1">
               <a:latin typeface="Arial"/>
             </a:endParaRPr>
           </a:p>
@@ -1079,11 +1231,12 @@
           </a:prstGeom>
         </p:spPr>
         <p:txBody>
-          <a:bodyPr lIns="0" rIns="0" tIns="0" bIns="0">
+          <a:bodyPr lIns="0" tIns="0" rIns="0" bIns="0">
             <a:normAutofit/>
           </a:bodyPr>
-          <a:p>
-            <a:endParaRPr b="0" lang="de-DE" sz="3200" spc="-1" strike="noStrike">
+          <a:lstStyle/>
+          <a:p>
+            <a:endParaRPr lang="de-DE" sz="3200" b="0" strike="noStrike" spc="-1">
               <a:latin typeface="Arial"/>
             </a:endParaRPr>
           </a:p>
@@ -1091,11 +1244,14 @@
       </p:sp>
     </p:spTree>
   </p:cSld>
+  <p:clrMapOvr>
+    <a:masterClrMapping/>
+  </p:clrMapOvr>
 </p:sldLayout>
 </file>
 
 <file path=ppt/slideLayouts/slideLayout2.xml><?xml version="1.0" encoding="utf-8"?>
-<p:sldLayout xmlns:a="http://schemas.openxmlformats.org/drawingml/2006/main" xmlns:p="http://schemas.openxmlformats.org/presentationml/2006/main" xmlns:r="http://schemas.openxmlformats.org/officeDocument/2006/relationships" xmlns:p14="http://schemas.microsoft.com/office/powerpoint/2010/main" xmlns:p15="http://schemas.microsoft.com/office/powerpoint/2012/main" xmlns:mc="http://schemas.openxmlformats.org/markup-compatibility/2006" type="tx" preserve="1">
+<p:sldLayout xmlns:a="http://schemas.openxmlformats.org/drawingml/2006/main" xmlns:r="http://schemas.openxmlformats.org/officeDocument/2006/relationships" xmlns:p="http://schemas.openxmlformats.org/presentationml/2006/main" type="tx" preserve="1">
   <p:cSld name="Title Slide">
     <p:spTree>
       <p:nvGrpSpPr>
@@ -1131,10 +1287,11 @@
           </a:prstGeom>
         </p:spPr>
         <p:txBody>
-          <a:bodyPr lIns="0" rIns="0" tIns="0" bIns="0" anchor="ctr"/>
+          <a:bodyPr lIns="0" tIns="0" rIns="0" bIns="0" anchor="ctr"/>
+          <a:lstStyle/>
           <a:p>
             <a:pPr algn="ctr"/>
-            <a:endParaRPr b="0" lang="de-DE" sz="4400" spc="-1" strike="noStrike">
+            <a:endParaRPr lang="de-DE" sz="4400" b="0" strike="noStrike" spc="-1">
               <a:latin typeface="Arial"/>
             </a:endParaRPr>
           </a:p>
@@ -1160,10 +1317,11 @@
           </a:prstGeom>
         </p:spPr>
         <p:txBody>
-          <a:bodyPr lIns="0" rIns="0" tIns="0" bIns="0" anchor="ctr"/>
+          <a:bodyPr lIns="0" tIns="0" rIns="0" bIns="0" anchor="ctr"/>
+          <a:lstStyle/>
           <a:p>
             <a:pPr algn="ctr"/>
-            <a:endParaRPr b="0" lang="de-DE" sz="3200" spc="-1" strike="noStrike">
+            <a:endParaRPr lang="de-DE" sz="3200" b="0" strike="noStrike" spc="-1">
               <a:latin typeface="Arial"/>
             </a:endParaRPr>
           </a:p>
@@ -1171,11 +1329,14 @@
       </p:sp>
     </p:spTree>
   </p:cSld>
+  <p:clrMapOvr>
+    <a:masterClrMapping/>
+  </p:clrMapOvr>
 </p:sldLayout>
 </file>
 
 <file path=ppt/slideLayouts/slideLayout20.xml><?xml version="1.0" encoding="utf-8"?>
-<p:sldLayout xmlns:a="http://schemas.openxmlformats.org/drawingml/2006/main" xmlns:p="http://schemas.openxmlformats.org/presentationml/2006/main" xmlns:r="http://schemas.openxmlformats.org/officeDocument/2006/relationships" xmlns:p14="http://schemas.microsoft.com/office/powerpoint/2010/main" xmlns:p15="http://schemas.microsoft.com/office/powerpoint/2012/main" xmlns:mc="http://schemas.openxmlformats.org/markup-compatibility/2006" type="objAndTwoObj" preserve="1">
+<p:sldLayout xmlns:a="http://schemas.openxmlformats.org/drawingml/2006/main" xmlns:r="http://schemas.openxmlformats.org/officeDocument/2006/relationships" xmlns:p="http://schemas.openxmlformats.org/presentationml/2006/main" type="objAndTwoObj" preserve="1">
   <p:cSld name="Title Content and 2 Content">
     <p:spTree>
       <p:nvGrpSpPr>
@@ -1211,10 +1372,11 @@
           </a:prstGeom>
         </p:spPr>
         <p:txBody>
-          <a:bodyPr lIns="0" rIns="0" tIns="0" bIns="0" anchor="ctr"/>
+          <a:bodyPr lIns="0" tIns="0" rIns="0" bIns="0" anchor="ctr"/>
+          <a:lstStyle/>
           <a:p>
             <a:pPr algn="ctr"/>
-            <a:endParaRPr b="0" lang="de-DE" sz="4400" spc="-1" strike="noStrike">
+            <a:endParaRPr lang="de-DE" sz="4400" b="0" strike="noStrike" spc="-1">
               <a:latin typeface="Arial"/>
             </a:endParaRPr>
           </a:p>
@@ -1240,11 +1402,12 @@
           </a:prstGeom>
         </p:spPr>
         <p:txBody>
-          <a:bodyPr lIns="0" rIns="0" tIns="0" bIns="0">
+          <a:bodyPr lIns="0" tIns="0" rIns="0" bIns="0">
             <a:normAutofit/>
           </a:bodyPr>
-          <a:p>
-            <a:endParaRPr b="0" lang="de-DE" sz="3200" spc="-1" strike="noStrike">
+          <a:lstStyle/>
+          <a:p>
+            <a:endParaRPr lang="de-DE" sz="3200" b="0" strike="noStrike" spc="-1">
               <a:latin typeface="Arial"/>
             </a:endParaRPr>
           </a:p>
@@ -1270,11 +1433,12 @@
           </a:prstGeom>
         </p:spPr>
         <p:txBody>
-          <a:bodyPr lIns="0" rIns="0" tIns="0" bIns="0">
+          <a:bodyPr lIns="0" tIns="0" rIns="0" bIns="0">
             <a:normAutofit/>
           </a:bodyPr>
-          <a:p>
-            <a:endParaRPr b="0" lang="de-DE" sz="3200" spc="-1" strike="noStrike">
+          <a:lstStyle/>
+          <a:p>
+            <a:endParaRPr lang="de-DE" sz="3200" b="0" strike="noStrike" spc="-1">
               <a:latin typeface="Arial"/>
             </a:endParaRPr>
           </a:p>
@@ -1300,11 +1464,12 @@
           </a:prstGeom>
         </p:spPr>
         <p:txBody>
-          <a:bodyPr lIns="0" rIns="0" tIns="0" bIns="0">
+          <a:bodyPr lIns="0" tIns="0" rIns="0" bIns="0">
             <a:normAutofit/>
           </a:bodyPr>
-          <a:p>
-            <a:endParaRPr b="0" lang="de-DE" sz="3200" spc="-1" strike="noStrike">
+          <a:lstStyle/>
+          <a:p>
+            <a:endParaRPr lang="de-DE" sz="3200" b="0" strike="noStrike" spc="-1">
               <a:latin typeface="Arial"/>
             </a:endParaRPr>
           </a:p>
@@ -1312,11 +1477,14 @@
       </p:sp>
     </p:spTree>
   </p:cSld>
+  <p:clrMapOvr>
+    <a:masterClrMapping/>
+  </p:clrMapOvr>
 </p:sldLayout>
 </file>
 
 <file path=ppt/slideLayouts/slideLayout21.xml><?xml version="1.0" encoding="utf-8"?>
-<p:sldLayout xmlns:a="http://schemas.openxmlformats.org/drawingml/2006/main" xmlns:p="http://schemas.openxmlformats.org/presentationml/2006/main" xmlns:r="http://schemas.openxmlformats.org/officeDocument/2006/relationships" xmlns:p14="http://schemas.microsoft.com/office/powerpoint/2010/main" xmlns:p15="http://schemas.microsoft.com/office/powerpoint/2012/main" xmlns:mc="http://schemas.openxmlformats.org/markup-compatibility/2006" type="twoObjOverTx" preserve="1">
+<p:sldLayout xmlns:a="http://schemas.openxmlformats.org/drawingml/2006/main" xmlns:r="http://schemas.openxmlformats.org/officeDocument/2006/relationships" xmlns:p="http://schemas.openxmlformats.org/presentationml/2006/main" type="twoObjOverTx" preserve="1">
   <p:cSld name="Title, 2 Content over Content">
     <p:spTree>
       <p:nvGrpSpPr>
@@ -1352,10 +1520,11 @@
           </a:prstGeom>
         </p:spPr>
         <p:txBody>
-          <a:bodyPr lIns="0" rIns="0" tIns="0" bIns="0" anchor="ctr"/>
+          <a:bodyPr lIns="0" tIns="0" rIns="0" bIns="0" anchor="ctr"/>
+          <a:lstStyle/>
           <a:p>
             <a:pPr algn="ctr"/>
-            <a:endParaRPr b="0" lang="de-DE" sz="4400" spc="-1" strike="noStrike">
+            <a:endParaRPr lang="de-DE" sz="4400" b="0" strike="noStrike" spc="-1">
               <a:latin typeface="Arial"/>
             </a:endParaRPr>
           </a:p>
@@ -1381,11 +1550,12 @@
           </a:prstGeom>
         </p:spPr>
         <p:txBody>
-          <a:bodyPr lIns="0" rIns="0" tIns="0" bIns="0">
+          <a:bodyPr lIns="0" tIns="0" rIns="0" bIns="0">
             <a:normAutofit/>
           </a:bodyPr>
-          <a:p>
-            <a:endParaRPr b="0" lang="de-DE" sz="3200" spc="-1" strike="noStrike">
+          <a:lstStyle/>
+          <a:p>
+            <a:endParaRPr lang="de-DE" sz="3200" b="0" strike="noStrike" spc="-1">
               <a:latin typeface="Arial"/>
             </a:endParaRPr>
           </a:p>
@@ -1411,11 +1581,12 @@
           </a:prstGeom>
         </p:spPr>
         <p:txBody>
-          <a:bodyPr lIns="0" rIns="0" tIns="0" bIns="0">
+          <a:bodyPr lIns="0" tIns="0" rIns="0" bIns="0">
             <a:normAutofit/>
           </a:bodyPr>
-          <a:p>
-            <a:endParaRPr b="0" lang="de-DE" sz="3200" spc="-1" strike="noStrike">
+          <a:lstStyle/>
+          <a:p>
+            <a:endParaRPr lang="de-DE" sz="3200" b="0" strike="noStrike" spc="-1">
               <a:latin typeface="Arial"/>
             </a:endParaRPr>
           </a:p>
@@ -1441,11 +1612,12 @@
           </a:prstGeom>
         </p:spPr>
         <p:txBody>
-          <a:bodyPr lIns="0" rIns="0" tIns="0" bIns="0">
+          <a:bodyPr lIns="0" tIns="0" rIns="0" bIns="0">
             <a:normAutofit/>
           </a:bodyPr>
-          <a:p>
-            <a:endParaRPr b="0" lang="de-DE" sz="3200" spc="-1" strike="noStrike">
+          <a:lstStyle/>
+          <a:p>
+            <a:endParaRPr lang="de-DE" sz="3200" b="0" strike="noStrike" spc="-1">
               <a:latin typeface="Arial"/>
             </a:endParaRPr>
           </a:p>
@@ -1453,11 +1625,14 @@
       </p:sp>
     </p:spTree>
   </p:cSld>
+  <p:clrMapOvr>
+    <a:masterClrMapping/>
+  </p:clrMapOvr>
 </p:sldLayout>
 </file>
 
 <file path=ppt/slideLayouts/slideLayout22.xml><?xml version="1.0" encoding="utf-8"?>
-<p:sldLayout xmlns:a="http://schemas.openxmlformats.org/drawingml/2006/main" xmlns:p="http://schemas.openxmlformats.org/presentationml/2006/main" xmlns:r="http://schemas.openxmlformats.org/officeDocument/2006/relationships" xmlns:p14="http://schemas.microsoft.com/office/powerpoint/2010/main" xmlns:p15="http://schemas.microsoft.com/office/powerpoint/2012/main" xmlns:mc="http://schemas.openxmlformats.org/markup-compatibility/2006" type="objOverTx" preserve="1">
+<p:sldLayout xmlns:a="http://schemas.openxmlformats.org/drawingml/2006/main" xmlns:r="http://schemas.openxmlformats.org/officeDocument/2006/relationships" xmlns:p="http://schemas.openxmlformats.org/presentationml/2006/main" type="objOverTx" preserve="1">
   <p:cSld name="Title, Content over Content">
     <p:spTree>
       <p:nvGrpSpPr>
@@ -1493,10 +1668,11 @@
           </a:prstGeom>
         </p:spPr>
         <p:txBody>
-          <a:bodyPr lIns="0" rIns="0" tIns="0" bIns="0" anchor="ctr"/>
+          <a:bodyPr lIns="0" tIns="0" rIns="0" bIns="0" anchor="ctr"/>
+          <a:lstStyle/>
           <a:p>
             <a:pPr algn="ctr"/>
-            <a:endParaRPr b="0" lang="de-DE" sz="4400" spc="-1" strike="noStrike">
+            <a:endParaRPr lang="de-DE" sz="4400" b="0" strike="noStrike" spc="-1">
               <a:latin typeface="Arial"/>
             </a:endParaRPr>
           </a:p>
@@ -1522,11 +1698,12 @@
           </a:prstGeom>
         </p:spPr>
         <p:txBody>
-          <a:bodyPr lIns="0" rIns="0" tIns="0" bIns="0">
+          <a:bodyPr lIns="0" tIns="0" rIns="0" bIns="0">
             <a:normAutofit/>
           </a:bodyPr>
-          <a:p>
-            <a:endParaRPr b="0" lang="de-DE" sz="3200" spc="-1" strike="noStrike">
+          <a:lstStyle/>
+          <a:p>
+            <a:endParaRPr lang="de-DE" sz="3200" b="0" strike="noStrike" spc="-1">
               <a:latin typeface="Arial"/>
             </a:endParaRPr>
           </a:p>
@@ -1552,11 +1729,12 @@
           </a:prstGeom>
         </p:spPr>
         <p:txBody>
-          <a:bodyPr lIns="0" rIns="0" tIns="0" bIns="0">
+          <a:bodyPr lIns="0" tIns="0" rIns="0" bIns="0">
             <a:normAutofit/>
           </a:bodyPr>
-          <a:p>
-            <a:endParaRPr b="0" lang="de-DE" sz="3200" spc="-1" strike="noStrike">
+          <a:lstStyle/>
+          <a:p>
+            <a:endParaRPr lang="de-DE" sz="3200" b="0" strike="noStrike" spc="-1">
               <a:latin typeface="Arial"/>
             </a:endParaRPr>
           </a:p>
@@ -1564,11 +1742,14 @@
       </p:sp>
     </p:spTree>
   </p:cSld>
+  <p:clrMapOvr>
+    <a:masterClrMapping/>
+  </p:clrMapOvr>
 </p:sldLayout>
 </file>
 
 <file path=ppt/slideLayouts/slideLayout23.xml><?xml version="1.0" encoding="utf-8"?>
-<p:sldLayout xmlns:a="http://schemas.openxmlformats.org/drawingml/2006/main" xmlns:p="http://schemas.openxmlformats.org/presentationml/2006/main" xmlns:r="http://schemas.openxmlformats.org/officeDocument/2006/relationships" xmlns:p14="http://schemas.microsoft.com/office/powerpoint/2010/main" xmlns:p15="http://schemas.microsoft.com/office/powerpoint/2012/main" xmlns:mc="http://schemas.openxmlformats.org/markup-compatibility/2006" type="fourObj" preserve="1">
+<p:sldLayout xmlns:a="http://schemas.openxmlformats.org/drawingml/2006/main" xmlns:r="http://schemas.openxmlformats.org/officeDocument/2006/relationships" xmlns:p="http://schemas.openxmlformats.org/presentationml/2006/main" type="fourObj" preserve="1">
   <p:cSld name="Title, 4 Content">
     <p:spTree>
       <p:nvGrpSpPr>
@@ -1604,10 +1785,11 @@
           </a:prstGeom>
         </p:spPr>
         <p:txBody>
-          <a:bodyPr lIns="0" rIns="0" tIns="0" bIns="0" anchor="ctr"/>
+          <a:bodyPr lIns="0" tIns="0" rIns="0" bIns="0" anchor="ctr"/>
+          <a:lstStyle/>
           <a:p>
             <a:pPr algn="ctr"/>
-            <a:endParaRPr b="0" lang="de-DE" sz="4400" spc="-1" strike="noStrike">
+            <a:endParaRPr lang="de-DE" sz="4400" b="0" strike="noStrike" spc="-1">
               <a:latin typeface="Arial"/>
             </a:endParaRPr>
           </a:p>
@@ -1633,11 +1815,12 @@
           </a:prstGeom>
         </p:spPr>
         <p:txBody>
-          <a:bodyPr lIns="0" rIns="0" tIns="0" bIns="0">
+          <a:bodyPr lIns="0" tIns="0" rIns="0" bIns="0">
             <a:normAutofit/>
           </a:bodyPr>
-          <a:p>
-            <a:endParaRPr b="0" lang="de-DE" sz="3200" spc="-1" strike="noStrike">
+          <a:lstStyle/>
+          <a:p>
+            <a:endParaRPr lang="de-DE" sz="3200" b="0" strike="noStrike" spc="-1">
               <a:latin typeface="Arial"/>
             </a:endParaRPr>
           </a:p>
@@ -1663,11 +1846,12 @@
           </a:prstGeom>
         </p:spPr>
         <p:txBody>
-          <a:bodyPr lIns="0" rIns="0" tIns="0" bIns="0">
+          <a:bodyPr lIns="0" tIns="0" rIns="0" bIns="0">
             <a:normAutofit/>
           </a:bodyPr>
-          <a:p>
-            <a:endParaRPr b="0" lang="de-DE" sz="3200" spc="-1" strike="noStrike">
+          <a:lstStyle/>
+          <a:p>
+            <a:endParaRPr lang="de-DE" sz="3200" b="0" strike="noStrike" spc="-1">
               <a:latin typeface="Arial"/>
             </a:endParaRPr>
           </a:p>
@@ -1693,11 +1877,12 @@
           </a:prstGeom>
         </p:spPr>
         <p:txBody>
-          <a:bodyPr lIns="0" rIns="0" tIns="0" bIns="0">
+          <a:bodyPr lIns="0" tIns="0" rIns="0" bIns="0">
             <a:normAutofit/>
           </a:bodyPr>
-          <a:p>
-            <a:endParaRPr b="0" lang="de-DE" sz="3200" spc="-1" strike="noStrike">
+          <a:lstStyle/>
+          <a:p>
+            <a:endParaRPr lang="de-DE" sz="3200" b="0" strike="noStrike" spc="-1">
               <a:latin typeface="Arial"/>
             </a:endParaRPr>
           </a:p>
@@ -1723,11 +1908,12 @@
           </a:prstGeom>
         </p:spPr>
         <p:txBody>
-          <a:bodyPr lIns="0" rIns="0" tIns="0" bIns="0">
+          <a:bodyPr lIns="0" tIns="0" rIns="0" bIns="0">
             <a:normAutofit/>
           </a:bodyPr>
-          <a:p>
-            <a:endParaRPr b="0" lang="de-DE" sz="3200" spc="-1" strike="noStrike">
+          <a:lstStyle/>
+          <a:p>
+            <a:endParaRPr lang="de-DE" sz="3200" b="0" strike="noStrike" spc="-1">
               <a:latin typeface="Arial"/>
             </a:endParaRPr>
           </a:p>
@@ -1735,11 +1921,14 @@
       </p:sp>
     </p:spTree>
   </p:cSld>
+  <p:clrMapOvr>
+    <a:masterClrMapping/>
+  </p:clrMapOvr>
 </p:sldLayout>
 </file>
 
 <file path=ppt/slideLayouts/slideLayout24.xml><?xml version="1.0" encoding="utf-8"?>
-<p:sldLayout xmlns:a="http://schemas.openxmlformats.org/drawingml/2006/main" xmlns:p="http://schemas.openxmlformats.org/presentationml/2006/main" xmlns:r="http://schemas.openxmlformats.org/officeDocument/2006/relationships" xmlns:p14="http://schemas.microsoft.com/office/powerpoint/2010/main" xmlns:p15="http://schemas.microsoft.com/office/powerpoint/2012/main" xmlns:mc="http://schemas.openxmlformats.org/markup-compatibility/2006" type="blank" preserve="1">
+<p:sldLayout xmlns:a="http://schemas.openxmlformats.org/drawingml/2006/main" xmlns:r="http://schemas.openxmlformats.org/officeDocument/2006/relationships" xmlns:p="http://schemas.openxmlformats.org/presentationml/2006/main" type="blank" preserve="1">
   <p:cSld name="Title, 6 Content">
     <p:spTree>
       <p:nvGrpSpPr>
@@ -1775,10 +1964,11 @@
           </a:prstGeom>
         </p:spPr>
         <p:txBody>
-          <a:bodyPr lIns="0" rIns="0" tIns="0" bIns="0" anchor="ctr"/>
+          <a:bodyPr lIns="0" tIns="0" rIns="0" bIns="0" anchor="ctr"/>
+          <a:lstStyle/>
           <a:p>
             <a:pPr algn="ctr"/>
-            <a:endParaRPr b="0" lang="de-DE" sz="4400" spc="-1" strike="noStrike">
+            <a:endParaRPr lang="de-DE" sz="4400" b="0" strike="noStrike" spc="-1">
               <a:latin typeface="Arial"/>
             </a:endParaRPr>
           </a:p>
@@ -1804,11 +1994,12 @@
           </a:prstGeom>
         </p:spPr>
         <p:txBody>
-          <a:bodyPr lIns="0" rIns="0" tIns="0" bIns="0">
+          <a:bodyPr lIns="0" tIns="0" rIns="0" bIns="0">
             <a:normAutofit/>
           </a:bodyPr>
-          <a:p>
-            <a:endParaRPr b="0" lang="de-DE" sz="3200" spc="-1" strike="noStrike">
+          <a:lstStyle/>
+          <a:p>
+            <a:endParaRPr lang="de-DE" sz="3200" b="0" strike="noStrike" spc="-1">
               <a:latin typeface="Arial"/>
             </a:endParaRPr>
           </a:p>
@@ -1834,11 +2025,12 @@
           </a:prstGeom>
         </p:spPr>
         <p:txBody>
-          <a:bodyPr lIns="0" rIns="0" tIns="0" bIns="0">
+          <a:bodyPr lIns="0" tIns="0" rIns="0" bIns="0">
             <a:normAutofit/>
           </a:bodyPr>
-          <a:p>
-            <a:endParaRPr b="0" lang="de-DE" sz="3200" spc="-1" strike="noStrike">
+          <a:lstStyle/>
+          <a:p>
+            <a:endParaRPr lang="de-DE" sz="3200" b="0" strike="noStrike" spc="-1">
               <a:latin typeface="Arial"/>
             </a:endParaRPr>
           </a:p>
@@ -1864,11 +2056,12 @@
           </a:prstGeom>
         </p:spPr>
         <p:txBody>
-          <a:bodyPr lIns="0" rIns="0" tIns="0" bIns="0">
+          <a:bodyPr lIns="0" tIns="0" rIns="0" bIns="0">
             <a:normAutofit/>
           </a:bodyPr>
-          <a:p>
-            <a:endParaRPr b="0" lang="de-DE" sz="3200" spc="-1" strike="noStrike">
+          <a:lstStyle/>
+          <a:p>
+            <a:endParaRPr lang="de-DE" sz="3200" b="0" strike="noStrike" spc="-1">
               <a:latin typeface="Arial"/>
             </a:endParaRPr>
           </a:p>
@@ -1894,11 +2087,12 @@
           </a:prstGeom>
         </p:spPr>
         <p:txBody>
-          <a:bodyPr lIns="0" rIns="0" tIns="0" bIns="0">
+          <a:bodyPr lIns="0" tIns="0" rIns="0" bIns="0">
             <a:normAutofit/>
           </a:bodyPr>
-          <a:p>
-            <a:endParaRPr b="0" lang="de-DE" sz="3200" spc="-1" strike="noStrike">
+          <a:lstStyle/>
+          <a:p>
+            <a:endParaRPr lang="de-DE" sz="3200" b="0" strike="noStrike" spc="-1">
               <a:latin typeface="Arial"/>
             </a:endParaRPr>
           </a:p>
@@ -1924,11 +2118,12 @@
           </a:prstGeom>
         </p:spPr>
         <p:txBody>
-          <a:bodyPr lIns="0" rIns="0" tIns="0" bIns="0">
+          <a:bodyPr lIns="0" tIns="0" rIns="0" bIns="0">
             <a:normAutofit/>
           </a:bodyPr>
-          <a:p>
-            <a:endParaRPr b="0" lang="de-DE" sz="3200" spc="-1" strike="noStrike">
+          <a:lstStyle/>
+          <a:p>
+            <a:endParaRPr lang="de-DE" sz="3200" b="0" strike="noStrike" spc="-1">
               <a:latin typeface="Arial"/>
             </a:endParaRPr>
           </a:p>
@@ -1954,11 +2149,12 @@
           </a:prstGeom>
         </p:spPr>
         <p:txBody>
-          <a:bodyPr lIns="0" rIns="0" tIns="0" bIns="0">
+          <a:bodyPr lIns="0" tIns="0" rIns="0" bIns="0">
             <a:normAutofit/>
           </a:bodyPr>
-          <a:p>
-            <a:endParaRPr b="0" lang="de-DE" sz="3200" spc="-1" strike="noStrike">
+          <a:lstStyle/>
+          <a:p>
+            <a:endParaRPr lang="de-DE" sz="3200" b="0" strike="noStrike" spc="-1">
               <a:latin typeface="Arial"/>
             </a:endParaRPr>
           </a:p>
@@ -1966,11 +2162,14 @@
       </p:sp>
     </p:spTree>
   </p:cSld>
+  <p:clrMapOvr>
+    <a:masterClrMapping/>
+  </p:clrMapOvr>
 </p:sldLayout>
 </file>
 
 <file path=ppt/slideLayouts/slideLayout3.xml><?xml version="1.0" encoding="utf-8"?>
-<p:sldLayout xmlns:a="http://schemas.openxmlformats.org/drawingml/2006/main" xmlns:p="http://schemas.openxmlformats.org/presentationml/2006/main" xmlns:r="http://schemas.openxmlformats.org/officeDocument/2006/relationships" xmlns:p14="http://schemas.microsoft.com/office/powerpoint/2010/main" xmlns:p15="http://schemas.microsoft.com/office/powerpoint/2012/main" xmlns:mc="http://schemas.openxmlformats.org/markup-compatibility/2006" type="obj" preserve="1">
+<p:sldLayout xmlns:a="http://schemas.openxmlformats.org/drawingml/2006/main" xmlns:r="http://schemas.openxmlformats.org/officeDocument/2006/relationships" xmlns:p="http://schemas.openxmlformats.org/presentationml/2006/main" type="obj" preserve="1">
   <p:cSld name="Title, Content">
     <p:spTree>
       <p:nvGrpSpPr>
@@ -2006,10 +2205,11 @@
           </a:prstGeom>
         </p:spPr>
         <p:txBody>
-          <a:bodyPr lIns="0" rIns="0" tIns="0" bIns="0" anchor="ctr"/>
+          <a:bodyPr lIns="0" tIns="0" rIns="0" bIns="0" anchor="ctr"/>
+          <a:lstStyle/>
           <a:p>
             <a:pPr algn="ctr"/>
-            <a:endParaRPr b="0" lang="de-DE" sz="4400" spc="-1" strike="noStrike">
+            <a:endParaRPr lang="de-DE" sz="4400" b="0" strike="noStrike" spc="-1">
               <a:latin typeface="Arial"/>
             </a:endParaRPr>
           </a:p>
@@ -2035,11 +2235,12 @@
           </a:prstGeom>
         </p:spPr>
         <p:txBody>
-          <a:bodyPr lIns="0" rIns="0" tIns="0" bIns="0">
+          <a:bodyPr lIns="0" tIns="0" rIns="0" bIns="0">
             <a:normAutofit/>
           </a:bodyPr>
-          <a:p>
-            <a:endParaRPr b="0" lang="de-DE" sz="3200" spc="-1" strike="noStrike">
+          <a:lstStyle/>
+          <a:p>
+            <a:endParaRPr lang="de-DE" sz="3200" b="0" strike="noStrike" spc="-1">
               <a:latin typeface="Arial"/>
             </a:endParaRPr>
           </a:p>
@@ -2047,11 +2248,14 @@
       </p:sp>
     </p:spTree>
   </p:cSld>
+  <p:clrMapOvr>
+    <a:masterClrMapping/>
+  </p:clrMapOvr>
 </p:sldLayout>
 </file>
 
 <file path=ppt/slideLayouts/slideLayout4.xml><?xml version="1.0" encoding="utf-8"?>
-<p:sldLayout xmlns:a="http://schemas.openxmlformats.org/drawingml/2006/main" xmlns:p="http://schemas.openxmlformats.org/presentationml/2006/main" xmlns:r="http://schemas.openxmlformats.org/officeDocument/2006/relationships" xmlns:p14="http://schemas.microsoft.com/office/powerpoint/2010/main" xmlns:p15="http://schemas.microsoft.com/office/powerpoint/2012/main" xmlns:mc="http://schemas.openxmlformats.org/markup-compatibility/2006" type="twoObj" preserve="1">
+<p:sldLayout xmlns:a="http://schemas.openxmlformats.org/drawingml/2006/main" xmlns:r="http://schemas.openxmlformats.org/officeDocument/2006/relationships" xmlns:p="http://schemas.openxmlformats.org/presentationml/2006/main" type="twoObj" preserve="1">
   <p:cSld name="Title, 2 Content">
     <p:spTree>
       <p:nvGrpSpPr>
@@ -2087,10 +2291,11 @@
           </a:prstGeom>
         </p:spPr>
         <p:txBody>
-          <a:bodyPr lIns="0" rIns="0" tIns="0" bIns="0" anchor="ctr"/>
+          <a:bodyPr lIns="0" tIns="0" rIns="0" bIns="0" anchor="ctr"/>
+          <a:lstStyle/>
           <a:p>
             <a:pPr algn="ctr"/>
-            <a:endParaRPr b="0" lang="de-DE" sz="4400" spc="-1" strike="noStrike">
+            <a:endParaRPr lang="de-DE" sz="4400" b="0" strike="noStrike" spc="-1">
               <a:latin typeface="Arial"/>
             </a:endParaRPr>
           </a:p>
@@ -2116,11 +2321,12 @@
           </a:prstGeom>
         </p:spPr>
         <p:txBody>
-          <a:bodyPr lIns="0" rIns="0" tIns="0" bIns="0">
+          <a:bodyPr lIns="0" tIns="0" rIns="0" bIns="0">
             <a:normAutofit/>
           </a:bodyPr>
-          <a:p>
-            <a:endParaRPr b="0" lang="de-DE" sz="3200" spc="-1" strike="noStrike">
+          <a:lstStyle/>
+          <a:p>
+            <a:endParaRPr lang="de-DE" sz="3200" b="0" strike="noStrike" spc="-1">
               <a:latin typeface="Arial"/>
             </a:endParaRPr>
           </a:p>
@@ -2146,11 +2352,12 @@
           </a:prstGeom>
         </p:spPr>
         <p:txBody>
-          <a:bodyPr lIns="0" rIns="0" tIns="0" bIns="0">
+          <a:bodyPr lIns="0" tIns="0" rIns="0" bIns="0">
             <a:normAutofit/>
           </a:bodyPr>
-          <a:p>
-            <a:endParaRPr b="0" lang="de-DE" sz="3200" spc="-1" strike="noStrike">
+          <a:lstStyle/>
+          <a:p>
+            <a:endParaRPr lang="de-DE" sz="3200" b="0" strike="noStrike" spc="-1">
               <a:latin typeface="Arial"/>
             </a:endParaRPr>
           </a:p>
@@ -2158,11 +2365,14 @@
       </p:sp>
     </p:spTree>
   </p:cSld>
+  <p:clrMapOvr>
+    <a:masterClrMapping/>
+  </p:clrMapOvr>
 </p:sldLayout>
 </file>
 
 <file path=ppt/slideLayouts/slideLayout5.xml><?xml version="1.0" encoding="utf-8"?>
-<p:sldLayout xmlns:a="http://schemas.openxmlformats.org/drawingml/2006/main" xmlns:p="http://schemas.openxmlformats.org/presentationml/2006/main" xmlns:r="http://schemas.openxmlformats.org/officeDocument/2006/relationships" xmlns:p14="http://schemas.microsoft.com/office/powerpoint/2010/main" xmlns:p15="http://schemas.microsoft.com/office/powerpoint/2012/main" xmlns:mc="http://schemas.openxmlformats.org/markup-compatibility/2006" type="titleOnly" preserve="1">
+<p:sldLayout xmlns:a="http://schemas.openxmlformats.org/drawingml/2006/main" xmlns:r="http://schemas.openxmlformats.org/officeDocument/2006/relationships" xmlns:p="http://schemas.openxmlformats.org/presentationml/2006/main" type="titleOnly" preserve="1">
   <p:cSld name="Title Only">
     <p:spTree>
       <p:nvGrpSpPr>
@@ -2198,10 +2408,11 @@
           </a:prstGeom>
         </p:spPr>
         <p:txBody>
-          <a:bodyPr lIns="0" rIns="0" tIns="0" bIns="0" anchor="ctr"/>
+          <a:bodyPr lIns="0" tIns="0" rIns="0" bIns="0" anchor="ctr"/>
+          <a:lstStyle/>
           <a:p>
             <a:pPr algn="ctr"/>
-            <a:endParaRPr b="0" lang="de-DE" sz="4400" spc="-1" strike="noStrike">
+            <a:endParaRPr lang="de-DE" sz="4400" b="0" strike="noStrike" spc="-1">
               <a:latin typeface="Arial"/>
             </a:endParaRPr>
           </a:p>
@@ -2209,11 +2420,14 @@
       </p:sp>
     </p:spTree>
   </p:cSld>
+  <p:clrMapOvr>
+    <a:masterClrMapping/>
+  </p:clrMapOvr>
 </p:sldLayout>
 </file>
 
 <file path=ppt/slideLayouts/slideLayout6.xml><?xml version="1.0" encoding="utf-8"?>
-<p:sldLayout xmlns:a="http://schemas.openxmlformats.org/drawingml/2006/main" xmlns:p="http://schemas.openxmlformats.org/presentationml/2006/main" xmlns:r="http://schemas.openxmlformats.org/officeDocument/2006/relationships" xmlns:p14="http://schemas.microsoft.com/office/powerpoint/2010/main" xmlns:p15="http://schemas.microsoft.com/office/powerpoint/2012/main" xmlns:mc="http://schemas.openxmlformats.org/markup-compatibility/2006" type="objOnly" preserve="1">
+<p:sldLayout xmlns:a="http://schemas.openxmlformats.org/drawingml/2006/main" xmlns:r="http://schemas.openxmlformats.org/officeDocument/2006/relationships" xmlns:p="http://schemas.openxmlformats.org/presentationml/2006/main" type="objOnly" preserve="1">
   <p:cSld name="Centered Text">
     <p:spTree>
       <p:nvGrpSpPr>
@@ -2249,10 +2463,11 @@
           </a:prstGeom>
         </p:spPr>
         <p:txBody>
-          <a:bodyPr lIns="0" rIns="0" tIns="0" bIns="0" anchor="ctr"/>
+          <a:bodyPr lIns="0" tIns="0" rIns="0" bIns="0" anchor="ctr"/>
+          <a:lstStyle/>
           <a:p>
             <a:pPr algn="ctr"/>
-            <a:endParaRPr b="0" lang="de-DE" sz="3200" spc="-1" strike="noStrike">
+            <a:endParaRPr lang="de-DE" sz="3200" b="0" strike="noStrike" spc="-1">
               <a:latin typeface="Arial"/>
             </a:endParaRPr>
           </a:p>
@@ -2260,11 +2475,14 @@
       </p:sp>
     </p:spTree>
   </p:cSld>
+  <p:clrMapOvr>
+    <a:masterClrMapping/>
+  </p:clrMapOvr>
 </p:sldLayout>
 </file>
 
 <file path=ppt/slideLayouts/slideLayout7.xml><?xml version="1.0" encoding="utf-8"?>
-<p:sldLayout xmlns:a="http://schemas.openxmlformats.org/drawingml/2006/main" xmlns:p="http://schemas.openxmlformats.org/presentationml/2006/main" xmlns:r="http://schemas.openxmlformats.org/officeDocument/2006/relationships" xmlns:p14="http://schemas.microsoft.com/office/powerpoint/2010/main" xmlns:p15="http://schemas.microsoft.com/office/powerpoint/2012/main" xmlns:mc="http://schemas.openxmlformats.org/markup-compatibility/2006" type="twoObjAndObj" preserve="1">
+<p:sldLayout xmlns:a="http://schemas.openxmlformats.org/drawingml/2006/main" xmlns:r="http://schemas.openxmlformats.org/officeDocument/2006/relationships" xmlns:p="http://schemas.openxmlformats.org/presentationml/2006/main" type="twoObjAndObj" preserve="1">
   <p:cSld name="Title, 2 Content and Content">
     <p:spTree>
       <p:nvGrpSpPr>
@@ -2300,10 +2518,11 @@
           </a:prstGeom>
         </p:spPr>
         <p:txBody>
-          <a:bodyPr lIns="0" rIns="0" tIns="0" bIns="0" anchor="ctr"/>
+          <a:bodyPr lIns="0" tIns="0" rIns="0" bIns="0" anchor="ctr"/>
+          <a:lstStyle/>
           <a:p>
             <a:pPr algn="ctr"/>
-            <a:endParaRPr b="0" lang="de-DE" sz="4400" spc="-1" strike="noStrike">
+            <a:endParaRPr lang="de-DE" sz="4400" b="0" strike="noStrike" spc="-1">
               <a:latin typeface="Arial"/>
             </a:endParaRPr>
           </a:p>
@@ -2329,11 +2548,12 @@
           </a:prstGeom>
         </p:spPr>
         <p:txBody>
-          <a:bodyPr lIns="0" rIns="0" tIns="0" bIns="0">
+          <a:bodyPr lIns="0" tIns="0" rIns="0" bIns="0">
             <a:normAutofit/>
           </a:bodyPr>
-          <a:p>
-            <a:endParaRPr b="0" lang="de-DE" sz="3200" spc="-1" strike="noStrike">
+          <a:lstStyle/>
+          <a:p>
+            <a:endParaRPr lang="de-DE" sz="3200" b="0" strike="noStrike" spc="-1">
               <a:latin typeface="Arial"/>
             </a:endParaRPr>
           </a:p>
@@ -2359,11 +2579,12 @@
           </a:prstGeom>
         </p:spPr>
         <p:txBody>
-          <a:bodyPr lIns="0" rIns="0" tIns="0" bIns="0">
+          <a:bodyPr lIns="0" tIns="0" rIns="0" bIns="0">
             <a:normAutofit/>
           </a:bodyPr>
-          <a:p>
-            <a:endParaRPr b="0" lang="de-DE" sz="3200" spc="-1" strike="noStrike">
+          <a:lstStyle/>
+          <a:p>
+            <a:endParaRPr lang="de-DE" sz="3200" b="0" strike="noStrike" spc="-1">
               <a:latin typeface="Arial"/>
             </a:endParaRPr>
           </a:p>
@@ -2389,11 +2610,12 @@
           </a:prstGeom>
         </p:spPr>
         <p:txBody>
-          <a:bodyPr lIns="0" rIns="0" tIns="0" bIns="0">
+          <a:bodyPr lIns="0" tIns="0" rIns="0" bIns="0">
             <a:normAutofit/>
           </a:bodyPr>
-          <a:p>
-            <a:endParaRPr b="0" lang="de-DE" sz="3200" spc="-1" strike="noStrike">
+          <a:lstStyle/>
+          <a:p>
+            <a:endParaRPr lang="de-DE" sz="3200" b="0" strike="noStrike" spc="-1">
               <a:latin typeface="Arial"/>
             </a:endParaRPr>
           </a:p>
@@ -2401,11 +2623,14 @@
       </p:sp>
     </p:spTree>
   </p:cSld>
+  <p:clrMapOvr>
+    <a:masterClrMapping/>
+  </p:clrMapOvr>
 </p:sldLayout>
 </file>
 
 <file path=ppt/slideLayouts/slideLayout8.xml><?xml version="1.0" encoding="utf-8"?>
-<p:sldLayout xmlns:a="http://schemas.openxmlformats.org/drawingml/2006/main" xmlns:p="http://schemas.openxmlformats.org/presentationml/2006/main" xmlns:r="http://schemas.openxmlformats.org/officeDocument/2006/relationships" xmlns:p14="http://schemas.microsoft.com/office/powerpoint/2010/main" xmlns:p15="http://schemas.microsoft.com/office/powerpoint/2012/main" xmlns:mc="http://schemas.openxmlformats.org/markup-compatibility/2006" type="objAndTwoObj" preserve="1">
+<p:sldLayout xmlns:a="http://schemas.openxmlformats.org/drawingml/2006/main" xmlns:r="http://schemas.openxmlformats.org/officeDocument/2006/relationships" xmlns:p="http://schemas.openxmlformats.org/presentationml/2006/main" type="objAndTwoObj" preserve="1">
   <p:cSld name="Title Content and 2 Content">
     <p:spTree>
       <p:nvGrpSpPr>
@@ -2441,10 +2666,11 @@
           </a:prstGeom>
         </p:spPr>
         <p:txBody>
-          <a:bodyPr lIns="0" rIns="0" tIns="0" bIns="0" anchor="ctr"/>
+          <a:bodyPr lIns="0" tIns="0" rIns="0" bIns="0" anchor="ctr"/>
+          <a:lstStyle/>
           <a:p>
             <a:pPr algn="ctr"/>
-            <a:endParaRPr b="0" lang="de-DE" sz="4400" spc="-1" strike="noStrike">
+            <a:endParaRPr lang="de-DE" sz="4400" b="0" strike="noStrike" spc="-1">
               <a:latin typeface="Arial"/>
             </a:endParaRPr>
           </a:p>
@@ -2470,11 +2696,12 @@
           </a:prstGeom>
         </p:spPr>
         <p:txBody>
-          <a:bodyPr lIns="0" rIns="0" tIns="0" bIns="0">
+          <a:bodyPr lIns="0" tIns="0" rIns="0" bIns="0">
             <a:normAutofit/>
           </a:bodyPr>
-          <a:p>
-            <a:endParaRPr b="0" lang="de-DE" sz="3200" spc="-1" strike="noStrike">
+          <a:lstStyle/>
+          <a:p>
+            <a:endParaRPr lang="de-DE" sz="3200" b="0" strike="noStrike" spc="-1">
               <a:latin typeface="Arial"/>
             </a:endParaRPr>
           </a:p>
@@ -2500,11 +2727,12 @@
           </a:prstGeom>
         </p:spPr>
         <p:txBody>
-          <a:bodyPr lIns="0" rIns="0" tIns="0" bIns="0">
+          <a:bodyPr lIns="0" tIns="0" rIns="0" bIns="0">
             <a:normAutofit/>
           </a:bodyPr>
-          <a:p>
-            <a:endParaRPr b="0" lang="de-DE" sz="3200" spc="-1" strike="noStrike">
+          <a:lstStyle/>
+          <a:p>
+            <a:endParaRPr lang="de-DE" sz="3200" b="0" strike="noStrike" spc="-1">
               <a:latin typeface="Arial"/>
             </a:endParaRPr>
           </a:p>
@@ -2530,11 +2758,12 @@
           </a:prstGeom>
         </p:spPr>
         <p:txBody>
-          <a:bodyPr lIns="0" rIns="0" tIns="0" bIns="0">
+          <a:bodyPr lIns="0" tIns="0" rIns="0" bIns="0">
             <a:normAutofit/>
           </a:bodyPr>
-          <a:p>
-            <a:endParaRPr b="0" lang="de-DE" sz="3200" spc="-1" strike="noStrike">
+          <a:lstStyle/>
+          <a:p>
+            <a:endParaRPr lang="de-DE" sz="3200" b="0" strike="noStrike" spc="-1">
               <a:latin typeface="Arial"/>
             </a:endParaRPr>
           </a:p>
@@ -2542,11 +2771,14 @@
       </p:sp>
     </p:spTree>
   </p:cSld>
+  <p:clrMapOvr>
+    <a:masterClrMapping/>
+  </p:clrMapOvr>
 </p:sldLayout>
 </file>
 
 <file path=ppt/slideLayouts/slideLayout9.xml><?xml version="1.0" encoding="utf-8"?>
-<p:sldLayout xmlns:a="http://schemas.openxmlformats.org/drawingml/2006/main" xmlns:p="http://schemas.openxmlformats.org/presentationml/2006/main" xmlns:r="http://schemas.openxmlformats.org/officeDocument/2006/relationships" xmlns:p14="http://schemas.microsoft.com/office/powerpoint/2010/main" xmlns:p15="http://schemas.microsoft.com/office/powerpoint/2012/main" xmlns:mc="http://schemas.openxmlformats.org/markup-compatibility/2006" type="twoObjOverTx" preserve="1">
+<p:sldLayout xmlns:a="http://schemas.openxmlformats.org/drawingml/2006/main" xmlns:r="http://schemas.openxmlformats.org/officeDocument/2006/relationships" xmlns:p="http://schemas.openxmlformats.org/presentationml/2006/main" type="twoObjOverTx" preserve="1">
   <p:cSld name="Title, 2 Content over Content">
     <p:spTree>
       <p:nvGrpSpPr>
@@ -2582,10 +2814,11 @@
           </a:prstGeom>
         </p:spPr>
         <p:txBody>
-          <a:bodyPr lIns="0" rIns="0" tIns="0" bIns="0" anchor="ctr"/>
+          <a:bodyPr lIns="0" tIns="0" rIns="0" bIns="0" anchor="ctr"/>
+          <a:lstStyle/>
           <a:p>
             <a:pPr algn="ctr"/>
-            <a:endParaRPr b="0" lang="de-DE" sz="4400" spc="-1" strike="noStrike">
+            <a:endParaRPr lang="de-DE" sz="4400" b="0" strike="noStrike" spc="-1">
               <a:latin typeface="Arial"/>
             </a:endParaRPr>
           </a:p>
@@ -2611,11 +2844,12 @@
           </a:prstGeom>
         </p:spPr>
         <p:txBody>
-          <a:bodyPr lIns="0" rIns="0" tIns="0" bIns="0">
+          <a:bodyPr lIns="0" tIns="0" rIns="0" bIns="0">
             <a:normAutofit/>
           </a:bodyPr>
-          <a:p>
-            <a:endParaRPr b="0" lang="de-DE" sz="3200" spc="-1" strike="noStrike">
+          <a:lstStyle/>
+          <a:p>
+            <a:endParaRPr lang="de-DE" sz="3200" b="0" strike="noStrike" spc="-1">
               <a:latin typeface="Arial"/>
             </a:endParaRPr>
           </a:p>
@@ -2641,11 +2875,12 @@
           </a:prstGeom>
         </p:spPr>
         <p:txBody>
-          <a:bodyPr lIns="0" rIns="0" tIns="0" bIns="0">
+          <a:bodyPr lIns="0" tIns="0" rIns="0" bIns="0">
             <a:normAutofit/>
           </a:bodyPr>
-          <a:p>
-            <a:endParaRPr b="0" lang="de-DE" sz="3200" spc="-1" strike="noStrike">
+          <a:lstStyle/>
+          <a:p>
+            <a:endParaRPr lang="de-DE" sz="3200" b="0" strike="noStrike" spc="-1">
               <a:latin typeface="Arial"/>
             </a:endParaRPr>
           </a:p>
@@ -2671,11 +2906,12 @@
           </a:prstGeom>
         </p:spPr>
         <p:txBody>
-          <a:bodyPr lIns="0" rIns="0" tIns="0" bIns="0">
+          <a:bodyPr lIns="0" tIns="0" rIns="0" bIns="0">
             <a:normAutofit/>
           </a:bodyPr>
-          <a:p>
-            <a:endParaRPr b="0" lang="de-DE" sz="3200" spc="-1" strike="noStrike">
+          <a:lstStyle/>
+          <a:p>
+            <a:endParaRPr lang="de-DE" sz="3200" b="0" strike="noStrike" spc="-1">
               <a:latin typeface="Arial"/>
             </a:endParaRPr>
           </a:p>
@@ -2683,17 +2919,21 @@
       </p:sp>
     </p:spTree>
   </p:cSld>
+  <p:clrMapOvr>
+    <a:masterClrMapping/>
+  </p:clrMapOvr>
 </p:sldLayout>
 </file>
 
 <file path=ppt/slideMasters/slideMaster1.xml><?xml version="1.0" encoding="utf-8"?>
-<p:sldMaster xmlns:a="http://schemas.openxmlformats.org/drawingml/2006/main" xmlns:p="http://schemas.openxmlformats.org/presentationml/2006/main" xmlns:r="http://schemas.openxmlformats.org/officeDocument/2006/relationships" xmlns:p14="http://schemas.microsoft.com/office/powerpoint/2010/main" xmlns:p15="http://schemas.microsoft.com/office/powerpoint/2012/main" xmlns:mc="http://schemas.openxmlformats.org/markup-compatibility/2006">
+<p:sldMaster xmlns:a="http://schemas.openxmlformats.org/drawingml/2006/main" xmlns:r="http://schemas.openxmlformats.org/officeDocument/2006/relationships" xmlns:p="http://schemas.openxmlformats.org/presentationml/2006/main">
   <p:cSld>
     <p:bg>
       <p:bgPr>
         <a:solidFill>
-          <a:srgbClr val="ffffff"/>
+          <a:srgbClr val="FFFFFF"/>
         </a:solidFill>
+        <a:effectLst/>
       </p:bgPr>
     </p:bg>
     <p:spTree>
@@ -2712,7 +2952,7 @@
       </p:grpSpPr>
       <p:sp>
         <p:nvSpPr>
-          <p:cNvPr id="0" name="CustomShape 1" hidden="1"/>
+          <p:cNvPr id="8" name="CustomShape 1" hidden="1"/>
           <p:cNvSpPr/>
           <p:nvPr/>
         </p:nvSpPr>
@@ -2748,7 +2988,7 @@
       </p:sp>
       <p:sp>
         <p:nvSpPr>
-          <p:cNvPr id="1" name="CustomShape 2" hidden="1"/>
+          <p:cNvPr id="9" name="CustomShape 2" hidden="1"/>
           <p:cNvSpPr/>
           <p:nvPr/>
         </p:nvSpPr>
@@ -2948,17 +3188,15 @@
           </a:prstGeom>
         </p:spPr>
         <p:txBody>
-          <a:bodyPr lIns="0" rIns="0" tIns="0" bIns="0" anchor="ctr"/>
+          <a:bodyPr lIns="0" tIns="0" rIns="0" bIns="0" anchor="ctr"/>
+          <a:lstStyle/>
           <a:p>
             <a:r>
-              <a:rPr b="0" lang="de-DE" sz="1800" spc="-1" strike="noStrike">
+              <a:rPr lang="de-DE" sz="1800" b="0" strike="noStrike" spc="-1">
                 <a:latin typeface="Arial"/>
               </a:rPr>
               <a:t>Format des Titeltextes durch Klicken bearbeiten</a:t>
             </a:r>
-            <a:endParaRPr b="0" lang="de-DE" sz="1800" spc="-1" strike="noStrike">
-              <a:latin typeface="Arial"/>
-            </a:endParaRPr>
           </a:p>
         </p:txBody>
       </p:sp>
@@ -2982,9 +3220,10 @@
           </a:prstGeom>
         </p:spPr>
         <p:txBody>
-          <a:bodyPr lIns="0" rIns="0" tIns="0" bIns="0">
+          <a:bodyPr lIns="0" tIns="0" rIns="0" bIns="0">
             <a:normAutofit/>
           </a:bodyPr>
+          <a:lstStyle/>
           <a:p>
             <a:pPr marL="432000" indent="-324000">
               <a:spcBef>
@@ -2998,17 +3237,14 @@
               <a:buChar char=""/>
             </a:pPr>
             <a:r>
-              <a:rPr b="0" lang="de-DE" sz="3200" spc="-1" strike="noStrike">
+              <a:rPr lang="de-DE" sz="3200" b="0" strike="noStrike" spc="-1">
                 <a:latin typeface="Arial"/>
               </a:rPr>
               <a:t>Format des Gliederungstextes durch Klicken bearbeiten</a:t>
             </a:r>
-            <a:endParaRPr b="0" lang="de-DE" sz="3200" spc="-1" strike="noStrike">
-              <a:latin typeface="Arial"/>
-            </a:endParaRPr>
-          </a:p>
-          <a:p>
-            <a:pPr lvl="1" marL="864000" indent="-324000">
+          </a:p>
+          <a:p>
+            <a:pPr marL="864000" lvl="1" indent="-324000">
               <a:spcBef>
                 <a:spcPts val="1134"/>
               </a:spcBef>
@@ -3020,17 +3256,14 @@
               <a:buChar char=""/>
             </a:pPr>
             <a:r>
-              <a:rPr b="0" lang="de-DE" sz="2800" spc="-1" strike="noStrike">
+              <a:rPr lang="de-DE" sz="2800" b="0" strike="noStrike" spc="-1">
                 <a:latin typeface="Arial"/>
               </a:rPr>
               <a:t>Zweite Gliederungsebene</a:t>
             </a:r>
-            <a:endParaRPr b="0" lang="de-DE" sz="2800" spc="-1" strike="noStrike">
-              <a:latin typeface="Arial"/>
-            </a:endParaRPr>
-          </a:p>
-          <a:p>
-            <a:pPr lvl="2" marL="1296000" indent="-288000">
+          </a:p>
+          <a:p>
+            <a:pPr marL="1296000" lvl="2" indent="-288000">
               <a:spcBef>
                 <a:spcPts val="850"/>
               </a:spcBef>
@@ -3042,17 +3275,14 @@
               <a:buChar char=""/>
             </a:pPr>
             <a:r>
-              <a:rPr b="0" lang="de-DE" sz="2400" spc="-1" strike="noStrike">
+              <a:rPr lang="de-DE" sz="2400" b="0" strike="noStrike" spc="-1">
                 <a:latin typeface="Arial"/>
               </a:rPr>
               <a:t>Dritte Gliederungsebene</a:t>
             </a:r>
-            <a:endParaRPr b="0" lang="de-DE" sz="2400" spc="-1" strike="noStrike">
-              <a:latin typeface="Arial"/>
-            </a:endParaRPr>
-          </a:p>
-          <a:p>
-            <a:pPr lvl="3" marL="1728000" indent="-216000">
+          </a:p>
+          <a:p>
+            <a:pPr marL="1728000" lvl="3" indent="-216000">
               <a:spcBef>
                 <a:spcPts val="567"/>
               </a:spcBef>
@@ -3064,17 +3294,14 @@
               <a:buChar char=""/>
             </a:pPr>
             <a:r>
-              <a:rPr b="0" lang="de-DE" sz="2000" spc="-1" strike="noStrike">
+              <a:rPr lang="de-DE" sz="2000" b="0" strike="noStrike" spc="-1">
                 <a:latin typeface="Arial"/>
               </a:rPr>
               <a:t>Vierte Gliederungsebene</a:t>
             </a:r>
-            <a:endParaRPr b="0" lang="de-DE" sz="2000" spc="-1" strike="noStrike">
-              <a:latin typeface="Arial"/>
-            </a:endParaRPr>
-          </a:p>
-          <a:p>
-            <a:pPr lvl="4" marL="2160000" indent="-216000">
+          </a:p>
+          <a:p>
+            <a:pPr marL="2160000" lvl="4" indent="-216000">
               <a:spcBef>
                 <a:spcPts val="283"/>
               </a:spcBef>
@@ -3086,17 +3313,14 @@
               <a:buChar char=""/>
             </a:pPr>
             <a:r>
-              <a:rPr b="0" lang="de-DE" sz="2000" spc="-1" strike="noStrike">
+              <a:rPr lang="de-DE" sz="2000" b="0" strike="noStrike" spc="-1">
                 <a:latin typeface="Arial"/>
               </a:rPr>
               <a:t>Fünfte Gliederungsebene</a:t>
             </a:r>
-            <a:endParaRPr b="0" lang="de-DE" sz="2000" spc="-1" strike="noStrike">
-              <a:latin typeface="Arial"/>
-            </a:endParaRPr>
-          </a:p>
-          <a:p>
-            <a:pPr lvl="5" marL="2592000" indent="-216000">
+          </a:p>
+          <a:p>
+            <a:pPr marL="2592000" lvl="5" indent="-216000">
               <a:spcBef>
                 <a:spcPts val="283"/>
               </a:spcBef>
@@ -3108,17 +3332,14 @@
               <a:buChar char=""/>
             </a:pPr>
             <a:r>
-              <a:rPr b="0" lang="de-DE" sz="2000" spc="-1" strike="noStrike">
+              <a:rPr lang="de-DE" sz="2000" b="0" strike="noStrike" spc="-1">
                 <a:latin typeface="Arial"/>
               </a:rPr>
               <a:t>Sechste Gliederungsebene</a:t>
             </a:r>
-            <a:endParaRPr b="0" lang="de-DE" sz="2000" spc="-1" strike="noStrike">
-              <a:latin typeface="Arial"/>
-            </a:endParaRPr>
-          </a:p>
-          <a:p>
-            <a:pPr lvl="6" marL="3024000" indent="-216000">
+          </a:p>
+          <a:p>
+            <a:pPr marL="3024000" lvl="6" indent="-216000">
               <a:spcBef>
                 <a:spcPts val="283"/>
               </a:spcBef>
@@ -3130,45 +3351,323 @@
               <a:buChar char=""/>
             </a:pPr>
             <a:r>
-              <a:rPr b="0" lang="de-DE" sz="2000" spc="-1" strike="noStrike">
+              <a:rPr lang="de-DE" sz="2000" b="0" strike="noStrike" spc="-1">
                 <a:latin typeface="Arial"/>
               </a:rPr>
               <a:t>Siebte Gliederungsebene</a:t>
             </a:r>
-            <a:endParaRPr b="0" lang="de-DE" sz="2000" spc="-1" strike="noStrike">
-              <a:latin typeface="Arial"/>
-            </a:endParaRPr>
           </a:p>
         </p:txBody>
       </p:sp>
     </p:spTree>
   </p:cSld>
-  <p:clrMap bg1="lt1" bg2="lt2" tx1="dk1" tx2="dk2" accent1="accent1" accent2="accent2" accent3="accent3" accent4="accent4" accent5="accent5" accent6="accent6" hlink="hlink" folHlink="folHlink"/>
+  <p:clrMap bg1="lt1" tx1="dk1" bg2="lt2" tx2="dk2" accent1="accent1" accent2="accent2" accent3="accent3" accent4="accent4" accent5="accent5" accent6="accent6" hlink="hlink" folHlink="folHlink"/>
   <p:sldLayoutIdLst>
-    <p:sldLayoutId id="2147483649" r:id="rId2"/>
-    <p:sldLayoutId id="2147483650" r:id="rId3"/>
-    <p:sldLayoutId id="2147483651" r:id="rId4"/>
-    <p:sldLayoutId id="2147483652" r:id="rId5"/>
-    <p:sldLayoutId id="2147483653" r:id="rId6"/>
-    <p:sldLayoutId id="2147483654" r:id="rId7"/>
-    <p:sldLayoutId id="2147483655" r:id="rId8"/>
-    <p:sldLayoutId id="2147483656" r:id="rId9"/>
-    <p:sldLayoutId id="2147483657" r:id="rId10"/>
-    <p:sldLayoutId id="2147483658" r:id="rId11"/>
-    <p:sldLayoutId id="2147483659" r:id="rId12"/>
-    <p:sldLayoutId id="2147483660" r:id="rId13"/>
+    <p:sldLayoutId id="2147483649" r:id="rId1"/>
+    <p:sldLayoutId id="2147483650" r:id="rId2"/>
+    <p:sldLayoutId id="2147483651" r:id="rId3"/>
+    <p:sldLayoutId id="2147483652" r:id="rId4"/>
+    <p:sldLayoutId id="2147483653" r:id="rId5"/>
+    <p:sldLayoutId id="2147483654" r:id="rId6"/>
+    <p:sldLayoutId id="2147483655" r:id="rId7"/>
+    <p:sldLayoutId id="2147483656" r:id="rId8"/>
+    <p:sldLayoutId id="2147483657" r:id="rId9"/>
+    <p:sldLayoutId id="2147483658" r:id="rId10"/>
+    <p:sldLayoutId id="2147483659" r:id="rId11"/>
+    <p:sldLayoutId id="2147483660" r:id="rId12"/>
   </p:sldLayoutIdLst>
+  <p:txStyles>
+    <p:titleStyle>
+      <a:lvl1pPr algn="l" defTabSz="914400" rtl="0" eaLnBrk="1" latinLnBrk="0" hangingPunct="1">
+        <a:lnSpc>
+          <a:spcPct val="90000"/>
+        </a:lnSpc>
+        <a:spcBef>
+          <a:spcPct val="0"/>
+        </a:spcBef>
+        <a:buNone/>
+        <a:defRPr sz="4400" kern="1200">
+          <a:solidFill>
+            <a:schemeClr val="tx1"/>
+          </a:solidFill>
+          <a:latin typeface="+mj-lt"/>
+          <a:ea typeface="+mj-ea"/>
+          <a:cs typeface="+mj-cs"/>
+        </a:defRPr>
+      </a:lvl1pPr>
+    </p:titleStyle>
+    <p:bodyStyle>
+      <a:lvl1pPr marL="228600" indent="-228600" algn="l" defTabSz="914400" rtl="0" eaLnBrk="1" latinLnBrk="0" hangingPunct="1">
+        <a:lnSpc>
+          <a:spcPct val="90000"/>
+        </a:lnSpc>
+        <a:spcBef>
+          <a:spcPts val="1000"/>
+        </a:spcBef>
+        <a:buFont typeface="Arial" panose="020B0604020202020204" pitchFamily="34" charset="0"/>
+        <a:buChar char="•"/>
+        <a:defRPr sz="2800" kern="1200">
+          <a:solidFill>
+            <a:schemeClr val="tx1"/>
+          </a:solidFill>
+          <a:latin typeface="+mn-lt"/>
+          <a:ea typeface="+mn-ea"/>
+          <a:cs typeface="+mn-cs"/>
+        </a:defRPr>
+      </a:lvl1pPr>
+      <a:lvl2pPr marL="685800" indent="-228600" algn="l" defTabSz="914400" rtl="0" eaLnBrk="1" latinLnBrk="0" hangingPunct="1">
+        <a:lnSpc>
+          <a:spcPct val="90000"/>
+        </a:lnSpc>
+        <a:spcBef>
+          <a:spcPts val="500"/>
+        </a:spcBef>
+        <a:buFont typeface="Arial" panose="020B0604020202020204" pitchFamily="34" charset="0"/>
+        <a:buChar char="•"/>
+        <a:defRPr sz="2400" kern="1200">
+          <a:solidFill>
+            <a:schemeClr val="tx1"/>
+          </a:solidFill>
+          <a:latin typeface="+mn-lt"/>
+          <a:ea typeface="+mn-ea"/>
+          <a:cs typeface="+mn-cs"/>
+        </a:defRPr>
+      </a:lvl2pPr>
+      <a:lvl3pPr marL="1143000" indent="-228600" algn="l" defTabSz="914400" rtl="0" eaLnBrk="1" latinLnBrk="0" hangingPunct="1">
+        <a:lnSpc>
+          <a:spcPct val="90000"/>
+        </a:lnSpc>
+        <a:spcBef>
+          <a:spcPts val="500"/>
+        </a:spcBef>
+        <a:buFont typeface="Arial" panose="020B0604020202020204" pitchFamily="34" charset="0"/>
+        <a:buChar char="•"/>
+        <a:defRPr sz="2000" kern="1200">
+          <a:solidFill>
+            <a:schemeClr val="tx1"/>
+          </a:solidFill>
+          <a:latin typeface="+mn-lt"/>
+          <a:ea typeface="+mn-ea"/>
+          <a:cs typeface="+mn-cs"/>
+        </a:defRPr>
+      </a:lvl3pPr>
+      <a:lvl4pPr marL="1600200" indent="-228600" algn="l" defTabSz="914400" rtl="0" eaLnBrk="1" latinLnBrk="0" hangingPunct="1">
+        <a:lnSpc>
+          <a:spcPct val="90000"/>
+        </a:lnSpc>
+        <a:spcBef>
+          <a:spcPts val="500"/>
+        </a:spcBef>
+        <a:buFont typeface="Arial" panose="020B0604020202020204" pitchFamily="34" charset="0"/>
+        <a:buChar char="•"/>
+        <a:defRPr sz="1800" kern="1200">
+          <a:solidFill>
+            <a:schemeClr val="tx1"/>
+          </a:solidFill>
+          <a:latin typeface="+mn-lt"/>
+          <a:ea typeface="+mn-ea"/>
+          <a:cs typeface="+mn-cs"/>
+        </a:defRPr>
+      </a:lvl4pPr>
+      <a:lvl5pPr marL="2057400" indent="-228600" algn="l" defTabSz="914400" rtl="0" eaLnBrk="1" latinLnBrk="0" hangingPunct="1">
+        <a:lnSpc>
+          <a:spcPct val="90000"/>
+        </a:lnSpc>
+        <a:spcBef>
+          <a:spcPts val="500"/>
+        </a:spcBef>
+        <a:buFont typeface="Arial" panose="020B0604020202020204" pitchFamily="34" charset="0"/>
+        <a:buChar char="•"/>
+        <a:defRPr sz="1800" kern="1200">
+          <a:solidFill>
+            <a:schemeClr val="tx1"/>
+          </a:solidFill>
+          <a:latin typeface="+mn-lt"/>
+          <a:ea typeface="+mn-ea"/>
+          <a:cs typeface="+mn-cs"/>
+        </a:defRPr>
+      </a:lvl5pPr>
+      <a:lvl6pPr marL="2514600" indent="-228600" algn="l" defTabSz="914400" rtl="0" eaLnBrk="1" latinLnBrk="0" hangingPunct="1">
+        <a:lnSpc>
+          <a:spcPct val="90000"/>
+        </a:lnSpc>
+        <a:spcBef>
+          <a:spcPts val="500"/>
+        </a:spcBef>
+        <a:buFont typeface="Arial" panose="020B0604020202020204" pitchFamily="34" charset="0"/>
+        <a:buChar char="•"/>
+        <a:defRPr sz="1800" kern="1200">
+          <a:solidFill>
+            <a:schemeClr val="tx1"/>
+          </a:solidFill>
+          <a:latin typeface="+mn-lt"/>
+          <a:ea typeface="+mn-ea"/>
+          <a:cs typeface="+mn-cs"/>
+        </a:defRPr>
+      </a:lvl6pPr>
+      <a:lvl7pPr marL="2971800" indent="-228600" algn="l" defTabSz="914400" rtl="0" eaLnBrk="1" latinLnBrk="0" hangingPunct="1">
+        <a:lnSpc>
+          <a:spcPct val="90000"/>
+        </a:lnSpc>
+        <a:spcBef>
+          <a:spcPts val="500"/>
+        </a:spcBef>
+        <a:buFont typeface="Arial" panose="020B0604020202020204" pitchFamily="34" charset="0"/>
+        <a:buChar char="•"/>
+        <a:defRPr sz="1800" kern="1200">
+          <a:solidFill>
+            <a:schemeClr val="tx1"/>
+          </a:solidFill>
+          <a:latin typeface="+mn-lt"/>
+          <a:ea typeface="+mn-ea"/>
+          <a:cs typeface="+mn-cs"/>
+        </a:defRPr>
+      </a:lvl7pPr>
+      <a:lvl8pPr marL="3429000" indent="-228600" algn="l" defTabSz="914400" rtl="0" eaLnBrk="1" latinLnBrk="0" hangingPunct="1">
+        <a:lnSpc>
+          <a:spcPct val="90000"/>
+        </a:lnSpc>
+        <a:spcBef>
+          <a:spcPts val="500"/>
+        </a:spcBef>
+        <a:buFont typeface="Arial" panose="020B0604020202020204" pitchFamily="34" charset="0"/>
+        <a:buChar char="•"/>
+        <a:defRPr sz="1800" kern="1200">
+          <a:solidFill>
+            <a:schemeClr val="tx1"/>
+          </a:solidFill>
+          <a:latin typeface="+mn-lt"/>
+          <a:ea typeface="+mn-ea"/>
+          <a:cs typeface="+mn-cs"/>
+        </a:defRPr>
+      </a:lvl8pPr>
+      <a:lvl9pPr marL="3886200" indent="-228600" algn="l" defTabSz="914400" rtl="0" eaLnBrk="1" latinLnBrk="0" hangingPunct="1">
+        <a:lnSpc>
+          <a:spcPct val="90000"/>
+        </a:lnSpc>
+        <a:spcBef>
+          <a:spcPts val="500"/>
+        </a:spcBef>
+        <a:buFont typeface="Arial" panose="020B0604020202020204" pitchFamily="34" charset="0"/>
+        <a:buChar char="•"/>
+        <a:defRPr sz="1800" kern="1200">
+          <a:solidFill>
+            <a:schemeClr val="tx1"/>
+          </a:solidFill>
+          <a:latin typeface="+mn-lt"/>
+          <a:ea typeface="+mn-ea"/>
+          <a:cs typeface="+mn-cs"/>
+        </a:defRPr>
+      </a:lvl9pPr>
+    </p:bodyStyle>
+    <p:otherStyle>
+      <a:defPPr>
+        <a:defRPr lang="en-US"/>
+      </a:defPPr>
+      <a:lvl1pPr marL="0" algn="l" defTabSz="914400" rtl="0" eaLnBrk="1" latinLnBrk="0" hangingPunct="1">
+        <a:defRPr sz="1800" kern="1200">
+          <a:solidFill>
+            <a:schemeClr val="tx1"/>
+          </a:solidFill>
+          <a:latin typeface="+mn-lt"/>
+          <a:ea typeface="+mn-ea"/>
+          <a:cs typeface="+mn-cs"/>
+        </a:defRPr>
+      </a:lvl1pPr>
+      <a:lvl2pPr marL="457200" algn="l" defTabSz="914400" rtl="0" eaLnBrk="1" latinLnBrk="0" hangingPunct="1">
+        <a:defRPr sz="1800" kern="1200">
+          <a:solidFill>
+            <a:schemeClr val="tx1"/>
+          </a:solidFill>
+          <a:latin typeface="+mn-lt"/>
+          <a:ea typeface="+mn-ea"/>
+          <a:cs typeface="+mn-cs"/>
+        </a:defRPr>
+      </a:lvl2pPr>
+      <a:lvl3pPr marL="914400" algn="l" defTabSz="914400" rtl="0" eaLnBrk="1" latinLnBrk="0" hangingPunct="1">
+        <a:defRPr sz="1800" kern="1200">
+          <a:solidFill>
+            <a:schemeClr val="tx1"/>
+          </a:solidFill>
+          <a:latin typeface="+mn-lt"/>
+          <a:ea typeface="+mn-ea"/>
+          <a:cs typeface="+mn-cs"/>
+        </a:defRPr>
+      </a:lvl3pPr>
+      <a:lvl4pPr marL="1371600" algn="l" defTabSz="914400" rtl="0" eaLnBrk="1" latinLnBrk="0" hangingPunct="1">
+        <a:defRPr sz="1800" kern="1200">
+          <a:solidFill>
+            <a:schemeClr val="tx1"/>
+          </a:solidFill>
+          <a:latin typeface="+mn-lt"/>
+          <a:ea typeface="+mn-ea"/>
+          <a:cs typeface="+mn-cs"/>
+        </a:defRPr>
+      </a:lvl4pPr>
+      <a:lvl5pPr marL="1828800" algn="l" defTabSz="914400" rtl="0" eaLnBrk="1" latinLnBrk="0" hangingPunct="1">
+        <a:defRPr sz="1800" kern="1200">
+          <a:solidFill>
+            <a:schemeClr val="tx1"/>
+          </a:solidFill>
+          <a:latin typeface="+mn-lt"/>
+          <a:ea typeface="+mn-ea"/>
+          <a:cs typeface="+mn-cs"/>
+        </a:defRPr>
+      </a:lvl5pPr>
+      <a:lvl6pPr marL="2286000" algn="l" defTabSz="914400" rtl="0" eaLnBrk="1" latinLnBrk="0" hangingPunct="1">
+        <a:defRPr sz="1800" kern="1200">
+          <a:solidFill>
+            <a:schemeClr val="tx1"/>
+          </a:solidFill>
+          <a:latin typeface="+mn-lt"/>
+          <a:ea typeface="+mn-ea"/>
+          <a:cs typeface="+mn-cs"/>
+        </a:defRPr>
+      </a:lvl6pPr>
+      <a:lvl7pPr marL="2743200" algn="l" defTabSz="914400" rtl="0" eaLnBrk="1" latinLnBrk="0" hangingPunct="1">
+        <a:defRPr sz="1800" kern="1200">
+          <a:solidFill>
+            <a:schemeClr val="tx1"/>
+          </a:solidFill>
+          <a:latin typeface="+mn-lt"/>
+          <a:ea typeface="+mn-ea"/>
+          <a:cs typeface="+mn-cs"/>
+        </a:defRPr>
+      </a:lvl7pPr>
+      <a:lvl8pPr marL="3200400" algn="l" defTabSz="914400" rtl="0" eaLnBrk="1" latinLnBrk="0" hangingPunct="1">
+        <a:defRPr sz="1800" kern="1200">
+          <a:solidFill>
+            <a:schemeClr val="tx1"/>
+          </a:solidFill>
+          <a:latin typeface="+mn-lt"/>
+          <a:ea typeface="+mn-ea"/>
+          <a:cs typeface="+mn-cs"/>
+        </a:defRPr>
+      </a:lvl8pPr>
+      <a:lvl9pPr marL="3657600" algn="l" defTabSz="914400" rtl="0" eaLnBrk="1" latinLnBrk="0" hangingPunct="1">
+        <a:defRPr sz="1800" kern="1200">
+          <a:solidFill>
+            <a:schemeClr val="tx1"/>
+          </a:solidFill>
+          <a:latin typeface="+mn-lt"/>
+          <a:ea typeface="+mn-ea"/>
+          <a:cs typeface="+mn-cs"/>
+        </a:defRPr>
+      </a:lvl9pPr>
+    </p:otherStyle>
+  </p:txStyles>
 </p:sldMaster>
 </file>
 
 <file path=ppt/slideMasters/slideMaster2.xml><?xml version="1.0" encoding="utf-8"?>
-<p:sldMaster xmlns:a="http://schemas.openxmlformats.org/drawingml/2006/main" xmlns:p="http://schemas.openxmlformats.org/presentationml/2006/main" xmlns:r="http://schemas.openxmlformats.org/officeDocument/2006/relationships" xmlns:p14="http://schemas.microsoft.com/office/powerpoint/2010/main" xmlns:p15="http://schemas.microsoft.com/office/powerpoint/2012/main" xmlns:mc="http://schemas.openxmlformats.org/markup-compatibility/2006">
+<p:sldMaster xmlns:a="http://schemas.openxmlformats.org/drawingml/2006/main" xmlns:r="http://schemas.openxmlformats.org/officeDocument/2006/relationships" xmlns:p="http://schemas.openxmlformats.org/presentationml/2006/main">
   <p:cSld>
     <p:bg>
       <p:bgPr>
         <a:solidFill>
-          <a:srgbClr val="ffffff"/>
+          <a:srgbClr val="FFFFFF"/>
         </a:solidFill>
+        <a:effectLst/>
       </p:bgPr>
     </p:bg>
     <p:spTree>
@@ -3314,18 +3813,16 @@
           </a:prstGeom>
         </p:spPr>
         <p:txBody>
-          <a:bodyPr lIns="0" rIns="0" tIns="0" bIns="0" anchor="ctr"/>
+          <a:bodyPr lIns="0" tIns="0" rIns="0" bIns="0" anchor="ctr"/>
+          <a:lstStyle/>
           <a:p>
             <a:pPr algn="ctr"/>
             <a:r>
-              <a:rPr b="0" lang="de-DE" sz="4400" spc="-1" strike="noStrike">
+              <a:rPr lang="de-DE" sz="4400" b="0" strike="noStrike" spc="-1">
                 <a:latin typeface="Arial"/>
               </a:rPr>
               <a:t>Format des Titeltextes durch Klicken bearbeiten</a:t>
             </a:r>
-            <a:endParaRPr b="0" lang="de-DE" sz="4400" spc="-1" strike="noStrike">
-              <a:latin typeface="Arial"/>
-            </a:endParaRPr>
           </a:p>
         </p:txBody>
       </p:sp>
@@ -3349,9 +3846,10 @@
           </a:prstGeom>
         </p:spPr>
         <p:txBody>
-          <a:bodyPr lIns="0" rIns="0" tIns="0" bIns="0">
+          <a:bodyPr lIns="0" tIns="0" rIns="0" bIns="0">
             <a:normAutofit/>
           </a:bodyPr>
+          <a:lstStyle/>
           <a:p>
             <a:pPr marL="432000" indent="-324000">
               <a:spcBef>
@@ -3365,17 +3863,14 @@
               <a:buChar char=""/>
             </a:pPr>
             <a:r>
-              <a:rPr b="0" lang="de-DE" sz="3200" spc="-1" strike="noStrike">
+              <a:rPr lang="de-DE" sz="3200" b="0" strike="noStrike" spc="-1">
                 <a:latin typeface="Arial"/>
               </a:rPr>
               <a:t>Format des Gliederungstextes durch Klicken bearbeiten</a:t>
             </a:r>
-            <a:endParaRPr b="0" lang="de-DE" sz="3200" spc="-1" strike="noStrike">
-              <a:latin typeface="Arial"/>
-            </a:endParaRPr>
-          </a:p>
-          <a:p>
-            <a:pPr lvl="1" marL="864000" indent="-324000">
+          </a:p>
+          <a:p>
+            <a:pPr marL="864000" lvl="1" indent="-324000">
               <a:spcBef>
                 <a:spcPts val="1134"/>
               </a:spcBef>
@@ -3387,17 +3882,14 @@
               <a:buChar char=""/>
             </a:pPr>
             <a:r>
-              <a:rPr b="0" lang="de-DE" sz="2800" spc="-1" strike="noStrike">
+              <a:rPr lang="de-DE" sz="2800" b="0" strike="noStrike" spc="-1">
                 <a:latin typeface="Arial"/>
               </a:rPr>
               <a:t>Zweite Gliederungsebene</a:t>
             </a:r>
-            <a:endParaRPr b="0" lang="de-DE" sz="2800" spc="-1" strike="noStrike">
-              <a:latin typeface="Arial"/>
-            </a:endParaRPr>
-          </a:p>
-          <a:p>
-            <a:pPr lvl="2" marL="1296000" indent="-288000">
+          </a:p>
+          <a:p>
+            <a:pPr marL="1296000" lvl="2" indent="-288000">
               <a:spcBef>
                 <a:spcPts val="850"/>
               </a:spcBef>
@@ -3409,17 +3901,14 @@
               <a:buChar char=""/>
             </a:pPr>
             <a:r>
-              <a:rPr b="0" lang="de-DE" sz="2400" spc="-1" strike="noStrike">
+              <a:rPr lang="de-DE" sz="2400" b="0" strike="noStrike" spc="-1">
                 <a:latin typeface="Arial"/>
               </a:rPr>
               <a:t>Dritte Gliederungsebene</a:t>
             </a:r>
-            <a:endParaRPr b="0" lang="de-DE" sz="2400" spc="-1" strike="noStrike">
-              <a:latin typeface="Arial"/>
-            </a:endParaRPr>
-          </a:p>
-          <a:p>
-            <a:pPr lvl="3" marL="1728000" indent="-216000">
+          </a:p>
+          <a:p>
+            <a:pPr marL="1728000" lvl="3" indent="-216000">
               <a:spcBef>
                 <a:spcPts val="567"/>
               </a:spcBef>
@@ -3431,17 +3920,14 @@
               <a:buChar char=""/>
             </a:pPr>
             <a:r>
-              <a:rPr b="0" lang="de-DE" sz="2000" spc="-1" strike="noStrike">
+              <a:rPr lang="de-DE" sz="2000" b="0" strike="noStrike" spc="-1">
                 <a:latin typeface="Arial"/>
               </a:rPr>
               <a:t>Vierte Gliederungsebene</a:t>
             </a:r>
-            <a:endParaRPr b="0" lang="de-DE" sz="2000" spc="-1" strike="noStrike">
-              <a:latin typeface="Arial"/>
-            </a:endParaRPr>
-          </a:p>
-          <a:p>
-            <a:pPr lvl="4" marL="2160000" indent="-216000">
+          </a:p>
+          <a:p>
+            <a:pPr marL="2160000" lvl="4" indent="-216000">
               <a:spcBef>
                 <a:spcPts val="283"/>
               </a:spcBef>
@@ -3453,17 +3939,14 @@
               <a:buChar char=""/>
             </a:pPr>
             <a:r>
-              <a:rPr b="0" lang="de-DE" sz="2000" spc="-1" strike="noStrike">
+              <a:rPr lang="de-DE" sz="2000" b="0" strike="noStrike" spc="-1">
                 <a:latin typeface="Arial"/>
               </a:rPr>
               <a:t>Fünfte Gliederungsebene</a:t>
             </a:r>
-            <a:endParaRPr b="0" lang="de-DE" sz="2000" spc="-1" strike="noStrike">
-              <a:latin typeface="Arial"/>
-            </a:endParaRPr>
-          </a:p>
-          <a:p>
-            <a:pPr lvl="5" marL="2592000" indent="-216000">
+          </a:p>
+          <a:p>
+            <a:pPr marL="2592000" lvl="5" indent="-216000">
               <a:spcBef>
                 <a:spcPts val="283"/>
               </a:spcBef>
@@ -3475,17 +3958,14 @@
               <a:buChar char=""/>
             </a:pPr>
             <a:r>
-              <a:rPr b="0" lang="de-DE" sz="2000" spc="-1" strike="noStrike">
+              <a:rPr lang="de-DE" sz="2000" b="0" strike="noStrike" spc="-1">
                 <a:latin typeface="Arial"/>
               </a:rPr>
               <a:t>Sechste Gliederungsebene</a:t>
             </a:r>
-            <a:endParaRPr b="0" lang="de-DE" sz="2000" spc="-1" strike="noStrike">
-              <a:latin typeface="Arial"/>
-            </a:endParaRPr>
-          </a:p>
-          <a:p>
-            <a:pPr lvl="6" marL="3024000" indent="-216000">
+          </a:p>
+          <a:p>
+            <a:pPr marL="3024000" lvl="6" indent="-216000">
               <a:spcBef>
                 <a:spcPts val="283"/>
               </a:spcBef>
@@ -3497,39 +3977,316 @@
               <a:buChar char=""/>
             </a:pPr>
             <a:r>
-              <a:rPr b="0" lang="de-DE" sz="2000" spc="-1" strike="noStrike">
+              <a:rPr lang="de-DE" sz="2000" b="0" strike="noStrike" spc="-1">
                 <a:latin typeface="Arial"/>
               </a:rPr>
               <a:t>Siebte Gliederungsebene</a:t>
             </a:r>
-            <a:endParaRPr b="0" lang="de-DE" sz="2000" spc="-1" strike="noStrike">
-              <a:latin typeface="Arial"/>
-            </a:endParaRPr>
           </a:p>
         </p:txBody>
       </p:sp>
     </p:spTree>
   </p:cSld>
-  <p:clrMap bg1="lt1" bg2="lt2" tx1="dk1" tx2="dk2" accent1="accent1" accent2="accent2" accent3="accent3" accent4="accent4" accent5="accent5" accent6="accent6" hlink="hlink" folHlink="folHlink"/>
+  <p:clrMap bg1="lt1" tx1="dk1" bg2="lt2" tx2="dk2" accent1="accent1" accent2="accent2" accent3="accent3" accent4="accent4" accent5="accent5" accent6="accent6" hlink="hlink" folHlink="folHlink"/>
   <p:sldLayoutIdLst>
-    <p:sldLayoutId id="2147483662" r:id="rId2"/>
-    <p:sldLayoutId id="2147483663" r:id="rId3"/>
-    <p:sldLayoutId id="2147483664" r:id="rId4"/>
-    <p:sldLayoutId id="2147483665" r:id="rId5"/>
-    <p:sldLayoutId id="2147483666" r:id="rId6"/>
-    <p:sldLayoutId id="2147483667" r:id="rId7"/>
-    <p:sldLayoutId id="2147483668" r:id="rId8"/>
-    <p:sldLayoutId id="2147483669" r:id="rId9"/>
-    <p:sldLayoutId id="2147483670" r:id="rId10"/>
-    <p:sldLayoutId id="2147483671" r:id="rId11"/>
-    <p:sldLayoutId id="2147483672" r:id="rId12"/>
-    <p:sldLayoutId id="2147483673" r:id="rId13"/>
+    <p:sldLayoutId id="2147483662" r:id="rId1"/>
+    <p:sldLayoutId id="2147483663" r:id="rId2"/>
+    <p:sldLayoutId id="2147483664" r:id="rId3"/>
+    <p:sldLayoutId id="2147483665" r:id="rId4"/>
+    <p:sldLayoutId id="2147483666" r:id="rId5"/>
+    <p:sldLayoutId id="2147483667" r:id="rId6"/>
+    <p:sldLayoutId id="2147483668" r:id="rId7"/>
+    <p:sldLayoutId id="2147483669" r:id="rId8"/>
+    <p:sldLayoutId id="2147483670" r:id="rId9"/>
+    <p:sldLayoutId id="2147483671" r:id="rId10"/>
+    <p:sldLayoutId id="2147483672" r:id="rId11"/>
+    <p:sldLayoutId id="2147483673" r:id="rId12"/>
   </p:sldLayoutIdLst>
+  <p:txStyles>
+    <p:titleStyle>
+      <a:lvl1pPr algn="l" defTabSz="914400" rtl="0" eaLnBrk="1" latinLnBrk="0" hangingPunct="1">
+        <a:lnSpc>
+          <a:spcPct val="90000"/>
+        </a:lnSpc>
+        <a:spcBef>
+          <a:spcPct val="0"/>
+        </a:spcBef>
+        <a:buNone/>
+        <a:defRPr sz="4400" kern="1200">
+          <a:solidFill>
+            <a:schemeClr val="tx1"/>
+          </a:solidFill>
+          <a:latin typeface="+mj-lt"/>
+          <a:ea typeface="+mj-ea"/>
+          <a:cs typeface="+mj-cs"/>
+        </a:defRPr>
+      </a:lvl1pPr>
+    </p:titleStyle>
+    <p:bodyStyle>
+      <a:lvl1pPr marL="228600" indent="-228600" algn="l" defTabSz="914400" rtl="0" eaLnBrk="1" latinLnBrk="0" hangingPunct="1">
+        <a:lnSpc>
+          <a:spcPct val="90000"/>
+        </a:lnSpc>
+        <a:spcBef>
+          <a:spcPts val="1000"/>
+        </a:spcBef>
+        <a:buFont typeface="Arial" panose="020B0604020202020204" pitchFamily="34" charset="0"/>
+        <a:buChar char="•"/>
+        <a:defRPr sz="2800" kern="1200">
+          <a:solidFill>
+            <a:schemeClr val="tx1"/>
+          </a:solidFill>
+          <a:latin typeface="+mn-lt"/>
+          <a:ea typeface="+mn-ea"/>
+          <a:cs typeface="+mn-cs"/>
+        </a:defRPr>
+      </a:lvl1pPr>
+      <a:lvl2pPr marL="685800" indent="-228600" algn="l" defTabSz="914400" rtl="0" eaLnBrk="1" latinLnBrk="0" hangingPunct="1">
+        <a:lnSpc>
+          <a:spcPct val="90000"/>
+        </a:lnSpc>
+        <a:spcBef>
+          <a:spcPts val="500"/>
+        </a:spcBef>
+        <a:buFont typeface="Arial" panose="020B0604020202020204" pitchFamily="34" charset="0"/>
+        <a:buChar char="•"/>
+        <a:defRPr sz="2400" kern="1200">
+          <a:solidFill>
+            <a:schemeClr val="tx1"/>
+          </a:solidFill>
+          <a:latin typeface="+mn-lt"/>
+          <a:ea typeface="+mn-ea"/>
+          <a:cs typeface="+mn-cs"/>
+        </a:defRPr>
+      </a:lvl2pPr>
+      <a:lvl3pPr marL="1143000" indent="-228600" algn="l" defTabSz="914400" rtl="0" eaLnBrk="1" latinLnBrk="0" hangingPunct="1">
+        <a:lnSpc>
+          <a:spcPct val="90000"/>
+        </a:lnSpc>
+        <a:spcBef>
+          <a:spcPts val="500"/>
+        </a:spcBef>
+        <a:buFont typeface="Arial" panose="020B0604020202020204" pitchFamily="34" charset="0"/>
+        <a:buChar char="•"/>
+        <a:defRPr sz="2000" kern="1200">
+          <a:solidFill>
+            <a:schemeClr val="tx1"/>
+          </a:solidFill>
+          <a:latin typeface="+mn-lt"/>
+          <a:ea typeface="+mn-ea"/>
+          <a:cs typeface="+mn-cs"/>
+        </a:defRPr>
+      </a:lvl3pPr>
+      <a:lvl4pPr marL="1600200" indent="-228600" algn="l" defTabSz="914400" rtl="0" eaLnBrk="1" latinLnBrk="0" hangingPunct="1">
+        <a:lnSpc>
+          <a:spcPct val="90000"/>
+        </a:lnSpc>
+        <a:spcBef>
+          <a:spcPts val="500"/>
+        </a:spcBef>
+        <a:buFont typeface="Arial" panose="020B0604020202020204" pitchFamily="34" charset="0"/>
+        <a:buChar char="•"/>
+        <a:defRPr sz="1800" kern="1200">
+          <a:solidFill>
+            <a:schemeClr val="tx1"/>
+          </a:solidFill>
+          <a:latin typeface="+mn-lt"/>
+          <a:ea typeface="+mn-ea"/>
+          <a:cs typeface="+mn-cs"/>
+        </a:defRPr>
+      </a:lvl4pPr>
+      <a:lvl5pPr marL="2057400" indent="-228600" algn="l" defTabSz="914400" rtl="0" eaLnBrk="1" latinLnBrk="0" hangingPunct="1">
+        <a:lnSpc>
+          <a:spcPct val="90000"/>
+        </a:lnSpc>
+        <a:spcBef>
+          <a:spcPts val="500"/>
+        </a:spcBef>
+        <a:buFont typeface="Arial" panose="020B0604020202020204" pitchFamily="34" charset="0"/>
+        <a:buChar char="•"/>
+        <a:defRPr sz="1800" kern="1200">
+          <a:solidFill>
+            <a:schemeClr val="tx1"/>
+          </a:solidFill>
+          <a:latin typeface="+mn-lt"/>
+          <a:ea typeface="+mn-ea"/>
+          <a:cs typeface="+mn-cs"/>
+        </a:defRPr>
+      </a:lvl5pPr>
+      <a:lvl6pPr marL="2514600" indent="-228600" algn="l" defTabSz="914400" rtl="0" eaLnBrk="1" latinLnBrk="0" hangingPunct="1">
+        <a:lnSpc>
+          <a:spcPct val="90000"/>
+        </a:lnSpc>
+        <a:spcBef>
+          <a:spcPts val="500"/>
+        </a:spcBef>
+        <a:buFont typeface="Arial" panose="020B0604020202020204" pitchFamily="34" charset="0"/>
+        <a:buChar char="•"/>
+        <a:defRPr sz="1800" kern="1200">
+          <a:solidFill>
+            <a:schemeClr val="tx1"/>
+          </a:solidFill>
+          <a:latin typeface="+mn-lt"/>
+          <a:ea typeface="+mn-ea"/>
+          <a:cs typeface="+mn-cs"/>
+        </a:defRPr>
+      </a:lvl6pPr>
+      <a:lvl7pPr marL="2971800" indent="-228600" algn="l" defTabSz="914400" rtl="0" eaLnBrk="1" latinLnBrk="0" hangingPunct="1">
+        <a:lnSpc>
+          <a:spcPct val="90000"/>
+        </a:lnSpc>
+        <a:spcBef>
+          <a:spcPts val="500"/>
+        </a:spcBef>
+        <a:buFont typeface="Arial" panose="020B0604020202020204" pitchFamily="34" charset="0"/>
+        <a:buChar char="•"/>
+        <a:defRPr sz="1800" kern="1200">
+          <a:solidFill>
+            <a:schemeClr val="tx1"/>
+          </a:solidFill>
+          <a:latin typeface="+mn-lt"/>
+          <a:ea typeface="+mn-ea"/>
+          <a:cs typeface="+mn-cs"/>
+        </a:defRPr>
+      </a:lvl7pPr>
+      <a:lvl8pPr marL="3429000" indent="-228600" algn="l" defTabSz="914400" rtl="0" eaLnBrk="1" latinLnBrk="0" hangingPunct="1">
+        <a:lnSpc>
+          <a:spcPct val="90000"/>
+        </a:lnSpc>
+        <a:spcBef>
+          <a:spcPts val="500"/>
+        </a:spcBef>
+        <a:buFont typeface="Arial" panose="020B0604020202020204" pitchFamily="34" charset="0"/>
+        <a:buChar char="•"/>
+        <a:defRPr sz="1800" kern="1200">
+          <a:solidFill>
+            <a:schemeClr val="tx1"/>
+          </a:solidFill>
+          <a:latin typeface="+mn-lt"/>
+          <a:ea typeface="+mn-ea"/>
+          <a:cs typeface="+mn-cs"/>
+        </a:defRPr>
+      </a:lvl8pPr>
+      <a:lvl9pPr marL="3886200" indent="-228600" algn="l" defTabSz="914400" rtl="0" eaLnBrk="1" latinLnBrk="0" hangingPunct="1">
+        <a:lnSpc>
+          <a:spcPct val="90000"/>
+        </a:lnSpc>
+        <a:spcBef>
+          <a:spcPts val="500"/>
+        </a:spcBef>
+        <a:buFont typeface="Arial" panose="020B0604020202020204" pitchFamily="34" charset="0"/>
+        <a:buChar char="•"/>
+        <a:defRPr sz="1800" kern="1200">
+          <a:solidFill>
+            <a:schemeClr val="tx1"/>
+          </a:solidFill>
+          <a:latin typeface="+mn-lt"/>
+          <a:ea typeface="+mn-ea"/>
+          <a:cs typeface="+mn-cs"/>
+        </a:defRPr>
+      </a:lvl9pPr>
+    </p:bodyStyle>
+    <p:otherStyle>
+      <a:defPPr>
+        <a:defRPr lang="en-US"/>
+      </a:defPPr>
+      <a:lvl1pPr marL="0" algn="l" defTabSz="914400" rtl="0" eaLnBrk="1" latinLnBrk="0" hangingPunct="1">
+        <a:defRPr sz="1800" kern="1200">
+          <a:solidFill>
+            <a:schemeClr val="tx1"/>
+          </a:solidFill>
+          <a:latin typeface="+mn-lt"/>
+          <a:ea typeface="+mn-ea"/>
+          <a:cs typeface="+mn-cs"/>
+        </a:defRPr>
+      </a:lvl1pPr>
+      <a:lvl2pPr marL="457200" algn="l" defTabSz="914400" rtl="0" eaLnBrk="1" latinLnBrk="0" hangingPunct="1">
+        <a:defRPr sz="1800" kern="1200">
+          <a:solidFill>
+            <a:schemeClr val="tx1"/>
+          </a:solidFill>
+          <a:latin typeface="+mn-lt"/>
+          <a:ea typeface="+mn-ea"/>
+          <a:cs typeface="+mn-cs"/>
+        </a:defRPr>
+      </a:lvl2pPr>
+      <a:lvl3pPr marL="914400" algn="l" defTabSz="914400" rtl="0" eaLnBrk="1" latinLnBrk="0" hangingPunct="1">
+        <a:defRPr sz="1800" kern="1200">
+          <a:solidFill>
+            <a:schemeClr val="tx1"/>
+          </a:solidFill>
+          <a:latin typeface="+mn-lt"/>
+          <a:ea typeface="+mn-ea"/>
+          <a:cs typeface="+mn-cs"/>
+        </a:defRPr>
+      </a:lvl3pPr>
+      <a:lvl4pPr marL="1371600" algn="l" defTabSz="914400" rtl="0" eaLnBrk="1" latinLnBrk="0" hangingPunct="1">
+        <a:defRPr sz="1800" kern="1200">
+          <a:solidFill>
+            <a:schemeClr val="tx1"/>
+          </a:solidFill>
+          <a:latin typeface="+mn-lt"/>
+          <a:ea typeface="+mn-ea"/>
+          <a:cs typeface="+mn-cs"/>
+        </a:defRPr>
+      </a:lvl4pPr>
+      <a:lvl5pPr marL="1828800" algn="l" defTabSz="914400" rtl="0" eaLnBrk="1" latinLnBrk="0" hangingPunct="1">
+        <a:defRPr sz="1800" kern="1200">
+          <a:solidFill>
+            <a:schemeClr val="tx1"/>
+          </a:solidFill>
+          <a:latin typeface="+mn-lt"/>
+          <a:ea typeface="+mn-ea"/>
+          <a:cs typeface="+mn-cs"/>
+        </a:defRPr>
+      </a:lvl5pPr>
+      <a:lvl6pPr marL="2286000" algn="l" defTabSz="914400" rtl="0" eaLnBrk="1" latinLnBrk="0" hangingPunct="1">
+        <a:defRPr sz="1800" kern="1200">
+          <a:solidFill>
+            <a:schemeClr val="tx1"/>
+          </a:solidFill>
+          <a:latin typeface="+mn-lt"/>
+          <a:ea typeface="+mn-ea"/>
+          <a:cs typeface="+mn-cs"/>
+        </a:defRPr>
+      </a:lvl6pPr>
+      <a:lvl7pPr marL="2743200" algn="l" defTabSz="914400" rtl="0" eaLnBrk="1" latinLnBrk="0" hangingPunct="1">
+        <a:defRPr sz="1800" kern="1200">
+          <a:solidFill>
+            <a:schemeClr val="tx1"/>
+          </a:solidFill>
+          <a:latin typeface="+mn-lt"/>
+          <a:ea typeface="+mn-ea"/>
+          <a:cs typeface="+mn-cs"/>
+        </a:defRPr>
+      </a:lvl7pPr>
+      <a:lvl8pPr marL="3200400" algn="l" defTabSz="914400" rtl="0" eaLnBrk="1" latinLnBrk="0" hangingPunct="1">
+        <a:defRPr sz="1800" kern="1200">
+          <a:solidFill>
+            <a:schemeClr val="tx1"/>
+          </a:solidFill>
+          <a:latin typeface="+mn-lt"/>
+          <a:ea typeface="+mn-ea"/>
+          <a:cs typeface="+mn-cs"/>
+        </a:defRPr>
+      </a:lvl8pPr>
+      <a:lvl9pPr marL="3657600" algn="l" defTabSz="914400" rtl="0" eaLnBrk="1" latinLnBrk="0" hangingPunct="1">
+        <a:defRPr sz="1800" kern="1200">
+          <a:solidFill>
+            <a:schemeClr val="tx1"/>
+          </a:solidFill>
+          <a:latin typeface="+mn-lt"/>
+          <a:ea typeface="+mn-ea"/>
+          <a:cs typeface="+mn-cs"/>
+        </a:defRPr>
+      </a:lvl9pPr>
+    </p:otherStyle>
+  </p:txStyles>
 </p:sldMaster>
 </file>
 
 <file path=ppt/slides/slide1.xml><?xml version="1.0" encoding="utf-8"?>
-<p:sld xmlns:a="http://schemas.openxmlformats.org/drawingml/2006/main" xmlns:p="http://schemas.openxmlformats.org/presentationml/2006/main" xmlns:r="http://schemas.openxmlformats.org/officeDocument/2006/relationships" xmlns:p14="http://schemas.microsoft.com/office/powerpoint/2010/main" xmlns:p15="http://schemas.microsoft.com/office/powerpoint/2012/main" xmlns:mc="http://schemas.openxmlformats.org/markup-compatibility/2006">
+<p:sld xmlns:a="http://schemas.openxmlformats.org/drawingml/2006/main" xmlns:r="http://schemas.openxmlformats.org/officeDocument/2006/relationships" xmlns:p="http://schemas.openxmlformats.org/presentationml/2006/main">
   <p:cSld>
     <p:spTree>
       <p:nvGrpSpPr>
@@ -3565,13 +4322,20 @@
           </a:ln>
         </p:spPr>
         <p:style>
-          <a:lnRef idx="0"/>
-          <a:fillRef idx="0"/>
-          <a:effectRef idx="0"/>
+          <a:lnRef idx="0">
+            <a:scrgbClr r="0" g="0" b="0"/>
+          </a:lnRef>
+          <a:fillRef idx="0">
+            <a:scrgbClr r="0" g="0" b="0"/>
+          </a:fillRef>
+          <a:effectRef idx="0">
+            <a:scrgbClr r="0" g="0" b="0"/>
+          </a:effectRef>
           <a:fontRef idx="minor"/>
         </p:style>
         <p:txBody>
-          <a:bodyPr lIns="90000" rIns="90000" tIns="45000" bIns="45000" anchor="b"/>
+          <a:bodyPr lIns="90000" tIns="45000" rIns="90000" bIns="45000" anchor="b"/>
+          <a:lstStyle/>
           <a:p>
             <a:pPr>
               <a:lnSpc>
@@ -3579,7 +4343,7 @@
               </a:lnSpc>
             </a:pPr>
             <a:r>
-              <a:rPr b="0" lang="de-DE" sz="8000" spc="-52" strike="noStrike">
+              <a:rPr lang="de-DE" sz="8000" b="0" strike="noStrike" spc="-52">
                 <a:solidFill>
                   <a:srgbClr val="262626"/>
                 </a:solidFill>
@@ -3587,7 +4351,7 @@
               </a:rPr>
               <a:t>Error: NameNotFound</a:t>
             </a:r>
-            <a:endParaRPr b="0" lang="de-DE" sz="8000" spc="-1" strike="noStrike">
+            <a:endParaRPr lang="de-DE" sz="8000" b="0" strike="noStrike" spc="-1">
               <a:latin typeface="Arial"/>
             </a:endParaRPr>
           </a:p>
@@ -3613,13 +4377,20 @@
           </a:ln>
         </p:spPr>
         <p:style>
-          <a:lnRef idx="0"/>
-          <a:fillRef idx="0"/>
-          <a:effectRef idx="0"/>
+          <a:lnRef idx="0">
+            <a:scrgbClr r="0" g="0" b="0"/>
+          </a:lnRef>
+          <a:fillRef idx="0">
+            <a:scrgbClr r="0" g="0" b="0"/>
+          </a:fillRef>
+          <a:effectRef idx="0">
+            <a:scrgbClr r="0" g="0" b="0"/>
+          </a:effectRef>
           <a:fontRef idx="minor"/>
         </p:style>
         <p:txBody>
-          <a:bodyPr lIns="90000" rIns="90000" tIns="45000" bIns="45000"/>
+          <a:bodyPr lIns="90000" tIns="45000" rIns="90000" bIns="45000"/>
+          <a:lstStyle/>
           <a:p>
             <a:pPr>
               <a:lnSpc>
@@ -3633,7 +4404,7 @@
               </a:spcAft>
             </a:pPr>
             <a:r>
-              <a:rPr b="0" lang="de-DE" sz="2400" spc="197" strike="noStrike" cap="all">
+              <a:rPr lang="de-DE" sz="2400" b="0" strike="noStrike" cap="all" spc="197">
                 <a:solidFill>
                   <a:srgbClr val="637052"/>
                 </a:solidFill>
@@ -3641,7 +4412,7 @@
               </a:rPr>
               <a:t>Von Bastian Schäfer, Moritz Wahlenmeier &amp; Stephen Heisser</a:t>
             </a:r>
-            <a:endParaRPr b="0" lang="de-DE" sz="2400" spc="-1" strike="noStrike">
+            <a:endParaRPr lang="de-DE" sz="2400" b="0" strike="noStrike" spc="-1">
               <a:latin typeface="Arial"/>
             </a:endParaRPr>
           </a:p>
@@ -3649,14 +4420,9 @@
       </p:sp>
     </p:spTree>
   </p:cSld>
-  <mc:AlternateContent>
-    <mc:Choice Requires="p14">
-      <p:transition spd="slow" p14:dur="2000"/>
-    </mc:Choice>
-    <mc:Fallback>
-      <p:transition spd="slow"/>
-    </mc:Fallback>
-  </mc:AlternateContent>
+  <p:clrMapOvr>
+    <a:masterClrMapping/>
+  </p:clrMapOvr>
   <p:timing>
     <p:tnLst>
       <p:par>
@@ -3665,14 +4431,14 @@
             <p:seq>
               <p:cTn id="2" dur="indefinite" nodeType="mainSeq"/>
               <p:prevCondLst>
-                <p:cond delay="0" evt="onPrev">
+                <p:cond evt="onPrev" delay="0">
                   <p:tgtEl>
                     <p:sldTgt/>
                   </p:tgtEl>
                 </p:cond>
               </p:prevCondLst>
               <p:nextCondLst>
-                <p:cond delay="0" evt="onNext">
+                <p:cond evt="onNext" delay="0">
                   <p:tgtEl>
                     <p:sldTgt/>
                   </p:tgtEl>
@@ -3688,7 +4454,7 @@
 </file>
 
 <file path=ppt/slides/slide10.xml><?xml version="1.0" encoding="utf-8"?>
-<p:sld xmlns:a="http://schemas.openxmlformats.org/drawingml/2006/main" xmlns:p="http://schemas.openxmlformats.org/presentationml/2006/main" xmlns:r="http://schemas.openxmlformats.org/officeDocument/2006/relationships" xmlns:p14="http://schemas.microsoft.com/office/powerpoint/2010/main" xmlns:p15="http://schemas.microsoft.com/office/powerpoint/2012/main" xmlns:mc="http://schemas.openxmlformats.org/markup-compatibility/2006">
+<p:sld xmlns:a="http://schemas.openxmlformats.org/drawingml/2006/main" xmlns:r="http://schemas.openxmlformats.org/officeDocument/2006/relationships" xmlns:p="http://schemas.openxmlformats.org/presentationml/2006/main">
   <p:cSld>
     <p:spTree>
       <p:nvGrpSpPr>
@@ -3724,13 +4490,20 @@
           </a:ln>
         </p:spPr>
         <p:style>
-          <a:lnRef idx="0"/>
-          <a:fillRef idx="0"/>
-          <a:effectRef idx="0"/>
+          <a:lnRef idx="0">
+            <a:scrgbClr r="0" g="0" b="0"/>
+          </a:lnRef>
+          <a:fillRef idx="0">
+            <a:scrgbClr r="0" g="0" b="0"/>
+          </a:fillRef>
+          <a:effectRef idx="0">
+            <a:scrgbClr r="0" g="0" b="0"/>
+          </a:effectRef>
           <a:fontRef idx="minor"/>
         </p:style>
         <p:txBody>
-          <a:bodyPr lIns="90000" rIns="90000" tIns="45000" bIns="45000" anchor="b"/>
+          <a:bodyPr lIns="90000" tIns="45000" rIns="90000" bIns="45000" anchor="b"/>
+          <a:lstStyle/>
           <a:p>
             <a:pPr>
               <a:lnSpc>
@@ -3738,7 +4511,7 @@
               </a:lnSpc>
             </a:pPr>
             <a:r>
-              <a:rPr b="0" lang="de-DE" sz="4800" spc="-52" strike="noStrike">
+              <a:rPr lang="de-DE" sz="4800" b="0" strike="noStrike" spc="-52">
                 <a:solidFill>
                   <a:srgbClr val="404040"/>
                 </a:solidFill>
@@ -3746,7 +4519,7 @@
               </a:rPr>
               <a:t>Fazit</a:t>
             </a:r>
-            <a:endParaRPr b="0" lang="de-DE" sz="4800" spc="-1" strike="noStrike">
+            <a:endParaRPr lang="de-DE" sz="4800" b="0" strike="noStrike" spc="-1">
               <a:latin typeface="Arial"/>
             </a:endParaRPr>
           </a:p>
@@ -3772,13 +4545,20 @@
           </a:ln>
         </p:spPr>
         <p:style>
-          <a:lnRef idx="0"/>
-          <a:fillRef idx="0"/>
-          <a:effectRef idx="0"/>
+          <a:lnRef idx="0">
+            <a:scrgbClr r="0" g="0" b="0"/>
+          </a:lnRef>
+          <a:fillRef idx="0">
+            <a:scrgbClr r="0" g="0" b="0"/>
+          </a:fillRef>
+          <a:effectRef idx="0">
+            <a:scrgbClr r="0" g="0" b="0"/>
+          </a:effectRef>
           <a:fontRef idx="minor"/>
         </p:style>
         <p:txBody>
-          <a:bodyPr lIns="0" rIns="0" tIns="45000" bIns="45000"/>
+          <a:bodyPr lIns="0" tIns="45000" rIns="0" bIns="45000"/>
+          <a:lstStyle/>
           <a:p>
             <a:pPr marL="91440" indent="-90720">
               <a:lnSpc>
@@ -3791,13 +4571,13 @@
                 <a:spcPts val="201"/>
               </a:spcAft>
               <a:buClr>
-                <a:srgbClr val="e48312"/>
+                <a:srgbClr val="E48312"/>
               </a:buClr>
               <a:buFont typeface="Arial"/>
               <a:buChar char="•"/>
             </a:pPr>
             <a:r>
-              <a:rPr b="0" lang="de-DE" sz="2000" spc="-1" strike="noStrike">
+              <a:rPr lang="de-DE" sz="2000" b="0" strike="noStrike" spc="-1">
                 <a:solidFill>
                   <a:srgbClr val="404040"/>
                 </a:solidFill>
@@ -3805,7 +4585,7 @@
               </a:rPr>
               <a:t> </a:t>
             </a:r>
-            <a:endParaRPr b="0" lang="de-DE" sz="2000" spc="-1" strike="noStrike">
+            <a:endParaRPr lang="de-DE" sz="2000" b="0" strike="noStrike" spc="-1">
               <a:latin typeface="Arial"/>
             </a:endParaRPr>
           </a:p>
@@ -3813,30 +4593,25 @@
       </p:sp>
     </p:spTree>
   </p:cSld>
-  <mc:AlternateContent>
-    <mc:Choice Requires="p14">
-      <p:transition spd="slow" p14:dur="2000"/>
-    </mc:Choice>
-    <mc:Fallback>
-      <p:transition spd="slow"/>
-    </mc:Fallback>
-  </mc:AlternateContent>
+  <p:clrMapOvr>
+    <a:masterClrMapping/>
+  </p:clrMapOvr>
   <p:timing>
     <p:tnLst>
       <p:par>
-        <p:cTn id="19" dur="indefinite" restart="never" nodeType="tmRoot">
+        <p:cTn id="1" dur="indefinite" restart="never" nodeType="tmRoot">
           <p:childTnLst>
             <p:seq>
-              <p:cTn id="20" dur="indefinite" nodeType="mainSeq"/>
+              <p:cTn id="2" dur="indefinite" nodeType="mainSeq"/>
               <p:prevCondLst>
-                <p:cond delay="0" evt="onPrev">
+                <p:cond evt="onPrev" delay="0">
                   <p:tgtEl>
                     <p:sldTgt/>
                   </p:tgtEl>
                 </p:cond>
               </p:prevCondLst>
               <p:nextCondLst>
-                <p:cond delay="0" evt="onNext">
+                <p:cond evt="onNext" delay="0">
                   <p:tgtEl>
                     <p:sldTgt/>
                   </p:tgtEl>
@@ -3852,7 +4627,7 @@
 </file>
 
 <file path=ppt/slides/slide2.xml><?xml version="1.0" encoding="utf-8"?>
-<p:sld xmlns:a="http://schemas.openxmlformats.org/drawingml/2006/main" xmlns:p="http://schemas.openxmlformats.org/presentationml/2006/main" xmlns:r="http://schemas.openxmlformats.org/officeDocument/2006/relationships" xmlns:p14="http://schemas.microsoft.com/office/powerpoint/2010/main" xmlns:p15="http://schemas.microsoft.com/office/powerpoint/2012/main" xmlns:mc="http://schemas.openxmlformats.org/markup-compatibility/2006">
+<p:sld xmlns:a="http://schemas.openxmlformats.org/drawingml/2006/main" xmlns:r="http://schemas.openxmlformats.org/officeDocument/2006/relationships" xmlns:p="http://schemas.openxmlformats.org/presentationml/2006/main">
   <p:cSld>
     <p:spTree>
       <p:nvGrpSpPr>
@@ -3888,13 +4663,20 @@
           </a:ln>
         </p:spPr>
         <p:style>
-          <a:lnRef idx="0"/>
-          <a:fillRef idx="0"/>
-          <a:effectRef idx="0"/>
+          <a:lnRef idx="0">
+            <a:scrgbClr r="0" g="0" b="0"/>
+          </a:lnRef>
+          <a:fillRef idx="0">
+            <a:scrgbClr r="0" g="0" b="0"/>
+          </a:fillRef>
+          <a:effectRef idx="0">
+            <a:scrgbClr r="0" g="0" b="0"/>
+          </a:effectRef>
           <a:fontRef idx="minor"/>
         </p:style>
         <p:txBody>
-          <a:bodyPr lIns="90000" rIns="90000" tIns="45000" bIns="45000" anchor="b"/>
+          <a:bodyPr lIns="90000" tIns="45000" rIns="90000" bIns="45000" anchor="b"/>
+          <a:lstStyle/>
           <a:p>
             <a:pPr>
               <a:lnSpc>
@@ -3902,7 +4684,7 @@
               </a:lnSpc>
             </a:pPr>
             <a:r>
-              <a:rPr b="0" lang="de-DE" sz="4800" spc="-52" strike="noStrike">
+              <a:rPr lang="de-DE" sz="4800" b="0" strike="noStrike" spc="-52">
                 <a:solidFill>
                   <a:srgbClr val="404040"/>
                 </a:solidFill>
@@ -3910,7 +4692,7 @@
               </a:rPr>
               <a:t>Inhaltsverzeichnis</a:t>
             </a:r>
-            <a:endParaRPr b="0" lang="de-DE" sz="4800" spc="-1" strike="noStrike">
+            <a:endParaRPr lang="de-DE" sz="4800" b="0" strike="noStrike" spc="-1">
               <a:latin typeface="Arial"/>
             </a:endParaRPr>
           </a:p>
@@ -3936,13 +4718,20 @@
           </a:ln>
         </p:spPr>
         <p:style>
-          <a:lnRef idx="0"/>
-          <a:fillRef idx="0"/>
-          <a:effectRef idx="0"/>
+          <a:lnRef idx="0">
+            <a:scrgbClr r="0" g="0" b="0"/>
+          </a:lnRef>
+          <a:fillRef idx="0">
+            <a:scrgbClr r="0" g="0" b="0"/>
+          </a:fillRef>
+          <a:effectRef idx="0">
+            <a:scrgbClr r="0" g="0" b="0"/>
+          </a:effectRef>
           <a:fontRef idx="minor"/>
         </p:style>
         <p:txBody>
-          <a:bodyPr lIns="0" rIns="0" tIns="45000" bIns="45000"/>
+          <a:bodyPr lIns="0" tIns="45000" rIns="0" bIns="45000"/>
+          <a:lstStyle/>
           <a:p>
             <a:pPr marL="91440" indent="-90720">
               <a:lnSpc>
@@ -3955,13 +4744,13 @@
                 <a:spcPts val="201"/>
               </a:spcAft>
               <a:buClr>
-                <a:srgbClr val="e48312"/>
+                <a:srgbClr val="E48312"/>
               </a:buClr>
               <a:buFont typeface="Wingdings" charset="2"/>
               <a:buChar char=""/>
             </a:pPr>
             <a:r>
-              <a:rPr b="0" lang="de-DE" sz="2000" spc="-1" strike="noStrike">
+              <a:rPr lang="de-DE" sz="2000" b="0" strike="noStrike" spc="-1">
                 <a:solidFill>
                   <a:srgbClr val="404040"/>
                 </a:solidFill>
@@ -3969,7 +4758,7 @@
               </a:rPr>
               <a:t>Inhaltsverzeichnis</a:t>
             </a:r>
-            <a:endParaRPr b="0" lang="de-DE" sz="2000" spc="-1" strike="noStrike">
+            <a:endParaRPr lang="de-DE" sz="2000" b="0" strike="noStrike" spc="-1">
               <a:latin typeface="Arial"/>
             </a:endParaRPr>
           </a:p>
@@ -3985,13 +4774,13 @@
                 <a:spcPts val="201"/>
               </a:spcAft>
               <a:buClr>
-                <a:srgbClr val="e48312"/>
+                <a:srgbClr val="E48312"/>
               </a:buClr>
               <a:buFont typeface="Wingdings" charset="2"/>
               <a:buChar char=""/>
             </a:pPr>
             <a:r>
-              <a:rPr b="0" lang="de-DE" sz="2000" spc="-1" strike="noStrike">
+              <a:rPr lang="de-DE" sz="2000" b="0" strike="noStrike" spc="-1">
                 <a:solidFill>
                   <a:srgbClr val="404040"/>
                 </a:solidFill>
@@ -3999,7 +4788,7 @@
               </a:rPr>
               <a:t>Vorstellung der Projektgruppe</a:t>
             </a:r>
-            <a:endParaRPr b="0" lang="de-DE" sz="2000" spc="-1" strike="noStrike">
+            <a:endParaRPr lang="de-DE" sz="2000" b="0" strike="noStrike" spc="-1">
               <a:latin typeface="Arial"/>
             </a:endParaRPr>
           </a:p>
@@ -4015,13 +4804,13 @@
                 <a:spcPts val="201"/>
               </a:spcAft>
               <a:buClr>
-                <a:srgbClr val="e48312"/>
+                <a:srgbClr val="E48312"/>
               </a:buClr>
               <a:buFont typeface="Wingdings" charset="2"/>
               <a:buChar char=""/>
             </a:pPr>
             <a:r>
-              <a:rPr b="0" lang="de-DE" sz="2000" spc="-1" strike="noStrike">
+              <a:rPr lang="de-DE" sz="2000" b="0" strike="noStrike" spc="-1">
                 <a:solidFill>
                   <a:srgbClr val="404040"/>
                 </a:solidFill>
@@ -4029,7 +4818,7 @@
               </a:rPr>
               <a:t>Projektbeschreibung</a:t>
             </a:r>
-            <a:endParaRPr b="0" lang="de-DE" sz="2000" spc="-1" strike="noStrike">
+            <a:endParaRPr lang="de-DE" sz="2000" b="0" strike="noStrike" spc="-1">
               <a:latin typeface="Arial"/>
             </a:endParaRPr>
           </a:p>
@@ -4045,13 +4834,13 @@
                 <a:spcPts val="201"/>
               </a:spcAft>
               <a:buClr>
-                <a:srgbClr val="e48312"/>
+                <a:srgbClr val="E48312"/>
               </a:buClr>
               <a:buFont typeface="Wingdings" charset="2"/>
               <a:buChar char=""/>
             </a:pPr>
             <a:r>
-              <a:rPr b="0" lang="de-DE" sz="2000" spc="-1" strike="noStrike">
+              <a:rPr lang="de-DE" sz="2000" b="0" strike="noStrike" spc="-1">
                 <a:solidFill>
                   <a:srgbClr val="404040"/>
                 </a:solidFill>
@@ -4059,7 +4848,7 @@
               </a:rPr>
               <a:t>Vorstellung des Ursprungsprogrammes</a:t>
             </a:r>
-            <a:endParaRPr b="0" lang="de-DE" sz="2000" spc="-1" strike="noStrike">
+            <a:endParaRPr lang="de-DE" sz="2000" b="0" strike="noStrike" spc="-1">
               <a:latin typeface="Arial"/>
             </a:endParaRPr>
           </a:p>
@@ -4075,13 +4864,13 @@
                 <a:spcPts val="201"/>
               </a:spcAft>
               <a:buClr>
-                <a:srgbClr val="e48312"/>
+                <a:srgbClr val="E48312"/>
               </a:buClr>
               <a:buFont typeface="Wingdings" charset="2"/>
               <a:buChar char=""/>
             </a:pPr>
             <a:r>
-              <a:rPr b="0" lang="de-DE" sz="2000" spc="-1" strike="noStrike">
+              <a:rPr lang="de-DE" sz="2000" b="0" strike="noStrike" spc="-1">
                 <a:solidFill>
                   <a:srgbClr val="404040"/>
                 </a:solidFill>
@@ -4089,7 +4878,7 @@
               </a:rPr>
               <a:t>Zeigen des Programms</a:t>
             </a:r>
-            <a:endParaRPr b="0" lang="de-DE" sz="2000" spc="-1" strike="noStrike">
+            <a:endParaRPr lang="de-DE" sz="2000" b="0" strike="noStrike" spc="-1">
               <a:latin typeface="Arial"/>
             </a:endParaRPr>
           </a:p>
@@ -4105,13 +4894,13 @@
                 <a:spcPts val="201"/>
               </a:spcAft>
               <a:buClr>
-                <a:srgbClr val="e48312"/>
+                <a:srgbClr val="E48312"/>
               </a:buClr>
               <a:buFont typeface="Wingdings" charset="2"/>
               <a:buChar char=""/>
             </a:pPr>
             <a:r>
-              <a:rPr b="0" lang="de-DE" sz="2000" spc="-1" strike="noStrike">
+              <a:rPr lang="de-DE" sz="2000" b="0" strike="noStrike" spc="-1">
                 <a:solidFill>
                   <a:srgbClr val="404040"/>
                 </a:solidFill>
@@ -4119,7 +4908,7 @@
               </a:rPr>
               <a:t>Zeitplanung/Umsetzung</a:t>
             </a:r>
-            <a:endParaRPr b="0" lang="de-DE" sz="2000" spc="-1" strike="noStrike">
+            <a:endParaRPr lang="de-DE" sz="2000" b="0" strike="noStrike" spc="-1">
               <a:latin typeface="Arial"/>
             </a:endParaRPr>
           </a:p>
@@ -4135,13 +4924,13 @@
                 <a:spcPts val="201"/>
               </a:spcAft>
               <a:buClr>
-                <a:srgbClr val="e48312"/>
+                <a:srgbClr val="E48312"/>
               </a:buClr>
               <a:buFont typeface="Wingdings" charset="2"/>
               <a:buChar char=""/>
             </a:pPr>
             <a:r>
-              <a:rPr b="0" lang="de-DE" sz="2000" spc="-1" strike="noStrike">
+              <a:rPr lang="de-DE" sz="2000" b="0" strike="noStrike" spc="-1">
                 <a:solidFill>
                   <a:srgbClr val="404040"/>
                 </a:solidFill>
@@ -4149,7 +4938,7 @@
               </a:rPr>
               <a:t>Probleme</a:t>
             </a:r>
-            <a:endParaRPr b="0" lang="de-DE" sz="2000" spc="-1" strike="noStrike">
+            <a:endParaRPr lang="de-DE" sz="2000" b="0" strike="noStrike" spc="-1">
               <a:latin typeface="Arial"/>
             </a:endParaRPr>
           </a:p>
@@ -4165,13 +4954,13 @@
                 <a:spcPts val="201"/>
               </a:spcAft>
               <a:buClr>
-                <a:srgbClr val="e48312"/>
+                <a:srgbClr val="E48312"/>
               </a:buClr>
               <a:buFont typeface="Wingdings" charset="2"/>
               <a:buChar char=""/>
             </a:pPr>
             <a:r>
-              <a:rPr b="0" lang="de-DE" sz="2000" spc="-1" strike="noStrike">
+              <a:rPr lang="de-DE" sz="2000" b="0" strike="noStrike" spc="-1">
                 <a:solidFill>
                   <a:srgbClr val="404040"/>
                 </a:solidFill>
@@ -4179,7 +4968,7 @@
               </a:rPr>
               <a:t>Mögliche Problemlösungen</a:t>
             </a:r>
-            <a:endParaRPr b="0" lang="de-DE" sz="2000" spc="-1" strike="noStrike">
+            <a:endParaRPr lang="de-DE" sz="2000" b="0" strike="noStrike" spc="-1">
               <a:latin typeface="Arial"/>
             </a:endParaRPr>
           </a:p>
@@ -4195,13 +4984,13 @@
                 <a:spcPts val="201"/>
               </a:spcAft>
               <a:buClr>
-                <a:srgbClr val="e48312"/>
+                <a:srgbClr val="E48312"/>
               </a:buClr>
               <a:buFont typeface="Wingdings" charset="2"/>
               <a:buChar char=""/>
             </a:pPr>
             <a:r>
-              <a:rPr b="0" lang="de-DE" sz="2000" spc="-1" strike="noStrike">
+              <a:rPr lang="de-DE" sz="2000" b="0" strike="noStrike" spc="-1">
                 <a:solidFill>
                   <a:srgbClr val="404040"/>
                 </a:solidFill>
@@ -4209,7 +4998,7 @@
               </a:rPr>
               <a:t>Fazit</a:t>
             </a:r>
-            <a:endParaRPr b="0" lang="de-DE" sz="2000" spc="-1" strike="noStrike">
+            <a:endParaRPr lang="de-DE" sz="2000" b="0" strike="noStrike" spc="-1">
               <a:latin typeface="Arial"/>
             </a:endParaRPr>
           </a:p>
@@ -4225,7 +5014,7 @@
                 <a:spcPts val="201"/>
               </a:spcAft>
             </a:pPr>
-            <a:endParaRPr b="0" lang="de-DE" sz="2000" spc="-1" strike="noStrike">
+            <a:endParaRPr lang="de-DE" sz="2000" b="0" strike="noStrike" spc="-1">
               <a:latin typeface="Arial"/>
             </a:endParaRPr>
           </a:p>
@@ -4233,30 +5022,25 @@
       </p:sp>
     </p:spTree>
   </p:cSld>
-  <mc:AlternateContent>
-    <mc:Choice Requires="p14">
-      <p:transition spd="slow" p14:dur="2000"/>
-    </mc:Choice>
-    <mc:Fallback>
-      <p:transition spd="slow"/>
-    </mc:Fallback>
-  </mc:AlternateContent>
+  <p:clrMapOvr>
+    <a:masterClrMapping/>
+  </p:clrMapOvr>
   <p:timing>
     <p:tnLst>
       <p:par>
-        <p:cTn id="3" dur="indefinite" restart="never" nodeType="tmRoot">
+        <p:cTn id="1" dur="indefinite" restart="never" nodeType="tmRoot">
           <p:childTnLst>
             <p:seq>
-              <p:cTn id="4" dur="indefinite" nodeType="mainSeq"/>
+              <p:cTn id="2" dur="indefinite" nodeType="mainSeq"/>
               <p:prevCondLst>
-                <p:cond delay="0" evt="onPrev">
+                <p:cond evt="onPrev" delay="0">
                   <p:tgtEl>
                     <p:sldTgt/>
                   </p:tgtEl>
                 </p:cond>
               </p:prevCondLst>
               <p:nextCondLst>
-                <p:cond delay="0" evt="onNext">
+                <p:cond evt="onNext" delay="0">
                   <p:tgtEl>
                     <p:sldTgt/>
                   </p:tgtEl>
@@ -4272,7 +5056,7 @@
 </file>
 
 <file path=ppt/slides/slide3.xml><?xml version="1.0" encoding="utf-8"?>
-<p:sld xmlns:a="http://schemas.openxmlformats.org/drawingml/2006/main" xmlns:p="http://schemas.openxmlformats.org/presentationml/2006/main" xmlns:r="http://schemas.openxmlformats.org/officeDocument/2006/relationships" xmlns:p14="http://schemas.microsoft.com/office/powerpoint/2010/main" xmlns:p15="http://schemas.microsoft.com/office/powerpoint/2012/main" xmlns:mc="http://schemas.openxmlformats.org/markup-compatibility/2006">
+<p:sld xmlns:a="http://schemas.openxmlformats.org/drawingml/2006/main" xmlns:r="http://schemas.openxmlformats.org/officeDocument/2006/relationships" xmlns:p="http://schemas.openxmlformats.org/presentationml/2006/main">
   <p:cSld>
     <p:spTree>
       <p:nvGrpSpPr>
@@ -4308,13 +5092,20 @@
           </a:ln>
         </p:spPr>
         <p:style>
-          <a:lnRef idx="0"/>
-          <a:fillRef idx="0"/>
-          <a:effectRef idx="0"/>
+          <a:lnRef idx="0">
+            <a:scrgbClr r="0" g="0" b="0"/>
+          </a:lnRef>
+          <a:fillRef idx="0">
+            <a:scrgbClr r="0" g="0" b="0"/>
+          </a:fillRef>
+          <a:effectRef idx="0">
+            <a:scrgbClr r="0" g="0" b="0"/>
+          </a:effectRef>
           <a:fontRef idx="minor"/>
         </p:style>
         <p:txBody>
-          <a:bodyPr lIns="90000" rIns="90000" tIns="45000" bIns="45000" anchor="b"/>
+          <a:bodyPr lIns="90000" tIns="45000" rIns="90000" bIns="45000" anchor="b"/>
+          <a:lstStyle/>
           <a:p>
             <a:pPr>
               <a:lnSpc>
@@ -4322,7 +5113,7 @@
               </a:lnSpc>
             </a:pPr>
             <a:r>
-              <a:rPr b="0" lang="de-DE" sz="4800" spc="-52" strike="noStrike">
+              <a:rPr lang="de-DE" sz="4800" b="0" strike="noStrike" spc="-52">
                 <a:solidFill>
                   <a:srgbClr val="404040"/>
                 </a:solidFill>
@@ -4330,7 +5121,7 @@
               </a:rPr>
               <a:t>Vorstellung der Projektgruppe</a:t>
             </a:r>
-            <a:endParaRPr b="0" lang="de-DE" sz="4800" spc="-1" strike="noStrike">
+            <a:endParaRPr lang="de-DE" sz="4800" b="0" strike="noStrike" spc="-1">
               <a:latin typeface="Arial"/>
             </a:endParaRPr>
           </a:p>
@@ -4356,13 +5147,20 @@
           </a:ln>
         </p:spPr>
         <p:style>
-          <a:lnRef idx="0"/>
-          <a:fillRef idx="0"/>
-          <a:effectRef idx="0"/>
+          <a:lnRef idx="0">
+            <a:scrgbClr r="0" g="0" b="0"/>
+          </a:lnRef>
+          <a:fillRef idx="0">
+            <a:scrgbClr r="0" g="0" b="0"/>
+          </a:fillRef>
+          <a:effectRef idx="0">
+            <a:scrgbClr r="0" g="0" b="0"/>
+          </a:effectRef>
           <a:fontRef idx="minor"/>
         </p:style>
         <p:txBody>
-          <a:bodyPr lIns="0" rIns="0" tIns="45000" bIns="45000"/>
+          <a:bodyPr lIns="0" tIns="45000" rIns="0" bIns="45000"/>
+          <a:lstStyle/>
           <a:p>
             <a:pPr marL="91440" indent="-90720">
               <a:lnSpc>
@@ -4375,52 +5173,103 @@
                 <a:spcPts val="201"/>
               </a:spcAft>
               <a:buClr>
-                <a:srgbClr val="e48312"/>
+                <a:srgbClr val="E48312"/>
               </a:buClr>
               <a:buFont typeface="Arial"/>
               <a:buChar char="•"/>
             </a:pPr>
             <a:r>
-              <a:rPr b="0" lang="de-DE" sz="2000" spc="-1" strike="noStrike">
-                <a:solidFill>
-                  <a:srgbClr val="404040"/>
-                </a:solidFill>
-                <a:latin typeface="Calibri"/>
+              <a:rPr lang="de-DE" sz="2000" b="0" strike="noStrike" spc="-1" dirty="0">
+                <a:latin typeface="Calibri" panose="020F0502020204030204" pitchFamily="34" charset="0"/>
+                <a:cs typeface="Calibri" panose="020F0502020204030204" pitchFamily="34" charset="0"/>
               </a:rPr>
-              <a:t> </a:t>
+              <a:t> Bastian Sch</a:t>
             </a:r>
-            <a:endParaRPr b="0" lang="de-DE" sz="2000" spc="-1" strike="noStrike">
-              <a:latin typeface="Arial"/>
+            <a:r>
+              <a:rPr lang="de-DE" sz="2000" dirty="0">
+                <a:latin typeface="Calibri" panose="020F0502020204030204" pitchFamily="34" charset="0"/>
+                <a:cs typeface="Calibri" panose="020F0502020204030204" pitchFamily="34" charset="0"/>
+              </a:rPr>
+              <a:t>äfer</a:t>
+            </a:r>
+          </a:p>
+          <a:p>
+            <a:pPr marL="91440" indent="-90720">
+              <a:lnSpc>
+                <a:spcPct val="90000"/>
+              </a:lnSpc>
+              <a:spcBef>
+                <a:spcPts val="1199"/>
+              </a:spcBef>
+              <a:spcAft>
+                <a:spcPts val="201"/>
+              </a:spcAft>
+              <a:buClr>
+                <a:srgbClr val="E48312"/>
+              </a:buClr>
+              <a:buFont typeface="Arial"/>
+              <a:buChar char="•"/>
+            </a:pPr>
+            <a:r>
+              <a:rPr lang="de-DE" sz="2000" b="0" strike="noStrike" spc="-1" dirty="0">
+                <a:latin typeface="Calibri" panose="020F0502020204030204" pitchFamily="34" charset="0"/>
+                <a:cs typeface="Calibri" panose="020F0502020204030204" pitchFamily="34" charset="0"/>
+              </a:rPr>
+              <a:t> Moritz Wahlenmeier</a:t>
+            </a:r>
+          </a:p>
+          <a:p>
+            <a:pPr marL="91440" indent="-90720">
+              <a:lnSpc>
+                <a:spcPct val="90000"/>
+              </a:lnSpc>
+              <a:spcBef>
+                <a:spcPts val="1199"/>
+              </a:spcBef>
+              <a:spcAft>
+                <a:spcPts val="201"/>
+              </a:spcAft>
+              <a:buClr>
+                <a:srgbClr val="E48312"/>
+              </a:buClr>
+              <a:buFont typeface="Arial"/>
+              <a:buChar char="•"/>
+            </a:pPr>
+            <a:r>
+              <a:rPr lang="de-DE" sz="2000" spc="-1" dirty="0">
+                <a:latin typeface="Calibri" panose="020F0502020204030204" pitchFamily="34" charset="0"/>
+                <a:cs typeface="Calibri" panose="020F0502020204030204" pitchFamily="34" charset="0"/>
+              </a:rPr>
+              <a:t> Stephen Heisser</a:t>
+            </a:r>
+            <a:endParaRPr lang="de-DE" sz="2000" b="0" strike="noStrike" spc="-1" dirty="0">
+              <a:latin typeface="Calibri" panose="020F0502020204030204" pitchFamily="34" charset="0"/>
+              <a:cs typeface="Calibri" panose="020F0502020204030204" pitchFamily="34" charset="0"/>
             </a:endParaRPr>
           </a:p>
         </p:txBody>
       </p:sp>
     </p:spTree>
   </p:cSld>
-  <mc:AlternateContent>
-    <mc:Choice Requires="p14">
-      <p:transition spd="slow" p14:dur="2000"/>
-    </mc:Choice>
-    <mc:Fallback>
-      <p:transition spd="slow"/>
-    </mc:Fallback>
-  </mc:AlternateContent>
+  <p:clrMapOvr>
+    <a:masterClrMapping/>
+  </p:clrMapOvr>
   <p:timing>
     <p:tnLst>
       <p:par>
-        <p:cTn id="5" dur="indefinite" restart="never" nodeType="tmRoot">
+        <p:cTn id="1" dur="indefinite" restart="never" nodeType="tmRoot">
           <p:childTnLst>
             <p:seq>
-              <p:cTn id="6" dur="indefinite" nodeType="mainSeq"/>
+              <p:cTn id="2" dur="indefinite" nodeType="mainSeq"/>
               <p:prevCondLst>
-                <p:cond delay="0" evt="onPrev">
+                <p:cond evt="onPrev" delay="0">
                   <p:tgtEl>
                     <p:sldTgt/>
                   </p:tgtEl>
                 </p:cond>
               </p:prevCondLst>
               <p:nextCondLst>
-                <p:cond delay="0" evt="onNext">
+                <p:cond evt="onNext" delay="0">
                   <p:tgtEl>
                     <p:sldTgt/>
                   </p:tgtEl>
@@ -4436,7 +5285,7 @@
 </file>
 
 <file path=ppt/slides/slide4.xml><?xml version="1.0" encoding="utf-8"?>
-<p:sld xmlns:a="http://schemas.openxmlformats.org/drawingml/2006/main" xmlns:p="http://schemas.openxmlformats.org/presentationml/2006/main" xmlns:r="http://schemas.openxmlformats.org/officeDocument/2006/relationships" xmlns:p14="http://schemas.microsoft.com/office/powerpoint/2010/main" xmlns:p15="http://schemas.microsoft.com/office/powerpoint/2012/main" xmlns:mc="http://schemas.openxmlformats.org/markup-compatibility/2006">
+<p:sld xmlns:a="http://schemas.openxmlformats.org/drawingml/2006/main" xmlns:r="http://schemas.openxmlformats.org/officeDocument/2006/relationships" xmlns:p="http://schemas.openxmlformats.org/presentationml/2006/main">
   <p:cSld>
     <p:spTree>
       <p:nvGrpSpPr>
@@ -4472,13 +5321,20 @@
           </a:ln>
         </p:spPr>
         <p:style>
-          <a:lnRef idx="0"/>
-          <a:fillRef idx="0"/>
-          <a:effectRef idx="0"/>
+          <a:lnRef idx="0">
+            <a:scrgbClr r="0" g="0" b="0"/>
+          </a:lnRef>
+          <a:fillRef idx="0">
+            <a:scrgbClr r="0" g="0" b="0"/>
+          </a:fillRef>
+          <a:effectRef idx="0">
+            <a:scrgbClr r="0" g="0" b="0"/>
+          </a:effectRef>
           <a:fontRef idx="minor"/>
         </p:style>
         <p:txBody>
-          <a:bodyPr lIns="90000" rIns="90000" tIns="45000" bIns="45000" anchor="b"/>
+          <a:bodyPr lIns="90000" tIns="45000" rIns="90000" bIns="45000" anchor="b"/>
+          <a:lstStyle/>
           <a:p>
             <a:pPr>
               <a:lnSpc>
@@ -4486,7 +5342,7 @@
               </a:lnSpc>
             </a:pPr>
             <a:r>
-              <a:rPr b="0" lang="de-DE" sz="4800" spc="-52" strike="noStrike">
+              <a:rPr lang="de-DE" sz="4800" b="0" strike="noStrike" spc="-52">
                 <a:solidFill>
                   <a:srgbClr val="404040"/>
                 </a:solidFill>
@@ -4494,7 +5350,7 @@
               </a:rPr>
               <a:t>Projektbeschreibung</a:t>
             </a:r>
-            <a:endParaRPr b="0" lang="de-DE" sz="4800" spc="-1" strike="noStrike">
+            <a:endParaRPr lang="de-DE" sz="4800" b="0" strike="noStrike" spc="-1">
               <a:latin typeface="Arial"/>
             </a:endParaRPr>
           </a:p>
@@ -4520,15 +5376,22 @@
           </a:ln>
         </p:spPr>
         <p:style>
-          <a:lnRef idx="0"/>
-          <a:fillRef idx="0"/>
-          <a:effectRef idx="0"/>
+          <a:lnRef idx="0">
+            <a:scrgbClr r="0" g="0" b="0"/>
+          </a:lnRef>
+          <a:fillRef idx="0">
+            <a:scrgbClr r="0" g="0" b="0"/>
+          </a:fillRef>
+          <a:effectRef idx="0">
+            <a:scrgbClr r="0" g="0" b="0"/>
+          </a:effectRef>
           <a:fontRef idx="minor"/>
         </p:style>
         <p:txBody>
-          <a:bodyPr lIns="0" rIns="0" tIns="45000" bIns="45000">
+          <a:bodyPr lIns="0" tIns="45000" rIns="0" bIns="45000">
             <a:normAutofit/>
           </a:bodyPr>
+          <a:lstStyle/>
           <a:p>
             <a:pPr marL="700920" indent="-342360">
               <a:lnSpc>
@@ -4541,13 +5404,13 @@
                 <a:spcPts val="799"/>
               </a:spcAft>
               <a:buClr>
-                <a:srgbClr val="e48312"/>
+                <a:srgbClr val="E48312"/>
               </a:buClr>
               <a:buFont typeface="Wingdings" charset="2"/>
               <a:buChar char=""/>
             </a:pPr>
             <a:r>
-              <a:rPr b="0" lang="de-DE" sz="2000" spc="-1" strike="noStrike">
+              <a:rPr lang="de-DE" sz="2000" b="0" strike="noStrike" spc="-1">
                 <a:solidFill>
                   <a:srgbClr val="404040"/>
                 </a:solidFill>
@@ -4556,7 +5419,7 @@
               </a:rPr>
               <a:t>Ziel: Ablösen von „Logiflash“. </a:t>
             </a:r>
-            <a:endParaRPr b="0" lang="de-DE" sz="2000" spc="-1" strike="noStrike">
+            <a:endParaRPr lang="de-DE" sz="2000" b="0" strike="noStrike" spc="-1">
               <a:latin typeface="Arial"/>
             </a:endParaRPr>
           </a:p>
@@ -4572,13 +5435,13 @@
                 <a:spcPts val="799"/>
               </a:spcAft>
               <a:buClr>
-                <a:srgbClr val="e48312"/>
+                <a:srgbClr val="E48312"/>
               </a:buClr>
               <a:buFont typeface="Wingdings" charset="2"/>
               <a:buChar char=""/>
             </a:pPr>
             <a:r>
-              <a:rPr b="0" lang="de-DE" sz="2000" spc="-1" strike="noStrike">
+              <a:rPr lang="de-DE" sz="2000" b="0" strike="noStrike" spc="-1">
                 <a:solidFill>
                   <a:srgbClr val="404040"/>
                 </a:solidFill>
@@ -4587,7 +5450,7 @@
               </a:rPr>
               <a:t>Programmiersprache: C#(WPF)</a:t>
             </a:r>
-            <a:endParaRPr b="0" lang="de-DE" sz="2000" spc="-1" strike="noStrike">
+            <a:endParaRPr lang="de-DE" sz="2000" b="0" strike="noStrike" spc="-1">
               <a:latin typeface="Arial"/>
             </a:endParaRPr>
           </a:p>
@@ -4603,13 +5466,13 @@
                 <a:spcPts val="799"/>
               </a:spcAft>
               <a:buClr>
-                <a:srgbClr val="e48312"/>
+                <a:srgbClr val="E48312"/>
               </a:buClr>
               <a:buFont typeface="Wingdings" charset="2"/>
               <a:buChar char=""/>
             </a:pPr>
             <a:r>
-              <a:rPr b="0" lang="de-DE" sz="2000" spc="-1" strike="noStrike">
+              <a:rPr lang="de-DE" sz="2000" b="0" strike="noStrike" spc="-1">
                 <a:solidFill>
                   <a:srgbClr val="404040"/>
                 </a:solidFill>
@@ -4618,7 +5481,7 @@
               </a:rPr>
               <a:t>Programmierumgebung: Visual Studio</a:t>
             </a:r>
-            <a:endParaRPr b="0" lang="de-DE" sz="2000" spc="-1" strike="noStrike">
+            <a:endParaRPr lang="de-DE" sz="2000" b="0" strike="noStrike" spc="-1">
               <a:latin typeface="Arial"/>
             </a:endParaRPr>
           </a:p>
@@ -4634,13 +5497,13 @@
                 <a:spcPts val="799"/>
               </a:spcAft>
               <a:buClr>
-                <a:srgbClr val="e48312"/>
+                <a:srgbClr val="E48312"/>
               </a:buClr>
               <a:buFont typeface="Wingdings" charset="2"/>
               <a:buChar char=""/>
             </a:pPr>
             <a:r>
-              <a:rPr b="0" lang="de-DE" sz="2000" spc="-1" strike="noStrike">
+              <a:rPr lang="de-DE" sz="2000" b="0" strike="noStrike" spc="-1">
                 <a:solidFill>
                   <a:srgbClr val="404040"/>
                 </a:solidFill>
@@ -4651,7 +5514,7 @@
             </a:r>
             <a:br/>
             <a:r>
-              <a:rPr b="0" lang="de-DE" sz="1800" spc="-1" strike="noStrike">
+              <a:rPr lang="de-DE" sz="1800" b="0" strike="noStrike" spc="-1">
                 <a:solidFill>
                   <a:srgbClr val="404040"/>
                 </a:solidFill>
@@ -4660,7 +5523,7 @@
               </a:rPr>
               <a:t> </a:t>
             </a:r>
-            <a:endParaRPr b="0" lang="de-DE" sz="1800" spc="-1" strike="noStrike">
+            <a:endParaRPr lang="de-DE" sz="1800" b="0" strike="noStrike" spc="-1">
               <a:latin typeface="Arial"/>
             </a:endParaRPr>
           </a:p>
@@ -4676,7 +5539,7 @@
                 <a:spcPts val="201"/>
               </a:spcAft>
             </a:pPr>
-            <a:endParaRPr b="0" lang="de-DE" sz="1800" spc="-1" strike="noStrike">
+            <a:endParaRPr lang="de-DE" sz="1800" b="0" strike="noStrike" spc="-1">
               <a:latin typeface="Arial"/>
             </a:endParaRPr>
           </a:p>
@@ -4684,30 +5547,25 @@
       </p:sp>
     </p:spTree>
   </p:cSld>
-  <mc:AlternateContent>
-    <mc:Choice Requires="p14">
-      <p:transition spd="slow" p14:dur="2000"/>
-    </mc:Choice>
-    <mc:Fallback>
-      <p:transition spd="slow"/>
-    </mc:Fallback>
-  </mc:AlternateContent>
+  <p:clrMapOvr>
+    <a:masterClrMapping/>
+  </p:clrMapOvr>
   <p:timing>
     <p:tnLst>
       <p:par>
-        <p:cTn id="7" dur="indefinite" restart="never" nodeType="tmRoot">
+        <p:cTn id="1" dur="indefinite" restart="never" nodeType="tmRoot">
           <p:childTnLst>
             <p:seq>
-              <p:cTn id="8" dur="indefinite" nodeType="mainSeq"/>
+              <p:cTn id="2" dur="indefinite" nodeType="mainSeq"/>
               <p:prevCondLst>
-                <p:cond delay="0" evt="onPrev">
+                <p:cond evt="onPrev" delay="0">
                   <p:tgtEl>
                     <p:sldTgt/>
                   </p:tgtEl>
                 </p:cond>
               </p:prevCondLst>
               <p:nextCondLst>
-                <p:cond delay="0" evt="onNext">
+                <p:cond evt="onNext" delay="0">
                   <p:tgtEl>
                     <p:sldTgt/>
                   </p:tgtEl>
@@ -4723,7 +5581,7 @@
 </file>
 
 <file path=ppt/slides/slide5.xml><?xml version="1.0" encoding="utf-8"?>
-<p:sld xmlns:a="http://schemas.openxmlformats.org/drawingml/2006/main" xmlns:p="http://schemas.openxmlformats.org/presentationml/2006/main" xmlns:r="http://schemas.openxmlformats.org/officeDocument/2006/relationships" xmlns:p14="http://schemas.microsoft.com/office/powerpoint/2010/main" xmlns:p15="http://schemas.microsoft.com/office/powerpoint/2012/main" xmlns:mc="http://schemas.openxmlformats.org/markup-compatibility/2006">
+<p:sld xmlns:a="http://schemas.openxmlformats.org/drawingml/2006/main" xmlns:r="http://schemas.openxmlformats.org/officeDocument/2006/relationships" xmlns:p="http://schemas.openxmlformats.org/presentationml/2006/main">
   <p:cSld>
     <p:spTree>
       <p:nvGrpSpPr>
@@ -4759,13 +5617,20 @@
           </a:ln>
         </p:spPr>
         <p:style>
-          <a:lnRef idx="0"/>
-          <a:fillRef idx="0"/>
-          <a:effectRef idx="0"/>
+          <a:lnRef idx="0">
+            <a:scrgbClr r="0" g="0" b="0"/>
+          </a:lnRef>
+          <a:fillRef idx="0">
+            <a:scrgbClr r="0" g="0" b="0"/>
+          </a:fillRef>
+          <a:effectRef idx="0">
+            <a:scrgbClr r="0" g="0" b="0"/>
+          </a:effectRef>
           <a:fontRef idx="minor"/>
         </p:style>
         <p:txBody>
-          <a:bodyPr lIns="90000" rIns="90000" tIns="45000" bIns="45000" anchor="b"/>
+          <a:bodyPr lIns="90000" tIns="45000" rIns="90000" bIns="45000" anchor="b"/>
+          <a:lstStyle/>
           <a:p>
             <a:pPr>
               <a:lnSpc>
@@ -4773,7 +5638,7 @@
               </a:lnSpc>
             </a:pPr>
             <a:r>
-              <a:rPr b="0" lang="de-DE" sz="4800" spc="-52" strike="noStrike">
+              <a:rPr lang="de-DE" sz="4800" b="0" strike="noStrike" spc="-52">
                 <a:solidFill>
                   <a:srgbClr val="404040"/>
                 </a:solidFill>
@@ -4781,7 +5646,7 @@
               </a:rPr>
               <a:t>Vorstellung des Ursprungsprogrammes</a:t>
             </a:r>
-            <a:endParaRPr b="0" lang="de-DE" sz="4800" spc="-1" strike="noStrike">
+            <a:endParaRPr lang="de-DE" sz="4800" b="0" strike="noStrike" spc="-1">
               <a:latin typeface="Arial"/>
             </a:endParaRPr>
           </a:p>
@@ -4807,13 +5672,20 @@
           </a:ln>
         </p:spPr>
         <p:style>
-          <a:lnRef idx="0"/>
-          <a:fillRef idx="0"/>
-          <a:effectRef idx="0"/>
+          <a:lnRef idx="0">
+            <a:scrgbClr r="0" g="0" b="0"/>
+          </a:lnRef>
+          <a:fillRef idx="0">
+            <a:scrgbClr r="0" g="0" b="0"/>
+          </a:fillRef>
+          <a:effectRef idx="0">
+            <a:scrgbClr r="0" g="0" b="0"/>
+          </a:effectRef>
           <a:fontRef idx="minor"/>
         </p:style>
         <p:txBody>
-          <a:bodyPr lIns="0" rIns="0" tIns="45000" bIns="45000"/>
+          <a:bodyPr lIns="0" tIns="45000" rIns="0" bIns="45000"/>
+          <a:lstStyle/>
           <a:p>
             <a:pPr marL="91440" indent="-90720">
               <a:lnSpc>
@@ -4826,21 +5698,21 @@
                 <a:spcPts val="201"/>
               </a:spcAft>
               <a:buClr>
-                <a:srgbClr val="e48312"/>
+                <a:srgbClr val="E48312"/>
               </a:buClr>
               <a:buFont typeface="Arial"/>
               <a:buChar char="•"/>
             </a:pPr>
             <a:r>
-              <a:rPr b="0" lang="de-DE" sz="2000" spc="-1" strike="noStrike">
+              <a:rPr lang="de-DE" sz="2000" b="0" strike="noStrike" spc="-1" dirty="0">
                 <a:solidFill>
                   <a:srgbClr val="404040"/>
                 </a:solidFill>
                 <a:latin typeface="Calibri"/>
               </a:rPr>
-              <a:t> </a:t>
+              <a:t> Logiflash </a:t>
             </a:r>
-            <a:endParaRPr b="0" lang="de-DE" sz="2000" spc="-1" strike="noStrike">
+            <a:endParaRPr lang="de-DE" sz="2000" b="0" strike="noStrike" spc="-1" dirty="0">
               <a:latin typeface="Arial"/>
             </a:endParaRPr>
           </a:p>
@@ -4848,30 +5720,25 @@
       </p:sp>
     </p:spTree>
   </p:cSld>
-  <mc:AlternateContent>
-    <mc:Choice Requires="p14">
-      <p:transition spd="slow" p14:dur="2000"/>
-    </mc:Choice>
-    <mc:Fallback>
-      <p:transition spd="slow"/>
-    </mc:Fallback>
-  </mc:AlternateContent>
+  <p:clrMapOvr>
+    <a:masterClrMapping/>
+  </p:clrMapOvr>
   <p:timing>
     <p:tnLst>
       <p:par>
-        <p:cTn id="9" dur="indefinite" restart="never" nodeType="tmRoot">
+        <p:cTn id="1" dur="indefinite" restart="never" nodeType="tmRoot">
           <p:childTnLst>
             <p:seq>
-              <p:cTn id="10" dur="indefinite" nodeType="mainSeq"/>
+              <p:cTn id="2" dur="indefinite" nodeType="mainSeq"/>
               <p:prevCondLst>
-                <p:cond delay="0" evt="onPrev">
+                <p:cond evt="onPrev" delay="0">
                   <p:tgtEl>
                     <p:sldTgt/>
                   </p:tgtEl>
                 </p:cond>
               </p:prevCondLst>
               <p:nextCondLst>
-                <p:cond delay="0" evt="onNext">
+                <p:cond evt="onNext" delay="0">
                   <p:tgtEl>
                     <p:sldTgt/>
                   </p:tgtEl>
@@ -4887,7 +5754,7 @@
 </file>
 
 <file path=ppt/slides/slide6.xml><?xml version="1.0" encoding="utf-8"?>
-<p:sld xmlns:a="http://schemas.openxmlformats.org/drawingml/2006/main" xmlns:p="http://schemas.openxmlformats.org/presentationml/2006/main" xmlns:r="http://schemas.openxmlformats.org/officeDocument/2006/relationships" xmlns:p14="http://schemas.microsoft.com/office/powerpoint/2010/main" xmlns:p15="http://schemas.microsoft.com/office/powerpoint/2012/main" xmlns:mc="http://schemas.openxmlformats.org/markup-compatibility/2006">
+<p:sld xmlns:a="http://schemas.openxmlformats.org/drawingml/2006/main" xmlns:r="http://schemas.openxmlformats.org/officeDocument/2006/relationships" xmlns:p="http://schemas.openxmlformats.org/presentationml/2006/main">
   <p:cSld>
     <p:spTree>
       <p:nvGrpSpPr>
@@ -4923,13 +5790,20 @@
           </a:ln>
         </p:spPr>
         <p:style>
-          <a:lnRef idx="0"/>
-          <a:fillRef idx="0"/>
-          <a:effectRef idx="0"/>
+          <a:lnRef idx="0">
+            <a:scrgbClr r="0" g="0" b="0"/>
+          </a:lnRef>
+          <a:fillRef idx="0">
+            <a:scrgbClr r="0" g="0" b="0"/>
+          </a:fillRef>
+          <a:effectRef idx="0">
+            <a:scrgbClr r="0" g="0" b="0"/>
+          </a:effectRef>
           <a:fontRef idx="minor"/>
         </p:style>
         <p:txBody>
-          <a:bodyPr lIns="90000" rIns="90000" tIns="45000" bIns="45000" anchor="b"/>
+          <a:bodyPr lIns="90000" tIns="45000" rIns="90000" bIns="45000" anchor="b"/>
+          <a:lstStyle/>
           <a:p>
             <a:pPr>
               <a:lnSpc>
@@ -4937,7 +5811,7 @@
               </a:lnSpc>
             </a:pPr>
             <a:r>
-              <a:rPr b="0" lang="de-DE" sz="4800" spc="-52" strike="noStrike">
+              <a:rPr lang="de-DE" sz="4800" b="0" strike="noStrike" spc="-52">
                 <a:solidFill>
                   <a:srgbClr val="404040"/>
                 </a:solidFill>
@@ -4945,7 +5819,7 @@
               </a:rPr>
               <a:t>Zeigen des Programs</a:t>
             </a:r>
-            <a:endParaRPr b="0" lang="de-DE" sz="4800" spc="-1" strike="noStrike">
+            <a:endParaRPr lang="de-DE" sz="4800" b="0" strike="noStrike" spc="-1">
               <a:latin typeface="Arial"/>
             </a:endParaRPr>
           </a:p>
@@ -4971,38 +5845,39 @@
           </a:ln>
         </p:spPr>
         <p:style>
-          <a:lnRef idx="0"/>
-          <a:fillRef idx="0"/>
-          <a:effectRef idx="0"/>
+          <a:lnRef idx="0">
+            <a:scrgbClr r="0" g="0" b="0"/>
+          </a:lnRef>
+          <a:fillRef idx="0">
+            <a:scrgbClr r="0" g="0" b="0"/>
+          </a:fillRef>
+          <a:effectRef idx="0">
+            <a:scrgbClr r="0" g="0" b="0"/>
+          </a:effectRef>
           <a:fontRef idx="minor"/>
         </p:style>
       </p:sp>
     </p:spTree>
   </p:cSld>
-  <mc:AlternateContent>
-    <mc:Choice Requires="p14">
-      <p:transition spd="slow" p14:dur="2000"/>
-    </mc:Choice>
-    <mc:Fallback>
-      <p:transition spd="slow"/>
-    </mc:Fallback>
-  </mc:AlternateContent>
+  <p:clrMapOvr>
+    <a:masterClrMapping/>
+  </p:clrMapOvr>
   <p:timing>
     <p:tnLst>
       <p:par>
-        <p:cTn id="11" dur="indefinite" restart="never" nodeType="tmRoot">
+        <p:cTn id="1" dur="indefinite" restart="never" nodeType="tmRoot">
           <p:childTnLst>
             <p:seq>
-              <p:cTn id="12" dur="indefinite" nodeType="mainSeq"/>
+              <p:cTn id="2" dur="indefinite" nodeType="mainSeq"/>
               <p:prevCondLst>
-                <p:cond delay="0" evt="onPrev">
+                <p:cond evt="onPrev" delay="0">
                   <p:tgtEl>
                     <p:sldTgt/>
                   </p:tgtEl>
                 </p:cond>
               </p:prevCondLst>
               <p:nextCondLst>
-                <p:cond delay="0" evt="onNext">
+                <p:cond evt="onNext" delay="0">
                   <p:tgtEl>
                     <p:sldTgt/>
                   </p:tgtEl>
@@ -5018,7 +5893,7 @@
 </file>
 
 <file path=ppt/slides/slide7.xml><?xml version="1.0" encoding="utf-8"?>
-<p:sld xmlns:a="http://schemas.openxmlformats.org/drawingml/2006/main" xmlns:p="http://schemas.openxmlformats.org/presentationml/2006/main" xmlns:r="http://schemas.openxmlformats.org/officeDocument/2006/relationships" xmlns:p14="http://schemas.microsoft.com/office/powerpoint/2010/main" xmlns:p15="http://schemas.microsoft.com/office/powerpoint/2012/main" xmlns:mc="http://schemas.openxmlformats.org/markup-compatibility/2006">
+<p:sld xmlns:a="http://schemas.openxmlformats.org/drawingml/2006/main" xmlns:r="http://schemas.openxmlformats.org/officeDocument/2006/relationships" xmlns:p="http://schemas.openxmlformats.org/presentationml/2006/main">
   <p:cSld>
     <p:spTree>
       <p:nvGrpSpPr>
@@ -5054,13 +5929,20 @@
           </a:ln>
         </p:spPr>
         <p:style>
-          <a:lnRef idx="0"/>
-          <a:fillRef idx="0"/>
-          <a:effectRef idx="0"/>
+          <a:lnRef idx="0">
+            <a:scrgbClr r="0" g="0" b="0"/>
+          </a:lnRef>
+          <a:fillRef idx="0">
+            <a:scrgbClr r="0" g="0" b="0"/>
+          </a:fillRef>
+          <a:effectRef idx="0">
+            <a:scrgbClr r="0" g="0" b="0"/>
+          </a:effectRef>
           <a:fontRef idx="minor"/>
         </p:style>
         <p:txBody>
-          <a:bodyPr lIns="90000" rIns="90000" tIns="45000" bIns="45000" anchor="b"/>
+          <a:bodyPr lIns="90000" tIns="45000" rIns="90000" bIns="45000" anchor="b"/>
+          <a:lstStyle/>
           <a:p>
             <a:pPr>
               <a:lnSpc>
@@ -5068,7 +5950,7 @@
               </a:lnSpc>
             </a:pPr>
             <a:r>
-              <a:rPr b="0" lang="de-DE" sz="4800" spc="-52" strike="noStrike">
+              <a:rPr lang="de-DE" sz="4800" b="0" strike="noStrike" spc="-52">
                 <a:solidFill>
                   <a:srgbClr val="404040"/>
                 </a:solidFill>
@@ -5076,7 +5958,7 @@
               </a:rPr>
               <a:t>Zeitplanung/Umsetzung</a:t>
             </a:r>
-            <a:endParaRPr b="0" lang="de-DE" sz="4800" spc="-1" strike="noStrike">
+            <a:endParaRPr lang="de-DE" sz="4800" b="0" strike="noStrike" spc="-1">
               <a:latin typeface="Arial"/>
             </a:endParaRPr>
           </a:p>
@@ -5084,3268 +5966,2368 @@
       </p:sp>
       <p:graphicFrame>
         <p:nvGraphicFramePr>
-          <p:cNvPr id="98" name="Table 2"/>
-          <p:cNvGraphicFramePr/>
-          <p:nvPr/>
+          <p:cNvPr id="5" name="Content Placeholder 3">
+            <a:extLst>
+              <a:ext uri="{FF2B5EF4-FFF2-40B4-BE49-F238E27FC236}">
+                <a16:creationId xmlns:a16="http://schemas.microsoft.com/office/drawing/2014/main" id="{E92EC671-C09B-401A-96F7-9E1F636FD7D8}"/>
+              </a:ext>
+            </a:extLst>
+          </p:cNvPr>
+          <p:cNvGraphicFramePr>
+            <a:graphicFrameLocks/>
+          </p:cNvGraphicFramePr>
+          <p:nvPr>
+            <p:extLst>
+              <p:ext uri="{D42A27DB-BD31-4B8C-83A1-F6EECF244321}">
+                <p14:modId xmlns:p14="http://schemas.microsoft.com/office/powerpoint/2010/main" val="4284859589"/>
+              </p:ext>
+            </p:extLst>
+          </p:nvPr>
         </p:nvGraphicFramePr>
         <p:xfrm>
-          <a:off x="924120" y="1353240"/>
-          <a:ext cx="10166400" cy="4562280"/>
+          <a:off x="1097280" y="1846262"/>
+          <a:ext cx="10058400" cy="4373561"/>
         </p:xfrm>
         <a:graphic>
           <a:graphicData uri="http://schemas.openxmlformats.org/drawingml/2006/table">
             <a:tbl>
-              <a:tblPr/>
+              <a:tblPr firstRow="1" firstCol="1" bandRow="1">
+                <a:tableStyleId>{5C22544A-7EE6-4342-B048-85BDC9FD1C3A}</a:tableStyleId>
+              </a:tblPr>
               <a:tblGrid>
-                <a:gridCol w="2483640"/>
-                <a:gridCol w="682560"/>
-                <a:gridCol w="2540880"/>
-                <a:gridCol w="682560"/>
-                <a:gridCol w="2790360"/>
-                <a:gridCol w="986760"/>
+                <a:gridCol w="2020631">
+                  <a:extLst>
+                    <a:ext uri="{9D8B030D-6E8A-4147-A177-3AD203B41FA5}">
+                      <a16:colId xmlns:a16="http://schemas.microsoft.com/office/drawing/2014/main" val="3960311757"/>
+                    </a:ext>
+                  </a:extLst>
+                </a:gridCol>
+                <a:gridCol w="959161">
+                  <a:extLst>
+                    <a:ext uri="{9D8B030D-6E8A-4147-A177-3AD203B41FA5}">
+                      <a16:colId xmlns:a16="http://schemas.microsoft.com/office/drawing/2014/main" val="375867820"/>
+                    </a:ext>
+                  </a:extLst>
+                </a:gridCol>
+                <a:gridCol w="2369126">
+                  <a:extLst>
+                    <a:ext uri="{9D8B030D-6E8A-4147-A177-3AD203B41FA5}">
+                      <a16:colId xmlns:a16="http://schemas.microsoft.com/office/drawing/2014/main" val="265749481"/>
+                    </a:ext>
+                  </a:extLst>
+                </a:gridCol>
+                <a:gridCol w="1103036">
+                  <a:extLst>
+                    <a:ext uri="{9D8B030D-6E8A-4147-A177-3AD203B41FA5}">
+                      <a16:colId xmlns:a16="http://schemas.microsoft.com/office/drawing/2014/main" val="3687022690"/>
+                    </a:ext>
+                  </a:extLst>
+                </a:gridCol>
+                <a:gridCol w="2493818">
+                  <a:extLst>
+                    <a:ext uri="{9D8B030D-6E8A-4147-A177-3AD203B41FA5}">
+                      <a16:colId xmlns:a16="http://schemas.microsoft.com/office/drawing/2014/main" val="1346975819"/>
+                    </a:ext>
+                  </a:extLst>
+                </a:gridCol>
+                <a:gridCol w="1112628">
+                  <a:extLst>
+                    <a:ext uri="{9D8B030D-6E8A-4147-A177-3AD203B41FA5}">
+                      <a16:colId xmlns:a16="http://schemas.microsoft.com/office/drawing/2014/main" val="4024777374"/>
+                    </a:ext>
+                  </a:extLst>
+                </a:gridCol>
               </a:tblGrid>
-              <a:tr h="525240">
+              <a:tr h="308771">
                 <a:tc>
                   <a:txBody>
-                    <a:bodyPr lIns="68400" rIns="68400"/>
+                    <a:bodyPr/>
+                    <a:lstStyle/>
                     <a:p>
-                      <a:pPr algn="ctr">
-                        <a:lnSpc>
-                          <a:spcPct val="107000"/>
-                        </a:lnSpc>
-                      </a:pPr>
+                      <a:pPr algn="ctr" rtl="0" fontAlgn="ctr"/>
                       <a:r>
-                        <a:rPr b="1" lang="de-DE" sz="1600" spc="-1" strike="noStrike" u="sng">
-                          <a:solidFill>
-                            <a:srgbClr val="ffffff"/>
-                          </a:solidFill>
-                          <a:uFillTx/>
-                          <a:latin typeface="Calibri"/>
+                        <a:rPr lang="en-US" sz="1600" u="sng" strike="noStrike" dirty="0">
+                          <a:effectLst/>
                         </a:rPr>
                         <a:t>Wahlenmeier</a:t>
                       </a:r>
-                      <a:endParaRPr b="0" lang="de-DE" sz="1600" spc="-1" strike="noStrike">
-                        <a:latin typeface="Arial"/>
+                      <a:endParaRPr lang="en-US" sz="1600" b="1" i="0" u="sng" strike="noStrike" dirty="0">
+                        <a:solidFill>
+                          <a:srgbClr val="FFFFFF"/>
+                        </a:solidFill>
+                        <a:effectLst/>
+                        <a:latin typeface="Calibri" panose="020F0502020204030204" pitchFamily="34" charset="0"/>
                       </a:endParaRPr>
                     </a:p>
                   </a:txBody>
-                  <a:tcPr marL="68400" marR="68400">
-                    <a:lnL w="12240">
-                      <a:solidFill>
-                        <a:srgbClr val="bd582c"/>
-                      </a:solidFill>
-                    </a:lnL>
-                    <a:lnR w="15840">
-                      <a:solidFill>
-                        <a:srgbClr val="bd582c"/>
-                      </a:solidFill>
-                    </a:lnR>
-                    <a:lnT w="12240">
-                      <a:solidFill>
-                        <a:srgbClr val="bd582c"/>
-                      </a:solidFill>
-                    </a:lnT>
-                    <a:lnB w="12240">
-                      <a:solidFill>
-                        <a:srgbClr val="bd582c"/>
-                      </a:solidFill>
-                    </a:lnB>
+                  <a:tcPr marL="9510" marR="9510" marT="9510" marB="0" anchor="ctr">
                     <a:solidFill>
-                      <a:srgbClr val="bd582c"/>
+                      <a:schemeClr val="accent2"/>
                     </a:solidFill>
                   </a:tcPr>
                 </a:tc>
                 <a:tc>
                   <a:txBody>
-                    <a:bodyPr lIns="68400" rIns="68400"/>
+                    <a:bodyPr/>
+                    <a:lstStyle/>
                     <a:p>
-                      <a:pPr>
-                        <a:lnSpc>
-                          <a:spcPct val="107000"/>
-                        </a:lnSpc>
-                      </a:pPr>
+                      <a:pPr algn="l" rtl="0" fontAlgn="ctr"/>
                       <a:r>
-                        <a:rPr b="1" lang="de-DE" sz="1600" spc="-1" strike="noStrike">
-                          <a:solidFill>
-                            <a:srgbClr val="ffffff"/>
-                          </a:solidFill>
-                          <a:latin typeface="Calibri"/>
+                        <a:rPr lang="en-US" sz="1600" u="none" strike="noStrike" dirty="0">
+                          <a:effectLst/>
                         </a:rPr>
                         <a:t>Zeit in h</a:t>
                       </a:r>
-                      <a:endParaRPr b="0" lang="de-DE" sz="1600" spc="-1" strike="noStrike">
-                        <a:latin typeface="Arial"/>
+                      <a:endParaRPr lang="en-US" sz="1600" b="1" i="0" u="none" strike="noStrike" dirty="0">
+                        <a:solidFill>
+                          <a:srgbClr val="FFFFFF"/>
+                        </a:solidFill>
+                        <a:effectLst/>
+                        <a:latin typeface="Calibri" panose="020F0502020204030204" pitchFamily="34" charset="0"/>
                       </a:endParaRPr>
                     </a:p>
                   </a:txBody>
-                  <a:tcPr marL="68400" marR="68400">
-                    <a:lnL w="12240">
-                      <a:solidFill>
-                        <a:srgbClr val="bd582c"/>
-                      </a:solidFill>
-                    </a:lnL>
-                    <a:lnR w="12240">
-                      <a:solidFill>
-                        <a:srgbClr val="bd582c"/>
-                      </a:solidFill>
-                    </a:lnR>
-                    <a:lnT w="12240">
-                      <a:solidFill>
-                        <a:srgbClr val="bd582c"/>
-                      </a:solidFill>
-                    </a:lnT>
-                    <a:lnB w="15840">
-                      <a:solidFill>
-                        <a:srgbClr val="ffffff"/>
-                      </a:solidFill>
-                    </a:lnB>
+                  <a:tcPr marL="9510" marR="9510" marT="9510" marB="0" anchor="ctr">
                     <a:solidFill>
-                      <a:srgbClr val="bd582c"/>
+                      <a:schemeClr val="accent2"/>
                     </a:solidFill>
                   </a:tcPr>
                 </a:tc>
                 <a:tc>
                   <a:txBody>
-                    <a:bodyPr lIns="68400" rIns="68400"/>
+                    <a:bodyPr/>
+                    <a:lstStyle/>
                     <a:p>
-                      <a:pPr algn="ctr">
-                        <a:lnSpc>
-                          <a:spcPct val="107000"/>
-                        </a:lnSpc>
-                      </a:pPr>
+                      <a:pPr algn="ctr" rtl="0" fontAlgn="ctr"/>
                       <a:r>
-                        <a:rPr b="1" lang="de-DE" sz="1600" spc="-1" strike="noStrike" u="sng">
-                          <a:solidFill>
-                            <a:srgbClr val="ffffff"/>
-                          </a:solidFill>
-                          <a:uFillTx/>
-                          <a:latin typeface="Calibri"/>
+                        <a:rPr lang="en-US" sz="1600" u="sng" strike="noStrike">
+                          <a:effectLst/>
                         </a:rPr>
                         <a:t>Schäfer</a:t>
                       </a:r>
-                      <a:endParaRPr b="0" lang="de-DE" sz="1600" spc="-1" strike="noStrike">
-                        <a:latin typeface="Arial"/>
+                      <a:endParaRPr lang="en-US" sz="1600" b="1" i="0" u="sng" strike="noStrike">
+                        <a:solidFill>
+                          <a:srgbClr val="FFFFFF"/>
+                        </a:solidFill>
+                        <a:effectLst/>
+                        <a:latin typeface="Calibri" panose="020F0502020204030204" pitchFamily="34" charset="0"/>
                       </a:endParaRPr>
                     </a:p>
                   </a:txBody>
-                  <a:tcPr marL="68400" marR="68400">
-                    <a:lnL w="12240">
-                      <a:solidFill>
-                        <a:srgbClr val="bd582c"/>
-                      </a:solidFill>
-                    </a:lnL>
-                    <a:lnR w="12240">
-                      <a:solidFill>
-                        <a:srgbClr val="bd582c"/>
-                      </a:solidFill>
-                    </a:lnR>
-                    <a:lnT w="12240">
-                      <a:solidFill>
-                        <a:srgbClr val="bd582c"/>
-                      </a:solidFill>
-                    </a:lnT>
-                    <a:lnB w="15840">
-                      <a:solidFill>
-                        <a:srgbClr val="ffffff"/>
-                      </a:solidFill>
-                    </a:lnB>
+                  <a:tcPr marL="9510" marR="9510" marT="9510" marB="0" anchor="ctr">
                     <a:solidFill>
-                      <a:srgbClr val="bd582c"/>
+                      <a:schemeClr val="accent2"/>
                     </a:solidFill>
                   </a:tcPr>
                 </a:tc>
                 <a:tc>
                   <a:txBody>
-                    <a:bodyPr lIns="68400" rIns="68400"/>
+                    <a:bodyPr/>
+                    <a:lstStyle/>
                     <a:p>
-                      <a:pPr>
-                        <a:lnSpc>
-                          <a:spcPct val="107000"/>
-                        </a:lnSpc>
-                      </a:pPr>
+                      <a:pPr algn="l" rtl="0" fontAlgn="ctr"/>
                       <a:r>
-                        <a:rPr b="1" lang="de-DE" sz="1600" spc="-1" strike="noStrike">
-                          <a:solidFill>
-                            <a:srgbClr val="ffffff"/>
-                          </a:solidFill>
-                          <a:latin typeface="Calibri"/>
+                        <a:rPr lang="en-US" sz="1600" u="none" strike="noStrike">
+                          <a:effectLst/>
                         </a:rPr>
                         <a:t>Zeit in h</a:t>
                       </a:r>
-                      <a:endParaRPr b="0" lang="de-DE" sz="1600" spc="-1" strike="noStrike">
-                        <a:latin typeface="Arial"/>
+                      <a:endParaRPr lang="en-US" sz="1600" b="1" i="0" u="none" strike="noStrike">
+                        <a:solidFill>
+                          <a:srgbClr val="FFFFFF"/>
+                        </a:solidFill>
+                        <a:effectLst/>
+                        <a:latin typeface="Calibri" panose="020F0502020204030204" pitchFamily="34" charset="0"/>
                       </a:endParaRPr>
                     </a:p>
                   </a:txBody>
-                  <a:tcPr marL="68400" marR="68400">
-                    <a:lnL w="12240">
-                      <a:solidFill>
-                        <a:srgbClr val="bd582c"/>
-                      </a:solidFill>
-                    </a:lnL>
-                    <a:lnR w="12240">
-                      <a:solidFill>
-                        <a:srgbClr val="bd582c"/>
-                      </a:solidFill>
-                    </a:lnR>
-                    <a:lnT w="12240">
-                      <a:solidFill>
-                        <a:srgbClr val="bd582c"/>
-                      </a:solidFill>
-                    </a:lnT>
-                    <a:lnB w="15840">
-                      <a:solidFill>
-                        <a:srgbClr val="ffffff"/>
-                      </a:solidFill>
-                    </a:lnB>
+                  <a:tcPr marL="9510" marR="9510" marT="9510" marB="0" anchor="ctr">
                     <a:solidFill>
-                      <a:srgbClr val="bd582c"/>
+                      <a:schemeClr val="accent2"/>
                     </a:solidFill>
                   </a:tcPr>
                 </a:tc>
                 <a:tc>
                   <a:txBody>
-                    <a:bodyPr lIns="68400" rIns="68400"/>
+                    <a:bodyPr/>
+                    <a:lstStyle/>
                     <a:p>
-                      <a:pPr algn="ctr">
-                        <a:lnSpc>
-                          <a:spcPct val="107000"/>
-                        </a:lnSpc>
-                      </a:pPr>
+                      <a:pPr algn="ctr" rtl="0" fontAlgn="ctr"/>
                       <a:r>
-                        <a:rPr b="1" lang="de-DE" sz="1600" spc="-1" strike="noStrike" u="sng">
-                          <a:solidFill>
-                            <a:srgbClr val="ffffff"/>
-                          </a:solidFill>
-                          <a:uFillTx/>
-                          <a:latin typeface="Calibri"/>
+                        <a:rPr lang="en-US" sz="1600" u="sng" strike="noStrike">
+                          <a:effectLst/>
                         </a:rPr>
                         <a:t>Heisser</a:t>
                       </a:r>
-                      <a:endParaRPr b="0" lang="de-DE" sz="1600" spc="-1" strike="noStrike">
-                        <a:latin typeface="Arial"/>
+                      <a:endParaRPr lang="en-US" sz="1600" b="1" i="0" u="sng" strike="noStrike">
+                        <a:solidFill>
+                          <a:srgbClr val="FFFFFF"/>
+                        </a:solidFill>
+                        <a:effectLst/>
+                        <a:latin typeface="Calibri" panose="020F0502020204030204" pitchFamily="34" charset="0"/>
                       </a:endParaRPr>
                     </a:p>
                   </a:txBody>
-                  <a:tcPr marL="68400" marR="68400">
-                    <a:lnL w="12240">
-                      <a:solidFill>
-                        <a:srgbClr val="bd582c"/>
-                      </a:solidFill>
-                    </a:lnL>
-                    <a:lnR w="12240">
-                      <a:solidFill>
-                        <a:srgbClr val="bd582c"/>
-                      </a:solidFill>
-                    </a:lnR>
-                    <a:lnT w="12240">
-                      <a:solidFill>
-                        <a:srgbClr val="bd582c"/>
-                      </a:solidFill>
-                    </a:lnT>
-                    <a:lnB w="15840">
-                      <a:solidFill>
-                        <a:srgbClr val="ffffff"/>
-                      </a:solidFill>
-                    </a:lnB>
+                  <a:tcPr marL="9510" marR="9510" marT="9510" marB="0" anchor="ctr">
                     <a:solidFill>
-                      <a:srgbClr val="bd582c"/>
+                      <a:schemeClr val="accent2"/>
                     </a:solidFill>
                   </a:tcPr>
                 </a:tc>
                 <a:tc>
                   <a:txBody>
-                    <a:bodyPr lIns="68400" rIns="68400"/>
+                    <a:bodyPr/>
+                    <a:lstStyle/>
                     <a:p>
-                      <a:pPr>
-                        <a:lnSpc>
-                          <a:spcPct val="107000"/>
-                        </a:lnSpc>
-                      </a:pPr>
+                      <a:pPr algn="l" rtl="0" fontAlgn="ctr"/>
                       <a:r>
-                        <a:rPr b="1" lang="de-DE" sz="1600" spc="-1" strike="noStrike">
-                          <a:solidFill>
-                            <a:srgbClr val="ffffff"/>
-                          </a:solidFill>
-                          <a:latin typeface="Calibri"/>
+                        <a:rPr lang="en-US" sz="1600" u="none" strike="noStrike" dirty="0">
+                          <a:effectLst/>
                         </a:rPr>
                         <a:t>Zeit in h</a:t>
                       </a:r>
-                      <a:endParaRPr b="0" lang="de-DE" sz="1600" spc="-1" strike="noStrike">
-                        <a:latin typeface="Arial"/>
+                      <a:endParaRPr lang="en-US" sz="1600" b="1" i="0" u="none" strike="noStrike" dirty="0">
+                        <a:solidFill>
+                          <a:srgbClr val="FFFFFF"/>
+                        </a:solidFill>
+                        <a:effectLst/>
+                        <a:latin typeface="Calibri" panose="020F0502020204030204" pitchFamily="34" charset="0"/>
                       </a:endParaRPr>
                     </a:p>
                   </a:txBody>
-                  <a:tcPr marL="68400" marR="68400">
-                    <a:lnL w="12240">
-                      <a:solidFill>
-                        <a:srgbClr val="bd582c"/>
-                      </a:solidFill>
-                    </a:lnL>
-                    <a:lnR w="12240">
-                      <a:solidFill>
-                        <a:srgbClr val="bd582c"/>
-                      </a:solidFill>
-                    </a:lnR>
-                    <a:lnT w="12240">
-                      <a:solidFill>
-                        <a:srgbClr val="bd582c"/>
-                      </a:solidFill>
-                    </a:lnT>
-                    <a:lnB w="15840">
-                      <a:solidFill>
-                        <a:srgbClr val="ffffff"/>
-                      </a:solidFill>
-                    </a:lnB>
+                  <a:tcPr marL="9510" marR="9510" marT="9510" marB="0" anchor="ctr">
                     <a:solidFill>
-                      <a:srgbClr val="bd582c"/>
+                      <a:schemeClr val="accent2"/>
                     </a:solidFill>
                   </a:tcPr>
                 </a:tc>
+                <a:extLst>
+                  <a:ext uri="{0D108BD9-81ED-4DB2-BD59-A6C34878D82A}">
+                    <a16:rowId xmlns:a16="http://schemas.microsoft.com/office/drawing/2014/main" val="4243780891"/>
+                  </a:ext>
+                </a:extLst>
               </a:tr>
-              <a:tr h="336960">
+              <a:tr h="606894">
                 <a:tc>
                   <a:txBody>
-                    <a:bodyPr lIns="68400" rIns="68400"/>
+                    <a:bodyPr/>
+                    <a:lstStyle/>
                     <a:p>
-                      <a:pPr>
-                        <a:lnSpc>
-                          <a:spcPct val="107000"/>
-                        </a:lnSpc>
-                      </a:pPr>
+                      <a:pPr algn="l" rtl="0" fontAlgn="ctr"/>
                       <a:r>
-                        <a:rPr b="0" lang="de-DE" sz="1600" spc="-1" strike="noStrike">
+                        <a:rPr lang="de-DE" sz="1600" u="none" strike="noStrike" noProof="0" dirty="0">
                           <a:solidFill>
-                            <a:srgbClr val="000000"/>
+                            <a:schemeClr val="tx1"/>
                           </a:solidFill>
-                          <a:latin typeface="Calibri"/>
+                          <a:effectLst/>
                         </a:rPr>
-                        <a:t>Programm Organisation</a:t>
+                        <a:t>Programm</a:t>
                       </a:r>
-                      <a:endParaRPr b="0" lang="de-DE" sz="1600" spc="-1" strike="noStrike">
-                        <a:latin typeface="Arial"/>
+                      <a:r>
+                        <a:rPr lang="en-US" sz="1600" u="none" strike="noStrike" dirty="0">
+                          <a:solidFill>
+                            <a:schemeClr val="tx1"/>
+                          </a:solidFill>
+                          <a:effectLst/>
+                        </a:rPr>
+                        <a:t> </a:t>
+                      </a:r>
+                      <a:r>
+                        <a:rPr lang="de-DE" sz="1600" u="none" strike="noStrike" noProof="0" dirty="0">
+                          <a:solidFill>
+                            <a:schemeClr val="tx1"/>
+                          </a:solidFill>
+                          <a:effectLst/>
+                        </a:rPr>
+                        <a:t>Organisation</a:t>
+                      </a:r>
+                      <a:endParaRPr lang="de-DE" sz="1600" b="1" i="0" u="none" strike="noStrike" noProof="0" dirty="0">
+                        <a:solidFill>
+                          <a:schemeClr val="tx1"/>
+                        </a:solidFill>
+                        <a:effectLst/>
+                        <a:latin typeface="Calibri" panose="020F0502020204030204" pitchFamily="34" charset="0"/>
                       </a:endParaRPr>
                     </a:p>
                   </a:txBody>
-                  <a:tcPr marL="68400" marR="68400">
-                    <a:lnL w="12240">
-                      <a:solidFill>
-                        <a:srgbClr val="bd582c"/>
-                      </a:solidFill>
-                    </a:lnL>
-                    <a:lnR w="15840">
-                      <a:solidFill>
-                        <a:srgbClr val="bd582c"/>
-                      </a:solidFill>
-                    </a:lnR>
-                    <a:lnT w="12240">
-                      <a:solidFill>
-                        <a:srgbClr val="bd582c"/>
-                      </a:solidFill>
-                    </a:lnT>
-                    <a:lnB w="12240">
-                      <a:solidFill>
-                        <a:srgbClr val="bd582c"/>
-                      </a:solidFill>
-                    </a:lnB>
+                  <a:tcPr marL="9510" marR="9510" marT="9510" marB="0" anchor="ctr">
                     <a:solidFill>
-                      <a:srgbClr val="d18d76"/>
+                      <a:schemeClr val="accent1"/>
                     </a:solidFill>
                   </a:tcPr>
                 </a:tc>
                 <a:tc>
                   <a:txBody>
-                    <a:bodyPr lIns="68400" rIns="68400"/>
+                    <a:bodyPr/>
+                    <a:lstStyle/>
                     <a:p>
-                      <a:pPr algn="r">
-                        <a:lnSpc>
-                          <a:spcPct val="107000"/>
-                        </a:lnSpc>
-                      </a:pPr>
+                      <a:pPr algn="r" rtl="0" fontAlgn="ctr"/>
                       <a:r>
-                        <a:rPr b="0" lang="de-DE" sz="1600" spc="-1" strike="noStrike">
+                        <a:rPr lang="en-US" sz="1600" u="none" strike="noStrike" dirty="0">
                           <a:solidFill>
-                            <a:srgbClr val="000000"/>
+                            <a:schemeClr val="tx1"/>
                           </a:solidFill>
-                          <a:latin typeface="Calibri"/>
+                          <a:effectLst/>
                         </a:rPr>
                         <a:t>2</a:t>
                       </a:r>
-                      <a:endParaRPr b="0" lang="de-DE" sz="1600" spc="-1" strike="noStrike">
-                        <a:latin typeface="Arial"/>
+                      <a:endParaRPr lang="en-US" sz="1600" b="0" i="0" u="none" strike="noStrike" dirty="0">
+                        <a:solidFill>
+                          <a:schemeClr val="tx1"/>
+                        </a:solidFill>
+                        <a:effectLst/>
+                        <a:latin typeface="Calibri" panose="020F0502020204030204" pitchFamily="34" charset="0"/>
                       </a:endParaRPr>
                     </a:p>
                   </a:txBody>
-                  <a:tcPr marL="68400" marR="68400">
-                    <a:lnL w="12240">
-                      <a:solidFill>
-                        <a:srgbClr val="bd582c"/>
-                      </a:solidFill>
-                    </a:lnL>
-                    <a:lnR w="12240">
-                      <a:solidFill>
-                        <a:srgbClr val="bd582c"/>
-                      </a:solidFill>
-                    </a:lnR>
-                    <a:lnT w="12240">
-                      <a:solidFill>
-                        <a:srgbClr val="bd582c"/>
-                      </a:solidFill>
-                    </a:lnT>
-                    <a:lnB w="12240">
-                      <a:solidFill>
-                        <a:srgbClr val="bd582c"/>
-                      </a:solidFill>
-                    </a:lnB>
+                  <a:tcPr marL="9510" marR="9510" marT="9510" marB="0" anchor="ctr">
                     <a:solidFill>
-                      <a:srgbClr val="d18d76"/>
+                      <a:schemeClr val="accent1">
+                        <a:lumMod val="60000"/>
+                        <a:lumOff val="40000"/>
+                      </a:schemeClr>
                     </a:solidFill>
                   </a:tcPr>
                 </a:tc>
                 <a:tc>
                   <a:txBody>
-                    <a:bodyPr lIns="68400" rIns="68400"/>
+                    <a:bodyPr/>
+                    <a:lstStyle/>
                     <a:p>
-                      <a:pPr>
-                        <a:lnSpc>
-                          <a:spcPct val="107000"/>
-                        </a:lnSpc>
-                      </a:pPr>
+                      <a:pPr algn="l" rtl="0" fontAlgn="ctr"/>
                       <a:r>
-                        <a:rPr b="0" lang="de-DE" sz="1600" spc="-1" strike="noStrike">
+                        <a:rPr lang="de-AT" sz="1600" u="none" strike="noStrike" noProof="0" dirty="0">
                           <a:solidFill>
-                            <a:srgbClr val="000000"/>
+                            <a:schemeClr val="tx1"/>
                           </a:solidFill>
-                          <a:latin typeface="Calibri"/>
+                          <a:effectLst/>
                         </a:rPr>
                         <a:t>Grafikdesign</a:t>
                       </a:r>
-                      <a:endParaRPr b="0" lang="de-DE" sz="1600" spc="-1" strike="noStrike">
-                        <a:latin typeface="Arial"/>
+                      <a:endParaRPr lang="de-AT" sz="1600" b="0" i="0" u="none" strike="noStrike" noProof="0" dirty="0">
+                        <a:solidFill>
+                          <a:schemeClr val="tx1"/>
+                        </a:solidFill>
+                        <a:effectLst/>
+                        <a:latin typeface="Calibri" panose="020F0502020204030204" pitchFamily="34" charset="0"/>
                       </a:endParaRPr>
                     </a:p>
                   </a:txBody>
-                  <a:tcPr marL="68400" marR="68400">
-                    <a:lnL w="12240">
-                      <a:solidFill>
-                        <a:srgbClr val="bd582c"/>
-                      </a:solidFill>
-                    </a:lnL>
-                    <a:lnR w="12240">
-                      <a:solidFill>
-                        <a:srgbClr val="bd582c"/>
-                      </a:solidFill>
-                    </a:lnR>
-                    <a:lnT w="12240">
-                      <a:solidFill>
-                        <a:srgbClr val="bd582c"/>
-                      </a:solidFill>
-                    </a:lnT>
-                    <a:lnB w="12240">
-                      <a:solidFill>
-                        <a:srgbClr val="bd582c"/>
-                      </a:solidFill>
-                    </a:lnB>
+                  <a:tcPr marL="9510" marR="9510" marT="9510" marB="0" anchor="ctr">
                     <a:solidFill>
-                      <a:srgbClr val="d18d76"/>
+                      <a:schemeClr val="accent1"/>
                     </a:solidFill>
                   </a:tcPr>
                 </a:tc>
                 <a:tc>
                   <a:txBody>
-                    <a:bodyPr lIns="68400" rIns="68400"/>
+                    <a:bodyPr/>
+                    <a:lstStyle/>
                     <a:p>
-                      <a:pPr algn="r">
-                        <a:lnSpc>
-                          <a:spcPct val="107000"/>
-                        </a:lnSpc>
-                      </a:pPr>
+                      <a:pPr algn="r" rtl="0" fontAlgn="ctr"/>
                       <a:r>
-                        <a:rPr b="0" lang="de-DE" sz="1600" spc="-1" strike="noStrike">
+                        <a:rPr lang="en-US" sz="1600" u="none" strike="noStrike">
                           <a:solidFill>
-                            <a:srgbClr val="000000"/>
+                            <a:schemeClr val="tx1"/>
                           </a:solidFill>
-                          <a:latin typeface="Calibri"/>
+                          <a:effectLst/>
                         </a:rPr>
                         <a:t>50</a:t>
                       </a:r>
-                      <a:endParaRPr b="0" lang="de-DE" sz="1600" spc="-1" strike="noStrike">
-                        <a:latin typeface="Arial"/>
+                      <a:endParaRPr lang="en-US" sz="1600" b="0" i="0" u="none" strike="noStrike">
+                        <a:solidFill>
+                          <a:schemeClr val="tx1"/>
+                        </a:solidFill>
+                        <a:effectLst/>
+                        <a:latin typeface="Calibri" panose="020F0502020204030204" pitchFamily="34" charset="0"/>
                       </a:endParaRPr>
                     </a:p>
                   </a:txBody>
-                  <a:tcPr marL="68400" marR="68400">
-                    <a:lnL w="12240">
-                      <a:solidFill>
-                        <a:srgbClr val="bd582c"/>
-                      </a:solidFill>
-                    </a:lnL>
-                    <a:lnR w="12240">
-                      <a:solidFill>
-                        <a:srgbClr val="bd582c"/>
-                      </a:solidFill>
-                    </a:lnR>
-                    <a:lnT w="12240">
-                      <a:solidFill>
-                        <a:srgbClr val="bd582c"/>
-                      </a:solidFill>
-                    </a:lnT>
-                    <a:lnB w="12240">
-                      <a:solidFill>
-                        <a:srgbClr val="bd582c"/>
-                      </a:solidFill>
-                    </a:lnB>
+                  <a:tcPr marL="9510" marR="9510" marT="9510" marB="0" anchor="ctr">
                     <a:solidFill>
-                      <a:srgbClr val="d18d76"/>
+                      <a:schemeClr val="accent1">
+                        <a:lumMod val="60000"/>
+                        <a:lumOff val="40000"/>
+                      </a:schemeClr>
                     </a:solidFill>
                   </a:tcPr>
                 </a:tc>
                 <a:tc>
                   <a:txBody>
-                    <a:bodyPr lIns="68400" rIns="68400"/>
+                    <a:bodyPr/>
+                    <a:lstStyle/>
                     <a:p>
-                      <a:pPr>
-                        <a:lnSpc>
-                          <a:spcPct val="107000"/>
-                        </a:lnSpc>
-                      </a:pPr>
+                      <a:pPr algn="l" rtl="0" fontAlgn="ctr"/>
                       <a:r>
-                        <a:rPr b="0" lang="de-DE" sz="1600" spc="-1" strike="noStrike">
+                        <a:rPr lang="en-US" sz="1600" u="none" strike="noStrike">
                           <a:solidFill>
-                            <a:srgbClr val="000000"/>
+                            <a:schemeClr val="tx1"/>
                           </a:solidFill>
-                          <a:latin typeface="Calibri"/>
+                          <a:effectLst/>
                         </a:rPr>
                         <a:t>Logik Bausteine in C#</a:t>
                       </a:r>
-                      <a:endParaRPr b="0" lang="de-DE" sz="1600" spc="-1" strike="noStrike">
-                        <a:latin typeface="Arial"/>
+                      <a:endParaRPr lang="en-US" sz="1600" b="0" i="0" u="none" strike="noStrike">
+                        <a:solidFill>
+                          <a:schemeClr val="tx1"/>
+                        </a:solidFill>
+                        <a:effectLst/>
+                        <a:latin typeface="Calibri" panose="020F0502020204030204" pitchFamily="34" charset="0"/>
                       </a:endParaRPr>
                     </a:p>
                   </a:txBody>
-                  <a:tcPr marL="68400" marR="68400">
-                    <a:lnL w="12240">
-                      <a:solidFill>
-                        <a:srgbClr val="bd582c"/>
-                      </a:solidFill>
-                    </a:lnL>
-                    <a:lnR w="12240">
-                      <a:solidFill>
-                        <a:srgbClr val="bd582c"/>
-                      </a:solidFill>
-                    </a:lnR>
-                    <a:lnT w="12240">
-                      <a:solidFill>
-                        <a:srgbClr val="bd582c"/>
-                      </a:solidFill>
-                    </a:lnT>
-                    <a:lnB w="12240">
-                      <a:solidFill>
-                        <a:srgbClr val="bd582c"/>
-                      </a:solidFill>
-                    </a:lnB>
+                  <a:tcPr marL="9510" marR="9510" marT="9510" marB="0" anchor="ctr">
                     <a:solidFill>
-                      <a:srgbClr val="d18d76"/>
+                      <a:schemeClr val="accent1"/>
                     </a:solidFill>
                   </a:tcPr>
                 </a:tc>
                 <a:tc>
                   <a:txBody>
-                    <a:bodyPr lIns="68400" rIns="68400"/>
+                    <a:bodyPr/>
+                    <a:lstStyle/>
                     <a:p>
-                      <a:pPr algn="r">
-                        <a:lnSpc>
-                          <a:spcPct val="107000"/>
-                        </a:lnSpc>
-                      </a:pPr>
+                      <a:pPr algn="r" rtl="0" fontAlgn="ctr"/>
                       <a:r>
-                        <a:rPr b="0" lang="de-DE" sz="1600" spc="-1" strike="noStrike">
+                        <a:rPr lang="en-US" sz="1600" u="none" strike="noStrike" dirty="0">
                           <a:solidFill>
-                            <a:srgbClr val="000000"/>
+                            <a:schemeClr val="tx1"/>
                           </a:solidFill>
-                          <a:latin typeface="Calibri"/>
+                          <a:effectLst/>
                         </a:rPr>
                         <a:t>29</a:t>
                       </a:r>
-                      <a:endParaRPr b="0" lang="de-DE" sz="1600" spc="-1" strike="noStrike">
-                        <a:latin typeface="Arial"/>
+                      <a:endParaRPr lang="en-US" sz="1600" b="0" i="0" u="none" strike="noStrike" dirty="0">
+                        <a:solidFill>
+                          <a:schemeClr val="tx1"/>
+                        </a:solidFill>
+                        <a:effectLst/>
+                        <a:latin typeface="Calibri" panose="020F0502020204030204" pitchFamily="34" charset="0"/>
                       </a:endParaRPr>
                     </a:p>
                   </a:txBody>
-                  <a:tcPr marL="68400" marR="68400">
-                    <a:lnL w="12240">
-                      <a:solidFill>
-                        <a:srgbClr val="bd582c"/>
-                      </a:solidFill>
-                    </a:lnL>
-                    <a:lnR w="12240">
-                      <a:solidFill>
-                        <a:srgbClr val="bd582c"/>
-                      </a:solidFill>
-                    </a:lnR>
-                    <a:lnT w="12240">
-                      <a:solidFill>
-                        <a:srgbClr val="bd582c"/>
-                      </a:solidFill>
-                    </a:lnT>
-                    <a:lnB w="12240">
-                      <a:solidFill>
-                        <a:srgbClr val="bd582c"/>
-                      </a:solidFill>
-                    </a:lnB>
+                  <a:tcPr marL="9510" marR="9510" marT="9510" marB="0" anchor="ctr">
                     <a:solidFill>
-                      <a:srgbClr val="d18d76"/>
+                      <a:schemeClr val="accent1">
+                        <a:lumMod val="60000"/>
+                        <a:lumOff val="40000"/>
+                      </a:schemeClr>
                     </a:solidFill>
                   </a:tcPr>
                 </a:tc>
+                <a:extLst>
+                  <a:ext uri="{0D108BD9-81ED-4DB2-BD59-A6C34878D82A}">
+                    <a16:rowId xmlns:a16="http://schemas.microsoft.com/office/drawing/2014/main" val="2696636444"/>
+                  </a:ext>
+                </a:extLst>
               </a:tr>
-              <a:tr h="525240">
+              <a:tr h="606894">
                 <a:tc>
                   <a:txBody>
-                    <a:bodyPr lIns="68400" rIns="68400"/>
+                    <a:bodyPr/>
+                    <a:lstStyle/>
                     <a:p>
-                      <a:pPr>
-                        <a:lnSpc>
-                          <a:spcPct val="107000"/>
-                        </a:lnSpc>
-                      </a:pPr>
+                      <a:pPr algn="l" rtl="0" fontAlgn="ctr"/>
                       <a:r>
-                        <a:rPr b="0" lang="de-DE" sz="1600" spc="-1" strike="noStrike">
+                        <a:rPr lang="de-DE" sz="1600" u="none" strike="noStrike" dirty="0">
                           <a:solidFill>
-                            <a:srgbClr val="000000"/>
+                            <a:schemeClr val="tx1"/>
                           </a:solidFill>
-                          <a:latin typeface="Calibri"/>
+                          <a:effectLst/>
                         </a:rPr>
                         <a:t>Programm in C für Mikrokontroller</a:t>
                       </a:r>
-                      <a:endParaRPr b="0" lang="de-DE" sz="1600" spc="-1" strike="noStrike">
-                        <a:latin typeface="Arial"/>
+                      <a:endParaRPr lang="de-DE" sz="1600" b="1" i="0" u="none" strike="noStrike" dirty="0">
+                        <a:solidFill>
+                          <a:schemeClr val="tx1"/>
+                        </a:solidFill>
+                        <a:effectLst/>
+                        <a:latin typeface="Calibri" panose="020F0502020204030204" pitchFamily="34" charset="0"/>
                       </a:endParaRPr>
                     </a:p>
                   </a:txBody>
-                  <a:tcPr marL="68400" marR="68400">
-                    <a:lnL w="12240">
-                      <a:solidFill>
-                        <a:srgbClr val="bd582c"/>
-                      </a:solidFill>
-                    </a:lnL>
-                    <a:lnR w="15840">
-                      <a:solidFill>
-                        <a:srgbClr val="bd582c"/>
-                      </a:solidFill>
-                    </a:lnR>
-                    <a:lnT w="12240">
-                      <a:solidFill>
-                        <a:srgbClr val="bd582c"/>
-                      </a:solidFill>
-                    </a:lnT>
-                    <a:lnB w="12240">
-                      <a:solidFill>
-                        <a:srgbClr val="bd582c"/>
-                      </a:solidFill>
-                    </a:lnB>
+                  <a:tcPr marL="9510" marR="9510" marT="9510" marB="0" anchor="ctr">
                     <a:solidFill>
-                      <a:srgbClr val="deb0a8"/>
+                      <a:schemeClr val="accent1"/>
                     </a:solidFill>
                   </a:tcPr>
                 </a:tc>
                 <a:tc>
                   <a:txBody>
-                    <a:bodyPr lIns="68400" rIns="68400"/>
+                    <a:bodyPr/>
+                    <a:lstStyle/>
                     <a:p>
-                      <a:pPr algn="r">
-                        <a:lnSpc>
-                          <a:spcPct val="107000"/>
-                        </a:lnSpc>
-                      </a:pPr>
+                      <a:pPr algn="r" rtl="0" fontAlgn="ctr"/>
                       <a:r>
-                        <a:rPr b="0" lang="de-DE" sz="1600" spc="-1" strike="noStrike">
+                        <a:rPr lang="en-US" sz="1600" u="none" strike="noStrike">
                           <a:solidFill>
-                            <a:srgbClr val="000000"/>
+                            <a:schemeClr val="tx1"/>
                           </a:solidFill>
-                          <a:latin typeface="Calibri"/>
+                          <a:effectLst/>
                         </a:rPr>
                         <a:t>0</a:t>
                       </a:r>
-                      <a:endParaRPr b="0" lang="de-DE" sz="1600" spc="-1" strike="noStrike">
-                        <a:latin typeface="Arial"/>
+                      <a:endParaRPr lang="en-US" sz="1600" b="0" i="0" u="none" strike="noStrike">
+                        <a:solidFill>
+                          <a:schemeClr val="tx1"/>
+                        </a:solidFill>
+                        <a:effectLst/>
+                        <a:latin typeface="Calibri" panose="020F0502020204030204" pitchFamily="34" charset="0"/>
                       </a:endParaRPr>
                     </a:p>
                   </a:txBody>
-                  <a:tcPr marL="68400" marR="68400">
-                    <a:lnL w="12240">
-                      <a:solidFill>
-                        <a:srgbClr val="bd582c"/>
-                      </a:solidFill>
-                    </a:lnL>
-                    <a:lnR w="12240">
-                      <a:solidFill>
-                        <a:srgbClr val="bd582c"/>
-                      </a:solidFill>
-                    </a:lnR>
-                    <a:lnT w="12240">
-                      <a:solidFill>
-                        <a:srgbClr val="bd582c"/>
-                      </a:solidFill>
-                    </a:lnT>
-                    <a:lnB w="12240">
-                      <a:solidFill>
-                        <a:srgbClr val="bd582c"/>
-                      </a:solidFill>
-                    </a:lnB>
+                  <a:tcPr marL="9510" marR="9510" marT="9510" marB="0" anchor="ctr">
                     <a:solidFill>
-                      <a:srgbClr val="deb0a8"/>
+                      <a:schemeClr val="accent1">
+                        <a:lumMod val="60000"/>
+                        <a:lumOff val="40000"/>
+                      </a:schemeClr>
                     </a:solidFill>
                   </a:tcPr>
                 </a:tc>
                 <a:tc>
                   <a:txBody>
-                    <a:bodyPr lIns="68400" rIns="68400"/>
+                    <a:bodyPr/>
+                    <a:lstStyle/>
                     <a:p>
-                      <a:pPr>
-                        <a:lnSpc>
-                          <a:spcPct val="107000"/>
-                        </a:lnSpc>
-                      </a:pPr>
+                      <a:pPr algn="l" rtl="0" fontAlgn="ctr"/>
                       <a:r>
-                        <a:rPr b="0" lang="de-DE" sz="1600" spc="-1" strike="noStrike">
+                        <a:rPr lang="de-DE" sz="1600" u="none" strike="noStrike" noProof="0" dirty="0">
                           <a:solidFill>
-                            <a:srgbClr val="000000"/>
+                            <a:schemeClr val="tx1"/>
                           </a:solidFill>
-                          <a:latin typeface="Calibri"/>
+                          <a:effectLst/>
                         </a:rPr>
-                        <a:t>Tastatur Kürzel</a:t>
+                        <a:t>Tastatur</a:t>
                       </a:r>
-                      <a:endParaRPr b="0" lang="de-DE" sz="1600" spc="-1" strike="noStrike">
-                        <a:latin typeface="Arial"/>
+                      <a:r>
+                        <a:rPr lang="en-US" sz="1600" u="none" strike="noStrike" dirty="0">
+                          <a:solidFill>
+                            <a:schemeClr val="tx1"/>
+                          </a:solidFill>
+                          <a:effectLst/>
+                        </a:rPr>
+                        <a:t> </a:t>
+                      </a:r>
+                      <a:r>
+                        <a:rPr lang="de-DE" sz="1600" u="none" strike="noStrike" noProof="0" dirty="0">
+                          <a:solidFill>
+                            <a:schemeClr val="tx1"/>
+                          </a:solidFill>
+                          <a:effectLst/>
+                        </a:rPr>
+                        <a:t>Kürzel</a:t>
+                      </a:r>
+                      <a:endParaRPr lang="de-DE" sz="1600" b="0" i="0" u="none" strike="noStrike" noProof="0" dirty="0">
+                        <a:solidFill>
+                          <a:schemeClr val="tx1"/>
+                        </a:solidFill>
+                        <a:effectLst/>
+                        <a:latin typeface="Calibri" panose="020F0502020204030204" pitchFamily="34" charset="0"/>
                       </a:endParaRPr>
                     </a:p>
                   </a:txBody>
-                  <a:tcPr marL="68400" marR="68400">
-                    <a:lnL w="12240">
-                      <a:solidFill>
-                        <a:srgbClr val="bd582c"/>
-                      </a:solidFill>
-                    </a:lnL>
-                    <a:lnR w="12240">
-                      <a:solidFill>
-                        <a:srgbClr val="bd582c"/>
-                      </a:solidFill>
-                    </a:lnR>
-                    <a:lnT w="12240">
-                      <a:solidFill>
-                        <a:srgbClr val="bd582c"/>
-                      </a:solidFill>
-                    </a:lnT>
-                    <a:lnB w="12240">
-                      <a:solidFill>
-                        <a:srgbClr val="bd582c"/>
-                      </a:solidFill>
-                    </a:lnB>
+                  <a:tcPr marL="9510" marR="9510" marT="9510" marB="0" anchor="ctr">
                     <a:solidFill>
-                      <a:srgbClr val="deb0a8"/>
+                      <a:schemeClr val="accent1"/>
                     </a:solidFill>
                   </a:tcPr>
                 </a:tc>
                 <a:tc>
                   <a:txBody>
-                    <a:bodyPr lIns="68400" rIns="68400"/>
+                    <a:bodyPr/>
+                    <a:lstStyle/>
                     <a:p>
-                      <a:pPr algn="r">
-                        <a:lnSpc>
-                          <a:spcPct val="107000"/>
-                        </a:lnSpc>
-                      </a:pPr>
+                      <a:pPr algn="r" rtl="0" fontAlgn="ctr"/>
                       <a:r>
-                        <a:rPr b="0" lang="de-DE" sz="1600" spc="-1" strike="noStrike">
+                        <a:rPr lang="en-US" sz="1600" u="none" strike="noStrike">
                           <a:solidFill>
-                            <a:srgbClr val="000000"/>
+                            <a:schemeClr val="tx1"/>
                           </a:solidFill>
-                          <a:latin typeface="Calibri"/>
+                          <a:effectLst/>
                         </a:rPr>
                         <a:t>0</a:t>
                       </a:r>
-                      <a:endParaRPr b="0" lang="de-DE" sz="1600" spc="-1" strike="noStrike">
-                        <a:latin typeface="Arial"/>
+                      <a:endParaRPr lang="en-US" sz="1600" b="0" i="0" u="none" strike="noStrike">
+                        <a:solidFill>
+                          <a:schemeClr val="tx1"/>
+                        </a:solidFill>
+                        <a:effectLst/>
+                        <a:latin typeface="Calibri" panose="020F0502020204030204" pitchFamily="34" charset="0"/>
                       </a:endParaRPr>
                     </a:p>
                   </a:txBody>
-                  <a:tcPr marL="68400" marR="68400">
-                    <a:lnL w="12240">
-                      <a:solidFill>
-                        <a:srgbClr val="bd582c"/>
-                      </a:solidFill>
-                    </a:lnL>
-                    <a:lnR w="12240">
-                      <a:solidFill>
-                        <a:srgbClr val="bd582c"/>
-                      </a:solidFill>
-                    </a:lnR>
-                    <a:lnT w="12240">
-                      <a:solidFill>
-                        <a:srgbClr val="bd582c"/>
-                      </a:solidFill>
-                    </a:lnT>
-                    <a:lnB w="12240">
-                      <a:solidFill>
-                        <a:srgbClr val="bd582c"/>
-                      </a:solidFill>
-                    </a:lnB>
+                  <a:tcPr marL="9510" marR="9510" marT="9510" marB="0" anchor="ctr">
                     <a:solidFill>
-                      <a:srgbClr val="deb0a8"/>
+                      <a:schemeClr val="accent1">
+                        <a:lumMod val="60000"/>
+                        <a:lumOff val="40000"/>
+                      </a:schemeClr>
                     </a:solidFill>
                   </a:tcPr>
                 </a:tc>
                 <a:tc>
                   <a:txBody>
-                    <a:bodyPr lIns="68400" rIns="68400"/>
+                    <a:bodyPr/>
+                    <a:lstStyle/>
                     <a:p>
-                      <a:pPr>
-                        <a:lnSpc>
-                          <a:spcPct val="107000"/>
-                        </a:lnSpc>
-                      </a:pPr>
+                      <a:pPr algn="l" rtl="0" fontAlgn="ctr"/>
                       <a:r>
-                        <a:rPr b="0" lang="de-DE" sz="1600" spc="-1" strike="noStrike">
+                        <a:rPr lang="en-US" sz="1600" u="none" strike="noStrike">
                           <a:solidFill>
-                            <a:srgbClr val="000000"/>
+                            <a:schemeClr val="tx1"/>
                           </a:solidFill>
-                          <a:latin typeface="Calibri"/>
+                          <a:effectLst/>
                         </a:rPr>
                         <a:t>Verbindungslinien</a:t>
                       </a:r>
-                      <a:endParaRPr b="0" lang="de-DE" sz="1600" spc="-1" strike="noStrike">
-                        <a:latin typeface="Arial"/>
+                      <a:endParaRPr lang="en-US" sz="1600" b="0" i="0" u="none" strike="noStrike">
+                        <a:solidFill>
+                          <a:schemeClr val="tx1"/>
+                        </a:solidFill>
+                        <a:effectLst/>
+                        <a:latin typeface="Calibri" panose="020F0502020204030204" pitchFamily="34" charset="0"/>
                       </a:endParaRPr>
                     </a:p>
                   </a:txBody>
-                  <a:tcPr marL="68400" marR="68400">
-                    <a:lnL w="12240">
-                      <a:solidFill>
-                        <a:srgbClr val="bd582c"/>
-                      </a:solidFill>
-                    </a:lnL>
-                    <a:lnR w="12240">
-                      <a:solidFill>
-                        <a:srgbClr val="bd582c"/>
-                      </a:solidFill>
-                    </a:lnR>
-                    <a:lnT w="12240">
-                      <a:solidFill>
-                        <a:srgbClr val="bd582c"/>
-                      </a:solidFill>
-                    </a:lnT>
-                    <a:lnB w="12240">
-                      <a:solidFill>
-                        <a:srgbClr val="bd582c"/>
-                      </a:solidFill>
-                    </a:lnB>
+                  <a:tcPr marL="9510" marR="9510" marT="9510" marB="0" anchor="ctr">
                     <a:solidFill>
-                      <a:srgbClr val="deb0a8"/>
+                      <a:schemeClr val="accent1"/>
                     </a:solidFill>
                   </a:tcPr>
                 </a:tc>
                 <a:tc>
                   <a:txBody>
-                    <a:bodyPr lIns="68400" rIns="68400"/>
+                    <a:bodyPr/>
+                    <a:lstStyle/>
                     <a:p>
-                      <a:pPr algn="r">
-                        <a:lnSpc>
-                          <a:spcPct val="107000"/>
-                        </a:lnSpc>
-                      </a:pPr>
+                      <a:pPr algn="r" rtl="0" fontAlgn="ctr"/>
                       <a:r>
-                        <a:rPr b="0" lang="de-DE" sz="1600" spc="-1" strike="noStrike">
+                        <a:rPr lang="en-US" sz="1600" u="none" strike="noStrike" dirty="0">
                           <a:solidFill>
-                            <a:srgbClr val="000000"/>
+                            <a:schemeClr val="tx1"/>
                           </a:solidFill>
-                          <a:latin typeface="Calibri"/>
+                          <a:effectLst/>
                         </a:rPr>
                         <a:t>32</a:t>
                       </a:r>
-                      <a:endParaRPr b="0" lang="de-DE" sz="1600" spc="-1" strike="noStrike">
-                        <a:latin typeface="Arial"/>
+                      <a:endParaRPr lang="en-US" sz="1600" b="0" i="0" u="none" strike="noStrike" dirty="0">
+                        <a:solidFill>
+                          <a:schemeClr val="tx1"/>
+                        </a:solidFill>
+                        <a:effectLst/>
+                        <a:latin typeface="Calibri" panose="020F0502020204030204" pitchFamily="34" charset="0"/>
                       </a:endParaRPr>
                     </a:p>
                   </a:txBody>
-                  <a:tcPr marL="68400" marR="68400">
-                    <a:lnL w="12240">
-                      <a:solidFill>
-                        <a:srgbClr val="bd582c"/>
-                      </a:solidFill>
-                    </a:lnL>
-                    <a:lnR w="12240">
-                      <a:solidFill>
-                        <a:srgbClr val="bd582c"/>
-                      </a:solidFill>
-                    </a:lnR>
-                    <a:lnT w="12240">
-                      <a:solidFill>
-                        <a:srgbClr val="bd582c"/>
-                      </a:solidFill>
-                    </a:lnT>
-                    <a:lnB w="12240">
-                      <a:solidFill>
-                        <a:srgbClr val="bd582c"/>
-                      </a:solidFill>
-                    </a:lnB>
+                  <a:tcPr marL="9510" marR="9510" marT="9510" marB="0" anchor="ctr">
                     <a:solidFill>
-                      <a:srgbClr val="deb0a8"/>
+                      <a:schemeClr val="accent1">
+                        <a:lumMod val="60000"/>
+                        <a:lumOff val="40000"/>
+                      </a:schemeClr>
                     </a:solidFill>
                   </a:tcPr>
                 </a:tc>
+                <a:extLst>
+                  <a:ext uri="{0D108BD9-81ED-4DB2-BD59-A6C34878D82A}">
+                    <a16:rowId xmlns:a16="http://schemas.microsoft.com/office/drawing/2014/main" val="1721433470"/>
+                  </a:ext>
+                </a:extLst>
               </a:tr>
-              <a:tr h="673920">
+              <a:tr h="606894">
                 <a:tc>
                   <a:txBody>
-                    <a:bodyPr lIns="68400" rIns="68400"/>
+                    <a:bodyPr/>
+                    <a:lstStyle/>
                     <a:p>
-                      <a:pPr>
-                        <a:lnSpc>
-                          <a:spcPct val="107000"/>
-                        </a:lnSpc>
-                      </a:pPr>
+                      <a:pPr algn="l" rtl="0" fontAlgn="ctr"/>
                       <a:r>
-                        <a:rPr b="0" lang="de-DE" sz="1600" spc="-1" strike="noStrike">
+                        <a:rPr lang="de-DE" sz="1600" u="none" strike="noStrike" dirty="0">
                           <a:solidFill>
-                            <a:srgbClr val="000000"/>
+                            <a:schemeClr val="tx1"/>
                           </a:solidFill>
-                          <a:latin typeface="Calibri"/>
+                          <a:effectLst/>
                         </a:rPr>
                         <a:t>Schnittstelle für Mikrokotroller zu C#</a:t>
                       </a:r>
-                      <a:endParaRPr b="0" lang="de-DE" sz="1600" spc="-1" strike="noStrike">
-                        <a:latin typeface="Arial"/>
+                      <a:endParaRPr lang="de-DE" sz="1600" b="1" i="0" u="none" strike="noStrike" dirty="0">
+                        <a:solidFill>
+                          <a:schemeClr val="tx1"/>
+                        </a:solidFill>
+                        <a:effectLst/>
+                        <a:latin typeface="Calibri" panose="020F0502020204030204" pitchFamily="34" charset="0"/>
                       </a:endParaRPr>
                     </a:p>
                   </a:txBody>
-                  <a:tcPr marL="68400" marR="68400">
-                    <a:lnL w="12240">
-                      <a:solidFill>
-                        <a:srgbClr val="bd582c"/>
-                      </a:solidFill>
-                    </a:lnL>
-                    <a:lnR w="15840">
-                      <a:solidFill>
-                        <a:srgbClr val="bd582c"/>
-                      </a:solidFill>
-                    </a:lnR>
-                    <a:lnT w="12240">
-                      <a:solidFill>
-                        <a:srgbClr val="bd582c"/>
-                      </a:solidFill>
-                    </a:lnT>
-                    <a:lnB w="12240">
-                      <a:solidFill>
-                        <a:srgbClr val="bd582c"/>
-                      </a:solidFill>
-                    </a:lnB>
+                  <a:tcPr marL="9510" marR="9510" marT="9510" marB="0" anchor="ctr">
                     <a:solidFill>
-                      <a:srgbClr val="d18d76"/>
+                      <a:schemeClr val="accent1"/>
                     </a:solidFill>
                   </a:tcPr>
                 </a:tc>
                 <a:tc>
                   <a:txBody>
-                    <a:bodyPr lIns="68400" rIns="68400"/>
+                    <a:bodyPr/>
+                    <a:lstStyle/>
                     <a:p>
-                      <a:pPr algn="r">
-                        <a:lnSpc>
-                          <a:spcPct val="107000"/>
-                        </a:lnSpc>
-                      </a:pPr>
+                      <a:pPr algn="r" rtl="0" fontAlgn="ctr"/>
                       <a:r>
-                        <a:rPr b="0" lang="de-DE" sz="1600" spc="-1" strike="noStrike">
+                        <a:rPr lang="en-US" sz="1600" u="none" strike="noStrike">
                           <a:solidFill>
-                            <a:srgbClr val="000000"/>
+                            <a:schemeClr val="tx1"/>
                           </a:solidFill>
-                          <a:latin typeface="Calibri"/>
+                          <a:effectLst/>
                         </a:rPr>
                         <a:t>0</a:t>
                       </a:r>
-                      <a:endParaRPr b="0" lang="de-DE" sz="1600" spc="-1" strike="noStrike">
-                        <a:latin typeface="Arial"/>
+                      <a:endParaRPr lang="en-US" sz="1600" b="0" i="0" u="none" strike="noStrike">
+                        <a:solidFill>
+                          <a:schemeClr val="tx1"/>
+                        </a:solidFill>
+                        <a:effectLst/>
+                        <a:latin typeface="Calibri" panose="020F0502020204030204" pitchFamily="34" charset="0"/>
                       </a:endParaRPr>
                     </a:p>
                   </a:txBody>
-                  <a:tcPr marL="68400" marR="68400">
-                    <a:lnL w="12240">
-                      <a:solidFill>
-                        <a:srgbClr val="bd582c"/>
-                      </a:solidFill>
-                    </a:lnL>
-                    <a:lnR w="12240">
-                      <a:solidFill>
-                        <a:srgbClr val="bd582c"/>
-                      </a:solidFill>
-                    </a:lnR>
-                    <a:lnT w="12240">
-                      <a:solidFill>
-                        <a:srgbClr val="bd582c"/>
-                      </a:solidFill>
-                    </a:lnT>
-                    <a:lnB w="12240">
-                      <a:solidFill>
-                        <a:srgbClr val="bd582c"/>
-                      </a:solidFill>
-                    </a:lnB>
+                  <a:tcPr marL="9510" marR="9510" marT="9510" marB="0" anchor="ctr">
                     <a:solidFill>
-                      <a:srgbClr val="d18d76"/>
+                      <a:schemeClr val="accent1">
+                        <a:lumMod val="60000"/>
+                        <a:lumOff val="40000"/>
+                      </a:schemeClr>
                     </a:solidFill>
                   </a:tcPr>
                 </a:tc>
                 <a:tc>
                   <a:txBody>
-                    <a:bodyPr lIns="68400" rIns="68400"/>
+                    <a:bodyPr/>
+                    <a:lstStyle/>
                     <a:p>
-                      <a:pPr>
-                        <a:lnSpc>
-                          <a:spcPct val="107000"/>
-                        </a:lnSpc>
-                      </a:pPr>
+                      <a:pPr algn="l" rtl="0" fontAlgn="ctr"/>
                       <a:r>
-                        <a:rPr b="0" lang="de-DE" sz="1600" spc="-1" strike="noStrike">
+                        <a:rPr lang="en-US" sz="1600" u="none" strike="noStrike" dirty="0" err="1">
                           <a:solidFill>
-                            <a:srgbClr val="000000"/>
+                            <a:schemeClr val="tx1"/>
                           </a:solidFill>
-                          <a:latin typeface="Calibri"/>
+                          <a:effectLst/>
                         </a:rPr>
-                        <a:t>Englische und deutsche Bedienelemente</a:t>
+                        <a:t>Englische</a:t>
                       </a:r>
-                      <a:endParaRPr b="0" lang="de-DE" sz="1600" spc="-1" strike="noStrike">
-                        <a:latin typeface="Arial"/>
+                      <a:r>
+                        <a:rPr lang="en-US" sz="1600" u="none" strike="noStrike" dirty="0">
+                          <a:solidFill>
+                            <a:schemeClr val="tx1"/>
+                          </a:solidFill>
+                          <a:effectLst/>
+                        </a:rPr>
+                        <a:t> und deutsche </a:t>
+                      </a:r>
+                      <a:r>
+                        <a:rPr lang="en-US" sz="1600" u="none" strike="noStrike" dirty="0" err="1">
+                          <a:solidFill>
+                            <a:schemeClr val="tx1"/>
+                          </a:solidFill>
+                          <a:effectLst/>
+                        </a:rPr>
+                        <a:t>Bedienelemente</a:t>
+                      </a:r>
+                      <a:endParaRPr lang="en-US" sz="1600" b="0" i="0" u="none" strike="noStrike" dirty="0">
+                        <a:solidFill>
+                          <a:schemeClr val="tx1"/>
+                        </a:solidFill>
+                        <a:effectLst/>
+                        <a:latin typeface="Calibri" panose="020F0502020204030204" pitchFamily="34" charset="0"/>
                       </a:endParaRPr>
                     </a:p>
                   </a:txBody>
-                  <a:tcPr marL="68400" marR="68400">
-                    <a:lnL w="12240">
-                      <a:solidFill>
-                        <a:srgbClr val="bd582c"/>
-                      </a:solidFill>
-                    </a:lnL>
-                    <a:lnR w="12240">
-                      <a:solidFill>
-                        <a:srgbClr val="bd582c"/>
-                      </a:solidFill>
-                    </a:lnR>
-                    <a:lnT w="12240">
-                      <a:solidFill>
-                        <a:srgbClr val="bd582c"/>
-                      </a:solidFill>
-                    </a:lnT>
-                    <a:lnB w="12240">
-                      <a:solidFill>
-                        <a:srgbClr val="bd582c"/>
-                      </a:solidFill>
-                    </a:lnB>
+                  <a:tcPr marL="9510" marR="9510" marT="9510" marB="0" anchor="ctr">
                     <a:solidFill>
-                      <a:srgbClr val="d18d76"/>
+                      <a:schemeClr val="accent1"/>
                     </a:solidFill>
                   </a:tcPr>
                 </a:tc>
                 <a:tc>
                   <a:txBody>
-                    <a:bodyPr lIns="68400" rIns="68400"/>
+                    <a:bodyPr/>
+                    <a:lstStyle/>
                     <a:p>
-                      <a:pPr algn="r">
-                        <a:lnSpc>
-                          <a:spcPct val="107000"/>
-                        </a:lnSpc>
-                      </a:pPr>
+                      <a:pPr algn="r" rtl="0" fontAlgn="ctr"/>
                       <a:r>
-                        <a:rPr b="0" lang="de-DE" sz="1600" spc="-1" strike="noStrike">
+                        <a:rPr lang="en-US" sz="1600" u="none" strike="noStrike" dirty="0">
                           <a:solidFill>
-                            <a:srgbClr val="000000"/>
+                            <a:schemeClr val="tx1"/>
                           </a:solidFill>
-                          <a:latin typeface="Calibri"/>
+                          <a:effectLst/>
                         </a:rPr>
                         <a:t>0</a:t>
                       </a:r>
-                      <a:endParaRPr b="0" lang="de-DE" sz="1600" spc="-1" strike="noStrike">
-                        <a:latin typeface="Arial"/>
+                      <a:endParaRPr lang="en-US" sz="1600" b="0" i="0" u="none" strike="noStrike" dirty="0">
+                        <a:solidFill>
+                          <a:schemeClr val="tx1"/>
+                        </a:solidFill>
+                        <a:effectLst/>
+                        <a:latin typeface="Calibri" panose="020F0502020204030204" pitchFamily="34" charset="0"/>
                       </a:endParaRPr>
                     </a:p>
                   </a:txBody>
-                  <a:tcPr marL="68400" marR="68400">
-                    <a:lnL w="12240">
-                      <a:solidFill>
-                        <a:srgbClr val="bd582c"/>
-                      </a:solidFill>
-                    </a:lnL>
-                    <a:lnR w="12240">
-                      <a:solidFill>
-                        <a:srgbClr val="bd582c"/>
-                      </a:solidFill>
-                    </a:lnR>
-                    <a:lnT w="12240">
-                      <a:solidFill>
-                        <a:srgbClr val="bd582c"/>
-                      </a:solidFill>
-                    </a:lnT>
-                    <a:lnB w="12240">
-                      <a:solidFill>
-                        <a:srgbClr val="bd582c"/>
-                      </a:solidFill>
-                    </a:lnB>
+                  <a:tcPr marL="9510" marR="9510" marT="9510" marB="0" anchor="ctr">
                     <a:solidFill>
-                      <a:srgbClr val="d18d76"/>
+                      <a:schemeClr val="accent1">
+                        <a:lumMod val="60000"/>
+                        <a:lumOff val="40000"/>
+                      </a:schemeClr>
                     </a:solidFill>
                   </a:tcPr>
                 </a:tc>
                 <a:tc>
                   <a:txBody>
-                    <a:bodyPr lIns="68400" rIns="68400"/>
+                    <a:bodyPr/>
+                    <a:lstStyle/>
                     <a:p>
-                      <a:pPr>
-                        <a:lnSpc>
-                          <a:spcPct val="107000"/>
-                        </a:lnSpc>
-                      </a:pPr>
+                      <a:pPr algn="l" rtl="0" fontAlgn="ctr"/>
                       <a:r>
-                        <a:rPr b="0" lang="de-DE" sz="1600" spc="-1" strike="noStrike">
+                        <a:rPr lang="de-DE" sz="1600" u="none" strike="noStrike">
                           <a:solidFill>
-                            <a:srgbClr val="000000"/>
+                            <a:schemeClr val="tx1"/>
                           </a:solidFill>
-                          <a:latin typeface="Calibri"/>
+                          <a:effectLst/>
                         </a:rPr>
                         <a:t>Abspeichern und öffnen von Programm </a:t>
                       </a:r>
-                      <a:endParaRPr b="0" lang="de-DE" sz="1600" spc="-1" strike="noStrike">
-                        <a:latin typeface="Arial"/>
+                      <a:endParaRPr lang="de-DE" sz="1600" b="0" i="0" u="none" strike="noStrike">
+                        <a:solidFill>
+                          <a:schemeClr val="tx1"/>
+                        </a:solidFill>
+                        <a:effectLst/>
+                        <a:latin typeface="Calibri" panose="020F0502020204030204" pitchFamily="34" charset="0"/>
                       </a:endParaRPr>
                     </a:p>
                   </a:txBody>
-                  <a:tcPr marL="68400" marR="68400">
-                    <a:lnL w="12240">
-                      <a:solidFill>
-                        <a:srgbClr val="bd582c"/>
-                      </a:solidFill>
-                    </a:lnL>
-                    <a:lnR w="12240">
-                      <a:solidFill>
-                        <a:srgbClr val="bd582c"/>
-                      </a:solidFill>
-                    </a:lnR>
-                    <a:lnT w="12240">
-                      <a:solidFill>
-                        <a:srgbClr val="bd582c"/>
-                      </a:solidFill>
-                    </a:lnT>
-                    <a:lnB w="12240">
-                      <a:solidFill>
-                        <a:srgbClr val="bd582c"/>
-                      </a:solidFill>
-                    </a:lnB>
+                  <a:tcPr marL="9510" marR="9510" marT="9510" marB="0" anchor="ctr">
                     <a:solidFill>
-                      <a:srgbClr val="d18d76"/>
+                      <a:schemeClr val="accent1"/>
                     </a:solidFill>
                   </a:tcPr>
                 </a:tc>
                 <a:tc>
                   <a:txBody>
-                    <a:bodyPr lIns="68400" rIns="68400"/>
+                    <a:bodyPr/>
+                    <a:lstStyle/>
                     <a:p>
-                      <a:pPr algn="r">
-                        <a:lnSpc>
-                          <a:spcPct val="107000"/>
-                        </a:lnSpc>
-                      </a:pPr>
+                      <a:pPr algn="r" rtl="0" fontAlgn="ctr"/>
                       <a:r>
-                        <a:rPr b="0" lang="de-DE" sz="1600" spc="-1" strike="noStrike">
+                        <a:rPr lang="en-US" sz="1600" u="none" strike="noStrike" dirty="0">
                           <a:solidFill>
-                            <a:srgbClr val="000000"/>
+                            <a:schemeClr val="tx1"/>
                           </a:solidFill>
-                          <a:latin typeface="Calibri"/>
+                          <a:effectLst/>
                         </a:rPr>
                         <a:t>28</a:t>
                       </a:r>
-                      <a:endParaRPr b="0" lang="de-DE" sz="1600" spc="-1" strike="noStrike">
-                        <a:latin typeface="Arial"/>
+                      <a:endParaRPr lang="en-US" sz="1600" b="0" i="0" u="none" strike="noStrike" dirty="0">
+                        <a:solidFill>
+                          <a:schemeClr val="tx1"/>
+                        </a:solidFill>
+                        <a:effectLst/>
+                        <a:latin typeface="Calibri" panose="020F0502020204030204" pitchFamily="34" charset="0"/>
                       </a:endParaRPr>
                     </a:p>
                   </a:txBody>
-                  <a:tcPr marL="68400" marR="68400">
-                    <a:lnL w="12240">
-                      <a:solidFill>
-                        <a:srgbClr val="bd582c"/>
-                      </a:solidFill>
-                    </a:lnL>
-                    <a:lnR w="12240">
-                      <a:solidFill>
-                        <a:srgbClr val="bd582c"/>
-                      </a:solidFill>
-                    </a:lnR>
-                    <a:lnT w="12240">
-                      <a:solidFill>
-                        <a:srgbClr val="bd582c"/>
-                      </a:solidFill>
-                    </a:lnT>
-                    <a:lnB w="12240">
-                      <a:solidFill>
-                        <a:srgbClr val="bd582c"/>
-                      </a:solidFill>
-                    </a:lnB>
+                  <a:tcPr marL="9510" marR="9510" marT="9510" marB="0" anchor="ctr">
                     <a:solidFill>
-                      <a:srgbClr val="d18d76"/>
+                      <a:schemeClr val="accent1">
+                        <a:lumMod val="60000"/>
+                        <a:lumOff val="40000"/>
+                      </a:schemeClr>
                     </a:solidFill>
                   </a:tcPr>
                 </a:tc>
+                <a:extLst>
+                  <a:ext uri="{0D108BD9-81ED-4DB2-BD59-A6C34878D82A}">
+                    <a16:rowId xmlns:a16="http://schemas.microsoft.com/office/drawing/2014/main" val="1886920612"/>
+                  </a:ext>
+                </a:extLst>
               </a:tr>
-              <a:tr h="336960">
+              <a:tr h="308771">
                 <a:tc>
                   <a:txBody>
-                    <a:bodyPr lIns="68400" rIns="68400"/>
+                    <a:bodyPr/>
+                    <a:lstStyle/>
                     <a:p>
-                      <a:pPr>
-                        <a:lnSpc>
-                          <a:spcPct val="107000"/>
-                        </a:lnSpc>
-                      </a:pPr>
+                      <a:pPr algn="l" rtl="0" fontAlgn="ctr"/>
                       <a:r>
-                        <a:rPr b="0" lang="de-DE" sz="1600" spc="-1" strike="noStrike">
+                        <a:rPr lang="en-US" sz="1600" u="none" strike="noStrike">
                           <a:solidFill>
-                            <a:srgbClr val="000000"/>
+                            <a:schemeClr val="tx1"/>
                           </a:solidFill>
-                          <a:latin typeface="Calibri"/>
+                          <a:effectLst/>
                         </a:rPr>
                         <a:t>Drag &amp; Drop</a:t>
                       </a:r>
-                      <a:endParaRPr b="0" lang="de-DE" sz="1600" spc="-1" strike="noStrike">
-                        <a:latin typeface="Arial"/>
+                      <a:endParaRPr lang="en-US" sz="1600" b="1" i="0" u="none" strike="noStrike">
+                        <a:solidFill>
+                          <a:schemeClr val="tx1"/>
+                        </a:solidFill>
+                        <a:effectLst/>
+                        <a:latin typeface="Calibri" panose="020F0502020204030204" pitchFamily="34" charset="0"/>
                       </a:endParaRPr>
                     </a:p>
                   </a:txBody>
-                  <a:tcPr marL="68400" marR="68400">
-                    <a:lnL w="12240">
-                      <a:solidFill>
-                        <a:srgbClr val="bd582c"/>
-                      </a:solidFill>
-                    </a:lnL>
-                    <a:lnR w="15840">
-                      <a:solidFill>
-                        <a:srgbClr val="bd582c"/>
-                      </a:solidFill>
-                    </a:lnR>
-                    <a:lnT w="12240">
-                      <a:solidFill>
-                        <a:srgbClr val="bd582c"/>
-                      </a:solidFill>
-                    </a:lnT>
-                    <a:lnB w="12240">
-                      <a:solidFill>
-                        <a:srgbClr val="bd582c"/>
-                      </a:solidFill>
-                    </a:lnB>
+                  <a:tcPr marL="9510" marR="9510" marT="9510" marB="0" anchor="ctr">
                     <a:solidFill>
-                      <a:srgbClr val="deb0a8"/>
+                      <a:schemeClr val="accent1"/>
                     </a:solidFill>
                   </a:tcPr>
                 </a:tc>
                 <a:tc>
                   <a:txBody>
-                    <a:bodyPr lIns="68400" rIns="68400"/>
+                    <a:bodyPr/>
+                    <a:lstStyle/>
                     <a:p>
-                      <a:pPr algn="r">
-                        <a:lnSpc>
-                          <a:spcPct val="107000"/>
-                        </a:lnSpc>
-                      </a:pPr>
+                      <a:pPr algn="r" rtl="0" fontAlgn="ctr"/>
                       <a:r>
-                        <a:rPr b="0" lang="de-DE" sz="1600" spc="-1" strike="noStrike">
+                        <a:rPr lang="en-US" sz="1600" u="none" strike="noStrike">
                           <a:solidFill>
-                            <a:srgbClr val="000000"/>
+                            <a:schemeClr val="tx1"/>
                           </a:solidFill>
-                          <a:latin typeface="Calibri"/>
+                          <a:effectLst/>
                         </a:rPr>
                         <a:t>54</a:t>
                       </a:r>
-                      <a:endParaRPr b="0" lang="de-DE" sz="1600" spc="-1" strike="noStrike">
-                        <a:latin typeface="Arial"/>
+                      <a:endParaRPr lang="en-US" sz="1600" b="0" i="0" u="none" strike="noStrike">
+                        <a:solidFill>
+                          <a:schemeClr val="tx1"/>
+                        </a:solidFill>
+                        <a:effectLst/>
+                        <a:latin typeface="Calibri" panose="020F0502020204030204" pitchFamily="34" charset="0"/>
                       </a:endParaRPr>
                     </a:p>
                   </a:txBody>
-                  <a:tcPr marL="68400" marR="68400">
-                    <a:lnL w="12240">
-                      <a:solidFill>
-                        <a:srgbClr val="bd582c"/>
-                      </a:solidFill>
-                    </a:lnL>
-                    <a:lnR w="12240">
-                      <a:solidFill>
-                        <a:srgbClr val="bd582c"/>
-                      </a:solidFill>
-                    </a:lnR>
-                    <a:lnT w="12240">
-                      <a:solidFill>
-                        <a:srgbClr val="bd582c"/>
-                      </a:solidFill>
-                    </a:lnT>
-                    <a:lnB w="12240">
-                      <a:solidFill>
-                        <a:srgbClr val="bd582c"/>
-                      </a:solidFill>
-                    </a:lnB>
+                  <a:tcPr marL="9510" marR="9510" marT="9510" marB="0" anchor="ctr">
                     <a:solidFill>
-                      <a:srgbClr val="deb0a8"/>
+                      <a:schemeClr val="accent1">
+                        <a:lumMod val="60000"/>
+                        <a:lumOff val="40000"/>
+                      </a:schemeClr>
                     </a:solidFill>
                   </a:tcPr>
                 </a:tc>
                 <a:tc>
                   <a:txBody>
-                    <a:bodyPr lIns="68400" rIns="68400"/>
+                    <a:bodyPr/>
+                    <a:lstStyle/>
                     <a:p>
-                      <a:pPr>
-                        <a:lnSpc>
-                          <a:spcPct val="107000"/>
-                        </a:lnSpc>
-                      </a:pPr>
+                      <a:pPr algn="l" rtl="0" fontAlgn="ctr"/>
                       <a:r>
-                        <a:rPr b="0" lang="de-DE" sz="1600" spc="-1" strike="noStrike">
+                        <a:rPr lang="en-US" sz="1600" u="none" strike="noStrike">
                           <a:solidFill>
-                            <a:srgbClr val="000000"/>
+                            <a:schemeClr val="tx1"/>
                           </a:solidFill>
-                          <a:latin typeface="Calibri"/>
+                          <a:effectLst/>
                         </a:rPr>
                         <a:t> </a:t>
                       </a:r>
-                      <a:endParaRPr b="0" lang="de-DE" sz="1600" spc="-1" strike="noStrike">
-                        <a:latin typeface="Arial"/>
+                      <a:endParaRPr lang="en-US" sz="1600" b="0" i="0" u="none" strike="noStrike">
+                        <a:solidFill>
+                          <a:schemeClr val="tx1"/>
+                        </a:solidFill>
+                        <a:effectLst/>
+                        <a:latin typeface="Calibri" panose="020F0502020204030204" pitchFamily="34" charset="0"/>
                       </a:endParaRPr>
                     </a:p>
                   </a:txBody>
-                  <a:tcPr marL="68400" marR="68400">
-                    <a:lnL w="12240">
-                      <a:solidFill>
-                        <a:srgbClr val="bd582c"/>
-                      </a:solidFill>
-                    </a:lnL>
-                    <a:lnR w="12240">
-                      <a:solidFill>
-                        <a:srgbClr val="bd582c"/>
-                      </a:solidFill>
-                    </a:lnR>
-                    <a:lnT w="12240">
-                      <a:solidFill>
-                        <a:srgbClr val="bd582c"/>
-                      </a:solidFill>
-                    </a:lnT>
-                    <a:lnB w="12240">
-                      <a:solidFill>
-                        <a:srgbClr val="bd582c"/>
-                      </a:solidFill>
-                    </a:lnB>
+                  <a:tcPr marL="9510" marR="9510" marT="9510" marB="0" anchor="ctr">
                     <a:solidFill>
-                      <a:srgbClr val="deb0a8"/>
+                      <a:schemeClr val="accent1"/>
                     </a:solidFill>
                   </a:tcPr>
                 </a:tc>
                 <a:tc>
                   <a:txBody>
-                    <a:bodyPr lIns="68400" rIns="68400"/>
+                    <a:bodyPr/>
+                    <a:lstStyle/>
                     <a:p>
-                      <a:pPr>
-                        <a:lnSpc>
-                          <a:spcPct val="107000"/>
-                        </a:lnSpc>
-                      </a:pPr>
+                      <a:pPr algn="l" rtl="0" fontAlgn="ctr"/>
                       <a:r>
-                        <a:rPr b="0" lang="de-DE" sz="1600" spc="-1" strike="noStrike">
+                        <a:rPr lang="en-US" sz="1600" u="none" strike="noStrike" dirty="0">
                           <a:solidFill>
-                            <a:srgbClr val="000000"/>
+                            <a:schemeClr val="tx1"/>
                           </a:solidFill>
-                          <a:latin typeface="Calibri"/>
+                          <a:effectLst/>
                         </a:rPr>
                         <a:t> </a:t>
                       </a:r>
-                      <a:endParaRPr b="0" lang="de-DE" sz="1600" spc="-1" strike="noStrike">
-                        <a:latin typeface="Arial"/>
+                      <a:endParaRPr lang="en-US" sz="1600" b="0" i="0" u="none" strike="noStrike" dirty="0">
+                        <a:solidFill>
+                          <a:schemeClr val="tx1"/>
+                        </a:solidFill>
+                        <a:effectLst/>
+                        <a:latin typeface="Calibri" panose="020F0502020204030204" pitchFamily="34" charset="0"/>
                       </a:endParaRPr>
                     </a:p>
                   </a:txBody>
-                  <a:tcPr marL="68400" marR="68400">
-                    <a:lnL w="12240">
-                      <a:solidFill>
-                        <a:srgbClr val="bd582c"/>
-                      </a:solidFill>
-                    </a:lnL>
-                    <a:lnR w="12240">
-                      <a:solidFill>
-                        <a:srgbClr val="bd582c"/>
-                      </a:solidFill>
-                    </a:lnR>
-                    <a:lnT w="12240">
-                      <a:solidFill>
-                        <a:srgbClr val="bd582c"/>
-                      </a:solidFill>
-                    </a:lnT>
-                    <a:lnB w="12240">
-                      <a:solidFill>
-                        <a:srgbClr val="bd582c"/>
-                      </a:solidFill>
-                    </a:lnB>
+                  <a:tcPr marL="9510" marR="9510" marT="9510" marB="0" anchor="ctr">
                     <a:solidFill>
-                      <a:srgbClr val="deb0a8"/>
+                      <a:schemeClr val="accent1">
+                        <a:lumMod val="60000"/>
+                        <a:lumOff val="40000"/>
+                      </a:schemeClr>
                     </a:solidFill>
                   </a:tcPr>
                 </a:tc>
                 <a:tc>
                   <a:txBody>
-                    <a:bodyPr lIns="68400" rIns="68400"/>
+                    <a:bodyPr/>
+                    <a:lstStyle/>
                     <a:p>
-                      <a:pPr>
-                        <a:lnSpc>
-                          <a:spcPct val="107000"/>
-                        </a:lnSpc>
-                      </a:pPr>
+                      <a:pPr algn="l" rtl="0" fontAlgn="ctr"/>
                       <a:r>
-                        <a:rPr b="0" lang="de-DE" sz="1600" spc="-1" strike="noStrike">
+                        <a:rPr lang="en-US" sz="1600" u="none" strike="noStrike" dirty="0" err="1">
                           <a:solidFill>
-                            <a:srgbClr val="000000"/>
+                            <a:schemeClr val="tx1"/>
                           </a:solidFill>
-                          <a:latin typeface="Calibri"/>
+                          <a:effectLst/>
                         </a:rPr>
                         <a:t>Fleißarbeit</a:t>
                       </a:r>
-                      <a:endParaRPr b="0" lang="de-DE" sz="1600" spc="-1" strike="noStrike">
-                        <a:latin typeface="Arial"/>
+                      <a:endParaRPr lang="en-US" sz="1600" b="0" i="0" u="none" strike="noStrike" dirty="0">
+                        <a:solidFill>
+                          <a:schemeClr val="tx1"/>
+                        </a:solidFill>
+                        <a:effectLst/>
+                        <a:latin typeface="Calibri" panose="020F0502020204030204" pitchFamily="34" charset="0"/>
                       </a:endParaRPr>
                     </a:p>
                   </a:txBody>
-                  <a:tcPr marL="68400" marR="68400">
-                    <a:lnL w="12240">
-                      <a:solidFill>
-                        <a:srgbClr val="bd582c"/>
-                      </a:solidFill>
-                    </a:lnL>
-                    <a:lnR w="12240">
-                      <a:solidFill>
-                        <a:srgbClr val="bd582c"/>
-                      </a:solidFill>
-                    </a:lnR>
-                    <a:lnT w="12240">
-                      <a:solidFill>
-                        <a:srgbClr val="bd582c"/>
-                      </a:solidFill>
-                    </a:lnT>
-                    <a:lnB w="12240">
-                      <a:solidFill>
-                        <a:srgbClr val="bd582c"/>
-                      </a:solidFill>
-                    </a:lnB>
+                  <a:tcPr marL="9510" marR="9510" marT="9510" marB="0" anchor="ctr">
                     <a:solidFill>
-                      <a:srgbClr val="deb0a8"/>
+                      <a:schemeClr val="accent1"/>
                     </a:solidFill>
                   </a:tcPr>
                 </a:tc>
                 <a:tc>
                   <a:txBody>
-                    <a:bodyPr lIns="68400" rIns="68400"/>
+                    <a:bodyPr/>
+                    <a:lstStyle/>
                     <a:p>
-                      <a:pPr algn="r">
-                        <a:lnSpc>
-                          <a:spcPct val="107000"/>
-                        </a:lnSpc>
-                      </a:pPr>
+                      <a:pPr algn="r" rtl="0" fontAlgn="ctr"/>
                       <a:r>
-                        <a:rPr b="0" lang="de-DE" sz="1600" spc="-1" strike="noStrike">
+                        <a:rPr lang="en-US" sz="1600" u="none" strike="noStrike" dirty="0">
                           <a:solidFill>
-                            <a:srgbClr val="000000"/>
+                            <a:schemeClr val="tx1"/>
                           </a:solidFill>
-                          <a:latin typeface="Calibri"/>
+                          <a:effectLst/>
                         </a:rPr>
                         <a:t>35</a:t>
                       </a:r>
-                      <a:endParaRPr b="0" lang="de-DE" sz="1600" spc="-1" strike="noStrike">
-                        <a:latin typeface="Arial"/>
+                      <a:endParaRPr lang="en-US" sz="1600" b="0" i="0" u="none" strike="noStrike" dirty="0">
+                        <a:solidFill>
+                          <a:schemeClr val="tx1"/>
+                        </a:solidFill>
+                        <a:effectLst/>
+                        <a:latin typeface="Calibri" panose="020F0502020204030204" pitchFamily="34" charset="0"/>
                       </a:endParaRPr>
                     </a:p>
                   </a:txBody>
-                  <a:tcPr marL="68400" marR="68400">
-                    <a:lnL w="12240">
-                      <a:solidFill>
-                        <a:srgbClr val="bd582c"/>
-                      </a:solidFill>
-                    </a:lnL>
-                    <a:lnR w="12240">
-                      <a:solidFill>
-                        <a:srgbClr val="bd582c"/>
-                      </a:solidFill>
-                    </a:lnR>
-                    <a:lnT w="12240">
-                      <a:solidFill>
-                        <a:srgbClr val="bd582c"/>
-                      </a:solidFill>
-                    </a:lnT>
-                    <a:lnB w="12240">
-                      <a:solidFill>
-                        <a:srgbClr val="bd582c"/>
-                      </a:solidFill>
-                    </a:lnB>
+                  <a:tcPr marL="9510" marR="9510" marT="9510" marB="0" anchor="ctr">
                     <a:solidFill>
-                      <a:srgbClr val="deb0a8"/>
+                      <a:schemeClr val="accent1">
+                        <a:lumMod val="60000"/>
+                        <a:lumOff val="40000"/>
+                      </a:schemeClr>
                     </a:solidFill>
                   </a:tcPr>
                 </a:tc>
+                <a:extLst>
+                  <a:ext uri="{0D108BD9-81ED-4DB2-BD59-A6C34878D82A}">
+                    <a16:rowId xmlns:a16="http://schemas.microsoft.com/office/drawing/2014/main" val="1312942858"/>
+                  </a:ext>
+                </a:extLst>
               </a:tr>
-              <a:tr h="673920">
+              <a:tr h="298124">
                 <a:tc>
                   <a:txBody>
-                    <a:bodyPr lIns="68400" rIns="68400"/>
+                    <a:bodyPr/>
+                    <a:lstStyle/>
                     <a:p>
-                      <a:pPr>
-                        <a:lnSpc>
-                          <a:spcPct val="107000"/>
-                        </a:lnSpc>
-                      </a:pPr>
+                      <a:pPr algn="l" rtl="0" fontAlgn="ctr"/>
                       <a:r>
-                        <a:rPr b="0" lang="de-DE" sz="1600" spc="-1" strike="noStrike">
+                        <a:rPr lang="en-US" sz="1600" u="none" strike="noStrike">
                           <a:solidFill>
-                            <a:srgbClr val="000000"/>
+                            <a:schemeClr val="tx1"/>
                           </a:solidFill>
-                          <a:latin typeface="Calibri"/>
+                          <a:effectLst/>
                         </a:rPr>
                         <a:t>Löschen / zoomen /</a:t>
                       </a:r>
-                      <a:endParaRPr b="0" lang="de-DE" sz="1600" spc="-1" strike="noStrike">
-                        <a:latin typeface="Arial"/>
+                      <a:endParaRPr lang="en-US" sz="1600" b="1" i="0" u="none" strike="noStrike">
+                        <a:solidFill>
+                          <a:schemeClr val="tx1"/>
+                        </a:solidFill>
+                        <a:effectLst/>
+                        <a:latin typeface="Calibri" panose="020F0502020204030204" pitchFamily="34" charset="0"/>
                       </a:endParaRPr>
                     </a:p>
+                  </a:txBody>
+                  <a:tcPr marL="9510" marR="9510" marT="9510" marB="0" anchor="ctr">
+                    <a:solidFill>
+                      <a:schemeClr val="accent1"/>
+                    </a:solidFill>
+                  </a:tcPr>
+                </a:tc>
+                <a:tc rowSpan="2">
+                  <a:txBody>
+                    <a:bodyPr/>
+                    <a:lstStyle/>
                     <a:p>
-                      <a:pPr>
-                        <a:lnSpc>
-                          <a:spcPct val="107000"/>
-                        </a:lnSpc>
-                      </a:pPr>
+                      <a:pPr algn="r" rtl="0" fontAlgn="ctr"/>
                       <a:r>
-                        <a:rPr b="0" lang="de-DE" sz="1600" spc="-1" strike="noStrike">
+                        <a:rPr lang="en-US" sz="1600" u="none" strike="noStrike">
                           <a:solidFill>
-                            <a:srgbClr val="000000"/>
+                            <a:schemeClr val="tx1"/>
                           </a:solidFill>
-                          <a:latin typeface="Calibri"/>
+                          <a:effectLst/>
+                        </a:rPr>
+                        <a:t>8</a:t>
+                      </a:r>
+                      <a:endParaRPr lang="en-US" sz="1600" b="0" i="0" u="none" strike="noStrike">
+                        <a:solidFill>
+                          <a:schemeClr val="tx1"/>
+                        </a:solidFill>
+                        <a:effectLst/>
+                        <a:latin typeface="Calibri" panose="020F0502020204030204" pitchFamily="34" charset="0"/>
+                      </a:endParaRPr>
+                    </a:p>
+                  </a:txBody>
+                  <a:tcPr marL="9510" marR="9510" marT="9510" marB="0" anchor="ctr">
+                    <a:solidFill>
+                      <a:schemeClr val="accent1">
+                        <a:lumMod val="60000"/>
+                        <a:lumOff val="40000"/>
+                      </a:schemeClr>
+                    </a:solidFill>
+                  </a:tcPr>
+                </a:tc>
+                <a:tc rowSpan="2">
+                  <a:txBody>
+                    <a:bodyPr/>
+                    <a:lstStyle/>
+                    <a:p>
+                      <a:pPr algn="l" rtl="0" fontAlgn="ctr"/>
+                      <a:r>
+                        <a:rPr lang="en-US" sz="1600" u="none" strike="noStrike">
+                          <a:solidFill>
+                            <a:schemeClr val="tx1"/>
+                          </a:solidFill>
+                          <a:effectLst/>
+                        </a:rPr>
+                        <a:t> </a:t>
+                      </a:r>
+                      <a:endParaRPr lang="en-US" sz="1600" b="0" i="0" u="none" strike="noStrike">
+                        <a:solidFill>
+                          <a:schemeClr val="tx1"/>
+                        </a:solidFill>
+                        <a:effectLst/>
+                        <a:latin typeface="Calibri" panose="020F0502020204030204" pitchFamily="34" charset="0"/>
+                      </a:endParaRPr>
+                    </a:p>
+                  </a:txBody>
+                  <a:tcPr marL="9510" marR="9510" marT="9510" marB="0" anchor="ctr">
+                    <a:solidFill>
+                      <a:schemeClr val="accent1"/>
+                    </a:solidFill>
+                  </a:tcPr>
+                </a:tc>
+                <a:tc rowSpan="2">
+                  <a:txBody>
+                    <a:bodyPr/>
+                    <a:lstStyle/>
+                    <a:p>
+                      <a:pPr algn="l" rtl="0" fontAlgn="ctr"/>
+                      <a:r>
+                        <a:rPr lang="en-US" sz="1600" u="none" strike="noStrike">
+                          <a:solidFill>
+                            <a:schemeClr val="tx1"/>
+                          </a:solidFill>
+                          <a:effectLst/>
+                        </a:rPr>
+                        <a:t> </a:t>
+                      </a:r>
+                      <a:endParaRPr lang="en-US" sz="1600" b="0" i="0" u="none" strike="noStrike">
+                        <a:solidFill>
+                          <a:schemeClr val="tx1"/>
+                        </a:solidFill>
+                        <a:effectLst/>
+                        <a:latin typeface="Calibri" panose="020F0502020204030204" pitchFamily="34" charset="0"/>
+                      </a:endParaRPr>
+                    </a:p>
+                  </a:txBody>
+                  <a:tcPr marL="9510" marR="9510" marT="9510" marB="0" anchor="ctr">
+                    <a:solidFill>
+                      <a:schemeClr val="accent1">
+                        <a:lumMod val="60000"/>
+                        <a:lumOff val="40000"/>
+                      </a:schemeClr>
+                    </a:solidFill>
+                  </a:tcPr>
+                </a:tc>
+                <a:tc rowSpan="2">
+                  <a:txBody>
+                    <a:bodyPr/>
+                    <a:lstStyle/>
+                    <a:p>
+                      <a:pPr algn="l" rtl="0" fontAlgn="ctr"/>
+                      <a:r>
+                        <a:rPr lang="de-DE" sz="1600" kern="1200" dirty="0">
+                          <a:solidFill>
+                            <a:schemeClr val="dk1"/>
+                          </a:solidFill>
+                          <a:effectLst/>
+                          <a:latin typeface="+mn-lt"/>
+                          <a:ea typeface="+mn-ea"/>
+                          <a:cs typeface="+mn-cs"/>
+                        </a:rPr>
+                        <a:t>Tastatur Kürzel</a:t>
+                      </a:r>
+                      <a:endParaRPr lang="en-US" sz="1400" b="0" i="0" u="none" strike="noStrike" dirty="0">
+                        <a:solidFill>
+                          <a:schemeClr val="tx1"/>
+                        </a:solidFill>
+                        <a:effectLst/>
+                        <a:latin typeface="Calibri" panose="020F0502020204030204" pitchFamily="34" charset="0"/>
+                      </a:endParaRPr>
+                    </a:p>
+                  </a:txBody>
+                  <a:tcPr marL="9510" marR="9510" marT="9510" marB="0" anchor="ctr">
+                    <a:solidFill>
+                      <a:schemeClr val="accent1"/>
+                    </a:solidFill>
+                  </a:tcPr>
+                </a:tc>
+                <a:tc rowSpan="2">
+                  <a:txBody>
+                    <a:bodyPr/>
+                    <a:lstStyle/>
+                    <a:p>
+                      <a:pPr algn="r" rtl="0" fontAlgn="ctr"/>
+                      <a:r>
+                        <a:rPr lang="en-US" sz="1600" u="none" strike="noStrike" dirty="0">
+                          <a:solidFill>
+                            <a:schemeClr val="tx1"/>
+                          </a:solidFill>
+                          <a:effectLst/>
+                        </a:rPr>
+                        <a:t>5 </a:t>
+                      </a:r>
+                      <a:endParaRPr lang="en-US" sz="1600" b="0" i="0" u="none" strike="noStrike" dirty="0">
+                        <a:solidFill>
+                          <a:schemeClr val="tx1"/>
+                        </a:solidFill>
+                        <a:effectLst/>
+                        <a:latin typeface="Calibri" panose="020F0502020204030204" pitchFamily="34" charset="0"/>
+                      </a:endParaRPr>
+                    </a:p>
+                  </a:txBody>
+                  <a:tcPr marL="9510" marR="9510" marT="9510" marB="0" anchor="ctr">
+                    <a:solidFill>
+                      <a:schemeClr val="accent1">
+                        <a:lumMod val="60000"/>
+                        <a:lumOff val="40000"/>
+                      </a:schemeClr>
+                    </a:solidFill>
+                  </a:tcPr>
+                </a:tc>
+                <a:extLst>
+                  <a:ext uri="{0D108BD9-81ED-4DB2-BD59-A6C34878D82A}">
+                    <a16:rowId xmlns:a16="http://schemas.microsoft.com/office/drawing/2014/main" val="4243761300"/>
+                  </a:ext>
+                </a:extLst>
+              </a:tr>
+              <a:tr h="308771">
+                <a:tc>
+                  <a:txBody>
+                    <a:bodyPr/>
+                    <a:lstStyle/>
+                    <a:p>
+                      <a:pPr algn="l" rtl="0" fontAlgn="ctr"/>
+                      <a:r>
+                        <a:rPr lang="en-US" sz="1600" u="none" strike="noStrike" dirty="0">
+                          <a:solidFill>
+                            <a:schemeClr val="tx1"/>
+                          </a:solidFill>
+                          <a:effectLst/>
                         </a:rPr>
                         <a:t>Toolbox</a:t>
                       </a:r>
-                      <a:endParaRPr b="0" lang="de-DE" sz="1600" spc="-1" strike="noStrike">
-                        <a:latin typeface="Arial"/>
+                      <a:endParaRPr lang="en-US" sz="1600" b="1" i="0" u="none" strike="noStrike" dirty="0">
+                        <a:solidFill>
+                          <a:schemeClr val="tx1"/>
+                        </a:solidFill>
+                        <a:effectLst/>
+                        <a:latin typeface="Calibri" panose="020F0502020204030204" pitchFamily="34" charset="0"/>
                       </a:endParaRPr>
                     </a:p>
                   </a:txBody>
-                  <a:tcPr marL="68400" marR="68400">
-                    <a:lnL w="12240">
-                      <a:solidFill>
-                        <a:srgbClr val="bd582c"/>
-                      </a:solidFill>
-                    </a:lnL>
-                    <a:lnR w="15840">
-                      <a:solidFill>
-                        <a:srgbClr val="bd582c"/>
-                      </a:solidFill>
-                    </a:lnR>
-                    <a:lnT w="12240">
-                      <a:solidFill>
-                        <a:srgbClr val="bd582c"/>
-                      </a:solidFill>
-                    </a:lnT>
-                    <a:lnB w="12240">
-                      <a:solidFill>
-                        <a:srgbClr val="bd582c"/>
-                      </a:solidFill>
-                    </a:lnB>
+                  <a:tcPr marL="9510" marR="9510" marT="9510" marB="0" anchor="ctr">
                     <a:solidFill>
-                      <a:srgbClr val="d18d76"/>
+                      <a:schemeClr val="accent1"/>
+                    </a:solidFill>
+                  </a:tcPr>
+                </a:tc>
+                <a:tc vMerge="1">
+                  <a:txBody>
+                    <a:bodyPr/>
+                    <a:lstStyle/>
+                    <a:p>
+                      <a:endParaRPr lang="en-US"/>
+                    </a:p>
+                  </a:txBody>
+                  <a:tcPr/>
+                </a:tc>
+                <a:tc vMerge="1">
+                  <a:txBody>
+                    <a:bodyPr/>
+                    <a:lstStyle/>
+                    <a:p>
+                      <a:endParaRPr lang="en-US"/>
+                    </a:p>
+                  </a:txBody>
+                  <a:tcPr/>
+                </a:tc>
+                <a:tc vMerge="1">
+                  <a:txBody>
+                    <a:bodyPr/>
+                    <a:lstStyle/>
+                    <a:p>
+                      <a:endParaRPr lang="en-US"/>
+                    </a:p>
+                  </a:txBody>
+                  <a:tcPr/>
+                </a:tc>
+                <a:tc vMerge="1">
+                  <a:txBody>
+                    <a:bodyPr/>
+                    <a:lstStyle/>
+                    <a:p>
+                      <a:endParaRPr lang="en-US"/>
+                    </a:p>
+                  </a:txBody>
+                  <a:tcPr/>
+                </a:tc>
+                <a:tc vMerge="1">
+                  <a:txBody>
+                    <a:bodyPr/>
+                    <a:lstStyle/>
+                    <a:p>
+                      <a:endParaRPr lang="en-US"/>
+                    </a:p>
+                  </a:txBody>
+                  <a:tcPr/>
+                </a:tc>
+                <a:extLst>
+                  <a:ext uri="{0D108BD9-81ED-4DB2-BD59-A6C34878D82A}">
+                    <a16:rowId xmlns:a16="http://schemas.microsoft.com/office/drawing/2014/main" val="4187435755"/>
+                  </a:ext>
+                </a:extLst>
+              </a:tr>
+              <a:tr h="308771">
+                <a:tc>
+                  <a:txBody>
+                    <a:bodyPr/>
+                    <a:lstStyle/>
+                    <a:p>
+                      <a:pPr algn="l" rtl="0" fontAlgn="ctr"/>
+                      <a:r>
+                        <a:rPr lang="en-US" sz="1600" u="none" strike="noStrike">
+                          <a:solidFill>
+                            <a:schemeClr val="tx1"/>
+                          </a:solidFill>
+                          <a:effectLst/>
+                        </a:rPr>
+                        <a:t>Fehlerdiagnose </a:t>
+                      </a:r>
+                      <a:endParaRPr lang="en-US" sz="1600" b="1" i="0" u="none" strike="noStrike">
+                        <a:solidFill>
+                          <a:schemeClr val="tx1"/>
+                        </a:solidFill>
+                        <a:effectLst/>
+                        <a:latin typeface="Calibri" panose="020F0502020204030204" pitchFamily="34" charset="0"/>
+                      </a:endParaRPr>
+                    </a:p>
+                  </a:txBody>
+                  <a:tcPr marL="9510" marR="9510" marT="9510" marB="0" anchor="ctr">
+                    <a:solidFill>
+                      <a:schemeClr val="accent1"/>
                     </a:solidFill>
                   </a:tcPr>
                 </a:tc>
                 <a:tc>
                   <a:txBody>
-                    <a:bodyPr lIns="68400" rIns="68400"/>
+                    <a:bodyPr/>
+                    <a:lstStyle/>
                     <a:p>
-                      <a:pPr algn="r">
-                        <a:lnSpc>
-                          <a:spcPct val="107000"/>
-                        </a:lnSpc>
-                      </a:pPr>
+                      <a:pPr algn="r" rtl="0" fontAlgn="ctr"/>
                       <a:r>
-                        <a:rPr b="0" lang="de-DE" sz="1600" spc="-1" strike="noStrike">
+                        <a:rPr lang="en-US" sz="1600" u="none" strike="noStrike">
                           <a:solidFill>
-                            <a:srgbClr val="000000"/>
+                            <a:schemeClr val="tx1"/>
                           </a:solidFill>
-                          <a:latin typeface="Calibri"/>
+                          <a:effectLst/>
                         </a:rPr>
-                        <a:t>8</a:t>
+                        <a:t>24</a:t>
                       </a:r>
-                      <a:endParaRPr b="0" lang="de-DE" sz="1600" spc="-1" strike="noStrike">
-                        <a:latin typeface="Arial"/>
+                      <a:endParaRPr lang="en-US" sz="1600" b="0" i="0" u="none" strike="noStrike">
+                        <a:solidFill>
+                          <a:schemeClr val="tx1"/>
+                        </a:solidFill>
+                        <a:effectLst/>
+                        <a:latin typeface="Calibri" panose="020F0502020204030204" pitchFamily="34" charset="0"/>
                       </a:endParaRPr>
                     </a:p>
                   </a:txBody>
-                  <a:tcPr marL="68400" marR="68400">
-                    <a:lnL w="12240">
-                      <a:solidFill>
-                        <a:srgbClr val="bd582c"/>
-                      </a:solidFill>
-                    </a:lnL>
-                    <a:lnR w="12240">
-                      <a:solidFill>
-                        <a:srgbClr val="bd582c"/>
-                      </a:solidFill>
-                    </a:lnR>
-                    <a:lnT w="12240">
-                      <a:solidFill>
-                        <a:srgbClr val="bd582c"/>
-                      </a:solidFill>
-                    </a:lnT>
-                    <a:lnB w="12240">
-                      <a:solidFill>
-                        <a:srgbClr val="bd582c"/>
-                      </a:solidFill>
-                    </a:lnB>
+                  <a:tcPr marL="9510" marR="9510" marT="9510" marB="0" anchor="ctr">
                     <a:solidFill>
-                      <a:srgbClr val="d18d76"/>
+                      <a:schemeClr val="accent1">
+                        <a:lumMod val="60000"/>
+                        <a:lumOff val="40000"/>
+                      </a:schemeClr>
                     </a:solidFill>
                   </a:tcPr>
                 </a:tc>
                 <a:tc>
                   <a:txBody>
-                    <a:bodyPr lIns="68400" rIns="68400"/>
+                    <a:bodyPr/>
+                    <a:lstStyle/>
                     <a:p>
-                      <a:pPr>
-                        <a:lnSpc>
-                          <a:spcPct val="107000"/>
-                        </a:lnSpc>
-                      </a:pPr>
+                      <a:pPr algn="l" rtl="0" fontAlgn="ctr"/>
                       <a:r>
-                        <a:rPr b="0" lang="de-DE" sz="1600" spc="-1" strike="noStrike">
+                        <a:rPr lang="en-US" sz="1600" u="none" strike="noStrike">
                           <a:solidFill>
-                            <a:srgbClr val="000000"/>
+                            <a:schemeClr val="tx1"/>
                           </a:solidFill>
-                          <a:latin typeface="Calibri"/>
+                          <a:effectLst/>
                         </a:rPr>
-                        <a:t> </a:t>
+                        <a:t>Fehlerdiagnose</a:t>
                       </a:r>
-                      <a:endParaRPr b="0" lang="de-DE" sz="1600" spc="-1" strike="noStrike">
-                        <a:latin typeface="Arial"/>
+                      <a:endParaRPr lang="en-US" sz="1600" b="0" i="0" u="none" strike="noStrike">
+                        <a:solidFill>
+                          <a:schemeClr val="tx1"/>
+                        </a:solidFill>
+                        <a:effectLst/>
+                        <a:latin typeface="Calibri" panose="020F0502020204030204" pitchFamily="34" charset="0"/>
                       </a:endParaRPr>
                     </a:p>
                   </a:txBody>
-                  <a:tcPr marL="68400" marR="68400">
-                    <a:lnL w="12240">
-                      <a:solidFill>
-                        <a:srgbClr val="bd582c"/>
-                      </a:solidFill>
-                    </a:lnL>
-                    <a:lnR w="12240">
-                      <a:solidFill>
-                        <a:srgbClr val="bd582c"/>
-                      </a:solidFill>
-                    </a:lnR>
-                    <a:lnT w="12240">
-                      <a:solidFill>
-                        <a:srgbClr val="bd582c"/>
-                      </a:solidFill>
-                    </a:lnT>
-                    <a:lnB w="12240">
-                      <a:solidFill>
-                        <a:srgbClr val="bd582c"/>
-                      </a:solidFill>
-                    </a:lnB>
+                  <a:tcPr marL="9510" marR="9510" marT="9510" marB="0" anchor="ctr">
                     <a:solidFill>
-                      <a:srgbClr val="d18d76"/>
+                      <a:schemeClr val="accent1"/>
                     </a:solidFill>
                   </a:tcPr>
                 </a:tc>
                 <a:tc>
                   <a:txBody>
-                    <a:bodyPr lIns="68400" rIns="68400"/>
+                    <a:bodyPr/>
+                    <a:lstStyle/>
                     <a:p>
-                      <a:pPr>
-                        <a:lnSpc>
-                          <a:spcPct val="107000"/>
-                        </a:lnSpc>
-                      </a:pPr>
+                      <a:pPr algn="r" rtl="0" fontAlgn="ctr"/>
                       <a:r>
-                        <a:rPr b="0" lang="de-DE" sz="1600" spc="-1" strike="noStrike">
+                        <a:rPr lang="en-US" sz="1600" u="none" strike="noStrike">
                           <a:solidFill>
-                            <a:srgbClr val="000000"/>
+                            <a:schemeClr val="tx1"/>
                           </a:solidFill>
-                          <a:latin typeface="Calibri"/>
+                          <a:effectLst/>
                         </a:rPr>
-                        <a:t> </a:t>
+                        <a:t>11</a:t>
                       </a:r>
-                      <a:endParaRPr b="0" lang="de-DE" sz="1600" spc="-1" strike="noStrike">
-                        <a:latin typeface="Arial"/>
+                      <a:endParaRPr lang="en-US" sz="1600" b="0" i="0" u="none" strike="noStrike">
+                        <a:solidFill>
+                          <a:schemeClr val="tx1"/>
+                        </a:solidFill>
+                        <a:effectLst/>
+                        <a:latin typeface="Calibri" panose="020F0502020204030204" pitchFamily="34" charset="0"/>
                       </a:endParaRPr>
                     </a:p>
                   </a:txBody>
-                  <a:tcPr marL="68400" marR="68400">
-                    <a:lnL w="12240">
-                      <a:solidFill>
-                        <a:srgbClr val="bd582c"/>
-                      </a:solidFill>
-                    </a:lnL>
-                    <a:lnR w="12240">
-                      <a:solidFill>
-                        <a:srgbClr val="bd582c"/>
-                      </a:solidFill>
-                    </a:lnR>
-                    <a:lnT w="12240">
-                      <a:solidFill>
-                        <a:srgbClr val="bd582c"/>
-                      </a:solidFill>
-                    </a:lnT>
-                    <a:lnB w="12240">
-                      <a:solidFill>
-                        <a:srgbClr val="bd582c"/>
-                      </a:solidFill>
-                    </a:lnB>
+                  <a:tcPr marL="9510" marR="9510" marT="9510" marB="0" anchor="ctr">
                     <a:solidFill>
-                      <a:srgbClr val="d18d76"/>
+                      <a:schemeClr val="accent1">
+                        <a:lumMod val="60000"/>
+                        <a:lumOff val="40000"/>
+                      </a:schemeClr>
                     </a:solidFill>
                   </a:tcPr>
                 </a:tc>
                 <a:tc>
                   <a:txBody>
-                    <a:bodyPr lIns="68400" rIns="68400"/>
+                    <a:bodyPr/>
+                    <a:lstStyle/>
                     <a:p>
-                      <a:pPr>
-                        <a:lnSpc>
-                          <a:spcPct val="107000"/>
-                        </a:lnSpc>
-                      </a:pPr>
+                      <a:pPr algn="l" rtl="0" fontAlgn="ctr"/>
                       <a:r>
-                        <a:rPr b="0" lang="de-DE" sz="1600" spc="-1" strike="noStrike">
+                        <a:rPr lang="en-US" sz="1600" u="none" strike="noStrike" dirty="0" err="1">
                           <a:solidFill>
-                            <a:srgbClr val="000000"/>
+                            <a:schemeClr val="tx1"/>
                           </a:solidFill>
-                          <a:latin typeface="Calibri"/>
+                          <a:effectLst/>
                         </a:rPr>
-                        <a:t> </a:t>
+                        <a:t>Fehlerdiagnose</a:t>
                       </a:r>
-                      <a:endParaRPr b="0" lang="de-DE" sz="1600" spc="-1" strike="noStrike">
-                        <a:latin typeface="Arial"/>
+                      <a:r>
+                        <a:rPr lang="en-US" sz="1600" u="none" strike="noStrike" dirty="0">
+                          <a:solidFill>
+                            <a:schemeClr val="tx1"/>
+                          </a:solidFill>
+                          <a:effectLst/>
+                        </a:rPr>
+                        <a:t>/Cleanup</a:t>
+                      </a:r>
+                      <a:endParaRPr lang="en-US" sz="1600" b="0" i="0" u="none" strike="noStrike" dirty="0">
+                        <a:solidFill>
+                          <a:schemeClr val="tx1"/>
+                        </a:solidFill>
+                        <a:effectLst/>
+                        <a:latin typeface="Calibri" panose="020F0502020204030204" pitchFamily="34" charset="0"/>
                       </a:endParaRPr>
                     </a:p>
                   </a:txBody>
-                  <a:tcPr marL="68400" marR="68400">
-                    <a:lnL w="12240">
-                      <a:solidFill>
-                        <a:srgbClr val="bd582c"/>
-                      </a:solidFill>
-                    </a:lnL>
-                    <a:lnR w="12240">
-                      <a:solidFill>
-                        <a:srgbClr val="bd582c"/>
-                      </a:solidFill>
-                    </a:lnR>
-                    <a:lnT w="12240">
-                      <a:solidFill>
-                        <a:srgbClr val="bd582c"/>
-                      </a:solidFill>
-                    </a:lnT>
-                    <a:lnB w="12240">
-                      <a:solidFill>
-                        <a:srgbClr val="bd582c"/>
-                      </a:solidFill>
-                    </a:lnB>
+                  <a:tcPr marL="9510" marR="9510" marT="9510" marB="0" anchor="ctr">
                     <a:solidFill>
-                      <a:srgbClr val="d18d76"/>
+                      <a:schemeClr val="accent1"/>
                     </a:solidFill>
                   </a:tcPr>
                 </a:tc>
                 <a:tc>
                   <a:txBody>
-                    <a:bodyPr lIns="68400" rIns="68400"/>
+                    <a:bodyPr/>
+                    <a:lstStyle/>
                     <a:p>
-                      <a:pPr algn="r">
-                        <a:lnSpc>
-                          <a:spcPct val="107000"/>
-                        </a:lnSpc>
-                      </a:pPr>
+                      <a:pPr algn="r" rtl="0" fontAlgn="ctr"/>
                       <a:r>
-                        <a:rPr b="0" lang="de-DE" sz="1600" spc="-1" strike="noStrike">
+                        <a:rPr lang="en-US" sz="1600" u="none" strike="noStrike" dirty="0">
                           <a:solidFill>
-                            <a:srgbClr val="000000"/>
+                            <a:schemeClr val="tx1"/>
                           </a:solidFill>
-                          <a:latin typeface="Calibri"/>
+                          <a:effectLst/>
                         </a:rPr>
-                        <a:t> </a:t>
+                        <a:t>53</a:t>
                       </a:r>
-                      <a:endParaRPr b="0" lang="de-DE" sz="1600" spc="-1" strike="noStrike">
-                        <a:latin typeface="Arial"/>
+                      <a:endParaRPr lang="en-US" sz="1600" b="0" i="0" u="none" strike="noStrike" dirty="0">
+                        <a:solidFill>
+                          <a:schemeClr val="tx1"/>
+                        </a:solidFill>
+                        <a:effectLst/>
+                        <a:latin typeface="Calibri" panose="020F0502020204030204" pitchFamily="34" charset="0"/>
                       </a:endParaRPr>
                     </a:p>
                   </a:txBody>
-                  <a:tcPr marL="68400" marR="68400">
-                    <a:lnL w="12240">
-                      <a:solidFill>
-                        <a:srgbClr val="bd582c"/>
-                      </a:solidFill>
-                    </a:lnL>
-                    <a:lnR w="12240">
-                      <a:solidFill>
-                        <a:srgbClr val="bd582c"/>
-                      </a:solidFill>
-                    </a:lnR>
-                    <a:lnT w="12240">
-                      <a:solidFill>
-                        <a:srgbClr val="bd582c"/>
-                      </a:solidFill>
-                    </a:lnT>
-                    <a:lnB w="12240">
-                      <a:solidFill>
-                        <a:srgbClr val="bd582c"/>
-                      </a:solidFill>
-                    </a:lnB>
+                  <a:tcPr marL="9510" marR="9510" marT="9510" marB="0" anchor="ctr">
                     <a:solidFill>
-                      <a:srgbClr val="d18d76"/>
+                      <a:schemeClr val="accent1">
+                        <a:lumMod val="60000"/>
+                        <a:lumOff val="40000"/>
+                      </a:schemeClr>
                     </a:solidFill>
                   </a:tcPr>
                 </a:tc>
+                <a:extLst>
+                  <a:ext uri="{0D108BD9-81ED-4DB2-BD59-A6C34878D82A}">
+                    <a16:rowId xmlns:a16="http://schemas.microsoft.com/office/drawing/2014/main" val="4263140026"/>
+                  </a:ext>
+                </a:extLst>
               </a:tr>
-              <a:tr h="336960">
+              <a:tr h="308771">
                 <a:tc>
                   <a:txBody>
-                    <a:bodyPr lIns="68400" rIns="68400"/>
+                    <a:bodyPr/>
+                    <a:lstStyle/>
                     <a:p>
-                      <a:pPr>
-                        <a:lnSpc>
-                          <a:spcPct val="107000"/>
-                        </a:lnSpc>
-                      </a:pPr>
+                      <a:pPr algn="l" rtl="0" fontAlgn="ctr"/>
                       <a:r>
-                        <a:rPr b="0" lang="de-DE" sz="1600" spc="-1" strike="noStrike">
+                        <a:rPr lang="en-US" sz="1600" u="none" strike="noStrike">
                           <a:solidFill>
-                            <a:srgbClr val="000000"/>
+                            <a:schemeClr val="tx1"/>
                           </a:solidFill>
-                          <a:latin typeface="Calibri"/>
+                          <a:effectLst/>
                         </a:rPr>
-                        <a:t>Fehlerdiagnose</a:t>
+                        <a:t>Lern Zeit</a:t>
                       </a:r>
-                      <a:r>
-                        <a:rPr b="0" lang="de-DE" sz="1600" spc="-1" strike="noStrike">
-                          <a:solidFill>
-                            <a:srgbClr val="000000"/>
-                          </a:solidFill>
-                          <a:latin typeface="Calibri"/>
-                        </a:rPr>
-                        <a:t>	</a:t>
-                      </a:r>
-                      <a:endParaRPr b="0" lang="de-DE" sz="1600" spc="-1" strike="noStrike">
-                        <a:latin typeface="Arial"/>
+                      <a:endParaRPr lang="en-US" sz="1600" b="1" i="0" u="none" strike="noStrike">
+                        <a:solidFill>
+                          <a:schemeClr val="tx1"/>
+                        </a:solidFill>
+                        <a:effectLst/>
+                        <a:latin typeface="Calibri" panose="020F0502020204030204" pitchFamily="34" charset="0"/>
                       </a:endParaRPr>
                     </a:p>
                   </a:txBody>
-                  <a:tcPr marL="68400" marR="68400">
-                    <a:lnL w="12240">
-                      <a:solidFill>
-                        <a:srgbClr val="bd582c"/>
-                      </a:solidFill>
-                    </a:lnL>
-                    <a:lnR w="15840">
-                      <a:solidFill>
-                        <a:srgbClr val="bd582c"/>
-                      </a:solidFill>
-                    </a:lnR>
-                    <a:lnT w="12240">
-                      <a:solidFill>
-                        <a:srgbClr val="bd582c"/>
-                      </a:solidFill>
-                    </a:lnT>
-                    <a:lnB w="12240">
-                      <a:solidFill>
-                        <a:srgbClr val="bd582c"/>
-                      </a:solidFill>
-                    </a:lnB>
+                  <a:tcPr marL="9510" marR="9510" marT="9510" marB="0" anchor="ctr">
                     <a:solidFill>
-                      <a:srgbClr val="deb0a8"/>
+                      <a:schemeClr val="accent1"/>
                     </a:solidFill>
                   </a:tcPr>
                 </a:tc>
                 <a:tc>
                   <a:txBody>
-                    <a:bodyPr lIns="68400" rIns="68400"/>
+                    <a:bodyPr/>
+                    <a:lstStyle/>
                     <a:p>
-                      <a:pPr algn="r">
-                        <a:lnSpc>
-                          <a:spcPct val="107000"/>
-                        </a:lnSpc>
-                      </a:pPr>
+                      <a:pPr algn="r" rtl="0" fontAlgn="ctr"/>
                       <a:r>
-                        <a:rPr b="0" lang="de-DE" sz="1600" spc="-1" strike="noStrike">
+                        <a:rPr lang="en-US" sz="1600" u="none" strike="noStrike">
                           <a:solidFill>
-                            <a:srgbClr val="000000"/>
+                            <a:schemeClr val="tx1"/>
                           </a:solidFill>
-                          <a:latin typeface="Calibri"/>
+                          <a:effectLst/>
                         </a:rPr>
-                        <a:t>24</a:t>
+                        <a:t>26</a:t>
                       </a:r>
-                      <a:endParaRPr b="0" lang="de-DE" sz="1600" spc="-1" strike="noStrike">
-                        <a:latin typeface="Arial"/>
+                      <a:endParaRPr lang="en-US" sz="1600" b="0" i="0" u="none" strike="noStrike">
+                        <a:solidFill>
+                          <a:schemeClr val="tx1"/>
+                        </a:solidFill>
+                        <a:effectLst/>
+                        <a:latin typeface="Calibri" panose="020F0502020204030204" pitchFamily="34" charset="0"/>
                       </a:endParaRPr>
                     </a:p>
                   </a:txBody>
-                  <a:tcPr marL="68400" marR="68400">
-                    <a:lnL w="12240">
-                      <a:solidFill>
-                        <a:srgbClr val="bd582c"/>
-                      </a:solidFill>
-                    </a:lnL>
-                    <a:lnR w="12240">
-                      <a:solidFill>
-                        <a:srgbClr val="bd582c"/>
-                      </a:solidFill>
-                    </a:lnR>
-                    <a:lnT w="12240">
-                      <a:solidFill>
-                        <a:srgbClr val="bd582c"/>
-                      </a:solidFill>
-                    </a:lnT>
-                    <a:lnB w="12240">
-                      <a:solidFill>
-                        <a:srgbClr val="bd582c"/>
-                      </a:solidFill>
-                    </a:lnB>
+                  <a:tcPr marL="9510" marR="9510" marT="9510" marB="0" anchor="ctr">
                     <a:solidFill>
-                      <a:srgbClr val="deb0a8"/>
+                      <a:schemeClr val="accent1">
+                        <a:lumMod val="60000"/>
+                        <a:lumOff val="40000"/>
+                      </a:schemeClr>
                     </a:solidFill>
                   </a:tcPr>
                 </a:tc>
                 <a:tc>
                   <a:txBody>
-                    <a:bodyPr lIns="68400" rIns="68400"/>
+                    <a:bodyPr/>
+                    <a:lstStyle/>
                     <a:p>
-                      <a:pPr>
-                        <a:lnSpc>
-                          <a:spcPct val="107000"/>
-                        </a:lnSpc>
-                      </a:pPr>
+                      <a:pPr algn="l" rtl="0" fontAlgn="ctr"/>
                       <a:r>
-                        <a:rPr b="0" lang="de-DE" sz="1600" spc="-1" strike="noStrike">
+                        <a:rPr lang="en-US" sz="1600" u="none" strike="noStrike">
                           <a:solidFill>
-                            <a:srgbClr val="000000"/>
+                            <a:schemeClr val="tx1"/>
                           </a:solidFill>
-                          <a:latin typeface="Calibri"/>
+                          <a:effectLst/>
                         </a:rPr>
-                        <a:t>Fehlerdiagnose</a:t>
+                        <a:t>Lern Zeit</a:t>
                       </a:r>
-                      <a:endParaRPr b="0" lang="de-DE" sz="1600" spc="-1" strike="noStrike">
-                        <a:latin typeface="Arial"/>
+                      <a:endParaRPr lang="en-US" sz="1600" b="0" i="0" u="none" strike="noStrike">
+                        <a:solidFill>
+                          <a:schemeClr val="tx1"/>
+                        </a:solidFill>
+                        <a:effectLst/>
+                        <a:latin typeface="Calibri" panose="020F0502020204030204" pitchFamily="34" charset="0"/>
                       </a:endParaRPr>
                     </a:p>
                   </a:txBody>
-                  <a:tcPr marL="68400" marR="68400">
-                    <a:lnL w="12240">
-                      <a:solidFill>
-                        <a:srgbClr val="bd582c"/>
-                      </a:solidFill>
-                    </a:lnL>
-                    <a:lnR w="12240">
-                      <a:solidFill>
-                        <a:srgbClr val="bd582c"/>
-                      </a:solidFill>
-                    </a:lnR>
-                    <a:lnT w="12240">
-                      <a:solidFill>
-                        <a:srgbClr val="bd582c"/>
-                      </a:solidFill>
-                    </a:lnT>
-                    <a:lnB w="12240">
-                      <a:solidFill>
-                        <a:srgbClr val="bd582c"/>
-                      </a:solidFill>
-                    </a:lnB>
+                  <a:tcPr marL="9510" marR="9510" marT="9510" marB="0" anchor="ctr">
                     <a:solidFill>
-                      <a:srgbClr val="deb0a8"/>
+                      <a:schemeClr val="accent1"/>
                     </a:solidFill>
                   </a:tcPr>
                 </a:tc>
                 <a:tc>
                   <a:txBody>
-                    <a:bodyPr lIns="68400" rIns="68400"/>
+                    <a:bodyPr/>
+                    <a:lstStyle/>
                     <a:p>
-                      <a:pPr algn="r">
-                        <a:lnSpc>
-                          <a:spcPct val="107000"/>
-                        </a:lnSpc>
-                      </a:pPr>
+                      <a:pPr algn="r" rtl="0" fontAlgn="ctr"/>
                       <a:r>
-                        <a:rPr b="0" lang="de-DE" sz="1600" spc="-1" strike="noStrike">
+                        <a:rPr lang="en-US" sz="1600" u="none" strike="noStrike">
                           <a:solidFill>
-                            <a:srgbClr val="000000"/>
+                            <a:schemeClr val="tx1"/>
                           </a:solidFill>
-                          <a:latin typeface="Calibri"/>
+                          <a:effectLst/>
                         </a:rPr>
-                        <a:t>11</a:t>
+                        <a:t>10</a:t>
                       </a:r>
-                      <a:endParaRPr b="0" lang="de-DE" sz="1600" spc="-1" strike="noStrike">
-                        <a:latin typeface="Arial"/>
+                      <a:endParaRPr lang="en-US" sz="1600" b="0" i="0" u="none" strike="noStrike">
+                        <a:solidFill>
+                          <a:schemeClr val="tx1"/>
+                        </a:solidFill>
+                        <a:effectLst/>
+                        <a:latin typeface="Calibri" panose="020F0502020204030204" pitchFamily="34" charset="0"/>
                       </a:endParaRPr>
                     </a:p>
                   </a:txBody>
-                  <a:tcPr marL="68400" marR="68400">
-                    <a:lnL w="12240">
-                      <a:solidFill>
-                        <a:srgbClr val="bd582c"/>
-                      </a:solidFill>
-                    </a:lnL>
-                    <a:lnR w="12240">
-                      <a:solidFill>
-                        <a:srgbClr val="bd582c"/>
-                      </a:solidFill>
-                    </a:lnR>
-                    <a:lnT w="12240">
-                      <a:solidFill>
-                        <a:srgbClr val="bd582c"/>
-                      </a:solidFill>
-                    </a:lnT>
-                    <a:lnB w="12240">
-                      <a:solidFill>
-                        <a:srgbClr val="bd582c"/>
-                      </a:solidFill>
-                    </a:lnB>
+                  <a:tcPr marL="9510" marR="9510" marT="9510" marB="0" anchor="ctr">
                     <a:solidFill>
-                      <a:srgbClr val="deb0a8"/>
+                      <a:schemeClr val="accent1">
+                        <a:lumMod val="60000"/>
+                        <a:lumOff val="40000"/>
+                      </a:schemeClr>
                     </a:solidFill>
                   </a:tcPr>
                 </a:tc>
                 <a:tc>
                   <a:txBody>
-                    <a:bodyPr lIns="68400" rIns="68400"/>
+                    <a:bodyPr/>
+                    <a:lstStyle/>
                     <a:p>
-                      <a:pPr>
-                        <a:lnSpc>
-                          <a:spcPct val="107000"/>
-                        </a:lnSpc>
-                      </a:pPr>
+                      <a:pPr algn="l" rtl="0" fontAlgn="ctr"/>
                       <a:r>
-                        <a:rPr b="0" lang="de-DE" sz="1600" spc="-1" strike="noStrike">
+                        <a:rPr lang="en-US" sz="1600" u="none" strike="noStrike" dirty="0" err="1">
                           <a:solidFill>
-                            <a:srgbClr val="000000"/>
+                            <a:schemeClr val="tx1"/>
                           </a:solidFill>
-                          <a:latin typeface="Calibri"/>
+                          <a:effectLst/>
                         </a:rPr>
-                        <a:t>Fehlerdiagnose/Cleanup</a:t>
+                        <a:t>Lern</a:t>
                       </a:r>
-                      <a:endParaRPr b="0" lang="de-DE" sz="1600" spc="-1" strike="noStrike">
-                        <a:latin typeface="Arial"/>
+                      <a:r>
+                        <a:rPr lang="en-US" sz="1600" u="none" strike="noStrike" dirty="0">
+                          <a:solidFill>
+                            <a:schemeClr val="tx1"/>
+                          </a:solidFill>
+                          <a:effectLst/>
+                        </a:rPr>
+                        <a:t> Zeit</a:t>
+                      </a:r>
+                      <a:endParaRPr lang="en-US" sz="1600" b="0" i="0" u="none" strike="noStrike" dirty="0">
+                        <a:solidFill>
+                          <a:schemeClr val="tx1"/>
+                        </a:solidFill>
+                        <a:effectLst/>
+                        <a:latin typeface="Calibri" panose="020F0502020204030204" pitchFamily="34" charset="0"/>
                       </a:endParaRPr>
                     </a:p>
                   </a:txBody>
-                  <a:tcPr marL="68400" marR="68400">
-                    <a:lnL w="12240">
-                      <a:solidFill>
-                        <a:srgbClr val="bd582c"/>
-                      </a:solidFill>
-                    </a:lnL>
-                    <a:lnR w="12240">
-                      <a:solidFill>
-                        <a:srgbClr val="bd582c"/>
-                      </a:solidFill>
-                    </a:lnR>
-                    <a:lnT w="12240">
-                      <a:solidFill>
-                        <a:srgbClr val="bd582c"/>
-                      </a:solidFill>
-                    </a:lnT>
-                    <a:lnB w="12240">
-                      <a:solidFill>
-                        <a:srgbClr val="bd582c"/>
-                      </a:solidFill>
-                    </a:lnB>
+                  <a:tcPr marL="9510" marR="9510" marT="9510" marB="0" anchor="ctr">
                     <a:solidFill>
-                      <a:srgbClr val="deb0a8"/>
+                      <a:schemeClr val="accent1"/>
                     </a:solidFill>
                   </a:tcPr>
                 </a:tc>
                 <a:tc>
                   <a:txBody>
-                    <a:bodyPr lIns="68400" rIns="68400"/>
+                    <a:bodyPr/>
+                    <a:lstStyle/>
                     <a:p>
-                      <a:pPr algn="r">
-                        <a:lnSpc>
-                          <a:spcPct val="107000"/>
-                        </a:lnSpc>
-                      </a:pPr>
+                      <a:pPr algn="r" rtl="0" fontAlgn="ctr"/>
                       <a:r>
-                        <a:rPr b="0" lang="de-DE" sz="1600" spc="-1" strike="noStrike">
+                        <a:rPr lang="en-US" sz="1600" u="none" strike="noStrike" dirty="0">
                           <a:solidFill>
-                            <a:srgbClr val="000000"/>
+                            <a:schemeClr val="tx1"/>
                           </a:solidFill>
-                          <a:latin typeface="Calibri"/>
+                          <a:effectLst/>
                         </a:rPr>
-                        <a:t>53</a:t>
+                        <a:t>54</a:t>
                       </a:r>
-                      <a:endParaRPr b="0" lang="de-DE" sz="1600" spc="-1" strike="noStrike">
-                        <a:latin typeface="Arial"/>
+                      <a:endParaRPr lang="en-US" sz="1600" b="0" i="0" u="none" strike="noStrike" dirty="0">
+                        <a:solidFill>
+                          <a:schemeClr val="tx1"/>
+                        </a:solidFill>
+                        <a:effectLst/>
+                        <a:latin typeface="Calibri" panose="020F0502020204030204" pitchFamily="34" charset="0"/>
                       </a:endParaRPr>
                     </a:p>
                   </a:txBody>
-                  <a:tcPr marL="68400" marR="68400">
-                    <a:lnL w="12240">
-                      <a:solidFill>
-                        <a:srgbClr val="bd582c"/>
-                      </a:solidFill>
-                    </a:lnL>
-                    <a:lnR w="12240">
-                      <a:solidFill>
-                        <a:srgbClr val="bd582c"/>
-                      </a:solidFill>
-                    </a:lnR>
-                    <a:lnT w="12240">
-                      <a:solidFill>
-                        <a:srgbClr val="bd582c"/>
-                      </a:solidFill>
-                    </a:lnT>
-                    <a:lnB w="12240">
-                      <a:solidFill>
-                        <a:srgbClr val="bd582c"/>
-                      </a:solidFill>
-                    </a:lnB>
+                  <a:tcPr marL="9510" marR="9510" marT="9510" marB="0" anchor="ctr">
                     <a:solidFill>
-                      <a:srgbClr val="deb0a8"/>
+                      <a:schemeClr val="accent1">
+                        <a:lumMod val="60000"/>
+                        <a:lumOff val="40000"/>
+                      </a:schemeClr>
                     </a:solidFill>
                   </a:tcPr>
                 </a:tc>
+                <a:extLst>
+                  <a:ext uri="{0D108BD9-81ED-4DB2-BD59-A6C34878D82A}">
+                    <a16:rowId xmlns:a16="http://schemas.microsoft.com/office/drawing/2014/main" val="3309808207"/>
+                  </a:ext>
+                </a:extLst>
               </a:tr>
-              <a:tr h="336960">
+              <a:tr h="308771">
                 <a:tc>
                   <a:txBody>
-                    <a:bodyPr lIns="68400" rIns="68400"/>
+                    <a:bodyPr/>
+                    <a:lstStyle/>
                     <a:p>
-                      <a:pPr>
-                        <a:lnSpc>
-                          <a:spcPct val="107000"/>
-                        </a:lnSpc>
-                      </a:pPr>
+                      <a:pPr algn="l" rtl="0" fontAlgn="ctr"/>
                       <a:r>
-                        <a:rPr b="0" lang="de-DE" sz="1600" spc="-1" strike="noStrike">
+                        <a:rPr lang="en-US" sz="1600" u="none" strike="noStrike">
                           <a:solidFill>
-                            <a:srgbClr val="000000"/>
+                            <a:schemeClr val="tx1"/>
                           </a:solidFill>
-                          <a:latin typeface="Calibri"/>
+                          <a:effectLst/>
                         </a:rPr>
-                        <a:t>Lern Zeit</a:t>
+                        <a:t>PowerPoint</a:t>
                       </a:r>
-                      <a:endParaRPr b="0" lang="de-DE" sz="1600" spc="-1" strike="noStrike">
-                        <a:latin typeface="Arial"/>
+                      <a:endParaRPr lang="en-US" sz="1600" b="1" i="0" u="none" strike="noStrike">
+                        <a:solidFill>
+                          <a:schemeClr val="tx1"/>
+                        </a:solidFill>
+                        <a:effectLst/>
+                        <a:latin typeface="Calibri" panose="020F0502020204030204" pitchFamily="34" charset="0"/>
                       </a:endParaRPr>
                     </a:p>
                   </a:txBody>
-                  <a:tcPr marL="68400" marR="68400">
-                    <a:lnL w="12240">
-                      <a:solidFill>
-                        <a:srgbClr val="bd582c"/>
-                      </a:solidFill>
-                    </a:lnL>
-                    <a:lnR w="15840">
-                      <a:solidFill>
-                        <a:srgbClr val="bd582c"/>
-                      </a:solidFill>
-                    </a:lnR>
-                    <a:lnT w="12240">
-                      <a:solidFill>
-                        <a:srgbClr val="bd582c"/>
-                      </a:solidFill>
-                    </a:lnT>
-                    <a:lnB w="12240">
-                      <a:solidFill>
-                        <a:srgbClr val="bd582c"/>
-                      </a:solidFill>
-                    </a:lnB>
+                  <a:tcPr marL="9510" marR="9510" marT="9510" marB="0" anchor="ctr">
                     <a:solidFill>
-                      <a:srgbClr val="d18d76"/>
+                      <a:schemeClr val="accent1"/>
                     </a:solidFill>
                   </a:tcPr>
                 </a:tc>
                 <a:tc>
                   <a:txBody>
-                    <a:bodyPr lIns="68400" rIns="68400"/>
+                    <a:bodyPr/>
+                    <a:lstStyle/>
                     <a:p>
-                      <a:pPr algn="r">
-                        <a:lnSpc>
-                          <a:spcPct val="107000"/>
-                        </a:lnSpc>
-                      </a:pPr>
+                      <a:pPr algn="r" rtl="0" fontAlgn="ctr"/>
                       <a:r>
-                        <a:rPr b="0" lang="de-DE" sz="1600" spc="-1" strike="noStrike">
+                        <a:rPr lang="en-US" sz="1600" u="none" strike="noStrike">
                           <a:solidFill>
-                            <a:srgbClr val="000000"/>
+                            <a:schemeClr val="tx1"/>
                           </a:solidFill>
-                          <a:latin typeface="Calibri"/>
+                          <a:effectLst/>
                         </a:rPr>
-                        <a:t>26</a:t>
+                        <a:t>2</a:t>
                       </a:r>
-                      <a:endParaRPr b="0" lang="de-DE" sz="1600" spc="-1" strike="noStrike">
-                        <a:latin typeface="Arial"/>
+                      <a:endParaRPr lang="en-US" sz="1600" b="0" i="0" u="none" strike="noStrike">
+                        <a:solidFill>
+                          <a:schemeClr val="tx1"/>
+                        </a:solidFill>
+                        <a:effectLst/>
+                        <a:latin typeface="Calibri" panose="020F0502020204030204" pitchFamily="34" charset="0"/>
                       </a:endParaRPr>
                     </a:p>
                   </a:txBody>
-                  <a:tcPr marL="68400" marR="68400">
-                    <a:lnL w="12240">
-                      <a:solidFill>
-                        <a:srgbClr val="bd582c"/>
-                      </a:solidFill>
-                    </a:lnL>
-                    <a:lnR w="12240">
-                      <a:solidFill>
-                        <a:srgbClr val="bd582c"/>
-                      </a:solidFill>
-                    </a:lnR>
-                    <a:lnT w="12240">
-                      <a:solidFill>
-                        <a:srgbClr val="bd582c"/>
-                      </a:solidFill>
-                    </a:lnT>
-                    <a:lnB w="12240">
-                      <a:solidFill>
-                        <a:srgbClr val="bd582c"/>
-                      </a:solidFill>
-                    </a:lnB>
+                  <a:tcPr marL="9510" marR="9510" marT="9510" marB="0" anchor="ctr">
                     <a:solidFill>
-                      <a:srgbClr val="d18d76"/>
+                      <a:schemeClr val="accent1">
+                        <a:lumMod val="60000"/>
+                        <a:lumOff val="40000"/>
+                      </a:schemeClr>
                     </a:solidFill>
                   </a:tcPr>
                 </a:tc>
                 <a:tc>
                   <a:txBody>
-                    <a:bodyPr lIns="68400" rIns="68400"/>
+                    <a:bodyPr/>
+                    <a:lstStyle/>
                     <a:p>
-                      <a:pPr>
-                        <a:lnSpc>
-                          <a:spcPct val="107000"/>
-                        </a:lnSpc>
-                      </a:pPr>
+                      <a:pPr algn="l" rtl="0" fontAlgn="ctr"/>
                       <a:r>
-                        <a:rPr b="0" lang="de-DE" sz="1600" spc="-1" strike="noStrike">
+                        <a:rPr lang="en-US" sz="1600" u="none" strike="noStrike">
                           <a:solidFill>
-                            <a:srgbClr val="000000"/>
+                            <a:schemeClr val="tx1"/>
                           </a:solidFill>
-                          <a:latin typeface="Calibri"/>
+                          <a:effectLst/>
                         </a:rPr>
-                        <a:t>Lern Zeit</a:t>
+                        <a:t>PowerPoint</a:t>
                       </a:r>
-                      <a:endParaRPr b="0" lang="de-DE" sz="1600" spc="-1" strike="noStrike">
-                        <a:latin typeface="Arial"/>
+                      <a:endParaRPr lang="en-US" sz="1600" b="0" i="0" u="none" strike="noStrike">
+                        <a:solidFill>
+                          <a:schemeClr val="tx1"/>
+                        </a:solidFill>
+                        <a:effectLst/>
+                        <a:latin typeface="Calibri" panose="020F0502020204030204" pitchFamily="34" charset="0"/>
                       </a:endParaRPr>
                     </a:p>
                   </a:txBody>
-                  <a:tcPr marL="68400" marR="68400">
-                    <a:lnL w="12240">
-                      <a:solidFill>
-                        <a:srgbClr val="bd582c"/>
-                      </a:solidFill>
-                    </a:lnL>
-                    <a:lnR w="12240">
-                      <a:solidFill>
-                        <a:srgbClr val="bd582c"/>
-                      </a:solidFill>
-                    </a:lnR>
-                    <a:lnT w="12240">
-                      <a:solidFill>
-                        <a:srgbClr val="bd582c"/>
-                      </a:solidFill>
-                    </a:lnT>
-                    <a:lnB w="12240">
-                      <a:solidFill>
-                        <a:srgbClr val="bd582c"/>
-                      </a:solidFill>
-                    </a:lnB>
+                  <a:tcPr marL="9510" marR="9510" marT="9510" marB="0" anchor="ctr">
                     <a:solidFill>
-                      <a:srgbClr val="d18d76"/>
+                      <a:schemeClr val="accent1"/>
                     </a:solidFill>
                   </a:tcPr>
                 </a:tc>
                 <a:tc>
                   <a:txBody>
-                    <a:bodyPr lIns="68400" rIns="68400"/>
+                    <a:bodyPr/>
+                    <a:lstStyle/>
                     <a:p>
-                      <a:pPr algn="r">
-                        <a:lnSpc>
-                          <a:spcPct val="107000"/>
-                        </a:lnSpc>
-                      </a:pPr>
+                      <a:pPr algn="r" rtl="0" fontAlgn="ctr"/>
                       <a:r>
-                        <a:rPr b="0" lang="de-DE" sz="1600" spc="-1" strike="noStrike">
+                        <a:rPr lang="en-US" sz="1600" u="none" strike="noStrike">
                           <a:solidFill>
-                            <a:srgbClr val="000000"/>
+                            <a:schemeClr val="tx1"/>
                           </a:solidFill>
-                          <a:latin typeface="Calibri"/>
+                          <a:effectLst/>
                         </a:rPr>
-                        <a:t>10</a:t>
+                        <a:t>2</a:t>
                       </a:r>
-                      <a:endParaRPr b="0" lang="de-DE" sz="1600" spc="-1" strike="noStrike">
-                        <a:latin typeface="Arial"/>
+                      <a:endParaRPr lang="en-US" sz="1600" b="0" i="0" u="none" strike="noStrike">
+                        <a:solidFill>
+                          <a:schemeClr val="tx1"/>
+                        </a:solidFill>
+                        <a:effectLst/>
+                        <a:latin typeface="Calibri" panose="020F0502020204030204" pitchFamily="34" charset="0"/>
                       </a:endParaRPr>
                     </a:p>
                   </a:txBody>
-                  <a:tcPr marL="68400" marR="68400">
-                    <a:lnL w="12240">
-                      <a:solidFill>
-                        <a:srgbClr val="bd582c"/>
-                      </a:solidFill>
-                    </a:lnL>
-                    <a:lnR w="12240">
-                      <a:solidFill>
-                        <a:srgbClr val="bd582c"/>
-                      </a:solidFill>
-                    </a:lnR>
-                    <a:lnT w="12240">
-                      <a:solidFill>
-                        <a:srgbClr val="bd582c"/>
-                      </a:solidFill>
-                    </a:lnT>
-                    <a:lnB w="12240">
-                      <a:solidFill>
-                        <a:srgbClr val="bd582c"/>
-                      </a:solidFill>
-                    </a:lnB>
+                  <a:tcPr marL="9510" marR="9510" marT="9510" marB="0" anchor="ctr">
                     <a:solidFill>
-                      <a:srgbClr val="d18d76"/>
+                      <a:schemeClr val="accent1">
+                        <a:lumMod val="60000"/>
+                        <a:lumOff val="40000"/>
+                      </a:schemeClr>
                     </a:solidFill>
                   </a:tcPr>
                 </a:tc>
                 <a:tc>
                   <a:txBody>
-                    <a:bodyPr lIns="68400" rIns="68400"/>
+                    <a:bodyPr/>
+                    <a:lstStyle/>
                     <a:p>
-                      <a:pPr>
-                        <a:lnSpc>
-                          <a:spcPct val="107000"/>
-                        </a:lnSpc>
-                      </a:pPr>
+                      <a:pPr algn="l" rtl="0" fontAlgn="ctr"/>
                       <a:r>
-                        <a:rPr b="0" lang="de-DE" sz="1600" spc="-1" strike="noStrike">
+                        <a:rPr lang="en-US" sz="1600" u="none" strike="noStrike" dirty="0">
                           <a:solidFill>
-                            <a:srgbClr val="000000"/>
+                            <a:schemeClr val="tx1"/>
                           </a:solidFill>
-                          <a:latin typeface="Calibri"/>
+                          <a:effectLst/>
                         </a:rPr>
-                        <a:t>Lern Zeit</a:t>
+                        <a:t>PowerPoint</a:t>
                       </a:r>
-                      <a:endParaRPr b="0" lang="de-DE" sz="1600" spc="-1" strike="noStrike">
-                        <a:latin typeface="Arial"/>
+                      <a:endParaRPr lang="en-US" sz="1600" b="0" i="0" u="none" strike="noStrike" dirty="0">
+                        <a:solidFill>
+                          <a:schemeClr val="tx1"/>
+                        </a:solidFill>
+                        <a:effectLst/>
+                        <a:latin typeface="Calibri" panose="020F0502020204030204" pitchFamily="34" charset="0"/>
                       </a:endParaRPr>
                     </a:p>
                   </a:txBody>
-                  <a:tcPr marL="68400" marR="68400">
-                    <a:lnL w="12240">
-                      <a:solidFill>
-                        <a:srgbClr val="bd582c"/>
-                      </a:solidFill>
-                    </a:lnL>
-                    <a:lnR w="12240">
-                      <a:solidFill>
-                        <a:srgbClr val="bd582c"/>
-                      </a:solidFill>
-                    </a:lnR>
-                    <a:lnT w="12240">
-                      <a:solidFill>
-                        <a:srgbClr val="bd582c"/>
-                      </a:solidFill>
-                    </a:lnT>
-                    <a:lnB w="12240">
-                      <a:solidFill>
-                        <a:srgbClr val="bd582c"/>
-                      </a:solidFill>
-                    </a:lnB>
+                  <a:tcPr marL="9510" marR="9510" marT="9510" marB="0" anchor="ctr">
                     <a:solidFill>
-                      <a:srgbClr val="d18d76"/>
+                      <a:schemeClr val="accent1"/>
                     </a:solidFill>
                   </a:tcPr>
                 </a:tc>
                 <a:tc>
                   <a:txBody>
-                    <a:bodyPr lIns="68400" rIns="68400"/>
+                    <a:bodyPr/>
+                    <a:lstStyle/>
                     <a:p>
-                      <a:pPr algn="r">
-                        <a:lnSpc>
-                          <a:spcPct val="107000"/>
-                        </a:lnSpc>
-                      </a:pPr>
+                      <a:pPr algn="r" rtl="0" fontAlgn="ctr"/>
                       <a:r>
-                        <a:rPr b="0" lang="de-DE" sz="1600" spc="-1" strike="noStrike">
+                        <a:rPr lang="en-US" sz="1600" u="none" strike="noStrike" dirty="0">
                           <a:solidFill>
-                            <a:srgbClr val="000000"/>
+                            <a:schemeClr val="tx1"/>
                           </a:solidFill>
-                          <a:latin typeface="Calibri"/>
+                          <a:effectLst/>
                         </a:rPr>
-                        <a:t>54</a:t>
+                        <a:t>2</a:t>
                       </a:r>
-                      <a:endParaRPr b="0" lang="de-DE" sz="1600" spc="-1" strike="noStrike">
-                        <a:latin typeface="Arial"/>
+                      <a:endParaRPr lang="en-US" sz="1600" b="0" i="0" u="none" strike="noStrike" dirty="0">
+                        <a:solidFill>
+                          <a:schemeClr val="tx1"/>
+                        </a:solidFill>
+                        <a:effectLst/>
+                        <a:latin typeface="Calibri" panose="020F0502020204030204" pitchFamily="34" charset="0"/>
                       </a:endParaRPr>
                     </a:p>
                   </a:txBody>
-                  <a:tcPr marL="68400" marR="68400">
-                    <a:lnL w="12240">
-                      <a:solidFill>
-                        <a:srgbClr val="bd582c"/>
-                      </a:solidFill>
-                    </a:lnL>
-                    <a:lnR w="12240">
-                      <a:solidFill>
-                        <a:srgbClr val="bd582c"/>
-                      </a:solidFill>
-                    </a:lnR>
-                    <a:lnT w="12240">
-                      <a:solidFill>
-                        <a:srgbClr val="bd582c"/>
-                      </a:solidFill>
-                    </a:lnT>
-                    <a:lnB w="12240">
-                      <a:solidFill>
-                        <a:srgbClr val="bd582c"/>
-                      </a:solidFill>
-                    </a:lnB>
+                  <a:tcPr marL="9510" marR="9510" marT="9510" marB="0" anchor="ctr">
                     <a:solidFill>
-                      <a:srgbClr val="d18d76"/>
+                      <a:schemeClr val="accent1">
+                        <a:lumMod val="60000"/>
+                        <a:lumOff val="40000"/>
+                      </a:schemeClr>
                     </a:solidFill>
                   </a:tcPr>
                 </a:tc>
+                <a:extLst>
+                  <a:ext uri="{0D108BD9-81ED-4DB2-BD59-A6C34878D82A}">
+                    <a16:rowId xmlns:a16="http://schemas.microsoft.com/office/drawing/2014/main" val="1976560550"/>
+                  </a:ext>
+                </a:extLst>
               </a:tr>
-              <a:tr h="336960">
+              <a:tr h="93358">
                 <a:tc>
                   <a:txBody>
-                    <a:bodyPr lIns="68400" rIns="68400"/>
+                    <a:bodyPr/>
+                    <a:lstStyle/>
                     <a:p>
-                      <a:pPr>
-                        <a:lnSpc>
-                          <a:spcPct val="107000"/>
-                        </a:lnSpc>
-                      </a:pPr>
+                      <a:pPr algn="l" rtl="0" fontAlgn="ctr"/>
                       <a:r>
-                        <a:rPr b="0" lang="de-DE" sz="1600" spc="-1" strike="noStrike">
+                        <a:rPr lang="en-US" sz="400" u="none" strike="noStrike">
                           <a:solidFill>
-                            <a:srgbClr val="000000"/>
+                            <a:schemeClr val="tx1"/>
                           </a:solidFill>
-                          <a:latin typeface="Calibri"/>
+                          <a:effectLst/>
                         </a:rPr>
-                        <a:t>PowerPoint</a:t>
+                        <a:t> </a:t>
                       </a:r>
-                      <a:endParaRPr b="0" lang="de-DE" sz="1600" spc="-1" strike="noStrike">
-                        <a:latin typeface="Arial"/>
+                      <a:endParaRPr lang="en-US" sz="400" b="1" i="0" u="none" strike="noStrike">
+                        <a:solidFill>
+                          <a:schemeClr val="tx1"/>
+                        </a:solidFill>
+                        <a:effectLst/>
+                        <a:latin typeface="Calibri" panose="020F0502020204030204" pitchFamily="34" charset="0"/>
                       </a:endParaRPr>
                     </a:p>
                   </a:txBody>
-                  <a:tcPr marL="68400" marR="68400">
-                    <a:lnL w="12240">
-                      <a:solidFill>
-                        <a:srgbClr val="bd582c"/>
-                      </a:solidFill>
-                    </a:lnL>
-                    <a:lnR w="15840">
-                      <a:solidFill>
-                        <a:srgbClr val="bd582c"/>
-                      </a:solidFill>
-                    </a:lnR>
-                    <a:lnT w="12240">
-                      <a:solidFill>
-                        <a:srgbClr val="bd582c"/>
-                      </a:solidFill>
-                    </a:lnT>
-                    <a:lnB w="12240">
-                      <a:solidFill>
-                        <a:srgbClr val="bd582c"/>
-                      </a:solidFill>
-                    </a:lnB>
+                  <a:tcPr marL="9510" marR="9510" marT="9510" marB="0" anchor="ctr">
                     <a:solidFill>
-                      <a:srgbClr val="deb0a8"/>
+                      <a:schemeClr val="accent1"/>
                     </a:solidFill>
                   </a:tcPr>
                 </a:tc>
                 <a:tc>
                   <a:txBody>
-                    <a:bodyPr lIns="68400" rIns="68400"/>
+                    <a:bodyPr/>
+                    <a:lstStyle/>
                     <a:p>
-                      <a:pPr algn="r">
-                        <a:lnSpc>
-                          <a:spcPct val="107000"/>
-                        </a:lnSpc>
-                      </a:pPr>
+                      <a:pPr algn="l" rtl="0" fontAlgn="ctr"/>
                       <a:r>
-                        <a:rPr b="0" lang="de-DE" sz="1600" spc="-1" strike="noStrike">
+                        <a:rPr lang="en-US" sz="400" u="none" strike="noStrike" dirty="0">
                           <a:solidFill>
-                            <a:srgbClr val="000000"/>
+                            <a:schemeClr val="tx1"/>
                           </a:solidFill>
-                          <a:latin typeface="Calibri"/>
+                          <a:effectLst/>
                         </a:rPr>
-                        <a:t>2</a:t>
+                        <a:t> </a:t>
                       </a:r>
-                      <a:endParaRPr b="0" lang="de-DE" sz="1600" spc="-1" strike="noStrike">
-                        <a:latin typeface="Arial"/>
+                      <a:endParaRPr lang="en-US" sz="400" b="0" i="0" u="none" strike="noStrike" dirty="0">
+                        <a:solidFill>
+                          <a:schemeClr val="tx1"/>
+                        </a:solidFill>
+                        <a:effectLst/>
+                        <a:latin typeface="Calibri" panose="020F0502020204030204" pitchFamily="34" charset="0"/>
                       </a:endParaRPr>
                     </a:p>
                   </a:txBody>
-                  <a:tcPr marL="68400" marR="68400">
-                    <a:lnL w="12240">
-                      <a:solidFill>
-                        <a:srgbClr val="bd582c"/>
-                      </a:solidFill>
-                    </a:lnL>
-                    <a:lnR w="12240">
-                      <a:solidFill>
-                        <a:srgbClr val="bd582c"/>
-                      </a:solidFill>
-                    </a:lnR>
-                    <a:lnT w="12240">
-                      <a:solidFill>
-                        <a:srgbClr val="bd582c"/>
-                      </a:solidFill>
-                    </a:lnT>
-                    <a:lnB w="12240">
-                      <a:solidFill>
-                        <a:srgbClr val="bd582c"/>
-                      </a:solidFill>
-                    </a:lnB>
+                  <a:tcPr marL="9510" marR="9510" marT="9510" marB="0" anchor="ctr">
                     <a:solidFill>
-                      <a:srgbClr val="deb0a8"/>
+                      <a:schemeClr val="accent1">
+                        <a:lumMod val="60000"/>
+                        <a:lumOff val="40000"/>
+                      </a:schemeClr>
                     </a:solidFill>
                   </a:tcPr>
                 </a:tc>
                 <a:tc>
                   <a:txBody>
-                    <a:bodyPr lIns="68400" rIns="68400"/>
+                    <a:bodyPr/>
+                    <a:lstStyle/>
                     <a:p>
-                      <a:pPr>
-                        <a:lnSpc>
-                          <a:spcPct val="107000"/>
-                        </a:lnSpc>
-                      </a:pPr>
+                      <a:pPr algn="l" rtl="0" fontAlgn="ctr"/>
                       <a:r>
-                        <a:rPr b="0" lang="de-DE" sz="1600" spc="-1" strike="noStrike">
+                        <a:rPr lang="en-US" sz="400" u="none" strike="noStrike">
                           <a:solidFill>
-                            <a:srgbClr val="000000"/>
+                            <a:schemeClr val="tx1"/>
                           </a:solidFill>
-                          <a:latin typeface="Calibri"/>
+                          <a:effectLst/>
                         </a:rPr>
-                        <a:t>PowerPoint</a:t>
+                        <a:t> </a:t>
                       </a:r>
-                      <a:endParaRPr b="0" lang="de-DE" sz="1600" spc="-1" strike="noStrike">
-                        <a:latin typeface="Arial"/>
+                      <a:endParaRPr lang="en-US" sz="400" b="0" i="0" u="none" strike="noStrike">
+                        <a:solidFill>
+                          <a:schemeClr val="tx1"/>
+                        </a:solidFill>
+                        <a:effectLst/>
+                        <a:latin typeface="Calibri" panose="020F0502020204030204" pitchFamily="34" charset="0"/>
                       </a:endParaRPr>
                     </a:p>
                   </a:txBody>
-                  <a:tcPr marL="68400" marR="68400">
-                    <a:lnL w="12240">
-                      <a:solidFill>
-                        <a:srgbClr val="bd582c"/>
-                      </a:solidFill>
-                    </a:lnL>
-                    <a:lnR w="12240">
-                      <a:solidFill>
-                        <a:srgbClr val="bd582c"/>
-                      </a:solidFill>
-                    </a:lnR>
-                    <a:lnT w="12240">
-                      <a:solidFill>
-                        <a:srgbClr val="bd582c"/>
-                      </a:solidFill>
-                    </a:lnT>
-                    <a:lnB w="12240">
-                      <a:solidFill>
-                        <a:srgbClr val="bd582c"/>
-                      </a:solidFill>
-                    </a:lnB>
+                  <a:tcPr marL="9510" marR="9510" marT="9510" marB="0" anchor="ctr">
                     <a:solidFill>
-                      <a:srgbClr val="deb0a8"/>
+                      <a:schemeClr val="accent1"/>
                     </a:solidFill>
                   </a:tcPr>
                 </a:tc>
                 <a:tc>
                   <a:txBody>
-                    <a:bodyPr lIns="68400" rIns="68400"/>
+                    <a:bodyPr/>
+                    <a:lstStyle/>
                     <a:p>
-                      <a:pPr algn="r">
-                        <a:lnSpc>
-                          <a:spcPct val="107000"/>
-                        </a:lnSpc>
-                      </a:pPr>
+                      <a:pPr algn="l" rtl="0" fontAlgn="ctr"/>
                       <a:r>
-                        <a:rPr b="0" lang="de-DE" sz="1600" spc="-1" strike="noStrike">
+                        <a:rPr lang="en-US" sz="400" u="none" strike="noStrike">
                           <a:solidFill>
-                            <a:srgbClr val="000000"/>
+                            <a:schemeClr val="tx1"/>
                           </a:solidFill>
-                          <a:latin typeface="Calibri"/>
+                          <a:effectLst/>
                         </a:rPr>
-                        <a:t>2</a:t>
+                        <a:t> </a:t>
                       </a:r>
-                      <a:endParaRPr b="0" lang="de-DE" sz="1600" spc="-1" strike="noStrike">
-                        <a:latin typeface="Arial"/>
+                      <a:endParaRPr lang="en-US" sz="400" b="0" i="0" u="none" strike="noStrike">
+                        <a:solidFill>
+                          <a:schemeClr val="tx1"/>
+                        </a:solidFill>
+                        <a:effectLst/>
+                        <a:latin typeface="Calibri" panose="020F0502020204030204" pitchFamily="34" charset="0"/>
                       </a:endParaRPr>
                     </a:p>
                   </a:txBody>
-                  <a:tcPr marL="68400" marR="68400">
-                    <a:lnL w="12240">
-                      <a:solidFill>
-                        <a:srgbClr val="bd582c"/>
-                      </a:solidFill>
-                    </a:lnL>
-                    <a:lnR w="12240">
-                      <a:solidFill>
-                        <a:srgbClr val="bd582c"/>
-                      </a:solidFill>
-                    </a:lnR>
-                    <a:lnT w="12240">
-                      <a:solidFill>
-                        <a:srgbClr val="bd582c"/>
-                      </a:solidFill>
-                    </a:lnT>
-                    <a:lnB w="12240">
-                      <a:solidFill>
-                        <a:srgbClr val="bd582c"/>
-                      </a:solidFill>
-                    </a:lnB>
+                  <a:tcPr marL="9510" marR="9510" marT="9510" marB="0" anchor="ctr">
                     <a:solidFill>
-                      <a:srgbClr val="deb0a8"/>
+                      <a:schemeClr val="accent1">
+                        <a:lumMod val="60000"/>
+                        <a:lumOff val="40000"/>
+                      </a:schemeClr>
                     </a:solidFill>
                   </a:tcPr>
                 </a:tc>
                 <a:tc>
                   <a:txBody>
-                    <a:bodyPr lIns="68400" rIns="68400"/>
+                    <a:bodyPr/>
+                    <a:lstStyle/>
                     <a:p>
-                      <a:pPr>
-                        <a:lnSpc>
-                          <a:spcPct val="107000"/>
-                        </a:lnSpc>
-                      </a:pPr>
+                      <a:pPr algn="l" rtl="0" fontAlgn="ctr"/>
                       <a:r>
-                        <a:rPr b="0" lang="de-DE" sz="1600" spc="-1" strike="noStrike">
+                        <a:rPr lang="en-US" sz="400" u="none" strike="noStrike" dirty="0">
                           <a:solidFill>
-                            <a:srgbClr val="000000"/>
+                            <a:schemeClr val="tx1"/>
                           </a:solidFill>
-                          <a:latin typeface="Calibri"/>
+                          <a:effectLst/>
                         </a:rPr>
-                        <a:t>PowerPoint</a:t>
+                        <a:t> </a:t>
                       </a:r>
-                      <a:endParaRPr b="0" lang="de-DE" sz="1600" spc="-1" strike="noStrike">
-                        <a:latin typeface="Arial"/>
+                      <a:endParaRPr lang="en-US" sz="400" b="0" i="0" u="none" strike="noStrike" dirty="0">
+                        <a:solidFill>
+                          <a:schemeClr val="tx1"/>
+                        </a:solidFill>
+                        <a:effectLst/>
+                        <a:latin typeface="Calibri" panose="020F0502020204030204" pitchFamily="34" charset="0"/>
                       </a:endParaRPr>
                     </a:p>
                   </a:txBody>
-                  <a:tcPr marL="68400" marR="68400">
-                    <a:lnL w="12240">
-                      <a:solidFill>
-                        <a:srgbClr val="bd582c"/>
-                      </a:solidFill>
-                    </a:lnL>
-                    <a:lnR w="12240">
-                      <a:solidFill>
-                        <a:srgbClr val="bd582c"/>
-                      </a:solidFill>
-                    </a:lnR>
-                    <a:lnT w="12240">
-                      <a:solidFill>
-                        <a:srgbClr val="bd582c"/>
-                      </a:solidFill>
-                    </a:lnT>
-                    <a:lnB w="12240">
-                      <a:solidFill>
-                        <a:srgbClr val="bd582c"/>
-                      </a:solidFill>
-                    </a:lnB>
+                  <a:tcPr marL="9510" marR="9510" marT="9510" marB="0" anchor="ctr">
                     <a:solidFill>
-                      <a:srgbClr val="deb0a8"/>
+                      <a:schemeClr val="accent1"/>
                     </a:solidFill>
                   </a:tcPr>
                 </a:tc>
                 <a:tc>
                   <a:txBody>
-                    <a:bodyPr lIns="68400" rIns="68400"/>
+                    <a:bodyPr/>
+                    <a:lstStyle/>
                     <a:p>
-                      <a:pPr algn="r">
-                        <a:lnSpc>
-                          <a:spcPct val="107000"/>
-                        </a:lnSpc>
-                      </a:pPr>
+                      <a:pPr algn="l" rtl="0" fontAlgn="ctr"/>
                       <a:r>
-                        <a:rPr b="0" lang="de-DE" sz="1600" spc="-1" strike="noStrike">
+                        <a:rPr lang="en-US" sz="400" u="none" strike="noStrike" dirty="0">
                           <a:solidFill>
-                            <a:srgbClr val="000000"/>
+                            <a:schemeClr val="tx1"/>
                           </a:solidFill>
-                          <a:latin typeface="Calibri"/>
+                          <a:effectLst/>
                         </a:rPr>
-                        <a:t>2</a:t>
+                        <a:t> </a:t>
                       </a:r>
-                      <a:endParaRPr b="0" lang="de-DE" sz="1600" spc="-1" strike="noStrike">
-                        <a:latin typeface="Arial"/>
+                      <a:endParaRPr lang="en-US" sz="400" b="0" i="0" u="none" strike="noStrike" dirty="0">
+                        <a:solidFill>
+                          <a:schemeClr val="tx1"/>
+                        </a:solidFill>
+                        <a:effectLst/>
+                        <a:latin typeface="Calibri" panose="020F0502020204030204" pitchFamily="34" charset="0"/>
                       </a:endParaRPr>
                     </a:p>
                   </a:txBody>
-                  <a:tcPr marL="68400" marR="68400">
-                    <a:lnL w="12240">
-                      <a:solidFill>
-                        <a:srgbClr val="bd582c"/>
-                      </a:solidFill>
-                    </a:lnL>
-                    <a:lnR w="12240">
-                      <a:solidFill>
-                        <a:srgbClr val="bd582c"/>
-                      </a:solidFill>
-                    </a:lnR>
-                    <a:lnT w="12240">
-                      <a:solidFill>
-                        <a:srgbClr val="bd582c"/>
-                      </a:solidFill>
-                    </a:lnT>
-                    <a:lnB w="12240">
-                      <a:solidFill>
-                        <a:srgbClr val="bd582c"/>
-                      </a:solidFill>
-                    </a:lnB>
+                  <a:tcPr marL="9510" marR="9510" marT="9510" marB="0" anchor="ctr">
                     <a:solidFill>
-                      <a:srgbClr val="deb0a8"/>
+                      <a:schemeClr val="accent1">
+                        <a:lumMod val="60000"/>
+                        <a:lumOff val="40000"/>
+                      </a:schemeClr>
                     </a:solidFill>
                   </a:tcPr>
                 </a:tc>
+                <a:extLst>
+                  <a:ext uri="{0D108BD9-81ED-4DB2-BD59-A6C34878D82A}">
+                    <a16:rowId xmlns:a16="http://schemas.microsoft.com/office/drawing/2014/main" val="2361587163"/>
+                  </a:ext>
+                </a:extLst>
               </a:tr>
-              <a:tr h="145440">
+              <a:tr h="308771">
                 <a:tc>
-                  <a:tcPr marL="68400" marR="68400">
-                    <a:lnL w="12240">
-                      <a:solidFill>
-                        <a:srgbClr val="bd582c"/>
-                      </a:solidFill>
-                    </a:lnL>
-                    <a:lnR w="12240">
-                      <a:solidFill>
-                        <a:srgbClr val="bd582c"/>
-                      </a:solidFill>
-                    </a:lnR>
-                    <a:lnT w="12240">
-                      <a:solidFill>
-                        <a:srgbClr val="bd582c"/>
-                      </a:solidFill>
-                    </a:lnT>
-                    <a:lnB w="12240">
-                      <a:solidFill>
-                        <a:srgbClr val="bd582c"/>
-                      </a:solidFill>
-                    </a:lnB>
+                  <a:txBody>
+                    <a:bodyPr/>
+                    <a:lstStyle/>
+                    <a:p>
+                      <a:pPr algn="l" rtl="0" fontAlgn="ctr"/>
+                      <a:r>
+                        <a:rPr lang="de-DE" sz="1600" u="none" strike="noStrike" noProof="0" dirty="0">
+                          <a:solidFill>
+                            <a:schemeClr val="tx1"/>
+                          </a:solidFill>
+                          <a:effectLst/>
+                        </a:rPr>
+                        <a:t>Gesamtzeit</a:t>
+                      </a:r>
+                      <a:endParaRPr lang="de-DE" sz="1600" b="1" i="0" u="none" strike="noStrike" noProof="0" dirty="0">
+                        <a:solidFill>
+                          <a:schemeClr val="tx1"/>
+                        </a:solidFill>
+                        <a:effectLst/>
+                        <a:latin typeface="Calibri" panose="020F0502020204030204" pitchFamily="34" charset="0"/>
+                      </a:endParaRPr>
+                    </a:p>
+                  </a:txBody>
+                  <a:tcPr marL="9510" marR="9510" marT="9510" marB="0" anchor="ctr">
                     <a:solidFill>
-                      <a:srgbClr val="d18d76"/>
+                      <a:schemeClr val="accent1"/>
                     </a:solidFill>
                   </a:tcPr>
                 </a:tc>
                 <a:tc>
                   <a:txBody>
-                    <a:bodyPr lIns="68400" rIns="68400"/>
+                    <a:bodyPr/>
+                    <a:lstStyle/>
                     <a:p>
-                      <a:pPr>
-                        <a:lnSpc>
-                          <a:spcPct val="107000"/>
-                        </a:lnSpc>
-                      </a:pPr>
+                      <a:pPr algn="r" rtl="0" fontAlgn="ctr"/>
                       <a:r>
-                        <a:rPr b="0" lang="de-DE" sz="400" spc="-1" strike="noStrike">
+                        <a:rPr lang="en-US" sz="1600" u="none" strike="noStrike" dirty="0">
                           <a:solidFill>
-                            <a:srgbClr val="000000"/>
+                            <a:schemeClr val="tx1"/>
                           </a:solidFill>
-                          <a:latin typeface="Calibri"/>
+                          <a:effectLst/>
                         </a:rPr>
-                        <a:t> </a:t>
+                        <a:t>117</a:t>
                       </a:r>
-                      <a:endParaRPr b="0" lang="de-DE" sz="400" spc="-1" strike="noStrike">
-                        <a:latin typeface="Arial"/>
+                      <a:endParaRPr lang="en-US" sz="1600" b="0" i="0" u="none" strike="noStrike" dirty="0">
+                        <a:solidFill>
+                          <a:schemeClr val="tx1"/>
+                        </a:solidFill>
+                        <a:effectLst/>
+                        <a:latin typeface="Calibri" panose="020F0502020204030204" pitchFamily="34" charset="0"/>
                       </a:endParaRPr>
                     </a:p>
                   </a:txBody>
-                  <a:tcPr marL="68400" marR="68400">
-                    <a:lnL w="12240">
-                      <a:solidFill>
-                        <a:srgbClr val="bd582c"/>
-                      </a:solidFill>
-                    </a:lnL>
-                    <a:lnR w="12240">
-                      <a:solidFill>
-                        <a:srgbClr val="bd582c"/>
-                      </a:solidFill>
-                    </a:lnR>
-                    <a:lnT w="12240">
-                      <a:solidFill>
-                        <a:srgbClr val="bd582c"/>
-                      </a:solidFill>
-                    </a:lnT>
-                    <a:lnB w="12240">
-                      <a:solidFill>
-                        <a:srgbClr val="bd582c"/>
-                      </a:solidFill>
-                    </a:lnB>
+                  <a:tcPr marL="9510" marR="9510" marT="9510" marB="0" anchor="ctr">
                     <a:solidFill>
-                      <a:srgbClr val="d18d76"/>
-                    </a:solidFill>
-                  </a:tcPr>
-                </a:tc>
-                <a:tc>
-                  <a:tcPr marL="68400" marR="68400">
-                    <a:lnL w="12240">
-                      <a:solidFill>
-                        <a:srgbClr val="bd582c"/>
-                      </a:solidFill>
-                    </a:lnL>
-                    <a:lnR w="12240">
-                      <a:solidFill>
-                        <a:srgbClr val="bd582c"/>
-                      </a:solidFill>
-                    </a:lnR>
-                    <a:lnT w="12240">
-                      <a:solidFill>
-                        <a:srgbClr val="bd582c"/>
-                      </a:solidFill>
-                    </a:lnT>
-                    <a:lnB w="12240">
-                      <a:solidFill>
-                        <a:srgbClr val="bd582c"/>
-                      </a:solidFill>
-                    </a:lnB>
-                    <a:solidFill>
-                      <a:srgbClr val="d18d76"/>
+                      <a:schemeClr val="accent1">
+                        <a:lumMod val="60000"/>
+                        <a:lumOff val="40000"/>
+                      </a:schemeClr>
                     </a:solidFill>
                   </a:tcPr>
                 </a:tc>
                 <a:tc>
                   <a:txBody>
-                    <a:bodyPr lIns="68400" rIns="68400"/>
+                    <a:bodyPr/>
+                    <a:lstStyle/>
                     <a:p>
-                      <a:pPr>
-                        <a:lnSpc>
-                          <a:spcPct val="107000"/>
-                        </a:lnSpc>
-                      </a:pPr>
+                      <a:pPr algn="l" rtl="0" fontAlgn="ctr"/>
                       <a:r>
-                        <a:rPr b="0" lang="de-DE" sz="400" spc="-1" strike="noStrike">
+                        <a:rPr lang="en-US" sz="1600" u="none" strike="noStrike">
                           <a:solidFill>
-                            <a:srgbClr val="000000"/>
+                            <a:schemeClr val="tx1"/>
                           </a:solidFill>
-                          <a:latin typeface="Calibri"/>
+                          <a:effectLst/>
                         </a:rPr>
-                        <a:t> </a:t>
+                        <a:t>Gesamtzeit</a:t>
                       </a:r>
-                      <a:endParaRPr b="0" lang="de-DE" sz="400" spc="-1" strike="noStrike">
-                        <a:latin typeface="Arial"/>
+                      <a:endParaRPr lang="en-US" sz="1600" b="0" i="0" u="none" strike="noStrike">
+                        <a:solidFill>
+                          <a:schemeClr val="tx1"/>
+                        </a:solidFill>
+                        <a:effectLst/>
+                        <a:latin typeface="Calibri" panose="020F0502020204030204" pitchFamily="34" charset="0"/>
                       </a:endParaRPr>
                     </a:p>
                   </a:txBody>
-                  <a:tcPr marL="68400" marR="68400">
-                    <a:lnL w="12240">
-                      <a:solidFill>
-                        <a:srgbClr val="bd582c"/>
-                      </a:solidFill>
-                    </a:lnL>
-                    <a:lnR w="12240">
-                      <a:solidFill>
-                        <a:srgbClr val="bd582c"/>
-                      </a:solidFill>
-                    </a:lnR>
-                    <a:lnT w="12240">
-                      <a:solidFill>
-                        <a:srgbClr val="bd582c"/>
-                      </a:solidFill>
-                    </a:lnT>
-                    <a:lnB w="12240">
-                      <a:solidFill>
-                        <a:srgbClr val="bd582c"/>
-                      </a:solidFill>
-                    </a:lnB>
+                  <a:tcPr marL="9510" marR="9510" marT="9510" marB="0" anchor="ctr">
                     <a:solidFill>
-                      <a:srgbClr val="d18d76"/>
+                      <a:schemeClr val="accent1"/>
                     </a:solidFill>
                   </a:tcPr>
                 </a:tc>
                 <a:tc>
                   <a:txBody>
-                    <a:bodyPr lIns="68400" rIns="68400"/>
+                    <a:bodyPr/>
+                    <a:lstStyle/>
                     <a:p>
-                      <a:pPr>
-                        <a:lnSpc>
-                          <a:spcPct val="107000"/>
-                        </a:lnSpc>
-                      </a:pPr>
+                      <a:pPr algn="r" rtl="0" fontAlgn="ctr"/>
                       <a:r>
-                        <a:rPr b="0" lang="de-DE" sz="400" spc="-1" strike="noStrike">
+                        <a:rPr lang="en-US" sz="1600" u="none" strike="noStrike" dirty="0">
                           <a:solidFill>
-                            <a:srgbClr val="000000"/>
+                            <a:schemeClr val="tx1"/>
                           </a:solidFill>
-                          <a:latin typeface="Calibri"/>
+                          <a:effectLst/>
                         </a:rPr>
-                        <a:t> </a:t>
+                        <a:t>73</a:t>
                       </a:r>
-                      <a:endParaRPr b="0" lang="de-DE" sz="400" spc="-1" strike="noStrike">
-                        <a:latin typeface="Arial"/>
+                      <a:endParaRPr lang="en-US" sz="1600" b="0" i="0" u="none" strike="noStrike" dirty="0">
+                        <a:solidFill>
+                          <a:schemeClr val="tx1"/>
+                        </a:solidFill>
+                        <a:effectLst/>
+                        <a:latin typeface="Calibri" panose="020F0502020204030204" pitchFamily="34" charset="0"/>
                       </a:endParaRPr>
                     </a:p>
                   </a:txBody>
-                  <a:tcPr marL="68400" marR="68400">
-                    <a:lnL w="12240">
-                      <a:solidFill>
-                        <a:srgbClr val="bd582c"/>
-                      </a:solidFill>
-                    </a:lnL>
-                    <a:lnR w="12240">
-                      <a:solidFill>
-                        <a:srgbClr val="bd582c"/>
-                      </a:solidFill>
-                    </a:lnR>
-                    <a:lnT w="12240">
-                      <a:solidFill>
-                        <a:srgbClr val="bd582c"/>
-                      </a:solidFill>
-                    </a:lnT>
-                    <a:lnB w="12240">
-                      <a:solidFill>
-                        <a:srgbClr val="bd582c"/>
-                      </a:solidFill>
-                    </a:lnB>
+                  <a:tcPr marL="9510" marR="9510" marT="9510" marB="0" anchor="ctr">
                     <a:solidFill>
-                      <a:srgbClr val="d18d76"/>
+                      <a:schemeClr val="accent1">
+                        <a:lumMod val="60000"/>
+                        <a:lumOff val="40000"/>
+                      </a:schemeClr>
                     </a:solidFill>
                   </a:tcPr>
                 </a:tc>
                 <a:tc>
                   <a:txBody>
-                    <a:bodyPr lIns="68400" rIns="68400"/>
+                    <a:bodyPr/>
+                    <a:lstStyle/>
                     <a:p>
-                      <a:pPr>
-                        <a:lnSpc>
-                          <a:spcPct val="107000"/>
-                        </a:lnSpc>
-                      </a:pPr>
+                      <a:pPr algn="l" rtl="0" fontAlgn="ctr"/>
                       <a:r>
-                        <a:rPr b="0" lang="de-DE" sz="400" spc="-1" strike="noStrike">
+                        <a:rPr lang="en-US" sz="1600" u="none" strike="noStrike">
                           <a:solidFill>
-                            <a:srgbClr val="000000"/>
+                            <a:schemeClr val="tx1"/>
                           </a:solidFill>
-                          <a:latin typeface="Calibri"/>
+                          <a:effectLst/>
                         </a:rPr>
-                        <a:t> </a:t>
+                        <a:t>Gesamtzeit</a:t>
                       </a:r>
-                      <a:endParaRPr b="0" lang="de-DE" sz="400" spc="-1" strike="noStrike">
-                        <a:latin typeface="Arial"/>
+                      <a:endParaRPr lang="en-US" sz="1600" b="0" i="0" u="none" strike="noStrike">
+                        <a:solidFill>
+                          <a:schemeClr val="tx1"/>
+                        </a:solidFill>
+                        <a:effectLst/>
+                        <a:latin typeface="Calibri" panose="020F0502020204030204" pitchFamily="34" charset="0"/>
                       </a:endParaRPr>
                     </a:p>
                   </a:txBody>
-                  <a:tcPr marL="68400" marR="68400">
-                    <a:lnL w="12240">
-                      <a:solidFill>
-                        <a:srgbClr val="bd582c"/>
-                      </a:solidFill>
-                    </a:lnL>
-                    <a:lnR w="12240">
-                      <a:solidFill>
-                        <a:srgbClr val="bd582c"/>
-                      </a:solidFill>
-                    </a:lnR>
-                    <a:lnT w="12240">
-                      <a:solidFill>
-                        <a:srgbClr val="bd582c"/>
-                      </a:solidFill>
-                    </a:lnT>
-                    <a:lnB w="12240">
-                      <a:solidFill>
-                        <a:srgbClr val="bd582c"/>
-                      </a:solidFill>
-                    </a:lnB>
+                  <a:tcPr marL="9510" marR="9510" marT="9510" marB="0" anchor="ctr">
                     <a:solidFill>
-                      <a:srgbClr val="d18d76"/>
-                    </a:solidFill>
-                  </a:tcPr>
-                </a:tc>
-              </a:tr>
-              <a:tr h="333720">
-                <a:tc>
-                  <a:txBody>
-                    <a:bodyPr lIns="68400" rIns="68400"/>
-                    <a:p>
-                      <a:pPr>
-                        <a:lnSpc>
-                          <a:spcPct val="107000"/>
-                        </a:lnSpc>
-                      </a:pPr>
-                      <a:r>
-                        <a:rPr b="0" lang="de-DE" sz="1600" spc="-1" strike="noStrike">
-                          <a:solidFill>
-                            <a:srgbClr val="000000"/>
-                          </a:solidFill>
-                          <a:latin typeface="Calibri"/>
-                        </a:rPr>
-                        <a:t>Gesamtzeit</a:t>
-                      </a:r>
-                      <a:endParaRPr b="0" lang="de-DE" sz="1600" spc="-1" strike="noStrike">
-                        <a:latin typeface="Arial"/>
-                      </a:endParaRPr>
-                    </a:p>
-                  </a:txBody>
-                  <a:tcPr marL="68400" marR="68400">
-                    <a:lnL w="12240">
-                      <a:solidFill>
-                        <a:srgbClr val="bd582c"/>
-                      </a:solidFill>
-                    </a:lnL>
-                    <a:lnR w="15840">
-                      <a:solidFill>
-                        <a:srgbClr val="bd582c"/>
-                      </a:solidFill>
-                    </a:lnR>
-                    <a:lnT w="12240">
-                      <a:solidFill>
-                        <a:srgbClr val="bd582c"/>
-                      </a:solidFill>
-                    </a:lnT>
-                    <a:lnB w="12240">
-                      <a:solidFill>
-                        <a:srgbClr val="bd582c"/>
-                      </a:solidFill>
-                    </a:lnB>
-                    <a:solidFill>
-                      <a:srgbClr val="deb0a8"/>
+                      <a:schemeClr val="accent1"/>
                     </a:solidFill>
                   </a:tcPr>
                 </a:tc>
                 <a:tc>
                   <a:txBody>
-                    <a:bodyPr lIns="68400" rIns="68400"/>
+                    <a:bodyPr/>
+                    <a:lstStyle/>
                     <a:p>
-                      <a:pPr algn="r">
-                        <a:lnSpc>
-                          <a:spcPct val="107000"/>
-                        </a:lnSpc>
-                      </a:pPr>
+                      <a:pPr algn="r" rtl="0" fontAlgn="ctr"/>
                       <a:r>
-                        <a:rPr b="0" lang="de-DE" sz="1600" spc="-1" strike="noStrike">
+                        <a:rPr lang="en-US" sz="1600" u="none" strike="noStrike" dirty="0">
                           <a:solidFill>
-                            <a:srgbClr val="000000"/>
+                            <a:schemeClr val="tx1"/>
                           </a:solidFill>
-                          <a:latin typeface="Calibri"/>
+                          <a:effectLst/>
                         </a:rPr>
-                        <a:t>117</a:t>
+                        <a:t>238</a:t>
                       </a:r>
-                      <a:endParaRPr b="0" lang="de-DE" sz="1600" spc="-1" strike="noStrike">
-                        <a:latin typeface="Arial"/>
+                      <a:endParaRPr lang="en-US" sz="1600" b="0" i="0" u="none" strike="noStrike" dirty="0">
+                        <a:solidFill>
+                          <a:schemeClr val="tx1"/>
+                        </a:solidFill>
+                        <a:effectLst/>
+                        <a:latin typeface="Calibri" panose="020F0502020204030204" pitchFamily="34" charset="0"/>
                       </a:endParaRPr>
                     </a:p>
                   </a:txBody>
-                  <a:tcPr marL="68400" marR="68400">
-                    <a:lnL w="12240">
-                      <a:solidFill>
-                        <a:srgbClr val="bd582c"/>
-                      </a:solidFill>
-                    </a:lnL>
-                    <a:lnR w="12240">
-                      <a:solidFill>
-                        <a:srgbClr val="bd582c"/>
-                      </a:solidFill>
-                    </a:lnR>
-                    <a:lnT w="12240">
-                      <a:solidFill>
-                        <a:srgbClr val="bd582c"/>
-                      </a:solidFill>
-                    </a:lnT>
-                    <a:lnB w="12240">
-                      <a:solidFill>
-                        <a:srgbClr val="bd582c"/>
-                      </a:solidFill>
-                    </a:lnB>
+                  <a:tcPr marL="9510" marR="9510" marT="9510" marB="0" anchor="ctr">
                     <a:solidFill>
-                      <a:srgbClr val="deb0a8"/>
+                      <a:schemeClr val="accent1">
+                        <a:lumMod val="60000"/>
+                        <a:lumOff val="40000"/>
+                      </a:schemeClr>
                     </a:solidFill>
                   </a:tcPr>
                 </a:tc>
-                <a:tc>
-                  <a:txBody>
-                    <a:bodyPr lIns="68400" rIns="68400"/>
-                    <a:p>
-                      <a:pPr>
-                        <a:lnSpc>
-                          <a:spcPct val="107000"/>
-                        </a:lnSpc>
-                      </a:pPr>
-                      <a:r>
-                        <a:rPr b="0" lang="de-DE" sz="1600" spc="-1" strike="noStrike">
-                          <a:solidFill>
-                            <a:srgbClr val="000000"/>
-                          </a:solidFill>
-                          <a:latin typeface="Calibri"/>
-                        </a:rPr>
-                        <a:t>Gesamtzeit</a:t>
-                      </a:r>
-                      <a:endParaRPr b="0" lang="de-DE" sz="1600" spc="-1" strike="noStrike">
-                        <a:latin typeface="Arial"/>
-                      </a:endParaRPr>
-                    </a:p>
-                  </a:txBody>
-                  <a:tcPr marL="68400" marR="68400">
-                    <a:lnL w="12240">
-                      <a:solidFill>
-                        <a:srgbClr val="bd582c"/>
-                      </a:solidFill>
-                    </a:lnL>
-                    <a:lnR w="12240">
-                      <a:solidFill>
-                        <a:srgbClr val="bd582c"/>
-                      </a:solidFill>
-                    </a:lnR>
-                    <a:lnT w="12240">
-                      <a:solidFill>
-                        <a:srgbClr val="bd582c"/>
-                      </a:solidFill>
-                    </a:lnT>
-                    <a:lnB w="12240">
-                      <a:solidFill>
-                        <a:srgbClr val="bd582c"/>
-                      </a:solidFill>
-                    </a:lnB>
-                    <a:solidFill>
-                      <a:srgbClr val="deb0a8"/>
-                    </a:solidFill>
-                  </a:tcPr>
-                </a:tc>
-                <a:tc>
-                  <a:txBody>
-                    <a:bodyPr lIns="68400" rIns="68400"/>
-                    <a:p>
-                      <a:pPr algn="r">
-                        <a:lnSpc>
-                          <a:spcPct val="107000"/>
-                        </a:lnSpc>
-                      </a:pPr>
-                      <a:r>
-                        <a:rPr b="0" lang="de-DE" sz="1600" spc="-1" strike="noStrike">
-                          <a:solidFill>
-                            <a:srgbClr val="000000"/>
-                          </a:solidFill>
-                          <a:latin typeface="Calibri"/>
-                        </a:rPr>
-                        <a:t>73</a:t>
-                      </a:r>
-                      <a:endParaRPr b="0" lang="de-DE" sz="1600" spc="-1" strike="noStrike">
-                        <a:latin typeface="Arial"/>
-                      </a:endParaRPr>
-                    </a:p>
-                  </a:txBody>
-                  <a:tcPr marL="68400" marR="68400">
-                    <a:lnL w="12240">
-                      <a:solidFill>
-                        <a:srgbClr val="bd582c"/>
-                      </a:solidFill>
-                    </a:lnL>
-                    <a:lnR w="12240">
-                      <a:solidFill>
-                        <a:srgbClr val="bd582c"/>
-                      </a:solidFill>
-                    </a:lnR>
-                    <a:lnT w="12240">
-                      <a:solidFill>
-                        <a:srgbClr val="bd582c"/>
-                      </a:solidFill>
-                    </a:lnT>
-                    <a:lnB w="12240">
-                      <a:solidFill>
-                        <a:srgbClr val="bd582c"/>
-                      </a:solidFill>
-                    </a:lnB>
-                    <a:solidFill>
-                      <a:srgbClr val="deb0a8"/>
-                    </a:solidFill>
-                  </a:tcPr>
-                </a:tc>
-                <a:tc>
-                  <a:txBody>
-                    <a:bodyPr lIns="68400" rIns="68400"/>
-                    <a:p>
-                      <a:pPr>
-                        <a:lnSpc>
-                          <a:spcPct val="107000"/>
-                        </a:lnSpc>
-                      </a:pPr>
-                      <a:r>
-                        <a:rPr b="0" lang="de-DE" sz="1600" spc="-1" strike="noStrike">
-                          <a:solidFill>
-                            <a:srgbClr val="000000"/>
-                          </a:solidFill>
-                          <a:latin typeface="Calibri"/>
-                        </a:rPr>
-                        <a:t>Gesamtzeit</a:t>
-                      </a:r>
-                      <a:endParaRPr b="0" lang="de-DE" sz="1600" spc="-1" strike="noStrike">
-                        <a:latin typeface="Arial"/>
-                      </a:endParaRPr>
-                    </a:p>
-                  </a:txBody>
-                  <a:tcPr marL="68400" marR="68400">
-                    <a:lnL w="12240">
-                      <a:solidFill>
-                        <a:srgbClr val="bd582c"/>
-                      </a:solidFill>
-                    </a:lnL>
-                    <a:lnR w="12240">
-                      <a:solidFill>
-                        <a:srgbClr val="bd582c"/>
-                      </a:solidFill>
-                    </a:lnR>
-                    <a:lnT w="12240">
-                      <a:solidFill>
-                        <a:srgbClr val="bd582c"/>
-                      </a:solidFill>
-                    </a:lnT>
-                    <a:lnB w="12240">
-                      <a:solidFill>
-                        <a:srgbClr val="bd582c"/>
-                      </a:solidFill>
-                    </a:lnB>
-                    <a:solidFill>
-                      <a:srgbClr val="deb0a8"/>
-                    </a:solidFill>
-                  </a:tcPr>
-                </a:tc>
-                <a:tc>
-                  <a:txBody>
-                    <a:bodyPr lIns="68400" rIns="68400"/>
-                    <a:p>
-                      <a:pPr algn="r">
-                        <a:lnSpc>
-                          <a:spcPct val="107000"/>
-                        </a:lnSpc>
-                      </a:pPr>
-                      <a:r>
-                        <a:rPr b="0" lang="de-DE" sz="1600" spc="-1" strike="noStrike">
-                          <a:solidFill>
-                            <a:srgbClr val="000000"/>
-                          </a:solidFill>
-                          <a:latin typeface="Calibri"/>
-                        </a:rPr>
-                        <a:t>231</a:t>
-                      </a:r>
-                      <a:endParaRPr b="0" lang="de-DE" sz="1600" spc="-1" strike="noStrike">
-                        <a:latin typeface="Arial"/>
-                      </a:endParaRPr>
-                    </a:p>
-                  </a:txBody>
-                  <a:tcPr marL="68400" marR="68400">
-                    <a:lnL w="12240">
-                      <a:solidFill>
-                        <a:srgbClr val="bd582c"/>
-                      </a:solidFill>
-                    </a:lnL>
-                    <a:lnR w="12240">
-                      <a:solidFill>
-                        <a:srgbClr val="bd582c"/>
-                      </a:solidFill>
-                    </a:lnR>
-                    <a:lnT w="12240">
-                      <a:solidFill>
-                        <a:srgbClr val="bd582c"/>
-                      </a:solidFill>
-                    </a:lnT>
-                    <a:lnB w="12240">
-                      <a:solidFill>
-                        <a:srgbClr val="bd582c"/>
-                      </a:solidFill>
-                    </a:lnB>
-                    <a:solidFill>
-                      <a:srgbClr val="deb0a8"/>
-                    </a:solidFill>
-                  </a:tcPr>
-                </a:tc>
+                <a:extLst>
+                  <a:ext uri="{0D108BD9-81ED-4DB2-BD59-A6C34878D82A}">
+                    <a16:rowId xmlns:a16="http://schemas.microsoft.com/office/drawing/2014/main" val="4108248938"/>
+                  </a:ext>
+                </a:extLst>
               </a:tr>
             </a:tbl>
           </a:graphicData>
@@ -8353,30 +8335,25 @@
       </p:graphicFrame>
     </p:spTree>
   </p:cSld>
-  <mc:AlternateContent>
-    <mc:Choice Requires="p14">
-      <p:transition spd="slow" p14:dur="2000"/>
-    </mc:Choice>
-    <mc:Fallback>
-      <p:transition spd="slow"/>
-    </mc:Fallback>
-  </mc:AlternateContent>
+  <p:clrMapOvr>
+    <a:masterClrMapping/>
+  </p:clrMapOvr>
   <p:timing>
     <p:tnLst>
       <p:par>
-        <p:cTn id="13" dur="indefinite" restart="never" nodeType="tmRoot">
+        <p:cTn id="1" dur="indefinite" restart="never" nodeType="tmRoot">
           <p:childTnLst>
             <p:seq>
-              <p:cTn id="14" dur="indefinite" nodeType="mainSeq"/>
+              <p:cTn id="2" dur="indefinite" nodeType="mainSeq"/>
               <p:prevCondLst>
-                <p:cond delay="0" evt="onPrev">
+                <p:cond evt="onPrev" delay="0">
                   <p:tgtEl>
                     <p:sldTgt/>
                   </p:tgtEl>
                 </p:cond>
               </p:prevCondLst>
               <p:nextCondLst>
-                <p:cond delay="0" evt="onNext">
+                <p:cond evt="onNext" delay="0">
                   <p:tgtEl>
                     <p:sldTgt/>
                   </p:tgtEl>
@@ -8392,7 +8369,7 @@
 </file>
 
 <file path=ppt/slides/slide8.xml><?xml version="1.0" encoding="utf-8"?>
-<p:sld xmlns:a="http://schemas.openxmlformats.org/drawingml/2006/main" xmlns:p="http://schemas.openxmlformats.org/presentationml/2006/main" xmlns:r="http://schemas.openxmlformats.org/officeDocument/2006/relationships" xmlns:p14="http://schemas.microsoft.com/office/powerpoint/2010/main" xmlns:p15="http://schemas.microsoft.com/office/powerpoint/2012/main" xmlns:mc="http://schemas.openxmlformats.org/markup-compatibility/2006">
+<p:sld xmlns:a="http://schemas.openxmlformats.org/drawingml/2006/main" xmlns:r="http://schemas.openxmlformats.org/officeDocument/2006/relationships" xmlns:p="http://schemas.openxmlformats.org/presentationml/2006/main">
   <p:cSld>
     <p:spTree>
       <p:nvGrpSpPr>
@@ -8428,13 +8405,20 @@
           </a:ln>
         </p:spPr>
         <p:style>
-          <a:lnRef idx="0"/>
-          <a:fillRef idx="0"/>
-          <a:effectRef idx="0"/>
+          <a:lnRef idx="0">
+            <a:scrgbClr r="0" g="0" b="0"/>
+          </a:lnRef>
+          <a:fillRef idx="0">
+            <a:scrgbClr r="0" g="0" b="0"/>
+          </a:fillRef>
+          <a:effectRef idx="0">
+            <a:scrgbClr r="0" g="0" b="0"/>
+          </a:effectRef>
           <a:fontRef idx="minor"/>
         </p:style>
         <p:txBody>
-          <a:bodyPr lIns="90000" rIns="90000" tIns="45000" bIns="45000" anchor="b"/>
+          <a:bodyPr lIns="90000" tIns="45000" rIns="90000" bIns="45000" anchor="b"/>
+          <a:lstStyle/>
           <a:p>
             <a:pPr>
               <a:lnSpc>
@@ -8442,7 +8426,7 @@
               </a:lnSpc>
             </a:pPr>
             <a:r>
-              <a:rPr b="0" lang="de-DE" sz="4800" spc="-52" strike="noStrike">
+              <a:rPr lang="de-DE" sz="4800" b="0" strike="noStrike" spc="-52">
                 <a:solidFill>
                   <a:srgbClr val="404040"/>
                 </a:solidFill>
@@ -8450,7 +8434,7 @@
               </a:rPr>
               <a:t>Probleme</a:t>
             </a:r>
-            <a:endParaRPr b="0" lang="de-DE" sz="4800" spc="-1" strike="noStrike">
+            <a:endParaRPr lang="de-DE" sz="4800" b="0" strike="noStrike" spc="-1">
               <a:latin typeface="Arial"/>
             </a:endParaRPr>
           </a:p>
@@ -8476,13 +8460,20 @@
           </a:ln>
         </p:spPr>
         <p:style>
-          <a:lnRef idx="0"/>
-          <a:fillRef idx="0"/>
-          <a:effectRef idx="0"/>
+          <a:lnRef idx="0">
+            <a:scrgbClr r="0" g="0" b="0"/>
+          </a:lnRef>
+          <a:fillRef idx="0">
+            <a:scrgbClr r="0" g="0" b="0"/>
+          </a:fillRef>
+          <a:effectRef idx="0">
+            <a:scrgbClr r="0" g="0" b="0"/>
+          </a:effectRef>
           <a:fontRef idx="minor"/>
         </p:style>
         <p:txBody>
-          <a:bodyPr lIns="0" rIns="0" tIns="45000" bIns="45000"/>
+          <a:bodyPr lIns="0" tIns="45000" rIns="0" bIns="45000"/>
+          <a:lstStyle/>
           <a:p>
             <a:pPr marL="91440" indent="-90720">
               <a:lnSpc>
@@ -8495,35 +8486,26 @@
                 <a:spcPts val="201"/>
               </a:spcAft>
               <a:buClr>
-                <a:srgbClr val="e48312"/>
+                <a:srgbClr val="E48312"/>
               </a:buClr>
               <a:buFont typeface="Arial"/>
               <a:buChar char="•"/>
             </a:pPr>
             <a:r>
-              <a:rPr b="0" lang="de-DE" sz="2000" spc="-1" strike="noStrike">
+              <a:rPr lang="de-DE" sz="2000" b="0" strike="noStrike" spc="-1">
                 <a:solidFill>
                   <a:srgbClr val="404040"/>
                 </a:solidFill>
                 <a:latin typeface="Calibri"/>
               </a:rPr>
-              <a:t> </a:t>
+              <a:t> Bugs</a:t>
             </a:r>
-            <a:r>
-              <a:rPr b="0" lang="de-DE" sz="2000" spc="-1" strike="noStrike">
-                <a:solidFill>
-                  <a:srgbClr val="404040"/>
-                </a:solidFill>
-                <a:latin typeface="Calibri"/>
-              </a:rPr>
-              <a:t>Bugs</a:t>
-            </a:r>
-            <a:endParaRPr b="0" lang="de-DE" sz="2000" spc="-1" strike="noStrike">
-              <a:latin typeface="Arial"/>
-            </a:endParaRPr>
-          </a:p>
-          <a:p>
-            <a:pPr lvl="1" marL="384120" indent="-182160">
+            <a:endParaRPr lang="de-DE" sz="2000" b="0" strike="noStrike" spc="-1">
+              <a:latin typeface="Arial"/>
+            </a:endParaRPr>
+          </a:p>
+          <a:p>
+            <a:pPr marL="384120" lvl="1" indent="-182160">
               <a:lnSpc>
                 <a:spcPct val="90000"/>
               </a:lnSpc>
@@ -8534,13 +8516,13 @@
                 <a:spcPts val="400"/>
               </a:spcAft>
               <a:buClr>
-                <a:srgbClr val="e48312"/>
+                <a:srgbClr val="E48312"/>
               </a:buClr>
               <a:buFont typeface="Arial"/>
               <a:buChar char="•"/>
             </a:pPr>
             <a:r>
-              <a:rPr b="0" lang="de-DE" sz="1800" spc="-1" strike="noStrike">
+              <a:rPr lang="de-DE" sz="1800" b="0" strike="noStrike" spc="-1">
                 <a:solidFill>
                   <a:srgbClr val="404040"/>
                 </a:solidFill>
@@ -8548,12 +8530,12 @@
               </a:rPr>
               <a:t>Neue Funktionen haben häufig alte Funktionen behindert</a:t>
             </a:r>
-            <a:endParaRPr b="0" lang="de-DE" sz="1800" spc="-1" strike="noStrike">
-              <a:latin typeface="Arial"/>
-            </a:endParaRPr>
-          </a:p>
-          <a:p>
-            <a:pPr lvl="1" marL="384120" indent="-182160">
+            <a:endParaRPr lang="de-DE" sz="1800" b="0" strike="noStrike" spc="-1">
+              <a:latin typeface="Arial"/>
+            </a:endParaRPr>
+          </a:p>
+          <a:p>
+            <a:pPr marL="384120" lvl="1" indent="-182160">
               <a:lnSpc>
                 <a:spcPct val="90000"/>
               </a:lnSpc>
@@ -8564,13 +8546,13 @@
                 <a:spcPts val="400"/>
               </a:spcAft>
               <a:buClr>
-                <a:srgbClr val="e48312"/>
+                <a:srgbClr val="E48312"/>
               </a:buClr>
               <a:buFont typeface="Arial"/>
               <a:buChar char="•"/>
             </a:pPr>
             <a:r>
-              <a:rPr b="0" lang="de-DE" sz="1800" spc="-1" strike="noStrike">
+              <a:rPr lang="de-DE" sz="1800" b="0" strike="noStrike" spc="-1">
                 <a:solidFill>
                   <a:srgbClr val="404040"/>
                 </a:solidFill>
@@ -8578,12 +8560,12 @@
               </a:rPr>
               <a:t>CPU Überlastung bei der zyklischen Abarbeitung des Programms</a:t>
             </a:r>
-            <a:endParaRPr b="0" lang="de-DE" sz="1800" spc="-1" strike="noStrike">
-              <a:latin typeface="Arial"/>
-            </a:endParaRPr>
-          </a:p>
-          <a:p>
-            <a:pPr lvl="1" marL="384120" indent="-182160">
+            <a:endParaRPr lang="de-DE" sz="1800" b="0" strike="noStrike" spc="-1">
+              <a:latin typeface="Arial"/>
+            </a:endParaRPr>
+          </a:p>
+          <a:p>
+            <a:pPr marL="384120" lvl="1" indent="-182160">
               <a:lnSpc>
                 <a:spcPct val="90000"/>
               </a:lnSpc>
@@ -8594,13 +8576,13 @@
                 <a:spcPts val="400"/>
               </a:spcAft>
               <a:buClr>
-                <a:srgbClr val="e48312"/>
+                <a:srgbClr val="E48312"/>
               </a:buClr>
               <a:buFont typeface="Arial"/>
               <a:buChar char="•"/>
             </a:pPr>
             <a:r>
-              <a:rPr b="0" lang="de-DE" sz="1800" spc="-1" strike="noStrike">
+              <a:rPr lang="de-DE" sz="1800" b="0" strike="noStrike" spc="-1">
                 <a:solidFill>
                   <a:srgbClr val="404040"/>
                 </a:solidFill>
@@ -8608,12 +8590,12 @@
               </a:rPr>
               <a:t>Bildschirm Größen unterschiede</a:t>
             </a:r>
-            <a:endParaRPr b="0" lang="de-DE" sz="1800" spc="-1" strike="noStrike">
-              <a:latin typeface="Arial"/>
-            </a:endParaRPr>
-          </a:p>
-          <a:p>
-            <a:pPr lvl="1" marL="384120" indent="-182160">
+            <a:endParaRPr lang="de-DE" sz="1800" b="0" strike="noStrike" spc="-1">
+              <a:latin typeface="Arial"/>
+            </a:endParaRPr>
+          </a:p>
+          <a:p>
+            <a:pPr marL="384120" lvl="1" indent="-182160">
               <a:lnSpc>
                 <a:spcPct val="90000"/>
               </a:lnSpc>
@@ -8624,13 +8606,13 @@
                 <a:spcPts val="400"/>
               </a:spcAft>
               <a:buClr>
-                <a:srgbClr val="e48312"/>
+                <a:srgbClr val="E48312"/>
               </a:buClr>
               <a:buFont typeface="Arial"/>
               <a:buChar char="•"/>
             </a:pPr>
             <a:r>
-              <a:rPr b="0" lang="de-DE" sz="1800" spc="-1" strike="noStrike">
+              <a:rPr lang="de-DE" sz="1800" b="0" strike="noStrike" spc="-1">
                 <a:solidFill>
                   <a:srgbClr val="404040"/>
                 </a:solidFill>
@@ -8638,7 +8620,7 @@
               </a:rPr>
               <a:t>Schul-PCs zu langsam</a:t>
             </a:r>
-            <a:endParaRPr b="0" lang="de-DE" sz="1800" spc="-1" strike="noStrike">
+            <a:endParaRPr lang="de-DE" sz="1800" b="0" strike="noStrike" spc="-1">
               <a:latin typeface="Arial"/>
             </a:endParaRPr>
           </a:p>
@@ -8654,30 +8636,21 @@
                 <a:spcPts val="201"/>
               </a:spcAft>
               <a:buClr>
-                <a:srgbClr val="e48312"/>
+                <a:srgbClr val="E48312"/>
               </a:buClr>
               <a:buFont typeface="Arial"/>
               <a:buChar char="•"/>
             </a:pPr>
             <a:r>
-              <a:rPr b="0" lang="de-DE" sz="2000" spc="-1" strike="noStrike">
+              <a:rPr lang="de-DE" sz="2000" b="0" strike="noStrike" spc="-1">
                 <a:solidFill>
                   <a:srgbClr val="404040"/>
                 </a:solidFill>
                 <a:latin typeface="Calibri"/>
               </a:rPr>
-              <a:t> </a:t>
+              <a:t> Arbeitseinteilung</a:t>
             </a:r>
-            <a:r>
-              <a:rPr b="0" lang="de-DE" sz="2000" spc="-1" strike="noStrike">
-                <a:solidFill>
-                  <a:srgbClr val="404040"/>
-                </a:solidFill>
-                <a:latin typeface="Calibri"/>
-              </a:rPr>
-              <a:t>Arbeitseinteilung</a:t>
-            </a:r>
-            <a:endParaRPr b="0" lang="de-DE" sz="2000" spc="-1" strike="noStrike">
+            <a:endParaRPr lang="de-DE" sz="2000" b="0" strike="noStrike" spc="-1">
               <a:latin typeface="Arial"/>
             </a:endParaRPr>
           </a:p>
@@ -8687,7 +8660,7 @@
                 <a:spcPct val="100000"/>
               </a:lnSpc>
             </a:pPr>
-            <a:endParaRPr b="0" lang="de-DE" sz="2000" spc="-1" strike="noStrike">
+            <a:endParaRPr lang="de-DE" sz="2000" b="0" strike="noStrike" spc="-1">
               <a:latin typeface="Arial"/>
             </a:endParaRPr>
           </a:p>
@@ -8695,30 +8668,25 @@
       </p:sp>
     </p:spTree>
   </p:cSld>
-  <mc:AlternateContent>
-    <mc:Choice Requires="p14">
-      <p:transition spd="slow" p14:dur="2000"/>
-    </mc:Choice>
-    <mc:Fallback>
-      <p:transition spd="slow"/>
-    </mc:Fallback>
-  </mc:AlternateContent>
+  <p:clrMapOvr>
+    <a:masterClrMapping/>
+  </p:clrMapOvr>
   <p:timing>
     <p:tnLst>
       <p:par>
-        <p:cTn id="15" dur="indefinite" restart="never" nodeType="tmRoot">
+        <p:cTn id="1" dur="indefinite" restart="never" nodeType="tmRoot">
           <p:childTnLst>
             <p:seq>
-              <p:cTn id="16" dur="indefinite" nodeType="mainSeq"/>
+              <p:cTn id="2" dur="indefinite" nodeType="mainSeq"/>
               <p:prevCondLst>
-                <p:cond delay="0" evt="onPrev">
+                <p:cond evt="onPrev" delay="0">
                   <p:tgtEl>
                     <p:sldTgt/>
                   </p:tgtEl>
                 </p:cond>
               </p:prevCondLst>
               <p:nextCondLst>
-                <p:cond delay="0" evt="onNext">
+                <p:cond evt="onNext" delay="0">
                   <p:tgtEl>
                     <p:sldTgt/>
                   </p:tgtEl>
@@ -8734,7 +8702,7 @@
 </file>
 
 <file path=ppt/slides/slide9.xml><?xml version="1.0" encoding="utf-8"?>
-<p:sld xmlns:a="http://schemas.openxmlformats.org/drawingml/2006/main" xmlns:p="http://schemas.openxmlformats.org/presentationml/2006/main" xmlns:r="http://schemas.openxmlformats.org/officeDocument/2006/relationships" xmlns:p14="http://schemas.microsoft.com/office/powerpoint/2010/main" xmlns:p15="http://schemas.microsoft.com/office/powerpoint/2012/main" xmlns:mc="http://schemas.openxmlformats.org/markup-compatibility/2006">
+<p:sld xmlns:a="http://schemas.openxmlformats.org/drawingml/2006/main" xmlns:r="http://schemas.openxmlformats.org/officeDocument/2006/relationships" xmlns:p="http://schemas.openxmlformats.org/presentationml/2006/main">
   <p:cSld>
     <p:spTree>
       <p:nvGrpSpPr>
@@ -8770,13 +8738,20 @@
           </a:ln>
         </p:spPr>
         <p:style>
-          <a:lnRef idx="0"/>
-          <a:fillRef idx="0"/>
-          <a:effectRef idx="0"/>
+          <a:lnRef idx="0">
+            <a:scrgbClr r="0" g="0" b="0"/>
+          </a:lnRef>
+          <a:fillRef idx="0">
+            <a:scrgbClr r="0" g="0" b="0"/>
+          </a:fillRef>
+          <a:effectRef idx="0">
+            <a:scrgbClr r="0" g="0" b="0"/>
+          </a:effectRef>
           <a:fontRef idx="minor"/>
         </p:style>
         <p:txBody>
-          <a:bodyPr lIns="90000" rIns="90000" tIns="45000" bIns="45000" anchor="b"/>
+          <a:bodyPr lIns="90000" tIns="45000" rIns="90000" bIns="45000" anchor="b"/>
+          <a:lstStyle/>
           <a:p>
             <a:pPr>
               <a:lnSpc>
@@ -8784,7 +8759,7 @@
               </a:lnSpc>
             </a:pPr>
             <a:r>
-              <a:rPr b="0" lang="de-DE" sz="4800" spc="-52" strike="noStrike">
+              <a:rPr lang="de-DE" sz="4800" b="0" strike="noStrike" spc="-52">
                 <a:solidFill>
                   <a:srgbClr val="404040"/>
                 </a:solidFill>
@@ -8792,7 +8767,7 @@
               </a:rPr>
               <a:t>Mögliche Problemlösungen</a:t>
             </a:r>
-            <a:endParaRPr b="0" lang="de-DE" sz="4800" spc="-1" strike="noStrike">
+            <a:endParaRPr lang="de-DE" sz="4800" b="0" strike="noStrike" spc="-1">
               <a:latin typeface="Arial"/>
             </a:endParaRPr>
           </a:p>
@@ -8818,13 +8793,20 @@
           </a:ln>
         </p:spPr>
         <p:style>
-          <a:lnRef idx="0"/>
-          <a:fillRef idx="0"/>
-          <a:effectRef idx="0"/>
+          <a:lnRef idx="0">
+            <a:scrgbClr r="0" g="0" b="0"/>
+          </a:lnRef>
+          <a:fillRef idx="0">
+            <a:scrgbClr r="0" g="0" b="0"/>
+          </a:fillRef>
+          <a:effectRef idx="0">
+            <a:scrgbClr r="0" g="0" b="0"/>
+          </a:effectRef>
           <a:fontRef idx="minor"/>
         </p:style>
         <p:txBody>
-          <a:bodyPr lIns="0" rIns="0" tIns="45000" bIns="45000"/>
+          <a:bodyPr lIns="0" tIns="45000" rIns="0" bIns="45000"/>
+          <a:lstStyle/>
           <a:p>
             <a:pPr marL="91440" indent="-90720">
               <a:lnSpc>
@@ -8837,13 +8819,13 @@
                 <a:spcPts val="201"/>
               </a:spcAft>
               <a:buClr>
-                <a:srgbClr val="e48312"/>
+                <a:srgbClr val="E48312"/>
               </a:buClr>
               <a:buFont typeface="Arial"/>
               <a:buChar char="•"/>
             </a:pPr>
             <a:r>
-              <a:rPr b="0" lang="de-DE" sz="2000" spc="-1" strike="noStrike">
+              <a:rPr lang="de-DE" sz="2000" b="0" strike="noStrike" spc="-1">
                 <a:solidFill>
                   <a:srgbClr val="404040"/>
                 </a:solidFill>
@@ -8851,7 +8833,7 @@
               </a:rPr>
               <a:t> </a:t>
             </a:r>
-            <a:endParaRPr b="0" lang="de-DE" sz="2000" spc="-1" strike="noStrike">
+            <a:endParaRPr lang="de-DE" sz="2000" b="0" strike="noStrike" spc="-1">
               <a:latin typeface="Arial"/>
             </a:endParaRPr>
           </a:p>
@@ -8859,30 +8841,25 @@
       </p:sp>
     </p:spTree>
   </p:cSld>
-  <mc:AlternateContent>
-    <mc:Choice Requires="p14">
-      <p:transition spd="slow" p14:dur="2000"/>
-    </mc:Choice>
-    <mc:Fallback>
-      <p:transition spd="slow"/>
-    </mc:Fallback>
-  </mc:AlternateContent>
+  <p:clrMapOvr>
+    <a:masterClrMapping/>
+  </p:clrMapOvr>
   <p:timing>
     <p:tnLst>
       <p:par>
-        <p:cTn id="17" dur="indefinite" restart="never" nodeType="tmRoot">
+        <p:cTn id="1" dur="indefinite" restart="never" nodeType="tmRoot">
           <p:childTnLst>
             <p:seq>
-              <p:cTn id="18" dur="indefinite" nodeType="mainSeq"/>
+              <p:cTn id="2" dur="indefinite" nodeType="mainSeq"/>
               <p:prevCondLst>
-                <p:cond delay="0" evt="onPrev">
+                <p:cond evt="onPrev" delay="0">
                   <p:tgtEl>
                     <p:sldTgt/>
                   </p:tgtEl>
                 </p:cond>
               </p:prevCondLst>
               <p:nextCondLst>
-                <p:cond delay="0" evt="onNext">
+                <p:cond evt="onNext" delay="0">
                   <p:tgtEl>
                     <p:sldTgt/>
                   </p:tgtEl>
@@ -8911,31 +8888,31 @@
         <a:srgbClr val="637052"/>
       </a:dk2>
       <a:lt2>
-        <a:srgbClr val="ccddea"/>
+        <a:srgbClr val="CCDDEA"/>
       </a:lt2>
       <a:accent1>
-        <a:srgbClr val="e48312"/>
+        <a:srgbClr val="E48312"/>
       </a:accent1>
       <a:accent2>
-        <a:srgbClr val="bd582c"/>
+        <a:srgbClr val="BD582C"/>
       </a:accent2>
       <a:accent3>
         <a:srgbClr val="865640"/>
       </a:accent3>
       <a:accent4>
-        <a:srgbClr val="9b8357"/>
+        <a:srgbClr val="9B8357"/>
       </a:accent4>
       <a:accent5>
-        <a:srgbClr val="c2bc80"/>
+        <a:srgbClr val="C2BC80"/>
       </a:accent5>
       <a:accent6>
-        <a:srgbClr val="94a088"/>
+        <a:srgbClr val="94A088"/>
       </a:accent6>
       <a:hlink>
-        <a:srgbClr val="2998e3"/>
+        <a:srgbClr val="2998E3"/>
       </a:hlink>
       <a:folHlink>
-        <a:srgbClr val="8c8c8c"/>
+        <a:srgbClr val="8C8C8C"/>
       </a:folHlink>
     </a:clrScheme>
     <a:fontScheme name="Office">
@@ -9117,6 +9094,8 @@
       </a:bgFillStyleLst>
     </a:fmtScheme>
   </a:themeElements>
+  <a:objectDefaults/>
+  <a:extraClrSchemeLst/>
 </a:theme>
 </file>
 
@@ -9134,31 +9113,31 @@
         <a:srgbClr val="637052"/>
       </a:dk2>
       <a:lt2>
-        <a:srgbClr val="ccddea"/>
+        <a:srgbClr val="CCDDEA"/>
       </a:lt2>
       <a:accent1>
-        <a:srgbClr val="e48312"/>
+        <a:srgbClr val="E48312"/>
       </a:accent1>
       <a:accent2>
-        <a:srgbClr val="bd582c"/>
+        <a:srgbClr val="BD582C"/>
       </a:accent2>
       <a:accent3>
         <a:srgbClr val="865640"/>
       </a:accent3>
       <a:accent4>
-        <a:srgbClr val="9b8357"/>
+        <a:srgbClr val="9B8357"/>
       </a:accent4>
       <a:accent5>
-        <a:srgbClr val="c2bc80"/>
+        <a:srgbClr val="C2BC80"/>
       </a:accent5>
       <a:accent6>
-        <a:srgbClr val="94a088"/>
+        <a:srgbClr val="94A088"/>
       </a:accent6>
       <a:hlink>
-        <a:srgbClr val="2998e3"/>
+        <a:srgbClr val="2998E3"/>
       </a:hlink>
       <a:folHlink>
-        <a:srgbClr val="8c8c8c"/>
+        <a:srgbClr val="8C8C8C"/>
       </a:folHlink>
     </a:clrScheme>
     <a:fontScheme name="Office">
@@ -9340,5 +9319,7 @@
       </a:bgFillStyleLst>
     </a:fmtScheme>
   </a:themeElements>
+  <a:objectDefaults/>
+  <a:extraClrSchemeLst/>
 </a:theme>
 </file>
--- a/Praesentation.pptx
+++ b/Praesentation.pptx
@@ -1,124 +1,29 @@
 
 <file path=ppt/presentation.xml><?xml version="1.0" encoding="utf-8"?>
-<p:presentation xmlns:a="http://schemas.openxmlformats.org/drawingml/2006/main" xmlns:r="http://schemas.openxmlformats.org/officeDocument/2006/relationships" xmlns:p="http://schemas.openxmlformats.org/presentationml/2006/main">
+<p:presentation xmlns:a="http://schemas.openxmlformats.org/drawingml/2006/main" xmlns:p="http://schemas.openxmlformats.org/presentationml/2006/main" xmlns:r="http://schemas.openxmlformats.org/officeDocument/2006/relationships" xmlns:p14="http://schemas.microsoft.com/office/powerpoint/2010/main" xmlns:p15="http://schemas.microsoft.com/office/powerpoint/2012/main" xmlns:mc="http://schemas.openxmlformats.org/markup-compatibility/2006">
   <p:sldMasterIdLst>
-    <p:sldMasterId id="2147483648" r:id="rId1"/>
-    <p:sldMasterId id="2147483661" r:id="rId2"/>
+    <p:sldMasterId id="2147483648" r:id="rId2"/>
+    <p:sldMasterId id="2147483661" r:id="rId3"/>
   </p:sldMasterIdLst>
   <p:sldIdLst>
-    <p:sldId id="256" r:id="rId3"/>
-    <p:sldId id="257" r:id="rId4"/>
-    <p:sldId id="258" r:id="rId5"/>
-    <p:sldId id="259" r:id="rId6"/>
-    <p:sldId id="260" r:id="rId7"/>
-    <p:sldId id="261" r:id="rId8"/>
-    <p:sldId id="262" r:id="rId9"/>
-    <p:sldId id="263" r:id="rId10"/>
-    <p:sldId id="264" r:id="rId11"/>
-    <p:sldId id="265" r:id="rId12"/>
+    <p:sldId id="256" r:id="rId4"/>
+    <p:sldId id="257" r:id="rId5"/>
+    <p:sldId id="258" r:id="rId6"/>
+    <p:sldId id="259" r:id="rId7"/>
+    <p:sldId id="260" r:id="rId8"/>
+    <p:sldId id="261" r:id="rId9"/>
+    <p:sldId id="262" r:id="rId10"/>
+    <p:sldId id="263" r:id="rId11"/>
+    <p:sldId id="264" r:id="rId12"/>
+    <p:sldId id="265" r:id="rId13"/>
   </p:sldIdLst>
   <p:sldSz cx="12192000" cy="6858000"/>
-  <p:notesSz cx="7559675" cy="10691813"/>
-  <p:defaultTextStyle>
-    <a:defPPr>
-      <a:defRPr lang="en-US"/>
-    </a:defPPr>
-    <a:lvl1pPr marL="0" algn="l" defTabSz="914400" rtl="0" eaLnBrk="1" latinLnBrk="0" hangingPunct="1">
-      <a:defRPr sz="1800" kern="1200">
-        <a:solidFill>
-          <a:schemeClr val="tx1"/>
-        </a:solidFill>
-        <a:latin typeface="+mn-lt"/>
-        <a:ea typeface="+mn-ea"/>
-        <a:cs typeface="+mn-cs"/>
-      </a:defRPr>
-    </a:lvl1pPr>
-    <a:lvl2pPr marL="457200" algn="l" defTabSz="914400" rtl="0" eaLnBrk="1" latinLnBrk="0" hangingPunct="1">
-      <a:defRPr sz="1800" kern="1200">
-        <a:solidFill>
-          <a:schemeClr val="tx1"/>
-        </a:solidFill>
-        <a:latin typeface="+mn-lt"/>
-        <a:ea typeface="+mn-ea"/>
-        <a:cs typeface="+mn-cs"/>
-      </a:defRPr>
-    </a:lvl2pPr>
-    <a:lvl3pPr marL="914400" algn="l" defTabSz="914400" rtl="0" eaLnBrk="1" latinLnBrk="0" hangingPunct="1">
-      <a:defRPr sz="1800" kern="1200">
-        <a:solidFill>
-          <a:schemeClr val="tx1"/>
-        </a:solidFill>
-        <a:latin typeface="+mn-lt"/>
-        <a:ea typeface="+mn-ea"/>
-        <a:cs typeface="+mn-cs"/>
-      </a:defRPr>
-    </a:lvl3pPr>
-    <a:lvl4pPr marL="1371600" algn="l" defTabSz="914400" rtl="0" eaLnBrk="1" latinLnBrk="0" hangingPunct="1">
-      <a:defRPr sz="1800" kern="1200">
-        <a:solidFill>
-          <a:schemeClr val="tx1"/>
-        </a:solidFill>
-        <a:latin typeface="+mn-lt"/>
-        <a:ea typeface="+mn-ea"/>
-        <a:cs typeface="+mn-cs"/>
-      </a:defRPr>
-    </a:lvl4pPr>
-    <a:lvl5pPr marL="1828800" algn="l" defTabSz="914400" rtl="0" eaLnBrk="1" latinLnBrk="0" hangingPunct="1">
-      <a:defRPr sz="1800" kern="1200">
-        <a:solidFill>
-          <a:schemeClr val="tx1"/>
-        </a:solidFill>
-        <a:latin typeface="+mn-lt"/>
-        <a:ea typeface="+mn-ea"/>
-        <a:cs typeface="+mn-cs"/>
-      </a:defRPr>
-    </a:lvl5pPr>
-    <a:lvl6pPr marL="2286000" algn="l" defTabSz="914400" rtl="0" eaLnBrk="1" latinLnBrk="0" hangingPunct="1">
-      <a:defRPr sz="1800" kern="1200">
-        <a:solidFill>
-          <a:schemeClr val="tx1"/>
-        </a:solidFill>
-        <a:latin typeface="+mn-lt"/>
-        <a:ea typeface="+mn-ea"/>
-        <a:cs typeface="+mn-cs"/>
-      </a:defRPr>
-    </a:lvl6pPr>
-    <a:lvl7pPr marL="2743200" algn="l" defTabSz="914400" rtl="0" eaLnBrk="1" latinLnBrk="0" hangingPunct="1">
-      <a:defRPr sz="1800" kern="1200">
-        <a:solidFill>
-          <a:schemeClr val="tx1"/>
-        </a:solidFill>
-        <a:latin typeface="+mn-lt"/>
-        <a:ea typeface="+mn-ea"/>
-        <a:cs typeface="+mn-cs"/>
-      </a:defRPr>
-    </a:lvl7pPr>
-    <a:lvl8pPr marL="3200400" algn="l" defTabSz="914400" rtl="0" eaLnBrk="1" latinLnBrk="0" hangingPunct="1">
-      <a:defRPr sz="1800" kern="1200">
-        <a:solidFill>
-          <a:schemeClr val="tx1"/>
-        </a:solidFill>
-        <a:latin typeface="+mn-lt"/>
-        <a:ea typeface="+mn-ea"/>
-        <a:cs typeface="+mn-cs"/>
-      </a:defRPr>
-    </a:lvl8pPr>
-    <a:lvl9pPr marL="3657600" algn="l" defTabSz="914400" rtl="0" eaLnBrk="1" latinLnBrk="0" hangingPunct="1">
-      <a:defRPr sz="1800" kern="1200">
-        <a:solidFill>
-          <a:schemeClr val="tx1"/>
-        </a:solidFill>
-        <a:latin typeface="+mn-lt"/>
-        <a:ea typeface="+mn-ea"/>
-        <a:cs typeface="+mn-cs"/>
-      </a:defRPr>
-    </a:lvl9pPr>
-  </p:defaultTextStyle>
+  <p:notesSz cx="7559675" cy="10691812"/>
 </p:presentation>
 </file>
 
 <file path=ppt/slideLayouts/slideLayout1.xml><?xml version="1.0" encoding="utf-8"?>
-<p:sldLayout xmlns:a="http://schemas.openxmlformats.org/drawingml/2006/main" xmlns:r="http://schemas.openxmlformats.org/officeDocument/2006/relationships" xmlns:p="http://schemas.openxmlformats.org/presentationml/2006/main" type="blank" preserve="1">
+<p:sldLayout xmlns:a="http://schemas.openxmlformats.org/drawingml/2006/main" xmlns:p="http://schemas.openxmlformats.org/presentationml/2006/main" xmlns:r="http://schemas.openxmlformats.org/officeDocument/2006/relationships" xmlns:p14="http://schemas.microsoft.com/office/powerpoint/2010/main" xmlns:p15="http://schemas.microsoft.com/office/powerpoint/2012/main" xmlns:mc="http://schemas.openxmlformats.org/markup-compatibility/2006" type="blank" preserve="1">
   <p:cSld name="Blank Slide">
     <p:spTree>
       <p:nvGrpSpPr>
@@ -136,14 +41,11 @@
       </p:grpSpPr>
     </p:spTree>
   </p:cSld>
-  <p:clrMapOvr>
-    <a:masterClrMapping/>
-  </p:clrMapOvr>
 </p:sldLayout>
 </file>
 
 <file path=ppt/slideLayouts/slideLayout10.xml><?xml version="1.0" encoding="utf-8"?>
-<p:sldLayout xmlns:a="http://schemas.openxmlformats.org/drawingml/2006/main" xmlns:r="http://schemas.openxmlformats.org/officeDocument/2006/relationships" xmlns:p="http://schemas.openxmlformats.org/presentationml/2006/main" type="objOverTx" preserve="1">
+<p:sldLayout xmlns:a="http://schemas.openxmlformats.org/drawingml/2006/main" xmlns:p="http://schemas.openxmlformats.org/presentationml/2006/main" xmlns:r="http://schemas.openxmlformats.org/officeDocument/2006/relationships" xmlns:p14="http://schemas.microsoft.com/office/powerpoint/2010/main" xmlns:p15="http://schemas.microsoft.com/office/powerpoint/2012/main" xmlns:mc="http://schemas.openxmlformats.org/markup-compatibility/2006" type="objOverTx" preserve="1">
   <p:cSld name="Title, Content over Content">
     <p:spTree>
       <p:nvGrpSpPr>
@@ -179,11 +81,10 @@
           </a:prstGeom>
         </p:spPr>
         <p:txBody>
-          <a:bodyPr lIns="0" tIns="0" rIns="0" bIns="0" anchor="ctr"/>
-          <a:lstStyle/>
+          <a:bodyPr lIns="0" rIns="0" tIns="0" bIns="0" anchor="ctr"/>
           <a:p>
             <a:pPr algn="ctr"/>
-            <a:endParaRPr lang="de-DE" sz="4400" b="0" strike="noStrike" spc="-1">
+            <a:endParaRPr b="0" lang="de-DE" sz="4400" spc="-1" strike="noStrike">
               <a:latin typeface="Arial"/>
             </a:endParaRPr>
           </a:p>
@@ -209,12 +110,11 @@
           </a:prstGeom>
         </p:spPr>
         <p:txBody>
-          <a:bodyPr lIns="0" tIns="0" rIns="0" bIns="0">
+          <a:bodyPr lIns="0" rIns="0" tIns="0" bIns="0">
             <a:normAutofit/>
           </a:bodyPr>
-          <a:lstStyle/>
-          <a:p>
-            <a:endParaRPr lang="de-DE" sz="3200" b="0" strike="noStrike" spc="-1">
+          <a:p>
+            <a:endParaRPr b="0" lang="de-DE" sz="3200" spc="-1" strike="noStrike">
               <a:latin typeface="Arial"/>
             </a:endParaRPr>
           </a:p>
@@ -240,12 +140,11 @@
           </a:prstGeom>
         </p:spPr>
         <p:txBody>
-          <a:bodyPr lIns="0" tIns="0" rIns="0" bIns="0">
+          <a:bodyPr lIns="0" rIns="0" tIns="0" bIns="0">
             <a:normAutofit/>
           </a:bodyPr>
-          <a:lstStyle/>
-          <a:p>
-            <a:endParaRPr lang="de-DE" sz="3200" b="0" strike="noStrike" spc="-1">
+          <a:p>
+            <a:endParaRPr b="0" lang="de-DE" sz="3200" spc="-1" strike="noStrike">
               <a:latin typeface="Arial"/>
             </a:endParaRPr>
           </a:p>
@@ -253,14 +152,11 @@
       </p:sp>
     </p:spTree>
   </p:cSld>
-  <p:clrMapOvr>
-    <a:masterClrMapping/>
-  </p:clrMapOvr>
 </p:sldLayout>
 </file>
 
 <file path=ppt/slideLayouts/slideLayout11.xml><?xml version="1.0" encoding="utf-8"?>
-<p:sldLayout xmlns:a="http://schemas.openxmlformats.org/drawingml/2006/main" xmlns:r="http://schemas.openxmlformats.org/officeDocument/2006/relationships" xmlns:p="http://schemas.openxmlformats.org/presentationml/2006/main" type="fourObj" preserve="1">
+<p:sldLayout xmlns:a="http://schemas.openxmlformats.org/drawingml/2006/main" xmlns:p="http://schemas.openxmlformats.org/presentationml/2006/main" xmlns:r="http://schemas.openxmlformats.org/officeDocument/2006/relationships" xmlns:p14="http://schemas.microsoft.com/office/powerpoint/2010/main" xmlns:p15="http://schemas.microsoft.com/office/powerpoint/2012/main" xmlns:mc="http://schemas.openxmlformats.org/markup-compatibility/2006" type="fourObj" preserve="1">
   <p:cSld name="Title, 4 Content">
     <p:spTree>
       <p:nvGrpSpPr>
@@ -296,11 +192,10 @@
           </a:prstGeom>
         </p:spPr>
         <p:txBody>
-          <a:bodyPr lIns="0" tIns="0" rIns="0" bIns="0" anchor="ctr"/>
-          <a:lstStyle/>
+          <a:bodyPr lIns="0" rIns="0" tIns="0" bIns="0" anchor="ctr"/>
           <a:p>
             <a:pPr algn="ctr"/>
-            <a:endParaRPr lang="de-DE" sz="4400" b="0" strike="noStrike" spc="-1">
+            <a:endParaRPr b="0" lang="de-DE" sz="4400" spc="-1" strike="noStrike">
               <a:latin typeface="Arial"/>
             </a:endParaRPr>
           </a:p>
@@ -326,12 +221,11 @@
           </a:prstGeom>
         </p:spPr>
         <p:txBody>
-          <a:bodyPr lIns="0" tIns="0" rIns="0" bIns="0">
+          <a:bodyPr lIns="0" rIns="0" tIns="0" bIns="0">
             <a:normAutofit/>
           </a:bodyPr>
-          <a:lstStyle/>
-          <a:p>
-            <a:endParaRPr lang="de-DE" sz="3200" b="0" strike="noStrike" spc="-1">
+          <a:p>
+            <a:endParaRPr b="0" lang="de-DE" sz="3200" spc="-1" strike="noStrike">
               <a:latin typeface="Arial"/>
             </a:endParaRPr>
           </a:p>
@@ -357,12 +251,11 @@
           </a:prstGeom>
         </p:spPr>
         <p:txBody>
-          <a:bodyPr lIns="0" tIns="0" rIns="0" bIns="0">
+          <a:bodyPr lIns="0" rIns="0" tIns="0" bIns="0">
             <a:normAutofit/>
           </a:bodyPr>
-          <a:lstStyle/>
-          <a:p>
-            <a:endParaRPr lang="de-DE" sz="3200" b="0" strike="noStrike" spc="-1">
+          <a:p>
+            <a:endParaRPr b="0" lang="de-DE" sz="3200" spc="-1" strike="noStrike">
               <a:latin typeface="Arial"/>
             </a:endParaRPr>
           </a:p>
@@ -388,12 +281,11 @@
           </a:prstGeom>
         </p:spPr>
         <p:txBody>
-          <a:bodyPr lIns="0" tIns="0" rIns="0" bIns="0">
+          <a:bodyPr lIns="0" rIns="0" tIns="0" bIns="0">
             <a:normAutofit/>
           </a:bodyPr>
-          <a:lstStyle/>
-          <a:p>
-            <a:endParaRPr lang="de-DE" sz="3200" b="0" strike="noStrike" spc="-1">
+          <a:p>
+            <a:endParaRPr b="0" lang="de-DE" sz="3200" spc="-1" strike="noStrike">
               <a:latin typeface="Arial"/>
             </a:endParaRPr>
           </a:p>
@@ -419,12 +311,11 @@
           </a:prstGeom>
         </p:spPr>
         <p:txBody>
-          <a:bodyPr lIns="0" tIns="0" rIns="0" bIns="0">
+          <a:bodyPr lIns="0" rIns="0" tIns="0" bIns="0">
             <a:normAutofit/>
           </a:bodyPr>
-          <a:lstStyle/>
-          <a:p>
-            <a:endParaRPr lang="de-DE" sz="3200" b="0" strike="noStrike" spc="-1">
+          <a:p>
+            <a:endParaRPr b="0" lang="de-DE" sz="3200" spc="-1" strike="noStrike">
               <a:latin typeface="Arial"/>
             </a:endParaRPr>
           </a:p>
@@ -432,14 +323,11 @@
       </p:sp>
     </p:spTree>
   </p:cSld>
-  <p:clrMapOvr>
-    <a:masterClrMapping/>
-  </p:clrMapOvr>
 </p:sldLayout>
 </file>
 
 <file path=ppt/slideLayouts/slideLayout12.xml><?xml version="1.0" encoding="utf-8"?>
-<p:sldLayout xmlns:a="http://schemas.openxmlformats.org/drawingml/2006/main" xmlns:r="http://schemas.openxmlformats.org/officeDocument/2006/relationships" xmlns:p="http://schemas.openxmlformats.org/presentationml/2006/main" type="blank" preserve="1">
+<p:sldLayout xmlns:a="http://schemas.openxmlformats.org/drawingml/2006/main" xmlns:p="http://schemas.openxmlformats.org/presentationml/2006/main" xmlns:r="http://schemas.openxmlformats.org/officeDocument/2006/relationships" xmlns:p14="http://schemas.microsoft.com/office/powerpoint/2010/main" xmlns:p15="http://schemas.microsoft.com/office/powerpoint/2012/main" xmlns:mc="http://schemas.openxmlformats.org/markup-compatibility/2006" type="blank" preserve="1">
   <p:cSld name="Title, 6 Content">
     <p:spTree>
       <p:nvGrpSpPr>
@@ -475,11 +363,10 @@
           </a:prstGeom>
         </p:spPr>
         <p:txBody>
-          <a:bodyPr lIns="0" tIns="0" rIns="0" bIns="0" anchor="ctr"/>
-          <a:lstStyle/>
+          <a:bodyPr lIns="0" rIns="0" tIns="0" bIns="0" anchor="ctr"/>
           <a:p>
             <a:pPr algn="ctr"/>
-            <a:endParaRPr lang="de-DE" sz="4400" b="0" strike="noStrike" spc="-1">
+            <a:endParaRPr b="0" lang="de-DE" sz="4400" spc="-1" strike="noStrike">
               <a:latin typeface="Arial"/>
             </a:endParaRPr>
           </a:p>
@@ -505,12 +392,11 @@
           </a:prstGeom>
         </p:spPr>
         <p:txBody>
-          <a:bodyPr lIns="0" tIns="0" rIns="0" bIns="0">
+          <a:bodyPr lIns="0" rIns="0" tIns="0" bIns="0">
             <a:normAutofit/>
           </a:bodyPr>
-          <a:lstStyle/>
-          <a:p>
-            <a:endParaRPr lang="de-DE" sz="3200" b="0" strike="noStrike" spc="-1">
+          <a:p>
+            <a:endParaRPr b="0" lang="de-DE" sz="3200" spc="-1" strike="noStrike">
               <a:latin typeface="Arial"/>
             </a:endParaRPr>
           </a:p>
@@ -536,12 +422,11 @@
           </a:prstGeom>
         </p:spPr>
         <p:txBody>
-          <a:bodyPr lIns="0" tIns="0" rIns="0" bIns="0">
+          <a:bodyPr lIns="0" rIns="0" tIns="0" bIns="0">
             <a:normAutofit/>
           </a:bodyPr>
-          <a:lstStyle/>
-          <a:p>
-            <a:endParaRPr lang="de-DE" sz="3200" b="0" strike="noStrike" spc="-1">
+          <a:p>
+            <a:endParaRPr b="0" lang="de-DE" sz="3200" spc="-1" strike="noStrike">
               <a:latin typeface="Arial"/>
             </a:endParaRPr>
           </a:p>
@@ -567,12 +452,11 @@
           </a:prstGeom>
         </p:spPr>
         <p:txBody>
-          <a:bodyPr lIns="0" tIns="0" rIns="0" bIns="0">
+          <a:bodyPr lIns="0" rIns="0" tIns="0" bIns="0">
             <a:normAutofit/>
           </a:bodyPr>
-          <a:lstStyle/>
-          <a:p>
-            <a:endParaRPr lang="de-DE" sz="3200" b="0" strike="noStrike" spc="-1">
+          <a:p>
+            <a:endParaRPr b="0" lang="de-DE" sz="3200" spc="-1" strike="noStrike">
               <a:latin typeface="Arial"/>
             </a:endParaRPr>
           </a:p>
@@ -598,12 +482,11 @@
           </a:prstGeom>
         </p:spPr>
         <p:txBody>
-          <a:bodyPr lIns="0" tIns="0" rIns="0" bIns="0">
+          <a:bodyPr lIns="0" rIns="0" tIns="0" bIns="0">
             <a:normAutofit/>
           </a:bodyPr>
-          <a:lstStyle/>
-          <a:p>
-            <a:endParaRPr lang="de-DE" sz="3200" b="0" strike="noStrike" spc="-1">
+          <a:p>
+            <a:endParaRPr b="0" lang="de-DE" sz="3200" spc="-1" strike="noStrike">
               <a:latin typeface="Arial"/>
             </a:endParaRPr>
           </a:p>
@@ -629,12 +512,11 @@
           </a:prstGeom>
         </p:spPr>
         <p:txBody>
-          <a:bodyPr lIns="0" tIns="0" rIns="0" bIns="0">
+          <a:bodyPr lIns="0" rIns="0" tIns="0" bIns="0">
             <a:normAutofit/>
           </a:bodyPr>
-          <a:lstStyle/>
-          <a:p>
-            <a:endParaRPr lang="de-DE" sz="3200" b="0" strike="noStrike" spc="-1">
+          <a:p>
+            <a:endParaRPr b="0" lang="de-DE" sz="3200" spc="-1" strike="noStrike">
               <a:latin typeface="Arial"/>
             </a:endParaRPr>
           </a:p>
@@ -660,12 +542,11 @@
           </a:prstGeom>
         </p:spPr>
         <p:txBody>
-          <a:bodyPr lIns="0" tIns="0" rIns="0" bIns="0">
+          <a:bodyPr lIns="0" rIns="0" tIns="0" bIns="0">
             <a:normAutofit/>
           </a:bodyPr>
-          <a:lstStyle/>
-          <a:p>
-            <a:endParaRPr lang="de-DE" sz="3200" b="0" strike="noStrike" spc="-1">
+          <a:p>
+            <a:endParaRPr b="0" lang="de-DE" sz="3200" spc="-1" strike="noStrike">
               <a:latin typeface="Arial"/>
             </a:endParaRPr>
           </a:p>
@@ -673,14 +554,11 @@
       </p:sp>
     </p:spTree>
   </p:cSld>
-  <p:clrMapOvr>
-    <a:masterClrMapping/>
-  </p:clrMapOvr>
 </p:sldLayout>
 </file>
 
 <file path=ppt/slideLayouts/slideLayout13.xml><?xml version="1.0" encoding="utf-8"?>
-<p:sldLayout xmlns:a="http://schemas.openxmlformats.org/drawingml/2006/main" xmlns:r="http://schemas.openxmlformats.org/officeDocument/2006/relationships" xmlns:p="http://schemas.openxmlformats.org/presentationml/2006/main" type="blank" preserve="1">
+<p:sldLayout xmlns:a="http://schemas.openxmlformats.org/drawingml/2006/main" xmlns:p="http://schemas.openxmlformats.org/presentationml/2006/main" xmlns:r="http://schemas.openxmlformats.org/officeDocument/2006/relationships" xmlns:p14="http://schemas.microsoft.com/office/powerpoint/2010/main" xmlns:p15="http://schemas.microsoft.com/office/powerpoint/2012/main" xmlns:mc="http://schemas.openxmlformats.org/markup-compatibility/2006" type="blank" preserve="1">
   <p:cSld name="Blank Slide">
     <p:spTree>
       <p:nvGrpSpPr>
@@ -698,14 +576,11 @@
       </p:grpSpPr>
     </p:spTree>
   </p:cSld>
-  <p:clrMapOvr>
-    <a:masterClrMapping/>
-  </p:clrMapOvr>
 </p:sldLayout>
 </file>
 
 <file path=ppt/slideLayouts/slideLayout14.xml><?xml version="1.0" encoding="utf-8"?>
-<p:sldLayout xmlns:a="http://schemas.openxmlformats.org/drawingml/2006/main" xmlns:r="http://schemas.openxmlformats.org/officeDocument/2006/relationships" xmlns:p="http://schemas.openxmlformats.org/presentationml/2006/main" type="tx" preserve="1">
+<p:sldLayout xmlns:a="http://schemas.openxmlformats.org/drawingml/2006/main" xmlns:p="http://schemas.openxmlformats.org/presentationml/2006/main" xmlns:r="http://schemas.openxmlformats.org/officeDocument/2006/relationships" xmlns:p14="http://schemas.microsoft.com/office/powerpoint/2010/main" xmlns:p15="http://schemas.microsoft.com/office/powerpoint/2012/main" xmlns:mc="http://schemas.openxmlformats.org/markup-compatibility/2006" type="tx" preserve="1">
   <p:cSld name="Title Slide">
     <p:spTree>
       <p:nvGrpSpPr>
@@ -741,11 +616,10 @@
           </a:prstGeom>
         </p:spPr>
         <p:txBody>
-          <a:bodyPr lIns="0" tIns="0" rIns="0" bIns="0" anchor="ctr"/>
-          <a:lstStyle/>
+          <a:bodyPr lIns="0" rIns="0" tIns="0" bIns="0" anchor="ctr"/>
           <a:p>
             <a:pPr algn="ctr"/>
-            <a:endParaRPr lang="de-DE" sz="4400" b="0" strike="noStrike" spc="-1">
+            <a:endParaRPr b="0" lang="de-DE" sz="4400" spc="-1" strike="noStrike">
               <a:latin typeface="Arial"/>
             </a:endParaRPr>
           </a:p>
@@ -771,11 +645,10 @@
           </a:prstGeom>
         </p:spPr>
         <p:txBody>
-          <a:bodyPr lIns="0" tIns="0" rIns="0" bIns="0" anchor="ctr"/>
-          <a:lstStyle/>
+          <a:bodyPr lIns="0" rIns="0" tIns="0" bIns="0" anchor="ctr"/>
           <a:p>
             <a:pPr algn="ctr"/>
-            <a:endParaRPr lang="de-DE" sz="3200" b="0" strike="noStrike" spc="-1">
+            <a:endParaRPr b="0" lang="de-DE" sz="3200" spc="-1" strike="noStrike">
               <a:latin typeface="Arial"/>
             </a:endParaRPr>
           </a:p>
@@ -783,14 +656,11 @@
       </p:sp>
     </p:spTree>
   </p:cSld>
-  <p:clrMapOvr>
-    <a:masterClrMapping/>
-  </p:clrMapOvr>
 </p:sldLayout>
 </file>
 
 <file path=ppt/slideLayouts/slideLayout15.xml><?xml version="1.0" encoding="utf-8"?>
-<p:sldLayout xmlns:a="http://schemas.openxmlformats.org/drawingml/2006/main" xmlns:r="http://schemas.openxmlformats.org/officeDocument/2006/relationships" xmlns:p="http://schemas.openxmlformats.org/presentationml/2006/main" type="obj" preserve="1">
+<p:sldLayout xmlns:a="http://schemas.openxmlformats.org/drawingml/2006/main" xmlns:p="http://schemas.openxmlformats.org/presentationml/2006/main" xmlns:r="http://schemas.openxmlformats.org/officeDocument/2006/relationships" xmlns:p14="http://schemas.microsoft.com/office/powerpoint/2010/main" xmlns:p15="http://schemas.microsoft.com/office/powerpoint/2012/main" xmlns:mc="http://schemas.openxmlformats.org/markup-compatibility/2006" type="obj" preserve="1">
   <p:cSld name="Title, Content">
     <p:spTree>
       <p:nvGrpSpPr>
@@ -826,11 +696,10 @@
           </a:prstGeom>
         </p:spPr>
         <p:txBody>
-          <a:bodyPr lIns="0" tIns="0" rIns="0" bIns="0" anchor="ctr"/>
-          <a:lstStyle/>
+          <a:bodyPr lIns="0" rIns="0" tIns="0" bIns="0" anchor="ctr"/>
           <a:p>
             <a:pPr algn="ctr"/>
-            <a:endParaRPr lang="de-DE" sz="4400" b="0" strike="noStrike" spc="-1">
+            <a:endParaRPr b="0" lang="de-DE" sz="4400" spc="-1" strike="noStrike">
               <a:latin typeface="Arial"/>
             </a:endParaRPr>
           </a:p>
@@ -856,12 +725,11 @@
           </a:prstGeom>
         </p:spPr>
         <p:txBody>
-          <a:bodyPr lIns="0" tIns="0" rIns="0" bIns="0">
+          <a:bodyPr lIns="0" rIns="0" tIns="0" bIns="0">
             <a:normAutofit/>
           </a:bodyPr>
-          <a:lstStyle/>
-          <a:p>
-            <a:endParaRPr lang="de-DE" sz="3200" b="0" strike="noStrike" spc="-1">
+          <a:p>
+            <a:endParaRPr b="0" lang="de-DE" sz="3200" spc="-1" strike="noStrike">
               <a:latin typeface="Arial"/>
             </a:endParaRPr>
           </a:p>
@@ -869,14 +737,11 @@
       </p:sp>
     </p:spTree>
   </p:cSld>
-  <p:clrMapOvr>
-    <a:masterClrMapping/>
-  </p:clrMapOvr>
 </p:sldLayout>
 </file>
 
 <file path=ppt/slideLayouts/slideLayout16.xml><?xml version="1.0" encoding="utf-8"?>
-<p:sldLayout xmlns:a="http://schemas.openxmlformats.org/drawingml/2006/main" xmlns:r="http://schemas.openxmlformats.org/officeDocument/2006/relationships" xmlns:p="http://schemas.openxmlformats.org/presentationml/2006/main" type="twoObj" preserve="1">
+<p:sldLayout xmlns:a="http://schemas.openxmlformats.org/drawingml/2006/main" xmlns:p="http://schemas.openxmlformats.org/presentationml/2006/main" xmlns:r="http://schemas.openxmlformats.org/officeDocument/2006/relationships" xmlns:p14="http://schemas.microsoft.com/office/powerpoint/2010/main" xmlns:p15="http://schemas.microsoft.com/office/powerpoint/2012/main" xmlns:mc="http://schemas.openxmlformats.org/markup-compatibility/2006" type="twoObj" preserve="1">
   <p:cSld name="Title, 2 Content">
     <p:spTree>
       <p:nvGrpSpPr>
@@ -912,11 +777,10 @@
           </a:prstGeom>
         </p:spPr>
         <p:txBody>
-          <a:bodyPr lIns="0" tIns="0" rIns="0" bIns="0" anchor="ctr"/>
-          <a:lstStyle/>
+          <a:bodyPr lIns="0" rIns="0" tIns="0" bIns="0" anchor="ctr"/>
           <a:p>
             <a:pPr algn="ctr"/>
-            <a:endParaRPr lang="de-DE" sz="4400" b="0" strike="noStrike" spc="-1">
+            <a:endParaRPr b="0" lang="de-DE" sz="4400" spc="-1" strike="noStrike">
               <a:latin typeface="Arial"/>
             </a:endParaRPr>
           </a:p>
@@ -942,12 +806,11 @@
           </a:prstGeom>
         </p:spPr>
         <p:txBody>
-          <a:bodyPr lIns="0" tIns="0" rIns="0" bIns="0">
+          <a:bodyPr lIns="0" rIns="0" tIns="0" bIns="0">
             <a:normAutofit/>
           </a:bodyPr>
-          <a:lstStyle/>
-          <a:p>
-            <a:endParaRPr lang="de-DE" sz="3200" b="0" strike="noStrike" spc="-1">
+          <a:p>
+            <a:endParaRPr b="0" lang="de-DE" sz="3200" spc="-1" strike="noStrike">
               <a:latin typeface="Arial"/>
             </a:endParaRPr>
           </a:p>
@@ -973,12 +836,11 @@
           </a:prstGeom>
         </p:spPr>
         <p:txBody>
-          <a:bodyPr lIns="0" tIns="0" rIns="0" bIns="0">
+          <a:bodyPr lIns="0" rIns="0" tIns="0" bIns="0">
             <a:normAutofit/>
           </a:bodyPr>
-          <a:lstStyle/>
-          <a:p>
-            <a:endParaRPr lang="de-DE" sz="3200" b="0" strike="noStrike" spc="-1">
+          <a:p>
+            <a:endParaRPr b="0" lang="de-DE" sz="3200" spc="-1" strike="noStrike">
               <a:latin typeface="Arial"/>
             </a:endParaRPr>
           </a:p>
@@ -986,14 +848,11 @@
       </p:sp>
     </p:spTree>
   </p:cSld>
-  <p:clrMapOvr>
-    <a:masterClrMapping/>
-  </p:clrMapOvr>
 </p:sldLayout>
 </file>
 
 <file path=ppt/slideLayouts/slideLayout17.xml><?xml version="1.0" encoding="utf-8"?>
-<p:sldLayout xmlns:a="http://schemas.openxmlformats.org/drawingml/2006/main" xmlns:r="http://schemas.openxmlformats.org/officeDocument/2006/relationships" xmlns:p="http://schemas.openxmlformats.org/presentationml/2006/main" type="titleOnly" preserve="1">
+<p:sldLayout xmlns:a="http://schemas.openxmlformats.org/drawingml/2006/main" xmlns:p="http://schemas.openxmlformats.org/presentationml/2006/main" xmlns:r="http://schemas.openxmlformats.org/officeDocument/2006/relationships" xmlns:p14="http://schemas.microsoft.com/office/powerpoint/2010/main" xmlns:p15="http://schemas.microsoft.com/office/powerpoint/2012/main" xmlns:mc="http://schemas.openxmlformats.org/markup-compatibility/2006" type="titleOnly" preserve="1">
   <p:cSld name="Title Only">
     <p:spTree>
       <p:nvGrpSpPr>
@@ -1029,11 +888,10 @@
           </a:prstGeom>
         </p:spPr>
         <p:txBody>
-          <a:bodyPr lIns="0" tIns="0" rIns="0" bIns="0" anchor="ctr"/>
-          <a:lstStyle/>
+          <a:bodyPr lIns="0" rIns="0" tIns="0" bIns="0" anchor="ctr"/>
           <a:p>
             <a:pPr algn="ctr"/>
-            <a:endParaRPr lang="de-DE" sz="4400" b="0" strike="noStrike" spc="-1">
+            <a:endParaRPr b="0" lang="de-DE" sz="4400" spc="-1" strike="noStrike">
               <a:latin typeface="Arial"/>
             </a:endParaRPr>
           </a:p>
@@ -1041,14 +899,11 @@
       </p:sp>
     </p:spTree>
   </p:cSld>
-  <p:clrMapOvr>
-    <a:masterClrMapping/>
-  </p:clrMapOvr>
 </p:sldLayout>
 </file>
 
 <file path=ppt/slideLayouts/slideLayout18.xml><?xml version="1.0" encoding="utf-8"?>
-<p:sldLayout xmlns:a="http://schemas.openxmlformats.org/drawingml/2006/main" xmlns:r="http://schemas.openxmlformats.org/officeDocument/2006/relationships" xmlns:p="http://schemas.openxmlformats.org/presentationml/2006/main" type="objOnly" preserve="1">
+<p:sldLayout xmlns:a="http://schemas.openxmlformats.org/drawingml/2006/main" xmlns:p="http://schemas.openxmlformats.org/presentationml/2006/main" xmlns:r="http://schemas.openxmlformats.org/officeDocument/2006/relationships" xmlns:p14="http://schemas.microsoft.com/office/powerpoint/2010/main" xmlns:p15="http://schemas.microsoft.com/office/powerpoint/2012/main" xmlns:mc="http://schemas.openxmlformats.org/markup-compatibility/2006" type="objOnly" preserve="1">
   <p:cSld name="Centered Text">
     <p:spTree>
       <p:nvGrpSpPr>
@@ -1084,11 +939,10 @@
           </a:prstGeom>
         </p:spPr>
         <p:txBody>
-          <a:bodyPr lIns="0" tIns="0" rIns="0" bIns="0" anchor="ctr"/>
-          <a:lstStyle/>
+          <a:bodyPr lIns="0" rIns="0" tIns="0" bIns="0" anchor="ctr"/>
           <a:p>
             <a:pPr algn="ctr"/>
-            <a:endParaRPr lang="de-DE" sz="3200" b="0" strike="noStrike" spc="-1">
+            <a:endParaRPr b="0" lang="de-DE" sz="3200" spc="-1" strike="noStrike">
               <a:latin typeface="Arial"/>
             </a:endParaRPr>
           </a:p>
@@ -1096,14 +950,11 @@
       </p:sp>
     </p:spTree>
   </p:cSld>
-  <p:clrMapOvr>
-    <a:masterClrMapping/>
-  </p:clrMapOvr>
 </p:sldLayout>
 </file>
 
 <file path=ppt/slideLayouts/slideLayout19.xml><?xml version="1.0" encoding="utf-8"?>
-<p:sldLayout xmlns:a="http://schemas.openxmlformats.org/drawingml/2006/main" xmlns:r="http://schemas.openxmlformats.org/officeDocument/2006/relationships" xmlns:p="http://schemas.openxmlformats.org/presentationml/2006/main" type="twoObjAndObj" preserve="1">
+<p:sldLayout xmlns:a="http://schemas.openxmlformats.org/drawingml/2006/main" xmlns:p="http://schemas.openxmlformats.org/presentationml/2006/main" xmlns:r="http://schemas.openxmlformats.org/officeDocument/2006/relationships" xmlns:p14="http://schemas.microsoft.com/office/powerpoint/2010/main" xmlns:p15="http://schemas.microsoft.com/office/powerpoint/2012/main" xmlns:mc="http://schemas.openxmlformats.org/markup-compatibility/2006" type="twoObjAndObj" preserve="1">
   <p:cSld name="Title, 2 Content and Content">
     <p:spTree>
       <p:nvGrpSpPr>
@@ -1139,11 +990,10 @@
           </a:prstGeom>
         </p:spPr>
         <p:txBody>
-          <a:bodyPr lIns="0" tIns="0" rIns="0" bIns="0" anchor="ctr"/>
-          <a:lstStyle/>
+          <a:bodyPr lIns="0" rIns="0" tIns="0" bIns="0" anchor="ctr"/>
           <a:p>
             <a:pPr algn="ctr"/>
-            <a:endParaRPr lang="de-DE" sz="4400" b="0" strike="noStrike" spc="-1">
+            <a:endParaRPr b="0" lang="de-DE" sz="4400" spc="-1" strike="noStrike">
               <a:latin typeface="Arial"/>
             </a:endParaRPr>
           </a:p>
@@ -1169,12 +1019,11 @@
           </a:prstGeom>
         </p:spPr>
         <p:txBody>
-          <a:bodyPr lIns="0" tIns="0" rIns="0" bIns="0">
+          <a:bodyPr lIns="0" rIns="0" tIns="0" bIns="0">
             <a:normAutofit/>
           </a:bodyPr>
-          <a:lstStyle/>
-          <a:p>
-            <a:endParaRPr lang="de-DE" sz="3200" b="0" strike="noStrike" spc="-1">
+          <a:p>
+            <a:endParaRPr b="0" lang="de-DE" sz="3200" spc="-1" strike="noStrike">
               <a:latin typeface="Arial"/>
             </a:endParaRPr>
           </a:p>
@@ -1200,12 +1049,11 @@
           </a:prstGeom>
         </p:spPr>
         <p:txBody>
-          <a:bodyPr lIns="0" tIns="0" rIns="0" bIns="0">
+          <a:bodyPr lIns="0" rIns="0" tIns="0" bIns="0">
             <a:normAutofit/>
           </a:bodyPr>
-          <a:lstStyle/>
-          <a:p>
-            <a:endParaRPr lang="de-DE" sz="3200" b="0" strike="noStrike" spc="-1">
+          <a:p>
+            <a:endParaRPr b="0" lang="de-DE" sz="3200" spc="-1" strike="noStrike">
               <a:latin typeface="Arial"/>
             </a:endParaRPr>
           </a:p>
@@ -1231,12 +1079,11 @@
           </a:prstGeom>
         </p:spPr>
         <p:txBody>
-          <a:bodyPr lIns="0" tIns="0" rIns="0" bIns="0">
+          <a:bodyPr lIns="0" rIns="0" tIns="0" bIns="0">
             <a:normAutofit/>
           </a:bodyPr>
-          <a:lstStyle/>
-          <a:p>
-            <a:endParaRPr lang="de-DE" sz="3200" b="0" strike="noStrike" spc="-1">
+          <a:p>
+            <a:endParaRPr b="0" lang="de-DE" sz="3200" spc="-1" strike="noStrike">
               <a:latin typeface="Arial"/>
             </a:endParaRPr>
           </a:p>
@@ -1244,14 +1091,11 @@
       </p:sp>
     </p:spTree>
   </p:cSld>
-  <p:clrMapOvr>
-    <a:masterClrMapping/>
-  </p:clrMapOvr>
 </p:sldLayout>
 </file>
 
 <file path=ppt/slideLayouts/slideLayout2.xml><?xml version="1.0" encoding="utf-8"?>
-<p:sldLayout xmlns:a="http://schemas.openxmlformats.org/drawingml/2006/main" xmlns:r="http://schemas.openxmlformats.org/officeDocument/2006/relationships" xmlns:p="http://schemas.openxmlformats.org/presentationml/2006/main" type="tx" preserve="1">
+<p:sldLayout xmlns:a="http://schemas.openxmlformats.org/drawingml/2006/main" xmlns:p="http://schemas.openxmlformats.org/presentationml/2006/main" xmlns:r="http://schemas.openxmlformats.org/officeDocument/2006/relationships" xmlns:p14="http://schemas.microsoft.com/office/powerpoint/2010/main" xmlns:p15="http://schemas.microsoft.com/office/powerpoint/2012/main" xmlns:mc="http://schemas.openxmlformats.org/markup-compatibility/2006" type="tx" preserve="1">
   <p:cSld name="Title Slide">
     <p:spTree>
       <p:nvGrpSpPr>
@@ -1287,11 +1131,10 @@
           </a:prstGeom>
         </p:spPr>
         <p:txBody>
-          <a:bodyPr lIns="0" tIns="0" rIns="0" bIns="0" anchor="ctr"/>
-          <a:lstStyle/>
+          <a:bodyPr lIns="0" rIns="0" tIns="0" bIns="0" anchor="ctr"/>
           <a:p>
             <a:pPr algn="ctr"/>
-            <a:endParaRPr lang="de-DE" sz="4400" b="0" strike="noStrike" spc="-1">
+            <a:endParaRPr b="0" lang="de-DE" sz="4400" spc="-1" strike="noStrike">
               <a:latin typeface="Arial"/>
             </a:endParaRPr>
           </a:p>
@@ -1317,11 +1160,10 @@
           </a:prstGeom>
         </p:spPr>
         <p:txBody>
-          <a:bodyPr lIns="0" tIns="0" rIns="0" bIns="0" anchor="ctr"/>
-          <a:lstStyle/>
+          <a:bodyPr lIns="0" rIns="0" tIns="0" bIns="0" anchor="ctr"/>
           <a:p>
             <a:pPr algn="ctr"/>
-            <a:endParaRPr lang="de-DE" sz="3200" b="0" strike="noStrike" spc="-1">
+            <a:endParaRPr b="0" lang="de-DE" sz="3200" spc="-1" strike="noStrike">
               <a:latin typeface="Arial"/>
             </a:endParaRPr>
           </a:p>
@@ -1329,14 +1171,11 @@
       </p:sp>
     </p:spTree>
   </p:cSld>
-  <p:clrMapOvr>
-    <a:masterClrMapping/>
-  </p:clrMapOvr>
 </p:sldLayout>
 </file>
 
 <file path=ppt/slideLayouts/slideLayout20.xml><?xml version="1.0" encoding="utf-8"?>
-<p:sldLayout xmlns:a="http://schemas.openxmlformats.org/drawingml/2006/main" xmlns:r="http://schemas.openxmlformats.org/officeDocument/2006/relationships" xmlns:p="http://schemas.openxmlformats.org/presentationml/2006/main" type="objAndTwoObj" preserve="1">
+<p:sldLayout xmlns:a="http://schemas.openxmlformats.org/drawingml/2006/main" xmlns:p="http://schemas.openxmlformats.org/presentationml/2006/main" xmlns:r="http://schemas.openxmlformats.org/officeDocument/2006/relationships" xmlns:p14="http://schemas.microsoft.com/office/powerpoint/2010/main" xmlns:p15="http://schemas.microsoft.com/office/powerpoint/2012/main" xmlns:mc="http://schemas.openxmlformats.org/markup-compatibility/2006" type="objAndTwoObj" preserve="1">
   <p:cSld name="Title Content and 2 Content">
     <p:spTree>
       <p:nvGrpSpPr>
@@ -1372,11 +1211,10 @@
           </a:prstGeom>
         </p:spPr>
         <p:txBody>
-          <a:bodyPr lIns="0" tIns="0" rIns="0" bIns="0" anchor="ctr"/>
-          <a:lstStyle/>
+          <a:bodyPr lIns="0" rIns="0" tIns="0" bIns="0" anchor="ctr"/>
           <a:p>
             <a:pPr algn="ctr"/>
-            <a:endParaRPr lang="de-DE" sz="4400" b="0" strike="noStrike" spc="-1">
+            <a:endParaRPr b="0" lang="de-DE" sz="4400" spc="-1" strike="noStrike">
               <a:latin typeface="Arial"/>
             </a:endParaRPr>
           </a:p>
@@ -1402,12 +1240,11 @@
           </a:prstGeom>
         </p:spPr>
         <p:txBody>
-          <a:bodyPr lIns="0" tIns="0" rIns="0" bIns="0">
+          <a:bodyPr lIns="0" rIns="0" tIns="0" bIns="0">
             <a:normAutofit/>
           </a:bodyPr>
-          <a:lstStyle/>
-          <a:p>
-            <a:endParaRPr lang="de-DE" sz="3200" b="0" strike="noStrike" spc="-1">
+          <a:p>
+            <a:endParaRPr b="0" lang="de-DE" sz="3200" spc="-1" strike="noStrike">
               <a:latin typeface="Arial"/>
             </a:endParaRPr>
           </a:p>
@@ -1433,12 +1270,11 @@
           </a:prstGeom>
         </p:spPr>
         <p:txBody>
-          <a:bodyPr lIns="0" tIns="0" rIns="0" bIns="0">
+          <a:bodyPr lIns="0" rIns="0" tIns="0" bIns="0">
             <a:normAutofit/>
           </a:bodyPr>
-          <a:lstStyle/>
-          <a:p>
-            <a:endParaRPr lang="de-DE" sz="3200" b="0" strike="noStrike" spc="-1">
+          <a:p>
+            <a:endParaRPr b="0" lang="de-DE" sz="3200" spc="-1" strike="noStrike">
               <a:latin typeface="Arial"/>
             </a:endParaRPr>
           </a:p>
@@ -1464,12 +1300,11 @@
           </a:prstGeom>
         </p:spPr>
         <p:txBody>
-          <a:bodyPr lIns="0" tIns="0" rIns="0" bIns="0">
+          <a:bodyPr lIns="0" rIns="0" tIns="0" bIns="0">
             <a:normAutofit/>
           </a:bodyPr>
-          <a:lstStyle/>
-          <a:p>
-            <a:endParaRPr lang="de-DE" sz="3200" b="0" strike="noStrike" spc="-1">
+          <a:p>
+            <a:endParaRPr b="0" lang="de-DE" sz="3200" spc="-1" strike="noStrike">
               <a:latin typeface="Arial"/>
             </a:endParaRPr>
           </a:p>
@@ -1477,14 +1312,11 @@
       </p:sp>
     </p:spTree>
   </p:cSld>
-  <p:clrMapOvr>
-    <a:masterClrMapping/>
-  </p:clrMapOvr>
 </p:sldLayout>
 </file>
 
 <file path=ppt/slideLayouts/slideLayout21.xml><?xml version="1.0" encoding="utf-8"?>
-<p:sldLayout xmlns:a="http://schemas.openxmlformats.org/drawingml/2006/main" xmlns:r="http://schemas.openxmlformats.org/officeDocument/2006/relationships" xmlns:p="http://schemas.openxmlformats.org/presentationml/2006/main" type="twoObjOverTx" preserve="1">
+<p:sldLayout xmlns:a="http://schemas.openxmlformats.org/drawingml/2006/main" xmlns:p="http://schemas.openxmlformats.org/presentationml/2006/main" xmlns:r="http://schemas.openxmlformats.org/officeDocument/2006/relationships" xmlns:p14="http://schemas.microsoft.com/office/powerpoint/2010/main" xmlns:p15="http://schemas.microsoft.com/office/powerpoint/2012/main" xmlns:mc="http://schemas.openxmlformats.org/markup-compatibility/2006" type="twoObjOverTx" preserve="1">
   <p:cSld name="Title, 2 Content over Content">
     <p:spTree>
       <p:nvGrpSpPr>
@@ -1520,11 +1352,10 @@
           </a:prstGeom>
         </p:spPr>
         <p:txBody>
-          <a:bodyPr lIns="0" tIns="0" rIns="0" bIns="0" anchor="ctr"/>
-          <a:lstStyle/>
+          <a:bodyPr lIns="0" rIns="0" tIns="0" bIns="0" anchor="ctr"/>
           <a:p>
             <a:pPr algn="ctr"/>
-            <a:endParaRPr lang="de-DE" sz="4400" b="0" strike="noStrike" spc="-1">
+            <a:endParaRPr b="0" lang="de-DE" sz="4400" spc="-1" strike="noStrike">
               <a:latin typeface="Arial"/>
             </a:endParaRPr>
           </a:p>
@@ -1550,12 +1381,11 @@
           </a:prstGeom>
         </p:spPr>
         <p:txBody>
-          <a:bodyPr lIns="0" tIns="0" rIns="0" bIns="0">
+          <a:bodyPr lIns="0" rIns="0" tIns="0" bIns="0">
             <a:normAutofit/>
           </a:bodyPr>
-          <a:lstStyle/>
-          <a:p>
-            <a:endParaRPr lang="de-DE" sz="3200" b="0" strike="noStrike" spc="-1">
+          <a:p>
+            <a:endParaRPr b="0" lang="de-DE" sz="3200" spc="-1" strike="noStrike">
               <a:latin typeface="Arial"/>
             </a:endParaRPr>
           </a:p>
@@ -1581,12 +1411,11 @@
           </a:prstGeom>
         </p:spPr>
         <p:txBody>
-          <a:bodyPr lIns="0" tIns="0" rIns="0" bIns="0">
+          <a:bodyPr lIns="0" rIns="0" tIns="0" bIns="0">
             <a:normAutofit/>
           </a:bodyPr>
-          <a:lstStyle/>
-          <a:p>
-            <a:endParaRPr lang="de-DE" sz="3200" b="0" strike="noStrike" spc="-1">
+          <a:p>
+            <a:endParaRPr b="0" lang="de-DE" sz="3200" spc="-1" strike="noStrike">
               <a:latin typeface="Arial"/>
             </a:endParaRPr>
           </a:p>
@@ -1612,12 +1441,11 @@
           </a:prstGeom>
         </p:spPr>
         <p:txBody>
-          <a:bodyPr lIns="0" tIns="0" rIns="0" bIns="0">
+          <a:bodyPr lIns="0" rIns="0" tIns="0" bIns="0">
             <a:normAutofit/>
           </a:bodyPr>
-          <a:lstStyle/>
-          <a:p>
-            <a:endParaRPr lang="de-DE" sz="3200" b="0" strike="noStrike" spc="-1">
+          <a:p>
+            <a:endParaRPr b="0" lang="de-DE" sz="3200" spc="-1" strike="noStrike">
               <a:latin typeface="Arial"/>
             </a:endParaRPr>
           </a:p>
@@ -1625,14 +1453,11 @@
       </p:sp>
     </p:spTree>
   </p:cSld>
-  <p:clrMapOvr>
-    <a:masterClrMapping/>
-  </p:clrMapOvr>
 </p:sldLayout>
 </file>
 
 <file path=ppt/slideLayouts/slideLayout22.xml><?xml version="1.0" encoding="utf-8"?>
-<p:sldLayout xmlns:a="http://schemas.openxmlformats.org/drawingml/2006/main" xmlns:r="http://schemas.openxmlformats.org/officeDocument/2006/relationships" xmlns:p="http://schemas.openxmlformats.org/presentationml/2006/main" type="objOverTx" preserve="1">
+<p:sldLayout xmlns:a="http://schemas.openxmlformats.org/drawingml/2006/main" xmlns:p="http://schemas.openxmlformats.org/presentationml/2006/main" xmlns:r="http://schemas.openxmlformats.org/officeDocument/2006/relationships" xmlns:p14="http://schemas.microsoft.com/office/powerpoint/2010/main" xmlns:p15="http://schemas.microsoft.com/office/powerpoint/2012/main" xmlns:mc="http://schemas.openxmlformats.org/markup-compatibility/2006" type="objOverTx" preserve="1">
   <p:cSld name="Title, Content over Content">
     <p:spTree>
       <p:nvGrpSpPr>
@@ -1668,11 +1493,10 @@
           </a:prstGeom>
         </p:spPr>
         <p:txBody>
-          <a:bodyPr lIns="0" tIns="0" rIns="0" bIns="0" anchor="ctr"/>
-          <a:lstStyle/>
+          <a:bodyPr lIns="0" rIns="0" tIns="0" bIns="0" anchor="ctr"/>
           <a:p>
             <a:pPr algn="ctr"/>
-            <a:endParaRPr lang="de-DE" sz="4400" b="0" strike="noStrike" spc="-1">
+            <a:endParaRPr b="0" lang="de-DE" sz="4400" spc="-1" strike="noStrike">
               <a:latin typeface="Arial"/>
             </a:endParaRPr>
           </a:p>
@@ -1698,12 +1522,11 @@
           </a:prstGeom>
         </p:spPr>
         <p:txBody>
-          <a:bodyPr lIns="0" tIns="0" rIns="0" bIns="0">
+          <a:bodyPr lIns="0" rIns="0" tIns="0" bIns="0">
             <a:normAutofit/>
           </a:bodyPr>
-          <a:lstStyle/>
-          <a:p>
-            <a:endParaRPr lang="de-DE" sz="3200" b="0" strike="noStrike" spc="-1">
+          <a:p>
+            <a:endParaRPr b="0" lang="de-DE" sz="3200" spc="-1" strike="noStrike">
               <a:latin typeface="Arial"/>
             </a:endParaRPr>
           </a:p>
@@ -1729,12 +1552,11 @@
           </a:prstGeom>
         </p:spPr>
         <p:txBody>
-          <a:bodyPr lIns="0" tIns="0" rIns="0" bIns="0">
+          <a:bodyPr lIns="0" rIns="0" tIns="0" bIns="0">
             <a:normAutofit/>
           </a:bodyPr>
-          <a:lstStyle/>
-          <a:p>
-            <a:endParaRPr lang="de-DE" sz="3200" b="0" strike="noStrike" spc="-1">
+          <a:p>
+            <a:endParaRPr b="0" lang="de-DE" sz="3200" spc="-1" strike="noStrike">
               <a:latin typeface="Arial"/>
             </a:endParaRPr>
           </a:p>
@@ -1742,14 +1564,11 @@
       </p:sp>
     </p:spTree>
   </p:cSld>
-  <p:clrMapOvr>
-    <a:masterClrMapping/>
-  </p:clrMapOvr>
 </p:sldLayout>
 </file>
 
 <file path=ppt/slideLayouts/slideLayout23.xml><?xml version="1.0" encoding="utf-8"?>
-<p:sldLayout xmlns:a="http://schemas.openxmlformats.org/drawingml/2006/main" xmlns:r="http://schemas.openxmlformats.org/officeDocument/2006/relationships" xmlns:p="http://schemas.openxmlformats.org/presentationml/2006/main" type="fourObj" preserve="1">
+<p:sldLayout xmlns:a="http://schemas.openxmlformats.org/drawingml/2006/main" xmlns:p="http://schemas.openxmlformats.org/presentationml/2006/main" xmlns:r="http://schemas.openxmlformats.org/officeDocument/2006/relationships" xmlns:p14="http://schemas.microsoft.com/office/powerpoint/2010/main" xmlns:p15="http://schemas.microsoft.com/office/powerpoint/2012/main" xmlns:mc="http://schemas.openxmlformats.org/markup-compatibility/2006" type="fourObj" preserve="1">
   <p:cSld name="Title, 4 Content">
     <p:spTree>
       <p:nvGrpSpPr>
@@ -1785,11 +1604,10 @@
           </a:prstGeom>
         </p:spPr>
         <p:txBody>
-          <a:bodyPr lIns="0" tIns="0" rIns="0" bIns="0" anchor="ctr"/>
-          <a:lstStyle/>
+          <a:bodyPr lIns="0" rIns="0" tIns="0" bIns="0" anchor="ctr"/>
           <a:p>
             <a:pPr algn="ctr"/>
-            <a:endParaRPr lang="de-DE" sz="4400" b="0" strike="noStrike" spc="-1">
+            <a:endParaRPr b="0" lang="de-DE" sz="4400" spc="-1" strike="noStrike">
               <a:latin typeface="Arial"/>
             </a:endParaRPr>
           </a:p>
@@ -1815,12 +1633,11 @@
           </a:prstGeom>
         </p:spPr>
         <p:txBody>
-          <a:bodyPr lIns="0" tIns="0" rIns="0" bIns="0">
+          <a:bodyPr lIns="0" rIns="0" tIns="0" bIns="0">
             <a:normAutofit/>
           </a:bodyPr>
-          <a:lstStyle/>
-          <a:p>
-            <a:endParaRPr lang="de-DE" sz="3200" b="0" strike="noStrike" spc="-1">
+          <a:p>
+            <a:endParaRPr b="0" lang="de-DE" sz="3200" spc="-1" strike="noStrike">
               <a:latin typeface="Arial"/>
             </a:endParaRPr>
           </a:p>
@@ -1846,12 +1663,11 @@
           </a:prstGeom>
         </p:spPr>
         <p:txBody>
-          <a:bodyPr lIns="0" tIns="0" rIns="0" bIns="0">
+          <a:bodyPr lIns="0" rIns="0" tIns="0" bIns="0">
             <a:normAutofit/>
           </a:bodyPr>
-          <a:lstStyle/>
-          <a:p>
-            <a:endParaRPr lang="de-DE" sz="3200" b="0" strike="noStrike" spc="-1">
+          <a:p>
+            <a:endParaRPr b="0" lang="de-DE" sz="3200" spc="-1" strike="noStrike">
               <a:latin typeface="Arial"/>
             </a:endParaRPr>
           </a:p>
@@ -1877,12 +1693,11 @@
           </a:prstGeom>
         </p:spPr>
         <p:txBody>
-          <a:bodyPr lIns="0" tIns="0" rIns="0" bIns="0">
+          <a:bodyPr lIns="0" rIns="0" tIns="0" bIns="0">
             <a:normAutofit/>
           </a:bodyPr>
-          <a:lstStyle/>
-          <a:p>
-            <a:endParaRPr lang="de-DE" sz="3200" b="0" strike="noStrike" spc="-1">
+          <a:p>
+            <a:endParaRPr b="0" lang="de-DE" sz="3200" spc="-1" strike="noStrike">
               <a:latin typeface="Arial"/>
             </a:endParaRPr>
           </a:p>
@@ -1908,12 +1723,11 @@
           </a:prstGeom>
         </p:spPr>
         <p:txBody>
-          <a:bodyPr lIns="0" tIns="0" rIns="0" bIns="0">
+          <a:bodyPr lIns="0" rIns="0" tIns="0" bIns="0">
             <a:normAutofit/>
           </a:bodyPr>
-          <a:lstStyle/>
-          <a:p>
-            <a:endParaRPr lang="de-DE" sz="3200" b="0" strike="noStrike" spc="-1">
+          <a:p>
+            <a:endParaRPr b="0" lang="de-DE" sz="3200" spc="-1" strike="noStrike">
               <a:latin typeface="Arial"/>
             </a:endParaRPr>
           </a:p>
@@ -1921,14 +1735,11 @@
       </p:sp>
     </p:spTree>
   </p:cSld>
-  <p:clrMapOvr>
-    <a:masterClrMapping/>
-  </p:clrMapOvr>
 </p:sldLayout>
 </file>
 
 <file path=ppt/slideLayouts/slideLayout24.xml><?xml version="1.0" encoding="utf-8"?>
-<p:sldLayout xmlns:a="http://schemas.openxmlformats.org/drawingml/2006/main" xmlns:r="http://schemas.openxmlformats.org/officeDocument/2006/relationships" xmlns:p="http://schemas.openxmlformats.org/presentationml/2006/main" type="blank" preserve="1">
+<p:sldLayout xmlns:a="http://schemas.openxmlformats.org/drawingml/2006/main" xmlns:p="http://schemas.openxmlformats.org/presentationml/2006/main" xmlns:r="http://schemas.openxmlformats.org/officeDocument/2006/relationships" xmlns:p14="http://schemas.microsoft.com/office/powerpoint/2010/main" xmlns:p15="http://schemas.microsoft.com/office/powerpoint/2012/main" xmlns:mc="http://schemas.openxmlformats.org/markup-compatibility/2006" type="blank" preserve="1">
   <p:cSld name="Title, 6 Content">
     <p:spTree>
       <p:nvGrpSpPr>
@@ -1964,11 +1775,10 @@
           </a:prstGeom>
         </p:spPr>
         <p:txBody>
-          <a:bodyPr lIns="0" tIns="0" rIns="0" bIns="0" anchor="ctr"/>
-          <a:lstStyle/>
+          <a:bodyPr lIns="0" rIns="0" tIns="0" bIns="0" anchor="ctr"/>
           <a:p>
             <a:pPr algn="ctr"/>
-            <a:endParaRPr lang="de-DE" sz="4400" b="0" strike="noStrike" spc="-1">
+            <a:endParaRPr b="0" lang="de-DE" sz="4400" spc="-1" strike="noStrike">
               <a:latin typeface="Arial"/>
             </a:endParaRPr>
           </a:p>
@@ -1994,12 +1804,11 @@
           </a:prstGeom>
         </p:spPr>
         <p:txBody>
-          <a:bodyPr lIns="0" tIns="0" rIns="0" bIns="0">
+          <a:bodyPr lIns="0" rIns="0" tIns="0" bIns="0">
             <a:normAutofit/>
           </a:bodyPr>
-          <a:lstStyle/>
-          <a:p>
-            <a:endParaRPr lang="de-DE" sz="3200" b="0" strike="noStrike" spc="-1">
+          <a:p>
+            <a:endParaRPr b="0" lang="de-DE" sz="3200" spc="-1" strike="noStrike">
               <a:latin typeface="Arial"/>
             </a:endParaRPr>
           </a:p>
@@ -2025,12 +1834,11 @@
           </a:prstGeom>
         </p:spPr>
         <p:txBody>
-          <a:bodyPr lIns="0" tIns="0" rIns="0" bIns="0">
+          <a:bodyPr lIns="0" rIns="0" tIns="0" bIns="0">
             <a:normAutofit/>
           </a:bodyPr>
-          <a:lstStyle/>
-          <a:p>
-            <a:endParaRPr lang="de-DE" sz="3200" b="0" strike="noStrike" spc="-1">
+          <a:p>
+            <a:endParaRPr b="0" lang="de-DE" sz="3200" spc="-1" strike="noStrike">
               <a:latin typeface="Arial"/>
             </a:endParaRPr>
           </a:p>
@@ -2056,12 +1864,11 @@
           </a:prstGeom>
         </p:spPr>
         <p:txBody>
-          <a:bodyPr lIns="0" tIns="0" rIns="0" bIns="0">
+          <a:bodyPr lIns="0" rIns="0" tIns="0" bIns="0">
             <a:normAutofit/>
           </a:bodyPr>
-          <a:lstStyle/>
-          <a:p>
-            <a:endParaRPr lang="de-DE" sz="3200" b="0" strike="noStrike" spc="-1">
+          <a:p>
+            <a:endParaRPr b="0" lang="de-DE" sz="3200" spc="-1" strike="noStrike">
               <a:latin typeface="Arial"/>
             </a:endParaRPr>
           </a:p>
@@ -2087,12 +1894,11 @@
           </a:prstGeom>
         </p:spPr>
         <p:txBody>
-          <a:bodyPr lIns="0" tIns="0" rIns="0" bIns="0">
+          <a:bodyPr lIns="0" rIns="0" tIns="0" bIns="0">
             <a:normAutofit/>
           </a:bodyPr>
-          <a:lstStyle/>
-          <a:p>
-            <a:endParaRPr lang="de-DE" sz="3200" b="0" strike="noStrike" spc="-1">
+          <a:p>
+            <a:endParaRPr b="0" lang="de-DE" sz="3200" spc="-1" strike="noStrike">
               <a:latin typeface="Arial"/>
             </a:endParaRPr>
           </a:p>
@@ -2118,12 +1924,11 @@
           </a:prstGeom>
         </p:spPr>
         <p:txBody>
-          <a:bodyPr lIns="0" tIns="0" rIns="0" bIns="0">
+          <a:bodyPr lIns="0" rIns="0" tIns="0" bIns="0">
             <a:normAutofit/>
           </a:bodyPr>
-          <a:lstStyle/>
-          <a:p>
-            <a:endParaRPr lang="de-DE" sz="3200" b="0" strike="noStrike" spc="-1">
+          <a:p>
+            <a:endParaRPr b="0" lang="de-DE" sz="3200" spc="-1" strike="noStrike">
               <a:latin typeface="Arial"/>
             </a:endParaRPr>
           </a:p>
@@ -2149,12 +1954,11 @@
           </a:prstGeom>
         </p:spPr>
         <p:txBody>
-          <a:bodyPr lIns="0" tIns="0" rIns="0" bIns="0">
+          <a:bodyPr lIns="0" rIns="0" tIns="0" bIns="0">
             <a:normAutofit/>
           </a:bodyPr>
-          <a:lstStyle/>
-          <a:p>
-            <a:endParaRPr lang="de-DE" sz="3200" b="0" strike="noStrike" spc="-1">
+          <a:p>
+            <a:endParaRPr b="0" lang="de-DE" sz="3200" spc="-1" strike="noStrike">
               <a:latin typeface="Arial"/>
             </a:endParaRPr>
           </a:p>
@@ -2162,14 +1966,11 @@
       </p:sp>
     </p:spTree>
   </p:cSld>
-  <p:clrMapOvr>
-    <a:masterClrMapping/>
-  </p:clrMapOvr>
 </p:sldLayout>
 </file>
 
 <file path=ppt/slideLayouts/slideLayout3.xml><?xml version="1.0" encoding="utf-8"?>
-<p:sldLayout xmlns:a="http://schemas.openxmlformats.org/drawingml/2006/main" xmlns:r="http://schemas.openxmlformats.org/officeDocument/2006/relationships" xmlns:p="http://schemas.openxmlformats.org/presentationml/2006/main" type="obj" preserve="1">
+<p:sldLayout xmlns:a="http://schemas.openxmlformats.org/drawingml/2006/main" xmlns:p="http://schemas.openxmlformats.org/presentationml/2006/main" xmlns:r="http://schemas.openxmlformats.org/officeDocument/2006/relationships" xmlns:p14="http://schemas.microsoft.com/office/powerpoint/2010/main" xmlns:p15="http://schemas.microsoft.com/office/powerpoint/2012/main" xmlns:mc="http://schemas.openxmlformats.org/markup-compatibility/2006" type="obj" preserve="1">
   <p:cSld name="Title, Content">
     <p:spTree>
       <p:nvGrpSpPr>
@@ -2205,11 +2006,10 @@
           </a:prstGeom>
         </p:spPr>
         <p:txBody>
-          <a:bodyPr lIns="0" tIns="0" rIns="0" bIns="0" anchor="ctr"/>
-          <a:lstStyle/>
+          <a:bodyPr lIns="0" rIns="0" tIns="0" bIns="0" anchor="ctr"/>
           <a:p>
             <a:pPr algn="ctr"/>
-            <a:endParaRPr lang="de-DE" sz="4400" b="0" strike="noStrike" spc="-1">
+            <a:endParaRPr b="0" lang="de-DE" sz="4400" spc="-1" strike="noStrike">
               <a:latin typeface="Arial"/>
             </a:endParaRPr>
           </a:p>
@@ -2235,12 +2035,11 @@
           </a:prstGeom>
         </p:spPr>
         <p:txBody>
-          <a:bodyPr lIns="0" tIns="0" rIns="0" bIns="0">
+          <a:bodyPr lIns="0" rIns="0" tIns="0" bIns="0">
             <a:normAutofit/>
           </a:bodyPr>
-          <a:lstStyle/>
-          <a:p>
-            <a:endParaRPr lang="de-DE" sz="3200" b="0" strike="noStrike" spc="-1">
+          <a:p>
+            <a:endParaRPr b="0" lang="de-DE" sz="3200" spc="-1" strike="noStrike">
               <a:latin typeface="Arial"/>
             </a:endParaRPr>
           </a:p>
@@ -2248,14 +2047,11 @@
       </p:sp>
     </p:spTree>
   </p:cSld>
-  <p:clrMapOvr>
-    <a:masterClrMapping/>
-  </p:clrMapOvr>
 </p:sldLayout>
 </file>
 
 <file path=ppt/slideLayouts/slideLayout4.xml><?xml version="1.0" encoding="utf-8"?>
-<p:sldLayout xmlns:a="http://schemas.openxmlformats.org/drawingml/2006/main" xmlns:r="http://schemas.openxmlformats.org/officeDocument/2006/relationships" xmlns:p="http://schemas.openxmlformats.org/presentationml/2006/main" type="twoObj" preserve="1">
+<p:sldLayout xmlns:a="http://schemas.openxmlformats.org/drawingml/2006/main" xmlns:p="http://schemas.openxmlformats.org/presentationml/2006/main" xmlns:r="http://schemas.openxmlformats.org/officeDocument/2006/relationships" xmlns:p14="http://schemas.microsoft.com/office/powerpoint/2010/main" xmlns:p15="http://schemas.microsoft.com/office/powerpoint/2012/main" xmlns:mc="http://schemas.openxmlformats.org/markup-compatibility/2006" type="twoObj" preserve="1">
   <p:cSld name="Title, 2 Content">
     <p:spTree>
       <p:nvGrpSpPr>
@@ -2291,11 +2087,10 @@
           </a:prstGeom>
         </p:spPr>
         <p:txBody>
-          <a:bodyPr lIns="0" tIns="0" rIns="0" bIns="0" anchor="ctr"/>
-          <a:lstStyle/>
+          <a:bodyPr lIns="0" rIns="0" tIns="0" bIns="0" anchor="ctr"/>
           <a:p>
             <a:pPr algn="ctr"/>
-            <a:endParaRPr lang="de-DE" sz="4400" b="0" strike="noStrike" spc="-1">
+            <a:endParaRPr b="0" lang="de-DE" sz="4400" spc="-1" strike="noStrike">
               <a:latin typeface="Arial"/>
             </a:endParaRPr>
           </a:p>
@@ -2321,12 +2116,11 @@
           </a:prstGeom>
         </p:spPr>
         <p:txBody>
-          <a:bodyPr lIns="0" tIns="0" rIns="0" bIns="0">
+          <a:bodyPr lIns="0" rIns="0" tIns="0" bIns="0">
             <a:normAutofit/>
           </a:bodyPr>
-          <a:lstStyle/>
-          <a:p>
-            <a:endParaRPr lang="de-DE" sz="3200" b="0" strike="noStrike" spc="-1">
+          <a:p>
+            <a:endParaRPr b="0" lang="de-DE" sz="3200" spc="-1" strike="noStrike">
               <a:latin typeface="Arial"/>
             </a:endParaRPr>
           </a:p>
@@ -2352,12 +2146,11 @@
           </a:prstGeom>
         </p:spPr>
         <p:txBody>
-          <a:bodyPr lIns="0" tIns="0" rIns="0" bIns="0">
+          <a:bodyPr lIns="0" rIns="0" tIns="0" bIns="0">
             <a:normAutofit/>
           </a:bodyPr>
-          <a:lstStyle/>
-          <a:p>
-            <a:endParaRPr lang="de-DE" sz="3200" b="0" strike="noStrike" spc="-1">
+          <a:p>
+            <a:endParaRPr b="0" lang="de-DE" sz="3200" spc="-1" strike="noStrike">
               <a:latin typeface="Arial"/>
             </a:endParaRPr>
           </a:p>
@@ -2365,14 +2158,11 @@
       </p:sp>
     </p:spTree>
   </p:cSld>
-  <p:clrMapOvr>
-    <a:masterClrMapping/>
-  </p:clrMapOvr>
 </p:sldLayout>
 </file>
 
 <file path=ppt/slideLayouts/slideLayout5.xml><?xml version="1.0" encoding="utf-8"?>
-<p:sldLayout xmlns:a="http://schemas.openxmlformats.org/drawingml/2006/main" xmlns:r="http://schemas.openxmlformats.org/officeDocument/2006/relationships" xmlns:p="http://schemas.openxmlformats.org/presentationml/2006/main" type="titleOnly" preserve="1">
+<p:sldLayout xmlns:a="http://schemas.openxmlformats.org/drawingml/2006/main" xmlns:p="http://schemas.openxmlformats.org/presentationml/2006/main" xmlns:r="http://schemas.openxmlformats.org/officeDocument/2006/relationships" xmlns:p14="http://schemas.microsoft.com/office/powerpoint/2010/main" xmlns:p15="http://schemas.microsoft.com/office/powerpoint/2012/main" xmlns:mc="http://schemas.openxmlformats.org/markup-compatibility/2006" type="titleOnly" preserve="1">
   <p:cSld name="Title Only">
     <p:spTree>
       <p:nvGrpSpPr>
@@ -2408,11 +2198,10 @@
           </a:prstGeom>
         </p:spPr>
         <p:txBody>
-          <a:bodyPr lIns="0" tIns="0" rIns="0" bIns="0" anchor="ctr"/>
-          <a:lstStyle/>
+          <a:bodyPr lIns="0" rIns="0" tIns="0" bIns="0" anchor="ctr"/>
           <a:p>
             <a:pPr algn="ctr"/>
-            <a:endParaRPr lang="de-DE" sz="4400" b="0" strike="noStrike" spc="-1">
+            <a:endParaRPr b="0" lang="de-DE" sz="4400" spc="-1" strike="noStrike">
               <a:latin typeface="Arial"/>
             </a:endParaRPr>
           </a:p>
@@ -2420,14 +2209,11 @@
       </p:sp>
     </p:spTree>
   </p:cSld>
-  <p:clrMapOvr>
-    <a:masterClrMapping/>
-  </p:clrMapOvr>
 </p:sldLayout>
 </file>
 
 <file path=ppt/slideLayouts/slideLayout6.xml><?xml version="1.0" encoding="utf-8"?>
-<p:sldLayout xmlns:a="http://schemas.openxmlformats.org/drawingml/2006/main" xmlns:r="http://schemas.openxmlformats.org/officeDocument/2006/relationships" xmlns:p="http://schemas.openxmlformats.org/presentationml/2006/main" type="objOnly" preserve="1">
+<p:sldLayout xmlns:a="http://schemas.openxmlformats.org/drawingml/2006/main" xmlns:p="http://schemas.openxmlformats.org/presentationml/2006/main" xmlns:r="http://schemas.openxmlformats.org/officeDocument/2006/relationships" xmlns:p14="http://schemas.microsoft.com/office/powerpoint/2010/main" xmlns:p15="http://schemas.microsoft.com/office/powerpoint/2012/main" xmlns:mc="http://schemas.openxmlformats.org/markup-compatibility/2006" type="objOnly" preserve="1">
   <p:cSld name="Centered Text">
     <p:spTree>
       <p:nvGrpSpPr>
@@ -2463,11 +2249,10 @@
           </a:prstGeom>
         </p:spPr>
         <p:txBody>
-          <a:bodyPr lIns="0" tIns="0" rIns="0" bIns="0" anchor="ctr"/>
-          <a:lstStyle/>
+          <a:bodyPr lIns="0" rIns="0" tIns="0" bIns="0" anchor="ctr"/>
           <a:p>
             <a:pPr algn="ctr"/>
-            <a:endParaRPr lang="de-DE" sz="3200" b="0" strike="noStrike" spc="-1">
+            <a:endParaRPr b="0" lang="de-DE" sz="3200" spc="-1" strike="noStrike">
               <a:latin typeface="Arial"/>
             </a:endParaRPr>
           </a:p>
@@ -2475,14 +2260,11 @@
       </p:sp>
     </p:spTree>
   </p:cSld>
-  <p:clrMapOvr>
-    <a:masterClrMapping/>
-  </p:clrMapOvr>
 </p:sldLayout>
 </file>
 
 <file path=ppt/slideLayouts/slideLayout7.xml><?xml version="1.0" encoding="utf-8"?>
-<p:sldLayout xmlns:a="http://schemas.openxmlformats.org/drawingml/2006/main" xmlns:r="http://schemas.openxmlformats.org/officeDocument/2006/relationships" xmlns:p="http://schemas.openxmlformats.org/presentationml/2006/main" type="twoObjAndObj" preserve="1">
+<p:sldLayout xmlns:a="http://schemas.openxmlformats.org/drawingml/2006/main" xmlns:p="http://schemas.openxmlformats.org/presentationml/2006/main" xmlns:r="http://schemas.openxmlformats.org/officeDocument/2006/relationships" xmlns:p14="http://schemas.microsoft.com/office/powerpoint/2010/main" xmlns:p15="http://schemas.microsoft.com/office/powerpoint/2012/main" xmlns:mc="http://schemas.openxmlformats.org/markup-compatibility/2006" type="twoObjAndObj" preserve="1">
   <p:cSld name="Title, 2 Content and Content">
     <p:spTree>
       <p:nvGrpSpPr>
@@ -2518,11 +2300,10 @@
           </a:prstGeom>
         </p:spPr>
         <p:txBody>
-          <a:bodyPr lIns="0" tIns="0" rIns="0" bIns="0" anchor="ctr"/>
-          <a:lstStyle/>
+          <a:bodyPr lIns="0" rIns="0" tIns="0" bIns="0" anchor="ctr"/>
           <a:p>
             <a:pPr algn="ctr"/>
-            <a:endParaRPr lang="de-DE" sz="4400" b="0" strike="noStrike" spc="-1">
+            <a:endParaRPr b="0" lang="de-DE" sz="4400" spc="-1" strike="noStrike">
               <a:latin typeface="Arial"/>
             </a:endParaRPr>
           </a:p>
@@ -2548,12 +2329,11 @@
           </a:prstGeom>
         </p:spPr>
         <p:txBody>
-          <a:bodyPr lIns="0" tIns="0" rIns="0" bIns="0">
+          <a:bodyPr lIns="0" rIns="0" tIns="0" bIns="0">
             <a:normAutofit/>
           </a:bodyPr>
-          <a:lstStyle/>
-          <a:p>
-            <a:endParaRPr lang="de-DE" sz="3200" b="0" strike="noStrike" spc="-1">
+          <a:p>
+            <a:endParaRPr b="0" lang="de-DE" sz="3200" spc="-1" strike="noStrike">
               <a:latin typeface="Arial"/>
             </a:endParaRPr>
           </a:p>
@@ -2579,12 +2359,11 @@
           </a:prstGeom>
         </p:spPr>
         <p:txBody>
-          <a:bodyPr lIns="0" tIns="0" rIns="0" bIns="0">
+          <a:bodyPr lIns="0" rIns="0" tIns="0" bIns="0">
             <a:normAutofit/>
           </a:bodyPr>
-          <a:lstStyle/>
-          <a:p>
-            <a:endParaRPr lang="de-DE" sz="3200" b="0" strike="noStrike" spc="-1">
+          <a:p>
+            <a:endParaRPr b="0" lang="de-DE" sz="3200" spc="-1" strike="noStrike">
               <a:latin typeface="Arial"/>
             </a:endParaRPr>
           </a:p>
@@ -2610,12 +2389,11 @@
           </a:prstGeom>
         </p:spPr>
         <p:txBody>
-          <a:bodyPr lIns="0" tIns="0" rIns="0" bIns="0">
+          <a:bodyPr lIns="0" rIns="0" tIns="0" bIns="0">
             <a:normAutofit/>
           </a:bodyPr>
-          <a:lstStyle/>
-          <a:p>
-            <a:endParaRPr lang="de-DE" sz="3200" b="0" strike="noStrike" spc="-1">
+          <a:p>
+            <a:endParaRPr b="0" lang="de-DE" sz="3200" spc="-1" strike="noStrike">
               <a:latin typeface="Arial"/>
             </a:endParaRPr>
           </a:p>
@@ -2623,14 +2401,11 @@
       </p:sp>
     </p:spTree>
   </p:cSld>
-  <p:clrMapOvr>
-    <a:masterClrMapping/>
-  </p:clrMapOvr>
 </p:sldLayout>
 </file>
 
 <file path=ppt/slideLayouts/slideLayout8.xml><?xml version="1.0" encoding="utf-8"?>
-<p:sldLayout xmlns:a="http://schemas.openxmlformats.org/drawingml/2006/main" xmlns:r="http://schemas.openxmlformats.org/officeDocument/2006/relationships" xmlns:p="http://schemas.openxmlformats.org/presentationml/2006/main" type="objAndTwoObj" preserve="1">
+<p:sldLayout xmlns:a="http://schemas.openxmlformats.org/drawingml/2006/main" xmlns:p="http://schemas.openxmlformats.org/presentationml/2006/main" xmlns:r="http://schemas.openxmlformats.org/officeDocument/2006/relationships" xmlns:p14="http://schemas.microsoft.com/office/powerpoint/2010/main" xmlns:p15="http://schemas.microsoft.com/office/powerpoint/2012/main" xmlns:mc="http://schemas.openxmlformats.org/markup-compatibility/2006" type="objAndTwoObj" preserve="1">
   <p:cSld name="Title Content and 2 Content">
     <p:spTree>
       <p:nvGrpSpPr>
@@ -2666,11 +2441,10 @@
           </a:prstGeom>
         </p:spPr>
         <p:txBody>
-          <a:bodyPr lIns="0" tIns="0" rIns="0" bIns="0" anchor="ctr"/>
-          <a:lstStyle/>
+          <a:bodyPr lIns="0" rIns="0" tIns="0" bIns="0" anchor="ctr"/>
           <a:p>
             <a:pPr algn="ctr"/>
-            <a:endParaRPr lang="de-DE" sz="4400" b="0" strike="noStrike" spc="-1">
+            <a:endParaRPr b="0" lang="de-DE" sz="4400" spc="-1" strike="noStrike">
               <a:latin typeface="Arial"/>
             </a:endParaRPr>
           </a:p>
@@ -2696,12 +2470,11 @@
           </a:prstGeom>
         </p:spPr>
         <p:txBody>
-          <a:bodyPr lIns="0" tIns="0" rIns="0" bIns="0">
+          <a:bodyPr lIns="0" rIns="0" tIns="0" bIns="0">
             <a:normAutofit/>
           </a:bodyPr>
-          <a:lstStyle/>
-          <a:p>
-            <a:endParaRPr lang="de-DE" sz="3200" b="0" strike="noStrike" spc="-1">
+          <a:p>
+            <a:endParaRPr b="0" lang="de-DE" sz="3200" spc="-1" strike="noStrike">
               <a:latin typeface="Arial"/>
             </a:endParaRPr>
           </a:p>
@@ -2727,12 +2500,11 @@
           </a:prstGeom>
         </p:spPr>
         <p:txBody>
-          <a:bodyPr lIns="0" tIns="0" rIns="0" bIns="0">
+          <a:bodyPr lIns="0" rIns="0" tIns="0" bIns="0">
             <a:normAutofit/>
           </a:bodyPr>
-          <a:lstStyle/>
-          <a:p>
-            <a:endParaRPr lang="de-DE" sz="3200" b="0" strike="noStrike" spc="-1">
+          <a:p>
+            <a:endParaRPr b="0" lang="de-DE" sz="3200" spc="-1" strike="noStrike">
               <a:latin typeface="Arial"/>
             </a:endParaRPr>
           </a:p>
@@ -2758,12 +2530,11 @@
           </a:prstGeom>
         </p:spPr>
         <p:txBody>
-          <a:bodyPr lIns="0" tIns="0" rIns="0" bIns="0">
+          <a:bodyPr lIns="0" rIns="0" tIns="0" bIns="0">
             <a:normAutofit/>
           </a:bodyPr>
-          <a:lstStyle/>
-          <a:p>
-            <a:endParaRPr lang="de-DE" sz="3200" b="0" strike="noStrike" spc="-1">
+          <a:p>
+            <a:endParaRPr b="0" lang="de-DE" sz="3200" spc="-1" strike="noStrike">
               <a:latin typeface="Arial"/>
             </a:endParaRPr>
           </a:p>
@@ -2771,14 +2542,11 @@
       </p:sp>
     </p:spTree>
   </p:cSld>
-  <p:clrMapOvr>
-    <a:masterClrMapping/>
-  </p:clrMapOvr>
 </p:sldLayout>
 </file>
 
 <file path=ppt/slideLayouts/slideLayout9.xml><?xml version="1.0" encoding="utf-8"?>
-<p:sldLayout xmlns:a="http://schemas.openxmlformats.org/drawingml/2006/main" xmlns:r="http://schemas.openxmlformats.org/officeDocument/2006/relationships" xmlns:p="http://schemas.openxmlformats.org/presentationml/2006/main" type="twoObjOverTx" preserve="1">
+<p:sldLayout xmlns:a="http://schemas.openxmlformats.org/drawingml/2006/main" xmlns:p="http://schemas.openxmlformats.org/presentationml/2006/main" xmlns:r="http://schemas.openxmlformats.org/officeDocument/2006/relationships" xmlns:p14="http://schemas.microsoft.com/office/powerpoint/2010/main" xmlns:p15="http://schemas.microsoft.com/office/powerpoint/2012/main" xmlns:mc="http://schemas.openxmlformats.org/markup-compatibility/2006" type="twoObjOverTx" preserve="1">
   <p:cSld name="Title, 2 Content over Content">
     <p:spTree>
       <p:nvGrpSpPr>
@@ -2814,11 +2582,10 @@
           </a:prstGeom>
         </p:spPr>
         <p:txBody>
-          <a:bodyPr lIns="0" tIns="0" rIns="0" bIns="0" anchor="ctr"/>
-          <a:lstStyle/>
+          <a:bodyPr lIns="0" rIns="0" tIns="0" bIns="0" anchor="ctr"/>
           <a:p>
             <a:pPr algn="ctr"/>
-            <a:endParaRPr lang="de-DE" sz="4400" b="0" strike="noStrike" spc="-1">
+            <a:endParaRPr b="0" lang="de-DE" sz="4400" spc="-1" strike="noStrike">
               <a:latin typeface="Arial"/>
             </a:endParaRPr>
           </a:p>
@@ -2844,12 +2611,11 @@
           </a:prstGeom>
         </p:spPr>
         <p:txBody>
-          <a:bodyPr lIns="0" tIns="0" rIns="0" bIns="0">
+          <a:bodyPr lIns="0" rIns="0" tIns="0" bIns="0">
             <a:normAutofit/>
           </a:bodyPr>
-          <a:lstStyle/>
-          <a:p>
-            <a:endParaRPr lang="de-DE" sz="3200" b="0" strike="noStrike" spc="-1">
+          <a:p>
+            <a:endParaRPr b="0" lang="de-DE" sz="3200" spc="-1" strike="noStrike">
               <a:latin typeface="Arial"/>
             </a:endParaRPr>
           </a:p>
@@ -2875,12 +2641,11 @@
           </a:prstGeom>
         </p:spPr>
         <p:txBody>
-          <a:bodyPr lIns="0" tIns="0" rIns="0" bIns="0">
+          <a:bodyPr lIns="0" rIns="0" tIns="0" bIns="0">
             <a:normAutofit/>
           </a:bodyPr>
-          <a:lstStyle/>
-          <a:p>
-            <a:endParaRPr lang="de-DE" sz="3200" b="0" strike="noStrike" spc="-1">
+          <a:p>
+            <a:endParaRPr b="0" lang="de-DE" sz="3200" spc="-1" strike="noStrike">
               <a:latin typeface="Arial"/>
             </a:endParaRPr>
           </a:p>
@@ -2906,12 +2671,11 @@
           </a:prstGeom>
         </p:spPr>
         <p:txBody>
-          <a:bodyPr lIns="0" tIns="0" rIns="0" bIns="0">
+          <a:bodyPr lIns="0" rIns="0" tIns="0" bIns="0">
             <a:normAutofit/>
           </a:bodyPr>
-          <a:lstStyle/>
-          <a:p>
-            <a:endParaRPr lang="de-DE" sz="3200" b="0" strike="noStrike" spc="-1">
+          <a:p>
+            <a:endParaRPr b="0" lang="de-DE" sz="3200" spc="-1" strike="noStrike">
               <a:latin typeface="Arial"/>
             </a:endParaRPr>
           </a:p>
@@ -2919,21 +2683,17 @@
       </p:sp>
     </p:spTree>
   </p:cSld>
-  <p:clrMapOvr>
-    <a:masterClrMapping/>
-  </p:clrMapOvr>
 </p:sldLayout>
 </file>
 
 <file path=ppt/slideMasters/slideMaster1.xml><?xml version="1.0" encoding="utf-8"?>
-<p:sldMaster xmlns:a="http://schemas.openxmlformats.org/drawingml/2006/main" xmlns:r="http://schemas.openxmlformats.org/officeDocument/2006/relationships" xmlns:p="http://schemas.openxmlformats.org/presentationml/2006/main">
+<p:sldMaster xmlns:a="http://schemas.openxmlformats.org/drawingml/2006/main" xmlns:p="http://schemas.openxmlformats.org/presentationml/2006/main" xmlns:r="http://schemas.openxmlformats.org/officeDocument/2006/relationships" xmlns:p14="http://schemas.microsoft.com/office/powerpoint/2010/main" xmlns:p15="http://schemas.microsoft.com/office/powerpoint/2012/main" xmlns:mc="http://schemas.openxmlformats.org/markup-compatibility/2006">
   <p:cSld>
     <p:bg>
       <p:bgPr>
         <a:solidFill>
-          <a:srgbClr val="FFFFFF"/>
+          <a:srgbClr val="ffffff"/>
         </a:solidFill>
-        <a:effectLst/>
       </p:bgPr>
     </p:bg>
     <p:spTree>
@@ -2952,7 +2712,7 @@
       </p:grpSpPr>
       <p:sp>
         <p:nvSpPr>
-          <p:cNvPr id="8" name="CustomShape 1" hidden="1"/>
+          <p:cNvPr id="0" name="CustomShape 1" hidden="1"/>
           <p:cNvSpPr/>
           <p:nvPr/>
         </p:nvSpPr>
@@ -2988,7 +2748,7 @@
       </p:sp>
       <p:sp>
         <p:nvSpPr>
-          <p:cNvPr id="9" name="CustomShape 2" hidden="1"/>
+          <p:cNvPr id="1" name="CustomShape 2" hidden="1"/>
           <p:cNvSpPr/>
           <p:nvPr/>
         </p:nvSpPr>
@@ -3188,15 +2948,17 @@
           </a:prstGeom>
         </p:spPr>
         <p:txBody>
-          <a:bodyPr lIns="0" tIns="0" rIns="0" bIns="0" anchor="ctr"/>
-          <a:lstStyle/>
+          <a:bodyPr lIns="0" rIns="0" tIns="0" bIns="0" anchor="ctr"/>
           <a:p>
             <a:r>
-              <a:rPr lang="de-DE" sz="1800" b="0" strike="noStrike" spc="-1">
+              <a:rPr b="0" lang="de-DE" sz="1800" spc="-1" strike="noStrike">
                 <a:latin typeface="Arial"/>
               </a:rPr>
               <a:t>Format des Titeltextes durch Klicken bearbeiten</a:t>
             </a:r>
+            <a:endParaRPr b="0" lang="de-DE" sz="1800" spc="-1" strike="noStrike">
+              <a:latin typeface="Arial"/>
+            </a:endParaRPr>
           </a:p>
         </p:txBody>
       </p:sp>
@@ -3220,10 +2982,9 @@
           </a:prstGeom>
         </p:spPr>
         <p:txBody>
-          <a:bodyPr lIns="0" tIns="0" rIns="0" bIns="0">
+          <a:bodyPr lIns="0" rIns="0" tIns="0" bIns="0">
             <a:normAutofit/>
           </a:bodyPr>
-          <a:lstStyle/>
           <a:p>
             <a:pPr marL="432000" indent="-324000">
               <a:spcBef>
@@ -3237,14 +2998,17 @@
               <a:buChar char=""/>
             </a:pPr>
             <a:r>
-              <a:rPr lang="de-DE" sz="3200" b="0" strike="noStrike" spc="-1">
+              <a:rPr b="0" lang="de-DE" sz="3200" spc="-1" strike="noStrike">
                 <a:latin typeface="Arial"/>
               </a:rPr>
               <a:t>Format des Gliederungstextes durch Klicken bearbeiten</a:t>
             </a:r>
-          </a:p>
-          <a:p>
-            <a:pPr marL="864000" lvl="1" indent="-324000">
+            <a:endParaRPr b="0" lang="de-DE" sz="3200" spc="-1" strike="noStrike">
+              <a:latin typeface="Arial"/>
+            </a:endParaRPr>
+          </a:p>
+          <a:p>
+            <a:pPr lvl="1" marL="864000" indent="-324000">
               <a:spcBef>
                 <a:spcPts val="1134"/>
               </a:spcBef>
@@ -3256,14 +3020,17 @@
               <a:buChar char=""/>
             </a:pPr>
             <a:r>
-              <a:rPr lang="de-DE" sz="2800" b="0" strike="noStrike" spc="-1">
+              <a:rPr b="0" lang="de-DE" sz="2800" spc="-1" strike="noStrike">
                 <a:latin typeface="Arial"/>
               </a:rPr>
               <a:t>Zweite Gliederungsebene</a:t>
             </a:r>
-          </a:p>
-          <a:p>
-            <a:pPr marL="1296000" lvl="2" indent="-288000">
+            <a:endParaRPr b="0" lang="de-DE" sz="2800" spc="-1" strike="noStrike">
+              <a:latin typeface="Arial"/>
+            </a:endParaRPr>
+          </a:p>
+          <a:p>
+            <a:pPr lvl="2" marL="1296000" indent="-288000">
               <a:spcBef>
                 <a:spcPts val="850"/>
               </a:spcBef>
@@ -3275,14 +3042,17 @@
               <a:buChar char=""/>
             </a:pPr>
             <a:r>
-              <a:rPr lang="de-DE" sz="2400" b="0" strike="noStrike" spc="-1">
+              <a:rPr b="0" lang="de-DE" sz="2400" spc="-1" strike="noStrike">
                 <a:latin typeface="Arial"/>
               </a:rPr>
               <a:t>Dritte Gliederungsebene</a:t>
             </a:r>
-          </a:p>
-          <a:p>
-            <a:pPr marL="1728000" lvl="3" indent="-216000">
+            <a:endParaRPr b="0" lang="de-DE" sz="2400" spc="-1" strike="noStrike">
+              <a:latin typeface="Arial"/>
+            </a:endParaRPr>
+          </a:p>
+          <a:p>
+            <a:pPr lvl="3" marL="1728000" indent="-216000">
               <a:spcBef>
                 <a:spcPts val="567"/>
               </a:spcBef>
@@ -3294,14 +3064,17 @@
               <a:buChar char=""/>
             </a:pPr>
             <a:r>
-              <a:rPr lang="de-DE" sz="2000" b="0" strike="noStrike" spc="-1">
+              <a:rPr b="0" lang="de-DE" sz="2000" spc="-1" strike="noStrike">
                 <a:latin typeface="Arial"/>
               </a:rPr>
               <a:t>Vierte Gliederungsebene</a:t>
             </a:r>
-          </a:p>
-          <a:p>
-            <a:pPr marL="2160000" lvl="4" indent="-216000">
+            <a:endParaRPr b="0" lang="de-DE" sz="2000" spc="-1" strike="noStrike">
+              <a:latin typeface="Arial"/>
+            </a:endParaRPr>
+          </a:p>
+          <a:p>
+            <a:pPr lvl="4" marL="2160000" indent="-216000">
               <a:spcBef>
                 <a:spcPts val="283"/>
               </a:spcBef>
@@ -3313,14 +3086,17 @@
               <a:buChar char=""/>
             </a:pPr>
             <a:r>
-              <a:rPr lang="de-DE" sz="2000" b="0" strike="noStrike" spc="-1">
+              <a:rPr b="0" lang="de-DE" sz="2000" spc="-1" strike="noStrike">
                 <a:latin typeface="Arial"/>
               </a:rPr>
               <a:t>Fünfte Gliederungsebene</a:t>
             </a:r>
-          </a:p>
-          <a:p>
-            <a:pPr marL="2592000" lvl="5" indent="-216000">
+            <a:endParaRPr b="0" lang="de-DE" sz="2000" spc="-1" strike="noStrike">
+              <a:latin typeface="Arial"/>
+            </a:endParaRPr>
+          </a:p>
+          <a:p>
+            <a:pPr lvl="5" marL="2592000" indent="-216000">
               <a:spcBef>
                 <a:spcPts val="283"/>
               </a:spcBef>
@@ -3332,14 +3108,17 @@
               <a:buChar char=""/>
             </a:pPr>
             <a:r>
-              <a:rPr lang="de-DE" sz="2000" b="0" strike="noStrike" spc="-1">
+              <a:rPr b="0" lang="de-DE" sz="2000" spc="-1" strike="noStrike">
                 <a:latin typeface="Arial"/>
               </a:rPr>
               <a:t>Sechste Gliederungsebene</a:t>
             </a:r>
-          </a:p>
-          <a:p>
-            <a:pPr marL="3024000" lvl="6" indent="-216000">
+            <a:endParaRPr b="0" lang="de-DE" sz="2000" spc="-1" strike="noStrike">
+              <a:latin typeface="Arial"/>
+            </a:endParaRPr>
+          </a:p>
+          <a:p>
+            <a:pPr lvl="6" marL="3024000" indent="-216000">
               <a:spcBef>
                 <a:spcPts val="283"/>
               </a:spcBef>
@@ -3351,323 +3130,45 @@
               <a:buChar char=""/>
             </a:pPr>
             <a:r>
-              <a:rPr lang="de-DE" sz="2000" b="0" strike="noStrike" spc="-1">
+              <a:rPr b="0" lang="de-DE" sz="2000" spc="-1" strike="noStrike">
                 <a:latin typeface="Arial"/>
               </a:rPr>
               <a:t>Siebte Gliederungsebene</a:t>
             </a:r>
+            <a:endParaRPr b="0" lang="de-DE" sz="2000" spc="-1" strike="noStrike">
+              <a:latin typeface="Arial"/>
+            </a:endParaRPr>
           </a:p>
         </p:txBody>
       </p:sp>
     </p:spTree>
   </p:cSld>
-  <p:clrMap bg1="lt1" tx1="dk1" bg2="lt2" tx2="dk2" accent1="accent1" accent2="accent2" accent3="accent3" accent4="accent4" accent5="accent5" accent6="accent6" hlink="hlink" folHlink="folHlink"/>
+  <p:clrMap bg1="lt1" bg2="lt2" tx1="dk1" tx2="dk2" accent1="accent1" accent2="accent2" accent3="accent3" accent4="accent4" accent5="accent5" accent6="accent6" hlink="hlink" folHlink="folHlink"/>
   <p:sldLayoutIdLst>
-    <p:sldLayoutId id="2147483649" r:id="rId1"/>
-    <p:sldLayoutId id="2147483650" r:id="rId2"/>
-    <p:sldLayoutId id="2147483651" r:id="rId3"/>
-    <p:sldLayoutId id="2147483652" r:id="rId4"/>
-    <p:sldLayoutId id="2147483653" r:id="rId5"/>
-    <p:sldLayoutId id="2147483654" r:id="rId6"/>
-    <p:sldLayoutId id="2147483655" r:id="rId7"/>
-    <p:sldLayoutId id="2147483656" r:id="rId8"/>
-    <p:sldLayoutId id="2147483657" r:id="rId9"/>
-    <p:sldLayoutId id="2147483658" r:id="rId10"/>
-    <p:sldLayoutId id="2147483659" r:id="rId11"/>
-    <p:sldLayoutId id="2147483660" r:id="rId12"/>
+    <p:sldLayoutId id="2147483649" r:id="rId2"/>
+    <p:sldLayoutId id="2147483650" r:id="rId3"/>
+    <p:sldLayoutId id="2147483651" r:id="rId4"/>
+    <p:sldLayoutId id="2147483652" r:id="rId5"/>
+    <p:sldLayoutId id="2147483653" r:id="rId6"/>
+    <p:sldLayoutId id="2147483654" r:id="rId7"/>
+    <p:sldLayoutId id="2147483655" r:id="rId8"/>
+    <p:sldLayoutId id="2147483656" r:id="rId9"/>
+    <p:sldLayoutId id="2147483657" r:id="rId10"/>
+    <p:sldLayoutId id="2147483658" r:id="rId11"/>
+    <p:sldLayoutId id="2147483659" r:id="rId12"/>
+    <p:sldLayoutId id="2147483660" r:id="rId13"/>
   </p:sldLayoutIdLst>
-  <p:txStyles>
-    <p:titleStyle>
-      <a:lvl1pPr algn="l" defTabSz="914400" rtl="0" eaLnBrk="1" latinLnBrk="0" hangingPunct="1">
-        <a:lnSpc>
-          <a:spcPct val="90000"/>
-        </a:lnSpc>
-        <a:spcBef>
-          <a:spcPct val="0"/>
-        </a:spcBef>
-        <a:buNone/>
-        <a:defRPr sz="4400" kern="1200">
-          <a:solidFill>
-            <a:schemeClr val="tx1"/>
-          </a:solidFill>
-          <a:latin typeface="+mj-lt"/>
-          <a:ea typeface="+mj-ea"/>
-          <a:cs typeface="+mj-cs"/>
-        </a:defRPr>
-      </a:lvl1pPr>
-    </p:titleStyle>
-    <p:bodyStyle>
-      <a:lvl1pPr marL="228600" indent="-228600" algn="l" defTabSz="914400" rtl="0" eaLnBrk="1" latinLnBrk="0" hangingPunct="1">
-        <a:lnSpc>
-          <a:spcPct val="90000"/>
-        </a:lnSpc>
-        <a:spcBef>
-          <a:spcPts val="1000"/>
-        </a:spcBef>
-        <a:buFont typeface="Arial" panose="020B0604020202020204" pitchFamily="34" charset="0"/>
-        <a:buChar char="•"/>
-        <a:defRPr sz="2800" kern="1200">
-          <a:solidFill>
-            <a:schemeClr val="tx1"/>
-          </a:solidFill>
-          <a:latin typeface="+mn-lt"/>
-          <a:ea typeface="+mn-ea"/>
-          <a:cs typeface="+mn-cs"/>
-        </a:defRPr>
-      </a:lvl1pPr>
-      <a:lvl2pPr marL="685800" indent="-228600" algn="l" defTabSz="914400" rtl="0" eaLnBrk="1" latinLnBrk="0" hangingPunct="1">
-        <a:lnSpc>
-          <a:spcPct val="90000"/>
-        </a:lnSpc>
-        <a:spcBef>
-          <a:spcPts val="500"/>
-        </a:spcBef>
-        <a:buFont typeface="Arial" panose="020B0604020202020204" pitchFamily="34" charset="0"/>
-        <a:buChar char="•"/>
-        <a:defRPr sz="2400" kern="1200">
-          <a:solidFill>
-            <a:schemeClr val="tx1"/>
-          </a:solidFill>
-          <a:latin typeface="+mn-lt"/>
-          <a:ea typeface="+mn-ea"/>
-          <a:cs typeface="+mn-cs"/>
-        </a:defRPr>
-      </a:lvl2pPr>
-      <a:lvl3pPr marL="1143000" indent="-228600" algn="l" defTabSz="914400" rtl="0" eaLnBrk="1" latinLnBrk="0" hangingPunct="1">
-        <a:lnSpc>
-          <a:spcPct val="90000"/>
-        </a:lnSpc>
-        <a:spcBef>
-          <a:spcPts val="500"/>
-        </a:spcBef>
-        <a:buFont typeface="Arial" panose="020B0604020202020204" pitchFamily="34" charset="0"/>
-        <a:buChar char="•"/>
-        <a:defRPr sz="2000" kern="1200">
-          <a:solidFill>
-            <a:schemeClr val="tx1"/>
-          </a:solidFill>
-          <a:latin typeface="+mn-lt"/>
-          <a:ea typeface="+mn-ea"/>
-          <a:cs typeface="+mn-cs"/>
-        </a:defRPr>
-      </a:lvl3pPr>
-      <a:lvl4pPr marL="1600200" indent="-228600" algn="l" defTabSz="914400" rtl="0" eaLnBrk="1" latinLnBrk="0" hangingPunct="1">
-        <a:lnSpc>
-          <a:spcPct val="90000"/>
-        </a:lnSpc>
-        <a:spcBef>
-          <a:spcPts val="500"/>
-        </a:spcBef>
-        <a:buFont typeface="Arial" panose="020B0604020202020204" pitchFamily="34" charset="0"/>
-        <a:buChar char="•"/>
-        <a:defRPr sz="1800" kern="1200">
-          <a:solidFill>
-            <a:schemeClr val="tx1"/>
-          </a:solidFill>
-          <a:latin typeface="+mn-lt"/>
-          <a:ea typeface="+mn-ea"/>
-          <a:cs typeface="+mn-cs"/>
-        </a:defRPr>
-      </a:lvl4pPr>
-      <a:lvl5pPr marL="2057400" indent="-228600" algn="l" defTabSz="914400" rtl="0" eaLnBrk="1" latinLnBrk="0" hangingPunct="1">
-        <a:lnSpc>
-          <a:spcPct val="90000"/>
-        </a:lnSpc>
-        <a:spcBef>
-          <a:spcPts val="500"/>
-        </a:spcBef>
-        <a:buFont typeface="Arial" panose="020B0604020202020204" pitchFamily="34" charset="0"/>
-        <a:buChar char="•"/>
-        <a:defRPr sz="1800" kern="1200">
-          <a:solidFill>
-            <a:schemeClr val="tx1"/>
-          </a:solidFill>
-          <a:latin typeface="+mn-lt"/>
-          <a:ea typeface="+mn-ea"/>
-          <a:cs typeface="+mn-cs"/>
-        </a:defRPr>
-      </a:lvl5pPr>
-      <a:lvl6pPr marL="2514600" indent="-228600" algn="l" defTabSz="914400" rtl="0" eaLnBrk="1" latinLnBrk="0" hangingPunct="1">
-        <a:lnSpc>
-          <a:spcPct val="90000"/>
-        </a:lnSpc>
-        <a:spcBef>
-          <a:spcPts val="500"/>
-        </a:spcBef>
-        <a:buFont typeface="Arial" panose="020B0604020202020204" pitchFamily="34" charset="0"/>
-        <a:buChar char="•"/>
-        <a:defRPr sz="1800" kern="1200">
-          <a:solidFill>
-            <a:schemeClr val="tx1"/>
-          </a:solidFill>
-          <a:latin typeface="+mn-lt"/>
-          <a:ea typeface="+mn-ea"/>
-          <a:cs typeface="+mn-cs"/>
-        </a:defRPr>
-      </a:lvl6pPr>
-      <a:lvl7pPr marL="2971800" indent="-228600" algn="l" defTabSz="914400" rtl="0" eaLnBrk="1" latinLnBrk="0" hangingPunct="1">
-        <a:lnSpc>
-          <a:spcPct val="90000"/>
-        </a:lnSpc>
-        <a:spcBef>
-          <a:spcPts val="500"/>
-        </a:spcBef>
-        <a:buFont typeface="Arial" panose="020B0604020202020204" pitchFamily="34" charset="0"/>
-        <a:buChar char="•"/>
-        <a:defRPr sz="1800" kern="1200">
-          <a:solidFill>
-            <a:schemeClr val="tx1"/>
-          </a:solidFill>
-          <a:latin typeface="+mn-lt"/>
-          <a:ea typeface="+mn-ea"/>
-          <a:cs typeface="+mn-cs"/>
-        </a:defRPr>
-      </a:lvl7pPr>
-      <a:lvl8pPr marL="3429000" indent="-228600" algn="l" defTabSz="914400" rtl="0" eaLnBrk="1" latinLnBrk="0" hangingPunct="1">
-        <a:lnSpc>
-          <a:spcPct val="90000"/>
-        </a:lnSpc>
-        <a:spcBef>
-          <a:spcPts val="500"/>
-        </a:spcBef>
-        <a:buFont typeface="Arial" panose="020B0604020202020204" pitchFamily="34" charset="0"/>
-        <a:buChar char="•"/>
-        <a:defRPr sz="1800" kern="1200">
-          <a:solidFill>
-            <a:schemeClr val="tx1"/>
-          </a:solidFill>
-          <a:latin typeface="+mn-lt"/>
-          <a:ea typeface="+mn-ea"/>
-          <a:cs typeface="+mn-cs"/>
-        </a:defRPr>
-      </a:lvl8pPr>
-      <a:lvl9pPr marL="3886200" indent="-228600" algn="l" defTabSz="914400" rtl="0" eaLnBrk="1" latinLnBrk="0" hangingPunct="1">
-        <a:lnSpc>
-          <a:spcPct val="90000"/>
-        </a:lnSpc>
-        <a:spcBef>
-          <a:spcPts val="500"/>
-        </a:spcBef>
-        <a:buFont typeface="Arial" panose="020B0604020202020204" pitchFamily="34" charset="0"/>
-        <a:buChar char="•"/>
-        <a:defRPr sz="1800" kern="1200">
-          <a:solidFill>
-            <a:schemeClr val="tx1"/>
-          </a:solidFill>
-          <a:latin typeface="+mn-lt"/>
-          <a:ea typeface="+mn-ea"/>
-          <a:cs typeface="+mn-cs"/>
-        </a:defRPr>
-      </a:lvl9pPr>
-    </p:bodyStyle>
-    <p:otherStyle>
-      <a:defPPr>
-        <a:defRPr lang="en-US"/>
-      </a:defPPr>
-      <a:lvl1pPr marL="0" algn="l" defTabSz="914400" rtl="0" eaLnBrk="1" latinLnBrk="0" hangingPunct="1">
-        <a:defRPr sz="1800" kern="1200">
-          <a:solidFill>
-            <a:schemeClr val="tx1"/>
-          </a:solidFill>
-          <a:latin typeface="+mn-lt"/>
-          <a:ea typeface="+mn-ea"/>
-          <a:cs typeface="+mn-cs"/>
-        </a:defRPr>
-      </a:lvl1pPr>
-      <a:lvl2pPr marL="457200" algn="l" defTabSz="914400" rtl="0" eaLnBrk="1" latinLnBrk="0" hangingPunct="1">
-        <a:defRPr sz="1800" kern="1200">
-          <a:solidFill>
-            <a:schemeClr val="tx1"/>
-          </a:solidFill>
-          <a:latin typeface="+mn-lt"/>
-          <a:ea typeface="+mn-ea"/>
-          <a:cs typeface="+mn-cs"/>
-        </a:defRPr>
-      </a:lvl2pPr>
-      <a:lvl3pPr marL="914400" algn="l" defTabSz="914400" rtl="0" eaLnBrk="1" latinLnBrk="0" hangingPunct="1">
-        <a:defRPr sz="1800" kern="1200">
-          <a:solidFill>
-            <a:schemeClr val="tx1"/>
-          </a:solidFill>
-          <a:latin typeface="+mn-lt"/>
-          <a:ea typeface="+mn-ea"/>
-          <a:cs typeface="+mn-cs"/>
-        </a:defRPr>
-      </a:lvl3pPr>
-      <a:lvl4pPr marL="1371600" algn="l" defTabSz="914400" rtl="0" eaLnBrk="1" latinLnBrk="0" hangingPunct="1">
-        <a:defRPr sz="1800" kern="1200">
-          <a:solidFill>
-            <a:schemeClr val="tx1"/>
-          </a:solidFill>
-          <a:latin typeface="+mn-lt"/>
-          <a:ea typeface="+mn-ea"/>
-          <a:cs typeface="+mn-cs"/>
-        </a:defRPr>
-      </a:lvl4pPr>
-      <a:lvl5pPr marL="1828800" algn="l" defTabSz="914400" rtl="0" eaLnBrk="1" latinLnBrk="0" hangingPunct="1">
-        <a:defRPr sz="1800" kern="1200">
-          <a:solidFill>
-            <a:schemeClr val="tx1"/>
-          </a:solidFill>
-          <a:latin typeface="+mn-lt"/>
-          <a:ea typeface="+mn-ea"/>
-          <a:cs typeface="+mn-cs"/>
-        </a:defRPr>
-      </a:lvl5pPr>
-      <a:lvl6pPr marL="2286000" algn="l" defTabSz="914400" rtl="0" eaLnBrk="1" latinLnBrk="0" hangingPunct="1">
-        <a:defRPr sz="1800" kern="1200">
-          <a:solidFill>
-            <a:schemeClr val="tx1"/>
-          </a:solidFill>
-          <a:latin typeface="+mn-lt"/>
-          <a:ea typeface="+mn-ea"/>
-          <a:cs typeface="+mn-cs"/>
-        </a:defRPr>
-      </a:lvl6pPr>
-      <a:lvl7pPr marL="2743200" algn="l" defTabSz="914400" rtl="0" eaLnBrk="1" latinLnBrk="0" hangingPunct="1">
-        <a:defRPr sz="1800" kern="1200">
-          <a:solidFill>
-            <a:schemeClr val="tx1"/>
-          </a:solidFill>
-          <a:latin typeface="+mn-lt"/>
-          <a:ea typeface="+mn-ea"/>
-          <a:cs typeface="+mn-cs"/>
-        </a:defRPr>
-      </a:lvl7pPr>
-      <a:lvl8pPr marL="3200400" algn="l" defTabSz="914400" rtl="0" eaLnBrk="1" latinLnBrk="0" hangingPunct="1">
-        <a:defRPr sz="1800" kern="1200">
-          <a:solidFill>
-            <a:schemeClr val="tx1"/>
-          </a:solidFill>
-          <a:latin typeface="+mn-lt"/>
-          <a:ea typeface="+mn-ea"/>
-          <a:cs typeface="+mn-cs"/>
-        </a:defRPr>
-      </a:lvl8pPr>
-      <a:lvl9pPr marL="3657600" algn="l" defTabSz="914400" rtl="0" eaLnBrk="1" latinLnBrk="0" hangingPunct="1">
-        <a:defRPr sz="1800" kern="1200">
-          <a:solidFill>
-            <a:schemeClr val="tx1"/>
-          </a:solidFill>
-          <a:latin typeface="+mn-lt"/>
-          <a:ea typeface="+mn-ea"/>
-          <a:cs typeface="+mn-cs"/>
-        </a:defRPr>
-      </a:lvl9pPr>
-    </p:otherStyle>
-  </p:txStyles>
 </p:sldMaster>
 </file>
 
 <file path=ppt/slideMasters/slideMaster2.xml><?xml version="1.0" encoding="utf-8"?>
-<p:sldMaster xmlns:a="http://schemas.openxmlformats.org/drawingml/2006/main" xmlns:r="http://schemas.openxmlformats.org/officeDocument/2006/relationships" xmlns:p="http://schemas.openxmlformats.org/presentationml/2006/main">
+<p:sldMaster xmlns:a="http://schemas.openxmlformats.org/drawingml/2006/main" xmlns:p="http://schemas.openxmlformats.org/presentationml/2006/main" xmlns:r="http://schemas.openxmlformats.org/officeDocument/2006/relationships" xmlns:p14="http://schemas.microsoft.com/office/powerpoint/2010/main" xmlns:p15="http://schemas.microsoft.com/office/powerpoint/2012/main" xmlns:mc="http://schemas.openxmlformats.org/markup-compatibility/2006">
   <p:cSld>
     <p:bg>
       <p:bgPr>
         <a:solidFill>
-          <a:srgbClr val="FFFFFF"/>
+          <a:srgbClr val="ffffff"/>
         </a:solidFill>
-        <a:effectLst/>
       </p:bgPr>
     </p:bg>
     <p:spTree>
@@ -3813,16 +3314,18 @@
           </a:prstGeom>
         </p:spPr>
         <p:txBody>
-          <a:bodyPr lIns="0" tIns="0" rIns="0" bIns="0" anchor="ctr"/>
-          <a:lstStyle/>
+          <a:bodyPr lIns="0" rIns="0" tIns="0" bIns="0" anchor="ctr"/>
           <a:p>
             <a:pPr algn="ctr"/>
             <a:r>
-              <a:rPr lang="de-DE" sz="4400" b="0" strike="noStrike" spc="-1">
+              <a:rPr b="0" lang="de-DE" sz="4400" spc="-1" strike="noStrike">
                 <a:latin typeface="Arial"/>
               </a:rPr>
               <a:t>Format des Titeltextes durch Klicken bearbeiten</a:t>
             </a:r>
+            <a:endParaRPr b="0" lang="de-DE" sz="4400" spc="-1" strike="noStrike">
+              <a:latin typeface="Arial"/>
+            </a:endParaRPr>
           </a:p>
         </p:txBody>
       </p:sp>
@@ -3846,10 +3349,9 @@
           </a:prstGeom>
         </p:spPr>
         <p:txBody>
-          <a:bodyPr lIns="0" tIns="0" rIns="0" bIns="0">
+          <a:bodyPr lIns="0" rIns="0" tIns="0" bIns="0">
             <a:normAutofit/>
           </a:bodyPr>
-          <a:lstStyle/>
           <a:p>
             <a:pPr marL="432000" indent="-324000">
               <a:spcBef>
@@ -3863,14 +3365,17 @@
               <a:buChar char=""/>
             </a:pPr>
             <a:r>
-              <a:rPr lang="de-DE" sz="3200" b="0" strike="noStrike" spc="-1">
+              <a:rPr b="0" lang="de-DE" sz="3200" spc="-1" strike="noStrike">
                 <a:latin typeface="Arial"/>
               </a:rPr>
               <a:t>Format des Gliederungstextes durch Klicken bearbeiten</a:t>
             </a:r>
-          </a:p>
-          <a:p>
-            <a:pPr marL="864000" lvl="1" indent="-324000">
+            <a:endParaRPr b="0" lang="de-DE" sz="3200" spc="-1" strike="noStrike">
+              <a:latin typeface="Arial"/>
+            </a:endParaRPr>
+          </a:p>
+          <a:p>
+            <a:pPr lvl="1" marL="864000" indent="-324000">
               <a:spcBef>
                 <a:spcPts val="1134"/>
               </a:spcBef>
@@ -3882,14 +3387,17 @@
               <a:buChar char=""/>
             </a:pPr>
             <a:r>
-              <a:rPr lang="de-DE" sz="2800" b="0" strike="noStrike" spc="-1">
+              <a:rPr b="0" lang="de-DE" sz="2800" spc="-1" strike="noStrike">
                 <a:latin typeface="Arial"/>
               </a:rPr>
               <a:t>Zweite Gliederungsebene</a:t>
             </a:r>
-          </a:p>
-          <a:p>
-            <a:pPr marL="1296000" lvl="2" indent="-288000">
+            <a:endParaRPr b="0" lang="de-DE" sz="2800" spc="-1" strike="noStrike">
+              <a:latin typeface="Arial"/>
+            </a:endParaRPr>
+          </a:p>
+          <a:p>
+            <a:pPr lvl="2" marL="1296000" indent="-288000">
               <a:spcBef>
                 <a:spcPts val="850"/>
               </a:spcBef>
@@ -3901,14 +3409,17 @@
               <a:buChar char=""/>
             </a:pPr>
             <a:r>
-              <a:rPr lang="de-DE" sz="2400" b="0" strike="noStrike" spc="-1">
+              <a:rPr b="0" lang="de-DE" sz="2400" spc="-1" strike="noStrike">
                 <a:latin typeface="Arial"/>
               </a:rPr>
               <a:t>Dritte Gliederungsebene</a:t>
             </a:r>
-          </a:p>
-          <a:p>
-            <a:pPr marL="1728000" lvl="3" indent="-216000">
+            <a:endParaRPr b="0" lang="de-DE" sz="2400" spc="-1" strike="noStrike">
+              <a:latin typeface="Arial"/>
+            </a:endParaRPr>
+          </a:p>
+          <a:p>
+            <a:pPr lvl="3" marL="1728000" indent="-216000">
               <a:spcBef>
                 <a:spcPts val="567"/>
               </a:spcBef>
@@ -3920,14 +3431,17 @@
               <a:buChar char=""/>
             </a:pPr>
             <a:r>
-              <a:rPr lang="de-DE" sz="2000" b="0" strike="noStrike" spc="-1">
+              <a:rPr b="0" lang="de-DE" sz="2000" spc="-1" strike="noStrike">
                 <a:latin typeface="Arial"/>
               </a:rPr>
               <a:t>Vierte Gliederungsebene</a:t>
             </a:r>
-          </a:p>
-          <a:p>
-            <a:pPr marL="2160000" lvl="4" indent="-216000">
+            <a:endParaRPr b="0" lang="de-DE" sz="2000" spc="-1" strike="noStrike">
+              <a:latin typeface="Arial"/>
+            </a:endParaRPr>
+          </a:p>
+          <a:p>
+            <a:pPr lvl="4" marL="2160000" indent="-216000">
               <a:spcBef>
                 <a:spcPts val="283"/>
               </a:spcBef>
@@ -3939,14 +3453,17 @@
               <a:buChar char=""/>
             </a:pPr>
             <a:r>
-              <a:rPr lang="de-DE" sz="2000" b="0" strike="noStrike" spc="-1">
+              <a:rPr b="0" lang="de-DE" sz="2000" spc="-1" strike="noStrike">
                 <a:latin typeface="Arial"/>
               </a:rPr>
               <a:t>Fünfte Gliederungsebene</a:t>
             </a:r>
-          </a:p>
-          <a:p>
-            <a:pPr marL="2592000" lvl="5" indent="-216000">
+            <a:endParaRPr b="0" lang="de-DE" sz="2000" spc="-1" strike="noStrike">
+              <a:latin typeface="Arial"/>
+            </a:endParaRPr>
+          </a:p>
+          <a:p>
+            <a:pPr lvl="5" marL="2592000" indent="-216000">
               <a:spcBef>
                 <a:spcPts val="283"/>
               </a:spcBef>
@@ -3958,14 +3475,17 @@
               <a:buChar char=""/>
             </a:pPr>
             <a:r>
-              <a:rPr lang="de-DE" sz="2000" b="0" strike="noStrike" spc="-1">
+              <a:rPr b="0" lang="de-DE" sz="2000" spc="-1" strike="noStrike">
                 <a:latin typeface="Arial"/>
               </a:rPr>
               <a:t>Sechste Gliederungsebene</a:t>
             </a:r>
-          </a:p>
-          <a:p>
-            <a:pPr marL="3024000" lvl="6" indent="-216000">
+            <a:endParaRPr b="0" lang="de-DE" sz="2000" spc="-1" strike="noStrike">
+              <a:latin typeface="Arial"/>
+            </a:endParaRPr>
+          </a:p>
+          <a:p>
+            <a:pPr lvl="6" marL="3024000" indent="-216000">
               <a:spcBef>
                 <a:spcPts val="283"/>
               </a:spcBef>
@@ -3977,316 +3497,39 @@
               <a:buChar char=""/>
             </a:pPr>
             <a:r>
-              <a:rPr lang="de-DE" sz="2000" b="0" strike="noStrike" spc="-1">
+              <a:rPr b="0" lang="de-DE" sz="2000" spc="-1" strike="noStrike">
                 <a:latin typeface="Arial"/>
               </a:rPr>
               <a:t>Siebte Gliederungsebene</a:t>
             </a:r>
+            <a:endParaRPr b="0" lang="de-DE" sz="2000" spc="-1" strike="noStrike">
+              <a:latin typeface="Arial"/>
+            </a:endParaRPr>
           </a:p>
         </p:txBody>
       </p:sp>
     </p:spTree>
   </p:cSld>
-  <p:clrMap bg1="lt1" tx1="dk1" bg2="lt2" tx2="dk2" accent1="accent1" accent2="accent2" accent3="accent3" accent4="accent4" accent5="accent5" accent6="accent6" hlink="hlink" folHlink="folHlink"/>
+  <p:clrMap bg1="lt1" bg2="lt2" tx1="dk1" tx2="dk2" accent1="accent1" accent2="accent2" accent3="accent3" accent4="accent4" accent5="accent5" accent6="accent6" hlink="hlink" folHlink="folHlink"/>
   <p:sldLayoutIdLst>
-    <p:sldLayoutId id="2147483662" r:id="rId1"/>
-    <p:sldLayoutId id="2147483663" r:id="rId2"/>
-    <p:sldLayoutId id="2147483664" r:id="rId3"/>
-    <p:sldLayoutId id="2147483665" r:id="rId4"/>
-    <p:sldLayoutId id="2147483666" r:id="rId5"/>
-    <p:sldLayoutId id="2147483667" r:id="rId6"/>
-    <p:sldLayoutId id="2147483668" r:id="rId7"/>
-    <p:sldLayoutId id="2147483669" r:id="rId8"/>
-    <p:sldLayoutId id="2147483670" r:id="rId9"/>
-    <p:sldLayoutId id="2147483671" r:id="rId10"/>
-    <p:sldLayoutId id="2147483672" r:id="rId11"/>
-    <p:sldLayoutId id="2147483673" r:id="rId12"/>
+    <p:sldLayoutId id="2147483662" r:id="rId2"/>
+    <p:sldLayoutId id="2147483663" r:id="rId3"/>
+    <p:sldLayoutId id="2147483664" r:id="rId4"/>
+    <p:sldLayoutId id="2147483665" r:id="rId5"/>
+    <p:sldLayoutId id="2147483666" r:id="rId6"/>
+    <p:sldLayoutId id="2147483667" r:id="rId7"/>
+    <p:sldLayoutId id="2147483668" r:id="rId8"/>
+    <p:sldLayoutId id="2147483669" r:id="rId9"/>
+    <p:sldLayoutId id="2147483670" r:id="rId10"/>
+    <p:sldLayoutId id="2147483671" r:id="rId11"/>
+    <p:sldLayoutId id="2147483672" r:id="rId12"/>
+    <p:sldLayoutId id="2147483673" r:id="rId13"/>
   </p:sldLayoutIdLst>
-  <p:txStyles>
-    <p:titleStyle>
-      <a:lvl1pPr algn="l" defTabSz="914400" rtl="0" eaLnBrk="1" latinLnBrk="0" hangingPunct="1">
-        <a:lnSpc>
-          <a:spcPct val="90000"/>
-        </a:lnSpc>
-        <a:spcBef>
-          <a:spcPct val="0"/>
-        </a:spcBef>
-        <a:buNone/>
-        <a:defRPr sz="4400" kern="1200">
-          <a:solidFill>
-            <a:schemeClr val="tx1"/>
-          </a:solidFill>
-          <a:latin typeface="+mj-lt"/>
-          <a:ea typeface="+mj-ea"/>
-          <a:cs typeface="+mj-cs"/>
-        </a:defRPr>
-      </a:lvl1pPr>
-    </p:titleStyle>
-    <p:bodyStyle>
-      <a:lvl1pPr marL="228600" indent="-228600" algn="l" defTabSz="914400" rtl="0" eaLnBrk="1" latinLnBrk="0" hangingPunct="1">
-        <a:lnSpc>
-          <a:spcPct val="90000"/>
-        </a:lnSpc>
-        <a:spcBef>
-          <a:spcPts val="1000"/>
-        </a:spcBef>
-        <a:buFont typeface="Arial" panose="020B0604020202020204" pitchFamily="34" charset="0"/>
-        <a:buChar char="•"/>
-        <a:defRPr sz="2800" kern="1200">
-          <a:solidFill>
-            <a:schemeClr val="tx1"/>
-          </a:solidFill>
-          <a:latin typeface="+mn-lt"/>
-          <a:ea typeface="+mn-ea"/>
-          <a:cs typeface="+mn-cs"/>
-        </a:defRPr>
-      </a:lvl1pPr>
-      <a:lvl2pPr marL="685800" indent="-228600" algn="l" defTabSz="914400" rtl="0" eaLnBrk="1" latinLnBrk="0" hangingPunct="1">
-        <a:lnSpc>
-          <a:spcPct val="90000"/>
-        </a:lnSpc>
-        <a:spcBef>
-          <a:spcPts val="500"/>
-        </a:spcBef>
-        <a:buFont typeface="Arial" panose="020B0604020202020204" pitchFamily="34" charset="0"/>
-        <a:buChar char="•"/>
-        <a:defRPr sz="2400" kern="1200">
-          <a:solidFill>
-            <a:schemeClr val="tx1"/>
-          </a:solidFill>
-          <a:latin typeface="+mn-lt"/>
-          <a:ea typeface="+mn-ea"/>
-          <a:cs typeface="+mn-cs"/>
-        </a:defRPr>
-      </a:lvl2pPr>
-      <a:lvl3pPr marL="1143000" indent="-228600" algn="l" defTabSz="914400" rtl="0" eaLnBrk="1" latinLnBrk="0" hangingPunct="1">
-        <a:lnSpc>
-          <a:spcPct val="90000"/>
-        </a:lnSpc>
-        <a:spcBef>
-          <a:spcPts val="500"/>
-        </a:spcBef>
-        <a:buFont typeface="Arial" panose="020B0604020202020204" pitchFamily="34" charset="0"/>
-        <a:buChar char="•"/>
-        <a:defRPr sz="2000" kern="1200">
-          <a:solidFill>
-            <a:schemeClr val="tx1"/>
-          </a:solidFill>
-          <a:latin typeface="+mn-lt"/>
-          <a:ea typeface="+mn-ea"/>
-          <a:cs typeface="+mn-cs"/>
-        </a:defRPr>
-      </a:lvl3pPr>
-      <a:lvl4pPr marL="1600200" indent="-228600" algn="l" defTabSz="914400" rtl="0" eaLnBrk="1" latinLnBrk="0" hangingPunct="1">
-        <a:lnSpc>
-          <a:spcPct val="90000"/>
-        </a:lnSpc>
-        <a:spcBef>
-          <a:spcPts val="500"/>
-        </a:spcBef>
-        <a:buFont typeface="Arial" panose="020B0604020202020204" pitchFamily="34" charset="0"/>
-        <a:buChar char="•"/>
-        <a:defRPr sz="1800" kern="1200">
-          <a:solidFill>
-            <a:schemeClr val="tx1"/>
-          </a:solidFill>
-          <a:latin typeface="+mn-lt"/>
-          <a:ea typeface="+mn-ea"/>
-          <a:cs typeface="+mn-cs"/>
-        </a:defRPr>
-      </a:lvl4pPr>
-      <a:lvl5pPr marL="2057400" indent="-228600" algn="l" defTabSz="914400" rtl="0" eaLnBrk="1" latinLnBrk="0" hangingPunct="1">
-        <a:lnSpc>
-          <a:spcPct val="90000"/>
-        </a:lnSpc>
-        <a:spcBef>
-          <a:spcPts val="500"/>
-        </a:spcBef>
-        <a:buFont typeface="Arial" panose="020B0604020202020204" pitchFamily="34" charset="0"/>
-        <a:buChar char="•"/>
-        <a:defRPr sz="1800" kern="1200">
-          <a:solidFill>
-            <a:schemeClr val="tx1"/>
-          </a:solidFill>
-          <a:latin typeface="+mn-lt"/>
-          <a:ea typeface="+mn-ea"/>
-          <a:cs typeface="+mn-cs"/>
-        </a:defRPr>
-      </a:lvl5pPr>
-      <a:lvl6pPr marL="2514600" indent="-228600" algn="l" defTabSz="914400" rtl="0" eaLnBrk="1" latinLnBrk="0" hangingPunct="1">
-        <a:lnSpc>
-          <a:spcPct val="90000"/>
-        </a:lnSpc>
-        <a:spcBef>
-          <a:spcPts val="500"/>
-        </a:spcBef>
-        <a:buFont typeface="Arial" panose="020B0604020202020204" pitchFamily="34" charset="0"/>
-        <a:buChar char="•"/>
-        <a:defRPr sz="1800" kern="1200">
-          <a:solidFill>
-            <a:schemeClr val="tx1"/>
-          </a:solidFill>
-          <a:latin typeface="+mn-lt"/>
-          <a:ea typeface="+mn-ea"/>
-          <a:cs typeface="+mn-cs"/>
-        </a:defRPr>
-      </a:lvl6pPr>
-      <a:lvl7pPr marL="2971800" indent="-228600" algn="l" defTabSz="914400" rtl="0" eaLnBrk="1" latinLnBrk="0" hangingPunct="1">
-        <a:lnSpc>
-          <a:spcPct val="90000"/>
-        </a:lnSpc>
-        <a:spcBef>
-          <a:spcPts val="500"/>
-        </a:spcBef>
-        <a:buFont typeface="Arial" panose="020B0604020202020204" pitchFamily="34" charset="0"/>
-        <a:buChar char="•"/>
-        <a:defRPr sz="1800" kern="1200">
-          <a:solidFill>
-            <a:schemeClr val="tx1"/>
-          </a:solidFill>
-          <a:latin typeface="+mn-lt"/>
-          <a:ea typeface="+mn-ea"/>
-          <a:cs typeface="+mn-cs"/>
-        </a:defRPr>
-      </a:lvl7pPr>
-      <a:lvl8pPr marL="3429000" indent="-228600" algn="l" defTabSz="914400" rtl="0" eaLnBrk="1" latinLnBrk="0" hangingPunct="1">
-        <a:lnSpc>
-          <a:spcPct val="90000"/>
-        </a:lnSpc>
-        <a:spcBef>
-          <a:spcPts val="500"/>
-        </a:spcBef>
-        <a:buFont typeface="Arial" panose="020B0604020202020204" pitchFamily="34" charset="0"/>
-        <a:buChar char="•"/>
-        <a:defRPr sz="1800" kern="1200">
-          <a:solidFill>
-            <a:schemeClr val="tx1"/>
-          </a:solidFill>
-          <a:latin typeface="+mn-lt"/>
-          <a:ea typeface="+mn-ea"/>
-          <a:cs typeface="+mn-cs"/>
-        </a:defRPr>
-      </a:lvl8pPr>
-      <a:lvl9pPr marL="3886200" indent="-228600" algn="l" defTabSz="914400" rtl="0" eaLnBrk="1" latinLnBrk="0" hangingPunct="1">
-        <a:lnSpc>
-          <a:spcPct val="90000"/>
-        </a:lnSpc>
-        <a:spcBef>
-          <a:spcPts val="500"/>
-        </a:spcBef>
-        <a:buFont typeface="Arial" panose="020B0604020202020204" pitchFamily="34" charset="0"/>
-        <a:buChar char="•"/>
-        <a:defRPr sz="1800" kern="1200">
-          <a:solidFill>
-            <a:schemeClr val="tx1"/>
-          </a:solidFill>
-          <a:latin typeface="+mn-lt"/>
-          <a:ea typeface="+mn-ea"/>
-          <a:cs typeface="+mn-cs"/>
-        </a:defRPr>
-      </a:lvl9pPr>
-    </p:bodyStyle>
-    <p:otherStyle>
-      <a:defPPr>
-        <a:defRPr lang="en-US"/>
-      </a:defPPr>
-      <a:lvl1pPr marL="0" algn="l" defTabSz="914400" rtl="0" eaLnBrk="1" latinLnBrk="0" hangingPunct="1">
-        <a:defRPr sz="1800" kern="1200">
-          <a:solidFill>
-            <a:schemeClr val="tx1"/>
-          </a:solidFill>
-          <a:latin typeface="+mn-lt"/>
-          <a:ea typeface="+mn-ea"/>
-          <a:cs typeface="+mn-cs"/>
-        </a:defRPr>
-      </a:lvl1pPr>
-      <a:lvl2pPr marL="457200" algn="l" defTabSz="914400" rtl="0" eaLnBrk="1" latinLnBrk="0" hangingPunct="1">
-        <a:defRPr sz="1800" kern="1200">
-          <a:solidFill>
-            <a:schemeClr val="tx1"/>
-          </a:solidFill>
-          <a:latin typeface="+mn-lt"/>
-          <a:ea typeface="+mn-ea"/>
-          <a:cs typeface="+mn-cs"/>
-        </a:defRPr>
-      </a:lvl2pPr>
-      <a:lvl3pPr marL="914400" algn="l" defTabSz="914400" rtl="0" eaLnBrk="1" latinLnBrk="0" hangingPunct="1">
-        <a:defRPr sz="1800" kern="1200">
-          <a:solidFill>
-            <a:schemeClr val="tx1"/>
-          </a:solidFill>
-          <a:latin typeface="+mn-lt"/>
-          <a:ea typeface="+mn-ea"/>
-          <a:cs typeface="+mn-cs"/>
-        </a:defRPr>
-      </a:lvl3pPr>
-      <a:lvl4pPr marL="1371600" algn="l" defTabSz="914400" rtl="0" eaLnBrk="1" latinLnBrk="0" hangingPunct="1">
-        <a:defRPr sz="1800" kern="1200">
-          <a:solidFill>
-            <a:schemeClr val="tx1"/>
-          </a:solidFill>
-          <a:latin typeface="+mn-lt"/>
-          <a:ea typeface="+mn-ea"/>
-          <a:cs typeface="+mn-cs"/>
-        </a:defRPr>
-      </a:lvl4pPr>
-      <a:lvl5pPr marL="1828800" algn="l" defTabSz="914400" rtl="0" eaLnBrk="1" latinLnBrk="0" hangingPunct="1">
-        <a:defRPr sz="1800" kern="1200">
-          <a:solidFill>
-            <a:schemeClr val="tx1"/>
-          </a:solidFill>
-          <a:latin typeface="+mn-lt"/>
-          <a:ea typeface="+mn-ea"/>
-          <a:cs typeface="+mn-cs"/>
-        </a:defRPr>
-      </a:lvl5pPr>
-      <a:lvl6pPr marL="2286000" algn="l" defTabSz="914400" rtl="0" eaLnBrk="1" latinLnBrk="0" hangingPunct="1">
-        <a:defRPr sz="1800" kern="1200">
-          <a:solidFill>
-            <a:schemeClr val="tx1"/>
-          </a:solidFill>
-          <a:latin typeface="+mn-lt"/>
-          <a:ea typeface="+mn-ea"/>
-          <a:cs typeface="+mn-cs"/>
-        </a:defRPr>
-      </a:lvl6pPr>
-      <a:lvl7pPr marL="2743200" algn="l" defTabSz="914400" rtl="0" eaLnBrk="1" latinLnBrk="0" hangingPunct="1">
-        <a:defRPr sz="1800" kern="1200">
-          <a:solidFill>
-            <a:schemeClr val="tx1"/>
-          </a:solidFill>
-          <a:latin typeface="+mn-lt"/>
-          <a:ea typeface="+mn-ea"/>
-          <a:cs typeface="+mn-cs"/>
-        </a:defRPr>
-      </a:lvl7pPr>
-      <a:lvl8pPr marL="3200400" algn="l" defTabSz="914400" rtl="0" eaLnBrk="1" latinLnBrk="0" hangingPunct="1">
-        <a:defRPr sz="1800" kern="1200">
-          <a:solidFill>
-            <a:schemeClr val="tx1"/>
-          </a:solidFill>
-          <a:latin typeface="+mn-lt"/>
-          <a:ea typeface="+mn-ea"/>
-          <a:cs typeface="+mn-cs"/>
-        </a:defRPr>
-      </a:lvl8pPr>
-      <a:lvl9pPr marL="3657600" algn="l" defTabSz="914400" rtl="0" eaLnBrk="1" latinLnBrk="0" hangingPunct="1">
-        <a:defRPr sz="1800" kern="1200">
-          <a:solidFill>
-            <a:schemeClr val="tx1"/>
-          </a:solidFill>
-          <a:latin typeface="+mn-lt"/>
-          <a:ea typeface="+mn-ea"/>
-          <a:cs typeface="+mn-cs"/>
-        </a:defRPr>
-      </a:lvl9pPr>
-    </p:otherStyle>
-  </p:txStyles>
 </p:sldMaster>
 </file>
 
 <file path=ppt/slides/slide1.xml><?xml version="1.0" encoding="utf-8"?>
-<p:sld xmlns:a="http://schemas.openxmlformats.org/drawingml/2006/main" xmlns:r="http://schemas.openxmlformats.org/officeDocument/2006/relationships" xmlns:p="http://schemas.openxmlformats.org/presentationml/2006/main">
+<p:sld xmlns:a="http://schemas.openxmlformats.org/drawingml/2006/main" xmlns:p="http://schemas.openxmlformats.org/presentationml/2006/main" xmlns:r="http://schemas.openxmlformats.org/officeDocument/2006/relationships" xmlns:p14="http://schemas.microsoft.com/office/powerpoint/2010/main" xmlns:p15="http://schemas.microsoft.com/office/powerpoint/2012/main" xmlns:mc="http://schemas.openxmlformats.org/markup-compatibility/2006">
   <p:cSld>
     <p:spTree>
       <p:nvGrpSpPr>
@@ -4322,20 +3565,13 @@
           </a:ln>
         </p:spPr>
         <p:style>
-          <a:lnRef idx="0">
-            <a:scrgbClr r="0" g="0" b="0"/>
-          </a:lnRef>
-          <a:fillRef idx="0">
-            <a:scrgbClr r="0" g="0" b="0"/>
-          </a:fillRef>
-          <a:effectRef idx="0">
-            <a:scrgbClr r="0" g="0" b="0"/>
-          </a:effectRef>
+          <a:lnRef idx="0"/>
+          <a:fillRef idx="0"/>
+          <a:effectRef idx="0"/>
           <a:fontRef idx="minor"/>
         </p:style>
         <p:txBody>
-          <a:bodyPr lIns="90000" tIns="45000" rIns="90000" bIns="45000" anchor="b"/>
-          <a:lstStyle/>
+          <a:bodyPr lIns="90000" rIns="90000" tIns="45000" bIns="45000" anchor="b"/>
           <a:p>
             <a:pPr>
               <a:lnSpc>
@@ -4343,7 +3579,7 @@
               </a:lnSpc>
             </a:pPr>
             <a:r>
-              <a:rPr lang="de-DE" sz="8000" b="0" strike="noStrike" spc="-52">
+              <a:rPr b="0" lang="de-DE" sz="8000" spc="-52" strike="noStrike">
                 <a:solidFill>
                   <a:srgbClr val="262626"/>
                 </a:solidFill>
@@ -4351,7 +3587,7 @@
               </a:rPr>
               <a:t>Error: NameNotFound</a:t>
             </a:r>
-            <a:endParaRPr lang="de-DE" sz="8000" b="0" strike="noStrike" spc="-1">
+            <a:endParaRPr b="0" lang="de-DE" sz="8000" spc="-1" strike="noStrike">
               <a:latin typeface="Arial"/>
             </a:endParaRPr>
           </a:p>
@@ -4377,20 +3613,13 @@
           </a:ln>
         </p:spPr>
         <p:style>
-          <a:lnRef idx="0">
-            <a:scrgbClr r="0" g="0" b="0"/>
-          </a:lnRef>
-          <a:fillRef idx="0">
-            <a:scrgbClr r="0" g="0" b="0"/>
-          </a:fillRef>
-          <a:effectRef idx="0">
-            <a:scrgbClr r="0" g="0" b="0"/>
-          </a:effectRef>
+          <a:lnRef idx="0"/>
+          <a:fillRef idx="0"/>
+          <a:effectRef idx="0"/>
           <a:fontRef idx="minor"/>
         </p:style>
         <p:txBody>
-          <a:bodyPr lIns="90000" tIns="45000" rIns="90000" bIns="45000"/>
-          <a:lstStyle/>
+          <a:bodyPr lIns="90000" rIns="90000" tIns="45000" bIns="45000"/>
           <a:p>
             <a:pPr>
               <a:lnSpc>
@@ -4404,7 +3633,7 @@
               </a:spcAft>
             </a:pPr>
             <a:r>
-              <a:rPr lang="de-DE" sz="2400" b="0" strike="noStrike" cap="all" spc="197">
+              <a:rPr b="0" lang="de-DE" sz="2400" spc="197" strike="noStrike" cap="all">
                 <a:solidFill>
                   <a:srgbClr val="637052"/>
                 </a:solidFill>
@@ -4412,7 +3641,7 @@
               </a:rPr>
               <a:t>Von Bastian Schäfer, Moritz Wahlenmeier &amp; Stephen Heisser</a:t>
             </a:r>
-            <a:endParaRPr lang="de-DE" sz="2400" b="0" strike="noStrike" spc="-1">
+            <a:endParaRPr b="0" lang="de-DE" sz="2400" spc="-1" strike="noStrike">
               <a:latin typeface="Arial"/>
             </a:endParaRPr>
           </a:p>
@@ -4420,9 +3649,14 @@
       </p:sp>
     </p:spTree>
   </p:cSld>
-  <p:clrMapOvr>
-    <a:masterClrMapping/>
-  </p:clrMapOvr>
+  <mc:AlternateContent>
+    <mc:Choice Requires="p14">
+      <p:transition spd="slow" p14:dur="2000"/>
+    </mc:Choice>
+    <mc:Fallback>
+      <p:transition spd="slow"/>
+    </mc:Fallback>
+  </mc:AlternateContent>
   <p:timing>
     <p:tnLst>
       <p:par>
@@ -4431,14 +3665,14 @@
             <p:seq>
               <p:cTn id="2" dur="indefinite" nodeType="mainSeq"/>
               <p:prevCondLst>
-                <p:cond evt="onPrev" delay="0">
+                <p:cond delay="0" evt="onPrev">
                   <p:tgtEl>
                     <p:sldTgt/>
                   </p:tgtEl>
                 </p:cond>
               </p:prevCondLst>
               <p:nextCondLst>
-                <p:cond evt="onNext" delay="0">
+                <p:cond delay="0" evt="onNext">
                   <p:tgtEl>
                     <p:sldTgt/>
                   </p:tgtEl>
@@ -4454,7 +3688,7 @@
 </file>
 
 <file path=ppt/slides/slide10.xml><?xml version="1.0" encoding="utf-8"?>
-<p:sld xmlns:a="http://schemas.openxmlformats.org/drawingml/2006/main" xmlns:r="http://schemas.openxmlformats.org/officeDocument/2006/relationships" xmlns:p="http://schemas.openxmlformats.org/presentationml/2006/main">
+<p:sld xmlns:a="http://schemas.openxmlformats.org/drawingml/2006/main" xmlns:p="http://schemas.openxmlformats.org/presentationml/2006/main" xmlns:r="http://schemas.openxmlformats.org/officeDocument/2006/relationships" xmlns:p14="http://schemas.microsoft.com/office/powerpoint/2010/main" xmlns:p15="http://schemas.microsoft.com/office/powerpoint/2012/main" xmlns:mc="http://schemas.openxmlformats.org/markup-compatibility/2006">
   <p:cSld>
     <p:spTree>
       <p:nvGrpSpPr>
@@ -4490,20 +3724,13 @@
           </a:ln>
         </p:spPr>
         <p:style>
-          <a:lnRef idx="0">
-            <a:scrgbClr r="0" g="0" b="0"/>
-          </a:lnRef>
-          <a:fillRef idx="0">
-            <a:scrgbClr r="0" g="0" b="0"/>
-          </a:fillRef>
-          <a:effectRef idx="0">
-            <a:scrgbClr r="0" g="0" b="0"/>
-          </a:effectRef>
+          <a:lnRef idx="0"/>
+          <a:fillRef idx="0"/>
+          <a:effectRef idx="0"/>
           <a:fontRef idx="minor"/>
         </p:style>
         <p:txBody>
-          <a:bodyPr lIns="90000" tIns="45000" rIns="90000" bIns="45000" anchor="b"/>
-          <a:lstStyle/>
+          <a:bodyPr lIns="90000" rIns="90000" tIns="45000" bIns="45000" anchor="b"/>
           <a:p>
             <a:pPr>
               <a:lnSpc>
@@ -4511,7 +3738,7 @@
               </a:lnSpc>
             </a:pPr>
             <a:r>
-              <a:rPr lang="de-DE" sz="4800" b="0" strike="noStrike" spc="-52">
+              <a:rPr b="0" lang="de-DE" sz="4800" spc="-52" strike="noStrike">
                 <a:solidFill>
                   <a:srgbClr val="404040"/>
                 </a:solidFill>
@@ -4519,7 +3746,7 @@
               </a:rPr>
               <a:t>Fazit</a:t>
             </a:r>
-            <a:endParaRPr lang="de-DE" sz="4800" b="0" strike="noStrike" spc="-1">
+            <a:endParaRPr b="0" lang="de-DE" sz="4800" spc="-1" strike="noStrike">
               <a:latin typeface="Arial"/>
             </a:endParaRPr>
           </a:p>
@@ -4545,20 +3772,13 @@
           </a:ln>
         </p:spPr>
         <p:style>
-          <a:lnRef idx="0">
-            <a:scrgbClr r="0" g="0" b="0"/>
-          </a:lnRef>
-          <a:fillRef idx="0">
-            <a:scrgbClr r="0" g="0" b="0"/>
-          </a:fillRef>
-          <a:effectRef idx="0">
-            <a:scrgbClr r="0" g="0" b="0"/>
-          </a:effectRef>
+          <a:lnRef idx="0"/>
+          <a:fillRef idx="0"/>
+          <a:effectRef idx="0"/>
           <a:fontRef idx="minor"/>
         </p:style>
         <p:txBody>
-          <a:bodyPr lIns="0" tIns="45000" rIns="0" bIns="45000"/>
-          <a:lstStyle/>
+          <a:bodyPr lIns="0" rIns="0" tIns="45000" bIns="45000"/>
           <a:p>
             <a:pPr marL="91440" indent="-90720">
               <a:lnSpc>
@@ -4571,13 +3791,13 @@
                 <a:spcPts val="201"/>
               </a:spcAft>
               <a:buClr>
-                <a:srgbClr val="E48312"/>
+                <a:srgbClr val="e48312"/>
               </a:buClr>
               <a:buFont typeface="Arial"/>
               <a:buChar char="•"/>
             </a:pPr>
             <a:r>
-              <a:rPr lang="de-DE" sz="2000" b="0" strike="noStrike" spc="-1">
+              <a:rPr b="0" lang="de-DE" sz="2000" spc="-1" strike="noStrike">
                 <a:solidFill>
                   <a:srgbClr val="404040"/>
                 </a:solidFill>
@@ -4585,7 +3805,7 @@
               </a:rPr>
               <a:t> </a:t>
             </a:r>
-            <a:endParaRPr lang="de-DE" sz="2000" b="0" strike="noStrike" spc="-1">
+            <a:endParaRPr b="0" lang="de-DE" sz="2000" spc="-1" strike="noStrike">
               <a:latin typeface="Arial"/>
             </a:endParaRPr>
           </a:p>
@@ -4593,25 +3813,30 @@
       </p:sp>
     </p:spTree>
   </p:cSld>
-  <p:clrMapOvr>
-    <a:masterClrMapping/>
-  </p:clrMapOvr>
+  <mc:AlternateContent>
+    <mc:Choice Requires="p14">
+      <p:transition spd="slow" p14:dur="2000"/>
+    </mc:Choice>
+    <mc:Fallback>
+      <p:transition spd="slow"/>
+    </mc:Fallback>
+  </mc:AlternateContent>
   <p:timing>
     <p:tnLst>
       <p:par>
-        <p:cTn id="1" dur="indefinite" restart="never" nodeType="tmRoot">
+        <p:cTn id="19" dur="indefinite" restart="never" nodeType="tmRoot">
           <p:childTnLst>
             <p:seq>
-              <p:cTn id="2" dur="indefinite" nodeType="mainSeq"/>
+              <p:cTn id="20" dur="indefinite" nodeType="mainSeq"/>
               <p:prevCondLst>
-                <p:cond evt="onPrev" delay="0">
+                <p:cond delay="0" evt="onPrev">
                   <p:tgtEl>
                     <p:sldTgt/>
                   </p:tgtEl>
                 </p:cond>
               </p:prevCondLst>
               <p:nextCondLst>
-                <p:cond evt="onNext" delay="0">
+                <p:cond delay="0" evt="onNext">
                   <p:tgtEl>
                     <p:sldTgt/>
                   </p:tgtEl>
@@ -4627,7 +3852,7 @@
 </file>
 
 <file path=ppt/slides/slide2.xml><?xml version="1.0" encoding="utf-8"?>
-<p:sld xmlns:a="http://schemas.openxmlformats.org/drawingml/2006/main" xmlns:r="http://schemas.openxmlformats.org/officeDocument/2006/relationships" xmlns:p="http://schemas.openxmlformats.org/presentationml/2006/main">
+<p:sld xmlns:a="http://schemas.openxmlformats.org/drawingml/2006/main" xmlns:p="http://schemas.openxmlformats.org/presentationml/2006/main" xmlns:r="http://schemas.openxmlformats.org/officeDocument/2006/relationships" xmlns:p14="http://schemas.microsoft.com/office/powerpoint/2010/main" xmlns:p15="http://schemas.microsoft.com/office/powerpoint/2012/main" xmlns:mc="http://schemas.openxmlformats.org/markup-compatibility/2006">
   <p:cSld>
     <p:spTree>
       <p:nvGrpSpPr>
@@ -4663,20 +3888,13 @@
           </a:ln>
         </p:spPr>
         <p:style>
-          <a:lnRef idx="0">
-            <a:scrgbClr r="0" g="0" b="0"/>
-          </a:lnRef>
-          <a:fillRef idx="0">
-            <a:scrgbClr r="0" g="0" b="0"/>
-          </a:fillRef>
-          <a:effectRef idx="0">
-            <a:scrgbClr r="0" g="0" b="0"/>
-          </a:effectRef>
+          <a:lnRef idx="0"/>
+          <a:fillRef idx="0"/>
+          <a:effectRef idx="0"/>
           <a:fontRef idx="minor"/>
         </p:style>
         <p:txBody>
-          <a:bodyPr lIns="90000" tIns="45000" rIns="90000" bIns="45000" anchor="b"/>
-          <a:lstStyle/>
+          <a:bodyPr lIns="90000" rIns="90000" tIns="45000" bIns="45000" anchor="b"/>
           <a:p>
             <a:pPr>
               <a:lnSpc>
@@ -4684,7 +3902,7 @@
               </a:lnSpc>
             </a:pPr>
             <a:r>
-              <a:rPr lang="de-DE" sz="4800" b="0" strike="noStrike" spc="-52">
+              <a:rPr b="0" lang="de-DE" sz="4800" spc="-52" strike="noStrike">
                 <a:solidFill>
                   <a:srgbClr val="404040"/>
                 </a:solidFill>
@@ -4692,7 +3910,7 @@
               </a:rPr>
               <a:t>Inhaltsverzeichnis</a:t>
             </a:r>
-            <a:endParaRPr lang="de-DE" sz="4800" b="0" strike="noStrike" spc="-1">
+            <a:endParaRPr b="0" lang="de-DE" sz="4800" spc="-1" strike="noStrike">
               <a:latin typeface="Arial"/>
             </a:endParaRPr>
           </a:p>
@@ -4718,20 +3936,13 @@
           </a:ln>
         </p:spPr>
         <p:style>
-          <a:lnRef idx="0">
-            <a:scrgbClr r="0" g="0" b="0"/>
-          </a:lnRef>
-          <a:fillRef idx="0">
-            <a:scrgbClr r="0" g="0" b="0"/>
-          </a:fillRef>
-          <a:effectRef idx="0">
-            <a:scrgbClr r="0" g="0" b="0"/>
-          </a:effectRef>
+          <a:lnRef idx="0"/>
+          <a:fillRef idx="0"/>
+          <a:effectRef idx="0"/>
           <a:fontRef idx="minor"/>
         </p:style>
         <p:txBody>
-          <a:bodyPr lIns="0" tIns="45000" rIns="0" bIns="45000"/>
-          <a:lstStyle/>
+          <a:bodyPr lIns="0" rIns="0" tIns="45000" bIns="45000"/>
           <a:p>
             <a:pPr marL="91440" indent="-90720">
               <a:lnSpc>
@@ -4744,13 +3955,13 @@
                 <a:spcPts val="201"/>
               </a:spcAft>
               <a:buClr>
-                <a:srgbClr val="E48312"/>
+                <a:srgbClr val="e48312"/>
               </a:buClr>
               <a:buFont typeface="Wingdings" charset="2"/>
               <a:buChar char=""/>
             </a:pPr>
             <a:r>
-              <a:rPr lang="de-DE" sz="2000" b="0" strike="noStrike" spc="-1">
+              <a:rPr b="0" lang="de-DE" sz="2000" spc="-1" strike="noStrike">
                 <a:solidFill>
                   <a:srgbClr val="404040"/>
                 </a:solidFill>
@@ -4758,7 +3969,7 @@
               </a:rPr>
               <a:t>Inhaltsverzeichnis</a:t>
             </a:r>
-            <a:endParaRPr lang="de-DE" sz="2000" b="0" strike="noStrike" spc="-1">
+            <a:endParaRPr b="0" lang="de-DE" sz="2000" spc="-1" strike="noStrike">
               <a:latin typeface="Arial"/>
             </a:endParaRPr>
           </a:p>
@@ -4774,13 +3985,13 @@
                 <a:spcPts val="201"/>
               </a:spcAft>
               <a:buClr>
-                <a:srgbClr val="E48312"/>
+                <a:srgbClr val="e48312"/>
               </a:buClr>
               <a:buFont typeface="Wingdings" charset="2"/>
               <a:buChar char=""/>
             </a:pPr>
             <a:r>
-              <a:rPr lang="de-DE" sz="2000" b="0" strike="noStrike" spc="-1">
+              <a:rPr b="0" lang="de-DE" sz="2000" spc="-1" strike="noStrike">
                 <a:solidFill>
                   <a:srgbClr val="404040"/>
                 </a:solidFill>
@@ -4788,7 +3999,7 @@
               </a:rPr>
               <a:t>Vorstellung der Projektgruppe</a:t>
             </a:r>
-            <a:endParaRPr lang="de-DE" sz="2000" b="0" strike="noStrike" spc="-1">
+            <a:endParaRPr b="0" lang="de-DE" sz="2000" spc="-1" strike="noStrike">
               <a:latin typeface="Arial"/>
             </a:endParaRPr>
           </a:p>
@@ -4804,13 +4015,13 @@
                 <a:spcPts val="201"/>
               </a:spcAft>
               <a:buClr>
-                <a:srgbClr val="E48312"/>
+                <a:srgbClr val="e48312"/>
               </a:buClr>
               <a:buFont typeface="Wingdings" charset="2"/>
               <a:buChar char=""/>
             </a:pPr>
             <a:r>
-              <a:rPr lang="de-DE" sz="2000" b="0" strike="noStrike" spc="-1">
+              <a:rPr b="0" lang="de-DE" sz="2000" spc="-1" strike="noStrike">
                 <a:solidFill>
                   <a:srgbClr val="404040"/>
                 </a:solidFill>
@@ -4818,7 +4029,7 @@
               </a:rPr>
               <a:t>Projektbeschreibung</a:t>
             </a:r>
-            <a:endParaRPr lang="de-DE" sz="2000" b="0" strike="noStrike" spc="-1">
+            <a:endParaRPr b="0" lang="de-DE" sz="2000" spc="-1" strike="noStrike">
               <a:latin typeface="Arial"/>
             </a:endParaRPr>
           </a:p>
@@ -4834,13 +4045,13 @@
                 <a:spcPts val="201"/>
               </a:spcAft>
               <a:buClr>
-                <a:srgbClr val="E48312"/>
+                <a:srgbClr val="e48312"/>
               </a:buClr>
               <a:buFont typeface="Wingdings" charset="2"/>
               <a:buChar char=""/>
             </a:pPr>
             <a:r>
-              <a:rPr lang="de-DE" sz="2000" b="0" strike="noStrike" spc="-1">
+              <a:rPr b="0" lang="de-DE" sz="2000" spc="-1" strike="noStrike">
                 <a:solidFill>
                   <a:srgbClr val="404040"/>
                 </a:solidFill>
@@ -4848,7 +4059,7 @@
               </a:rPr>
               <a:t>Vorstellung des Ursprungsprogrammes</a:t>
             </a:r>
-            <a:endParaRPr lang="de-DE" sz="2000" b="0" strike="noStrike" spc="-1">
+            <a:endParaRPr b="0" lang="de-DE" sz="2000" spc="-1" strike="noStrike">
               <a:latin typeface="Arial"/>
             </a:endParaRPr>
           </a:p>
@@ -4864,13 +4075,13 @@
                 <a:spcPts val="201"/>
               </a:spcAft>
               <a:buClr>
-                <a:srgbClr val="E48312"/>
+                <a:srgbClr val="e48312"/>
               </a:buClr>
               <a:buFont typeface="Wingdings" charset="2"/>
               <a:buChar char=""/>
             </a:pPr>
             <a:r>
-              <a:rPr lang="de-DE" sz="2000" b="0" strike="noStrike" spc="-1">
+              <a:rPr b="0" lang="de-DE" sz="2000" spc="-1" strike="noStrike">
                 <a:solidFill>
                   <a:srgbClr val="404040"/>
                 </a:solidFill>
@@ -4878,7 +4089,7 @@
               </a:rPr>
               <a:t>Zeigen des Programms</a:t>
             </a:r>
-            <a:endParaRPr lang="de-DE" sz="2000" b="0" strike="noStrike" spc="-1">
+            <a:endParaRPr b="0" lang="de-DE" sz="2000" spc="-1" strike="noStrike">
               <a:latin typeface="Arial"/>
             </a:endParaRPr>
           </a:p>
@@ -4894,13 +4105,13 @@
                 <a:spcPts val="201"/>
               </a:spcAft>
               <a:buClr>
-                <a:srgbClr val="E48312"/>
+                <a:srgbClr val="e48312"/>
               </a:buClr>
               <a:buFont typeface="Wingdings" charset="2"/>
               <a:buChar char=""/>
             </a:pPr>
             <a:r>
-              <a:rPr lang="de-DE" sz="2000" b="0" strike="noStrike" spc="-1">
+              <a:rPr b="0" lang="de-DE" sz="2000" spc="-1" strike="noStrike">
                 <a:solidFill>
                   <a:srgbClr val="404040"/>
                 </a:solidFill>
@@ -4908,7 +4119,7 @@
               </a:rPr>
               <a:t>Zeitplanung/Umsetzung</a:t>
             </a:r>
-            <a:endParaRPr lang="de-DE" sz="2000" b="0" strike="noStrike" spc="-1">
+            <a:endParaRPr b="0" lang="de-DE" sz="2000" spc="-1" strike="noStrike">
               <a:latin typeface="Arial"/>
             </a:endParaRPr>
           </a:p>
@@ -4924,13 +4135,13 @@
                 <a:spcPts val="201"/>
               </a:spcAft>
               <a:buClr>
-                <a:srgbClr val="E48312"/>
+                <a:srgbClr val="e48312"/>
               </a:buClr>
               <a:buFont typeface="Wingdings" charset="2"/>
               <a:buChar char=""/>
             </a:pPr>
             <a:r>
-              <a:rPr lang="de-DE" sz="2000" b="0" strike="noStrike" spc="-1">
+              <a:rPr b="0" lang="de-DE" sz="2000" spc="-1" strike="noStrike">
                 <a:solidFill>
                   <a:srgbClr val="404040"/>
                 </a:solidFill>
@@ -4938,7 +4149,7 @@
               </a:rPr>
               <a:t>Probleme</a:t>
             </a:r>
-            <a:endParaRPr lang="de-DE" sz="2000" b="0" strike="noStrike" spc="-1">
+            <a:endParaRPr b="0" lang="de-DE" sz="2000" spc="-1" strike="noStrike">
               <a:latin typeface="Arial"/>
             </a:endParaRPr>
           </a:p>
@@ -4954,13 +4165,13 @@
                 <a:spcPts val="201"/>
               </a:spcAft>
               <a:buClr>
-                <a:srgbClr val="E48312"/>
+                <a:srgbClr val="e48312"/>
               </a:buClr>
               <a:buFont typeface="Wingdings" charset="2"/>
               <a:buChar char=""/>
             </a:pPr>
             <a:r>
-              <a:rPr lang="de-DE" sz="2000" b="0" strike="noStrike" spc="-1">
+              <a:rPr b="0" lang="de-DE" sz="2000" spc="-1" strike="noStrike">
                 <a:solidFill>
                   <a:srgbClr val="404040"/>
                 </a:solidFill>
@@ -4968,7 +4179,7 @@
               </a:rPr>
               <a:t>Mögliche Problemlösungen</a:t>
             </a:r>
-            <a:endParaRPr lang="de-DE" sz="2000" b="0" strike="noStrike" spc="-1">
+            <a:endParaRPr b="0" lang="de-DE" sz="2000" spc="-1" strike="noStrike">
               <a:latin typeface="Arial"/>
             </a:endParaRPr>
           </a:p>
@@ -4984,13 +4195,13 @@
                 <a:spcPts val="201"/>
               </a:spcAft>
               <a:buClr>
-                <a:srgbClr val="E48312"/>
+                <a:srgbClr val="e48312"/>
               </a:buClr>
               <a:buFont typeface="Wingdings" charset="2"/>
               <a:buChar char=""/>
             </a:pPr>
             <a:r>
-              <a:rPr lang="de-DE" sz="2000" b="0" strike="noStrike" spc="-1">
+              <a:rPr b="0" lang="de-DE" sz="2000" spc="-1" strike="noStrike">
                 <a:solidFill>
                   <a:srgbClr val="404040"/>
                 </a:solidFill>
@@ -4998,7 +4209,7 @@
               </a:rPr>
               <a:t>Fazit</a:t>
             </a:r>
-            <a:endParaRPr lang="de-DE" sz="2000" b="0" strike="noStrike" spc="-1">
+            <a:endParaRPr b="0" lang="de-DE" sz="2000" spc="-1" strike="noStrike">
               <a:latin typeface="Arial"/>
             </a:endParaRPr>
           </a:p>
@@ -5014,7 +4225,7 @@
                 <a:spcPts val="201"/>
               </a:spcAft>
             </a:pPr>
-            <a:endParaRPr lang="de-DE" sz="2000" b="0" strike="noStrike" spc="-1">
+            <a:endParaRPr b="0" lang="de-DE" sz="2000" spc="-1" strike="noStrike">
               <a:latin typeface="Arial"/>
             </a:endParaRPr>
           </a:p>
@@ -5022,25 +4233,30 @@
       </p:sp>
     </p:spTree>
   </p:cSld>
-  <p:clrMapOvr>
-    <a:masterClrMapping/>
-  </p:clrMapOvr>
+  <mc:AlternateContent>
+    <mc:Choice Requires="p14">
+      <p:transition spd="slow" p14:dur="2000"/>
+    </mc:Choice>
+    <mc:Fallback>
+      <p:transition spd="slow"/>
+    </mc:Fallback>
+  </mc:AlternateContent>
   <p:timing>
     <p:tnLst>
       <p:par>
-        <p:cTn id="1" dur="indefinite" restart="never" nodeType="tmRoot">
+        <p:cTn id="3" dur="indefinite" restart="never" nodeType="tmRoot">
           <p:childTnLst>
             <p:seq>
-              <p:cTn id="2" dur="indefinite" nodeType="mainSeq"/>
+              <p:cTn id="4" dur="indefinite" nodeType="mainSeq"/>
               <p:prevCondLst>
-                <p:cond evt="onPrev" delay="0">
+                <p:cond delay="0" evt="onPrev">
                   <p:tgtEl>
                     <p:sldTgt/>
                   </p:tgtEl>
                 </p:cond>
               </p:prevCondLst>
               <p:nextCondLst>
-                <p:cond evt="onNext" delay="0">
+                <p:cond delay="0" evt="onNext">
                   <p:tgtEl>
                     <p:sldTgt/>
                   </p:tgtEl>
@@ -5056,7 +4272,7 @@
 </file>
 
 <file path=ppt/slides/slide3.xml><?xml version="1.0" encoding="utf-8"?>
-<p:sld xmlns:a="http://schemas.openxmlformats.org/drawingml/2006/main" xmlns:r="http://schemas.openxmlformats.org/officeDocument/2006/relationships" xmlns:p="http://schemas.openxmlformats.org/presentationml/2006/main">
+<p:sld xmlns:a="http://schemas.openxmlformats.org/drawingml/2006/main" xmlns:p="http://schemas.openxmlformats.org/presentationml/2006/main" xmlns:r="http://schemas.openxmlformats.org/officeDocument/2006/relationships" xmlns:p14="http://schemas.microsoft.com/office/powerpoint/2010/main" xmlns:p15="http://schemas.microsoft.com/office/powerpoint/2012/main" xmlns:mc="http://schemas.openxmlformats.org/markup-compatibility/2006">
   <p:cSld>
     <p:spTree>
       <p:nvGrpSpPr>
@@ -5092,20 +4308,13 @@
           </a:ln>
         </p:spPr>
         <p:style>
-          <a:lnRef idx="0">
-            <a:scrgbClr r="0" g="0" b="0"/>
-          </a:lnRef>
-          <a:fillRef idx="0">
-            <a:scrgbClr r="0" g="0" b="0"/>
-          </a:fillRef>
-          <a:effectRef idx="0">
-            <a:scrgbClr r="0" g="0" b="0"/>
-          </a:effectRef>
+          <a:lnRef idx="0"/>
+          <a:fillRef idx="0"/>
+          <a:effectRef idx="0"/>
           <a:fontRef idx="minor"/>
         </p:style>
         <p:txBody>
-          <a:bodyPr lIns="90000" tIns="45000" rIns="90000" bIns="45000" anchor="b"/>
-          <a:lstStyle/>
+          <a:bodyPr lIns="90000" rIns="90000" tIns="45000" bIns="45000" anchor="b"/>
           <a:p>
             <a:pPr>
               <a:lnSpc>
@@ -5113,7 +4322,7 @@
               </a:lnSpc>
             </a:pPr>
             <a:r>
-              <a:rPr lang="de-DE" sz="4800" b="0" strike="noStrike" spc="-52">
+              <a:rPr b="0" lang="de-DE" sz="4800" spc="-52" strike="noStrike">
                 <a:solidFill>
                   <a:srgbClr val="404040"/>
                 </a:solidFill>
@@ -5121,7 +4330,7 @@
               </a:rPr>
               <a:t>Vorstellung der Projektgruppe</a:t>
             </a:r>
-            <a:endParaRPr lang="de-DE" sz="4800" b="0" strike="noStrike" spc="-1">
+            <a:endParaRPr b="0" lang="de-DE" sz="4800" spc="-1" strike="noStrike">
               <a:latin typeface="Arial"/>
             </a:endParaRPr>
           </a:p>
@@ -5147,20 +4356,13 @@
           </a:ln>
         </p:spPr>
         <p:style>
-          <a:lnRef idx="0">
-            <a:scrgbClr r="0" g="0" b="0"/>
-          </a:lnRef>
-          <a:fillRef idx="0">
-            <a:scrgbClr r="0" g="0" b="0"/>
-          </a:fillRef>
-          <a:effectRef idx="0">
-            <a:scrgbClr r="0" g="0" b="0"/>
-          </a:effectRef>
+          <a:lnRef idx="0"/>
+          <a:fillRef idx="0"/>
+          <a:effectRef idx="0"/>
           <a:fontRef idx="minor"/>
         </p:style>
         <p:txBody>
-          <a:bodyPr lIns="0" tIns="45000" rIns="0" bIns="45000"/>
-          <a:lstStyle/>
+          <a:bodyPr lIns="0" rIns="0" tIns="45000" bIns="45000"/>
           <a:p>
             <a:pPr marL="91440" indent="-90720">
               <a:lnSpc>
@@ -5173,103 +4375,52 @@
                 <a:spcPts val="201"/>
               </a:spcAft>
               <a:buClr>
-                <a:srgbClr val="E48312"/>
+                <a:srgbClr val="e48312"/>
               </a:buClr>
               <a:buFont typeface="Arial"/>
               <a:buChar char="•"/>
             </a:pPr>
             <a:r>
-              <a:rPr lang="de-DE" sz="2000" b="0" strike="noStrike" spc="-1" dirty="0">
-                <a:latin typeface="Calibri" panose="020F0502020204030204" pitchFamily="34" charset="0"/>
-                <a:cs typeface="Calibri" panose="020F0502020204030204" pitchFamily="34" charset="0"/>
+              <a:rPr b="0" lang="de-DE" sz="2000" spc="-1" strike="noStrike">
+                <a:solidFill>
+                  <a:srgbClr val="404040"/>
+                </a:solidFill>
+                <a:latin typeface="Calibri"/>
               </a:rPr>
-              <a:t> Bastian Sch</a:t>
+              <a:t> </a:t>
             </a:r>
-            <a:r>
-              <a:rPr lang="de-DE" sz="2000" dirty="0">
-                <a:latin typeface="Calibri" panose="020F0502020204030204" pitchFamily="34" charset="0"/>
-                <a:cs typeface="Calibri" panose="020F0502020204030204" pitchFamily="34" charset="0"/>
-              </a:rPr>
-              <a:t>äfer</a:t>
-            </a:r>
-          </a:p>
-          <a:p>
-            <a:pPr marL="91440" indent="-90720">
-              <a:lnSpc>
-                <a:spcPct val="90000"/>
-              </a:lnSpc>
-              <a:spcBef>
-                <a:spcPts val="1199"/>
-              </a:spcBef>
-              <a:spcAft>
-                <a:spcPts val="201"/>
-              </a:spcAft>
-              <a:buClr>
-                <a:srgbClr val="E48312"/>
-              </a:buClr>
-              <a:buFont typeface="Arial"/>
-              <a:buChar char="•"/>
-            </a:pPr>
-            <a:r>
-              <a:rPr lang="de-DE" sz="2000" b="0" strike="noStrike" spc="-1" dirty="0">
-                <a:latin typeface="Calibri" panose="020F0502020204030204" pitchFamily="34" charset="0"/>
-                <a:cs typeface="Calibri" panose="020F0502020204030204" pitchFamily="34" charset="0"/>
-              </a:rPr>
-              <a:t> Moritz Wahlenmeier</a:t>
-            </a:r>
-          </a:p>
-          <a:p>
-            <a:pPr marL="91440" indent="-90720">
-              <a:lnSpc>
-                <a:spcPct val="90000"/>
-              </a:lnSpc>
-              <a:spcBef>
-                <a:spcPts val="1199"/>
-              </a:spcBef>
-              <a:spcAft>
-                <a:spcPts val="201"/>
-              </a:spcAft>
-              <a:buClr>
-                <a:srgbClr val="E48312"/>
-              </a:buClr>
-              <a:buFont typeface="Arial"/>
-              <a:buChar char="•"/>
-            </a:pPr>
-            <a:r>
-              <a:rPr lang="de-DE" sz="2000" spc="-1" dirty="0">
-                <a:latin typeface="Calibri" panose="020F0502020204030204" pitchFamily="34" charset="0"/>
-                <a:cs typeface="Calibri" panose="020F0502020204030204" pitchFamily="34" charset="0"/>
-              </a:rPr>
-              <a:t> Stephen Heisser</a:t>
-            </a:r>
-            <a:endParaRPr lang="de-DE" sz="2000" b="0" strike="noStrike" spc="-1" dirty="0">
-              <a:latin typeface="Calibri" panose="020F0502020204030204" pitchFamily="34" charset="0"/>
-              <a:cs typeface="Calibri" panose="020F0502020204030204" pitchFamily="34" charset="0"/>
+            <a:endParaRPr b="0" lang="de-DE" sz="2000" spc="-1" strike="noStrike">
+              <a:latin typeface="Arial"/>
             </a:endParaRPr>
           </a:p>
         </p:txBody>
       </p:sp>
     </p:spTree>
   </p:cSld>
-  <p:clrMapOvr>
-    <a:masterClrMapping/>
-  </p:clrMapOvr>
+  <mc:AlternateContent>
+    <mc:Choice Requires="p14">
+      <p:transition spd="slow" p14:dur="2000"/>
+    </mc:Choice>
+    <mc:Fallback>
+      <p:transition spd="slow"/>
+    </mc:Fallback>
+  </mc:AlternateContent>
   <p:timing>
     <p:tnLst>
       <p:par>
-        <p:cTn id="1" dur="indefinite" restart="never" nodeType="tmRoot">
+        <p:cTn id="5" dur="indefinite" restart="never" nodeType="tmRoot">
           <p:childTnLst>
             <p:seq>
-              <p:cTn id="2" dur="indefinite" nodeType="mainSeq"/>
+              <p:cTn id="6" dur="indefinite" nodeType="mainSeq"/>
               <p:prevCondLst>
-                <p:cond evt="onPrev" delay="0">
+                <p:cond delay="0" evt="onPrev">
                   <p:tgtEl>
                     <p:sldTgt/>
                   </p:tgtEl>
                 </p:cond>
               </p:prevCondLst>
               <p:nextCondLst>
-                <p:cond evt="onNext" delay="0">
+                <p:cond delay="0" evt="onNext">
                   <p:tgtEl>
                     <p:sldTgt/>
                   </p:tgtEl>
@@ -5285,7 +4436,7 @@
 </file>
 
 <file path=ppt/slides/slide4.xml><?xml version="1.0" encoding="utf-8"?>
-<p:sld xmlns:a="http://schemas.openxmlformats.org/drawingml/2006/main" xmlns:r="http://schemas.openxmlformats.org/officeDocument/2006/relationships" xmlns:p="http://schemas.openxmlformats.org/presentationml/2006/main">
+<p:sld xmlns:a="http://schemas.openxmlformats.org/drawingml/2006/main" xmlns:p="http://schemas.openxmlformats.org/presentationml/2006/main" xmlns:r="http://schemas.openxmlformats.org/officeDocument/2006/relationships" xmlns:p14="http://schemas.microsoft.com/office/powerpoint/2010/main" xmlns:p15="http://schemas.microsoft.com/office/powerpoint/2012/main" xmlns:mc="http://schemas.openxmlformats.org/markup-compatibility/2006">
   <p:cSld>
     <p:spTree>
       <p:nvGrpSpPr>
@@ -5321,20 +4472,13 @@
           </a:ln>
         </p:spPr>
         <p:style>
-          <a:lnRef idx="0">
-            <a:scrgbClr r="0" g="0" b="0"/>
-          </a:lnRef>
-          <a:fillRef idx="0">
-            <a:scrgbClr r="0" g="0" b="0"/>
-          </a:fillRef>
-          <a:effectRef idx="0">
-            <a:scrgbClr r="0" g="0" b="0"/>
-          </a:effectRef>
+          <a:lnRef idx="0"/>
+          <a:fillRef idx="0"/>
+          <a:effectRef idx="0"/>
           <a:fontRef idx="minor"/>
         </p:style>
         <p:txBody>
-          <a:bodyPr lIns="90000" tIns="45000" rIns="90000" bIns="45000" anchor="b"/>
-          <a:lstStyle/>
+          <a:bodyPr lIns="90000" rIns="90000" tIns="45000" bIns="45000" anchor="b"/>
           <a:p>
             <a:pPr>
               <a:lnSpc>
@@ -5342,7 +4486,7 @@
               </a:lnSpc>
             </a:pPr>
             <a:r>
-              <a:rPr lang="de-DE" sz="4800" b="0" strike="noStrike" spc="-52">
+              <a:rPr b="0" lang="de-DE" sz="4800" spc="-52" strike="noStrike">
                 <a:solidFill>
                   <a:srgbClr val="404040"/>
                 </a:solidFill>
@@ -5350,7 +4494,7 @@
               </a:rPr>
               <a:t>Projektbeschreibung</a:t>
             </a:r>
-            <a:endParaRPr lang="de-DE" sz="4800" b="0" strike="noStrike" spc="-1">
+            <a:endParaRPr b="0" lang="de-DE" sz="4800" spc="-1" strike="noStrike">
               <a:latin typeface="Arial"/>
             </a:endParaRPr>
           </a:p>
@@ -5376,22 +4520,15 @@
           </a:ln>
         </p:spPr>
         <p:style>
-          <a:lnRef idx="0">
-            <a:scrgbClr r="0" g="0" b="0"/>
-          </a:lnRef>
-          <a:fillRef idx="0">
-            <a:scrgbClr r="0" g="0" b="0"/>
-          </a:fillRef>
-          <a:effectRef idx="0">
-            <a:scrgbClr r="0" g="0" b="0"/>
-          </a:effectRef>
+          <a:lnRef idx="0"/>
+          <a:fillRef idx="0"/>
+          <a:effectRef idx="0"/>
           <a:fontRef idx="minor"/>
         </p:style>
         <p:txBody>
-          <a:bodyPr lIns="0" tIns="45000" rIns="0" bIns="45000">
+          <a:bodyPr lIns="0" rIns="0" tIns="45000" bIns="45000">
             <a:normAutofit/>
           </a:bodyPr>
-          <a:lstStyle/>
           <a:p>
             <a:pPr marL="700920" indent="-342360">
               <a:lnSpc>
@@ -5404,13 +4541,13 @@
                 <a:spcPts val="799"/>
               </a:spcAft>
               <a:buClr>
-                <a:srgbClr val="E48312"/>
+                <a:srgbClr val="e48312"/>
               </a:buClr>
               <a:buFont typeface="Wingdings" charset="2"/>
               <a:buChar char=""/>
             </a:pPr>
             <a:r>
-              <a:rPr lang="de-DE" sz="2000" b="0" strike="noStrike" spc="-1">
+              <a:rPr b="0" lang="de-DE" sz="2000" spc="-1" strike="noStrike">
                 <a:solidFill>
                   <a:srgbClr val="404040"/>
                 </a:solidFill>
@@ -5419,7 +4556,7 @@
               </a:rPr>
               <a:t>Ziel: Ablösen von „Logiflash“. </a:t>
             </a:r>
-            <a:endParaRPr lang="de-DE" sz="2000" b="0" strike="noStrike" spc="-1">
+            <a:endParaRPr b="0" lang="de-DE" sz="2000" spc="-1" strike="noStrike">
               <a:latin typeface="Arial"/>
             </a:endParaRPr>
           </a:p>
@@ -5435,13 +4572,13 @@
                 <a:spcPts val="799"/>
               </a:spcAft>
               <a:buClr>
-                <a:srgbClr val="E48312"/>
+                <a:srgbClr val="e48312"/>
               </a:buClr>
               <a:buFont typeface="Wingdings" charset="2"/>
               <a:buChar char=""/>
             </a:pPr>
             <a:r>
-              <a:rPr lang="de-DE" sz="2000" b="0" strike="noStrike" spc="-1">
+              <a:rPr b="0" lang="de-DE" sz="2000" spc="-1" strike="noStrike">
                 <a:solidFill>
                   <a:srgbClr val="404040"/>
                 </a:solidFill>
@@ -5450,7 +4587,7 @@
               </a:rPr>
               <a:t>Programmiersprache: C#(WPF)</a:t>
             </a:r>
-            <a:endParaRPr lang="de-DE" sz="2000" b="0" strike="noStrike" spc="-1">
+            <a:endParaRPr b="0" lang="de-DE" sz="2000" spc="-1" strike="noStrike">
               <a:latin typeface="Arial"/>
             </a:endParaRPr>
           </a:p>
@@ -5466,13 +4603,13 @@
                 <a:spcPts val="799"/>
               </a:spcAft>
               <a:buClr>
-                <a:srgbClr val="E48312"/>
+                <a:srgbClr val="e48312"/>
               </a:buClr>
               <a:buFont typeface="Wingdings" charset="2"/>
               <a:buChar char=""/>
             </a:pPr>
             <a:r>
-              <a:rPr lang="de-DE" sz="2000" b="0" strike="noStrike" spc="-1">
+              <a:rPr b="0" lang="de-DE" sz="2000" spc="-1" strike="noStrike">
                 <a:solidFill>
                   <a:srgbClr val="404040"/>
                 </a:solidFill>
@@ -5481,7 +4618,7 @@
               </a:rPr>
               <a:t>Programmierumgebung: Visual Studio</a:t>
             </a:r>
-            <a:endParaRPr lang="de-DE" sz="2000" b="0" strike="noStrike" spc="-1">
+            <a:endParaRPr b="0" lang="de-DE" sz="2000" spc="-1" strike="noStrike">
               <a:latin typeface="Arial"/>
             </a:endParaRPr>
           </a:p>
@@ -5497,13 +4634,13 @@
                 <a:spcPts val="799"/>
               </a:spcAft>
               <a:buClr>
-                <a:srgbClr val="E48312"/>
+                <a:srgbClr val="e48312"/>
               </a:buClr>
               <a:buFont typeface="Wingdings" charset="2"/>
               <a:buChar char=""/>
             </a:pPr>
             <a:r>
-              <a:rPr lang="de-DE" sz="2000" b="0" strike="noStrike" spc="-1">
+              <a:rPr b="0" lang="de-DE" sz="2000" spc="-1" strike="noStrike">
                 <a:solidFill>
                   <a:srgbClr val="404040"/>
                 </a:solidFill>
@@ -5514,7 +4651,7 @@
             </a:r>
             <a:br/>
             <a:r>
-              <a:rPr lang="de-DE" sz="1800" b="0" strike="noStrike" spc="-1">
+              <a:rPr b="0" lang="de-DE" sz="1800" spc="-1" strike="noStrike">
                 <a:solidFill>
                   <a:srgbClr val="404040"/>
                 </a:solidFill>
@@ -5523,7 +4660,7 @@
               </a:rPr>
               <a:t> </a:t>
             </a:r>
-            <a:endParaRPr lang="de-DE" sz="1800" b="0" strike="noStrike" spc="-1">
+            <a:endParaRPr b="0" lang="de-DE" sz="1800" spc="-1" strike="noStrike">
               <a:latin typeface="Arial"/>
             </a:endParaRPr>
           </a:p>
@@ -5539,7 +4676,7 @@
                 <a:spcPts val="201"/>
               </a:spcAft>
             </a:pPr>
-            <a:endParaRPr lang="de-DE" sz="1800" b="0" strike="noStrike" spc="-1">
+            <a:endParaRPr b="0" lang="de-DE" sz="1800" spc="-1" strike="noStrike">
               <a:latin typeface="Arial"/>
             </a:endParaRPr>
           </a:p>
@@ -5547,25 +4684,30 @@
       </p:sp>
     </p:spTree>
   </p:cSld>
-  <p:clrMapOvr>
-    <a:masterClrMapping/>
-  </p:clrMapOvr>
+  <mc:AlternateContent>
+    <mc:Choice Requires="p14">
+      <p:transition spd="slow" p14:dur="2000"/>
+    </mc:Choice>
+    <mc:Fallback>
+      <p:transition spd="slow"/>
+    </mc:Fallback>
+  </mc:AlternateContent>
   <p:timing>
     <p:tnLst>
       <p:par>
-        <p:cTn id="1" dur="indefinite" restart="never" nodeType="tmRoot">
+        <p:cTn id="7" dur="indefinite" restart="never" nodeType="tmRoot">
           <p:childTnLst>
             <p:seq>
-              <p:cTn id="2" dur="indefinite" nodeType="mainSeq"/>
+              <p:cTn id="8" dur="indefinite" nodeType="mainSeq"/>
               <p:prevCondLst>
-                <p:cond evt="onPrev" delay="0">
+                <p:cond delay="0" evt="onPrev">
                   <p:tgtEl>
                     <p:sldTgt/>
                   </p:tgtEl>
                 </p:cond>
               </p:prevCondLst>
               <p:nextCondLst>
-                <p:cond evt="onNext" delay="0">
+                <p:cond delay="0" evt="onNext">
                   <p:tgtEl>
                     <p:sldTgt/>
                   </p:tgtEl>
@@ -5581,7 +4723,7 @@
 </file>
 
 <file path=ppt/slides/slide5.xml><?xml version="1.0" encoding="utf-8"?>
-<p:sld xmlns:a="http://schemas.openxmlformats.org/drawingml/2006/main" xmlns:r="http://schemas.openxmlformats.org/officeDocument/2006/relationships" xmlns:p="http://schemas.openxmlformats.org/presentationml/2006/main">
+<p:sld xmlns:a="http://schemas.openxmlformats.org/drawingml/2006/main" xmlns:p="http://schemas.openxmlformats.org/presentationml/2006/main" xmlns:r="http://schemas.openxmlformats.org/officeDocument/2006/relationships" xmlns:p14="http://schemas.microsoft.com/office/powerpoint/2010/main" xmlns:p15="http://schemas.microsoft.com/office/powerpoint/2012/main" xmlns:mc="http://schemas.openxmlformats.org/markup-compatibility/2006">
   <p:cSld>
     <p:spTree>
       <p:nvGrpSpPr>
@@ -5617,20 +4759,13 @@
           </a:ln>
         </p:spPr>
         <p:style>
-          <a:lnRef idx="0">
-            <a:scrgbClr r="0" g="0" b="0"/>
-          </a:lnRef>
-          <a:fillRef idx="0">
-            <a:scrgbClr r="0" g="0" b="0"/>
-          </a:fillRef>
-          <a:effectRef idx="0">
-            <a:scrgbClr r="0" g="0" b="0"/>
-          </a:effectRef>
+          <a:lnRef idx="0"/>
+          <a:fillRef idx="0"/>
+          <a:effectRef idx="0"/>
           <a:fontRef idx="minor"/>
         </p:style>
         <p:txBody>
-          <a:bodyPr lIns="90000" tIns="45000" rIns="90000" bIns="45000" anchor="b"/>
-          <a:lstStyle/>
+          <a:bodyPr lIns="90000" rIns="90000" tIns="45000" bIns="45000" anchor="b"/>
           <a:p>
             <a:pPr>
               <a:lnSpc>
@@ -5638,7 +4773,7 @@
               </a:lnSpc>
             </a:pPr>
             <a:r>
-              <a:rPr lang="de-DE" sz="4800" b="0" strike="noStrike" spc="-52">
+              <a:rPr b="0" lang="de-DE" sz="4800" spc="-52" strike="noStrike">
                 <a:solidFill>
                   <a:srgbClr val="404040"/>
                 </a:solidFill>
@@ -5646,7 +4781,7 @@
               </a:rPr>
               <a:t>Vorstellung des Ursprungsprogrammes</a:t>
             </a:r>
-            <a:endParaRPr lang="de-DE" sz="4800" b="0" strike="noStrike" spc="-1">
+            <a:endParaRPr b="0" lang="de-DE" sz="4800" spc="-1" strike="noStrike">
               <a:latin typeface="Arial"/>
             </a:endParaRPr>
           </a:p>
@@ -5672,20 +4807,13 @@
           </a:ln>
         </p:spPr>
         <p:style>
-          <a:lnRef idx="0">
-            <a:scrgbClr r="0" g="0" b="0"/>
-          </a:lnRef>
-          <a:fillRef idx="0">
-            <a:scrgbClr r="0" g="0" b="0"/>
-          </a:fillRef>
-          <a:effectRef idx="0">
-            <a:scrgbClr r="0" g="0" b="0"/>
-          </a:effectRef>
+          <a:lnRef idx="0"/>
+          <a:fillRef idx="0"/>
+          <a:effectRef idx="0"/>
           <a:fontRef idx="minor"/>
         </p:style>
         <p:txBody>
-          <a:bodyPr lIns="0" tIns="45000" rIns="0" bIns="45000"/>
-          <a:lstStyle/>
+          <a:bodyPr lIns="0" rIns="0" tIns="45000" bIns="45000"/>
           <a:p>
             <a:pPr marL="91440" indent="-90720">
               <a:lnSpc>
@@ -5698,21 +4826,21 @@
                 <a:spcPts val="201"/>
               </a:spcAft>
               <a:buClr>
-                <a:srgbClr val="E48312"/>
+                <a:srgbClr val="e48312"/>
               </a:buClr>
               <a:buFont typeface="Arial"/>
               <a:buChar char="•"/>
             </a:pPr>
             <a:r>
-              <a:rPr lang="de-DE" sz="2000" b="0" strike="noStrike" spc="-1" dirty="0">
+              <a:rPr b="0" lang="de-DE" sz="2000" spc="-1" strike="noStrike">
                 <a:solidFill>
                   <a:srgbClr val="404040"/>
                 </a:solidFill>
                 <a:latin typeface="Calibri"/>
               </a:rPr>
-              <a:t> Logiflash </a:t>
+              <a:t> </a:t>
             </a:r>
-            <a:endParaRPr lang="de-DE" sz="2000" b="0" strike="noStrike" spc="-1" dirty="0">
+            <a:endParaRPr b="0" lang="de-DE" sz="2000" spc="-1" strike="noStrike">
               <a:latin typeface="Arial"/>
             </a:endParaRPr>
           </a:p>
@@ -5720,25 +4848,30 @@
       </p:sp>
     </p:spTree>
   </p:cSld>
-  <p:clrMapOvr>
-    <a:masterClrMapping/>
-  </p:clrMapOvr>
+  <mc:AlternateContent>
+    <mc:Choice Requires="p14">
+      <p:transition spd="slow" p14:dur="2000"/>
+    </mc:Choice>
+    <mc:Fallback>
+      <p:transition spd="slow"/>
+    </mc:Fallback>
+  </mc:AlternateContent>
   <p:timing>
     <p:tnLst>
       <p:par>
-        <p:cTn id="1" dur="indefinite" restart="never" nodeType="tmRoot">
+        <p:cTn id="9" dur="indefinite" restart="never" nodeType="tmRoot">
           <p:childTnLst>
             <p:seq>
-              <p:cTn id="2" dur="indefinite" nodeType="mainSeq"/>
+              <p:cTn id="10" dur="indefinite" nodeType="mainSeq"/>
               <p:prevCondLst>
-                <p:cond evt="onPrev" delay="0">
+                <p:cond delay="0" evt="onPrev">
                   <p:tgtEl>
                     <p:sldTgt/>
                   </p:tgtEl>
                 </p:cond>
               </p:prevCondLst>
               <p:nextCondLst>
-                <p:cond evt="onNext" delay="0">
+                <p:cond delay="0" evt="onNext">
                   <p:tgtEl>
                     <p:sldTgt/>
                   </p:tgtEl>
@@ -5754,7 +4887,7 @@
 </file>
 
 <file path=ppt/slides/slide6.xml><?xml version="1.0" encoding="utf-8"?>
-<p:sld xmlns:a="http://schemas.openxmlformats.org/drawingml/2006/main" xmlns:r="http://schemas.openxmlformats.org/officeDocument/2006/relationships" xmlns:p="http://schemas.openxmlformats.org/presentationml/2006/main">
+<p:sld xmlns:a="http://schemas.openxmlformats.org/drawingml/2006/main" xmlns:p="http://schemas.openxmlformats.org/presentationml/2006/main" xmlns:r="http://schemas.openxmlformats.org/officeDocument/2006/relationships" xmlns:p14="http://schemas.microsoft.com/office/powerpoint/2010/main" xmlns:p15="http://schemas.microsoft.com/office/powerpoint/2012/main" xmlns:mc="http://schemas.openxmlformats.org/markup-compatibility/2006">
   <p:cSld>
     <p:spTree>
       <p:nvGrpSpPr>
@@ -5790,20 +4923,13 @@
           </a:ln>
         </p:spPr>
         <p:style>
-          <a:lnRef idx="0">
-            <a:scrgbClr r="0" g="0" b="0"/>
-          </a:lnRef>
-          <a:fillRef idx="0">
-            <a:scrgbClr r="0" g="0" b="0"/>
-          </a:fillRef>
-          <a:effectRef idx="0">
-            <a:scrgbClr r="0" g="0" b="0"/>
-          </a:effectRef>
+          <a:lnRef idx="0"/>
+          <a:fillRef idx="0"/>
+          <a:effectRef idx="0"/>
           <a:fontRef idx="minor"/>
         </p:style>
         <p:txBody>
-          <a:bodyPr lIns="90000" tIns="45000" rIns="90000" bIns="45000" anchor="b"/>
-          <a:lstStyle/>
+          <a:bodyPr lIns="90000" rIns="90000" tIns="45000" bIns="45000" anchor="b"/>
           <a:p>
             <a:pPr>
               <a:lnSpc>
@@ -5811,7 +4937,7 @@
               </a:lnSpc>
             </a:pPr>
             <a:r>
-              <a:rPr lang="de-DE" sz="4800" b="0" strike="noStrike" spc="-52">
+              <a:rPr b="0" lang="de-DE" sz="4800" spc="-52" strike="noStrike">
                 <a:solidFill>
                   <a:srgbClr val="404040"/>
                 </a:solidFill>
@@ -5819,7 +4945,7 @@
               </a:rPr>
               <a:t>Zeigen des Programs</a:t>
             </a:r>
-            <a:endParaRPr lang="de-DE" sz="4800" b="0" strike="noStrike" spc="-1">
+            <a:endParaRPr b="0" lang="de-DE" sz="4800" spc="-1" strike="noStrike">
               <a:latin typeface="Arial"/>
             </a:endParaRPr>
           </a:p>
@@ -5845,39 +4971,38 @@
           </a:ln>
         </p:spPr>
         <p:style>
-          <a:lnRef idx="0">
-            <a:scrgbClr r="0" g="0" b="0"/>
-          </a:lnRef>
-          <a:fillRef idx="0">
-            <a:scrgbClr r="0" g="0" b="0"/>
-          </a:fillRef>
-          <a:effectRef idx="0">
-            <a:scrgbClr r="0" g="0" b="0"/>
-          </a:effectRef>
+          <a:lnRef idx="0"/>
+          <a:fillRef idx="0"/>
+          <a:effectRef idx="0"/>
           <a:fontRef idx="minor"/>
         </p:style>
       </p:sp>
     </p:spTree>
   </p:cSld>
-  <p:clrMapOvr>
-    <a:masterClrMapping/>
-  </p:clrMapOvr>
+  <mc:AlternateContent>
+    <mc:Choice Requires="p14">
+      <p:transition spd="slow" p14:dur="2000"/>
+    </mc:Choice>
+    <mc:Fallback>
+      <p:transition spd="slow"/>
+    </mc:Fallback>
+  </mc:AlternateContent>
   <p:timing>
     <p:tnLst>
       <p:par>
-        <p:cTn id="1" dur="indefinite" restart="never" nodeType="tmRoot">
+        <p:cTn id="11" dur="indefinite" restart="never" nodeType="tmRoot">
           <p:childTnLst>
             <p:seq>
-              <p:cTn id="2" dur="indefinite" nodeType="mainSeq"/>
+              <p:cTn id="12" dur="indefinite" nodeType="mainSeq"/>
               <p:prevCondLst>
-                <p:cond evt="onPrev" delay="0">
+                <p:cond delay="0" evt="onPrev">
                   <p:tgtEl>
                     <p:sldTgt/>
                   </p:tgtEl>
                 </p:cond>
               </p:prevCondLst>
               <p:nextCondLst>
-                <p:cond evt="onNext" delay="0">
+                <p:cond delay="0" evt="onNext">
                   <p:tgtEl>
                     <p:sldTgt/>
                   </p:tgtEl>
@@ -5893,7 +5018,7 @@
 </file>
 
 <file path=ppt/slides/slide7.xml><?xml version="1.0" encoding="utf-8"?>
-<p:sld xmlns:a="http://schemas.openxmlformats.org/drawingml/2006/main" xmlns:r="http://schemas.openxmlformats.org/officeDocument/2006/relationships" xmlns:p="http://schemas.openxmlformats.org/presentationml/2006/main">
+<p:sld xmlns:a="http://schemas.openxmlformats.org/drawingml/2006/main" xmlns:p="http://schemas.openxmlformats.org/presentationml/2006/main" xmlns:r="http://schemas.openxmlformats.org/officeDocument/2006/relationships" xmlns:p14="http://schemas.microsoft.com/office/powerpoint/2010/main" xmlns:p15="http://schemas.microsoft.com/office/powerpoint/2012/main" xmlns:mc="http://schemas.openxmlformats.org/markup-compatibility/2006">
   <p:cSld>
     <p:spTree>
       <p:nvGrpSpPr>
@@ -5929,20 +5054,13 @@
           </a:ln>
         </p:spPr>
         <p:style>
-          <a:lnRef idx="0">
-            <a:scrgbClr r="0" g="0" b="0"/>
-          </a:lnRef>
-          <a:fillRef idx="0">
-            <a:scrgbClr r="0" g="0" b="0"/>
-          </a:fillRef>
-          <a:effectRef idx="0">
-            <a:scrgbClr r="0" g="0" b="0"/>
-          </a:effectRef>
+          <a:lnRef idx="0"/>
+          <a:fillRef idx="0"/>
+          <a:effectRef idx="0"/>
           <a:fontRef idx="minor"/>
         </p:style>
         <p:txBody>
-          <a:bodyPr lIns="90000" tIns="45000" rIns="90000" bIns="45000" anchor="b"/>
-          <a:lstStyle/>
+          <a:bodyPr lIns="90000" rIns="90000" tIns="45000" bIns="45000" anchor="b"/>
           <a:p>
             <a:pPr>
               <a:lnSpc>
@@ -5950,7 +5068,7 @@
               </a:lnSpc>
             </a:pPr>
             <a:r>
-              <a:rPr lang="de-DE" sz="4800" b="0" strike="noStrike" spc="-52">
+              <a:rPr b="0" lang="de-DE" sz="4800" spc="-52" strike="noStrike">
                 <a:solidFill>
                   <a:srgbClr val="404040"/>
                 </a:solidFill>
@@ -5958,7 +5076,7 @@
               </a:rPr>
               <a:t>Zeitplanung/Umsetzung</a:t>
             </a:r>
-            <a:endParaRPr lang="de-DE" sz="4800" b="0" strike="noStrike" spc="-1">
+            <a:endParaRPr b="0" lang="de-DE" sz="4800" spc="-1" strike="noStrike">
               <a:latin typeface="Arial"/>
             </a:endParaRPr>
           </a:p>
@@ -5966,2368 +5084,3268 @@
       </p:sp>
       <p:graphicFrame>
         <p:nvGraphicFramePr>
-          <p:cNvPr id="5" name="Content Placeholder 3">
-            <a:extLst>
-              <a:ext uri="{FF2B5EF4-FFF2-40B4-BE49-F238E27FC236}">
-                <a16:creationId xmlns:a16="http://schemas.microsoft.com/office/drawing/2014/main" id="{E92EC671-C09B-401A-96F7-9E1F636FD7D8}"/>
-              </a:ext>
-            </a:extLst>
-          </p:cNvPr>
-          <p:cNvGraphicFramePr>
-            <a:graphicFrameLocks/>
-          </p:cNvGraphicFramePr>
-          <p:nvPr>
-            <p:extLst>
-              <p:ext uri="{D42A27DB-BD31-4B8C-83A1-F6EECF244321}">
-                <p14:modId xmlns:p14="http://schemas.microsoft.com/office/powerpoint/2010/main" val="4284859589"/>
-              </p:ext>
-            </p:extLst>
-          </p:nvPr>
+          <p:cNvPr id="98" name="Table 2"/>
+          <p:cNvGraphicFramePr/>
+          <p:nvPr/>
         </p:nvGraphicFramePr>
         <p:xfrm>
-          <a:off x="1097280" y="1846262"/>
-          <a:ext cx="10058400" cy="4373561"/>
+          <a:off x="924120" y="1353240"/>
+          <a:ext cx="10166400" cy="4562280"/>
         </p:xfrm>
         <a:graphic>
           <a:graphicData uri="http://schemas.openxmlformats.org/drawingml/2006/table">
             <a:tbl>
-              <a:tblPr firstRow="1" firstCol="1" bandRow="1">
-                <a:tableStyleId>{5C22544A-7EE6-4342-B048-85BDC9FD1C3A}</a:tableStyleId>
-              </a:tblPr>
+              <a:tblPr/>
               <a:tblGrid>
-                <a:gridCol w="2020631">
-                  <a:extLst>
-                    <a:ext uri="{9D8B030D-6E8A-4147-A177-3AD203B41FA5}">
-                      <a16:colId xmlns:a16="http://schemas.microsoft.com/office/drawing/2014/main" val="3960311757"/>
-                    </a:ext>
-                  </a:extLst>
-                </a:gridCol>
-                <a:gridCol w="959161">
-                  <a:extLst>
-                    <a:ext uri="{9D8B030D-6E8A-4147-A177-3AD203B41FA5}">
-                      <a16:colId xmlns:a16="http://schemas.microsoft.com/office/drawing/2014/main" val="375867820"/>
-                    </a:ext>
-                  </a:extLst>
-                </a:gridCol>
-                <a:gridCol w="2369126">
-                  <a:extLst>
-                    <a:ext uri="{9D8B030D-6E8A-4147-A177-3AD203B41FA5}">
-                      <a16:colId xmlns:a16="http://schemas.microsoft.com/office/drawing/2014/main" val="265749481"/>
-                    </a:ext>
-                  </a:extLst>
-                </a:gridCol>
-                <a:gridCol w="1103036">
-                  <a:extLst>
-                    <a:ext uri="{9D8B030D-6E8A-4147-A177-3AD203B41FA5}">
-                      <a16:colId xmlns:a16="http://schemas.microsoft.com/office/drawing/2014/main" val="3687022690"/>
-                    </a:ext>
-                  </a:extLst>
-                </a:gridCol>
-                <a:gridCol w="2493818">
-                  <a:extLst>
-                    <a:ext uri="{9D8B030D-6E8A-4147-A177-3AD203B41FA5}">
-                      <a16:colId xmlns:a16="http://schemas.microsoft.com/office/drawing/2014/main" val="1346975819"/>
-                    </a:ext>
-                  </a:extLst>
-                </a:gridCol>
-                <a:gridCol w="1112628">
-                  <a:extLst>
-                    <a:ext uri="{9D8B030D-6E8A-4147-A177-3AD203B41FA5}">
-                      <a16:colId xmlns:a16="http://schemas.microsoft.com/office/drawing/2014/main" val="4024777374"/>
-                    </a:ext>
-                  </a:extLst>
-                </a:gridCol>
+                <a:gridCol w="2483640"/>
+                <a:gridCol w="682560"/>
+                <a:gridCol w="2540880"/>
+                <a:gridCol w="682560"/>
+                <a:gridCol w="2790360"/>
+                <a:gridCol w="986760"/>
               </a:tblGrid>
-              <a:tr h="308771">
+              <a:tr h="525240">
                 <a:tc>
                   <a:txBody>
-                    <a:bodyPr/>
-                    <a:lstStyle/>
+                    <a:bodyPr lIns="68400" rIns="68400"/>
                     <a:p>
-                      <a:pPr algn="ctr" rtl="0" fontAlgn="ctr"/>
+                      <a:pPr algn="ctr">
+                        <a:lnSpc>
+                          <a:spcPct val="107000"/>
+                        </a:lnSpc>
+                      </a:pPr>
                       <a:r>
-                        <a:rPr lang="en-US" sz="1600" u="sng" strike="noStrike" dirty="0">
-                          <a:effectLst/>
+                        <a:rPr b="1" lang="de-DE" sz="1600" spc="-1" strike="noStrike" u="sng">
+                          <a:solidFill>
+                            <a:srgbClr val="ffffff"/>
+                          </a:solidFill>
+                          <a:uFillTx/>
+                          <a:latin typeface="Calibri"/>
                         </a:rPr>
                         <a:t>Wahlenmeier</a:t>
                       </a:r>
-                      <a:endParaRPr lang="en-US" sz="1600" b="1" i="0" u="sng" strike="noStrike" dirty="0">
-                        <a:solidFill>
-                          <a:srgbClr val="FFFFFF"/>
-                        </a:solidFill>
-                        <a:effectLst/>
-                        <a:latin typeface="Calibri" panose="020F0502020204030204" pitchFamily="34" charset="0"/>
+                      <a:endParaRPr b="0" lang="de-DE" sz="1600" spc="-1" strike="noStrike">
+                        <a:latin typeface="Arial"/>
                       </a:endParaRPr>
                     </a:p>
                   </a:txBody>
-                  <a:tcPr marL="9510" marR="9510" marT="9510" marB="0" anchor="ctr">
+                  <a:tcPr marL="68400" marR="68400">
+                    <a:lnL w="12240">
+                      <a:solidFill>
+                        <a:srgbClr val="bd582c"/>
+                      </a:solidFill>
+                    </a:lnL>
+                    <a:lnR w="15840">
+                      <a:solidFill>
+                        <a:srgbClr val="bd582c"/>
+                      </a:solidFill>
+                    </a:lnR>
+                    <a:lnT w="12240">
+                      <a:solidFill>
+                        <a:srgbClr val="bd582c"/>
+                      </a:solidFill>
+                    </a:lnT>
+                    <a:lnB w="12240">
+                      <a:solidFill>
+                        <a:srgbClr val="bd582c"/>
+                      </a:solidFill>
+                    </a:lnB>
                     <a:solidFill>
-                      <a:schemeClr val="accent2"/>
+                      <a:srgbClr val="bd582c"/>
                     </a:solidFill>
                   </a:tcPr>
                 </a:tc>
                 <a:tc>
                   <a:txBody>
-                    <a:bodyPr/>
-                    <a:lstStyle/>
+                    <a:bodyPr lIns="68400" rIns="68400"/>
                     <a:p>
-                      <a:pPr algn="l" rtl="0" fontAlgn="ctr"/>
+                      <a:pPr>
+                        <a:lnSpc>
+                          <a:spcPct val="107000"/>
+                        </a:lnSpc>
+                      </a:pPr>
                       <a:r>
-                        <a:rPr lang="en-US" sz="1600" u="none" strike="noStrike" dirty="0">
-                          <a:effectLst/>
+                        <a:rPr b="1" lang="de-DE" sz="1600" spc="-1" strike="noStrike">
+                          <a:solidFill>
+                            <a:srgbClr val="ffffff"/>
+                          </a:solidFill>
+                          <a:latin typeface="Calibri"/>
                         </a:rPr>
                         <a:t>Zeit in h</a:t>
                       </a:r>
-                      <a:endParaRPr lang="en-US" sz="1600" b="1" i="0" u="none" strike="noStrike" dirty="0">
-                        <a:solidFill>
-                          <a:srgbClr val="FFFFFF"/>
-                        </a:solidFill>
-                        <a:effectLst/>
-                        <a:latin typeface="Calibri" panose="020F0502020204030204" pitchFamily="34" charset="0"/>
+                      <a:endParaRPr b="0" lang="de-DE" sz="1600" spc="-1" strike="noStrike">
+                        <a:latin typeface="Arial"/>
                       </a:endParaRPr>
                     </a:p>
                   </a:txBody>
-                  <a:tcPr marL="9510" marR="9510" marT="9510" marB="0" anchor="ctr">
+                  <a:tcPr marL="68400" marR="68400">
+                    <a:lnL w="12240">
+                      <a:solidFill>
+                        <a:srgbClr val="bd582c"/>
+                      </a:solidFill>
+                    </a:lnL>
+                    <a:lnR w="12240">
+                      <a:solidFill>
+                        <a:srgbClr val="bd582c"/>
+                      </a:solidFill>
+                    </a:lnR>
+                    <a:lnT w="12240">
+                      <a:solidFill>
+                        <a:srgbClr val="bd582c"/>
+                      </a:solidFill>
+                    </a:lnT>
+                    <a:lnB w="15840">
+                      <a:solidFill>
+                        <a:srgbClr val="ffffff"/>
+                      </a:solidFill>
+                    </a:lnB>
                     <a:solidFill>
-                      <a:schemeClr val="accent2"/>
+                      <a:srgbClr val="bd582c"/>
                     </a:solidFill>
                   </a:tcPr>
                 </a:tc>
                 <a:tc>
                   <a:txBody>
-                    <a:bodyPr/>
-                    <a:lstStyle/>
+                    <a:bodyPr lIns="68400" rIns="68400"/>
                     <a:p>
-                      <a:pPr algn="ctr" rtl="0" fontAlgn="ctr"/>
+                      <a:pPr algn="ctr">
+                        <a:lnSpc>
+                          <a:spcPct val="107000"/>
+                        </a:lnSpc>
+                      </a:pPr>
                       <a:r>
-                        <a:rPr lang="en-US" sz="1600" u="sng" strike="noStrike">
-                          <a:effectLst/>
+                        <a:rPr b="1" lang="de-DE" sz="1600" spc="-1" strike="noStrike" u="sng">
+                          <a:solidFill>
+                            <a:srgbClr val="ffffff"/>
+                          </a:solidFill>
+                          <a:uFillTx/>
+                          <a:latin typeface="Calibri"/>
                         </a:rPr>
                         <a:t>Schäfer</a:t>
                       </a:r>
-                      <a:endParaRPr lang="en-US" sz="1600" b="1" i="0" u="sng" strike="noStrike">
-                        <a:solidFill>
-                          <a:srgbClr val="FFFFFF"/>
-                        </a:solidFill>
-                        <a:effectLst/>
-                        <a:latin typeface="Calibri" panose="020F0502020204030204" pitchFamily="34" charset="0"/>
+                      <a:endParaRPr b="0" lang="de-DE" sz="1600" spc="-1" strike="noStrike">
+                        <a:latin typeface="Arial"/>
                       </a:endParaRPr>
                     </a:p>
                   </a:txBody>
-                  <a:tcPr marL="9510" marR="9510" marT="9510" marB="0" anchor="ctr">
+                  <a:tcPr marL="68400" marR="68400">
+                    <a:lnL w="12240">
+                      <a:solidFill>
+                        <a:srgbClr val="bd582c"/>
+                      </a:solidFill>
+                    </a:lnL>
+                    <a:lnR w="12240">
+                      <a:solidFill>
+                        <a:srgbClr val="bd582c"/>
+                      </a:solidFill>
+                    </a:lnR>
+                    <a:lnT w="12240">
+                      <a:solidFill>
+                        <a:srgbClr val="bd582c"/>
+                      </a:solidFill>
+                    </a:lnT>
+                    <a:lnB w="15840">
+                      <a:solidFill>
+                        <a:srgbClr val="ffffff"/>
+                      </a:solidFill>
+                    </a:lnB>
                     <a:solidFill>
-                      <a:schemeClr val="accent2"/>
+                      <a:srgbClr val="bd582c"/>
                     </a:solidFill>
                   </a:tcPr>
                 </a:tc>
                 <a:tc>
                   <a:txBody>
-                    <a:bodyPr/>
-                    <a:lstStyle/>
+                    <a:bodyPr lIns="68400" rIns="68400"/>
                     <a:p>
-                      <a:pPr algn="l" rtl="0" fontAlgn="ctr"/>
+                      <a:pPr>
+                        <a:lnSpc>
+                          <a:spcPct val="107000"/>
+                        </a:lnSpc>
+                      </a:pPr>
                       <a:r>
-                        <a:rPr lang="en-US" sz="1600" u="none" strike="noStrike">
-                          <a:effectLst/>
+                        <a:rPr b="1" lang="de-DE" sz="1600" spc="-1" strike="noStrike">
+                          <a:solidFill>
+                            <a:srgbClr val="ffffff"/>
+                          </a:solidFill>
+                          <a:latin typeface="Calibri"/>
                         </a:rPr>
                         <a:t>Zeit in h</a:t>
                       </a:r>
-                      <a:endParaRPr lang="en-US" sz="1600" b="1" i="0" u="none" strike="noStrike">
-                        <a:solidFill>
-                          <a:srgbClr val="FFFFFF"/>
-                        </a:solidFill>
-                        <a:effectLst/>
-                        <a:latin typeface="Calibri" panose="020F0502020204030204" pitchFamily="34" charset="0"/>
+                      <a:endParaRPr b="0" lang="de-DE" sz="1600" spc="-1" strike="noStrike">
+                        <a:latin typeface="Arial"/>
                       </a:endParaRPr>
                     </a:p>
                   </a:txBody>
-                  <a:tcPr marL="9510" marR="9510" marT="9510" marB="0" anchor="ctr">
+                  <a:tcPr marL="68400" marR="68400">
+                    <a:lnL w="12240">
+                      <a:solidFill>
+                        <a:srgbClr val="bd582c"/>
+                      </a:solidFill>
+                    </a:lnL>
+                    <a:lnR w="12240">
+                      <a:solidFill>
+                        <a:srgbClr val="bd582c"/>
+                      </a:solidFill>
+                    </a:lnR>
+                    <a:lnT w="12240">
+                      <a:solidFill>
+                        <a:srgbClr val="bd582c"/>
+                      </a:solidFill>
+                    </a:lnT>
+                    <a:lnB w="15840">
+                      <a:solidFill>
+                        <a:srgbClr val="ffffff"/>
+                      </a:solidFill>
+                    </a:lnB>
                     <a:solidFill>
-                      <a:schemeClr val="accent2"/>
+                      <a:srgbClr val="bd582c"/>
                     </a:solidFill>
                   </a:tcPr>
                 </a:tc>
                 <a:tc>
                   <a:txBody>
-                    <a:bodyPr/>
-                    <a:lstStyle/>
+                    <a:bodyPr lIns="68400" rIns="68400"/>
                     <a:p>
-                      <a:pPr algn="ctr" rtl="0" fontAlgn="ctr"/>
+                      <a:pPr algn="ctr">
+                        <a:lnSpc>
+                          <a:spcPct val="107000"/>
+                        </a:lnSpc>
+                      </a:pPr>
                       <a:r>
-                        <a:rPr lang="en-US" sz="1600" u="sng" strike="noStrike">
-                          <a:effectLst/>
+                        <a:rPr b="1" lang="de-DE" sz="1600" spc="-1" strike="noStrike" u="sng">
+                          <a:solidFill>
+                            <a:srgbClr val="ffffff"/>
+                          </a:solidFill>
+                          <a:uFillTx/>
+                          <a:latin typeface="Calibri"/>
                         </a:rPr>
                         <a:t>Heisser</a:t>
                       </a:r>
-                      <a:endParaRPr lang="en-US" sz="1600" b="1" i="0" u="sng" strike="noStrike">
-                        <a:solidFill>
-                          <a:srgbClr val="FFFFFF"/>
-                        </a:solidFill>
-                        <a:effectLst/>
-                        <a:latin typeface="Calibri" panose="020F0502020204030204" pitchFamily="34" charset="0"/>
+                      <a:endParaRPr b="0" lang="de-DE" sz="1600" spc="-1" strike="noStrike">
+                        <a:latin typeface="Arial"/>
                       </a:endParaRPr>
                     </a:p>
                   </a:txBody>
-                  <a:tcPr marL="9510" marR="9510" marT="9510" marB="0" anchor="ctr">
+                  <a:tcPr marL="68400" marR="68400">
+                    <a:lnL w="12240">
+                      <a:solidFill>
+                        <a:srgbClr val="bd582c"/>
+                      </a:solidFill>
+                    </a:lnL>
+                    <a:lnR w="12240">
+                      <a:solidFill>
+                        <a:srgbClr val="bd582c"/>
+                      </a:solidFill>
+                    </a:lnR>
+                    <a:lnT w="12240">
+                      <a:solidFill>
+                        <a:srgbClr val="bd582c"/>
+                      </a:solidFill>
+                    </a:lnT>
+                    <a:lnB w="15840">
+                      <a:solidFill>
+                        <a:srgbClr val="ffffff"/>
+                      </a:solidFill>
+                    </a:lnB>
                     <a:solidFill>
-                      <a:schemeClr val="accent2"/>
+                      <a:srgbClr val="bd582c"/>
                     </a:solidFill>
                   </a:tcPr>
                 </a:tc>
                 <a:tc>
                   <a:txBody>
-                    <a:bodyPr/>
-                    <a:lstStyle/>
+                    <a:bodyPr lIns="68400" rIns="68400"/>
                     <a:p>
-                      <a:pPr algn="l" rtl="0" fontAlgn="ctr"/>
+                      <a:pPr>
+                        <a:lnSpc>
+                          <a:spcPct val="107000"/>
+                        </a:lnSpc>
+                      </a:pPr>
                       <a:r>
-                        <a:rPr lang="en-US" sz="1600" u="none" strike="noStrike" dirty="0">
-                          <a:effectLst/>
+                        <a:rPr b="1" lang="de-DE" sz="1600" spc="-1" strike="noStrike">
+                          <a:solidFill>
+                            <a:srgbClr val="ffffff"/>
+                          </a:solidFill>
+                          <a:latin typeface="Calibri"/>
                         </a:rPr>
                         <a:t>Zeit in h</a:t>
                       </a:r>
-                      <a:endParaRPr lang="en-US" sz="1600" b="1" i="0" u="none" strike="noStrike" dirty="0">
-                        <a:solidFill>
-                          <a:srgbClr val="FFFFFF"/>
-                        </a:solidFill>
-                        <a:effectLst/>
-                        <a:latin typeface="Calibri" panose="020F0502020204030204" pitchFamily="34" charset="0"/>
+                      <a:endParaRPr b="0" lang="de-DE" sz="1600" spc="-1" strike="noStrike">
+                        <a:latin typeface="Arial"/>
                       </a:endParaRPr>
                     </a:p>
                   </a:txBody>
-                  <a:tcPr marL="9510" marR="9510" marT="9510" marB="0" anchor="ctr">
+                  <a:tcPr marL="68400" marR="68400">
+                    <a:lnL w="12240">
+                      <a:solidFill>
+                        <a:srgbClr val="bd582c"/>
+                      </a:solidFill>
+                    </a:lnL>
+                    <a:lnR w="12240">
+                      <a:solidFill>
+                        <a:srgbClr val="bd582c"/>
+                      </a:solidFill>
+                    </a:lnR>
+                    <a:lnT w="12240">
+                      <a:solidFill>
+                        <a:srgbClr val="bd582c"/>
+                      </a:solidFill>
+                    </a:lnT>
+                    <a:lnB w="15840">
+                      <a:solidFill>
+                        <a:srgbClr val="ffffff"/>
+                      </a:solidFill>
+                    </a:lnB>
                     <a:solidFill>
-                      <a:schemeClr val="accent2"/>
+                      <a:srgbClr val="bd582c"/>
                     </a:solidFill>
                   </a:tcPr>
                 </a:tc>
-                <a:extLst>
-                  <a:ext uri="{0D108BD9-81ED-4DB2-BD59-A6C34878D82A}">
-                    <a16:rowId xmlns:a16="http://schemas.microsoft.com/office/drawing/2014/main" val="4243780891"/>
-                  </a:ext>
-                </a:extLst>
               </a:tr>
-              <a:tr h="606894">
+              <a:tr h="336960">
                 <a:tc>
                   <a:txBody>
-                    <a:bodyPr/>
-                    <a:lstStyle/>
+                    <a:bodyPr lIns="68400" rIns="68400"/>
                     <a:p>
-                      <a:pPr algn="l" rtl="0" fontAlgn="ctr"/>
+                      <a:pPr>
+                        <a:lnSpc>
+                          <a:spcPct val="107000"/>
+                        </a:lnSpc>
+                      </a:pPr>
                       <a:r>
-                        <a:rPr lang="de-DE" sz="1600" u="none" strike="noStrike" noProof="0" dirty="0">
+                        <a:rPr b="0" lang="de-DE" sz="1600" spc="-1" strike="noStrike">
                           <a:solidFill>
-                            <a:schemeClr val="tx1"/>
+                            <a:srgbClr val="000000"/>
                           </a:solidFill>
-                          <a:effectLst/>
+                          <a:latin typeface="Calibri"/>
                         </a:rPr>
-                        <a:t>Programm</a:t>
+                        <a:t>Programm Organisation</a:t>
                       </a:r>
-                      <a:r>
-                        <a:rPr lang="en-US" sz="1600" u="none" strike="noStrike" dirty="0">
-                          <a:solidFill>
-                            <a:schemeClr val="tx1"/>
-                          </a:solidFill>
-                          <a:effectLst/>
-                        </a:rPr>
-                        <a:t> </a:t>
-                      </a:r>
-                      <a:r>
-                        <a:rPr lang="de-DE" sz="1600" u="none" strike="noStrike" noProof="0" dirty="0">
-                          <a:solidFill>
-                            <a:schemeClr val="tx1"/>
-                          </a:solidFill>
-                          <a:effectLst/>
-                        </a:rPr>
-                        <a:t>Organisation</a:t>
-                      </a:r>
-                      <a:endParaRPr lang="de-DE" sz="1600" b="1" i="0" u="none" strike="noStrike" noProof="0" dirty="0">
-                        <a:solidFill>
-                          <a:schemeClr val="tx1"/>
-                        </a:solidFill>
-                        <a:effectLst/>
-                        <a:latin typeface="Calibri" panose="020F0502020204030204" pitchFamily="34" charset="0"/>
+                      <a:endParaRPr b="0" lang="de-DE" sz="1600" spc="-1" strike="noStrike">
+                        <a:latin typeface="Arial"/>
                       </a:endParaRPr>
                     </a:p>
                   </a:txBody>
-                  <a:tcPr marL="9510" marR="9510" marT="9510" marB="0" anchor="ctr">
+                  <a:tcPr marL="68400" marR="68400">
+                    <a:lnL w="12240">
+                      <a:solidFill>
+                        <a:srgbClr val="bd582c"/>
+                      </a:solidFill>
+                    </a:lnL>
+                    <a:lnR w="15840">
+                      <a:solidFill>
+                        <a:srgbClr val="bd582c"/>
+                      </a:solidFill>
+                    </a:lnR>
+                    <a:lnT w="12240">
+                      <a:solidFill>
+                        <a:srgbClr val="bd582c"/>
+                      </a:solidFill>
+                    </a:lnT>
+                    <a:lnB w="12240">
+                      <a:solidFill>
+                        <a:srgbClr val="bd582c"/>
+                      </a:solidFill>
+                    </a:lnB>
                     <a:solidFill>
-                      <a:schemeClr val="accent1"/>
+                      <a:srgbClr val="d18d76"/>
                     </a:solidFill>
                   </a:tcPr>
                 </a:tc>
                 <a:tc>
                   <a:txBody>
-                    <a:bodyPr/>
-                    <a:lstStyle/>
+                    <a:bodyPr lIns="68400" rIns="68400"/>
                     <a:p>
-                      <a:pPr algn="r" rtl="0" fontAlgn="ctr"/>
+                      <a:pPr algn="r">
+                        <a:lnSpc>
+                          <a:spcPct val="107000"/>
+                        </a:lnSpc>
+                      </a:pPr>
                       <a:r>
-                        <a:rPr lang="en-US" sz="1600" u="none" strike="noStrike" dirty="0">
+                        <a:rPr b="0" lang="de-DE" sz="1600" spc="-1" strike="noStrike">
                           <a:solidFill>
-                            <a:schemeClr val="tx1"/>
+                            <a:srgbClr val="000000"/>
                           </a:solidFill>
-                          <a:effectLst/>
+                          <a:latin typeface="Calibri"/>
                         </a:rPr>
                         <a:t>2</a:t>
                       </a:r>
-                      <a:endParaRPr lang="en-US" sz="1600" b="0" i="0" u="none" strike="noStrike" dirty="0">
-                        <a:solidFill>
-                          <a:schemeClr val="tx1"/>
-                        </a:solidFill>
-                        <a:effectLst/>
-                        <a:latin typeface="Calibri" panose="020F0502020204030204" pitchFamily="34" charset="0"/>
+                      <a:endParaRPr b="0" lang="de-DE" sz="1600" spc="-1" strike="noStrike">
+                        <a:latin typeface="Arial"/>
                       </a:endParaRPr>
                     </a:p>
                   </a:txBody>
-                  <a:tcPr marL="9510" marR="9510" marT="9510" marB="0" anchor="ctr">
+                  <a:tcPr marL="68400" marR="68400">
+                    <a:lnL w="12240">
+                      <a:solidFill>
+                        <a:srgbClr val="bd582c"/>
+                      </a:solidFill>
+                    </a:lnL>
+                    <a:lnR w="12240">
+                      <a:solidFill>
+                        <a:srgbClr val="bd582c"/>
+                      </a:solidFill>
+                    </a:lnR>
+                    <a:lnT w="12240">
+                      <a:solidFill>
+                        <a:srgbClr val="bd582c"/>
+                      </a:solidFill>
+                    </a:lnT>
+                    <a:lnB w="12240">
+                      <a:solidFill>
+                        <a:srgbClr val="bd582c"/>
+                      </a:solidFill>
+                    </a:lnB>
                     <a:solidFill>
-                      <a:schemeClr val="accent1">
-                        <a:lumMod val="60000"/>
-                        <a:lumOff val="40000"/>
-                      </a:schemeClr>
+                      <a:srgbClr val="d18d76"/>
                     </a:solidFill>
                   </a:tcPr>
                 </a:tc>
                 <a:tc>
                   <a:txBody>
-                    <a:bodyPr/>
-                    <a:lstStyle/>
+                    <a:bodyPr lIns="68400" rIns="68400"/>
                     <a:p>
-                      <a:pPr algn="l" rtl="0" fontAlgn="ctr"/>
+                      <a:pPr>
+                        <a:lnSpc>
+                          <a:spcPct val="107000"/>
+                        </a:lnSpc>
+                      </a:pPr>
                       <a:r>
-                        <a:rPr lang="de-AT" sz="1600" u="none" strike="noStrike" noProof="0" dirty="0">
+                        <a:rPr b="0" lang="de-DE" sz="1600" spc="-1" strike="noStrike">
                           <a:solidFill>
-                            <a:schemeClr val="tx1"/>
+                            <a:srgbClr val="000000"/>
                           </a:solidFill>
-                          <a:effectLst/>
+                          <a:latin typeface="Calibri"/>
                         </a:rPr>
                         <a:t>Grafikdesign</a:t>
                       </a:r>
-                      <a:endParaRPr lang="de-AT" sz="1600" b="0" i="0" u="none" strike="noStrike" noProof="0" dirty="0">
-                        <a:solidFill>
-                          <a:schemeClr val="tx1"/>
-                        </a:solidFill>
-                        <a:effectLst/>
-                        <a:latin typeface="Calibri" panose="020F0502020204030204" pitchFamily="34" charset="0"/>
+                      <a:endParaRPr b="0" lang="de-DE" sz="1600" spc="-1" strike="noStrike">
+                        <a:latin typeface="Arial"/>
                       </a:endParaRPr>
                     </a:p>
                   </a:txBody>
-                  <a:tcPr marL="9510" marR="9510" marT="9510" marB="0" anchor="ctr">
+                  <a:tcPr marL="68400" marR="68400">
+                    <a:lnL w="12240">
+                      <a:solidFill>
+                        <a:srgbClr val="bd582c"/>
+                      </a:solidFill>
+                    </a:lnL>
+                    <a:lnR w="12240">
+                      <a:solidFill>
+                        <a:srgbClr val="bd582c"/>
+                      </a:solidFill>
+                    </a:lnR>
+                    <a:lnT w="12240">
+                      <a:solidFill>
+                        <a:srgbClr val="bd582c"/>
+                      </a:solidFill>
+                    </a:lnT>
+                    <a:lnB w="12240">
+                      <a:solidFill>
+                        <a:srgbClr val="bd582c"/>
+                      </a:solidFill>
+                    </a:lnB>
                     <a:solidFill>
-                      <a:schemeClr val="accent1"/>
+                      <a:srgbClr val="d18d76"/>
                     </a:solidFill>
                   </a:tcPr>
                 </a:tc>
                 <a:tc>
                   <a:txBody>
-                    <a:bodyPr/>
-                    <a:lstStyle/>
+                    <a:bodyPr lIns="68400" rIns="68400"/>
                     <a:p>
-                      <a:pPr algn="r" rtl="0" fontAlgn="ctr"/>
+                      <a:pPr algn="r">
+                        <a:lnSpc>
+                          <a:spcPct val="107000"/>
+                        </a:lnSpc>
+                      </a:pPr>
                       <a:r>
-                        <a:rPr lang="en-US" sz="1600" u="none" strike="noStrike">
+                        <a:rPr b="0" lang="de-DE" sz="1600" spc="-1" strike="noStrike">
                           <a:solidFill>
-                            <a:schemeClr val="tx1"/>
+                            <a:srgbClr val="000000"/>
                           </a:solidFill>
-                          <a:effectLst/>
+                          <a:latin typeface="Calibri"/>
                         </a:rPr>
                         <a:t>50</a:t>
                       </a:r>
-                      <a:endParaRPr lang="en-US" sz="1600" b="0" i="0" u="none" strike="noStrike">
-                        <a:solidFill>
-                          <a:schemeClr val="tx1"/>
-                        </a:solidFill>
-                        <a:effectLst/>
-                        <a:latin typeface="Calibri" panose="020F0502020204030204" pitchFamily="34" charset="0"/>
+                      <a:endParaRPr b="0" lang="de-DE" sz="1600" spc="-1" strike="noStrike">
+                        <a:latin typeface="Arial"/>
                       </a:endParaRPr>
                     </a:p>
                   </a:txBody>
-                  <a:tcPr marL="9510" marR="9510" marT="9510" marB="0" anchor="ctr">
+                  <a:tcPr marL="68400" marR="68400">
+                    <a:lnL w="12240">
+                      <a:solidFill>
+                        <a:srgbClr val="bd582c"/>
+                      </a:solidFill>
+                    </a:lnL>
+                    <a:lnR w="12240">
+                      <a:solidFill>
+                        <a:srgbClr val="bd582c"/>
+                      </a:solidFill>
+                    </a:lnR>
+                    <a:lnT w="12240">
+                      <a:solidFill>
+                        <a:srgbClr val="bd582c"/>
+                      </a:solidFill>
+                    </a:lnT>
+                    <a:lnB w="12240">
+                      <a:solidFill>
+                        <a:srgbClr val="bd582c"/>
+                      </a:solidFill>
+                    </a:lnB>
                     <a:solidFill>
-                      <a:schemeClr val="accent1">
-                        <a:lumMod val="60000"/>
-                        <a:lumOff val="40000"/>
-                      </a:schemeClr>
+                      <a:srgbClr val="d18d76"/>
                     </a:solidFill>
                   </a:tcPr>
                 </a:tc>
                 <a:tc>
                   <a:txBody>
-                    <a:bodyPr/>
-                    <a:lstStyle/>
+                    <a:bodyPr lIns="68400" rIns="68400"/>
                     <a:p>
-                      <a:pPr algn="l" rtl="0" fontAlgn="ctr"/>
+                      <a:pPr>
+                        <a:lnSpc>
+                          <a:spcPct val="107000"/>
+                        </a:lnSpc>
+                      </a:pPr>
                       <a:r>
-                        <a:rPr lang="en-US" sz="1600" u="none" strike="noStrike">
+                        <a:rPr b="0" lang="de-DE" sz="1600" spc="-1" strike="noStrike">
                           <a:solidFill>
-                            <a:schemeClr val="tx1"/>
+                            <a:srgbClr val="000000"/>
                           </a:solidFill>
-                          <a:effectLst/>
+                          <a:latin typeface="Calibri"/>
                         </a:rPr>
                         <a:t>Logik Bausteine in C#</a:t>
                       </a:r>
-                      <a:endParaRPr lang="en-US" sz="1600" b="0" i="0" u="none" strike="noStrike">
-                        <a:solidFill>
-                          <a:schemeClr val="tx1"/>
-                        </a:solidFill>
-                        <a:effectLst/>
-                        <a:latin typeface="Calibri" panose="020F0502020204030204" pitchFamily="34" charset="0"/>
+                      <a:endParaRPr b="0" lang="de-DE" sz="1600" spc="-1" strike="noStrike">
+                        <a:latin typeface="Arial"/>
                       </a:endParaRPr>
                     </a:p>
                   </a:txBody>
-                  <a:tcPr marL="9510" marR="9510" marT="9510" marB="0" anchor="ctr">
+                  <a:tcPr marL="68400" marR="68400">
+                    <a:lnL w="12240">
+                      <a:solidFill>
+                        <a:srgbClr val="bd582c"/>
+                      </a:solidFill>
+                    </a:lnL>
+                    <a:lnR w="12240">
+                      <a:solidFill>
+                        <a:srgbClr val="bd582c"/>
+                      </a:solidFill>
+                    </a:lnR>
+                    <a:lnT w="12240">
+                      <a:solidFill>
+                        <a:srgbClr val="bd582c"/>
+                      </a:solidFill>
+                    </a:lnT>
+                    <a:lnB w="12240">
+                      <a:solidFill>
+                        <a:srgbClr val="bd582c"/>
+                      </a:solidFill>
+                    </a:lnB>
                     <a:solidFill>
-                      <a:schemeClr val="accent1"/>
+                      <a:srgbClr val="d18d76"/>
                     </a:solidFill>
                   </a:tcPr>
                 </a:tc>
                 <a:tc>
                   <a:txBody>
-                    <a:bodyPr/>
-                    <a:lstStyle/>
+                    <a:bodyPr lIns="68400" rIns="68400"/>
                     <a:p>
-                      <a:pPr algn="r" rtl="0" fontAlgn="ctr"/>
+                      <a:pPr algn="r">
+                        <a:lnSpc>
+                          <a:spcPct val="107000"/>
+                        </a:lnSpc>
+                      </a:pPr>
                       <a:r>
-                        <a:rPr lang="en-US" sz="1600" u="none" strike="noStrike" dirty="0">
+                        <a:rPr b="0" lang="de-DE" sz="1600" spc="-1" strike="noStrike">
                           <a:solidFill>
-                            <a:schemeClr val="tx1"/>
+                            <a:srgbClr val="000000"/>
                           </a:solidFill>
-                          <a:effectLst/>
+                          <a:latin typeface="Calibri"/>
                         </a:rPr>
                         <a:t>29</a:t>
                       </a:r>
-                      <a:endParaRPr lang="en-US" sz="1600" b="0" i="0" u="none" strike="noStrike" dirty="0">
-                        <a:solidFill>
-                          <a:schemeClr val="tx1"/>
-                        </a:solidFill>
-                        <a:effectLst/>
-                        <a:latin typeface="Calibri" panose="020F0502020204030204" pitchFamily="34" charset="0"/>
+                      <a:endParaRPr b="0" lang="de-DE" sz="1600" spc="-1" strike="noStrike">
+                        <a:latin typeface="Arial"/>
                       </a:endParaRPr>
                     </a:p>
                   </a:txBody>
-                  <a:tcPr marL="9510" marR="9510" marT="9510" marB="0" anchor="ctr">
+                  <a:tcPr marL="68400" marR="68400">
+                    <a:lnL w="12240">
+                      <a:solidFill>
+                        <a:srgbClr val="bd582c"/>
+                      </a:solidFill>
+                    </a:lnL>
+                    <a:lnR w="12240">
+                      <a:solidFill>
+                        <a:srgbClr val="bd582c"/>
+                      </a:solidFill>
+                    </a:lnR>
+                    <a:lnT w="12240">
+                      <a:solidFill>
+                        <a:srgbClr val="bd582c"/>
+                      </a:solidFill>
+                    </a:lnT>
+                    <a:lnB w="12240">
+                      <a:solidFill>
+                        <a:srgbClr val="bd582c"/>
+                      </a:solidFill>
+                    </a:lnB>
                     <a:solidFill>
-                      <a:schemeClr val="accent1">
-                        <a:lumMod val="60000"/>
-                        <a:lumOff val="40000"/>
-                      </a:schemeClr>
+                      <a:srgbClr val="d18d76"/>
                     </a:solidFill>
                   </a:tcPr>
                 </a:tc>
-                <a:extLst>
-                  <a:ext uri="{0D108BD9-81ED-4DB2-BD59-A6C34878D82A}">
-                    <a16:rowId xmlns:a16="http://schemas.microsoft.com/office/drawing/2014/main" val="2696636444"/>
-                  </a:ext>
-                </a:extLst>
               </a:tr>
-              <a:tr h="606894">
+              <a:tr h="525240">
                 <a:tc>
                   <a:txBody>
-                    <a:bodyPr/>
-                    <a:lstStyle/>
+                    <a:bodyPr lIns="68400" rIns="68400"/>
                     <a:p>
-                      <a:pPr algn="l" rtl="0" fontAlgn="ctr"/>
+                      <a:pPr>
+                        <a:lnSpc>
+                          <a:spcPct val="107000"/>
+                        </a:lnSpc>
+                      </a:pPr>
                       <a:r>
-                        <a:rPr lang="de-DE" sz="1600" u="none" strike="noStrike" dirty="0">
+                        <a:rPr b="0" lang="de-DE" sz="1600" spc="-1" strike="noStrike">
                           <a:solidFill>
-                            <a:schemeClr val="tx1"/>
+                            <a:srgbClr val="000000"/>
                           </a:solidFill>
-                          <a:effectLst/>
+                          <a:latin typeface="Calibri"/>
                         </a:rPr>
                         <a:t>Programm in C für Mikrokontroller</a:t>
                       </a:r>
-                      <a:endParaRPr lang="de-DE" sz="1600" b="1" i="0" u="none" strike="noStrike" dirty="0">
-                        <a:solidFill>
-                          <a:schemeClr val="tx1"/>
-                        </a:solidFill>
-                        <a:effectLst/>
-                        <a:latin typeface="Calibri" panose="020F0502020204030204" pitchFamily="34" charset="0"/>
+                      <a:endParaRPr b="0" lang="de-DE" sz="1600" spc="-1" strike="noStrike">
+                        <a:latin typeface="Arial"/>
                       </a:endParaRPr>
                     </a:p>
                   </a:txBody>
-                  <a:tcPr marL="9510" marR="9510" marT="9510" marB="0" anchor="ctr">
+                  <a:tcPr marL="68400" marR="68400">
+                    <a:lnL w="12240">
+                      <a:solidFill>
+                        <a:srgbClr val="bd582c"/>
+                      </a:solidFill>
+                    </a:lnL>
+                    <a:lnR w="15840">
+                      <a:solidFill>
+                        <a:srgbClr val="bd582c"/>
+                      </a:solidFill>
+                    </a:lnR>
+                    <a:lnT w="12240">
+                      <a:solidFill>
+                        <a:srgbClr val="bd582c"/>
+                      </a:solidFill>
+                    </a:lnT>
+                    <a:lnB w="12240">
+                      <a:solidFill>
+                        <a:srgbClr val="bd582c"/>
+                      </a:solidFill>
+                    </a:lnB>
                     <a:solidFill>
-                      <a:schemeClr val="accent1"/>
+                      <a:srgbClr val="deb0a8"/>
                     </a:solidFill>
                   </a:tcPr>
                 </a:tc>
                 <a:tc>
                   <a:txBody>
-                    <a:bodyPr/>
-                    <a:lstStyle/>
+                    <a:bodyPr lIns="68400" rIns="68400"/>
                     <a:p>
-                      <a:pPr algn="r" rtl="0" fontAlgn="ctr"/>
+                      <a:pPr algn="r">
+                        <a:lnSpc>
+                          <a:spcPct val="107000"/>
+                        </a:lnSpc>
+                      </a:pPr>
                       <a:r>
-                        <a:rPr lang="en-US" sz="1600" u="none" strike="noStrike">
+                        <a:rPr b="0" lang="de-DE" sz="1600" spc="-1" strike="noStrike">
                           <a:solidFill>
-                            <a:schemeClr val="tx1"/>
+                            <a:srgbClr val="000000"/>
                           </a:solidFill>
-                          <a:effectLst/>
+                          <a:latin typeface="Calibri"/>
                         </a:rPr>
                         <a:t>0</a:t>
                       </a:r>
-                      <a:endParaRPr lang="en-US" sz="1600" b="0" i="0" u="none" strike="noStrike">
-                        <a:solidFill>
-                          <a:schemeClr val="tx1"/>
-                        </a:solidFill>
-                        <a:effectLst/>
-                        <a:latin typeface="Calibri" panose="020F0502020204030204" pitchFamily="34" charset="0"/>
+                      <a:endParaRPr b="0" lang="de-DE" sz="1600" spc="-1" strike="noStrike">
+                        <a:latin typeface="Arial"/>
                       </a:endParaRPr>
                     </a:p>
                   </a:txBody>
-                  <a:tcPr marL="9510" marR="9510" marT="9510" marB="0" anchor="ctr">
+                  <a:tcPr marL="68400" marR="68400">
+                    <a:lnL w="12240">
+                      <a:solidFill>
+                        <a:srgbClr val="bd582c"/>
+                      </a:solidFill>
+                    </a:lnL>
+                    <a:lnR w="12240">
+                      <a:solidFill>
+                        <a:srgbClr val="bd582c"/>
+                      </a:solidFill>
+                    </a:lnR>
+                    <a:lnT w="12240">
+                      <a:solidFill>
+                        <a:srgbClr val="bd582c"/>
+                      </a:solidFill>
+                    </a:lnT>
+                    <a:lnB w="12240">
+                      <a:solidFill>
+                        <a:srgbClr val="bd582c"/>
+                      </a:solidFill>
+                    </a:lnB>
                     <a:solidFill>
-                      <a:schemeClr val="accent1">
-                        <a:lumMod val="60000"/>
-                        <a:lumOff val="40000"/>
-                      </a:schemeClr>
+                      <a:srgbClr val="deb0a8"/>
                     </a:solidFill>
                   </a:tcPr>
                 </a:tc>
                 <a:tc>
                   <a:txBody>
-                    <a:bodyPr/>
-                    <a:lstStyle/>
+                    <a:bodyPr lIns="68400" rIns="68400"/>
                     <a:p>
-                      <a:pPr algn="l" rtl="0" fontAlgn="ctr"/>
+                      <a:pPr>
+                        <a:lnSpc>
+                          <a:spcPct val="107000"/>
+                        </a:lnSpc>
+                      </a:pPr>
                       <a:r>
-                        <a:rPr lang="de-DE" sz="1600" u="none" strike="noStrike" noProof="0" dirty="0">
+                        <a:rPr b="0" lang="de-DE" sz="1600" spc="-1" strike="noStrike">
                           <a:solidFill>
-                            <a:schemeClr val="tx1"/>
+                            <a:srgbClr val="000000"/>
                           </a:solidFill>
-                          <a:effectLst/>
+                          <a:latin typeface="Calibri"/>
                         </a:rPr>
-                        <a:t>Tastatur</a:t>
+                        <a:t>Tastatur Kürzel</a:t>
                       </a:r>
-                      <a:r>
-                        <a:rPr lang="en-US" sz="1600" u="none" strike="noStrike" dirty="0">
-                          <a:solidFill>
-                            <a:schemeClr val="tx1"/>
-                          </a:solidFill>
-                          <a:effectLst/>
-                        </a:rPr>
-                        <a:t> </a:t>
-                      </a:r>
-                      <a:r>
-                        <a:rPr lang="de-DE" sz="1600" u="none" strike="noStrike" noProof="0" dirty="0">
-                          <a:solidFill>
-                            <a:schemeClr val="tx1"/>
-                          </a:solidFill>
-                          <a:effectLst/>
-                        </a:rPr>
-                        <a:t>Kürzel</a:t>
-                      </a:r>
-                      <a:endParaRPr lang="de-DE" sz="1600" b="0" i="0" u="none" strike="noStrike" noProof="0" dirty="0">
-                        <a:solidFill>
-                          <a:schemeClr val="tx1"/>
-                        </a:solidFill>
-                        <a:effectLst/>
-                        <a:latin typeface="Calibri" panose="020F0502020204030204" pitchFamily="34" charset="0"/>
+                      <a:endParaRPr b="0" lang="de-DE" sz="1600" spc="-1" strike="noStrike">
+                        <a:latin typeface="Arial"/>
                       </a:endParaRPr>
                     </a:p>
                   </a:txBody>
-                  <a:tcPr marL="9510" marR="9510" marT="9510" marB="0" anchor="ctr">
+                  <a:tcPr marL="68400" marR="68400">
+                    <a:lnL w="12240">
+                      <a:solidFill>
+                        <a:srgbClr val="bd582c"/>
+                      </a:solidFill>
+                    </a:lnL>
+                    <a:lnR w="12240">
+                      <a:solidFill>
+                        <a:srgbClr val="bd582c"/>
+                      </a:solidFill>
+                    </a:lnR>
+                    <a:lnT w="12240">
+                      <a:solidFill>
+                        <a:srgbClr val="bd582c"/>
+                      </a:solidFill>
+                    </a:lnT>
+                    <a:lnB w="12240">
+                      <a:solidFill>
+                        <a:srgbClr val="bd582c"/>
+                      </a:solidFill>
+                    </a:lnB>
                     <a:solidFill>
-                      <a:schemeClr val="accent1"/>
+                      <a:srgbClr val="deb0a8"/>
                     </a:solidFill>
                   </a:tcPr>
                 </a:tc>
                 <a:tc>
                   <a:txBody>
-                    <a:bodyPr/>
-                    <a:lstStyle/>
+                    <a:bodyPr lIns="68400" rIns="68400"/>
                     <a:p>
-                      <a:pPr algn="r" rtl="0" fontAlgn="ctr"/>
+                      <a:pPr algn="r">
+                        <a:lnSpc>
+                          <a:spcPct val="107000"/>
+                        </a:lnSpc>
+                      </a:pPr>
                       <a:r>
-                        <a:rPr lang="en-US" sz="1600" u="none" strike="noStrike">
+                        <a:rPr b="0" lang="de-DE" sz="1600" spc="-1" strike="noStrike">
                           <a:solidFill>
-                            <a:schemeClr val="tx1"/>
+                            <a:srgbClr val="000000"/>
                           </a:solidFill>
-                          <a:effectLst/>
+                          <a:latin typeface="Calibri"/>
                         </a:rPr>
                         <a:t>0</a:t>
                       </a:r>
-                      <a:endParaRPr lang="en-US" sz="1600" b="0" i="0" u="none" strike="noStrike">
-                        <a:solidFill>
-                          <a:schemeClr val="tx1"/>
-                        </a:solidFill>
-                        <a:effectLst/>
-                        <a:latin typeface="Calibri" panose="020F0502020204030204" pitchFamily="34" charset="0"/>
+                      <a:endParaRPr b="0" lang="de-DE" sz="1600" spc="-1" strike="noStrike">
+                        <a:latin typeface="Arial"/>
                       </a:endParaRPr>
                     </a:p>
                   </a:txBody>
-                  <a:tcPr marL="9510" marR="9510" marT="9510" marB="0" anchor="ctr">
+                  <a:tcPr marL="68400" marR="68400">
+                    <a:lnL w="12240">
+                      <a:solidFill>
+                        <a:srgbClr val="bd582c"/>
+                      </a:solidFill>
+                    </a:lnL>
+                    <a:lnR w="12240">
+                      <a:solidFill>
+                        <a:srgbClr val="bd582c"/>
+                      </a:solidFill>
+                    </a:lnR>
+                    <a:lnT w="12240">
+                      <a:solidFill>
+                        <a:srgbClr val="bd582c"/>
+                      </a:solidFill>
+                    </a:lnT>
+                    <a:lnB w="12240">
+                      <a:solidFill>
+                        <a:srgbClr val="bd582c"/>
+                      </a:solidFill>
+                    </a:lnB>
                     <a:solidFill>
-                      <a:schemeClr val="accent1">
-                        <a:lumMod val="60000"/>
-                        <a:lumOff val="40000"/>
-                      </a:schemeClr>
+                      <a:srgbClr val="deb0a8"/>
                     </a:solidFill>
                   </a:tcPr>
                 </a:tc>
                 <a:tc>
                   <a:txBody>
-                    <a:bodyPr/>
-                    <a:lstStyle/>
+                    <a:bodyPr lIns="68400" rIns="68400"/>
                     <a:p>
-                      <a:pPr algn="l" rtl="0" fontAlgn="ctr"/>
+                      <a:pPr>
+                        <a:lnSpc>
+                          <a:spcPct val="107000"/>
+                        </a:lnSpc>
+                      </a:pPr>
                       <a:r>
-                        <a:rPr lang="en-US" sz="1600" u="none" strike="noStrike">
+                        <a:rPr b="0" lang="de-DE" sz="1600" spc="-1" strike="noStrike">
                           <a:solidFill>
-                            <a:schemeClr val="tx1"/>
+                            <a:srgbClr val="000000"/>
                           </a:solidFill>
-                          <a:effectLst/>
+                          <a:latin typeface="Calibri"/>
                         </a:rPr>
                         <a:t>Verbindungslinien</a:t>
                       </a:r>
-                      <a:endParaRPr lang="en-US" sz="1600" b="0" i="0" u="none" strike="noStrike">
-                        <a:solidFill>
-                          <a:schemeClr val="tx1"/>
-                        </a:solidFill>
-                        <a:effectLst/>
-                        <a:latin typeface="Calibri" panose="020F0502020204030204" pitchFamily="34" charset="0"/>
+                      <a:endParaRPr b="0" lang="de-DE" sz="1600" spc="-1" strike="noStrike">
+                        <a:latin typeface="Arial"/>
                       </a:endParaRPr>
                     </a:p>
                   </a:txBody>
-                  <a:tcPr marL="9510" marR="9510" marT="9510" marB="0" anchor="ctr">
+                  <a:tcPr marL="68400" marR="68400">
+                    <a:lnL w="12240">
+                      <a:solidFill>
+                        <a:srgbClr val="bd582c"/>
+                      </a:solidFill>
+                    </a:lnL>
+                    <a:lnR w="12240">
+                      <a:solidFill>
+                        <a:srgbClr val="bd582c"/>
+                      </a:solidFill>
+                    </a:lnR>
+                    <a:lnT w="12240">
+                      <a:solidFill>
+                        <a:srgbClr val="bd582c"/>
+                      </a:solidFill>
+                    </a:lnT>
+                    <a:lnB w="12240">
+                      <a:solidFill>
+                        <a:srgbClr val="bd582c"/>
+                      </a:solidFill>
+                    </a:lnB>
                     <a:solidFill>
-                      <a:schemeClr val="accent1"/>
+                      <a:srgbClr val="deb0a8"/>
                     </a:solidFill>
                   </a:tcPr>
                 </a:tc>
                 <a:tc>
                   <a:txBody>
-                    <a:bodyPr/>
-                    <a:lstStyle/>
+                    <a:bodyPr lIns="68400" rIns="68400"/>
                     <a:p>
-                      <a:pPr algn="r" rtl="0" fontAlgn="ctr"/>
+                      <a:pPr algn="r">
+                        <a:lnSpc>
+                          <a:spcPct val="107000"/>
+                        </a:lnSpc>
+                      </a:pPr>
                       <a:r>
-                        <a:rPr lang="en-US" sz="1600" u="none" strike="noStrike" dirty="0">
+                        <a:rPr b="0" lang="de-DE" sz="1600" spc="-1" strike="noStrike">
                           <a:solidFill>
-                            <a:schemeClr val="tx1"/>
+                            <a:srgbClr val="000000"/>
                           </a:solidFill>
-                          <a:effectLst/>
+                          <a:latin typeface="Calibri"/>
                         </a:rPr>
                         <a:t>32</a:t>
                       </a:r>
-                      <a:endParaRPr lang="en-US" sz="1600" b="0" i="0" u="none" strike="noStrike" dirty="0">
-                        <a:solidFill>
-                          <a:schemeClr val="tx1"/>
-                        </a:solidFill>
-                        <a:effectLst/>
-                        <a:latin typeface="Calibri" panose="020F0502020204030204" pitchFamily="34" charset="0"/>
+                      <a:endParaRPr b="0" lang="de-DE" sz="1600" spc="-1" strike="noStrike">
+                        <a:latin typeface="Arial"/>
                       </a:endParaRPr>
                     </a:p>
                   </a:txBody>
-                  <a:tcPr marL="9510" marR="9510" marT="9510" marB="0" anchor="ctr">
+                  <a:tcPr marL="68400" marR="68400">
+                    <a:lnL w="12240">
+                      <a:solidFill>
+                        <a:srgbClr val="bd582c"/>
+                      </a:solidFill>
+                    </a:lnL>
+                    <a:lnR w="12240">
+                      <a:solidFill>
+                        <a:srgbClr val="bd582c"/>
+                      </a:solidFill>
+                    </a:lnR>
+                    <a:lnT w="12240">
+                      <a:solidFill>
+                        <a:srgbClr val="bd582c"/>
+                      </a:solidFill>
+                    </a:lnT>
+                    <a:lnB w="12240">
+                      <a:solidFill>
+                        <a:srgbClr val="bd582c"/>
+                      </a:solidFill>
+                    </a:lnB>
                     <a:solidFill>
-                      <a:schemeClr val="accent1">
-                        <a:lumMod val="60000"/>
-                        <a:lumOff val="40000"/>
-                      </a:schemeClr>
+                      <a:srgbClr val="deb0a8"/>
                     </a:solidFill>
                   </a:tcPr>
                 </a:tc>
-                <a:extLst>
-                  <a:ext uri="{0D108BD9-81ED-4DB2-BD59-A6C34878D82A}">
-                    <a16:rowId xmlns:a16="http://schemas.microsoft.com/office/drawing/2014/main" val="1721433470"/>
-                  </a:ext>
-                </a:extLst>
               </a:tr>
-              <a:tr h="606894">
+              <a:tr h="673920">
                 <a:tc>
                   <a:txBody>
-                    <a:bodyPr/>
-                    <a:lstStyle/>
+                    <a:bodyPr lIns="68400" rIns="68400"/>
                     <a:p>
-                      <a:pPr algn="l" rtl="0" fontAlgn="ctr"/>
+                      <a:pPr>
+                        <a:lnSpc>
+                          <a:spcPct val="107000"/>
+                        </a:lnSpc>
+                      </a:pPr>
                       <a:r>
-                        <a:rPr lang="de-DE" sz="1600" u="none" strike="noStrike" dirty="0">
+                        <a:rPr b="0" lang="de-DE" sz="1600" spc="-1" strike="noStrike">
                           <a:solidFill>
-                            <a:schemeClr val="tx1"/>
+                            <a:srgbClr val="000000"/>
                           </a:solidFill>
-                          <a:effectLst/>
+                          <a:latin typeface="Calibri"/>
                         </a:rPr>
                         <a:t>Schnittstelle für Mikrokotroller zu C#</a:t>
                       </a:r>
-                      <a:endParaRPr lang="de-DE" sz="1600" b="1" i="0" u="none" strike="noStrike" dirty="0">
-                        <a:solidFill>
-                          <a:schemeClr val="tx1"/>
-                        </a:solidFill>
-                        <a:effectLst/>
-                        <a:latin typeface="Calibri" panose="020F0502020204030204" pitchFamily="34" charset="0"/>
+                      <a:endParaRPr b="0" lang="de-DE" sz="1600" spc="-1" strike="noStrike">
+                        <a:latin typeface="Arial"/>
                       </a:endParaRPr>
                     </a:p>
                   </a:txBody>
-                  <a:tcPr marL="9510" marR="9510" marT="9510" marB="0" anchor="ctr">
+                  <a:tcPr marL="68400" marR="68400">
+                    <a:lnL w="12240">
+                      <a:solidFill>
+                        <a:srgbClr val="bd582c"/>
+                      </a:solidFill>
+                    </a:lnL>
+                    <a:lnR w="15840">
+                      <a:solidFill>
+                        <a:srgbClr val="bd582c"/>
+                      </a:solidFill>
+                    </a:lnR>
+                    <a:lnT w="12240">
+                      <a:solidFill>
+                        <a:srgbClr val="bd582c"/>
+                      </a:solidFill>
+                    </a:lnT>
+                    <a:lnB w="12240">
+                      <a:solidFill>
+                        <a:srgbClr val="bd582c"/>
+                      </a:solidFill>
+                    </a:lnB>
                     <a:solidFill>
-                      <a:schemeClr val="accent1"/>
+                      <a:srgbClr val="d18d76"/>
                     </a:solidFill>
                   </a:tcPr>
                 </a:tc>
                 <a:tc>
                   <a:txBody>
-                    <a:bodyPr/>
-                    <a:lstStyle/>
+                    <a:bodyPr lIns="68400" rIns="68400"/>
                     <a:p>
-                      <a:pPr algn="r" rtl="0" fontAlgn="ctr"/>
+                      <a:pPr algn="r">
+                        <a:lnSpc>
+                          <a:spcPct val="107000"/>
+                        </a:lnSpc>
+                      </a:pPr>
                       <a:r>
-                        <a:rPr lang="en-US" sz="1600" u="none" strike="noStrike">
+                        <a:rPr b="0" lang="de-DE" sz="1600" spc="-1" strike="noStrike">
                           <a:solidFill>
-                            <a:schemeClr val="tx1"/>
+                            <a:srgbClr val="000000"/>
                           </a:solidFill>
-                          <a:effectLst/>
+                          <a:latin typeface="Calibri"/>
                         </a:rPr>
                         <a:t>0</a:t>
                       </a:r>
-                      <a:endParaRPr lang="en-US" sz="1600" b="0" i="0" u="none" strike="noStrike">
-                        <a:solidFill>
-                          <a:schemeClr val="tx1"/>
-                        </a:solidFill>
-                        <a:effectLst/>
-                        <a:latin typeface="Calibri" panose="020F0502020204030204" pitchFamily="34" charset="0"/>
+                      <a:endParaRPr b="0" lang="de-DE" sz="1600" spc="-1" strike="noStrike">
+                        <a:latin typeface="Arial"/>
                       </a:endParaRPr>
                     </a:p>
                   </a:txBody>
-                  <a:tcPr marL="9510" marR="9510" marT="9510" marB="0" anchor="ctr">
+                  <a:tcPr marL="68400" marR="68400">
+                    <a:lnL w="12240">
+                      <a:solidFill>
+                        <a:srgbClr val="bd582c"/>
+                      </a:solidFill>
+                    </a:lnL>
+                    <a:lnR w="12240">
+                      <a:solidFill>
+                        <a:srgbClr val="bd582c"/>
+                      </a:solidFill>
+                    </a:lnR>
+                    <a:lnT w="12240">
+                      <a:solidFill>
+                        <a:srgbClr val="bd582c"/>
+                      </a:solidFill>
+                    </a:lnT>
+                    <a:lnB w="12240">
+                      <a:solidFill>
+                        <a:srgbClr val="bd582c"/>
+                      </a:solidFill>
+                    </a:lnB>
                     <a:solidFill>
-                      <a:schemeClr val="accent1">
-                        <a:lumMod val="60000"/>
-                        <a:lumOff val="40000"/>
-                      </a:schemeClr>
+                      <a:srgbClr val="d18d76"/>
                     </a:solidFill>
                   </a:tcPr>
                 </a:tc>
                 <a:tc>
                   <a:txBody>
-                    <a:bodyPr/>
-                    <a:lstStyle/>
+                    <a:bodyPr lIns="68400" rIns="68400"/>
                     <a:p>
-                      <a:pPr algn="l" rtl="0" fontAlgn="ctr"/>
+                      <a:pPr>
+                        <a:lnSpc>
+                          <a:spcPct val="107000"/>
+                        </a:lnSpc>
+                      </a:pPr>
                       <a:r>
-                        <a:rPr lang="en-US" sz="1600" u="none" strike="noStrike" dirty="0" err="1">
+                        <a:rPr b="0" lang="de-DE" sz="1600" spc="-1" strike="noStrike">
                           <a:solidFill>
-                            <a:schemeClr val="tx1"/>
+                            <a:srgbClr val="000000"/>
                           </a:solidFill>
-                          <a:effectLst/>
+                          <a:latin typeface="Calibri"/>
                         </a:rPr>
-                        <a:t>Englische</a:t>
+                        <a:t>Englische und deutsche Bedienelemente</a:t>
                       </a:r>
-                      <a:r>
-                        <a:rPr lang="en-US" sz="1600" u="none" strike="noStrike" dirty="0">
-                          <a:solidFill>
-                            <a:schemeClr val="tx1"/>
-                          </a:solidFill>
-                          <a:effectLst/>
-                        </a:rPr>
-                        <a:t> und deutsche </a:t>
-                      </a:r>
-                      <a:r>
-                        <a:rPr lang="en-US" sz="1600" u="none" strike="noStrike" dirty="0" err="1">
-                          <a:solidFill>
-                            <a:schemeClr val="tx1"/>
-                          </a:solidFill>
-                          <a:effectLst/>
-                        </a:rPr>
-                        <a:t>Bedienelemente</a:t>
-                      </a:r>
-                      <a:endParaRPr lang="en-US" sz="1600" b="0" i="0" u="none" strike="noStrike" dirty="0">
-                        <a:solidFill>
-                          <a:schemeClr val="tx1"/>
-                        </a:solidFill>
-                        <a:effectLst/>
-                        <a:latin typeface="Calibri" panose="020F0502020204030204" pitchFamily="34" charset="0"/>
+                      <a:endParaRPr b="0" lang="de-DE" sz="1600" spc="-1" strike="noStrike">
+                        <a:latin typeface="Arial"/>
                       </a:endParaRPr>
                     </a:p>
                   </a:txBody>
-                  <a:tcPr marL="9510" marR="9510" marT="9510" marB="0" anchor="ctr">
+                  <a:tcPr marL="68400" marR="68400">
+                    <a:lnL w="12240">
+                      <a:solidFill>
+                        <a:srgbClr val="bd582c"/>
+                      </a:solidFill>
+                    </a:lnL>
+                    <a:lnR w="12240">
+                      <a:solidFill>
+                        <a:srgbClr val="bd582c"/>
+                      </a:solidFill>
+                    </a:lnR>
+                    <a:lnT w="12240">
+                      <a:solidFill>
+                        <a:srgbClr val="bd582c"/>
+                      </a:solidFill>
+                    </a:lnT>
+                    <a:lnB w="12240">
+                      <a:solidFill>
+                        <a:srgbClr val="bd582c"/>
+                      </a:solidFill>
+                    </a:lnB>
                     <a:solidFill>
-                      <a:schemeClr val="accent1"/>
+                      <a:srgbClr val="d18d76"/>
                     </a:solidFill>
                   </a:tcPr>
                 </a:tc>
                 <a:tc>
                   <a:txBody>
-                    <a:bodyPr/>
-                    <a:lstStyle/>
+                    <a:bodyPr lIns="68400" rIns="68400"/>
                     <a:p>
-                      <a:pPr algn="r" rtl="0" fontAlgn="ctr"/>
+                      <a:pPr algn="r">
+                        <a:lnSpc>
+                          <a:spcPct val="107000"/>
+                        </a:lnSpc>
+                      </a:pPr>
                       <a:r>
-                        <a:rPr lang="en-US" sz="1600" u="none" strike="noStrike" dirty="0">
+                        <a:rPr b="0" lang="de-DE" sz="1600" spc="-1" strike="noStrike">
                           <a:solidFill>
-                            <a:schemeClr val="tx1"/>
+                            <a:srgbClr val="000000"/>
                           </a:solidFill>
-                          <a:effectLst/>
+                          <a:latin typeface="Calibri"/>
                         </a:rPr>
                         <a:t>0</a:t>
                       </a:r>
-                      <a:endParaRPr lang="en-US" sz="1600" b="0" i="0" u="none" strike="noStrike" dirty="0">
-                        <a:solidFill>
-                          <a:schemeClr val="tx1"/>
-                        </a:solidFill>
-                        <a:effectLst/>
-                        <a:latin typeface="Calibri" panose="020F0502020204030204" pitchFamily="34" charset="0"/>
+                      <a:endParaRPr b="0" lang="de-DE" sz="1600" spc="-1" strike="noStrike">
+                        <a:latin typeface="Arial"/>
                       </a:endParaRPr>
                     </a:p>
                   </a:txBody>
-                  <a:tcPr marL="9510" marR="9510" marT="9510" marB="0" anchor="ctr">
+                  <a:tcPr marL="68400" marR="68400">
+                    <a:lnL w="12240">
+                      <a:solidFill>
+                        <a:srgbClr val="bd582c"/>
+                      </a:solidFill>
+                    </a:lnL>
+                    <a:lnR w="12240">
+                      <a:solidFill>
+                        <a:srgbClr val="bd582c"/>
+                      </a:solidFill>
+                    </a:lnR>
+                    <a:lnT w="12240">
+                      <a:solidFill>
+                        <a:srgbClr val="bd582c"/>
+                      </a:solidFill>
+                    </a:lnT>
+                    <a:lnB w="12240">
+                      <a:solidFill>
+                        <a:srgbClr val="bd582c"/>
+                      </a:solidFill>
+                    </a:lnB>
                     <a:solidFill>
-                      <a:schemeClr val="accent1">
-                        <a:lumMod val="60000"/>
-                        <a:lumOff val="40000"/>
-                      </a:schemeClr>
+                      <a:srgbClr val="d18d76"/>
                     </a:solidFill>
                   </a:tcPr>
                 </a:tc>
                 <a:tc>
                   <a:txBody>
-                    <a:bodyPr/>
-                    <a:lstStyle/>
+                    <a:bodyPr lIns="68400" rIns="68400"/>
                     <a:p>
-                      <a:pPr algn="l" rtl="0" fontAlgn="ctr"/>
+                      <a:pPr>
+                        <a:lnSpc>
+                          <a:spcPct val="107000"/>
+                        </a:lnSpc>
+                      </a:pPr>
                       <a:r>
-                        <a:rPr lang="de-DE" sz="1600" u="none" strike="noStrike">
+                        <a:rPr b="0" lang="de-DE" sz="1600" spc="-1" strike="noStrike">
                           <a:solidFill>
-                            <a:schemeClr val="tx1"/>
+                            <a:srgbClr val="000000"/>
                           </a:solidFill>
-                          <a:effectLst/>
+                          <a:latin typeface="Calibri"/>
                         </a:rPr>
                         <a:t>Abspeichern und öffnen von Programm </a:t>
                       </a:r>
-                      <a:endParaRPr lang="de-DE" sz="1600" b="0" i="0" u="none" strike="noStrike">
-                        <a:solidFill>
-                          <a:schemeClr val="tx1"/>
-                        </a:solidFill>
-                        <a:effectLst/>
-                        <a:latin typeface="Calibri" panose="020F0502020204030204" pitchFamily="34" charset="0"/>
+                      <a:endParaRPr b="0" lang="de-DE" sz="1600" spc="-1" strike="noStrike">
+                        <a:latin typeface="Arial"/>
                       </a:endParaRPr>
                     </a:p>
                   </a:txBody>
-                  <a:tcPr marL="9510" marR="9510" marT="9510" marB="0" anchor="ctr">
+                  <a:tcPr marL="68400" marR="68400">
+                    <a:lnL w="12240">
+                      <a:solidFill>
+                        <a:srgbClr val="bd582c"/>
+                      </a:solidFill>
+                    </a:lnL>
+                    <a:lnR w="12240">
+                      <a:solidFill>
+                        <a:srgbClr val="bd582c"/>
+                      </a:solidFill>
+                    </a:lnR>
+                    <a:lnT w="12240">
+                      <a:solidFill>
+                        <a:srgbClr val="bd582c"/>
+                      </a:solidFill>
+                    </a:lnT>
+                    <a:lnB w="12240">
+                      <a:solidFill>
+                        <a:srgbClr val="bd582c"/>
+                      </a:solidFill>
+                    </a:lnB>
                     <a:solidFill>
-                      <a:schemeClr val="accent1"/>
+                      <a:srgbClr val="d18d76"/>
                     </a:solidFill>
                   </a:tcPr>
                 </a:tc>
                 <a:tc>
                   <a:txBody>
-                    <a:bodyPr/>
-                    <a:lstStyle/>
+                    <a:bodyPr lIns="68400" rIns="68400"/>
                     <a:p>
-                      <a:pPr algn="r" rtl="0" fontAlgn="ctr"/>
+                      <a:pPr algn="r">
+                        <a:lnSpc>
+                          <a:spcPct val="107000"/>
+                        </a:lnSpc>
+                      </a:pPr>
                       <a:r>
-                        <a:rPr lang="en-US" sz="1600" u="none" strike="noStrike" dirty="0">
+                        <a:rPr b="0" lang="de-DE" sz="1600" spc="-1" strike="noStrike">
                           <a:solidFill>
-                            <a:schemeClr val="tx1"/>
+                            <a:srgbClr val="000000"/>
                           </a:solidFill>
-                          <a:effectLst/>
+                          <a:latin typeface="Calibri"/>
                         </a:rPr>
                         <a:t>28</a:t>
                       </a:r>
-                      <a:endParaRPr lang="en-US" sz="1600" b="0" i="0" u="none" strike="noStrike" dirty="0">
-                        <a:solidFill>
-                          <a:schemeClr val="tx1"/>
-                        </a:solidFill>
-                        <a:effectLst/>
-                        <a:latin typeface="Calibri" panose="020F0502020204030204" pitchFamily="34" charset="0"/>
+                      <a:endParaRPr b="0" lang="de-DE" sz="1600" spc="-1" strike="noStrike">
+                        <a:latin typeface="Arial"/>
                       </a:endParaRPr>
                     </a:p>
                   </a:txBody>
-                  <a:tcPr marL="9510" marR="9510" marT="9510" marB="0" anchor="ctr">
+                  <a:tcPr marL="68400" marR="68400">
+                    <a:lnL w="12240">
+                      <a:solidFill>
+                        <a:srgbClr val="bd582c"/>
+                      </a:solidFill>
+                    </a:lnL>
+                    <a:lnR w="12240">
+                      <a:solidFill>
+                        <a:srgbClr val="bd582c"/>
+                      </a:solidFill>
+                    </a:lnR>
+                    <a:lnT w="12240">
+                      <a:solidFill>
+                        <a:srgbClr val="bd582c"/>
+                      </a:solidFill>
+                    </a:lnT>
+                    <a:lnB w="12240">
+                      <a:solidFill>
+                        <a:srgbClr val="bd582c"/>
+                      </a:solidFill>
+                    </a:lnB>
                     <a:solidFill>
-                      <a:schemeClr val="accent1">
-                        <a:lumMod val="60000"/>
-                        <a:lumOff val="40000"/>
-                      </a:schemeClr>
+                      <a:srgbClr val="d18d76"/>
                     </a:solidFill>
                   </a:tcPr>
                 </a:tc>
-                <a:extLst>
-                  <a:ext uri="{0D108BD9-81ED-4DB2-BD59-A6C34878D82A}">
-                    <a16:rowId xmlns:a16="http://schemas.microsoft.com/office/drawing/2014/main" val="1886920612"/>
-                  </a:ext>
-                </a:extLst>
               </a:tr>
-              <a:tr h="308771">
+              <a:tr h="336960">
                 <a:tc>
                   <a:txBody>
-                    <a:bodyPr/>
-                    <a:lstStyle/>
+                    <a:bodyPr lIns="68400" rIns="68400"/>
                     <a:p>
-                      <a:pPr algn="l" rtl="0" fontAlgn="ctr"/>
+                      <a:pPr>
+                        <a:lnSpc>
+                          <a:spcPct val="107000"/>
+                        </a:lnSpc>
+                      </a:pPr>
                       <a:r>
-                        <a:rPr lang="en-US" sz="1600" u="none" strike="noStrike">
+                        <a:rPr b="0" lang="de-DE" sz="1600" spc="-1" strike="noStrike">
                           <a:solidFill>
-                            <a:schemeClr val="tx1"/>
+                            <a:srgbClr val="000000"/>
                           </a:solidFill>
-                          <a:effectLst/>
+                          <a:latin typeface="Calibri"/>
                         </a:rPr>
                         <a:t>Drag &amp; Drop</a:t>
                       </a:r>
-                      <a:endParaRPr lang="en-US" sz="1600" b="1" i="0" u="none" strike="noStrike">
-                        <a:solidFill>
-                          <a:schemeClr val="tx1"/>
-                        </a:solidFill>
-                        <a:effectLst/>
-                        <a:latin typeface="Calibri" panose="020F0502020204030204" pitchFamily="34" charset="0"/>
+                      <a:endParaRPr b="0" lang="de-DE" sz="1600" spc="-1" strike="noStrike">
+                        <a:latin typeface="Arial"/>
                       </a:endParaRPr>
                     </a:p>
                   </a:txBody>
-                  <a:tcPr marL="9510" marR="9510" marT="9510" marB="0" anchor="ctr">
+                  <a:tcPr marL="68400" marR="68400">
+                    <a:lnL w="12240">
+                      <a:solidFill>
+                        <a:srgbClr val="bd582c"/>
+                      </a:solidFill>
+                    </a:lnL>
+                    <a:lnR w="15840">
+                      <a:solidFill>
+                        <a:srgbClr val="bd582c"/>
+                      </a:solidFill>
+                    </a:lnR>
+                    <a:lnT w="12240">
+                      <a:solidFill>
+                        <a:srgbClr val="bd582c"/>
+                      </a:solidFill>
+                    </a:lnT>
+                    <a:lnB w="12240">
+                      <a:solidFill>
+                        <a:srgbClr val="bd582c"/>
+                      </a:solidFill>
+                    </a:lnB>
                     <a:solidFill>
-                      <a:schemeClr val="accent1"/>
+                      <a:srgbClr val="deb0a8"/>
                     </a:solidFill>
                   </a:tcPr>
                 </a:tc>
                 <a:tc>
                   <a:txBody>
-                    <a:bodyPr/>
-                    <a:lstStyle/>
+                    <a:bodyPr lIns="68400" rIns="68400"/>
                     <a:p>
-                      <a:pPr algn="r" rtl="0" fontAlgn="ctr"/>
+                      <a:pPr algn="r">
+                        <a:lnSpc>
+                          <a:spcPct val="107000"/>
+                        </a:lnSpc>
+                      </a:pPr>
                       <a:r>
-                        <a:rPr lang="en-US" sz="1600" u="none" strike="noStrike">
+                        <a:rPr b="0" lang="de-DE" sz="1600" spc="-1" strike="noStrike">
                           <a:solidFill>
-                            <a:schemeClr val="tx1"/>
+                            <a:srgbClr val="000000"/>
                           </a:solidFill>
-                          <a:effectLst/>
+                          <a:latin typeface="Calibri"/>
                         </a:rPr>
                         <a:t>54</a:t>
                       </a:r>
-                      <a:endParaRPr lang="en-US" sz="1600" b="0" i="0" u="none" strike="noStrike">
-                        <a:solidFill>
-                          <a:schemeClr val="tx1"/>
-                        </a:solidFill>
-                        <a:effectLst/>
-                        <a:latin typeface="Calibri" panose="020F0502020204030204" pitchFamily="34" charset="0"/>
+                      <a:endParaRPr b="0" lang="de-DE" sz="1600" spc="-1" strike="noStrike">
+                        <a:latin typeface="Arial"/>
                       </a:endParaRPr>
                     </a:p>
                   </a:txBody>
-                  <a:tcPr marL="9510" marR="9510" marT="9510" marB="0" anchor="ctr">
+                  <a:tcPr marL="68400" marR="68400">
+                    <a:lnL w="12240">
+                      <a:solidFill>
+                        <a:srgbClr val="bd582c"/>
+                      </a:solidFill>
+                    </a:lnL>
+                    <a:lnR w="12240">
+                      <a:solidFill>
+                        <a:srgbClr val="bd582c"/>
+                      </a:solidFill>
+                    </a:lnR>
+                    <a:lnT w="12240">
+                      <a:solidFill>
+                        <a:srgbClr val="bd582c"/>
+                      </a:solidFill>
+                    </a:lnT>
+                    <a:lnB w="12240">
+                      <a:solidFill>
+                        <a:srgbClr val="bd582c"/>
+                      </a:solidFill>
+                    </a:lnB>
                     <a:solidFill>
-                      <a:schemeClr val="accent1">
-                        <a:lumMod val="60000"/>
-                        <a:lumOff val="40000"/>
-                      </a:schemeClr>
+                      <a:srgbClr val="deb0a8"/>
                     </a:solidFill>
                   </a:tcPr>
                 </a:tc>
                 <a:tc>
                   <a:txBody>
-                    <a:bodyPr/>
-                    <a:lstStyle/>
+                    <a:bodyPr lIns="68400" rIns="68400"/>
                     <a:p>
-                      <a:pPr algn="l" rtl="0" fontAlgn="ctr"/>
+                      <a:pPr>
+                        <a:lnSpc>
+                          <a:spcPct val="107000"/>
+                        </a:lnSpc>
+                      </a:pPr>
                       <a:r>
-                        <a:rPr lang="en-US" sz="1600" u="none" strike="noStrike">
+                        <a:rPr b="0" lang="de-DE" sz="1600" spc="-1" strike="noStrike">
                           <a:solidFill>
-                            <a:schemeClr val="tx1"/>
+                            <a:srgbClr val="000000"/>
                           </a:solidFill>
-                          <a:effectLst/>
+                          <a:latin typeface="Calibri"/>
                         </a:rPr>
                         <a:t> </a:t>
                       </a:r>
-                      <a:endParaRPr lang="en-US" sz="1600" b="0" i="0" u="none" strike="noStrike">
-                        <a:solidFill>
-                          <a:schemeClr val="tx1"/>
-                        </a:solidFill>
-                        <a:effectLst/>
-                        <a:latin typeface="Calibri" panose="020F0502020204030204" pitchFamily="34" charset="0"/>
+                      <a:endParaRPr b="0" lang="de-DE" sz="1600" spc="-1" strike="noStrike">
+                        <a:latin typeface="Arial"/>
                       </a:endParaRPr>
                     </a:p>
                   </a:txBody>
-                  <a:tcPr marL="9510" marR="9510" marT="9510" marB="0" anchor="ctr">
+                  <a:tcPr marL="68400" marR="68400">
+                    <a:lnL w="12240">
+                      <a:solidFill>
+                        <a:srgbClr val="bd582c"/>
+                      </a:solidFill>
+                    </a:lnL>
+                    <a:lnR w="12240">
+                      <a:solidFill>
+                        <a:srgbClr val="bd582c"/>
+                      </a:solidFill>
+                    </a:lnR>
+                    <a:lnT w="12240">
+                      <a:solidFill>
+                        <a:srgbClr val="bd582c"/>
+                      </a:solidFill>
+                    </a:lnT>
+                    <a:lnB w="12240">
+                      <a:solidFill>
+                        <a:srgbClr val="bd582c"/>
+                      </a:solidFill>
+                    </a:lnB>
                     <a:solidFill>
-                      <a:schemeClr val="accent1"/>
+                      <a:srgbClr val="deb0a8"/>
                     </a:solidFill>
                   </a:tcPr>
                 </a:tc>
                 <a:tc>
                   <a:txBody>
-                    <a:bodyPr/>
-                    <a:lstStyle/>
+                    <a:bodyPr lIns="68400" rIns="68400"/>
                     <a:p>
-                      <a:pPr algn="l" rtl="0" fontAlgn="ctr"/>
+                      <a:pPr>
+                        <a:lnSpc>
+                          <a:spcPct val="107000"/>
+                        </a:lnSpc>
+                      </a:pPr>
                       <a:r>
-                        <a:rPr lang="en-US" sz="1600" u="none" strike="noStrike" dirty="0">
+                        <a:rPr b="0" lang="de-DE" sz="1600" spc="-1" strike="noStrike">
                           <a:solidFill>
-                            <a:schemeClr val="tx1"/>
+                            <a:srgbClr val="000000"/>
                           </a:solidFill>
-                          <a:effectLst/>
+                          <a:latin typeface="Calibri"/>
                         </a:rPr>
                         <a:t> </a:t>
                       </a:r>
-                      <a:endParaRPr lang="en-US" sz="1600" b="0" i="0" u="none" strike="noStrike" dirty="0">
-                        <a:solidFill>
-                          <a:schemeClr val="tx1"/>
-                        </a:solidFill>
-                        <a:effectLst/>
-                        <a:latin typeface="Calibri" panose="020F0502020204030204" pitchFamily="34" charset="0"/>
+                      <a:endParaRPr b="0" lang="de-DE" sz="1600" spc="-1" strike="noStrike">
+                        <a:latin typeface="Arial"/>
                       </a:endParaRPr>
                     </a:p>
                   </a:txBody>
-                  <a:tcPr marL="9510" marR="9510" marT="9510" marB="0" anchor="ctr">
+                  <a:tcPr marL="68400" marR="68400">
+                    <a:lnL w="12240">
+                      <a:solidFill>
+                        <a:srgbClr val="bd582c"/>
+                      </a:solidFill>
+                    </a:lnL>
+                    <a:lnR w="12240">
+                      <a:solidFill>
+                        <a:srgbClr val="bd582c"/>
+                      </a:solidFill>
+                    </a:lnR>
+                    <a:lnT w="12240">
+                      <a:solidFill>
+                        <a:srgbClr val="bd582c"/>
+                      </a:solidFill>
+                    </a:lnT>
+                    <a:lnB w="12240">
+                      <a:solidFill>
+                        <a:srgbClr val="bd582c"/>
+                      </a:solidFill>
+                    </a:lnB>
                     <a:solidFill>
-                      <a:schemeClr val="accent1">
-                        <a:lumMod val="60000"/>
-                        <a:lumOff val="40000"/>
-                      </a:schemeClr>
+                      <a:srgbClr val="deb0a8"/>
                     </a:solidFill>
                   </a:tcPr>
                 </a:tc>
                 <a:tc>
                   <a:txBody>
-                    <a:bodyPr/>
-                    <a:lstStyle/>
+                    <a:bodyPr lIns="68400" rIns="68400"/>
                     <a:p>
-                      <a:pPr algn="l" rtl="0" fontAlgn="ctr"/>
+                      <a:pPr>
+                        <a:lnSpc>
+                          <a:spcPct val="107000"/>
+                        </a:lnSpc>
+                      </a:pPr>
                       <a:r>
-                        <a:rPr lang="en-US" sz="1600" u="none" strike="noStrike" dirty="0" err="1">
+                        <a:rPr b="0" lang="de-DE" sz="1600" spc="-1" strike="noStrike">
                           <a:solidFill>
-                            <a:schemeClr val="tx1"/>
+                            <a:srgbClr val="000000"/>
                           </a:solidFill>
-                          <a:effectLst/>
+                          <a:latin typeface="Calibri"/>
                         </a:rPr>
                         <a:t>Fleißarbeit</a:t>
                       </a:r>
-                      <a:endParaRPr lang="en-US" sz="1600" b="0" i="0" u="none" strike="noStrike" dirty="0">
-                        <a:solidFill>
-                          <a:schemeClr val="tx1"/>
-                        </a:solidFill>
-                        <a:effectLst/>
-                        <a:latin typeface="Calibri" panose="020F0502020204030204" pitchFamily="34" charset="0"/>
+                      <a:endParaRPr b="0" lang="de-DE" sz="1600" spc="-1" strike="noStrike">
+                        <a:latin typeface="Arial"/>
                       </a:endParaRPr>
                     </a:p>
                   </a:txBody>
-                  <a:tcPr marL="9510" marR="9510" marT="9510" marB="0" anchor="ctr">
+                  <a:tcPr marL="68400" marR="68400">
+                    <a:lnL w="12240">
+                      <a:solidFill>
+                        <a:srgbClr val="bd582c"/>
+                      </a:solidFill>
+                    </a:lnL>
+                    <a:lnR w="12240">
+                      <a:solidFill>
+                        <a:srgbClr val="bd582c"/>
+                      </a:solidFill>
+                    </a:lnR>
+                    <a:lnT w="12240">
+                      <a:solidFill>
+                        <a:srgbClr val="bd582c"/>
+                      </a:solidFill>
+                    </a:lnT>
+                    <a:lnB w="12240">
+                      <a:solidFill>
+                        <a:srgbClr val="bd582c"/>
+                      </a:solidFill>
+                    </a:lnB>
                     <a:solidFill>
-                      <a:schemeClr val="accent1"/>
+                      <a:srgbClr val="deb0a8"/>
                     </a:solidFill>
                   </a:tcPr>
                 </a:tc>
                 <a:tc>
                   <a:txBody>
-                    <a:bodyPr/>
-                    <a:lstStyle/>
+                    <a:bodyPr lIns="68400" rIns="68400"/>
                     <a:p>
-                      <a:pPr algn="r" rtl="0" fontAlgn="ctr"/>
+                      <a:pPr algn="r">
+                        <a:lnSpc>
+                          <a:spcPct val="107000"/>
+                        </a:lnSpc>
+                      </a:pPr>
                       <a:r>
-                        <a:rPr lang="en-US" sz="1600" u="none" strike="noStrike" dirty="0">
+                        <a:rPr b="0" lang="de-DE" sz="1600" spc="-1" strike="noStrike">
                           <a:solidFill>
-                            <a:schemeClr val="tx1"/>
+                            <a:srgbClr val="000000"/>
                           </a:solidFill>
-                          <a:effectLst/>
+                          <a:latin typeface="Calibri"/>
                         </a:rPr>
                         <a:t>35</a:t>
                       </a:r>
-                      <a:endParaRPr lang="en-US" sz="1600" b="0" i="0" u="none" strike="noStrike" dirty="0">
-                        <a:solidFill>
-                          <a:schemeClr val="tx1"/>
-                        </a:solidFill>
-                        <a:effectLst/>
-                        <a:latin typeface="Calibri" panose="020F0502020204030204" pitchFamily="34" charset="0"/>
+                      <a:endParaRPr b="0" lang="de-DE" sz="1600" spc="-1" strike="noStrike">
+                        <a:latin typeface="Arial"/>
                       </a:endParaRPr>
                     </a:p>
                   </a:txBody>
-                  <a:tcPr marL="9510" marR="9510" marT="9510" marB="0" anchor="ctr">
+                  <a:tcPr marL="68400" marR="68400">
+                    <a:lnL w="12240">
+                      <a:solidFill>
+                        <a:srgbClr val="bd582c"/>
+                      </a:solidFill>
+                    </a:lnL>
+                    <a:lnR w="12240">
+                      <a:solidFill>
+                        <a:srgbClr val="bd582c"/>
+                      </a:solidFill>
+                    </a:lnR>
+                    <a:lnT w="12240">
+                      <a:solidFill>
+                        <a:srgbClr val="bd582c"/>
+                      </a:solidFill>
+                    </a:lnT>
+                    <a:lnB w="12240">
+                      <a:solidFill>
+                        <a:srgbClr val="bd582c"/>
+                      </a:solidFill>
+                    </a:lnB>
                     <a:solidFill>
-                      <a:schemeClr val="accent1">
-                        <a:lumMod val="60000"/>
-                        <a:lumOff val="40000"/>
-                      </a:schemeClr>
+                      <a:srgbClr val="deb0a8"/>
                     </a:solidFill>
                   </a:tcPr>
                 </a:tc>
-                <a:extLst>
-                  <a:ext uri="{0D108BD9-81ED-4DB2-BD59-A6C34878D82A}">
-                    <a16:rowId xmlns:a16="http://schemas.microsoft.com/office/drawing/2014/main" val="1312942858"/>
-                  </a:ext>
-                </a:extLst>
               </a:tr>
-              <a:tr h="298124">
+              <a:tr h="673920">
                 <a:tc>
                   <a:txBody>
-                    <a:bodyPr/>
-                    <a:lstStyle/>
+                    <a:bodyPr lIns="68400" rIns="68400"/>
                     <a:p>
-                      <a:pPr algn="l" rtl="0" fontAlgn="ctr"/>
+                      <a:pPr>
+                        <a:lnSpc>
+                          <a:spcPct val="107000"/>
+                        </a:lnSpc>
+                      </a:pPr>
                       <a:r>
-                        <a:rPr lang="en-US" sz="1600" u="none" strike="noStrike">
+                        <a:rPr b="0" lang="de-DE" sz="1600" spc="-1" strike="noStrike">
                           <a:solidFill>
-                            <a:schemeClr val="tx1"/>
+                            <a:srgbClr val="000000"/>
                           </a:solidFill>
-                          <a:effectLst/>
+                          <a:latin typeface="Calibri"/>
                         </a:rPr>
                         <a:t>Löschen / zoomen /</a:t>
                       </a:r>
-                      <a:endParaRPr lang="en-US" sz="1600" b="1" i="0" u="none" strike="noStrike">
-                        <a:solidFill>
-                          <a:schemeClr val="tx1"/>
-                        </a:solidFill>
-                        <a:effectLst/>
-                        <a:latin typeface="Calibri" panose="020F0502020204030204" pitchFamily="34" charset="0"/>
+                      <a:endParaRPr b="0" lang="de-DE" sz="1600" spc="-1" strike="noStrike">
+                        <a:latin typeface="Arial"/>
+                      </a:endParaRPr>
+                    </a:p>
+                    <a:p>
+                      <a:pPr>
+                        <a:lnSpc>
+                          <a:spcPct val="107000"/>
+                        </a:lnSpc>
+                      </a:pPr>
+                      <a:r>
+                        <a:rPr b="0" lang="de-DE" sz="1600" spc="-1" strike="noStrike">
+                          <a:solidFill>
+                            <a:srgbClr val="000000"/>
+                          </a:solidFill>
+                          <a:latin typeface="Calibri"/>
+                        </a:rPr>
+                        <a:t>Toolbox</a:t>
+                      </a:r>
+                      <a:endParaRPr b="0" lang="de-DE" sz="1600" spc="-1" strike="noStrike">
+                        <a:latin typeface="Arial"/>
                       </a:endParaRPr>
                     </a:p>
                   </a:txBody>
-                  <a:tcPr marL="9510" marR="9510" marT="9510" marB="0" anchor="ctr">
+                  <a:tcPr marL="68400" marR="68400">
+                    <a:lnL w="12240">
+                      <a:solidFill>
+                        <a:srgbClr val="bd582c"/>
+                      </a:solidFill>
+                    </a:lnL>
+                    <a:lnR w="15840">
+                      <a:solidFill>
+                        <a:srgbClr val="bd582c"/>
+                      </a:solidFill>
+                    </a:lnR>
+                    <a:lnT w="12240">
+                      <a:solidFill>
+                        <a:srgbClr val="bd582c"/>
+                      </a:solidFill>
+                    </a:lnT>
+                    <a:lnB w="12240">
+                      <a:solidFill>
+                        <a:srgbClr val="bd582c"/>
+                      </a:solidFill>
+                    </a:lnB>
                     <a:solidFill>
-                      <a:schemeClr val="accent1"/>
-                    </a:solidFill>
-                  </a:tcPr>
-                </a:tc>
-                <a:tc rowSpan="2">
-                  <a:txBody>
-                    <a:bodyPr/>
-                    <a:lstStyle/>
-                    <a:p>
-                      <a:pPr algn="r" rtl="0" fontAlgn="ctr"/>
-                      <a:r>
-                        <a:rPr lang="en-US" sz="1600" u="none" strike="noStrike">
-                          <a:solidFill>
-                            <a:schemeClr val="tx1"/>
-                          </a:solidFill>
-                          <a:effectLst/>
-                        </a:rPr>
-                        <a:t>8</a:t>
-                      </a:r>
-                      <a:endParaRPr lang="en-US" sz="1600" b="0" i="0" u="none" strike="noStrike">
-                        <a:solidFill>
-                          <a:schemeClr val="tx1"/>
-                        </a:solidFill>
-                        <a:effectLst/>
-                        <a:latin typeface="Calibri" panose="020F0502020204030204" pitchFamily="34" charset="0"/>
-                      </a:endParaRPr>
-                    </a:p>
-                  </a:txBody>
-                  <a:tcPr marL="9510" marR="9510" marT="9510" marB="0" anchor="ctr">
-                    <a:solidFill>
-                      <a:schemeClr val="accent1">
-                        <a:lumMod val="60000"/>
-                        <a:lumOff val="40000"/>
-                      </a:schemeClr>
-                    </a:solidFill>
-                  </a:tcPr>
-                </a:tc>
-                <a:tc rowSpan="2">
-                  <a:txBody>
-                    <a:bodyPr/>
-                    <a:lstStyle/>
-                    <a:p>
-                      <a:pPr algn="l" rtl="0" fontAlgn="ctr"/>
-                      <a:r>
-                        <a:rPr lang="en-US" sz="1600" u="none" strike="noStrike">
-                          <a:solidFill>
-                            <a:schemeClr val="tx1"/>
-                          </a:solidFill>
-                          <a:effectLst/>
-                        </a:rPr>
-                        <a:t> </a:t>
-                      </a:r>
-                      <a:endParaRPr lang="en-US" sz="1600" b="0" i="0" u="none" strike="noStrike">
-                        <a:solidFill>
-                          <a:schemeClr val="tx1"/>
-                        </a:solidFill>
-                        <a:effectLst/>
-                        <a:latin typeface="Calibri" panose="020F0502020204030204" pitchFamily="34" charset="0"/>
-                      </a:endParaRPr>
-                    </a:p>
-                  </a:txBody>
-                  <a:tcPr marL="9510" marR="9510" marT="9510" marB="0" anchor="ctr">
-                    <a:solidFill>
-                      <a:schemeClr val="accent1"/>
-                    </a:solidFill>
-                  </a:tcPr>
-                </a:tc>
-                <a:tc rowSpan="2">
-                  <a:txBody>
-                    <a:bodyPr/>
-                    <a:lstStyle/>
-                    <a:p>
-                      <a:pPr algn="l" rtl="0" fontAlgn="ctr"/>
-                      <a:r>
-                        <a:rPr lang="en-US" sz="1600" u="none" strike="noStrike">
-                          <a:solidFill>
-                            <a:schemeClr val="tx1"/>
-                          </a:solidFill>
-                          <a:effectLst/>
-                        </a:rPr>
-                        <a:t> </a:t>
-                      </a:r>
-                      <a:endParaRPr lang="en-US" sz="1600" b="0" i="0" u="none" strike="noStrike">
-                        <a:solidFill>
-                          <a:schemeClr val="tx1"/>
-                        </a:solidFill>
-                        <a:effectLst/>
-                        <a:latin typeface="Calibri" panose="020F0502020204030204" pitchFamily="34" charset="0"/>
-                      </a:endParaRPr>
-                    </a:p>
-                  </a:txBody>
-                  <a:tcPr marL="9510" marR="9510" marT="9510" marB="0" anchor="ctr">
-                    <a:solidFill>
-                      <a:schemeClr val="accent1">
-                        <a:lumMod val="60000"/>
-                        <a:lumOff val="40000"/>
-                      </a:schemeClr>
-                    </a:solidFill>
-                  </a:tcPr>
-                </a:tc>
-                <a:tc rowSpan="2">
-                  <a:txBody>
-                    <a:bodyPr/>
-                    <a:lstStyle/>
-                    <a:p>
-                      <a:pPr algn="l" rtl="0" fontAlgn="ctr"/>
-                      <a:r>
-                        <a:rPr lang="de-DE" sz="1600" kern="1200" dirty="0">
-                          <a:solidFill>
-                            <a:schemeClr val="dk1"/>
-                          </a:solidFill>
-                          <a:effectLst/>
-                          <a:latin typeface="+mn-lt"/>
-                          <a:ea typeface="+mn-ea"/>
-                          <a:cs typeface="+mn-cs"/>
-                        </a:rPr>
-                        <a:t>Tastatur Kürzel</a:t>
-                      </a:r>
-                      <a:endParaRPr lang="en-US" sz="1400" b="0" i="0" u="none" strike="noStrike" dirty="0">
-                        <a:solidFill>
-                          <a:schemeClr val="tx1"/>
-                        </a:solidFill>
-                        <a:effectLst/>
-                        <a:latin typeface="Calibri" panose="020F0502020204030204" pitchFamily="34" charset="0"/>
-                      </a:endParaRPr>
-                    </a:p>
-                  </a:txBody>
-                  <a:tcPr marL="9510" marR="9510" marT="9510" marB="0" anchor="ctr">
-                    <a:solidFill>
-                      <a:schemeClr val="accent1"/>
-                    </a:solidFill>
-                  </a:tcPr>
-                </a:tc>
-                <a:tc rowSpan="2">
-                  <a:txBody>
-                    <a:bodyPr/>
-                    <a:lstStyle/>
-                    <a:p>
-                      <a:pPr algn="r" rtl="0" fontAlgn="ctr"/>
-                      <a:r>
-                        <a:rPr lang="en-US" sz="1600" u="none" strike="noStrike" dirty="0">
-                          <a:solidFill>
-                            <a:schemeClr val="tx1"/>
-                          </a:solidFill>
-                          <a:effectLst/>
-                        </a:rPr>
-                        <a:t>5 </a:t>
-                      </a:r>
-                      <a:endParaRPr lang="en-US" sz="1600" b="0" i="0" u="none" strike="noStrike" dirty="0">
-                        <a:solidFill>
-                          <a:schemeClr val="tx1"/>
-                        </a:solidFill>
-                        <a:effectLst/>
-                        <a:latin typeface="Calibri" panose="020F0502020204030204" pitchFamily="34" charset="0"/>
-                      </a:endParaRPr>
-                    </a:p>
-                  </a:txBody>
-                  <a:tcPr marL="9510" marR="9510" marT="9510" marB="0" anchor="ctr">
-                    <a:solidFill>
-                      <a:schemeClr val="accent1">
-                        <a:lumMod val="60000"/>
-                        <a:lumOff val="40000"/>
-                      </a:schemeClr>
-                    </a:solidFill>
-                  </a:tcPr>
-                </a:tc>
-                <a:extLst>
-                  <a:ext uri="{0D108BD9-81ED-4DB2-BD59-A6C34878D82A}">
-                    <a16:rowId xmlns:a16="http://schemas.microsoft.com/office/drawing/2014/main" val="4243761300"/>
-                  </a:ext>
-                </a:extLst>
-              </a:tr>
-              <a:tr h="308771">
-                <a:tc>
-                  <a:txBody>
-                    <a:bodyPr/>
-                    <a:lstStyle/>
-                    <a:p>
-                      <a:pPr algn="l" rtl="0" fontAlgn="ctr"/>
-                      <a:r>
-                        <a:rPr lang="en-US" sz="1600" u="none" strike="noStrike" dirty="0">
-                          <a:solidFill>
-                            <a:schemeClr val="tx1"/>
-                          </a:solidFill>
-                          <a:effectLst/>
-                        </a:rPr>
-                        <a:t>Toolbox</a:t>
-                      </a:r>
-                      <a:endParaRPr lang="en-US" sz="1600" b="1" i="0" u="none" strike="noStrike" dirty="0">
-                        <a:solidFill>
-                          <a:schemeClr val="tx1"/>
-                        </a:solidFill>
-                        <a:effectLst/>
-                        <a:latin typeface="Calibri" panose="020F0502020204030204" pitchFamily="34" charset="0"/>
-                      </a:endParaRPr>
-                    </a:p>
-                  </a:txBody>
-                  <a:tcPr marL="9510" marR="9510" marT="9510" marB="0" anchor="ctr">
-                    <a:solidFill>
-                      <a:schemeClr val="accent1"/>
-                    </a:solidFill>
-                  </a:tcPr>
-                </a:tc>
-                <a:tc vMerge="1">
-                  <a:txBody>
-                    <a:bodyPr/>
-                    <a:lstStyle/>
-                    <a:p>
-                      <a:endParaRPr lang="en-US"/>
-                    </a:p>
-                  </a:txBody>
-                  <a:tcPr/>
-                </a:tc>
-                <a:tc vMerge="1">
-                  <a:txBody>
-                    <a:bodyPr/>
-                    <a:lstStyle/>
-                    <a:p>
-                      <a:endParaRPr lang="en-US"/>
-                    </a:p>
-                  </a:txBody>
-                  <a:tcPr/>
-                </a:tc>
-                <a:tc vMerge="1">
-                  <a:txBody>
-                    <a:bodyPr/>
-                    <a:lstStyle/>
-                    <a:p>
-                      <a:endParaRPr lang="en-US"/>
-                    </a:p>
-                  </a:txBody>
-                  <a:tcPr/>
-                </a:tc>
-                <a:tc vMerge="1">
-                  <a:txBody>
-                    <a:bodyPr/>
-                    <a:lstStyle/>
-                    <a:p>
-                      <a:endParaRPr lang="en-US"/>
-                    </a:p>
-                  </a:txBody>
-                  <a:tcPr/>
-                </a:tc>
-                <a:tc vMerge="1">
-                  <a:txBody>
-                    <a:bodyPr/>
-                    <a:lstStyle/>
-                    <a:p>
-                      <a:endParaRPr lang="en-US"/>
-                    </a:p>
-                  </a:txBody>
-                  <a:tcPr/>
-                </a:tc>
-                <a:extLst>
-                  <a:ext uri="{0D108BD9-81ED-4DB2-BD59-A6C34878D82A}">
-                    <a16:rowId xmlns:a16="http://schemas.microsoft.com/office/drawing/2014/main" val="4187435755"/>
-                  </a:ext>
-                </a:extLst>
-              </a:tr>
-              <a:tr h="308771">
-                <a:tc>
-                  <a:txBody>
-                    <a:bodyPr/>
-                    <a:lstStyle/>
-                    <a:p>
-                      <a:pPr algn="l" rtl="0" fontAlgn="ctr"/>
-                      <a:r>
-                        <a:rPr lang="en-US" sz="1600" u="none" strike="noStrike">
-                          <a:solidFill>
-                            <a:schemeClr val="tx1"/>
-                          </a:solidFill>
-                          <a:effectLst/>
-                        </a:rPr>
-                        <a:t>Fehlerdiagnose </a:t>
-                      </a:r>
-                      <a:endParaRPr lang="en-US" sz="1600" b="1" i="0" u="none" strike="noStrike">
-                        <a:solidFill>
-                          <a:schemeClr val="tx1"/>
-                        </a:solidFill>
-                        <a:effectLst/>
-                        <a:latin typeface="Calibri" panose="020F0502020204030204" pitchFamily="34" charset="0"/>
-                      </a:endParaRPr>
-                    </a:p>
-                  </a:txBody>
-                  <a:tcPr marL="9510" marR="9510" marT="9510" marB="0" anchor="ctr">
-                    <a:solidFill>
-                      <a:schemeClr val="accent1"/>
+                      <a:srgbClr val="d18d76"/>
                     </a:solidFill>
                   </a:tcPr>
                 </a:tc>
                 <a:tc>
                   <a:txBody>
-                    <a:bodyPr/>
-                    <a:lstStyle/>
+                    <a:bodyPr lIns="68400" rIns="68400"/>
                     <a:p>
-                      <a:pPr algn="r" rtl="0" fontAlgn="ctr"/>
+                      <a:pPr algn="r">
+                        <a:lnSpc>
+                          <a:spcPct val="107000"/>
+                        </a:lnSpc>
+                      </a:pPr>
                       <a:r>
-                        <a:rPr lang="en-US" sz="1600" u="none" strike="noStrike">
+                        <a:rPr b="0" lang="de-DE" sz="1600" spc="-1" strike="noStrike">
                           <a:solidFill>
-                            <a:schemeClr val="tx1"/>
+                            <a:srgbClr val="000000"/>
                           </a:solidFill>
-                          <a:effectLst/>
+                          <a:latin typeface="Calibri"/>
                         </a:rPr>
-                        <a:t>24</a:t>
+                        <a:t>8</a:t>
                       </a:r>
-                      <a:endParaRPr lang="en-US" sz="1600" b="0" i="0" u="none" strike="noStrike">
-                        <a:solidFill>
-                          <a:schemeClr val="tx1"/>
-                        </a:solidFill>
-                        <a:effectLst/>
-                        <a:latin typeface="Calibri" panose="020F0502020204030204" pitchFamily="34" charset="0"/>
+                      <a:endParaRPr b="0" lang="de-DE" sz="1600" spc="-1" strike="noStrike">
+                        <a:latin typeface="Arial"/>
                       </a:endParaRPr>
                     </a:p>
                   </a:txBody>
-                  <a:tcPr marL="9510" marR="9510" marT="9510" marB="0" anchor="ctr">
+                  <a:tcPr marL="68400" marR="68400">
+                    <a:lnL w="12240">
+                      <a:solidFill>
+                        <a:srgbClr val="bd582c"/>
+                      </a:solidFill>
+                    </a:lnL>
+                    <a:lnR w="12240">
+                      <a:solidFill>
+                        <a:srgbClr val="bd582c"/>
+                      </a:solidFill>
+                    </a:lnR>
+                    <a:lnT w="12240">
+                      <a:solidFill>
+                        <a:srgbClr val="bd582c"/>
+                      </a:solidFill>
+                    </a:lnT>
+                    <a:lnB w="12240">
+                      <a:solidFill>
+                        <a:srgbClr val="bd582c"/>
+                      </a:solidFill>
+                    </a:lnB>
                     <a:solidFill>
-                      <a:schemeClr val="accent1">
-                        <a:lumMod val="60000"/>
-                        <a:lumOff val="40000"/>
-                      </a:schemeClr>
+                      <a:srgbClr val="d18d76"/>
                     </a:solidFill>
                   </a:tcPr>
                 </a:tc>
                 <a:tc>
                   <a:txBody>
-                    <a:bodyPr/>
-                    <a:lstStyle/>
+                    <a:bodyPr lIns="68400" rIns="68400"/>
                     <a:p>
-                      <a:pPr algn="l" rtl="0" fontAlgn="ctr"/>
+                      <a:pPr>
+                        <a:lnSpc>
+                          <a:spcPct val="107000"/>
+                        </a:lnSpc>
+                      </a:pPr>
                       <a:r>
-                        <a:rPr lang="en-US" sz="1600" u="none" strike="noStrike">
+                        <a:rPr b="0" lang="de-DE" sz="1600" spc="-1" strike="noStrike">
                           <a:solidFill>
-                            <a:schemeClr val="tx1"/>
+                            <a:srgbClr val="000000"/>
                           </a:solidFill>
-                          <a:effectLst/>
+                          <a:latin typeface="Calibri"/>
                         </a:rPr>
-                        <a:t>Fehlerdiagnose</a:t>
+                        <a:t> </a:t>
                       </a:r>
-                      <a:endParaRPr lang="en-US" sz="1600" b="0" i="0" u="none" strike="noStrike">
-                        <a:solidFill>
-                          <a:schemeClr val="tx1"/>
-                        </a:solidFill>
-                        <a:effectLst/>
-                        <a:latin typeface="Calibri" panose="020F0502020204030204" pitchFamily="34" charset="0"/>
+                      <a:endParaRPr b="0" lang="de-DE" sz="1600" spc="-1" strike="noStrike">
+                        <a:latin typeface="Arial"/>
                       </a:endParaRPr>
                     </a:p>
                   </a:txBody>
-                  <a:tcPr marL="9510" marR="9510" marT="9510" marB="0" anchor="ctr">
+                  <a:tcPr marL="68400" marR="68400">
+                    <a:lnL w="12240">
+                      <a:solidFill>
+                        <a:srgbClr val="bd582c"/>
+                      </a:solidFill>
+                    </a:lnL>
+                    <a:lnR w="12240">
+                      <a:solidFill>
+                        <a:srgbClr val="bd582c"/>
+                      </a:solidFill>
+                    </a:lnR>
+                    <a:lnT w="12240">
+                      <a:solidFill>
+                        <a:srgbClr val="bd582c"/>
+                      </a:solidFill>
+                    </a:lnT>
+                    <a:lnB w="12240">
+                      <a:solidFill>
+                        <a:srgbClr val="bd582c"/>
+                      </a:solidFill>
+                    </a:lnB>
                     <a:solidFill>
-                      <a:schemeClr val="accent1"/>
+                      <a:srgbClr val="d18d76"/>
                     </a:solidFill>
                   </a:tcPr>
                 </a:tc>
                 <a:tc>
                   <a:txBody>
-                    <a:bodyPr/>
-                    <a:lstStyle/>
+                    <a:bodyPr lIns="68400" rIns="68400"/>
                     <a:p>
-                      <a:pPr algn="r" rtl="0" fontAlgn="ctr"/>
+                      <a:pPr>
+                        <a:lnSpc>
+                          <a:spcPct val="107000"/>
+                        </a:lnSpc>
+                      </a:pPr>
                       <a:r>
-                        <a:rPr lang="en-US" sz="1600" u="none" strike="noStrike">
+                        <a:rPr b="0" lang="de-DE" sz="1600" spc="-1" strike="noStrike">
                           <a:solidFill>
-                            <a:schemeClr val="tx1"/>
+                            <a:srgbClr val="000000"/>
                           </a:solidFill>
-                          <a:effectLst/>
+                          <a:latin typeface="Calibri"/>
                         </a:rPr>
-                        <a:t>11</a:t>
+                        <a:t> </a:t>
                       </a:r>
-                      <a:endParaRPr lang="en-US" sz="1600" b="0" i="0" u="none" strike="noStrike">
-                        <a:solidFill>
-                          <a:schemeClr val="tx1"/>
-                        </a:solidFill>
-                        <a:effectLst/>
-                        <a:latin typeface="Calibri" panose="020F0502020204030204" pitchFamily="34" charset="0"/>
+                      <a:endParaRPr b="0" lang="de-DE" sz="1600" spc="-1" strike="noStrike">
+                        <a:latin typeface="Arial"/>
                       </a:endParaRPr>
                     </a:p>
                   </a:txBody>
-                  <a:tcPr marL="9510" marR="9510" marT="9510" marB="0" anchor="ctr">
+                  <a:tcPr marL="68400" marR="68400">
+                    <a:lnL w="12240">
+                      <a:solidFill>
+                        <a:srgbClr val="bd582c"/>
+                      </a:solidFill>
+                    </a:lnL>
+                    <a:lnR w="12240">
+                      <a:solidFill>
+                        <a:srgbClr val="bd582c"/>
+                      </a:solidFill>
+                    </a:lnR>
+                    <a:lnT w="12240">
+                      <a:solidFill>
+                        <a:srgbClr val="bd582c"/>
+                      </a:solidFill>
+                    </a:lnT>
+                    <a:lnB w="12240">
+                      <a:solidFill>
+                        <a:srgbClr val="bd582c"/>
+                      </a:solidFill>
+                    </a:lnB>
                     <a:solidFill>
-                      <a:schemeClr val="accent1">
-                        <a:lumMod val="60000"/>
-                        <a:lumOff val="40000"/>
-                      </a:schemeClr>
+                      <a:srgbClr val="d18d76"/>
                     </a:solidFill>
                   </a:tcPr>
                 </a:tc>
                 <a:tc>
                   <a:txBody>
-                    <a:bodyPr/>
-                    <a:lstStyle/>
+                    <a:bodyPr lIns="68400" rIns="68400"/>
                     <a:p>
-                      <a:pPr algn="l" rtl="0" fontAlgn="ctr"/>
+                      <a:pPr>
+                        <a:lnSpc>
+                          <a:spcPct val="107000"/>
+                        </a:lnSpc>
+                      </a:pPr>
                       <a:r>
-                        <a:rPr lang="en-US" sz="1600" u="none" strike="noStrike" dirty="0" err="1">
+                        <a:rPr b="0" lang="de-DE" sz="1600" spc="-1" strike="noStrike">
                           <a:solidFill>
-                            <a:schemeClr val="tx1"/>
+                            <a:srgbClr val="000000"/>
                           </a:solidFill>
-                          <a:effectLst/>
+                          <a:latin typeface="Calibri"/>
                         </a:rPr>
-                        <a:t>Fehlerdiagnose</a:t>
+                        <a:t> </a:t>
                       </a:r>
-                      <a:r>
-                        <a:rPr lang="en-US" sz="1600" u="none" strike="noStrike" dirty="0">
-                          <a:solidFill>
-                            <a:schemeClr val="tx1"/>
-                          </a:solidFill>
-                          <a:effectLst/>
-                        </a:rPr>
-                        <a:t>/Cleanup</a:t>
-                      </a:r>
-                      <a:endParaRPr lang="en-US" sz="1600" b="0" i="0" u="none" strike="noStrike" dirty="0">
-                        <a:solidFill>
-                          <a:schemeClr val="tx1"/>
-                        </a:solidFill>
-                        <a:effectLst/>
-                        <a:latin typeface="Calibri" panose="020F0502020204030204" pitchFamily="34" charset="0"/>
+                      <a:endParaRPr b="0" lang="de-DE" sz="1600" spc="-1" strike="noStrike">
+                        <a:latin typeface="Arial"/>
                       </a:endParaRPr>
                     </a:p>
                   </a:txBody>
-                  <a:tcPr marL="9510" marR="9510" marT="9510" marB="0" anchor="ctr">
+                  <a:tcPr marL="68400" marR="68400">
+                    <a:lnL w="12240">
+                      <a:solidFill>
+                        <a:srgbClr val="bd582c"/>
+                      </a:solidFill>
+                    </a:lnL>
+                    <a:lnR w="12240">
+                      <a:solidFill>
+                        <a:srgbClr val="bd582c"/>
+                      </a:solidFill>
+                    </a:lnR>
+                    <a:lnT w="12240">
+                      <a:solidFill>
+                        <a:srgbClr val="bd582c"/>
+                      </a:solidFill>
+                    </a:lnT>
+                    <a:lnB w="12240">
+                      <a:solidFill>
+                        <a:srgbClr val="bd582c"/>
+                      </a:solidFill>
+                    </a:lnB>
                     <a:solidFill>
-                      <a:schemeClr val="accent1"/>
+                      <a:srgbClr val="d18d76"/>
                     </a:solidFill>
                   </a:tcPr>
                 </a:tc>
                 <a:tc>
                   <a:txBody>
-                    <a:bodyPr/>
-                    <a:lstStyle/>
+                    <a:bodyPr lIns="68400" rIns="68400"/>
                     <a:p>
-                      <a:pPr algn="r" rtl="0" fontAlgn="ctr"/>
+                      <a:pPr algn="r">
+                        <a:lnSpc>
+                          <a:spcPct val="107000"/>
+                        </a:lnSpc>
+                      </a:pPr>
                       <a:r>
-                        <a:rPr lang="en-US" sz="1600" u="none" strike="noStrike" dirty="0">
+                        <a:rPr b="0" lang="de-DE" sz="1600" spc="-1" strike="noStrike">
                           <a:solidFill>
-                            <a:schemeClr val="tx1"/>
+                            <a:srgbClr val="000000"/>
                           </a:solidFill>
-                          <a:effectLst/>
+                          <a:latin typeface="Calibri"/>
                         </a:rPr>
-                        <a:t>53</a:t>
+                        <a:t> </a:t>
                       </a:r>
-                      <a:endParaRPr lang="en-US" sz="1600" b="0" i="0" u="none" strike="noStrike" dirty="0">
-                        <a:solidFill>
-                          <a:schemeClr val="tx1"/>
-                        </a:solidFill>
-                        <a:effectLst/>
-                        <a:latin typeface="Calibri" panose="020F0502020204030204" pitchFamily="34" charset="0"/>
+                      <a:endParaRPr b="0" lang="de-DE" sz="1600" spc="-1" strike="noStrike">
+                        <a:latin typeface="Arial"/>
                       </a:endParaRPr>
                     </a:p>
                   </a:txBody>
-                  <a:tcPr marL="9510" marR="9510" marT="9510" marB="0" anchor="ctr">
+                  <a:tcPr marL="68400" marR="68400">
+                    <a:lnL w="12240">
+                      <a:solidFill>
+                        <a:srgbClr val="bd582c"/>
+                      </a:solidFill>
+                    </a:lnL>
+                    <a:lnR w="12240">
+                      <a:solidFill>
+                        <a:srgbClr val="bd582c"/>
+                      </a:solidFill>
+                    </a:lnR>
+                    <a:lnT w="12240">
+                      <a:solidFill>
+                        <a:srgbClr val="bd582c"/>
+                      </a:solidFill>
+                    </a:lnT>
+                    <a:lnB w="12240">
+                      <a:solidFill>
+                        <a:srgbClr val="bd582c"/>
+                      </a:solidFill>
+                    </a:lnB>
                     <a:solidFill>
-                      <a:schemeClr val="accent1">
-                        <a:lumMod val="60000"/>
-                        <a:lumOff val="40000"/>
-                      </a:schemeClr>
+                      <a:srgbClr val="d18d76"/>
                     </a:solidFill>
                   </a:tcPr>
                 </a:tc>
-                <a:extLst>
-                  <a:ext uri="{0D108BD9-81ED-4DB2-BD59-A6C34878D82A}">
-                    <a16:rowId xmlns:a16="http://schemas.microsoft.com/office/drawing/2014/main" val="4263140026"/>
-                  </a:ext>
-                </a:extLst>
               </a:tr>
-              <a:tr h="308771">
+              <a:tr h="336960">
                 <a:tc>
                   <a:txBody>
-                    <a:bodyPr/>
-                    <a:lstStyle/>
+                    <a:bodyPr lIns="68400" rIns="68400"/>
                     <a:p>
-                      <a:pPr algn="l" rtl="0" fontAlgn="ctr"/>
+                      <a:pPr>
+                        <a:lnSpc>
+                          <a:spcPct val="107000"/>
+                        </a:lnSpc>
+                      </a:pPr>
                       <a:r>
-                        <a:rPr lang="en-US" sz="1600" u="none" strike="noStrike">
+                        <a:rPr b="0" lang="de-DE" sz="1600" spc="-1" strike="noStrike">
                           <a:solidFill>
-                            <a:schemeClr val="tx1"/>
+                            <a:srgbClr val="000000"/>
                           </a:solidFill>
-                          <a:effectLst/>
+                          <a:latin typeface="Calibri"/>
                         </a:rPr>
-                        <a:t>Lern Zeit</a:t>
+                        <a:t>Fehlerdiagnose</a:t>
                       </a:r>
-                      <a:endParaRPr lang="en-US" sz="1600" b="1" i="0" u="none" strike="noStrike">
-                        <a:solidFill>
-                          <a:schemeClr val="tx1"/>
-                        </a:solidFill>
-                        <a:effectLst/>
-                        <a:latin typeface="Calibri" panose="020F0502020204030204" pitchFamily="34" charset="0"/>
+                      <a:r>
+                        <a:rPr b="0" lang="de-DE" sz="1600" spc="-1" strike="noStrike">
+                          <a:solidFill>
+                            <a:srgbClr val="000000"/>
+                          </a:solidFill>
+                          <a:latin typeface="Calibri"/>
+                        </a:rPr>
+                        <a:t>	</a:t>
+                      </a:r>
+                      <a:endParaRPr b="0" lang="de-DE" sz="1600" spc="-1" strike="noStrike">
+                        <a:latin typeface="Arial"/>
                       </a:endParaRPr>
                     </a:p>
                   </a:txBody>
-                  <a:tcPr marL="9510" marR="9510" marT="9510" marB="0" anchor="ctr">
+                  <a:tcPr marL="68400" marR="68400">
+                    <a:lnL w="12240">
+                      <a:solidFill>
+                        <a:srgbClr val="bd582c"/>
+                      </a:solidFill>
+                    </a:lnL>
+                    <a:lnR w="15840">
+                      <a:solidFill>
+                        <a:srgbClr val="bd582c"/>
+                      </a:solidFill>
+                    </a:lnR>
+                    <a:lnT w="12240">
+                      <a:solidFill>
+                        <a:srgbClr val="bd582c"/>
+                      </a:solidFill>
+                    </a:lnT>
+                    <a:lnB w="12240">
+                      <a:solidFill>
+                        <a:srgbClr val="bd582c"/>
+                      </a:solidFill>
+                    </a:lnB>
                     <a:solidFill>
-                      <a:schemeClr val="accent1"/>
+                      <a:srgbClr val="deb0a8"/>
                     </a:solidFill>
                   </a:tcPr>
                 </a:tc>
                 <a:tc>
                   <a:txBody>
-                    <a:bodyPr/>
-                    <a:lstStyle/>
+                    <a:bodyPr lIns="68400" rIns="68400"/>
                     <a:p>
-                      <a:pPr algn="r" rtl="0" fontAlgn="ctr"/>
+                      <a:pPr algn="r">
+                        <a:lnSpc>
+                          <a:spcPct val="107000"/>
+                        </a:lnSpc>
+                      </a:pPr>
                       <a:r>
-                        <a:rPr lang="en-US" sz="1600" u="none" strike="noStrike">
+                        <a:rPr b="0" lang="de-DE" sz="1600" spc="-1" strike="noStrike">
                           <a:solidFill>
-                            <a:schemeClr val="tx1"/>
+                            <a:srgbClr val="000000"/>
                           </a:solidFill>
-                          <a:effectLst/>
+                          <a:latin typeface="Calibri"/>
                         </a:rPr>
-                        <a:t>26</a:t>
+                        <a:t>24</a:t>
                       </a:r>
-                      <a:endParaRPr lang="en-US" sz="1600" b="0" i="0" u="none" strike="noStrike">
-                        <a:solidFill>
-                          <a:schemeClr val="tx1"/>
-                        </a:solidFill>
-                        <a:effectLst/>
-                        <a:latin typeface="Calibri" panose="020F0502020204030204" pitchFamily="34" charset="0"/>
+                      <a:endParaRPr b="0" lang="de-DE" sz="1600" spc="-1" strike="noStrike">
+                        <a:latin typeface="Arial"/>
                       </a:endParaRPr>
                     </a:p>
                   </a:txBody>
-                  <a:tcPr marL="9510" marR="9510" marT="9510" marB="0" anchor="ctr">
+                  <a:tcPr marL="68400" marR="68400">
+                    <a:lnL w="12240">
+                      <a:solidFill>
+                        <a:srgbClr val="bd582c"/>
+                      </a:solidFill>
+                    </a:lnL>
+                    <a:lnR w="12240">
+                      <a:solidFill>
+                        <a:srgbClr val="bd582c"/>
+                      </a:solidFill>
+                    </a:lnR>
+                    <a:lnT w="12240">
+                      <a:solidFill>
+                        <a:srgbClr val="bd582c"/>
+                      </a:solidFill>
+                    </a:lnT>
+                    <a:lnB w="12240">
+                      <a:solidFill>
+                        <a:srgbClr val="bd582c"/>
+                      </a:solidFill>
+                    </a:lnB>
                     <a:solidFill>
-                      <a:schemeClr val="accent1">
-                        <a:lumMod val="60000"/>
-                        <a:lumOff val="40000"/>
-                      </a:schemeClr>
+                      <a:srgbClr val="deb0a8"/>
                     </a:solidFill>
                   </a:tcPr>
                 </a:tc>
                 <a:tc>
                   <a:txBody>
-                    <a:bodyPr/>
-                    <a:lstStyle/>
+                    <a:bodyPr lIns="68400" rIns="68400"/>
                     <a:p>
-                      <a:pPr algn="l" rtl="0" fontAlgn="ctr"/>
+                      <a:pPr>
+                        <a:lnSpc>
+                          <a:spcPct val="107000"/>
+                        </a:lnSpc>
+                      </a:pPr>
                       <a:r>
-                        <a:rPr lang="en-US" sz="1600" u="none" strike="noStrike">
+                        <a:rPr b="0" lang="de-DE" sz="1600" spc="-1" strike="noStrike">
                           <a:solidFill>
-                            <a:schemeClr val="tx1"/>
+                            <a:srgbClr val="000000"/>
                           </a:solidFill>
-                          <a:effectLst/>
+                          <a:latin typeface="Calibri"/>
                         </a:rPr>
-                        <a:t>Lern Zeit</a:t>
+                        <a:t>Fehlerdiagnose</a:t>
                       </a:r>
-                      <a:endParaRPr lang="en-US" sz="1600" b="0" i="0" u="none" strike="noStrike">
-                        <a:solidFill>
-                          <a:schemeClr val="tx1"/>
-                        </a:solidFill>
-                        <a:effectLst/>
-                        <a:latin typeface="Calibri" panose="020F0502020204030204" pitchFamily="34" charset="0"/>
+                      <a:endParaRPr b="0" lang="de-DE" sz="1600" spc="-1" strike="noStrike">
+                        <a:latin typeface="Arial"/>
                       </a:endParaRPr>
                     </a:p>
                   </a:txBody>
-                  <a:tcPr marL="9510" marR="9510" marT="9510" marB="0" anchor="ctr">
+                  <a:tcPr marL="68400" marR="68400">
+                    <a:lnL w="12240">
+                      <a:solidFill>
+                        <a:srgbClr val="bd582c"/>
+                      </a:solidFill>
+                    </a:lnL>
+                    <a:lnR w="12240">
+                      <a:solidFill>
+                        <a:srgbClr val="bd582c"/>
+                      </a:solidFill>
+                    </a:lnR>
+                    <a:lnT w="12240">
+                      <a:solidFill>
+                        <a:srgbClr val="bd582c"/>
+                      </a:solidFill>
+                    </a:lnT>
+                    <a:lnB w="12240">
+                      <a:solidFill>
+                        <a:srgbClr val="bd582c"/>
+                      </a:solidFill>
+                    </a:lnB>
                     <a:solidFill>
-                      <a:schemeClr val="accent1"/>
+                      <a:srgbClr val="deb0a8"/>
                     </a:solidFill>
                   </a:tcPr>
                 </a:tc>
                 <a:tc>
                   <a:txBody>
-                    <a:bodyPr/>
-                    <a:lstStyle/>
+                    <a:bodyPr lIns="68400" rIns="68400"/>
                     <a:p>
-                      <a:pPr algn="r" rtl="0" fontAlgn="ctr"/>
+                      <a:pPr algn="r">
+                        <a:lnSpc>
+                          <a:spcPct val="107000"/>
+                        </a:lnSpc>
+                      </a:pPr>
                       <a:r>
-                        <a:rPr lang="en-US" sz="1600" u="none" strike="noStrike">
+                        <a:rPr b="0" lang="de-DE" sz="1600" spc="-1" strike="noStrike">
                           <a:solidFill>
-                            <a:schemeClr val="tx1"/>
+                            <a:srgbClr val="000000"/>
                           </a:solidFill>
-                          <a:effectLst/>
+                          <a:latin typeface="Calibri"/>
                         </a:rPr>
-                        <a:t>10</a:t>
+                        <a:t>11</a:t>
                       </a:r>
-                      <a:endParaRPr lang="en-US" sz="1600" b="0" i="0" u="none" strike="noStrike">
-                        <a:solidFill>
-                          <a:schemeClr val="tx1"/>
-                        </a:solidFill>
-                        <a:effectLst/>
-                        <a:latin typeface="Calibri" panose="020F0502020204030204" pitchFamily="34" charset="0"/>
+                      <a:endParaRPr b="0" lang="de-DE" sz="1600" spc="-1" strike="noStrike">
+                        <a:latin typeface="Arial"/>
                       </a:endParaRPr>
                     </a:p>
                   </a:txBody>
-                  <a:tcPr marL="9510" marR="9510" marT="9510" marB="0" anchor="ctr">
+                  <a:tcPr marL="68400" marR="68400">
+                    <a:lnL w="12240">
+                      <a:solidFill>
+                        <a:srgbClr val="bd582c"/>
+                      </a:solidFill>
+                    </a:lnL>
+                    <a:lnR w="12240">
+                      <a:solidFill>
+                        <a:srgbClr val="bd582c"/>
+                      </a:solidFill>
+                    </a:lnR>
+                    <a:lnT w="12240">
+                      <a:solidFill>
+                        <a:srgbClr val="bd582c"/>
+                      </a:solidFill>
+                    </a:lnT>
+                    <a:lnB w="12240">
+                      <a:solidFill>
+                        <a:srgbClr val="bd582c"/>
+                      </a:solidFill>
+                    </a:lnB>
                     <a:solidFill>
-                      <a:schemeClr val="accent1">
-                        <a:lumMod val="60000"/>
-                        <a:lumOff val="40000"/>
-                      </a:schemeClr>
+                      <a:srgbClr val="deb0a8"/>
                     </a:solidFill>
                   </a:tcPr>
                 </a:tc>
                 <a:tc>
                   <a:txBody>
-                    <a:bodyPr/>
-                    <a:lstStyle/>
+                    <a:bodyPr lIns="68400" rIns="68400"/>
                     <a:p>
-                      <a:pPr algn="l" rtl="0" fontAlgn="ctr"/>
+                      <a:pPr>
+                        <a:lnSpc>
+                          <a:spcPct val="107000"/>
+                        </a:lnSpc>
+                      </a:pPr>
                       <a:r>
-                        <a:rPr lang="en-US" sz="1600" u="none" strike="noStrike" dirty="0" err="1">
+                        <a:rPr b="0" lang="de-DE" sz="1600" spc="-1" strike="noStrike">
                           <a:solidFill>
-                            <a:schemeClr val="tx1"/>
+                            <a:srgbClr val="000000"/>
                           </a:solidFill>
-                          <a:effectLst/>
+                          <a:latin typeface="Calibri"/>
                         </a:rPr>
-                        <a:t>Lern</a:t>
+                        <a:t>Fehlerdiagnose/Cleanup</a:t>
                       </a:r>
-                      <a:r>
-                        <a:rPr lang="en-US" sz="1600" u="none" strike="noStrike" dirty="0">
-                          <a:solidFill>
-                            <a:schemeClr val="tx1"/>
-                          </a:solidFill>
-                          <a:effectLst/>
-                        </a:rPr>
-                        <a:t> Zeit</a:t>
-                      </a:r>
-                      <a:endParaRPr lang="en-US" sz="1600" b="0" i="0" u="none" strike="noStrike" dirty="0">
-                        <a:solidFill>
-                          <a:schemeClr val="tx1"/>
-                        </a:solidFill>
-                        <a:effectLst/>
-                        <a:latin typeface="Calibri" panose="020F0502020204030204" pitchFamily="34" charset="0"/>
+                      <a:endParaRPr b="0" lang="de-DE" sz="1600" spc="-1" strike="noStrike">
+                        <a:latin typeface="Arial"/>
                       </a:endParaRPr>
                     </a:p>
                   </a:txBody>
-                  <a:tcPr marL="9510" marR="9510" marT="9510" marB="0" anchor="ctr">
+                  <a:tcPr marL="68400" marR="68400">
+                    <a:lnL w="12240">
+                      <a:solidFill>
+                        <a:srgbClr val="bd582c"/>
+                      </a:solidFill>
+                    </a:lnL>
+                    <a:lnR w="12240">
+                      <a:solidFill>
+                        <a:srgbClr val="bd582c"/>
+                      </a:solidFill>
+                    </a:lnR>
+                    <a:lnT w="12240">
+                      <a:solidFill>
+                        <a:srgbClr val="bd582c"/>
+                      </a:solidFill>
+                    </a:lnT>
+                    <a:lnB w="12240">
+                      <a:solidFill>
+                        <a:srgbClr val="bd582c"/>
+                      </a:solidFill>
+                    </a:lnB>
                     <a:solidFill>
-                      <a:schemeClr val="accent1"/>
+                      <a:srgbClr val="deb0a8"/>
                     </a:solidFill>
                   </a:tcPr>
                 </a:tc>
                 <a:tc>
                   <a:txBody>
-                    <a:bodyPr/>
-                    <a:lstStyle/>
+                    <a:bodyPr lIns="68400" rIns="68400"/>
                     <a:p>
-                      <a:pPr algn="r" rtl="0" fontAlgn="ctr"/>
+                      <a:pPr algn="r">
+                        <a:lnSpc>
+                          <a:spcPct val="107000"/>
+                        </a:lnSpc>
+                      </a:pPr>
                       <a:r>
-                        <a:rPr lang="en-US" sz="1600" u="none" strike="noStrike" dirty="0">
+                        <a:rPr b="0" lang="de-DE" sz="1600" spc="-1" strike="noStrike">
                           <a:solidFill>
-                            <a:schemeClr val="tx1"/>
+                            <a:srgbClr val="000000"/>
                           </a:solidFill>
-                          <a:effectLst/>
+                          <a:latin typeface="Calibri"/>
                         </a:rPr>
-                        <a:t>54</a:t>
+                        <a:t>53</a:t>
                       </a:r>
-                      <a:endParaRPr lang="en-US" sz="1600" b="0" i="0" u="none" strike="noStrike" dirty="0">
-                        <a:solidFill>
-                          <a:schemeClr val="tx1"/>
-                        </a:solidFill>
-                        <a:effectLst/>
-                        <a:latin typeface="Calibri" panose="020F0502020204030204" pitchFamily="34" charset="0"/>
+                      <a:endParaRPr b="0" lang="de-DE" sz="1600" spc="-1" strike="noStrike">
+                        <a:latin typeface="Arial"/>
                       </a:endParaRPr>
                     </a:p>
                   </a:txBody>
-                  <a:tcPr marL="9510" marR="9510" marT="9510" marB="0" anchor="ctr">
+                  <a:tcPr marL="68400" marR="68400">
+                    <a:lnL w="12240">
+                      <a:solidFill>
+                        <a:srgbClr val="bd582c"/>
+                      </a:solidFill>
+                    </a:lnL>
+                    <a:lnR w="12240">
+                      <a:solidFill>
+                        <a:srgbClr val="bd582c"/>
+                      </a:solidFill>
+                    </a:lnR>
+                    <a:lnT w="12240">
+                      <a:solidFill>
+                        <a:srgbClr val="bd582c"/>
+                      </a:solidFill>
+                    </a:lnT>
+                    <a:lnB w="12240">
+                      <a:solidFill>
+                        <a:srgbClr val="bd582c"/>
+                      </a:solidFill>
+                    </a:lnB>
                     <a:solidFill>
-                      <a:schemeClr val="accent1">
-                        <a:lumMod val="60000"/>
-                        <a:lumOff val="40000"/>
-                      </a:schemeClr>
+                      <a:srgbClr val="deb0a8"/>
                     </a:solidFill>
                   </a:tcPr>
                 </a:tc>
-                <a:extLst>
-                  <a:ext uri="{0D108BD9-81ED-4DB2-BD59-A6C34878D82A}">
-                    <a16:rowId xmlns:a16="http://schemas.microsoft.com/office/drawing/2014/main" val="3309808207"/>
-                  </a:ext>
-                </a:extLst>
               </a:tr>
-              <a:tr h="308771">
+              <a:tr h="336960">
                 <a:tc>
                   <a:txBody>
-                    <a:bodyPr/>
-                    <a:lstStyle/>
+                    <a:bodyPr lIns="68400" rIns="68400"/>
                     <a:p>
-                      <a:pPr algn="l" rtl="0" fontAlgn="ctr"/>
+                      <a:pPr>
+                        <a:lnSpc>
+                          <a:spcPct val="107000"/>
+                        </a:lnSpc>
+                      </a:pPr>
                       <a:r>
-                        <a:rPr lang="en-US" sz="1600" u="none" strike="noStrike">
+                        <a:rPr b="0" lang="de-DE" sz="1600" spc="-1" strike="noStrike">
                           <a:solidFill>
-                            <a:schemeClr val="tx1"/>
+                            <a:srgbClr val="000000"/>
                           </a:solidFill>
-                          <a:effectLst/>
+                          <a:latin typeface="Calibri"/>
                         </a:rPr>
-                        <a:t>PowerPoint</a:t>
+                        <a:t>Lern Zeit</a:t>
                       </a:r>
-                      <a:endParaRPr lang="en-US" sz="1600" b="1" i="0" u="none" strike="noStrike">
-                        <a:solidFill>
-                          <a:schemeClr val="tx1"/>
-                        </a:solidFill>
-                        <a:effectLst/>
-                        <a:latin typeface="Calibri" panose="020F0502020204030204" pitchFamily="34" charset="0"/>
+                      <a:endParaRPr b="0" lang="de-DE" sz="1600" spc="-1" strike="noStrike">
+                        <a:latin typeface="Arial"/>
                       </a:endParaRPr>
                     </a:p>
                   </a:txBody>
-                  <a:tcPr marL="9510" marR="9510" marT="9510" marB="0" anchor="ctr">
+                  <a:tcPr marL="68400" marR="68400">
+                    <a:lnL w="12240">
+                      <a:solidFill>
+                        <a:srgbClr val="bd582c"/>
+                      </a:solidFill>
+                    </a:lnL>
+                    <a:lnR w="15840">
+                      <a:solidFill>
+                        <a:srgbClr val="bd582c"/>
+                      </a:solidFill>
+                    </a:lnR>
+                    <a:lnT w="12240">
+                      <a:solidFill>
+                        <a:srgbClr val="bd582c"/>
+                      </a:solidFill>
+                    </a:lnT>
+                    <a:lnB w="12240">
+                      <a:solidFill>
+                        <a:srgbClr val="bd582c"/>
+                      </a:solidFill>
+                    </a:lnB>
                     <a:solidFill>
-                      <a:schemeClr val="accent1"/>
+                      <a:srgbClr val="d18d76"/>
                     </a:solidFill>
                   </a:tcPr>
                 </a:tc>
                 <a:tc>
                   <a:txBody>
-                    <a:bodyPr/>
-                    <a:lstStyle/>
+                    <a:bodyPr lIns="68400" rIns="68400"/>
                     <a:p>
-                      <a:pPr algn="r" rtl="0" fontAlgn="ctr"/>
+                      <a:pPr algn="r">
+                        <a:lnSpc>
+                          <a:spcPct val="107000"/>
+                        </a:lnSpc>
+                      </a:pPr>
                       <a:r>
-                        <a:rPr lang="en-US" sz="1600" u="none" strike="noStrike">
+                        <a:rPr b="0" lang="de-DE" sz="1600" spc="-1" strike="noStrike">
                           <a:solidFill>
-                            <a:schemeClr val="tx1"/>
+                            <a:srgbClr val="000000"/>
                           </a:solidFill>
-                          <a:effectLst/>
+                          <a:latin typeface="Calibri"/>
                         </a:rPr>
-                        <a:t>2</a:t>
+                        <a:t>26</a:t>
                       </a:r>
-                      <a:endParaRPr lang="en-US" sz="1600" b="0" i="0" u="none" strike="noStrike">
-                        <a:solidFill>
-                          <a:schemeClr val="tx1"/>
-                        </a:solidFill>
-                        <a:effectLst/>
-                        <a:latin typeface="Calibri" panose="020F0502020204030204" pitchFamily="34" charset="0"/>
+                      <a:endParaRPr b="0" lang="de-DE" sz="1600" spc="-1" strike="noStrike">
+                        <a:latin typeface="Arial"/>
                       </a:endParaRPr>
                     </a:p>
                   </a:txBody>
-                  <a:tcPr marL="9510" marR="9510" marT="9510" marB="0" anchor="ctr">
+                  <a:tcPr marL="68400" marR="68400">
+                    <a:lnL w="12240">
+                      <a:solidFill>
+                        <a:srgbClr val="bd582c"/>
+                      </a:solidFill>
+                    </a:lnL>
+                    <a:lnR w="12240">
+                      <a:solidFill>
+                        <a:srgbClr val="bd582c"/>
+                      </a:solidFill>
+                    </a:lnR>
+                    <a:lnT w="12240">
+                      <a:solidFill>
+                        <a:srgbClr val="bd582c"/>
+                      </a:solidFill>
+                    </a:lnT>
+                    <a:lnB w="12240">
+                      <a:solidFill>
+                        <a:srgbClr val="bd582c"/>
+                      </a:solidFill>
+                    </a:lnB>
                     <a:solidFill>
-                      <a:schemeClr val="accent1">
-                        <a:lumMod val="60000"/>
-                        <a:lumOff val="40000"/>
-                      </a:schemeClr>
+                      <a:srgbClr val="d18d76"/>
                     </a:solidFill>
                   </a:tcPr>
                 </a:tc>
                 <a:tc>
                   <a:txBody>
-                    <a:bodyPr/>
-                    <a:lstStyle/>
+                    <a:bodyPr lIns="68400" rIns="68400"/>
                     <a:p>
-                      <a:pPr algn="l" rtl="0" fontAlgn="ctr"/>
+                      <a:pPr>
+                        <a:lnSpc>
+                          <a:spcPct val="107000"/>
+                        </a:lnSpc>
+                      </a:pPr>
                       <a:r>
-                        <a:rPr lang="en-US" sz="1600" u="none" strike="noStrike">
+                        <a:rPr b="0" lang="de-DE" sz="1600" spc="-1" strike="noStrike">
                           <a:solidFill>
-                            <a:schemeClr val="tx1"/>
+                            <a:srgbClr val="000000"/>
                           </a:solidFill>
-                          <a:effectLst/>
+                          <a:latin typeface="Calibri"/>
                         </a:rPr>
-                        <a:t>PowerPoint</a:t>
+                        <a:t>Lern Zeit</a:t>
                       </a:r>
-                      <a:endParaRPr lang="en-US" sz="1600" b="0" i="0" u="none" strike="noStrike">
-                        <a:solidFill>
-                          <a:schemeClr val="tx1"/>
-                        </a:solidFill>
-                        <a:effectLst/>
-                        <a:latin typeface="Calibri" panose="020F0502020204030204" pitchFamily="34" charset="0"/>
+                      <a:endParaRPr b="0" lang="de-DE" sz="1600" spc="-1" strike="noStrike">
+                        <a:latin typeface="Arial"/>
                       </a:endParaRPr>
                     </a:p>
                   </a:txBody>
-                  <a:tcPr marL="9510" marR="9510" marT="9510" marB="0" anchor="ctr">
+                  <a:tcPr marL="68400" marR="68400">
+                    <a:lnL w="12240">
+                      <a:solidFill>
+                        <a:srgbClr val="bd582c"/>
+                      </a:solidFill>
+                    </a:lnL>
+                    <a:lnR w="12240">
+                      <a:solidFill>
+                        <a:srgbClr val="bd582c"/>
+                      </a:solidFill>
+                    </a:lnR>
+                    <a:lnT w="12240">
+                      <a:solidFill>
+                        <a:srgbClr val="bd582c"/>
+                      </a:solidFill>
+                    </a:lnT>
+                    <a:lnB w="12240">
+                      <a:solidFill>
+                        <a:srgbClr val="bd582c"/>
+                      </a:solidFill>
+                    </a:lnB>
                     <a:solidFill>
-                      <a:schemeClr val="accent1"/>
+                      <a:srgbClr val="d18d76"/>
                     </a:solidFill>
                   </a:tcPr>
                 </a:tc>
                 <a:tc>
                   <a:txBody>
-                    <a:bodyPr/>
-                    <a:lstStyle/>
+                    <a:bodyPr lIns="68400" rIns="68400"/>
                     <a:p>
-                      <a:pPr algn="r" rtl="0" fontAlgn="ctr"/>
+                      <a:pPr algn="r">
+                        <a:lnSpc>
+                          <a:spcPct val="107000"/>
+                        </a:lnSpc>
+                      </a:pPr>
                       <a:r>
-                        <a:rPr lang="en-US" sz="1600" u="none" strike="noStrike">
+                        <a:rPr b="0" lang="de-DE" sz="1600" spc="-1" strike="noStrike">
                           <a:solidFill>
-                            <a:schemeClr val="tx1"/>
+                            <a:srgbClr val="000000"/>
                           </a:solidFill>
-                          <a:effectLst/>
+                          <a:latin typeface="Calibri"/>
                         </a:rPr>
-                        <a:t>2</a:t>
+                        <a:t>10</a:t>
                       </a:r>
-                      <a:endParaRPr lang="en-US" sz="1600" b="0" i="0" u="none" strike="noStrike">
-                        <a:solidFill>
-                          <a:schemeClr val="tx1"/>
-                        </a:solidFill>
-                        <a:effectLst/>
-                        <a:latin typeface="Calibri" panose="020F0502020204030204" pitchFamily="34" charset="0"/>
+                      <a:endParaRPr b="0" lang="de-DE" sz="1600" spc="-1" strike="noStrike">
+                        <a:latin typeface="Arial"/>
                       </a:endParaRPr>
                     </a:p>
                   </a:txBody>
-                  <a:tcPr marL="9510" marR="9510" marT="9510" marB="0" anchor="ctr">
+                  <a:tcPr marL="68400" marR="68400">
+                    <a:lnL w="12240">
+                      <a:solidFill>
+                        <a:srgbClr val="bd582c"/>
+                      </a:solidFill>
+                    </a:lnL>
+                    <a:lnR w="12240">
+                      <a:solidFill>
+                        <a:srgbClr val="bd582c"/>
+                      </a:solidFill>
+                    </a:lnR>
+                    <a:lnT w="12240">
+                      <a:solidFill>
+                        <a:srgbClr val="bd582c"/>
+                      </a:solidFill>
+                    </a:lnT>
+                    <a:lnB w="12240">
+                      <a:solidFill>
+                        <a:srgbClr val="bd582c"/>
+                      </a:solidFill>
+                    </a:lnB>
                     <a:solidFill>
-                      <a:schemeClr val="accent1">
-                        <a:lumMod val="60000"/>
-                        <a:lumOff val="40000"/>
-                      </a:schemeClr>
+                      <a:srgbClr val="d18d76"/>
                     </a:solidFill>
                   </a:tcPr>
                 </a:tc>
                 <a:tc>
                   <a:txBody>
-                    <a:bodyPr/>
-                    <a:lstStyle/>
+                    <a:bodyPr lIns="68400" rIns="68400"/>
                     <a:p>
-                      <a:pPr algn="l" rtl="0" fontAlgn="ctr"/>
+                      <a:pPr>
+                        <a:lnSpc>
+                          <a:spcPct val="107000"/>
+                        </a:lnSpc>
+                      </a:pPr>
                       <a:r>
-                        <a:rPr lang="en-US" sz="1600" u="none" strike="noStrike" dirty="0">
+                        <a:rPr b="0" lang="de-DE" sz="1600" spc="-1" strike="noStrike">
                           <a:solidFill>
-                            <a:schemeClr val="tx1"/>
+                            <a:srgbClr val="000000"/>
                           </a:solidFill>
-                          <a:effectLst/>
+                          <a:latin typeface="Calibri"/>
                         </a:rPr>
-                        <a:t>PowerPoint</a:t>
+                        <a:t>Lern Zeit</a:t>
                       </a:r>
-                      <a:endParaRPr lang="en-US" sz="1600" b="0" i="0" u="none" strike="noStrike" dirty="0">
-                        <a:solidFill>
-                          <a:schemeClr val="tx1"/>
-                        </a:solidFill>
-                        <a:effectLst/>
-                        <a:latin typeface="Calibri" panose="020F0502020204030204" pitchFamily="34" charset="0"/>
+                      <a:endParaRPr b="0" lang="de-DE" sz="1600" spc="-1" strike="noStrike">
+                        <a:latin typeface="Arial"/>
                       </a:endParaRPr>
                     </a:p>
                   </a:txBody>
-                  <a:tcPr marL="9510" marR="9510" marT="9510" marB="0" anchor="ctr">
+                  <a:tcPr marL="68400" marR="68400">
+                    <a:lnL w="12240">
+                      <a:solidFill>
+                        <a:srgbClr val="bd582c"/>
+                      </a:solidFill>
+                    </a:lnL>
+                    <a:lnR w="12240">
+                      <a:solidFill>
+                        <a:srgbClr val="bd582c"/>
+                      </a:solidFill>
+                    </a:lnR>
+                    <a:lnT w="12240">
+                      <a:solidFill>
+                        <a:srgbClr val="bd582c"/>
+                      </a:solidFill>
+                    </a:lnT>
+                    <a:lnB w="12240">
+                      <a:solidFill>
+                        <a:srgbClr val="bd582c"/>
+                      </a:solidFill>
+                    </a:lnB>
                     <a:solidFill>
-                      <a:schemeClr val="accent1"/>
+                      <a:srgbClr val="d18d76"/>
                     </a:solidFill>
                   </a:tcPr>
                 </a:tc>
                 <a:tc>
                   <a:txBody>
-                    <a:bodyPr/>
-                    <a:lstStyle/>
+                    <a:bodyPr lIns="68400" rIns="68400"/>
                     <a:p>
-                      <a:pPr algn="r" rtl="0" fontAlgn="ctr"/>
+                      <a:pPr algn="r">
+                        <a:lnSpc>
+                          <a:spcPct val="107000"/>
+                        </a:lnSpc>
+                      </a:pPr>
                       <a:r>
-                        <a:rPr lang="en-US" sz="1600" u="none" strike="noStrike" dirty="0">
+                        <a:rPr b="0" lang="de-DE" sz="1600" spc="-1" strike="noStrike">
                           <a:solidFill>
-                            <a:schemeClr val="tx1"/>
+                            <a:srgbClr val="000000"/>
                           </a:solidFill>
-                          <a:effectLst/>
+                          <a:latin typeface="Calibri"/>
                         </a:rPr>
-                        <a:t>2</a:t>
+                        <a:t>54</a:t>
                       </a:r>
-                      <a:endParaRPr lang="en-US" sz="1600" b="0" i="0" u="none" strike="noStrike" dirty="0">
-                        <a:solidFill>
-                          <a:schemeClr val="tx1"/>
-                        </a:solidFill>
-                        <a:effectLst/>
-                        <a:latin typeface="Calibri" panose="020F0502020204030204" pitchFamily="34" charset="0"/>
+                      <a:endParaRPr b="0" lang="de-DE" sz="1600" spc="-1" strike="noStrike">
+                        <a:latin typeface="Arial"/>
                       </a:endParaRPr>
                     </a:p>
                   </a:txBody>
-                  <a:tcPr marL="9510" marR="9510" marT="9510" marB="0" anchor="ctr">
+                  <a:tcPr marL="68400" marR="68400">
+                    <a:lnL w="12240">
+                      <a:solidFill>
+                        <a:srgbClr val="bd582c"/>
+                      </a:solidFill>
+                    </a:lnL>
+                    <a:lnR w="12240">
+                      <a:solidFill>
+                        <a:srgbClr val="bd582c"/>
+                      </a:solidFill>
+                    </a:lnR>
+                    <a:lnT w="12240">
+                      <a:solidFill>
+                        <a:srgbClr val="bd582c"/>
+                      </a:solidFill>
+                    </a:lnT>
+                    <a:lnB w="12240">
+                      <a:solidFill>
+                        <a:srgbClr val="bd582c"/>
+                      </a:solidFill>
+                    </a:lnB>
                     <a:solidFill>
-                      <a:schemeClr val="accent1">
-                        <a:lumMod val="60000"/>
-                        <a:lumOff val="40000"/>
-                      </a:schemeClr>
+                      <a:srgbClr val="d18d76"/>
                     </a:solidFill>
                   </a:tcPr>
                 </a:tc>
-                <a:extLst>
-                  <a:ext uri="{0D108BD9-81ED-4DB2-BD59-A6C34878D82A}">
-                    <a16:rowId xmlns:a16="http://schemas.microsoft.com/office/drawing/2014/main" val="1976560550"/>
-                  </a:ext>
-                </a:extLst>
               </a:tr>
-              <a:tr h="93358">
+              <a:tr h="336960">
                 <a:tc>
                   <a:txBody>
-                    <a:bodyPr/>
-                    <a:lstStyle/>
+                    <a:bodyPr lIns="68400" rIns="68400"/>
                     <a:p>
-                      <a:pPr algn="l" rtl="0" fontAlgn="ctr"/>
+                      <a:pPr>
+                        <a:lnSpc>
+                          <a:spcPct val="107000"/>
+                        </a:lnSpc>
+                      </a:pPr>
                       <a:r>
-                        <a:rPr lang="en-US" sz="400" u="none" strike="noStrike">
+                        <a:rPr b="0" lang="de-DE" sz="1600" spc="-1" strike="noStrike">
                           <a:solidFill>
-                            <a:schemeClr val="tx1"/>
+                            <a:srgbClr val="000000"/>
                           </a:solidFill>
-                          <a:effectLst/>
+                          <a:latin typeface="Calibri"/>
                         </a:rPr>
-                        <a:t> </a:t>
+                        <a:t>PowerPoint</a:t>
                       </a:r>
-                      <a:endParaRPr lang="en-US" sz="400" b="1" i="0" u="none" strike="noStrike">
-                        <a:solidFill>
-                          <a:schemeClr val="tx1"/>
-                        </a:solidFill>
-                        <a:effectLst/>
-                        <a:latin typeface="Calibri" panose="020F0502020204030204" pitchFamily="34" charset="0"/>
+                      <a:endParaRPr b="0" lang="de-DE" sz="1600" spc="-1" strike="noStrike">
+                        <a:latin typeface="Arial"/>
                       </a:endParaRPr>
                     </a:p>
                   </a:txBody>
-                  <a:tcPr marL="9510" marR="9510" marT="9510" marB="0" anchor="ctr">
+                  <a:tcPr marL="68400" marR="68400">
+                    <a:lnL w="12240">
+                      <a:solidFill>
+                        <a:srgbClr val="bd582c"/>
+                      </a:solidFill>
+                    </a:lnL>
+                    <a:lnR w="15840">
+                      <a:solidFill>
+                        <a:srgbClr val="bd582c"/>
+                      </a:solidFill>
+                    </a:lnR>
+                    <a:lnT w="12240">
+                      <a:solidFill>
+                        <a:srgbClr val="bd582c"/>
+                      </a:solidFill>
+                    </a:lnT>
+                    <a:lnB w="12240">
+                      <a:solidFill>
+                        <a:srgbClr val="bd582c"/>
+                      </a:solidFill>
+                    </a:lnB>
                     <a:solidFill>
-                      <a:schemeClr val="accent1"/>
+                      <a:srgbClr val="deb0a8"/>
                     </a:solidFill>
                   </a:tcPr>
                 </a:tc>
                 <a:tc>
                   <a:txBody>
-                    <a:bodyPr/>
-                    <a:lstStyle/>
+                    <a:bodyPr lIns="68400" rIns="68400"/>
                     <a:p>
-                      <a:pPr algn="l" rtl="0" fontAlgn="ctr"/>
+                      <a:pPr algn="r">
+                        <a:lnSpc>
+                          <a:spcPct val="107000"/>
+                        </a:lnSpc>
+                      </a:pPr>
                       <a:r>
-                        <a:rPr lang="en-US" sz="400" u="none" strike="noStrike" dirty="0">
+                        <a:rPr b="0" lang="de-DE" sz="1600" spc="-1" strike="noStrike">
                           <a:solidFill>
-                            <a:schemeClr val="tx1"/>
+                            <a:srgbClr val="000000"/>
                           </a:solidFill>
-                          <a:effectLst/>
+                          <a:latin typeface="Calibri"/>
                         </a:rPr>
-                        <a:t> </a:t>
+                        <a:t>2</a:t>
                       </a:r>
-                      <a:endParaRPr lang="en-US" sz="400" b="0" i="0" u="none" strike="noStrike" dirty="0">
-                        <a:solidFill>
-                          <a:schemeClr val="tx1"/>
-                        </a:solidFill>
-                        <a:effectLst/>
-                        <a:latin typeface="Calibri" panose="020F0502020204030204" pitchFamily="34" charset="0"/>
+                      <a:endParaRPr b="0" lang="de-DE" sz="1600" spc="-1" strike="noStrike">
+                        <a:latin typeface="Arial"/>
                       </a:endParaRPr>
                     </a:p>
                   </a:txBody>
-                  <a:tcPr marL="9510" marR="9510" marT="9510" marB="0" anchor="ctr">
+                  <a:tcPr marL="68400" marR="68400">
+                    <a:lnL w="12240">
+                      <a:solidFill>
+                        <a:srgbClr val="bd582c"/>
+                      </a:solidFill>
+                    </a:lnL>
+                    <a:lnR w="12240">
+                      <a:solidFill>
+                        <a:srgbClr val="bd582c"/>
+                      </a:solidFill>
+                    </a:lnR>
+                    <a:lnT w="12240">
+                      <a:solidFill>
+                        <a:srgbClr val="bd582c"/>
+                      </a:solidFill>
+                    </a:lnT>
+                    <a:lnB w="12240">
+                      <a:solidFill>
+                        <a:srgbClr val="bd582c"/>
+                      </a:solidFill>
+                    </a:lnB>
                     <a:solidFill>
-                      <a:schemeClr val="accent1">
-                        <a:lumMod val="60000"/>
-                        <a:lumOff val="40000"/>
-                      </a:schemeClr>
+                      <a:srgbClr val="deb0a8"/>
                     </a:solidFill>
                   </a:tcPr>
                 </a:tc>
                 <a:tc>
                   <a:txBody>
-                    <a:bodyPr/>
-                    <a:lstStyle/>
+                    <a:bodyPr lIns="68400" rIns="68400"/>
                     <a:p>
-                      <a:pPr algn="l" rtl="0" fontAlgn="ctr"/>
+                      <a:pPr>
+                        <a:lnSpc>
+                          <a:spcPct val="107000"/>
+                        </a:lnSpc>
+                      </a:pPr>
                       <a:r>
-                        <a:rPr lang="en-US" sz="400" u="none" strike="noStrike">
+                        <a:rPr b="0" lang="de-DE" sz="1600" spc="-1" strike="noStrike">
                           <a:solidFill>
-                            <a:schemeClr val="tx1"/>
+                            <a:srgbClr val="000000"/>
                           </a:solidFill>
-                          <a:effectLst/>
+                          <a:latin typeface="Calibri"/>
                         </a:rPr>
-                        <a:t> </a:t>
+                        <a:t>PowerPoint</a:t>
                       </a:r>
-                      <a:endParaRPr lang="en-US" sz="400" b="0" i="0" u="none" strike="noStrike">
-                        <a:solidFill>
-                          <a:schemeClr val="tx1"/>
-                        </a:solidFill>
-                        <a:effectLst/>
-                        <a:latin typeface="Calibri" panose="020F0502020204030204" pitchFamily="34" charset="0"/>
+                      <a:endParaRPr b="0" lang="de-DE" sz="1600" spc="-1" strike="noStrike">
+                        <a:latin typeface="Arial"/>
                       </a:endParaRPr>
                     </a:p>
                   </a:txBody>
-                  <a:tcPr marL="9510" marR="9510" marT="9510" marB="0" anchor="ctr">
+                  <a:tcPr marL="68400" marR="68400">
+                    <a:lnL w="12240">
+                      <a:solidFill>
+                        <a:srgbClr val="bd582c"/>
+                      </a:solidFill>
+                    </a:lnL>
+                    <a:lnR w="12240">
+                      <a:solidFill>
+                        <a:srgbClr val="bd582c"/>
+                      </a:solidFill>
+                    </a:lnR>
+                    <a:lnT w="12240">
+                      <a:solidFill>
+                        <a:srgbClr val="bd582c"/>
+                      </a:solidFill>
+                    </a:lnT>
+                    <a:lnB w="12240">
+                      <a:solidFill>
+                        <a:srgbClr val="bd582c"/>
+                      </a:solidFill>
+                    </a:lnB>
                     <a:solidFill>
-                      <a:schemeClr val="accent1"/>
+                      <a:srgbClr val="deb0a8"/>
                     </a:solidFill>
                   </a:tcPr>
                 </a:tc>
                 <a:tc>
                   <a:txBody>
-                    <a:bodyPr/>
-                    <a:lstStyle/>
+                    <a:bodyPr lIns="68400" rIns="68400"/>
                     <a:p>
-                      <a:pPr algn="l" rtl="0" fontAlgn="ctr"/>
+                      <a:pPr algn="r">
+                        <a:lnSpc>
+                          <a:spcPct val="107000"/>
+                        </a:lnSpc>
+                      </a:pPr>
                       <a:r>
-                        <a:rPr lang="en-US" sz="400" u="none" strike="noStrike">
+                        <a:rPr b="0" lang="de-DE" sz="1600" spc="-1" strike="noStrike">
                           <a:solidFill>
-                            <a:schemeClr val="tx1"/>
+                            <a:srgbClr val="000000"/>
                           </a:solidFill>
-                          <a:effectLst/>
+                          <a:latin typeface="Calibri"/>
                         </a:rPr>
-                        <a:t> </a:t>
+                        <a:t>2</a:t>
                       </a:r>
-                      <a:endParaRPr lang="en-US" sz="400" b="0" i="0" u="none" strike="noStrike">
-                        <a:solidFill>
-                          <a:schemeClr val="tx1"/>
-                        </a:solidFill>
-                        <a:effectLst/>
-                        <a:latin typeface="Calibri" panose="020F0502020204030204" pitchFamily="34" charset="0"/>
+                      <a:endParaRPr b="0" lang="de-DE" sz="1600" spc="-1" strike="noStrike">
+                        <a:latin typeface="Arial"/>
                       </a:endParaRPr>
                     </a:p>
                   </a:txBody>
-                  <a:tcPr marL="9510" marR="9510" marT="9510" marB="0" anchor="ctr">
+                  <a:tcPr marL="68400" marR="68400">
+                    <a:lnL w="12240">
+                      <a:solidFill>
+                        <a:srgbClr val="bd582c"/>
+                      </a:solidFill>
+                    </a:lnL>
+                    <a:lnR w="12240">
+                      <a:solidFill>
+                        <a:srgbClr val="bd582c"/>
+                      </a:solidFill>
+                    </a:lnR>
+                    <a:lnT w="12240">
+                      <a:solidFill>
+                        <a:srgbClr val="bd582c"/>
+                      </a:solidFill>
+                    </a:lnT>
+                    <a:lnB w="12240">
+                      <a:solidFill>
+                        <a:srgbClr val="bd582c"/>
+                      </a:solidFill>
+                    </a:lnB>
                     <a:solidFill>
-                      <a:schemeClr val="accent1">
-                        <a:lumMod val="60000"/>
-                        <a:lumOff val="40000"/>
-                      </a:schemeClr>
+                      <a:srgbClr val="deb0a8"/>
                     </a:solidFill>
                   </a:tcPr>
                 </a:tc>
                 <a:tc>
                   <a:txBody>
-                    <a:bodyPr/>
-                    <a:lstStyle/>
+                    <a:bodyPr lIns="68400" rIns="68400"/>
                     <a:p>
-                      <a:pPr algn="l" rtl="0" fontAlgn="ctr"/>
+                      <a:pPr>
+                        <a:lnSpc>
+                          <a:spcPct val="107000"/>
+                        </a:lnSpc>
+                      </a:pPr>
                       <a:r>
-                        <a:rPr lang="en-US" sz="400" u="none" strike="noStrike" dirty="0">
+                        <a:rPr b="0" lang="de-DE" sz="1600" spc="-1" strike="noStrike">
                           <a:solidFill>
-                            <a:schemeClr val="tx1"/>
+                            <a:srgbClr val="000000"/>
                           </a:solidFill>
-                          <a:effectLst/>
+                          <a:latin typeface="Calibri"/>
                         </a:rPr>
-                        <a:t> </a:t>
+                        <a:t>PowerPoint</a:t>
                       </a:r>
-                      <a:endParaRPr lang="en-US" sz="400" b="0" i="0" u="none" strike="noStrike" dirty="0">
-                        <a:solidFill>
-                          <a:schemeClr val="tx1"/>
-                        </a:solidFill>
-                        <a:effectLst/>
-                        <a:latin typeface="Calibri" panose="020F0502020204030204" pitchFamily="34" charset="0"/>
+                      <a:endParaRPr b="0" lang="de-DE" sz="1600" spc="-1" strike="noStrike">
+                        <a:latin typeface="Arial"/>
                       </a:endParaRPr>
                     </a:p>
                   </a:txBody>
-                  <a:tcPr marL="9510" marR="9510" marT="9510" marB="0" anchor="ctr">
+                  <a:tcPr marL="68400" marR="68400">
+                    <a:lnL w="12240">
+                      <a:solidFill>
+                        <a:srgbClr val="bd582c"/>
+                      </a:solidFill>
+                    </a:lnL>
+                    <a:lnR w="12240">
+                      <a:solidFill>
+                        <a:srgbClr val="bd582c"/>
+                      </a:solidFill>
+                    </a:lnR>
+                    <a:lnT w="12240">
+                      <a:solidFill>
+                        <a:srgbClr val="bd582c"/>
+                      </a:solidFill>
+                    </a:lnT>
+                    <a:lnB w="12240">
+                      <a:solidFill>
+                        <a:srgbClr val="bd582c"/>
+                      </a:solidFill>
+                    </a:lnB>
                     <a:solidFill>
-                      <a:schemeClr val="accent1"/>
+                      <a:srgbClr val="deb0a8"/>
                     </a:solidFill>
                   </a:tcPr>
                 </a:tc>
                 <a:tc>
                   <a:txBody>
-                    <a:bodyPr/>
-                    <a:lstStyle/>
+                    <a:bodyPr lIns="68400" rIns="68400"/>
                     <a:p>
-                      <a:pPr algn="l" rtl="0" fontAlgn="ctr"/>
+                      <a:pPr algn="r">
+                        <a:lnSpc>
+                          <a:spcPct val="107000"/>
+                        </a:lnSpc>
+                      </a:pPr>
                       <a:r>
-                        <a:rPr lang="en-US" sz="400" u="none" strike="noStrike" dirty="0">
+                        <a:rPr b="0" lang="de-DE" sz="1600" spc="-1" strike="noStrike">
                           <a:solidFill>
-                            <a:schemeClr val="tx1"/>
+                            <a:srgbClr val="000000"/>
                           </a:solidFill>
-                          <a:effectLst/>
+                          <a:latin typeface="Calibri"/>
                         </a:rPr>
-                        <a:t> </a:t>
+                        <a:t>2</a:t>
                       </a:r>
-                      <a:endParaRPr lang="en-US" sz="400" b="0" i="0" u="none" strike="noStrike" dirty="0">
-                        <a:solidFill>
-                          <a:schemeClr val="tx1"/>
-                        </a:solidFill>
-                        <a:effectLst/>
-                        <a:latin typeface="Calibri" panose="020F0502020204030204" pitchFamily="34" charset="0"/>
+                      <a:endParaRPr b="0" lang="de-DE" sz="1600" spc="-1" strike="noStrike">
+                        <a:latin typeface="Arial"/>
                       </a:endParaRPr>
                     </a:p>
                   </a:txBody>
-                  <a:tcPr marL="9510" marR="9510" marT="9510" marB="0" anchor="ctr">
+                  <a:tcPr marL="68400" marR="68400">
+                    <a:lnL w="12240">
+                      <a:solidFill>
+                        <a:srgbClr val="bd582c"/>
+                      </a:solidFill>
+                    </a:lnL>
+                    <a:lnR w="12240">
+                      <a:solidFill>
+                        <a:srgbClr val="bd582c"/>
+                      </a:solidFill>
+                    </a:lnR>
+                    <a:lnT w="12240">
+                      <a:solidFill>
+                        <a:srgbClr val="bd582c"/>
+                      </a:solidFill>
+                    </a:lnT>
+                    <a:lnB w="12240">
+                      <a:solidFill>
+                        <a:srgbClr val="bd582c"/>
+                      </a:solidFill>
+                    </a:lnB>
                     <a:solidFill>
-                      <a:schemeClr val="accent1">
-                        <a:lumMod val="60000"/>
-                        <a:lumOff val="40000"/>
-                      </a:schemeClr>
+                      <a:srgbClr val="deb0a8"/>
                     </a:solidFill>
                   </a:tcPr>
                 </a:tc>
-                <a:extLst>
-                  <a:ext uri="{0D108BD9-81ED-4DB2-BD59-A6C34878D82A}">
-                    <a16:rowId xmlns:a16="http://schemas.microsoft.com/office/drawing/2014/main" val="2361587163"/>
-                  </a:ext>
-                </a:extLst>
               </a:tr>
-              <a:tr h="308771">
+              <a:tr h="145440">
                 <a:tc>
-                  <a:txBody>
-                    <a:bodyPr/>
-                    <a:lstStyle/>
-                    <a:p>
-                      <a:pPr algn="l" rtl="0" fontAlgn="ctr"/>
-                      <a:r>
-                        <a:rPr lang="de-DE" sz="1600" u="none" strike="noStrike" noProof="0" dirty="0">
-                          <a:solidFill>
-                            <a:schemeClr val="tx1"/>
-                          </a:solidFill>
-                          <a:effectLst/>
-                        </a:rPr>
-                        <a:t>Gesamtzeit</a:t>
-                      </a:r>
-                      <a:endParaRPr lang="de-DE" sz="1600" b="1" i="0" u="none" strike="noStrike" noProof="0" dirty="0">
-                        <a:solidFill>
-                          <a:schemeClr val="tx1"/>
-                        </a:solidFill>
-                        <a:effectLst/>
-                        <a:latin typeface="Calibri" panose="020F0502020204030204" pitchFamily="34" charset="0"/>
-                      </a:endParaRPr>
-                    </a:p>
-                  </a:txBody>
-                  <a:tcPr marL="9510" marR="9510" marT="9510" marB="0" anchor="ctr">
+                  <a:tcPr marL="68400" marR="68400">
+                    <a:lnL w="12240">
+                      <a:solidFill>
+                        <a:srgbClr val="bd582c"/>
+                      </a:solidFill>
+                    </a:lnL>
+                    <a:lnR w="12240">
+                      <a:solidFill>
+                        <a:srgbClr val="bd582c"/>
+                      </a:solidFill>
+                    </a:lnR>
+                    <a:lnT w="12240">
+                      <a:solidFill>
+                        <a:srgbClr val="bd582c"/>
+                      </a:solidFill>
+                    </a:lnT>
+                    <a:lnB w="12240">
+                      <a:solidFill>
+                        <a:srgbClr val="bd582c"/>
+                      </a:solidFill>
+                    </a:lnB>
                     <a:solidFill>
-                      <a:schemeClr val="accent1"/>
+                      <a:srgbClr val="d18d76"/>
                     </a:solidFill>
                   </a:tcPr>
                 </a:tc>
                 <a:tc>
                   <a:txBody>
-                    <a:bodyPr/>
-                    <a:lstStyle/>
+                    <a:bodyPr lIns="68400" rIns="68400"/>
                     <a:p>
-                      <a:pPr algn="r" rtl="0" fontAlgn="ctr"/>
+                      <a:pPr>
+                        <a:lnSpc>
+                          <a:spcPct val="107000"/>
+                        </a:lnSpc>
+                      </a:pPr>
                       <a:r>
-                        <a:rPr lang="en-US" sz="1600" u="none" strike="noStrike" dirty="0">
+                        <a:rPr b="0" lang="de-DE" sz="400" spc="-1" strike="noStrike">
                           <a:solidFill>
-                            <a:schemeClr val="tx1"/>
+                            <a:srgbClr val="000000"/>
                           </a:solidFill>
-                          <a:effectLst/>
+                          <a:latin typeface="Calibri"/>
                         </a:rPr>
-                        <a:t>117</a:t>
+                        <a:t> </a:t>
                       </a:r>
-                      <a:endParaRPr lang="en-US" sz="1600" b="0" i="0" u="none" strike="noStrike" dirty="0">
-                        <a:solidFill>
-                          <a:schemeClr val="tx1"/>
-                        </a:solidFill>
-                        <a:effectLst/>
-                        <a:latin typeface="Calibri" panose="020F0502020204030204" pitchFamily="34" charset="0"/>
+                      <a:endParaRPr b="0" lang="de-DE" sz="400" spc="-1" strike="noStrike">
+                        <a:latin typeface="Arial"/>
                       </a:endParaRPr>
                     </a:p>
                   </a:txBody>
-                  <a:tcPr marL="9510" marR="9510" marT="9510" marB="0" anchor="ctr">
+                  <a:tcPr marL="68400" marR="68400">
+                    <a:lnL w="12240">
+                      <a:solidFill>
+                        <a:srgbClr val="bd582c"/>
+                      </a:solidFill>
+                    </a:lnL>
+                    <a:lnR w="12240">
+                      <a:solidFill>
+                        <a:srgbClr val="bd582c"/>
+                      </a:solidFill>
+                    </a:lnR>
+                    <a:lnT w="12240">
+                      <a:solidFill>
+                        <a:srgbClr val="bd582c"/>
+                      </a:solidFill>
+                    </a:lnT>
+                    <a:lnB w="12240">
+                      <a:solidFill>
+                        <a:srgbClr val="bd582c"/>
+                      </a:solidFill>
+                    </a:lnB>
                     <a:solidFill>
-                      <a:schemeClr val="accent1">
-                        <a:lumMod val="60000"/>
-                        <a:lumOff val="40000"/>
-                      </a:schemeClr>
+                      <a:srgbClr val="d18d76"/>
+                    </a:solidFill>
+                  </a:tcPr>
+                </a:tc>
+                <a:tc>
+                  <a:tcPr marL="68400" marR="68400">
+                    <a:lnL w="12240">
+                      <a:solidFill>
+                        <a:srgbClr val="bd582c"/>
+                      </a:solidFill>
+                    </a:lnL>
+                    <a:lnR w="12240">
+                      <a:solidFill>
+                        <a:srgbClr val="bd582c"/>
+                      </a:solidFill>
+                    </a:lnR>
+                    <a:lnT w="12240">
+                      <a:solidFill>
+                        <a:srgbClr val="bd582c"/>
+                      </a:solidFill>
+                    </a:lnT>
+                    <a:lnB w="12240">
+                      <a:solidFill>
+                        <a:srgbClr val="bd582c"/>
+                      </a:solidFill>
+                    </a:lnB>
+                    <a:solidFill>
+                      <a:srgbClr val="d18d76"/>
                     </a:solidFill>
                   </a:tcPr>
                 </a:tc>
                 <a:tc>
                   <a:txBody>
-                    <a:bodyPr/>
-                    <a:lstStyle/>
+                    <a:bodyPr lIns="68400" rIns="68400"/>
                     <a:p>
-                      <a:pPr algn="l" rtl="0" fontAlgn="ctr"/>
+                      <a:pPr>
+                        <a:lnSpc>
+                          <a:spcPct val="107000"/>
+                        </a:lnSpc>
+                      </a:pPr>
                       <a:r>
-                        <a:rPr lang="en-US" sz="1600" u="none" strike="noStrike">
+                        <a:rPr b="0" lang="de-DE" sz="400" spc="-1" strike="noStrike">
                           <a:solidFill>
-                            <a:schemeClr val="tx1"/>
+                            <a:srgbClr val="000000"/>
                           </a:solidFill>
-                          <a:effectLst/>
+                          <a:latin typeface="Calibri"/>
                         </a:rPr>
-                        <a:t>Gesamtzeit</a:t>
+                        <a:t> </a:t>
                       </a:r>
-                      <a:endParaRPr lang="en-US" sz="1600" b="0" i="0" u="none" strike="noStrike">
-                        <a:solidFill>
-                          <a:schemeClr val="tx1"/>
-                        </a:solidFill>
-                        <a:effectLst/>
-                        <a:latin typeface="Calibri" panose="020F0502020204030204" pitchFamily="34" charset="0"/>
+                      <a:endParaRPr b="0" lang="de-DE" sz="400" spc="-1" strike="noStrike">
+                        <a:latin typeface="Arial"/>
                       </a:endParaRPr>
                     </a:p>
                   </a:txBody>
-                  <a:tcPr marL="9510" marR="9510" marT="9510" marB="0" anchor="ctr">
+                  <a:tcPr marL="68400" marR="68400">
+                    <a:lnL w="12240">
+                      <a:solidFill>
+                        <a:srgbClr val="bd582c"/>
+                      </a:solidFill>
+                    </a:lnL>
+                    <a:lnR w="12240">
+                      <a:solidFill>
+                        <a:srgbClr val="bd582c"/>
+                      </a:solidFill>
+                    </a:lnR>
+                    <a:lnT w="12240">
+                      <a:solidFill>
+                        <a:srgbClr val="bd582c"/>
+                      </a:solidFill>
+                    </a:lnT>
+                    <a:lnB w="12240">
+                      <a:solidFill>
+                        <a:srgbClr val="bd582c"/>
+                      </a:solidFill>
+                    </a:lnB>
                     <a:solidFill>
-                      <a:schemeClr val="accent1"/>
+                      <a:srgbClr val="d18d76"/>
                     </a:solidFill>
                   </a:tcPr>
                 </a:tc>
                 <a:tc>
                   <a:txBody>
-                    <a:bodyPr/>
-                    <a:lstStyle/>
+                    <a:bodyPr lIns="68400" rIns="68400"/>
                     <a:p>
-                      <a:pPr algn="r" rtl="0" fontAlgn="ctr"/>
+                      <a:pPr>
+                        <a:lnSpc>
+                          <a:spcPct val="107000"/>
+                        </a:lnSpc>
+                      </a:pPr>
                       <a:r>
-                        <a:rPr lang="en-US" sz="1600" u="none" strike="noStrike" dirty="0">
+                        <a:rPr b="0" lang="de-DE" sz="400" spc="-1" strike="noStrike">
                           <a:solidFill>
-                            <a:schemeClr val="tx1"/>
+                            <a:srgbClr val="000000"/>
                           </a:solidFill>
-                          <a:effectLst/>
+                          <a:latin typeface="Calibri"/>
                         </a:rPr>
-                        <a:t>73</a:t>
+                        <a:t> </a:t>
                       </a:r>
-                      <a:endParaRPr lang="en-US" sz="1600" b="0" i="0" u="none" strike="noStrike" dirty="0">
-                        <a:solidFill>
-                          <a:schemeClr val="tx1"/>
-                        </a:solidFill>
-                        <a:effectLst/>
-                        <a:latin typeface="Calibri" panose="020F0502020204030204" pitchFamily="34" charset="0"/>
+                      <a:endParaRPr b="0" lang="de-DE" sz="400" spc="-1" strike="noStrike">
+                        <a:latin typeface="Arial"/>
                       </a:endParaRPr>
                     </a:p>
                   </a:txBody>
-                  <a:tcPr marL="9510" marR="9510" marT="9510" marB="0" anchor="ctr">
+                  <a:tcPr marL="68400" marR="68400">
+                    <a:lnL w="12240">
+                      <a:solidFill>
+                        <a:srgbClr val="bd582c"/>
+                      </a:solidFill>
+                    </a:lnL>
+                    <a:lnR w="12240">
+                      <a:solidFill>
+                        <a:srgbClr val="bd582c"/>
+                      </a:solidFill>
+                    </a:lnR>
+                    <a:lnT w="12240">
+                      <a:solidFill>
+                        <a:srgbClr val="bd582c"/>
+                      </a:solidFill>
+                    </a:lnT>
+                    <a:lnB w="12240">
+                      <a:solidFill>
+                        <a:srgbClr val="bd582c"/>
+                      </a:solidFill>
+                    </a:lnB>
                     <a:solidFill>
-                      <a:schemeClr val="accent1">
-                        <a:lumMod val="60000"/>
-                        <a:lumOff val="40000"/>
-                      </a:schemeClr>
+                      <a:srgbClr val="d18d76"/>
                     </a:solidFill>
                   </a:tcPr>
                 </a:tc>
                 <a:tc>
                   <a:txBody>
-                    <a:bodyPr/>
-                    <a:lstStyle/>
+                    <a:bodyPr lIns="68400" rIns="68400"/>
                     <a:p>
-                      <a:pPr algn="l" rtl="0" fontAlgn="ctr"/>
+                      <a:pPr>
+                        <a:lnSpc>
+                          <a:spcPct val="107000"/>
+                        </a:lnSpc>
+                      </a:pPr>
                       <a:r>
-                        <a:rPr lang="en-US" sz="1600" u="none" strike="noStrike">
+                        <a:rPr b="0" lang="de-DE" sz="400" spc="-1" strike="noStrike">
                           <a:solidFill>
-                            <a:schemeClr val="tx1"/>
+                            <a:srgbClr val="000000"/>
                           </a:solidFill>
-                          <a:effectLst/>
+                          <a:latin typeface="Calibri"/>
+                        </a:rPr>
+                        <a:t> </a:t>
+                      </a:r>
+                      <a:endParaRPr b="0" lang="de-DE" sz="400" spc="-1" strike="noStrike">
+                        <a:latin typeface="Arial"/>
+                      </a:endParaRPr>
+                    </a:p>
+                  </a:txBody>
+                  <a:tcPr marL="68400" marR="68400">
+                    <a:lnL w="12240">
+                      <a:solidFill>
+                        <a:srgbClr val="bd582c"/>
+                      </a:solidFill>
+                    </a:lnL>
+                    <a:lnR w="12240">
+                      <a:solidFill>
+                        <a:srgbClr val="bd582c"/>
+                      </a:solidFill>
+                    </a:lnR>
+                    <a:lnT w="12240">
+                      <a:solidFill>
+                        <a:srgbClr val="bd582c"/>
+                      </a:solidFill>
+                    </a:lnT>
+                    <a:lnB w="12240">
+                      <a:solidFill>
+                        <a:srgbClr val="bd582c"/>
+                      </a:solidFill>
+                    </a:lnB>
+                    <a:solidFill>
+                      <a:srgbClr val="d18d76"/>
+                    </a:solidFill>
+                  </a:tcPr>
+                </a:tc>
+              </a:tr>
+              <a:tr h="333720">
+                <a:tc>
+                  <a:txBody>
+                    <a:bodyPr lIns="68400" rIns="68400"/>
+                    <a:p>
+                      <a:pPr>
+                        <a:lnSpc>
+                          <a:spcPct val="107000"/>
+                        </a:lnSpc>
+                      </a:pPr>
+                      <a:r>
+                        <a:rPr b="0" lang="de-DE" sz="1600" spc="-1" strike="noStrike">
+                          <a:solidFill>
+                            <a:srgbClr val="000000"/>
+                          </a:solidFill>
+                          <a:latin typeface="Calibri"/>
                         </a:rPr>
                         <a:t>Gesamtzeit</a:t>
                       </a:r>
-                      <a:endParaRPr lang="en-US" sz="1600" b="0" i="0" u="none" strike="noStrike">
-                        <a:solidFill>
-                          <a:schemeClr val="tx1"/>
-                        </a:solidFill>
-                        <a:effectLst/>
-                        <a:latin typeface="Calibri" panose="020F0502020204030204" pitchFamily="34" charset="0"/>
+                      <a:endParaRPr b="0" lang="de-DE" sz="1600" spc="-1" strike="noStrike">
+                        <a:latin typeface="Arial"/>
                       </a:endParaRPr>
                     </a:p>
                   </a:txBody>
-                  <a:tcPr marL="9510" marR="9510" marT="9510" marB="0" anchor="ctr">
+                  <a:tcPr marL="68400" marR="68400">
+                    <a:lnL w="12240">
+                      <a:solidFill>
+                        <a:srgbClr val="bd582c"/>
+                      </a:solidFill>
+                    </a:lnL>
+                    <a:lnR w="15840">
+                      <a:solidFill>
+                        <a:srgbClr val="bd582c"/>
+                      </a:solidFill>
+                    </a:lnR>
+                    <a:lnT w="12240">
+                      <a:solidFill>
+                        <a:srgbClr val="bd582c"/>
+                      </a:solidFill>
+                    </a:lnT>
+                    <a:lnB w="12240">
+                      <a:solidFill>
+                        <a:srgbClr val="bd582c"/>
+                      </a:solidFill>
+                    </a:lnB>
                     <a:solidFill>
-                      <a:schemeClr val="accent1"/>
+                      <a:srgbClr val="deb0a8"/>
                     </a:solidFill>
                   </a:tcPr>
                 </a:tc>
                 <a:tc>
                   <a:txBody>
-                    <a:bodyPr/>
-                    <a:lstStyle/>
+                    <a:bodyPr lIns="68400" rIns="68400"/>
                     <a:p>
-                      <a:pPr algn="r" rtl="0" fontAlgn="ctr"/>
+                      <a:pPr algn="r">
+                        <a:lnSpc>
+                          <a:spcPct val="107000"/>
+                        </a:lnSpc>
+                      </a:pPr>
                       <a:r>
-                        <a:rPr lang="en-US" sz="1600" u="none" strike="noStrike" dirty="0">
+                        <a:rPr b="0" lang="de-DE" sz="1600" spc="-1" strike="noStrike">
                           <a:solidFill>
-                            <a:schemeClr val="tx1"/>
+                            <a:srgbClr val="000000"/>
                           </a:solidFill>
-                          <a:effectLst/>
+                          <a:latin typeface="Calibri"/>
                         </a:rPr>
-                        <a:t>238</a:t>
+                        <a:t>117</a:t>
                       </a:r>
-                      <a:endParaRPr lang="en-US" sz="1600" b="0" i="0" u="none" strike="noStrike" dirty="0">
-                        <a:solidFill>
-                          <a:schemeClr val="tx1"/>
-                        </a:solidFill>
-                        <a:effectLst/>
-                        <a:latin typeface="Calibri" panose="020F0502020204030204" pitchFamily="34" charset="0"/>
+                      <a:endParaRPr b="0" lang="de-DE" sz="1600" spc="-1" strike="noStrike">
+                        <a:latin typeface="Arial"/>
                       </a:endParaRPr>
                     </a:p>
                   </a:txBody>
-                  <a:tcPr marL="9510" marR="9510" marT="9510" marB="0" anchor="ctr">
+                  <a:tcPr marL="68400" marR="68400">
+                    <a:lnL w="12240">
+                      <a:solidFill>
+                        <a:srgbClr val="bd582c"/>
+                      </a:solidFill>
+                    </a:lnL>
+                    <a:lnR w="12240">
+                      <a:solidFill>
+                        <a:srgbClr val="bd582c"/>
+                      </a:solidFill>
+                    </a:lnR>
+                    <a:lnT w="12240">
+                      <a:solidFill>
+                        <a:srgbClr val="bd582c"/>
+                      </a:solidFill>
+                    </a:lnT>
+                    <a:lnB w="12240">
+                      <a:solidFill>
+                        <a:srgbClr val="bd582c"/>
+                      </a:solidFill>
+                    </a:lnB>
                     <a:solidFill>
-                      <a:schemeClr val="accent1">
-                        <a:lumMod val="60000"/>
-                        <a:lumOff val="40000"/>
-                      </a:schemeClr>
+                      <a:srgbClr val="deb0a8"/>
                     </a:solidFill>
                   </a:tcPr>
                 </a:tc>
-                <a:extLst>
-                  <a:ext uri="{0D108BD9-81ED-4DB2-BD59-A6C34878D82A}">
-                    <a16:rowId xmlns:a16="http://schemas.microsoft.com/office/drawing/2014/main" val="4108248938"/>
-                  </a:ext>
-                </a:extLst>
+                <a:tc>
+                  <a:txBody>
+                    <a:bodyPr lIns="68400" rIns="68400"/>
+                    <a:p>
+                      <a:pPr>
+                        <a:lnSpc>
+                          <a:spcPct val="107000"/>
+                        </a:lnSpc>
+                      </a:pPr>
+                      <a:r>
+                        <a:rPr b="0" lang="de-DE" sz="1600" spc="-1" strike="noStrike">
+                          <a:solidFill>
+                            <a:srgbClr val="000000"/>
+                          </a:solidFill>
+                          <a:latin typeface="Calibri"/>
+                        </a:rPr>
+                        <a:t>Gesamtzeit</a:t>
+                      </a:r>
+                      <a:endParaRPr b="0" lang="de-DE" sz="1600" spc="-1" strike="noStrike">
+                        <a:latin typeface="Arial"/>
+                      </a:endParaRPr>
+                    </a:p>
+                  </a:txBody>
+                  <a:tcPr marL="68400" marR="68400">
+                    <a:lnL w="12240">
+                      <a:solidFill>
+                        <a:srgbClr val="bd582c"/>
+                      </a:solidFill>
+                    </a:lnL>
+                    <a:lnR w="12240">
+                      <a:solidFill>
+                        <a:srgbClr val="bd582c"/>
+                      </a:solidFill>
+                    </a:lnR>
+                    <a:lnT w="12240">
+                      <a:solidFill>
+                        <a:srgbClr val="bd582c"/>
+                      </a:solidFill>
+                    </a:lnT>
+                    <a:lnB w="12240">
+                      <a:solidFill>
+                        <a:srgbClr val="bd582c"/>
+                      </a:solidFill>
+                    </a:lnB>
+                    <a:solidFill>
+                      <a:srgbClr val="deb0a8"/>
+                    </a:solidFill>
+                  </a:tcPr>
+                </a:tc>
+                <a:tc>
+                  <a:txBody>
+                    <a:bodyPr lIns="68400" rIns="68400"/>
+                    <a:p>
+                      <a:pPr algn="r">
+                        <a:lnSpc>
+                          <a:spcPct val="107000"/>
+                        </a:lnSpc>
+                      </a:pPr>
+                      <a:r>
+                        <a:rPr b="0" lang="de-DE" sz="1600" spc="-1" strike="noStrike">
+                          <a:solidFill>
+                            <a:srgbClr val="000000"/>
+                          </a:solidFill>
+                          <a:latin typeface="Calibri"/>
+                        </a:rPr>
+                        <a:t>73</a:t>
+                      </a:r>
+                      <a:endParaRPr b="0" lang="de-DE" sz="1600" spc="-1" strike="noStrike">
+                        <a:latin typeface="Arial"/>
+                      </a:endParaRPr>
+                    </a:p>
+                  </a:txBody>
+                  <a:tcPr marL="68400" marR="68400">
+                    <a:lnL w="12240">
+                      <a:solidFill>
+                        <a:srgbClr val="bd582c"/>
+                      </a:solidFill>
+                    </a:lnL>
+                    <a:lnR w="12240">
+                      <a:solidFill>
+                        <a:srgbClr val="bd582c"/>
+                      </a:solidFill>
+                    </a:lnR>
+                    <a:lnT w="12240">
+                      <a:solidFill>
+                        <a:srgbClr val="bd582c"/>
+                      </a:solidFill>
+                    </a:lnT>
+                    <a:lnB w="12240">
+                      <a:solidFill>
+                        <a:srgbClr val="bd582c"/>
+                      </a:solidFill>
+                    </a:lnB>
+                    <a:solidFill>
+                      <a:srgbClr val="deb0a8"/>
+                    </a:solidFill>
+                  </a:tcPr>
+                </a:tc>
+                <a:tc>
+                  <a:txBody>
+                    <a:bodyPr lIns="68400" rIns="68400"/>
+                    <a:p>
+                      <a:pPr>
+                        <a:lnSpc>
+                          <a:spcPct val="107000"/>
+                        </a:lnSpc>
+                      </a:pPr>
+                      <a:r>
+                        <a:rPr b="0" lang="de-DE" sz="1600" spc="-1" strike="noStrike">
+                          <a:solidFill>
+                            <a:srgbClr val="000000"/>
+                          </a:solidFill>
+                          <a:latin typeface="Calibri"/>
+                        </a:rPr>
+                        <a:t>Gesamtzeit</a:t>
+                      </a:r>
+                      <a:endParaRPr b="0" lang="de-DE" sz="1600" spc="-1" strike="noStrike">
+                        <a:latin typeface="Arial"/>
+                      </a:endParaRPr>
+                    </a:p>
+                  </a:txBody>
+                  <a:tcPr marL="68400" marR="68400">
+                    <a:lnL w="12240">
+                      <a:solidFill>
+                        <a:srgbClr val="bd582c"/>
+                      </a:solidFill>
+                    </a:lnL>
+                    <a:lnR w="12240">
+                      <a:solidFill>
+                        <a:srgbClr val="bd582c"/>
+                      </a:solidFill>
+                    </a:lnR>
+                    <a:lnT w="12240">
+                      <a:solidFill>
+                        <a:srgbClr val="bd582c"/>
+                      </a:solidFill>
+                    </a:lnT>
+                    <a:lnB w="12240">
+                      <a:solidFill>
+                        <a:srgbClr val="bd582c"/>
+                      </a:solidFill>
+                    </a:lnB>
+                    <a:solidFill>
+                      <a:srgbClr val="deb0a8"/>
+                    </a:solidFill>
+                  </a:tcPr>
+                </a:tc>
+                <a:tc>
+                  <a:txBody>
+                    <a:bodyPr lIns="68400" rIns="68400"/>
+                    <a:p>
+                      <a:pPr algn="r">
+                        <a:lnSpc>
+                          <a:spcPct val="107000"/>
+                        </a:lnSpc>
+                      </a:pPr>
+                      <a:r>
+                        <a:rPr b="0" lang="de-DE" sz="1600" spc="-1" strike="noStrike">
+                          <a:solidFill>
+                            <a:srgbClr val="000000"/>
+                          </a:solidFill>
+                          <a:latin typeface="Calibri"/>
+                        </a:rPr>
+                        <a:t>231</a:t>
+                      </a:r>
+                      <a:endParaRPr b="0" lang="de-DE" sz="1600" spc="-1" strike="noStrike">
+                        <a:latin typeface="Arial"/>
+                      </a:endParaRPr>
+                    </a:p>
+                  </a:txBody>
+                  <a:tcPr marL="68400" marR="68400">
+                    <a:lnL w="12240">
+                      <a:solidFill>
+                        <a:srgbClr val="bd582c"/>
+                      </a:solidFill>
+                    </a:lnL>
+                    <a:lnR w="12240">
+                      <a:solidFill>
+                        <a:srgbClr val="bd582c"/>
+                      </a:solidFill>
+                    </a:lnR>
+                    <a:lnT w="12240">
+                      <a:solidFill>
+                        <a:srgbClr val="bd582c"/>
+                      </a:solidFill>
+                    </a:lnT>
+                    <a:lnB w="12240">
+                      <a:solidFill>
+                        <a:srgbClr val="bd582c"/>
+                      </a:solidFill>
+                    </a:lnB>
+                    <a:solidFill>
+                      <a:srgbClr val="deb0a8"/>
+                    </a:solidFill>
+                  </a:tcPr>
+                </a:tc>
               </a:tr>
             </a:tbl>
           </a:graphicData>
@@ -8335,25 +8353,30 @@
       </p:graphicFrame>
     </p:spTree>
   </p:cSld>
-  <p:clrMapOvr>
-    <a:masterClrMapping/>
-  </p:clrMapOvr>
+  <mc:AlternateContent>
+    <mc:Choice Requires="p14">
+      <p:transition spd="slow" p14:dur="2000"/>
+    </mc:Choice>
+    <mc:Fallback>
+      <p:transition spd="slow"/>
+    </mc:Fallback>
+  </mc:AlternateContent>
   <p:timing>
     <p:tnLst>
       <p:par>
-        <p:cTn id="1" dur="indefinite" restart="never" nodeType="tmRoot">
+        <p:cTn id="13" dur="indefinite" restart="never" nodeType="tmRoot">
           <p:childTnLst>
             <p:seq>
-              <p:cTn id="2" dur="indefinite" nodeType="mainSeq"/>
+              <p:cTn id="14" dur="indefinite" nodeType="mainSeq"/>
               <p:prevCondLst>
-                <p:cond evt="onPrev" delay="0">
+                <p:cond delay="0" evt="onPrev">
                   <p:tgtEl>
                     <p:sldTgt/>
                   </p:tgtEl>
                 </p:cond>
               </p:prevCondLst>
               <p:nextCondLst>
-                <p:cond evt="onNext" delay="0">
+                <p:cond delay="0" evt="onNext">
                   <p:tgtEl>
                     <p:sldTgt/>
                   </p:tgtEl>
@@ -8369,7 +8392,7 @@
 </file>
 
 <file path=ppt/slides/slide8.xml><?xml version="1.0" encoding="utf-8"?>
-<p:sld xmlns:a="http://schemas.openxmlformats.org/drawingml/2006/main" xmlns:r="http://schemas.openxmlformats.org/officeDocument/2006/relationships" xmlns:p="http://schemas.openxmlformats.org/presentationml/2006/main">
+<p:sld xmlns:a="http://schemas.openxmlformats.org/drawingml/2006/main" xmlns:p="http://schemas.openxmlformats.org/presentationml/2006/main" xmlns:r="http://schemas.openxmlformats.org/officeDocument/2006/relationships" xmlns:p14="http://schemas.microsoft.com/office/powerpoint/2010/main" xmlns:p15="http://schemas.microsoft.com/office/powerpoint/2012/main" xmlns:mc="http://schemas.openxmlformats.org/markup-compatibility/2006">
   <p:cSld>
     <p:spTree>
       <p:nvGrpSpPr>
@@ -8405,20 +8428,13 @@
           </a:ln>
         </p:spPr>
         <p:style>
-          <a:lnRef idx="0">
-            <a:scrgbClr r="0" g="0" b="0"/>
-          </a:lnRef>
-          <a:fillRef idx="0">
-            <a:scrgbClr r="0" g="0" b="0"/>
-          </a:fillRef>
-          <a:effectRef idx="0">
-            <a:scrgbClr r="0" g="0" b="0"/>
-          </a:effectRef>
+          <a:lnRef idx="0"/>
+          <a:fillRef idx="0"/>
+          <a:effectRef idx="0"/>
           <a:fontRef idx="minor"/>
         </p:style>
         <p:txBody>
-          <a:bodyPr lIns="90000" tIns="45000" rIns="90000" bIns="45000" anchor="b"/>
-          <a:lstStyle/>
+          <a:bodyPr lIns="90000" rIns="90000" tIns="45000" bIns="45000" anchor="b"/>
           <a:p>
             <a:pPr>
               <a:lnSpc>
@@ -8426,7 +8442,7 @@
               </a:lnSpc>
             </a:pPr>
             <a:r>
-              <a:rPr lang="de-DE" sz="4800" b="0" strike="noStrike" spc="-52">
+              <a:rPr b="0" lang="de-DE" sz="4800" spc="-52" strike="noStrike">
                 <a:solidFill>
                   <a:srgbClr val="404040"/>
                 </a:solidFill>
@@ -8434,7 +8450,7 @@
               </a:rPr>
               <a:t>Probleme</a:t>
             </a:r>
-            <a:endParaRPr lang="de-DE" sz="4800" b="0" strike="noStrike" spc="-1">
+            <a:endParaRPr b="0" lang="de-DE" sz="4800" spc="-1" strike="noStrike">
               <a:latin typeface="Arial"/>
             </a:endParaRPr>
           </a:p>
@@ -8460,20 +8476,13 @@
           </a:ln>
         </p:spPr>
         <p:style>
-          <a:lnRef idx="0">
-            <a:scrgbClr r="0" g="0" b="0"/>
-          </a:lnRef>
-          <a:fillRef idx="0">
-            <a:scrgbClr r="0" g="0" b="0"/>
-          </a:fillRef>
-          <a:effectRef idx="0">
-            <a:scrgbClr r="0" g="0" b="0"/>
-          </a:effectRef>
+          <a:lnRef idx="0"/>
+          <a:fillRef idx="0"/>
+          <a:effectRef idx="0"/>
           <a:fontRef idx="minor"/>
         </p:style>
         <p:txBody>
-          <a:bodyPr lIns="0" tIns="45000" rIns="0" bIns="45000"/>
-          <a:lstStyle/>
+          <a:bodyPr lIns="0" rIns="0" tIns="45000" bIns="45000"/>
           <a:p>
             <a:pPr marL="91440" indent="-90720">
               <a:lnSpc>
@@ -8486,26 +8495,35 @@
                 <a:spcPts val="201"/>
               </a:spcAft>
               <a:buClr>
-                <a:srgbClr val="E48312"/>
+                <a:srgbClr val="e48312"/>
               </a:buClr>
               <a:buFont typeface="Arial"/>
               <a:buChar char="•"/>
             </a:pPr>
             <a:r>
-              <a:rPr lang="de-DE" sz="2000" b="0" strike="noStrike" spc="-1">
+              <a:rPr b="0" lang="de-DE" sz="2000" spc="-1" strike="noStrike">
                 <a:solidFill>
                   <a:srgbClr val="404040"/>
                 </a:solidFill>
                 <a:latin typeface="Calibri"/>
               </a:rPr>
-              <a:t> Bugs</a:t>
+              <a:t> </a:t>
             </a:r>
-            <a:endParaRPr lang="de-DE" sz="2000" b="0" strike="noStrike" spc="-1">
-              <a:latin typeface="Arial"/>
-            </a:endParaRPr>
-          </a:p>
-          <a:p>
-            <a:pPr marL="384120" lvl="1" indent="-182160">
+            <a:r>
+              <a:rPr b="0" lang="de-DE" sz="2000" spc="-1" strike="noStrike">
+                <a:solidFill>
+                  <a:srgbClr val="404040"/>
+                </a:solidFill>
+                <a:latin typeface="Calibri"/>
+              </a:rPr>
+              <a:t>Bugs</a:t>
+            </a:r>
+            <a:endParaRPr b="0" lang="de-DE" sz="2000" spc="-1" strike="noStrike">
+              <a:latin typeface="Arial"/>
+            </a:endParaRPr>
+          </a:p>
+          <a:p>
+            <a:pPr lvl="1" marL="384120" indent="-182160">
               <a:lnSpc>
                 <a:spcPct val="90000"/>
               </a:lnSpc>
@@ -8516,13 +8534,13 @@
                 <a:spcPts val="400"/>
               </a:spcAft>
               <a:buClr>
-                <a:srgbClr val="E48312"/>
+                <a:srgbClr val="e48312"/>
               </a:buClr>
               <a:buFont typeface="Arial"/>
               <a:buChar char="•"/>
             </a:pPr>
             <a:r>
-              <a:rPr lang="de-DE" sz="1800" b="0" strike="noStrike" spc="-1">
+              <a:rPr b="0" lang="de-DE" sz="1800" spc="-1" strike="noStrike">
                 <a:solidFill>
                   <a:srgbClr val="404040"/>
                 </a:solidFill>
@@ -8530,12 +8548,12 @@
               </a:rPr>
               <a:t>Neue Funktionen haben häufig alte Funktionen behindert</a:t>
             </a:r>
-            <a:endParaRPr lang="de-DE" sz="1800" b="0" strike="noStrike" spc="-1">
-              <a:latin typeface="Arial"/>
-            </a:endParaRPr>
-          </a:p>
-          <a:p>
-            <a:pPr marL="384120" lvl="1" indent="-182160">
+            <a:endParaRPr b="0" lang="de-DE" sz="1800" spc="-1" strike="noStrike">
+              <a:latin typeface="Arial"/>
+            </a:endParaRPr>
+          </a:p>
+          <a:p>
+            <a:pPr lvl="1" marL="384120" indent="-182160">
               <a:lnSpc>
                 <a:spcPct val="90000"/>
               </a:lnSpc>
@@ -8546,13 +8564,13 @@
                 <a:spcPts val="400"/>
               </a:spcAft>
               <a:buClr>
-                <a:srgbClr val="E48312"/>
+                <a:srgbClr val="e48312"/>
               </a:buClr>
               <a:buFont typeface="Arial"/>
               <a:buChar char="•"/>
             </a:pPr>
             <a:r>
-              <a:rPr lang="de-DE" sz="1800" b="0" strike="noStrike" spc="-1">
+              <a:rPr b="0" lang="de-DE" sz="1800" spc="-1" strike="noStrike">
                 <a:solidFill>
                   <a:srgbClr val="404040"/>
                 </a:solidFill>
@@ -8560,12 +8578,12 @@
               </a:rPr>
               <a:t>CPU Überlastung bei der zyklischen Abarbeitung des Programms</a:t>
             </a:r>
-            <a:endParaRPr lang="de-DE" sz="1800" b="0" strike="noStrike" spc="-1">
-              <a:latin typeface="Arial"/>
-            </a:endParaRPr>
-          </a:p>
-          <a:p>
-            <a:pPr marL="384120" lvl="1" indent="-182160">
+            <a:endParaRPr b="0" lang="de-DE" sz="1800" spc="-1" strike="noStrike">
+              <a:latin typeface="Arial"/>
+            </a:endParaRPr>
+          </a:p>
+          <a:p>
+            <a:pPr lvl="1" marL="384120" indent="-182160">
               <a:lnSpc>
                 <a:spcPct val="90000"/>
               </a:lnSpc>
@@ -8576,13 +8594,13 @@
                 <a:spcPts val="400"/>
               </a:spcAft>
               <a:buClr>
-                <a:srgbClr val="E48312"/>
+                <a:srgbClr val="e48312"/>
               </a:buClr>
               <a:buFont typeface="Arial"/>
               <a:buChar char="•"/>
             </a:pPr>
             <a:r>
-              <a:rPr lang="de-DE" sz="1800" b="0" strike="noStrike" spc="-1">
+              <a:rPr b="0" lang="de-DE" sz="1800" spc="-1" strike="noStrike">
                 <a:solidFill>
                   <a:srgbClr val="404040"/>
                 </a:solidFill>
@@ -8590,12 +8608,12 @@
               </a:rPr>
               <a:t>Bildschirm Größen unterschiede</a:t>
             </a:r>
-            <a:endParaRPr lang="de-DE" sz="1800" b="0" strike="noStrike" spc="-1">
-              <a:latin typeface="Arial"/>
-            </a:endParaRPr>
-          </a:p>
-          <a:p>
-            <a:pPr marL="384120" lvl="1" indent="-182160">
+            <a:endParaRPr b="0" lang="de-DE" sz="1800" spc="-1" strike="noStrike">
+              <a:latin typeface="Arial"/>
+            </a:endParaRPr>
+          </a:p>
+          <a:p>
+            <a:pPr lvl="1" marL="384120" indent="-182160">
               <a:lnSpc>
                 <a:spcPct val="90000"/>
               </a:lnSpc>
@@ -8606,13 +8624,13 @@
                 <a:spcPts val="400"/>
               </a:spcAft>
               <a:buClr>
-                <a:srgbClr val="E48312"/>
+                <a:srgbClr val="e48312"/>
               </a:buClr>
               <a:buFont typeface="Arial"/>
               <a:buChar char="•"/>
             </a:pPr>
             <a:r>
-              <a:rPr lang="de-DE" sz="1800" b="0" strike="noStrike" spc="-1">
+              <a:rPr b="0" lang="de-DE" sz="1800" spc="-1" strike="noStrike">
                 <a:solidFill>
                   <a:srgbClr val="404040"/>
                 </a:solidFill>
@@ -8620,7 +8638,7 @@
               </a:rPr>
               <a:t>Schul-PCs zu langsam</a:t>
             </a:r>
-            <a:endParaRPr lang="de-DE" sz="1800" b="0" strike="noStrike" spc="-1">
+            <a:endParaRPr b="0" lang="de-DE" sz="1800" spc="-1" strike="noStrike">
               <a:latin typeface="Arial"/>
             </a:endParaRPr>
           </a:p>
@@ -8636,21 +8654,30 @@
                 <a:spcPts val="201"/>
               </a:spcAft>
               <a:buClr>
-                <a:srgbClr val="E48312"/>
+                <a:srgbClr val="e48312"/>
               </a:buClr>
               <a:buFont typeface="Arial"/>
               <a:buChar char="•"/>
             </a:pPr>
             <a:r>
-              <a:rPr lang="de-DE" sz="2000" b="0" strike="noStrike" spc="-1">
+              <a:rPr b="0" lang="de-DE" sz="2000" spc="-1" strike="noStrike">
                 <a:solidFill>
                   <a:srgbClr val="404040"/>
                 </a:solidFill>
                 <a:latin typeface="Calibri"/>
               </a:rPr>
-              <a:t> Arbeitseinteilung</a:t>
+              <a:t> </a:t>
             </a:r>
-            <a:endParaRPr lang="de-DE" sz="2000" b="0" strike="noStrike" spc="-1">
+            <a:r>
+              <a:rPr b="0" lang="de-DE" sz="2000" spc="-1" strike="noStrike">
+                <a:solidFill>
+                  <a:srgbClr val="404040"/>
+                </a:solidFill>
+                <a:latin typeface="Calibri"/>
+              </a:rPr>
+              <a:t>Arbeitseinteilung</a:t>
+            </a:r>
+            <a:endParaRPr b="0" lang="de-DE" sz="2000" spc="-1" strike="noStrike">
               <a:latin typeface="Arial"/>
             </a:endParaRPr>
           </a:p>
@@ -8660,7 +8687,7 @@
                 <a:spcPct val="100000"/>
               </a:lnSpc>
             </a:pPr>
-            <a:endParaRPr lang="de-DE" sz="2000" b="0" strike="noStrike" spc="-1">
+            <a:endParaRPr b="0" lang="de-DE" sz="2000" spc="-1" strike="noStrike">
               <a:latin typeface="Arial"/>
             </a:endParaRPr>
           </a:p>
@@ -8668,25 +8695,30 @@
       </p:sp>
     </p:spTree>
   </p:cSld>
-  <p:clrMapOvr>
-    <a:masterClrMapping/>
-  </p:clrMapOvr>
+  <mc:AlternateContent>
+    <mc:Choice Requires="p14">
+      <p:transition spd="slow" p14:dur="2000"/>
+    </mc:Choice>
+    <mc:Fallback>
+      <p:transition spd="slow"/>
+    </mc:Fallback>
+  </mc:AlternateContent>
   <p:timing>
     <p:tnLst>
       <p:par>
-        <p:cTn id="1" dur="indefinite" restart="never" nodeType="tmRoot">
+        <p:cTn id="15" dur="indefinite" restart="never" nodeType="tmRoot">
           <p:childTnLst>
             <p:seq>
-              <p:cTn id="2" dur="indefinite" nodeType="mainSeq"/>
+              <p:cTn id="16" dur="indefinite" nodeType="mainSeq"/>
               <p:prevCondLst>
-                <p:cond evt="onPrev" delay="0">
+                <p:cond delay="0" evt="onPrev">
                   <p:tgtEl>
                     <p:sldTgt/>
                   </p:tgtEl>
                 </p:cond>
               </p:prevCondLst>
               <p:nextCondLst>
-                <p:cond evt="onNext" delay="0">
+                <p:cond delay="0" evt="onNext">
                   <p:tgtEl>
                     <p:sldTgt/>
                   </p:tgtEl>
@@ -8702,7 +8734,7 @@
 </file>
 
 <file path=ppt/slides/slide9.xml><?xml version="1.0" encoding="utf-8"?>
-<p:sld xmlns:a="http://schemas.openxmlformats.org/drawingml/2006/main" xmlns:r="http://schemas.openxmlformats.org/officeDocument/2006/relationships" xmlns:p="http://schemas.openxmlformats.org/presentationml/2006/main">
+<p:sld xmlns:a="http://schemas.openxmlformats.org/drawingml/2006/main" xmlns:p="http://schemas.openxmlformats.org/presentationml/2006/main" xmlns:r="http://schemas.openxmlformats.org/officeDocument/2006/relationships" xmlns:p14="http://schemas.microsoft.com/office/powerpoint/2010/main" xmlns:p15="http://schemas.microsoft.com/office/powerpoint/2012/main" xmlns:mc="http://schemas.openxmlformats.org/markup-compatibility/2006">
   <p:cSld>
     <p:spTree>
       <p:nvGrpSpPr>
@@ -8738,20 +8770,13 @@
           </a:ln>
         </p:spPr>
         <p:style>
-          <a:lnRef idx="0">
-            <a:scrgbClr r="0" g="0" b="0"/>
-          </a:lnRef>
-          <a:fillRef idx="0">
-            <a:scrgbClr r="0" g="0" b="0"/>
-          </a:fillRef>
-          <a:effectRef idx="0">
-            <a:scrgbClr r="0" g="0" b="0"/>
-          </a:effectRef>
+          <a:lnRef idx="0"/>
+          <a:fillRef idx="0"/>
+          <a:effectRef idx="0"/>
           <a:fontRef idx="minor"/>
         </p:style>
         <p:txBody>
-          <a:bodyPr lIns="90000" tIns="45000" rIns="90000" bIns="45000" anchor="b"/>
-          <a:lstStyle/>
+          <a:bodyPr lIns="90000" rIns="90000" tIns="45000" bIns="45000" anchor="b"/>
           <a:p>
             <a:pPr>
               <a:lnSpc>
@@ -8759,7 +8784,7 @@
               </a:lnSpc>
             </a:pPr>
             <a:r>
-              <a:rPr lang="de-DE" sz="4800" b="0" strike="noStrike" spc="-52">
+              <a:rPr b="0" lang="de-DE" sz="4800" spc="-52" strike="noStrike">
                 <a:solidFill>
                   <a:srgbClr val="404040"/>
                 </a:solidFill>
@@ -8767,7 +8792,7 @@
               </a:rPr>
               <a:t>Mögliche Problemlösungen</a:t>
             </a:r>
-            <a:endParaRPr lang="de-DE" sz="4800" b="0" strike="noStrike" spc="-1">
+            <a:endParaRPr b="0" lang="de-DE" sz="4800" spc="-1" strike="noStrike">
               <a:latin typeface="Arial"/>
             </a:endParaRPr>
           </a:p>
@@ -8793,20 +8818,13 @@
           </a:ln>
         </p:spPr>
         <p:style>
-          <a:lnRef idx="0">
-            <a:scrgbClr r="0" g="0" b="0"/>
-          </a:lnRef>
-          <a:fillRef idx="0">
-            <a:scrgbClr r="0" g="0" b="0"/>
-          </a:fillRef>
-          <a:effectRef idx="0">
-            <a:scrgbClr r="0" g="0" b="0"/>
-          </a:effectRef>
+          <a:lnRef idx="0"/>
+          <a:fillRef idx="0"/>
+          <a:effectRef idx="0"/>
           <a:fontRef idx="minor"/>
         </p:style>
         <p:txBody>
-          <a:bodyPr lIns="0" tIns="45000" rIns="0" bIns="45000"/>
-          <a:lstStyle/>
+          <a:bodyPr lIns="0" rIns="0" tIns="45000" bIns="45000"/>
           <a:p>
             <a:pPr marL="91440" indent="-90720">
               <a:lnSpc>
@@ -8819,13 +8837,13 @@
                 <a:spcPts val="201"/>
               </a:spcAft>
               <a:buClr>
-                <a:srgbClr val="E48312"/>
+                <a:srgbClr val="e48312"/>
               </a:buClr>
               <a:buFont typeface="Arial"/>
               <a:buChar char="•"/>
             </a:pPr>
             <a:r>
-              <a:rPr lang="de-DE" sz="2000" b="0" strike="noStrike" spc="-1">
+              <a:rPr b="0" lang="de-DE" sz="2000" spc="-1" strike="noStrike">
                 <a:solidFill>
                   <a:srgbClr val="404040"/>
                 </a:solidFill>
@@ -8833,7 +8851,7 @@
               </a:rPr>
               <a:t> </a:t>
             </a:r>
-            <a:endParaRPr lang="de-DE" sz="2000" b="0" strike="noStrike" spc="-1">
+            <a:endParaRPr b="0" lang="de-DE" sz="2000" spc="-1" strike="noStrike">
               <a:latin typeface="Arial"/>
             </a:endParaRPr>
           </a:p>
@@ -8841,25 +8859,30 @@
       </p:sp>
     </p:spTree>
   </p:cSld>
-  <p:clrMapOvr>
-    <a:masterClrMapping/>
-  </p:clrMapOvr>
+  <mc:AlternateContent>
+    <mc:Choice Requires="p14">
+      <p:transition spd="slow" p14:dur="2000"/>
+    </mc:Choice>
+    <mc:Fallback>
+      <p:transition spd="slow"/>
+    </mc:Fallback>
+  </mc:AlternateContent>
   <p:timing>
     <p:tnLst>
       <p:par>
-        <p:cTn id="1" dur="indefinite" restart="never" nodeType="tmRoot">
+        <p:cTn id="17" dur="indefinite" restart="never" nodeType="tmRoot">
           <p:childTnLst>
             <p:seq>
-              <p:cTn id="2" dur="indefinite" nodeType="mainSeq"/>
+              <p:cTn id="18" dur="indefinite" nodeType="mainSeq"/>
               <p:prevCondLst>
-                <p:cond evt="onPrev" delay="0">
+                <p:cond delay="0" evt="onPrev">
                   <p:tgtEl>
                     <p:sldTgt/>
                   </p:tgtEl>
                 </p:cond>
               </p:prevCondLst>
               <p:nextCondLst>
-                <p:cond evt="onNext" delay="0">
+                <p:cond delay="0" evt="onNext">
                   <p:tgtEl>
                     <p:sldTgt/>
                   </p:tgtEl>
@@ -8888,31 +8911,31 @@
         <a:srgbClr val="637052"/>
       </a:dk2>
       <a:lt2>
-        <a:srgbClr val="CCDDEA"/>
+        <a:srgbClr val="ccddea"/>
       </a:lt2>
       <a:accent1>
-        <a:srgbClr val="E48312"/>
+        <a:srgbClr val="e48312"/>
       </a:accent1>
       <a:accent2>
-        <a:srgbClr val="BD582C"/>
+        <a:srgbClr val="bd582c"/>
       </a:accent2>
       <a:accent3>
         <a:srgbClr val="865640"/>
       </a:accent3>
       <a:accent4>
-        <a:srgbClr val="9B8357"/>
+        <a:srgbClr val="9b8357"/>
       </a:accent4>
       <a:accent5>
-        <a:srgbClr val="C2BC80"/>
+        <a:srgbClr val="c2bc80"/>
       </a:accent5>
       <a:accent6>
-        <a:srgbClr val="94A088"/>
+        <a:srgbClr val="94a088"/>
       </a:accent6>
       <a:hlink>
-        <a:srgbClr val="2998E3"/>
+        <a:srgbClr val="2998e3"/>
       </a:hlink>
       <a:folHlink>
-        <a:srgbClr val="8C8C8C"/>
+        <a:srgbClr val="8c8c8c"/>
       </a:folHlink>
     </a:clrScheme>
     <a:fontScheme name="Office">
@@ -9094,8 +9117,6 @@
       </a:bgFillStyleLst>
     </a:fmtScheme>
   </a:themeElements>
-  <a:objectDefaults/>
-  <a:extraClrSchemeLst/>
 </a:theme>
 </file>
 
@@ -9113,31 +9134,31 @@
         <a:srgbClr val="637052"/>
       </a:dk2>
       <a:lt2>
-        <a:srgbClr val="CCDDEA"/>
+        <a:srgbClr val="ccddea"/>
       </a:lt2>
       <a:accent1>
-        <a:srgbClr val="E48312"/>
+        <a:srgbClr val="e48312"/>
       </a:accent1>
       <a:accent2>
-        <a:srgbClr val="BD582C"/>
+        <a:srgbClr val="bd582c"/>
       </a:accent2>
       <a:accent3>
         <a:srgbClr val="865640"/>
       </a:accent3>
       <a:accent4>
-        <a:srgbClr val="9B8357"/>
+        <a:srgbClr val="9b8357"/>
       </a:accent4>
       <a:accent5>
-        <a:srgbClr val="C2BC80"/>
+        <a:srgbClr val="c2bc80"/>
       </a:accent5>
       <a:accent6>
-        <a:srgbClr val="94A088"/>
+        <a:srgbClr val="94a088"/>
       </a:accent6>
       <a:hlink>
-        <a:srgbClr val="2998E3"/>
+        <a:srgbClr val="2998e3"/>
       </a:hlink>
       <a:folHlink>
-        <a:srgbClr val="8C8C8C"/>
+        <a:srgbClr val="8c8c8c"/>
       </a:folHlink>
     </a:clrScheme>
     <a:fontScheme name="Office">
@@ -9319,7 +9340,5 @@
       </a:bgFillStyleLst>
     </a:fmtScheme>
   </a:themeElements>
-  <a:objectDefaults/>
-  <a:extraClrSchemeLst/>
 </a:theme>
 </file>